--- a/Презентации/1 Урок. HTML.pptx
+++ b/Презентации/1 Урок. HTML.pptx
@@ -1,35 +1,48 @@
 
 <file path=ppt/presentation.xml><?xml version="1.0" encoding="utf-8"?>
-<p:presentation xmlns:a="http://schemas.openxmlformats.org/drawingml/2006/main" xmlns:r="http://schemas.openxmlformats.org/officeDocument/2006/relationships" xmlns:mc="http://schemas.openxmlformats.org/markup-compatibility/2006" xmlns:mv="urn:schemas-microsoft-com:mac:vml" xmlns:p="http://schemas.openxmlformats.org/presentationml/2006/main" xmlns:c="http://schemas.openxmlformats.org/drawingml/2006/chart" xmlns:dgm="http://schemas.openxmlformats.org/drawingml/2006/diagram" xmlns:o="urn:schemas-microsoft-com:office:office" xmlns:v="urn:schemas-microsoft-com:vml" xmlns:pvml="urn:schemas-microsoft-com:office:powerpoint" xmlns:com="http://schemas.openxmlformats.org/drawingml/2006/compatibility" xmlns:p14="http://schemas.microsoft.com/office/powerpoint/2010/main" xmlns:p15="http://schemas.microsoft.com/office/powerpoint/2012/main" xmlns:ahyp="http://schemas.microsoft.com/office/drawing/2018/hyperlinkcolor" autoCompressPictures="0" embedTrueTypeFonts="1" strictFirstAndLastChars="0" saveSubsetFonts="1">
+<p:presentation xmlns:a="http://schemas.openxmlformats.org/drawingml/2006/main" xmlns:r="http://schemas.openxmlformats.org/officeDocument/2006/relationships" xmlns:p="http://schemas.openxmlformats.org/presentationml/2006/main" strictFirstAndLastChars="0" embedTrueTypeFonts="1" saveSubsetFonts="1" autoCompressPictures="0">
   <p:sldMasterIdLst>
-    <p:sldMasterId id="2147483659" r:id="rId5"/>
+    <p:sldMasterId id="2147483659" r:id="rId1"/>
   </p:sldMasterIdLst>
   <p:notesMasterIdLst>
-    <p:notesMasterId r:id="rId6"/>
+    <p:notesMasterId r:id="rId9"/>
   </p:notesMasterIdLst>
   <p:sldIdLst>
-    <p:sldId id="256" r:id="rId7"/>
-    <p:sldId id="257" r:id="rId8"/>
-    <p:sldId id="258" r:id="rId9"/>
-    <p:sldId id="259" r:id="rId10"/>
-    <p:sldId id="260" r:id="rId11"/>
-    <p:sldId id="261" r:id="rId12"/>
-    <p:sldId id="262" r:id="rId13"/>
-    <p:sldId id="263" r:id="rId14"/>
+    <p:sldId id="256" r:id="rId2"/>
+    <p:sldId id="257" r:id="rId3"/>
+    <p:sldId id="258" r:id="rId4"/>
+    <p:sldId id="259" r:id="rId5"/>
+    <p:sldId id="260" r:id="rId6"/>
+    <p:sldId id="261" r:id="rId7"/>
+    <p:sldId id="263" r:id="rId8"/>
   </p:sldIdLst>
-  <p:sldSz cy="10287000" cx="18288000"/>
+  <p:sldSz cx="18288000" cy="10287000"/>
   <p:notesSz cx="6858000" cy="9144000"/>
   <p:embeddedFontLst>
     <p:embeddedFont>
-      <p:font typeface="Montserrat"/>
-      <p:regular r:id="rId15"/>
-      <p:bold r:id="rId16"/>
-      <p:italic r:id="rId17"/>
-      <p:boldItalic r:id="rId18"/>
+      <p:font typeface="Calibri" panose="020F0502020204030204" pitchFamily="34" charset="0"/>
+      <p:regular r:id="rId10"/>
+      <p:bold r:id="rId11"/>
+      <p:italic r:id="rId12"/>
+      <p:boldItalic r:id="rId13"/>
+    </p:embeddedFont>
+    <p:embeddedFont>
+      <p:font typeface="Comic Sans MS" panose="030F0702030302020204" pitchFamily="66" charset="0"/>
+      <p:regular r:id="rId14"/>
+      <p:bold r:id="rId15"/>
+      <p:italic r:id="rId16"/>
+      <p:boldItalic r:id="rId17"/>
+    </p:embeddedFont>
+    <p:embeddedFont>
+      <p:font typeface="Montserrat" panose="020B0604020202020204" charset="-52"/>
+      <p:regular r:id="rId18"/>
+      <p:bold r:id="rId19"/>
+      <p:italic r:id="rId20"/>
+      <p:boldItalic r:id="rId21"/>
     </p:embeddedFont>
   </p:embeddedFontLst>
   <p:defaultTextStyle>
-    <a:defPPr lvl="0" marR="0" rtl="0" algn="l">
+    <a:defPPr marR="0" lvl="0" algn="l" rtl="0">
       <a:lnSpc>
         <a:spcPct val="100000"/>
       </a:lnSpc>
@@ -40,7 +53,7 @@
         <a:spcPts val="0"/>
       </a:spcAft>
     </a:defPPr>
-    <a:lvl1pPr lvl="0" marR="0" rtl="0" algn="l">
+    <a:lvl1pPr marR="0" lvl="0" algn="l" rtl="0">
       <a:lnSpc>
         <a:spcPct val="100000"/>
       </a:lnSpc>
@@ -54,7 +67,7 @@
         <a:srgbClr val="000000"/>
       </a:buClr>
       <a:buFont typeface="Arial"/>
-      <a:defRPr b="0" i="0" sz="1400" u="none" cap="none" strike="noStrike">
+      <a:defRPr sz="1400" b="0" i="0" u="none" strike="noStrike" cap="none">
         <a:solidFill>
           <a:srgbClr val="000000"/>
         </a:solidFill>
@@ -64,7 +77,7 @@
         <a:sym typeface="Arial"/>
       </a:defRPr>
     </a:lvl1pPr>
-    <a:lvl2pPr lvl="1" marR="0" rtl="0" algn="l">
+    <a:lvl2pPr marR="0" lvl="1" algn="l" rtl="0">
       <a:lnSpc>
         <a:spcPct val="100000"/>
       </a:lnSpc>
@@ -78,7 +91,7 @@
         <a:srgbClr val="000000"/>
       </a:buClr>
       <a:buFont typeface="Arial"/>
-      <a:defRPr b="0" i="0" sz="1400" u="none" cap="none" strike="noStrike">
+      <a:defRPr sz="1400" b="0" i="0" u="none" strike="noStrike" cap="none">
         <a:solidFill>
           <a:srgbClr val="000000"/>
         </a:solidFill>
@@ -88,7 +101,7 @@
         <a:sym typeface="Arial"/>
       </a:defRPr>
     </a:lvl2pPr>
-    <a:lvl3pPr lvl="2" marR="0" rtl="0" algn="l">
+    <a:lvl3pPr marR="0" lvl="2" algn="l" rtl="0">
       <a:lnSpc>
         <a:spcPct val="100000"/>
       </a:lnSpc>
@@ -102,7 +115,7 @@
         <a:srgbClr val="000000"/>
       </a:buClr>
       <a:buFont typeface="Arial"/>
-      <a:defRPr b="0" i="0" sz="1400" u="none" cap="none" strike="noStrike">
+      <a:defRPr sz="1400" b="0" i="0" u="none" strike="noStrike" cap="none">
         <a:solidFill>
           <a:srgbClr val="000000"/>
         </a:solidFill>
@@ -112,7 +125,7 @@
         <a:sym typeface="Arial"/>
       </a:defRPr>
     </a:lvl3pPr>
-    <a:lvl4pPr lvl="3" marR="0" rtl="0" algn="l">
+    <a:lvl4pPr marR="0" lvl="3" algn="l" rtl="0">
       <a:lnSpc>
         <a:spcPct val="100000"/>
       </a:lnSpc>
@@ -126,7 +139,7 @@
         <a:srgbClr val="000000"/>
       </a:buClr>
       <a:buFont typeface="Arial"/>
-      <a:defRPr b="0" i="0" sz="1400" u="none" cap="none" strike="noStrike">
+      <a:defRPr sz="1400" b="0" i="0" u="none" strike="noStrike" cap="none">
         <a:solidFill>
           <a:srgbClr val="000000"/>
         </a:solidFill>
@@ -136,7 +149,7 @@
         <a:sym typeface="Arial"/>
       </a:defRPr>
     </a:lvl4pPr>
-    <a:lvl5pPr lvl="4" marR="0" rtl="0" algn="l">
+    <a:lvl5pPr marR="0" lvl="4" algn="l" rtl="0">
       <a:lnSpc>
         <a:spcPct val="100000"/>
       </a:lnSpc>
@@ -150,7 +163,7 @@
         <a:srgbClr val="000000"/>
       </a:buClr>
       <a:buFont typeface="Arial"/>
-      <a:defRPr b="0" i="0" sz="1400" u="none" cap="none" strike="noStrike">
+      <a:defRPr sz="1400" b="0" i="0" u="none" strike="noStrike" cap="none">
         <a:solidFill>
           <a:srgbClr val="000000"/>
         </a:solidFill>
@@ -160,7 +173,7 @@
         <a:sym typeface="Arial"/>
       </a:defRPr>
     </a:lvl5pPr>
-    <a:lvl6pPr lvl="5" marR="0" rtl="0" algn="l">
+    <a:lvl6pPr marR="0" lvl="5" algn="l" rtl="0">
       <a:lnSpc>
         <a:spcPct val="100000"/>
       </a:lnSpc>
@@ -174,7 +187,7 @@
         <a:srgbClr val="000000"/>
       </a:buClr>
       <a:buFont typeface="Arial"/>
-      <a:defRPr b="0" i="0" sz="1400" u="none" cap="none" strike="noStrike">
+      <a:defRPr sz="1400" b="0" i="0" u="none" strike="noStrike" cap="none">
         <a:solidFill>
           <a:srgbClr val="000000"/>
         </a:solidFill>
@@ -184,7 +197,7 @@
         <a:sym typeface="Arial"/>
       </a:defRPr>
     </a:lvl6pPr>
-    <a:lvl7pPr lvl="6" marR="0" rtl="0" algn="l">
+    <a:lvl7pPr marR="0" lvl="6" algn="l" rtl="0">
       <a:lnSpc>
         <a:spcPct val="100000"/>
       </a:lnSpc>
@@ -198,7 +211,7 @@
         <a:srgbClr val="000000"/>
       </a:buClr>
       <a:buFont typeface="Arial"/>
-      <a:defRPr b="0" i="0" sz="1400" u="none" cap="none" strike="noStrike">
+      <a:defRPr sz="1400" b="0" i="0" u="none" strike="noStrike" cap="none">
         <a:solidFill>
           <a:srgbClr val="000000"/>
         </a:solidFill>
@@ -208,7 +221,7 @@
         <a:sym typeface="Arial"/>
       </a:defRPr>
     </a:lvl7pPr>
-    <a:lvl8pPr lvl="7" marR="0" rtl="0" algn="l">
+    <a:lvl8pPr marR="0" lvl="7" algn="l" rtl="0">
       <a:lnSpc>
         <a:spcPct val="100000"/>
       </a:lnSpc>
@@ -222,7 +235,7 @@
         <a:srgbClr val="000000"/>
       </a:buClr>
       <a:buFont typeface="Arial"/>
-      <a:defRPr b="0" i="0" sz="1400" u="none" cap="none" strike="noStrike">
+      <a:defRPr sz="1400" b="0" i="0" u="none" strike="noStrike" cap="none">
         <a:solidFill>
           <a:srgbClr val="000000"/>
         </a:solidFill>
@@ -232,7 +245,7 @@
         <a:sym typeface="Arial"/>
       </a:defRPr>
     </a:lvl8pPr>
-    <a:lvl9pPr lvl="8" marR="0" rtl="0" algn="l">
+    <a:lvl9pPr marR="0" lvl="8" algn="l" rtl="0">
       <a:lnSpc>
         <a:spcPct val="100000"/>
       </a:lnSpc>
@@ -246,7 +259,7 @@
         <a:srgbClr val="000000"/>
       </a:buClr>
       <a:buFont typeface="Arial"/>
-      <a:defRPr b="0" i="0" sz="1400" u="none" cap="none" strike="noStrike">
+      <a:defRPr sz="1400" b="0" i="0" u="none" strike="noStrike" cap="none">
         <a:solidFill>
           <a:srgbClr val="000000"/>
         </a:solidFill>
@@ -259,7 +272,7 @@
   </p:defaultTextStyle>
   <p:extLst>
     <p:ext uri="{EFAFB233-063F-42B5-8137-9DF3F51BA10A}">
-      <p15:sldGuideLst>
+      <p15:sldGuideLst xmlns:p15="http://schemas.microsoft.com/office/powerpoint/2012/main">
         <p15:guide id="1" orient="horz" pos="2160">
           <p15:clr>
             <a:srgbClr val="000000"/>
@@ -277,11 +290,16 @@
 </file>
 
 <file path=ppt/notesMasters/notesMaster1.xml><?xml version="1.0" encoding="utf-8"?>
-<p:notesMaster xmlns:a="http://schemas.openxmlformats.org/drawingml/2006/main" xmlns:r="http://schemas.openxmlformats.org/officeDocument/2006/relationships" xmlns:mc="http://schemas.openxmlformats.org/markup-compatibility/2006" xmlns:mv="urn:schemas-microsoft-com:mac:vml" xmlns:p="http://schemas.openxmlformats.org/presentationml/2006/main" xmlns:c="http://schemas.openxmlformats.org/drawingml/2006/chart" xmlns:dgm="http://schemas.openxmlformats.org/drawingml/2006/diagram" xmlns:o="urn:schemas-microsoft-com:office:office" xmlns:v="urn:schemas-microsoft-com:vml" xmlns:pvml="urn:schemas-microsoft-com:office:powerpoint" xmlns:com="http://schemas.openxmlformats.org/drawingml/2006/compatibility" xmlns:p14="http://schemas.microsoft.com/office/powerpoint/2010/main" xmlns:p15="http://schemas.microsoft.com/office/powerpoint/2012/main" xmlns:ahyp="http://schemas.microsoft.com/office/drawing/2018/hyperlinkcolor">
+<p:notesMaster xmlns:a="http://schemas.openxmlformats.org/drawingml/2006/main" xmlns:r="http://schemas.openxmlformats.org/officeDocument/2006/relationships" xmlns:p="http://schemas.openxmlformats.org/presentationml/2006/main">
   <p:cSld>
+    <p:bg>
+      <p:bgRef idx="1001">
+        <a:schemeClr val="bg1"/>
+      </p:bgRef>
+    </p:bg>
     <p:spTree>
       <p:nvGrpSpPr>
-        <p:cNvPr id="2" name="Shape 2"/>
+        <p:cNvPr id="1" name="Shape 2"/>
         <p:cNvGrpSpPr/>
         <p:nvPr/>
       </p:nvGrpSpPr>
@@ -296,9 +314,11 @@
       <p:sp>
         <p:nvSpPr>
           <p:cNvPr id="3" name="Google Shape;3;n"/>
-          <p:cNvSpPr/>
+          <p:cNvSpPr>
+            <a:spLocks noGrp="1" noRot="1" noChangeAspect="1"/>
+          </p:cNvSpPr>
           <p:nvPr>
-            <p:ph idx="2" type="sldImg"/>
+            <p:ph type="sldImg" idx="2"/>
           </p:nvPr>
         </p:nvSpPr>
         <p:spPr>
@@ -307,9 +327,13 @@
             <a:ext cx="4572225" cy="3429000"/>
           </a:xfrm>
           <a:custGeom>
-            <a:rect b="b" l="l" r="r" t="t"/>
+            <a:avLst/>
+            <a:gdLst/>
+            <a:ahLst/>
+            <a:cxnLst/>
+            <a:rect l="l" t="t" r="r" b="b"/>
             <a:pathLst>
-              <a:path extrusionOk="0" h="120000" w="120000">
+              <a:path w="120000" h="120000" extrusionOk="0">
                 <a:moveTo>
                   <a:pt x="0" y="0"/>
                 </a:moveTo>
@@ -327,23 +351,25 @@
             </a:pathLst>
           </a:custGeom>
           <a:noFill/>
-          <a:ln cap="flat" cmpd="sng" w="9525">
+          <a:ln w="9525" cap="flat" cmpd="sng">
             <a:solidFill>
               <a:srgbClr val="000000"/>
             </a:solidFill>
             <a:prstDash val="solid"/>
             <a:round/>
-            <a:headEnd len="sm" w="sm" type="none"/>
-            <a:tailEnd len="sm" w="sm" type="none"/>
+            <a:headEnd type="none" w="sm" len="sm"/>
+            <a:tailEnd type="none" w="sm" len="sm"/>
           </a:ln>
         </p:spPr>
       </p:sp>
       <p:sp>
         <p:nvSpPr>
           <p:cNvPr id="4" name="Google Shape;4;n"/>
-          <p:cNvSpPr txBox="1"/>
+          <p:cNvSpPr txBox="1">
+            <a:spLocks noGrp="1"/>
+          </p:cNvSpPr>
           <p:nvPr>
-            <p:ph idx="1" type="body"/>
+            <p:ph type="body" idx="1"/>
           </p:nvPr>
         </p:nvSpPr>
         <p:spPr>
@@ -360,11 +386,11 @@
           </a:ln>
         </p:spPr>
         <p:txBody>
-          <a:bodyPr anchorCtr="0" anchor="t" bIns="91425" lIns="91425" spcFirstLastPara="1" rIns="91425" wrap="square" tIns="91425">
+          <a:bodyPr spcFirstLastPara="1" wrap="square" lIns="91425" tIns="91425" rIns="91425" bIns="91425" anchor="t" anchorCtr="0">
             <a:noAutofit/>
           </a:bodyPr>
           <a:lstStyle>
-            <a:lvl1pPr indent="-298450" lvl="0" marL="457200">
+            <a:lvl1pPr marL="457200" lvl="0" indent="-298450">
               <a:spcBef>
                 <a:spcPts val="0"/>
               </a:spcBef>
@@ -375,7 +401,7 @@
               <a:buChar char="●"/>
               <a:defRPr sz="1100"/>
             </a:lvl1pPr>
-            <a:lvl2pPr indent="-298450" lvl="1" marL="914400">
+            <a:lvl2pPr marL="914400" lvl="1" indent="-298450">
               <a:spcBef>
                 <a:spcPts val="0"/>
               </a:spcBef>
@@ -386,7 +412,7 @@
               <a:buChar char="○"/>
               <a:defRPr sz="1100"/>
             </a:lvl2pPr>
-            <a:lvl3pPr indent="-298450" lvl="2" marL="1371600">
+            <a:lvl3pPr marL="1371600" lvl="2" indent="-298450">
               <a:spcBef>
                 <a:spcPts val="0"/>
               </a:spcBef>
@@ -397,7 +423,7 @@
               <a:buChar char="■"/>
               <a:defRPr sz="1100"/>
             </a:lvl3pPr>
-            <a:lvl4pPr indent="-298450" lvl="3" marL="1828800">
+            <a:lvl4pPr marL="1828800" lvl="3" indent="-298450">
               <a:spcBef>
                 <a:spcPts val="0"/>
               </a:spcBef>
@@ -408,7 +434,7 @@
               <a:buChar char="●"/>
               <a:defRPr sz="1100"/>
             </a:lvl4pPr>
-            <a:lvl5pPr indent="-298450" lvl="4" marL="2286000">
+            <a:lvl5pPr marL="2286000" lvl="4" indent="-298450">
               <a:spcBef>
                 <a:spcPts val="0"/>
               </a:spcBef>
@@ -419,7 +445,7 @@
               <a:buChar char="○"/>
               <a:defRPr sz="1100"/>
             </a:lvl5pPr>
-            <a:lvl6pPr indent="-298450" lvl="5" marL="2743200">
+            <a:lvl6pPr marL="2743200" lvl="5" indent="-298450">
               <a:spcBef>
                 <a:spcPts val="0"/>
               </a:spcBef>
@@ -430,7 +456,7 @@
               <a:buChar char="■"/>
               <a:defRPr sz="1100"/>
             </a:lvl6pPr>
-            <a:lvl7pPr indent="-298450" lvl="6" marL="3200400">
+            <a:lvl7pPr marL="3200400" lvl="6" indent="-298450">
               <a:spcBef>
                 <a:spcPts val="0"/>
               </a:spcBef>
@@ -441,7 +467,7 @@
               <a:buChar char="●"/>
               <a:defRPr sz="1100"/>
             </a:lvl7pPr>
-            <a:lvl8pPr indent="-298450" lvl="7" marL="3657600">
+            <a:lvl8pPr marL="3657600" lvl="7" indent="-298450">
               <a:spcBef>
                 <a:spcPts val="0"/>
               </a:spcBef>
@@ -452,7 +478,7 @@
               <a:buChar char="○"/>
               <a:defRPr sz="1100"/>
             </a:lvl8pPr>
-            <a:lvl9pPr indent="-298450" lvl="8" marL="4114800">
+            <a:lvl9pPr marL="4114800" lvl="8" indent="-298450">
               <a:spcBef>
                 <a:spcPts val="0"/>
               </a:spcBef>
@@ -464,14 +490,16 @@
               <a:defRPr sz="1100"/>
             </a:lvl9pPr>
           </a:lstStyle>
-          <a:p/>
+          <a:p>
+            <a:endParaRPr/>
+          </a:p>
         </p:txBody>
       </p:sp>
     </p:spTree>
   </p:cSld>
-  <p:clrMap accent1="accent1" accent2="accent2" accent3="accent3" accent4="accent4" accent5="accent5" accent6="accent6" bg1="lt1" bg2="dk2" tx1="dk1" tx2="lt2" folHlink="folHlink" hlink="hlink"/>
+  <p:clrMap bg1="lt1" tx1="dk1" bg2="dk2" tx2="lt2" accent1="accent1" accent2="accent2" accent3="accent3" accent4="accent4" accent5="accent5" accent6="accent6" hlink="hlink" folHlink="folHlink"/>
   <p:notesStyle>
-    <a:defPPr lvl="0" marR="0" rtl="0" algn="l">
+    <a:defPPr marR="0" lvl="0" algn="l" rtl="0">
       <a:lnSpc>
         <a:spcPct val="100000"/>
       </a:lnSpc>
@@ -482,7 +510,7 @@
         <a:spcPts val="0"/>
       </a:spcAft>
     </a:defPPr>
-    <a:lvl1pPr lvl="0" marR="0" rtl="0" algn="l">
+    <a:lvl1pPr marR="0" lvl="0" algn="l" rtl="0">
       <a:lnSpc>
         <a:spcPct val="100000"/>
       </a:lnSpc>
@@ -496,7 +524,7 @@
         <a:srgbClr val="000000"/>
       </a:buClr>
       <a:buFont typeface="Arial"/>
-      <a:defRPr b="0" i="0" sz="1400" u="none" cap="none" strike="noStrike">
+      <a:defRPr sz="1400" b="0" i="0" u="none" strike="noStrike" cap="none">
         <a:solidFill>
           <a:srgbClr val="000000"/>
         </a:solidFill>
@@ -506,7 +534,7 @@
         <a:sym typeface="Arial"/>
       </a:defRPr>
     </a:lvl1pPr>
-    <a:lvl2pPr lvl="1" marR="0" rtl="0" algn="l">
+    <a:lvl2pPr marR="0" lvl="1" algn="l" rtl="0">
       <a:lnSpc>
         <a:spcPct val="100000"/>
       </a:lnSpc>
@@ -520,7 +548,7 @@
         <a:srgbClr val="000000"/>
       </a:buClr>
       <a:buFont typeface="Arial"/>
-      <a:defRPr b="0" i="0" sz="1400" u="none" cap="none" strike="noStrike">
+      <a:defRPr sz="1400" b="0" i="0" u="none" strike="noStrike" cap="none">
         <a:solidFill>
           <a:srgbClr val="000000"/>
         </a:solidFill>
@@ -530,7 +558,7 @@
         <a:sym typeface="Arial"/>
       </a:defRPr>
     </a:lvl2pPr>
-    <a:lvl3pPr lvl="2" marR="0" rtl="0" algn="l">
+    <a:lvl3pPr marR="0" lvl="2" algn="l" rtl="0">
       <a:lnSpc>
         <a:spcPct val="100000"/>
       </a:lnSpc>
@@ -544,7 +572,7 @@
         <a:srgbClr val="000000"/>
       </a:buClr>
       <a:buFont typeface="Arial"/>
-      <a:defRPr b="0" i="0" sz="1400" u="none" cap="none" strike="noStrike">
+      <a:defRPr sz="1400" b="0" i="0" u="none" strike="noStrike" cap="none">
         <a:solidFill>
           <a:srgbClr val="000000"/>
         </a:solidFill>
@@ -554,7 +582,7 @@
         <a:sym typeface="Arial"/>
       </a:defRPr>
     </a:lvl3pPr>
-    <a:lvl4pPr lvl="3" marR="0" rtl="0" algn="l">
+    <a:lvl4pPr marR="0" lvl="3" algn="l" rtl="0">
       <a:lnSpc>
         <a:spcPct val="100000"/>
       </a:lnSpc>
@@ -568,7 +596,7 @@
         <a:srgbClr val="000000"/>
       </a:buClr>
       <a:buFont typeface="Arial"/>
-      <a:defRPr b="0" i="0" sz="1400" u="none" cap="none" strike="noStrike">
+      <a:defRPr sz="1400" b="0" i="0" u="none" strike="noStrike" cap="none">
         <a:solidFill>
           <a:srgbClr val="000000"/>
         </a:solidFill>
@@ -578,7 +606,7 @@
         <a:sym typeface="Arial"/>
       </a:defRPr>
     </a:lvl4pPr>
-    <a:lvl5pPr lvl="4" marR="0" rtl="0" algn="l">
+    <a:lvl5pPr marR="0" lvl="4" algn="l" rtl="0">
       <a:lnSpc>
         <a:spcPct val="100000"/>
       </a:lnSpc>
@@ -592,7 +620,7 @@
         <a:srgbClr val="000000"/>
       </a:buClr>
       <a:buFont typeface="Arial"/>
-      <a:defRPr b="0" i="0" sz="1400" u="none" cap="none" strike="noStrike">
+      <a:defRPr sz="1400" b="0" i="0" u="none" strike="noStrike" cap="none">
         <a:solidFill>
           <a:srgbClr val="000000"/>
         </a:solidFill>
@@ -602,7 +630,7 @@
         <a:sym typeface="Arial"/>
       </a:defRPr>
     </a:lvl5pPr>
-    <a:lvl6pPr lvl="5" marR="0" rtl="0" algn="l">
+    <a:lvl6pPr marR="0" lvl="5" algn="l" rtl="0">
       <a:lnSpc>
         <a:spcPct val="100000"/>
       </a:lnSpc>
@@ -616,7 +644,7 @@
         <a:srgbClr val="000000"/>
       </a:buClr>
       <a:buFont typeface="Arial"/>
-      <a:defRPr b="0" i="0" sz="1400" u="none" cap="none" strike="noStrike">
+      <a:defRPr sz="1400" b="0" i="0" u="none" strike="noStrike" cap="none">
         <a:solidFill>
           <a:srgbClr val="000000"/>
         </a:solidFill>
@@ -626,7 +654,7 @@
         <a:sym typeface="Arial"/>
       </a:defRPr>
     </a:lvl6pPr>
-    <a:lvl7pPr lvl="6" marR="0" rtl="0" algn="l">
+    <a:lvl7pPr marR="0" lvl="6" algn="l" rtl="0">
       <a:lnSpc>
         <a:spcPct val="100000"/>
       </a:lnSpc>
@@ -640,7 +668,7 @@
         <a:srgbClr val="000000"/>
       </a:buClr>
       <a:buFont typeface="Arial"/>
-      <a:defRPr b="0" i="0" sz="1400" u="none" cap="none" strike="noStrike">
+      <a:defRPr sz="1400" b="0" i="0" u="none" strike="noStrike" cap="none">
         <a:solidFill>
           <a:srgbClr val="000000"/>
         </a:solidFill>
@@ -650,7 +678,7 @@
         <a:sym typeface="Arial"/>
       </a:defRPr>
     </a:lvl7pPr>
-    <a:lvl8pPr lvl="7" marR="0" rtl="0" algn="l">
+    <a:lvl8pPr marR="0" lvl="7" algn="l" rtl="0">
       <a:lnSpc>
         <a:spcPct val="100000"/>
       </a:lnSpc>
@@ -664,7 +692,7 @@
         <a:srgbClr val="000000"/>
       </a:buClr>
       <a:buFont typeface="Arial"/>
-      <a:defRPr b="0" i="0" sz="1400" u="none" cap="none" strike="noStrike">
+      <a:defRPr sz="1400" b="0" i="0" u="none" strike="noStrike" cap="none">
         <a:solidFill>
           <a:srgbClr val="000000"/>
         </a:solidFill>
@@ -674,7 +702,7 @@
         <a:sym typeface="Arial"/>
       </a:defRPr>
     </a:lvl8pPr>
-    <a:lvl9pPr lvl="8" marR="0" rtl="0" algn="l">
+    <a:lvl9pPr marR="0" lvl="8" algn="l" rtl="0">
       <a:lnSpc>
         <a:spcPct val="100000"/>
       </a:lnSpc>
@@ -688,7 +716,7 @@
         <a:srgbClr val="000000"/>
       </a:buClr>
       <a:buFont typeface="Arial"/>
-      <a:defRPr b="0" i="0" sz="1400" u="none" cap="none" strike="noStrike">
+      <a:defRPr sz="1400" b="0" i="0" u="none" strike="noStrike" cap="none">
         <a:solidFill>
           <a:srgbClr val="000000"/>
         </a:solidFill>
@@ -703,11 +731,11 @@
 </file>
 
 <file path=ppt/notesSlides/notesSlide1.xml><?xml version="1.0" encoding="utf-8"?>
-<p:notes xmlns:a="http://schemas.openxmlformats.org/drawingml/2006/main" xmlns:r="http://schemas.openxmlformats.org/officeDocument/2006/relationships" xmlns:mc="http://schemas.openxmlformats.org/markup-compatibility/2006" xmlns:mv="urn:schemas-microsoft-com:mac:vml" xmlns:p="http://schemas.openxmlformats.org/presentationml/2006/main" xmlns:c="http://schemas.openxmlformats.org/drawingml/2006/chart" xmlns:dgm="http://schemas.openxmlformats.org/drawingml/2006/diagram" xmlns:o="urn:schemas-microsoft-com:office:office" xmlns:v="urn:schemas-microsoft-com:vml" xmlns:pvml="urn:schemas-microsoft-com:office:powerpoint" xmlns:com="http://schemas.openxmlformats.org/drawingml/2006/compatibility" xmlns:p14="http://schemas.microsoft.com/office/powerpoint/2010/main" xmlns:p15="http://schemas.microsoft.com/office/powerpoint/2012/main" xmlns:ahyp="http://schemas.microsoft.com/office/drawing/2018/hyperlinkcolor" showMasterPhAnim="0" showMasterSp="0">
+<p:notes xmlns:a="http://schemas.openxmlformats.org/drawingml/2006/main" xmlns:r="http://schemas.openxmlformats.org/officeDocument/2006/relationships" xmlns:p="http://schemas.openxmlformats.org/presentationml/2006/main" showMasterSp="0" showMasterPhAnim="0">
   <p:cSld>
     <p:spTree>
       <p:nvGrpSpPr>
-        <p:cNvPr id="80" name="Shape 80"/>
+        <p:cNvPr id="1" name="Shape 80"/>
         <p:cNvGrpSpPr/>
         <p:nvPr/>
       </p:nvGrpSpPr>
@@ -722,9 +750,11 @@
       <p:sp>
         <p:nvSpPr>
           <p:cNvPr id="81" name="Google Shape;81;p1:notes"/>
-          <p:cNvSpPr txBox="1"/>
+          <p:cNvSpPr txBox="1">
+            <a:spLocks noGrp="1"/>
+          </p:cNvSpPr>
           <p:nvPr>
-            <p:ph idx="1" type="body"/>
+            <p:ph type="body" idx="1"/>
           </p:nvPr>
         </p:nvSpPr>
         <p:spPr>
@@ -737,12 +767,12 @@
           </a:prstGeom>
         </p:spPr>
         <p:txBody>
-          <a:bodyPr anchorCtr="0" anchor="t" bIns="91425" lIns="91425" spcFirstLastPara="1" rIns="91425" wrap="square" tIns="91425">
+          <a:bodyPr spcFirstLastPara="1" wrap="square" lIns="91425" tIns="91425" rIns="91425" bIns="91425" anchor="t" anchorCtr="0">
             <a:noAutofit/>
           </a:bodyPr>
           <a:lstStyle/>
           <a:p>
-            <a:pPr indent="0" lvl="0" marL="0" rtl="0" algn="l">
+            <a:pPr marL="0" lvl="0" indent="0" algn="l" rtl="0">
               <a:spcBef>
                 <a:spcPts val="0"/>
               </a:spcBef>
@@ -751,9 +781,6 @@
               </a:spcAft>
               <a:buNone/>
             </a:pPr>
-            <a:r>
-              <a:t/>
-            </a:r>
             <a:endParaRPr/>
           </a:p>
         </p:txBody>
@@ -761,9 +788,11 @@
       <p:sp>
         <p:nvSpPr>
           <p:cNvPr id="82" name="Google Shape;82;p1:notes"/>
-          <p:cNvSpPr/>
+          <p:cNvSpPr>
+            <a:spLocks noGrp="1" noRot="1" noChangeAspect="1"/>
+          </p:cNvSpPr>
           <p:nvPr>
-            <p:ph idx="2" type="sldImg"/>
+            <p:ph type="sldImg" idx="2"/>
           </p:nvPr>
         </p:nvSpPr>
         <p:spPr>
@@ -772,9 +801,13 @@
             <a:ext cx="4572225" cy="3429000"/>
           </a:xfrm>
           <a:custGeom>
-            <a:rect b="b" l="l" r="r" t="t"/>
+            <a:avLst/>
+            <a:gdLst/>
+            <a:ahLst/>
+            <a:cxnLst/>
+            <a:rect l="l" t="t" r="r" b="b"/>
             <a:pathLst>
-              <a:path extrusionOk="0" h="120000" w="120000">
+              <a:path w="120000" h="120000" extrusionOk="0">
                 <a:moveTo>
                   <a:pt x="0" y="0"/>
                 </a:moveTo>
@@ -802,11 +835,11 @@
 </file>
 
 <file path=ppt/notesSlides/notesSlide2.xml><?xml version="1.0" encoding="utf-8"?>
-<p:notes xmlns:a="http://schemas.openxmlformats.org/drawingml/2006/main" xmlns:r="http://schemas.openxmlformats.org/officeDocument/2006/relationships" xmlns:mc="http://schemas.openxmlformats.org/markup-compatibility/2006" xmlns:mv="urn:schemas-microsoft-com:mac:vml" xmlns:p="http://schemas.openxmlformats.org/presentationml/2006/main" xmlns:c="http://schemas.openxmlformats.org/drawingml/2006/chart" xmlns:dgm="http://schemas.openxmlformats.org/drawingml/2006/diagram" xmlns:o="urn:schemas-microsoft-com:office:office" xmlns:v="urn:schemas-microsoft-com:vml" xmlns:pvml="urn:schemas-microsoft-com:office:powerpoint" xmlns:com="http://schemas.openxmlformats.org/drawingml/2006/compatibility" xmlns:p14="http://schemas.microsoft.com/office/powerpoint/2010/main" xmlns:p15="http://schemas.microsoft.com/office/powerpoint/2012/main" xmlns:ahyp="http://schemas.microsoft.com/office/drawing/2018/hyperlinkcolor" showMasterPhAnim="0" showMasterSp="0">
+<p:notes xmlns:a="http://schemas.openxmlformats.org/drawingml/2006/main" xmlns:r="http://schemas.openxmlformats.org/officeDocument/2006/relationships" xmlns:p="http://schemas.openxmlformats.org/presentationml/2006/main" showMasterSp="0" showMasterPhAnim="0">
   <p:cSld>
     <p:spTree>
       <p:nvGrpSpPr>
-        <p:cNvPr id="87" name="Shape 87"/>
+        <p:cNvPr id="1" name="Shape 87"/>
         <p:cNvGrpSpPr/>
         <p:nvPr/>
       </p:nvGrpSpPr>
@@ -821,9 +854,11 @@
       <p:sp>
         <p:nvSpPr>
           <p:cNvPr id="88" name="Google Shape;88;p7:notes"/>
-          <p:cNvSpPr txBox="1"/>
+          <p:cNvSpPr txBox="1">
+            <a:spLocks noGrp="1"/>
+          </p:cNvSpPr>
           <p:nvPr>
-            <p:ph idx="1" type="body"/>
+            <p:ph type="body" idx="1"/>
           </p:nvPr>
         </p:nvSpPr>
         <p:spPr>
@@ -836,12 +871,12 @@
           </a:prstGeom>
         </p:spPr>
         <p:txBody>
-          <a:bodyPr anchorCtr="0" anchor="t" bIns="91425" lIns="91425" spcFirstLastPara="1" rIns="91425" wrap="square" tIns="91425">
+          <a:bodyPr spcFirstLastPara="1" wrap="square" lIns="91425" tIns="91425" rIns="91425" bIns="91425" anchor="t" anchorCtr="0">
             <a:noAutofit/>
           </a:bodyPr>
           <a:lstStyle/>
           <a:p>
-            <a:pPr indent="0" lvl="0" marL="0" rtl="0" algn="l">
+            <a:pPr marL="0" lvl="0" indent="0" algn="l" rtl="0">
               <a:spcBef>
                 <a:spcPts val="0"/>
               </a:spcBef>
@@ -850,9 +885,6 @@
               </a:spcAft>
               <a:buNone/>
             </a:pPr>
-            <a:r>
-              <a:t/>
-            </a:r>
             <a:endParaRPr/>
           </a:p>
         </p:txBody>
@@ -860,9 +892,11 @@
       <p:sp>
         <p:nvSpPr>
           <p:cNvPr id="89" name="Google Shape;89;p7:notes"/>
-          <p:cNvSpPr/>
+          <p:cNvSpPr>
+            <a:spLocks noGrp="1" noRot="1" noChangeAspect="1"/>
+          </p:cNvSpPr>
           <p:nvPr>
-            <p:ph idx="2" type="sldImg"/>
+            <p:ph type="sldImg" idx="2"/>
           </p:nvPr>
         </p:nvSpPr>
         <p:spPr>
@@ -871,9 +905,13 @@
             <a:ext cx="4572225" cy="3429000"/>
           </a:xfrm>
           <a:custGeom>
-            <a:rect b="b" l="l" r="r" t="t"/>
+            <a:avLst/>
+            <a:gdLst/>
+            <a:ahLst/>
+            <a:cxnLst/>
+            <a:rect l="l" t="t" r="r" b="b"/>
             <a:pathLst>
-              <a:path extrusionOk="0" h="120000" w="120000">
+              <a:path w="120000" h="120000" extrusionOk="0">
                 <a:moveTo>
                   <a:pt x="0" y="0"/>
                 </a:moveTo>
@@ -901,11 +939,11 @@
 </file>
 
 <file path=ppt/notesSlides/notesSlide3.xml><?xml version="1.0" encoding="utf-8"?>
-<p:notes xmlns:a="http://schemas.openxmlformats.org/drawingml/2006/main" xmlns:r="http://schemas.openxmlformats.org/officeDocument/2006/relationships" xmlns:mc="http://schemas.openxmlformats.org/markup-compatibility/2006" xmlns:mv="urn:schemas-microsoft-com:mac:vml" xmlns:p="http://schemas.openxmlformats.org/presentationml/2006/main" xmlns:c="http://schemas.openxmlformats.org/drawingml/2006/chart" xmlns:dgm="http://schemas.openxmlformats.org/drawingml/2006/diagram" xmlns:o="urn:schemas-microsoft-com:office:office" xmlns:v="urn:schemas-microsoft-com:vml" xmlns:pvml="urn:schemas-microsoft-com:office:powerpoint" xmlns:com="http://schemas.openxmlformats.org/drawingml/2006/compatibility" xmlns:p14="http://schemas.microsoft.com/office/powerpoint/2010/main" xmlns:p15="http://schemas.microsoft.com/office/powerpoint/2012/main" xmlns:ahyp="http://schemas.microsoft.com/office/drawing/2018/hyperlinkcolor" showMasterPhAnim="0" showMasterSp="0">
+<p:notes xmlns:a="http://schemas.openxmlformats.org/drawingml/2006/main" xmlns:r="http://schemas.openxmlformats.org/officeDocument/2006/relationships" xmlns:p="http://schemas.openxmlformats.org/presentationml/2006/main" showMasterSp="0" showMasterPhAnim="0">
   <p:cSld>
     <p:spTree>
       <p:nvGrpSpPr>
-        <p:cNvPr id="94" name="Shape 94"/>
+        <p:cNvPr id="1" name="Shape 94"/>
         <p:cNvGrpSpPr/>
         <p:nvPr/>
       </p:nvGrpSpPr>
@@ -920,9 +958,11 @@
       <p:sp>
         <p:nvSpPr>
           <p:cNvPr id="95" name="Google Shape;95;p8:notes"/>
-          <p:cNvSpPr txBox="1"/>
+          <p:cNvSpPr txBox="1">
+            <a:spLocks noGrp="1"/>
+          </p:cNvSpPr>
           <p:nvPr>
-            <p:ph idx="1" type="body"/>
+            <p:ph type="body" idx="1"/>
           </p:nvPr>
         </p:nvSpPr>
         <p:spPr>
@@ -935,12 +975,12 @@
           </a:prstGeom>
         </p:spPr>
         <p:txBody>
-          <a:bodyPr anchorCtr="0" anchor="t" bIns="91425" lIns="91425" spcFirstLastPara="1" rIns="91425" wrap="square" tIns="91425">
+          <a:bodyPr spcFirstLastPara="1" wrap="square" lIns="91425" tIns="91425" rIns="91425" bIns="91425" anchor="t" anchorCtr="0">
             <a:noAutofit/>
           </a:bodyPr>
           <a:lstStyle/>
           <a:p>
-            <a:pPr indent="0" lvl="0" marL="0" rtl="0" algn="l">
+            <a:pPr marL="0" lvl="0" indent="0" algn="l" rtl="0">
               <a:spcBef>
                 <a:spcPts val="0"/>
               </a:spcBef>
@@ -949,9 +989,6 @@
               </a:spcAft>
               <a:buNone/>
             </a:pPr>
-            <a:r>
-              <a:t/>
-            </a:r>
             <a:endParaRPr/>
           </a:p>
         </p:txBody>
@@ -959,9 +996,11 @@
       <p:sp>
         <p:nvSpPr>
           <p:cNvPr id="96" name="Google Shape;96;p8:notes"/>
-          <p:cNvSpPr/>
+          <p:cNvSpPr>
+            <a:spLocks noGrp="1" noRot="1" noChangeAspect="1"/>
+          </p:cNvSpPr>
           <p:nvPr>
-            <p:ph idx="2" type="sldImg"/>
+            <p:ph type="sldImg" idx="2"/>
           </p:nvPr>
         </p:nvSpPr>
         <p:spPr>
@@ -970,9 +1009,13 @@
             <a:ext cx="4572225" cy="3429000"/>
           </a:xfrm>
           <a:custGeom>
-            <a:rect b="b" l="l" r="r" t="t"/>
+            <a:avLst/>
+            <a:gdLst/>
+            <a:ahLst/>
+            <a:cxnLst/>
+            <a:rect l="l" t="t" r="r" b="b"/>
             <a:pathLst>
-              <a:path extrusionOk="0" h="120000" w="120000">
+              <a:path w="120000" h="120000" extrusionOk="0">
                 <a:moveTo>
                   <a:pt x="0" y="0"/>
                 </a:moveTo>
@@ -1000,11 +1043,11 @@
 </file>
 
 <file path=ppt/notesSlides/notesSlide4.xml><?xml version="1.0" encoding="utf-8"?>
-<p:notes xmlns:a="http://schemas.openxmlformats.org/drawingml/2006/main" xmlns:r="http://schemas.openxmlformats.org/officeDocument/2006/relationships" xmlns:mc="http://schemas.openxmlformats.org/markup-compatibility/2006" xmlns:mv="urn:schemas-microsoft-com:mac:vml" xmlns:p="http://schemas.openxmlformats.org/presentationml/2006/main" xmlns:c="http://schemas.openxmlformats.org/drawingml/2006/chart" xmlns:dgm="http://schemas.openxmlformats.org/drawingml/2006/diagram" xmlns:o="urn:schemas-microsoft-com:office:office" xmlns:v="urn:schemas-microsoft-com:vml" xmlns:pvml="urn:schemas-microsoft-com:office:powerpoint" xmlns:com="http://schemas.openxmlformats.org/drawingml/2006/compatibility" xmlns:p14="http://schemas.microsoft.com/office/powerpoint/2010/main" xmlns:p15="http://schemas.microsoft.com/office/powerpoint/2012/main" xmlns:ahyp="http://schemas.microsoft.com/office/drawing/2018/hyperlinkcolor" showMasterPhAnim="0" showMasterSp="0">
+<p:notes xmlns:a="http://schemas.openxmlformats.org/drawingml/2006/main" xmlns:r="http://schemas.openxmlformats.org/officeDocument/2006/relationships" xmlns:p="http://schemas.openxmlformats.org/presentationml/2006/main" showMasterSp="0" showMasterPhAnim="0">
   <p:cSld>
     <p:spTree>
       <p:nvGrpSpPr>
-        <p:cNvPr id="102" name="Shape 102"/>
+        <p:cNvPr id="1" name="Shape 102"/>
         <p:cNvGrpSpPr/>
         <p:nvPr/>
       </p:nvGrpSpPr>
@@ -1019,9 +1062,11 @@
       <p:sp>
         <p:nvSpPr>
           <p:cNvPr id="103" name="Google Shape;103;p10:notes"/>
-          <p:cNvSpPr txBox="1"/>
+          <p:cNvSpPr txBox="1">
+            <a:spLocks noGrp="1"/>
+          </p:cNvSpPr>
           <p:nvPr>
-            <p:ph idx="1" type="body"/>
+            <p:ph type="body" idx="1"/>
           </p:nvPr>
         </p:nvSpPr>
         <p:spPr>
@@ -1034,12 +1079,12 @@
           </a:prstGeom>
         </p:spPr>
         <p:txBody>
-          <a:bodyPr anchorCtr="0" anchor="t" bIns="91425" lIns="91425" spcFirstLastPara="1" rIns="91425" wrap="square" tIns="91425">
+          <a:bodyPr spcFirstLastPara="1" wrap="square" lIns="91425" tIns="91425" rIns="91425" bIns="91425" anchor="t" anchorCtr="0">
             <a:noAutofit/>
           </a:bodyPr>
           <a:lstStyle/>
           <a:p>
-            <a:pPr indent="0" lvl="0" marL="0" rtl="0" algn="l">
+            <a:pPr marL="0" lvl="0" indent="0" algn="l" rtl="0">
               <a:spcBef>
                 <a:spcPts val="0"/>
               </a:spcBef>
@@ -1048,9 +1093,6 @@
               </a:spcAft>
               <a:buNone/>
             </a:pPr>
-            <a:r>
-              <a:t/>
-            </a:r>
             <a:endParaRPr/>
           </a:p>
         </p:txBody>
@@ -1058,9 +1100,11 @@
       <p:sp>
         <p:nvSpPr>
           <p:cNvPr id="104" name="Google Shape;104;p10:notes"/>
-          <p:cNvSpPr/>
+          <p:cNvSpPr>
+            <a:spLocks noGrp="1" noRot="1" noChangeAspect="1"/>
+          </p:cNvSpPr>
           <p:nvPr>
-            <p:ph idx="2" type="sldImg"/>
+            <p:ph type="sldImg" idx="2"/>
           </p:nvPr>
         </p:nvSpPr>
         <p:spPr>
@@ -1069,9 +1113,13 @@
             <a:ext cx="4572225" cy="3429000"/>
           </a:xfrm>
           <a:custGeom>
-            <a:rect b="b" l="l" r="r" t="t"/>
+            <a:avLst/>
+            <a:gdLst/>
+            <a:ahLst/>
+            <a:cxnLst/>
+            <a:rect l="l" t="t" r="r" b="b"/>
             <a:pathLst>
-              <a:path extrusionOk="0" h="120000" w="120000">
+              <a:path w="120000" h="120000" extrusionOk="0">
                 <a:moveTo>
                   <a:pt x="0" y="0"/>
                 </a:moveTo>
@@ -1099,11 +1147,11 @@
 </file>
 
 <file path=ppt/notesSlides/notesSlide5.xml><?xml version="1.0" encoding="utf-8"?>
-<p:notes xmlns:a="http://schemas.openxmlformats.org/drawingml/2006/main" xmlns:r="http://schemas.openxmlformats.org/officeDocument/2006/relationships" xmlns:mc="http://schemas.openxmlformats.org/markup-compatibility/2006" xmlns:mv="urn:schemas-microsoft-com:mac:vml" xmlns:p="http://schemas.openxmlformats.org/presentationml/2006/main" xmlns:c="http://schemas.openxmlformats.org/drawingml/2006/chart" xmlns:dgm="http://schemas.openxmlformats.org/drawingml/2006/diagram" xmlns:o="urn:schemas-microsoft-com:office:office" xmlns:v="urn:schemas-microsoft-com:vml" xmlns:pvml="urn:schemas-microsoft-com:office:powerpoint" xmlns:com="http://schemas.openxmlformats.org/drawingml/2006/compatibility" xmlns:p14="http://schemas.microsoft.com/office/powerpoint/2010/main" xmlns:p15="http://schemas.microsoft.com/office/powerpoint/2012/main" xmlns:ahyp="http://schemas.microsoft.com/office/drawing/2018/hyperlinkcolor" showMasterPhAnim="0" showMasterSp="0">
+<p:notes xmlns:a="http://schemas.openxmlformats.org/drawingml/2006/main" xmlns:r="http://schemas.openxmlformats.org/officeDocument/2006/relationships" xmlns:p="http://schemas.openxmlformats.org/presentationml/2006/main" showMasterSp="0" showMasterPhAnim="0">
   <p:cSld>
     <p:spTree>
       <p:nvGrpSpPr>
-        <p:cNvPr id="108" name="Shape 108"/>
+        <p:cNvPr id="1" name="Shape 108"/>
         <p:cNvGrpSpPr/>
         <p:nvPr/>
       </p:nvGrpSpPr>
@@ -1118,9 +1166,11 @@
       <p:sp>
         <p:nvSpPr>
           <p:cNvPr id="109" name="Google Shape;109;p11:notes"/>
-          <p:cNvSpPr txBox="1"/>
+          <p:cNvSpPr txBox="1">
+            <a:spLocks noGrp="1"/>
+          </p:cNvSpPr>
           <p:nvPr>
-            <p:ph idx="1" type="body"/>
+            <p:ph type="body" idx="1"/>
           </p:nvPr>
         </p:nvSpPr>
         <p:spPr>
@@ -1133,12 +1183,12 @@
           </a:prstGeom>
         </p:spPr>
         <p:txBody>
-          <a:bodyPr anchorCtr="0" anchor="t" bIns="91425" lIns="91425" spcFirstLastPara="1" rIns="91425" wrap="square" tIns="91425">
+          <a:bodyPr spcFirstLastPara="1" wrap="square" lIns="91425" tIns="91425" rIns="91425" bIns="91425" anchor="t" anchorCtr="0">
             <a:noAutofit/>
           </a:bodyPr>
           <a:lstStyle/>
           <a:p>
-            <a:pPr indent="0" lvl="0" marL="0" rtl="0" algn="l">
+            <a:pPr marL="0" lvl="0" indent="0" algn="l" rtl="0">
               <a:spcBef>
                 <a:spcPts val="0"/>
               </a:spcBef>
@@ -1147,9 +1197,6 @@
               </a:spcAft>
               <a:buNone/>
             </a:pPr>
-            <a:r>
-              <a:t/>
-            </a:r>
             <a:endParaRPr/>
           </a:p>
         </p:txBody>
@@ -1157,20 +1204,26 @@
       <p:sp>
         <p:nvSpPr>
           <p:cNvPr id="110" name="Google Shape;110;p11:notes"/>
-          <p:cNvSpPr/>
+          <p:cNvSpPr>
+            <a:spLocks noGrp="1" noRot="1" noChangeAspect="1"/>
+          </p:cNvSpPr>
           <p:nvPr>
-            <p:ph idx="2" type="sldImg"/>
+            <p:ph type="sldImg" idx="2"/>
           </p:nvPr>
         </p:nvSpPr>
         <p:spPr>
           <a:xfrm>
-            <a:off x="1143225" y="685800"/>
-            <a:ext cx="4572225" cy="3429000"/>
+            <a:off x="381000" y="685800"/>
+            <a:ext cx="6096000" cy="3429000"/>
           </a:xfrm>
           <a:custGeom>
-            <a:rect b="b" l="l" r="r" t="t"/>
+            <a:avLst/>
+            <a:gdLst/>
+            <a:ahLst/>
+            <a:cxnLst/>
+            <a:rect l="l" t="t" r="r" b="b"/>
             <a:pathLst>
-              <a:path extrusionOk="0" h="120000" w="120000">
+              <a:path w="120000" h="120000" extrusionOk="0">
                 <a:moveTo>
                   <a:pt x="0" y="0"/>
                 </a:moveTo>
@@ -1198,11 +1251,11 @@
 </file>
 
 <file path=ppt/notesSlides/notesSlide6.xml><?xml version="1.0" encoding="utf-8"?>
-<p:notes xmlns:a="http://schemas.openxmlformats.org/drawingml/2006/main" xmlns:r="http://schemas.openxmlformats.org/officeDocument/2006/relationships" xmlns:mc="http://schemas.openxmlformats.org/markup-compatibility/2006" xmlns:mv="urn:schemas-microsoft-com:mac:vml" xmlns:p="http://schemas.openxmlformats.org/presentationml/2006/main" xmlns:c="http://schemas.openxmlformats.org/drawingml/2006/chart" xmlns:dgm="http://schemas.openxmlformats.org/drawingml/2006/diagram" xmlns:o="urn:schemas-microsoft-com:office:office" xmlns:v="urn:schemas-microsoft-com:vml" xmlns:pvml="urn:schemas-microsoft-com:office:powerpoint" xmlns:com="http://schemas.openxmlformats.org/drawingml/2006/compatibility" xmlns:p14="http://schemas.microsoft.com/office/powerpoint/2010/main" xmlns:p15="http://schemas.microsoft.com/office/powerpoint/2012/main" xmlns:ahyp="http://schemas.microsoft.com/office/drawing/2018/hyperlinkcolor" showMasterPhAnim="0" showMasterSp="0">
+<p:notes xmlns:a="http://schemas.openxmlformats.org/drawingml/2006/main" xmlns:r="http://schemas.openxmlformats.org/officeDocument/2006/relationships" xmlns:p="http://schemas.openxmlformats.org/presentationml/2006/main" showMasterSp="0" showMasterPhAnim="0">
   <p:cSld>
     <p:spTree>
       <p:nvGrpSpPr>
-        <p:cNvPr id="120" name="Shape 120"/>
+        <p:cNvPr id="1" name="Shape 120"/>
         <p:cNvGrpSpPr/>
         <p:nvPr/>
       </p:nvGrpSpPr>
@@ -1217,9 +1270,11 @@
       <p:sp>
         <p:nvSpPr>
           <p:cNvPr id="121" name="Google Shape;121;p12:notes"/>
-          <p:cNvSpPr txBox="1"/>
+          <p:cNvSpPr txBox="1">
+            <a:spLocks noGrp="1"/>
+          </p:cNvSpPr>
           <p:nvPr>
-            <p:ph idx="1" type="body"/>
+            <p:ph type="body" idx="1"/>
           </p:nvPr>
         </p:nvSpPr>
         <p:spPr>
@@ -1232,12 +1287,12 @@
           </a:prstGeom>
         </p:spPr>
         <p:txBody>
-          <a:bodyPr anchorCtr="0" anchor="t" bIns="91425" lIns="91425" spcFirstLastPara="1" rIns="91425" wrap="square" tIns="91425">
+          <a:bodyPr spcFirstLastPara="1" wrap="square" lIns="91425" tIns="91425" rIns="91425" bIns="91425" anchor="t" anchorCtr="0">
             <a:noAutofit/>
           </a:bodyPr>
           <a:lstStyle/>
           <a:p>
-            <a:pPr indent="0" lvl="0" marL="0" rtl="0" algn="l">
+            <a:pPr marL="0" lvl="0" indent="0" algn="l" rtl="0">
               <a:spcBef>
                 <a:spcPts val="0"/>
               </a:spcBef>
@@ -1246,9 +1301,6 @@
               </a:spcAft>
               <a:buNone/>
             </a:pPr>
-            <a:r>
-              <a:t/>
-            </a:r>
             <a:endParaRPr/>
           </a:p>
         </p:txBody>
@@ -1256,20 +1308,26 @@
       <p:sp>
         <p:nvSpPr>
           <p:cNvPr id="122" name="Google Shape;122;p12:notes"/>
-          <p:cNvSpPr/>
+          <p:cNvSpPr>
+            <a:spLocks noGrp="1" noRot="1" noChangeAspect="1"/>
+          </p:cNvSpPr>
           <p:nvPr>
-            <p:ph idx="2" type="sldImg"/>
+            <p:ph type="sldImg" idx="2"/>
           </p:nvPr>
         </p:nvSpPr>
         <p:spPr>
           <a:xfrm>
-            <a:off x="1143225" y="685800"/>
-            <a:ext cx="4572225" cy="3429000"/>
+            <a:off x="381000" y="685800"/>
+            <a:ext cx="6096000" cy="3429000"/>
           </a:xfrm>
           <a:custGeom>
-            <a:rect b="b" l="l" r="r" t="t"/>
+            <a:avLst/>
+            <a:gdLst/>
+            <a:ahLst/>
+            <a:cxnLst/>
+            <a:rect l="l" t="t" r="r" b="b"/>
             <a:pathLst>
-              <a:path extrusionOk="0" h="120000" w="120000">
+              <a:path w="120000" h="120000" extrusionOk="0">
                 <a:moveTo>
                   <a:pt x="0" y="0"/>
                 </a:moveTo>
@@ -1297,110 +1355,11 @@
 </file>
 
 <file path=ppt/notesSlides/notesSlide7.xml><?xml version="1.0" encoding="utf-8"?>
-<p:notes xmlns:a="http://schemas.openxmlformats.org/drawingml/2006/main" xmlns:r="http://schemas.openxmlformats.org/officeDocument/2006/relationships" xmlns:mc="http://schemas.openxmlformats.org/markup-compatibility/2006" xmlns:mv="urn:schemas-microsoft-com:mac:vml" xmlns:p="http://schemas.openxmlformats.org/presentationml/2006/main" xmlns:c="http://schemas.openxmlformats.org/drawingml/2006/chart" xmlns:dgm="http://schemas.openxmlformats.org/drawingml/2006/diagram" xmlns:o="urn:schemas-microsoft-com:office:office" xmlns:v="urn:schemas-microsoft-com:vml" xmlns:pvml="urn:schemas-microsoft-com:office:powerpoint" xmlns:com="http://schemas.openxmlformats.org/drawingml/2006/compatibility" xmlns:p14="http://schemas.microsoft.com/office/powerpoint/2010/main" xmlns:p15="http://schemas.microsoft.com/office/powerpoint/2012/main" xmlns:ahyp="http://schemas.microsoft.com/office/drawing/2018/hyperlinkcolor" showMasterPhAnim="0" showMasterSp="0">
+<p:notes xmlns:a="http://schemas.openxmlformats.org/drawingml/2006/main" xmlns:r="http://schemas.openxmlformats.org/officeDocument/2006/relationships" xmlns:p="http://schemas.openxmlformats.org/presentationml/2006/main" showMasterSp="0" showMasterPhAnim="0">
   <p:cSld>
     <p:spTree>
       <p:nvGrpSpPr>
-        <p:cNvPr id="125" name="Shape 125"/>
-        <p:cNvGrpSpPr/>
-        <p:nvPr/>
-      </p:nvGrpSpPr>
-      <p:grpSpPr>
-        <a:xfrm>
-          <a:off x="0" y="0"/>
-          <a:ext cx="0" cy="0"/>
-          <a:chOff x="0" y="0"/>
-          <a:chExt cx="0" cy="0"/>
-        </a:xfrm>
-      </p:grpSpPr>
-      <p:sp>
-        <p:nvSpPr>
-          <p:cNvPr id="126" name="Google Shape;126;g166a71bab9b_1_29:notes"/>
-          <p:cNvSpPr txBox="1"/>
-          <p:nvPr>
-            <p:ph idx="1" type="body"/>
-          </p:nvPr>
-        </p:nvSpPr>
-        <p:spPr>
-          <a:xfrm>
-            <a:off x="685800" y="4343400"/>
-            <a:ext cx="5486400" cy="4114800"/>
-          </a:xfrm>
-          <a:prstGeom prst="rect">
-            <a:avLst/>
-          </a:prstGeom>
-        </p:spPr>
-        <p:txBody>
-          <a:bodyPr anchorCtr="0" anchor="t" bIns="91425" lIns="91425" spcFirstLastPara="1" rIns="91425" wrap="square" tIns="91425">
-            <a:noAutofit/>
-          </a:bodyPr>
-          <a:lstStyle/>
-          <a:p>
-            <a:pPr indent="0" lvl="0" marL="0" rtl="0" algn="l">
-              <a:spcBef>
-                <a:spcPts val="0"/>
-              </a:spcBef>
-              <a:spcAft>
-                <a:spcPts val="0"/>
-              </a:spcAft>
-              <a:buNone/>
-            </a:pPr>
-            <a:r>
-              <a:t/>
-            </a:r>
-            <a:endParaRPr/>
-          </a:p>
-        </p:txBody>
-      </p:sp>
-      <p:sp>
-        <p:nvSpPr>
-          <p:cNvPr id="127" name="Google Shape;127;g166a71bab9b_1_29:notes"/>
-          <p:cNvSpPr/>
-          <p:nvPr>
-            <p:ph idx="2" type="sldImg"/>
-          </p:nvPr>
-        </p:nvSpPr>
-        <p:spPr>
-          <a:xfrm>
-            <a:off x="1143225" y="685800"/>
-            <a:ext cx="4572300" cy="3429000"/>
-          </a:xfrm>
-          <a:custGeom>
-            <a:rect b="b" l="l" r="r" t="t"/>
-            <a:pathLst>
-              <a:path extrusionOk="0" h="120000" w="120000">
-                <a:moveTo>
-                  <a:pt x="0" y="0"/>
-                </a:moveTo>
-                <a:lnTo>
-                  <a:pt x="120000" y="0"/>
-                </a:lnTo>
-                <a:lnTo>
-                  <a:pt x="120000" y="120000"/>
-                </a:lnTo>
-                <a:lnTo>
-                  <a:pt x="0" y="120000"/>
-                </a:lnTo>
-                <a:close/>
-              </a:path>
-            </a:pathLst>
-          </a:custGeom>
-        </p:spPr>
-      </p:sp>
-    </p:spTree>
-  </p:cSld>
-  <p:clrMapOvr>
-    <a:masterClrMapping/>
-  </p:clrMapOvr>
-</p:notes>
-</file>
-
-<file path=ppt/notesSlides/notesSlide8.xml><?xml version="1.0" encoding="utf-8"?>
-<p:notes xmlns:a="http://schemas.openxmlformats.org/drawingml/2006/main" xmlns:r="http://schemas.openxmlformats.org/officeDocument/2006/relationships" xmlns:mc="http://schemas.openxmlformats.org/markup-compatibility/2006" xmlns:mv="urn:schemas-microsoft-com:mac:vml" xmlns:p="http://schemas.openxmlformats.org/presentationml/2006/main" xmlns:c="http://schemas.openxmlformats.org/drawingml/2006/chart" xmlns:dgm="http://schemas.openxmlformats.org/drawingml/2006/diagram" xmlns:o="urn:schemas-microsoft-com:office:office" xmlns:v="urn:schemas-microsoft-com:vml" xmlns:pvml="urn:schemas-microsoft-com:office:powerpoint" xmlns:com="http://schemas.openxmlformats.org/drawingml/2006/compatibility" xmlns:p14="http://schemas.microsoft.com/office/powerpoint/2010/main" xmlns:p15="http://schemas.microsoft.com/office/powerpoint/2012/main" xmlns:ahyp="http://schemas.microsoft.com/office/drawing/2018/hyperlinkcolor" showMasterPhAnim="0" showMasterSp="0">
-  <p:cSld>
-    <p:spTree>
-      <p:nvGrpSpPr>
-        <p:cNvPr id="130" name="Shape 130"/>
+        <p:cNvPr id="1" name="Shape 130"/>
         <p:cNvGrpSpPr/>
         <p:nvPr/>
       </p:nvGrpSpPr>
@@ -1415,9 +1374,11 @@
       <p:sp>
         <p:nvSpPr>
           <p:cNvPr id="131" name="Google Shape;131;p13:notes"/>
-          <p:cNvSpPr txBox="1"/>
+          <p:cNvSpPr txBox="1">
+            <a:spLocks noGrp="1"/>
+          </p:cNvSpPr>
           <p:nvPr>
-            <p:ph idx="1" type="body"/>
+            <p:ph type="body" idx="1"/>
           </p:nvPr>
         </p:nvSpPr>
         <p:spPr>
@@ -1430,12 +1391,12 @@
           </a:prstGeom>
         </p:spPr>
         <p:txBody>
-          <a:bodyPr anchorCtr="0" anchor="t" bIns="91425" lIns="91425" spcFirstLastPara="1" rIns="91425" wrap="square" tIns="91425">
+          <a:bodyPr spcFirstLastPara="1" wrap="square" lIns="91425" tIns="91425" rIns="91425" bIns="91425" anchor="t" anchorCtr="0">
             <a:noAutofit/>
           </a:bodyPr>
           <a:lstStyle/>
           <a:p>
-            <a:pPr indent="0" lvl="0" marL="0" rtl="0" algn="l">
+            <a:pPr marL="0" lvl="0" indent="0" algn="l" rtl="0">
               <a:spcBef>
                 <a:spcPts val="0"/>
               </a:spcBef>
@@ -1444,9 +1405,6 @@
               </a:spcAft>
               <a:buNone/>
             </a:pPr>
-            <a:r>
-              <a:t/>
-            </a:r>
             <a:endParaRPr/>
           </a:p>
         </p:txBody>
@@ -1454,9 +1412,11 @@
       <p:sp>
         <p:nvSpPr>
           <p:cNvPr id="132" name="Google Shape;132;p13:notes"/>
-          <p:cNvSpPr/>
+          <p:cNvSpPr>
+            <a:spLocks noGrp="1" noRot="1" noChangeAspect="1"/>
+          </p:cNvSpPr>
           <p:nvPr>
-            <p:ph idx="2" type="sldImg"/>
+            <p:ph type="sldImg" idx="2"/>
           </p:nvPr>
         </p:nvSpPr>
         <p:spPr>
@@ -1465,9 +1425,13 @@
             <a:ext cx="4572225" cy="3429000"/>
           </a:xfrm>
           <a:custGeom>
-            <a:rect b="b" l="l" r="r" t="t"/>
+            <a:avLst/>
+            <a:gdLst/>
+            <a:ahLst/>
+            <a:cxnLst/>
+            <a:rect l="l" t="t" r="r" b="b"/>
             <a:pathLst>
-              <a:path extrusionOk="0" h="120000" w="120000">
+              <a:path w="120000" h="120000" extrusionOk="0">
                 <a:moveTo>
                   <a:pt x="0" y="0"/>
                 </a:moveTo>
@@ -1495,11 +1459,11 @@
 </file>
 
 <file path=ppt/slideLayouts/slideLayout1.xml><?xml version="1.0" encoding="utf-8"?>
-<p:sldLayout xmlns:a="http://schemas.openxmlformats.org/drawingml/2006/main" xmlns:r="http://schemas.openxmlformats.org/officeDocument/2006/relationships" xmlns:mc="http://schemas.openxmlformats.org/markup-compatibility/2006" xmlns:mv="urn:schemas-microsoft-com:mac:vml" xmlns:p="http://schemas.openxmlformats.org/presentationml/2006/main" xmlns:c="http://schemas.openxmlformats.org/drawingml/2006/chart" xmlns:dgm="http://schemas.openxmlformats.org/drawingml/2006/diagram" xmlns:o="urn:schemas-microsoft-com:office:office" xmlns:v="urn:schemas-microsoft-com:vml" xmlns:pvml="urn:schemas-microsoft-com:office:powerpoint" xmlns:com="http://schemas.openxmlformats.org/drawingml/2006/compatibility" xmlns:p14="http://schemas.microsoft.com/office/powerpoint/2010/main" xmlns:p15="http://schemas.microsoft.com/office/powerpoint/2012/main" xmlns:ahyp="http://schemas.microsoft.com/office/drawing/2018/hyperlinkcolor" matchingName="Blank" type="blank">
+<p:sldLayout xmlns:a="http://schemas.openxmlformats.org/drawingml/2006/main" xmlns:r="http://schemas.openxmlformats.org/officeDocument/2006/relationships" xmlns:p="http://schemas.openxmlformats.org/presentationml/2006/main" matchingName="Blank" type="blank">
   <p:cSld name="BLANK">
     <p:spTree>
       <p:nvGrpSpPr>
-        <p:cNvPr id="11" name="Shape 11"/>
+        <p:cNvPr id="1" name="Shape 11"/>
         <p:cNvGrpSpPr/>
         <p:nvPr/>
       </p:nvGrpSpPr>
@@ -1514,9 +1478,11 @@
       <p:sp>
         <p:nvSpPr>
           <p:cNvPr id="12" name="Google Shape;12;p2"/>
-          <p:cNvSpPr txBox="1"/>
+          <p:cNvSpPr txBox="1">
+            <a:spLocks noGrp="1"/>
+          </p:cNvSpPr>
           <p:nvPr>
-            <p:ph idx="10" type="dt"/>
+            <p:ph type="dt" idx="10"/>
           </p:nvPr>
         </p:nvSpPr>
         <p:spPr>
@@ -1533,7 +1499,7 @@
           </a:ln>
         </p:spPr>
         <p:txBody>
-          <a:bodyPr anchorCtr="0" anchor="ctr" bIns="45700" lIns="91425" spcFirstLastPara="1" rIns="91425" wrap="square" tIns="45700">
+          <a:bodyPr spcFirstLastPara="1" wrap="square" lIns="91425" tIns="45700" rIns="91425" bIns="45700" anchor="ctr" anchorCtr="0">
             <a:noAutofit/>
           </a:bodyPr>
           <a:lstStyle>
@@ -1637,15 +1603,19 @@
               <a:defRPr/>
             </a:lvl9pPr>
           </a:lstStyle>
-          <a:p/>
+          <a:p>
+            <a:endParaRPr/>
+          </a:p>
         </p:txBody>
       </p:sp>
       <p:sp>
         <p:nvSpPr>
           <p:cNvPr id="13" name="Google Shape;13;p2"/>
-          <p:cNvSpPr txBox="1"/>
+          <p:cNvSpPr txBox="1">
+            <a:spLocks noGrp="1"/>
+          </p:cNvSpPr>
           <p:nvPr>
-            <p:ph idx="11" type="ftr"/>
+            <p:ph type="ftr" idx="11"/>
           </p:nvPr>
         </p:nvSpPr>
         <p:spPr>
@@ -1662,7 +1632,7 @@
           </a:ln>
         </p:spPr>
         <p:txBody>
-          <a:bodyPr anchorCtr="0" anchor="ctr" bIns="45700" lIns="91425" spcFirstLastPara="1" rIns="91425" wrap="square" tIns="45700">
+          <a:bodyPr spcFirstLastPara="1" wrap="square" lIns="91425" tIns="45700" rIns="91425" bIns="45700" anchor="ctr" anchorCtr="0">
             <a:noAutofit/>
           </a:bodyPr>
           <a:lstStyle>
@@ -1766,15 +1736,19 @@
               <a:defRPr/>
             </a:lvl9pPr>
           </a:lstStyle>
-          <a:p/>
+          <a:p>
+            <a:endParaRPr/>
+          </a:p>
         </p:txBody>
       </p:sp>
       <p:sp>
         <p:nvSpPr>
           <p:cNvPr id="14" name="Google Shape;14;p2"/>
-          <p:cNvSpPr txBox="1"/>
+          <p:cNvSpPr txBox="1">
+            <a:spLocks noGrp="1"/>
+          </p:cNvSpPr>
           <p:nvPr>
-            <p:ph idx="12" type="sldNum"/>
+            <p:ph type="sldNum" idx="12"/>
           </p:nvPr>
         </p:nvSpPr>
         <p:spPr>
@@ -1791,67 +1765,67 @@
           </a:ln>
         </p:spPr>
         <p:txBody>
-          <a:bodyPr anchorCtr="0" anchor="ctr" bIns="45700" lIns="91425" spcFirstLastPara="1" rIns="91425" wrap="square" tIns="45700">
+          <a:bodyPr spcFirstLastPara="1" wrap="square" lIns="91425" tIns="45700" rIns="91425" bIns="45700" anchor="ctr" anchorCtr="0">
             <a:noAutofit/>
           </a:bodyPr>
           <a:lstStyle>
-            <a:lvl1pPr indent="0" lvl="0" marL="0" algn="r">
+            <a:lvl1pPr marL="0" lvl="0" indent="0" algn="r">
               <a:spcBef>
                 <a:spcPts val="0"/>
               </a:spcBef>
               <a:buNone/>
               <a:defRPr/>
             </a:lvl1pPr>
-            <a:lvl2pPr indent="0" lvl="1" marL="0" algn="r">
+            <a:lvl2pPr marL="0" lvl="1" indent="0" algn="r">
               <a:spcBef>
                 <a:spcPts val="0"/>
               </a:spcBef>
               <a:buNone/>
               <a:defRPr/>
             </a:lvl2pPr>
-            <a:lvl3pPr indent="0" lvl="2" marL="0" algn="r">
+            <a:lvl3pPr marL="0" lvl="2" indent="0" algn="r">
               <a:spcBef>
                 <a:spcPts val="0"/>
               </a:spcBef>
               <a:buNone/>
               <a:defRPr/>
             </a:lvl3pPr>
-            <a:lvl4pPr indent="0" lvl="3" marL="0" algn="r">
+            <a:lvl4pPr marL="0" lvl="3" indent="0" algn="r">
               <a:spcBef>
                 <a:spcPts val="0"/>
               </a:spcBef>
               <a:buNone/>
               <a:defRPr/>
             </a:lvl4pPr>
-            <a:lvl5pPr indent="0" lvl="4" marL="0" algn="r">
+            <a:lvl5pPr marL="0" lvl="4" indent="0" algn="r">
               <a:spcBef>
                 <a:spcPts val="0"/>
               </a:spcBef>
               <a:buNone/>
               <a:defRPr/>
             </a:lvl5pPr>
-            <a:lvl6pPr indent="0" lvl="5" marL="0" algn="r">
+            <a:lvl6pPr marL="0" lvl="5" indent="0" algn="r">
               <a:spcBef>
                 <a:spcPts val="0"/>
               </a:spcBef>
               <a:buNone/>
               <a:defRPr/>
             </a:lvl6pPr>
-            <a:lvl7pPr indent="0" lvl="6" marL="0" algn="r">
+            <a:lvl7pPr marL="0" lvl="6" indent="0" algn="r">
               <a:spcBef>
                 <a:spcPts val="0"/>
               </a:spcBef>
               <a:buNone/>
               <a:defRPr/>
             </a:lvl7pPr>
-            <a:lvl8pPr indent="0" lvl="7" marL="0" algn="r">
+            <a:lvl8pPr marL="0" lvl="7" indent="0" algn="r">
               <a:spcBef>
                 <a:spcPts val="0"/>
               </a:spcBef>
               <a:buNone/>
               <a:defRPr/>
             </a:lvl8pPr>
-            <a:lvl9pPr indent="0" lvl="8" marL="0" algn="r">
+            <a:lvl9pPr marL="0" lvl="8" indent="0" algn="r">
               <a:spcBef>
                 <a:spcPts val="0"/>
               </a:spcBef>
@@ -1860,7 +1834,7 @@
             </a:lvl9pPr>
           </a:lstStyle>
           <a:p>
-            <a:pPr indent="0" lvl="0" marL="0" rtl="0" algn="r">
+            <a:pPr marL="0" lvl="0" indent="0" algn="r" rtl="0">
               <a:spcBef>
                 <a:spcPts val="0"/>
               </a:spcBef>
@@ -1886,11 +1860,11 @@
 </file>
 
 <file path=ppt/slideLayouts/slideLayout10.xml><?xml version="1.0" encoding="utf-8"?>
-<p:sldLayout xmlns:a="http://schemas.openxmlformats.org/drawingml/2006/main" xmlns:r="http://schemas.openxmlformats.org/officeDocument/2006/relationships" xmlns:mc="http://schemas.openxmlformats.org/markup-compatibility/2006" xmlns:mv="urn:schemas-microsoft-com:mac:vml" xmlns:p="http://schemas.openxmlformats.org/presentationml/2006/main" xmlns:c="http://schemas.openxmlformats.org/drawingml/2006/chart" xmlns:dgm="http://schemas.openxmlformats.org/drawingml/2006/diagram" xmlns:o="urn:schemas-microsoft-com:office:office" xmlns:v="urn:schemas-microsoft-com:vml" xmlns:pvml="urn:schemas-microsoft-com:office:powerpoint" xmlns:com="http://schemas.openxmlformats.org/drawingml/2006/compatibility" xmlns:p14="http://schemas.microsoft.com/office/powerpoint/2010/main" xmlns:p15="http://schemas.microsoft.com/office/powerpoint/2012/main" xmlns:ahyp="http://schemas.microsoft.com/office/drawing/2018/hyperlinkcolor" matchingName="Title and Vertical Text" type="vertTx">
+<p:sldLayout xmlns:a="http://schemas.openxmlformats.org/drawingml/2006/main" xmlns:r="http://schemas.openxmlformats.org/officeDocument/2006/relationships" xmlns:p="http://schemas.openxmlformats.org/presentationml/2006/main" matchingName="Title and Vertical Text" type="vertTx">
   <p:cSld name="VERTICAL_TEXT">
     <p:spTree>
       <p:nvGrpSpPr>
-        <p:cNvPr id="68" name="Shape 68"/>
+        <p:cNvPr id="1" name="Shape 68"/>
         <p:cNvGrpSpPr/>
         <p:nvPr/>
       </p:nvGrpSpPr>
@@ -1905,7 +1879,9 @@
       <p:sp>
         <p:nvSpPr>
           <p:cNvPr id="69" name="Google Shape;69;p11"/>
-          <p:cNvSpPr txBox="1"/>
+          <p:cNvSpPr txBox="1">
+            <a:spLocks noGrp="1"/>
+          </p:cNvSpPr>
           <p:nvPr>
             <p:ph type="title"/>
           </p:nvPr>
@@ -1924,7 +1900,7 @@
           </a:ln>
         </p:spPr>
         <p:txBody>
-          <a:bodyPr anchorCtr="0" anchor="ctr" bIns="45700" lIns="91425" spcFirstLastPara="1" rIns="91425" wrap="square" tIns="45700">
+          <a:bodyPr spcFirstLastPara="1" wrap="square" lIns="91425" tIns="45700" rIns="91425" bIns="45700" anchor="ctr" anchorCtr="0">
             <a:normAutofit/>
           </a:bodyPr>
           <a:lstStyle>
@@ -2031,15 +2007,19 @@
               <a:defRPr/>
             </a:lvl9pPr>
           </a:lstStyle>
-          <a:p/>
+          <a:p>
+            <a:endParaRPr/>
+          </a:p>
         </p:txBody>
       </p:sp>
       <p:sp>
         <p:nvSpPr>
           <p:cNvPr id="70" name="Google Shape;70;p11"/>
-          <p:cNvSpPr txBox="1"/>
+          <p:cNvSpPr txBox="1">
+            <a:spLocks noGrp="1"/>
+          </p:cNvSpPr>
           <p:nvPr>
-            <p:ph idx="1" type="body"/>
+            <p:ph type="body" idx="1"/>
           </p:nvPr>
         </p:nvSpPr>
         <p:spPr>
@@ -2056,11 +2036,11 @@
           </a:ln>
         </p:spPr>
         <p:txBody>
-          <a:bodyPr anchorCtr="0" anchor="t" bIns="45700" lIns="91425" spcFirstLastPara="1" rIns="91425" wrap="square" tIns="45700">
+          <a:bodyPr spcFirstLastPara="1" wrap="square" lIns="91425" tIns="45700" rIns="91425" bIns="45700" anchor="t" anchorCtr="0">
             <a:normAutofit/>
           </a:bodyPr>
           <a:lstStyle>
-            <a:lvl1pPr indent="-342900" lvl="0" marL="457200" algn="l">
+            <a:lvl1pPr marL="457200" lvl="0" indent="-342900" algn="l">
               <a:spcBef>
                 <a:spcPts val="360"/>
               </a:spcBef>
@@ -2074,7 +2054,7 @@
               <a:buChar char="•"/>
               <a:defRPr/>
             </a:lvl1pPr>
-            <a:lvl2pPr indent="-342900" lvl="1" marL="914400" algn="l">
+            <a:lvl2pPr marL="914400" lvl="1" indent="-342900" algn="l">
               <a:spcBef>
                 <a:spcPts val="360"/>
               </a:spcBef>
@@ -2088,7 +2068,7 @@
               <a:buChar char="–"/>
               <a:defRPr/>
             </a:lvl2pPr>
-            <a:lvl3pPr indent="-342900" lvl="2" marL="1371600" algn="l">
+            <a:lvl3pPr marL="1371600" lvl="2" indent="-342900" algn="l">
               <a:spcBef>
                 <a:spcPts val="360"/>
               </a:spcBef>
@@ -2102,7 +2082,7 @@
               <a:buChar char="•"/>
               <a:defRPr/>
             </a:lvl3pPr>
-            <a:lvl4pPr indent="-342900" lvl="3" marL="1828800" algn="l">
+            <a:lvl4pPr marL="1828800" lvl="3" indent="-342900" algn="l">
               <a:spcBef>
                 <a:spcPts val="360"/>
               </a:spcBef>
@@ -2116,7 +2096,7 @@
               <a:buChar char="–"/>
               <a:defRPr/>
             </a:lvl4pPr>
-            <a:lvl5pPr indent="-342900" lvl="4" marL="2286000" algn="l">
+            <a:lvl5pPr marL="2286000" lvl="4" indent="-342900" algn="l">
               <a:spcBef>
                 <a:spcPts val="360"/>
               </a:spcBef>
@@ -2130,7 +2110,7 @@
               <a:buChar char="»"/>
               <a:defRPr/>
             </a:lvl5pPr>
-            <a:lvl6pPr indent="-342900" lvl="5" marL="2743200" algn="l">
+            <a:lvl6pPr marL="2743200" lvl="5" indent="-342900" algn="l">
               <a:spcBef>
                 <a:spcPts val="360"/>
               </a:spcBef>
@@ -2144,7 +2124,7 @@
               <a:buChar char="•"/>
               <a:defRPr/>
             </a:lvl6pPr>
-            <a:lvl7pPr indent="-342900" lvl="6" marL="3200400" algn="l">
+            <a:lvl7pPr marL="3200400" lvl="6" indent="-342900" algn="l">
               <a:spcBef>
                 <a:spcPts val="360"/>
               </a:spcBef>
@@ -2158,7 +2138,7 @@
               <a:buChar char="•"/>
               <a:defRPr/>
             </a:lvl7pPr>
-            <a:lvl8pPr indent="-342900" lvl="7" marL="3657600" algn="l">
+            <a:lvl8pPr marL="3657600" lvl="7" indent="-342900" algn="l">
               <a:spcBef>
                 <a:spcPts val="360"/>
               </a:spcBef>
@@ -2172,7 +2152,7 @@
               <a:buChar char="•"/>
               <a:defRPr/>
             </a:lvl8pPr>
-            <a:lvl9pPr indent="-342900" lvl="8" marL="4114800" algn="l">
+            <a:lvl9pPr marL="4114800" lvl="8" indent="-342900" algn="l">
               <a:spcBef>
                 <a:spcPts val="360"/>
               </a:spcBef>
@@ -2187,15 +2167,19 @@
               <a:defRPr/>
             </a:lvl9pPr>
           </a:lstStyle>
-          <a:p/>
+          <a:p>
+            <a:endParaRPr/>
+          </a:p>
         </p:txBody>
       </p:sp>
       <p:sp>
         <p:nvSpPr>
           <p:cNvPr id="71" name="Google Shape;71;p11"/>
-          <p:cNvSpPr txBox="1"/>
+          <p:cNvSpPr txBox="1">
+            <a:spLocks noGrp="1"/>
+          </p:cNvSpPr>
           <p:nvPr>
-            <p:ph idx="10" type="dt"/>
+            <p:ph type="dt" idx="10"/>
           </p:nvPr>
         </p:nvSpPr>
         <p:spPr>
@@ -2212,7 +2196,7 @@
           </a:ln>
         </p:spPr>
         <p:txBody>
-          <a:bodyPr anchorCtr="0" anchor="ctr" bIns="45700" lIns="91425" spcFirstLastPara="1" rIns="91425" wrap="square" tIns="45700">
+          <a:bodyPr spcFirstLastPara="1" wrap="square" lIns="91425" tIns="45700" rIns="91425" bIns="45700" anchor="ctr" anchorCtr="0">
             <a:noAutofit/>
           </a:bodyPr>
           <a:lstStyle>
@@ -2316,15 +2300,19 @@
               <a:defRPr/>
             </a:lvl9pPr>
           </a:lstStyle>
-          <a:p/>
+          <a:p>
+            <a:endParaRPr/>
+          </a:p>
         </p:txBody>
       </p:sp>
       <p:sp>
         <p:nvSpPr>
           <p:cNvPr id="72" name="Google Shape;72;p11"/>
-          <p:cNvSpPr txBox="1"/>
+          <p:cNvSpPr txBox="1">
+            <a:spLocks noGrp="1"/>
+          </p:cNvSpPr>
           <p:nvPr>
-            <p:ph idx="11" type="ftr"/>
+            <p:ph type="ftr" idx="11"/>
           </p:nvPr>
         </p:nvSpPr>
         <p:spPr>
@@ -2341,7 +2329,7 @@
           </a:ln>
         </p:spPr>
         <p:txBody>
-          <a:bodyPr anchorCtr="0" anchor="ctr" bIns="45700" lIns="91425" spcFirstLastPara="1" rIns="91425" wrap="square" tIns="45700">
+          <a:bodyPr spcFirstLastPara="1" wrap="square" lIns="91425" tIns="45700" rIns="91425" bIns="45700" anchor="ctr" anchorCtr="0">
             <a:noAutofit/>
           </a:bodyPr>
           <a:lstStyle>
@@ -2445,15 +2433,19 @@
               <a:defRPr/>
             </a:lvl9pPr>
           </a:lstStyle>
-          <a:p/>
+          <a:p>
+            <a:endParaRPr/>
+          </a:p>
         </p:txBody>
       </p:sp>
       <p:sp>
         <p:nvSpPr>
           <p:cNvPr id="73" name="Google Shape;73;p11"/>
-          <p:cNvSpPr txBox="1"/>
+          <p:cNvSpPr txBox="1">
+            <a:spLocks noGrp="1"/>
+          </p:cNvSpPr>
           <p:nvPr>
-            <p:ph idx="12" type="sldNum"/>
+            <p:ph type="sldNum" idx="12"/>
           </p:nvPr>
         </p:nvSpPr>
         <p:spPr>
@@ -2470,67 +2462,67 @@
           </a:ln>
         </p:spPr>
         <p:txBody>
-          <a:bodyPr anchorCtr="0" anchor="ctr" bIns="45700" lIns="91425" spcFirstLastPara="1" rIns="91425" wrap="square" tIns="45700">
+          <a:bodyPr spcFirstLastPara="1" wrap="square" lIns="91425" tIns="45700" rIns="91425" bIns="45700" anchor="ctr" anchorCtr="0">
             <a:noAutofit/>
           </a:bodyPr>
           <a:lstStyle>
-            <a:lvl1pPr indent="0" lvl="0" marL="0" algn="r">
+            <a:lvl1pPr marL="0" lvl="0" indent="0" algn="r">
               <a:spcBef>
                 <a:spcPts val="0"/>
               </a:spcBef>
               <a:buNone/>
               <a:defRPr/>
             </a:lvl1pPr>
-            <a:lvl2pPr indent="0" lvl="1" marL="0" algn="r">
+            <a:lvl2pPr marL="0" lvl="1" indent="0" algn="r">
               <a:spcBef>
                 <a:spcPts val="0"/>
               </a:spcBef>
               <a:buNone/>
               <a:defRPr/>
             </a:lvl2pPr>
-            <a:lvl3pPr indent="0" lvl="2" marL="0" algn="r">
+            <a:lvl3pPr marL="0" lvl="2" indent="0" algn="r">
               <a:spcBef>
                 <a:spcPts val="0"/>
               </a:spcBef>
               <a:buNone/>
               <a:defRPr/>
             </a:lvl3pPr>
-            <a:lvl4pPr indent="0" lvl="3" marL="0" algn="r">
+            <a:lvl4pPr marL="0" lvl="3" indent="0" algn="r">
               <a:spcBef>
                 <a:spcPts val="0"/>
               </a:spcBef>
               <a:buNone/>
               <a:defRPr/>
             </a:lvl4pPr>
-            <a:lvl5pPr indent="0" lvl="4" marL="0" algn="r">
+            <a:lvl5pPr marL="0" lvl="4" indent="0" algn="r">
               <a:spcBef>
                 <a:spcPts val="0"/>
               </a:spcBef>
               <a:buNone/>
               <a:defRPr/>
             </a:lvl5pPr>
-            <a:lvl6pPr indent="0" lvl="5" marL="0" algn="r">
+            <a:lvl6pPr marL="0" lvl="5" indent="0" algn="r">
               <a:spcBef>
                 <a:spcPts val="0"/>
               </a:spcBef>
               <a:buNone/>
               <a:defRPr/>
             </a:lvl6pPr>
-            <a:lvl7pPr indent="0" lvl="6" marL="0" algn="r">
+            <a:lvl7pPr marL="0" lvl="6" indent="0" algn="r">
               <a:spcBef>
                 <a:spcPts val="0"/>
               </a:spcBef>
               <a:buNone/>
               <a:defRPr/>
             </a:lvl7pPr>
-            <a:lvl8pPr indent="0" lvl="7" marL="0" algn="r">
+            <a:lvl8pPr marL="0" lvl="7" indent="0" algn="r">
               <a:spcBef>
                 <a:spcPts val="0"/>
               </a:spcBef>
               <a:buNone/>
               <a:defRPr/>
             </a:lvl8pPr>
-            <a:lvl9pPr indent="0" lvl="8" marL="0" algn="r">
+            <a:lvl9pPr marL="0" lvl="8" indent="0" algn="r">
               <a:spcBef>
                 <a:spcPts val="0"/>
               </a:spcBef>
@@ -2539,7 +2531,7 @@
             </a:lvl9pPr>
           </a:lstStyle>
           <a:p>
-            <a:pPr indent="0" lvl="0" marL="0" rtl="0" algn="r">
+            <a:pPr marL="0" lvl="0" indent="0" algn="r" rtl="0">
               <a:spcBef>
                 <a:spcPts val="0"/>
               </a:spcBef>
@@ -2565,11 +2557,11 @@
 </file>
 
 <file path=ppt/slideLayouts/slideLayout11.xml><?xml version="1.0" encoding="utf-8"?>
-<p:sldLayout xmlns:a="http://schemas.openxmlformats.org/drawingml/2006/main" xmlns:r="http://schemas.openxmlformats.org/officeDocument/2006/relationships" xmlns:mc="http://schemas.openxmlformats.org/markup-compatibility/2006" xmlns:mv="urn:schemas-microsoft-com:mac:vml" xmlns:p="http://schemas.openxmlformats.org/presentationml/2006/main" xmlns:c="http://schemas.openxmlformats.org/drawingml/2006/chart" xmlns:dgm="http://schemas.openxmlformats.org/drawingml/2006/diagram" xmlns:o="urn:schemas-microsoft-com:office:office" xmlns:v="urn:schemas-microsoft-com:vml" xmlns:pvml="urn:schemas-microsoft-com:office:powerpoint" xmlns:com="http://schemas.openxmlformats.org/drawingml/2006/compatibility" xmlns:p14="http://schemas.microsoft.com/office/powerpoint/2010/main" xmlns:p15="http://schemas.microsoft.com/office/powerpoint/2012/main" xmlns:ahyp="http://schemas.microsoft.com/office/drawing/2018/hyperlinkcolor" matchingName="Vertical Title and Text" type="vertTitleAndTx">
+<p:sldLayout xmlns:a="http://schemas.openxmlformats.org/drawingml/2006/main" xmlns:r="http://schemas.openxmlformats.org/officeDocument/2006/relationships" xmlns:p="http://schemas.openxmlformats.org/presentationml/2006/main" matchingName="Vertical Title and Text" type="vertTitleAndTx">
   <p:cSld name="VERTICAL_TITLE_AND_VERTICAL_TEXT">
     <p:spTree>
       <p:nvGrpSpPr>
-        <p:cNvPr id="74" name="Shape 74"/>
+        <p:cNvPr id="1" name="Shape 74"/>
         <p:cNvGrpSpPr/>
         <p:nvPr/>
       </p:nvGrpSpPr>
@@ -2584,7 +2576,9 @@
       <p:sp>
         <p:nvSpPr>
           <p:cNvPr id="75" name="Google Shape;75;p12"/>
-          <p:cNvSpPr txBox="1"/>
+          <p:cNvSpPr txBox="1">
+            <a:spLocks noGrp="1"/>
+          </p:cNvSpPr>
           <p:nvPr>
             <p:ph type="title"/>
           </p:nvPr>
@@ -2603,7 +2597,7 @@
           </a:ln>
         </p:spPr>
         <p:txBody>
-          <a:bodyPr anchorCtr="0" anchor="ctr" bIns="45700" lIns="91425" spcFirstLastPara="1" rIns="91425" wrap="square" tIns="45700">
+          <a:bodyPr spcFirstLastPara="1" wrap="square" lIns="91425" tIns="45700" rIns="91425" bIns="45700" anchor="ctr" anchorCtr="0">
             <a:normAutofit/>
           </a:bodyPr>
           <a:lstStyle>
@@ -2710,15 +2704,19 @@
               <a:defRPr/>
             </a:lvl9pPr>
           </a:lstStyle>
-          <a:p/>
+          <a:p>
+            <a:endParaRPr/>
+          </a:p>
         </p:txBody>
       </p:sp>
       <p:sp>
         <p:nvSpPr>
           <p:cNvPr id="76" name="Google Shape;76;p12"/>
-          <p:cNvSpPr txBox="1"/>
+          <p:cNvSpPr txBox="1">
+            <a:spLocks noGrp="1"/>
+          </p:cNvSpPr>
           <p:nvPr>
-            <p:ph idx="1" type="body"/>
+            <p:ph type="body" idx="1"/>
           </p:nvPr>
         </p:nvSpPr>
         <p:spPr>
@@ -2735,11 +2733,11 @@
           </a:ln>
         </p:spPr>
         <p:txBody>
-          <a:bodyPr anchorCtr="0" anchor="t" bIns="45700" lIns="91425" spcFirstLastPara="1" rIns="91425" wrap="square" tIns="45700">
+          <a:bodyPr spcFirstLastPara="1" wrap="square" lIns="91425" tIns="45700" rIns="91425" bIns="45700" anchor="t" anchorCtr="0">
             <a:normAutofit/>
           </a:bodyPr>
           <a:lstStyle>
-            <a:lvl1pPr indent="-342900" lvl="0" marL="457200" algn="l">
+            <a:lvl1pPr marL="457200" lvl="0" indent="-342900" algn="l">
               <a:spcBef>
                 <a:spcPts val="360"/>
               </a:spcBef>
@@ -2753,7 +2751,7 @@
               <a:buChar char="•"/>
               <a:defRPr/>
             </a:lvl1pPr>
-            <a:lvl2pPr indent="-342900" lvl="1" marL="914400" algn="l">
+            <a:lvl2pPr marL="914400" lvl="1" indent="-342900" algn="l">
               <a:spcBef>
                 <a:spcPts val="360"/>
               </a:spcBef>
@@ -2767,7 +2765,7 @@
               <a:buChar char="–"/>
               <a:defRPr/>
             </a:lvl2pPr>
-            <a:lvl3pPr indent="-342900" lvl="2" marL="1371600" algn="l">
+            <a:lvl3pPr marL="1371600" lvl="2" indent="-342900" algn="l">
               <a:spcBef>
                 <a:spcPts val="360"/>
               </a:spcBef>
@@ -2781,7 +2779,7 @@
               <a:buChar char="•"/>
               <a:defRPr/>
             </a:lvl3pPr>
-            <a:lvl4pPr indent="-342900" lvl="3" marL="1828800" algn="l">
+            <a:lvl4pPr marL="1828800" lvl="3" indent="-342900" algn="l">
               <a:spcBef>
                 <a:spcPts val="360"/>
               </a:spcBef>
@@ -2795,7 +2793,7 @@
               <a:buChar char="–"/>
               <a:defRPr/>
             </a:lvl4pPr>
-            <a:lvl5pPr indent="-342900" lvl="4" marL="2286000" algn="l">
+            <a:lvl5pPr marL="2286000" lvl="4" indent="-342900" algn="l">
               <a:spcBef>
                 <a:spcPts val="360"/>
               </a:spcBef>
@@ -2809,7 +2807,7 @@
               <a:buChar char="»"/>
               <a:defRPr/>
             </a:lvl5pPr>
-            <a:lvl6pPr indent="-342900" lvl="5" marL="2743200" algn="l">
+            <a:lvl6pPr marL="2743200" lvl="5" indent="-342900" algn="l">
               <a:spcBef>
                 <a:spcPts val="360"/>
               </a:spcBef>
@@ -2823,7 +2821,7 @@
               <a:buChar char="•"/>
               <a:defRPr/>
             </a:lvl6pPr>
-            <a:lvl7pPr indent="-342900" lvl="6" marL="3200400" algn="l">
+            <a:lvl7pPr marL="3200400" lvl="6" indent="-342900" algn="l">
               <a:spcBef>
                 <a:spcPts val="360"/>
               </a:spcBef>
@@ -2837,7 +2835,7 @@
               <a:buChar char="•"/>
               <a:defRPr/>
             </a:lvl7pPr>
-            <a:lvl8pPr indent="-342900" lvl="7" marL="3657600" algn="l">
+            <a:lvl8pPr marL="3657600" lvl="7" indent="-342900" algn="l">
               <a:spcBef>
                 <a:spcPts val="360"/>
               </a:spcBef>
@@ -2851,7 +2849,7 @@
               <a:buChar char="•"/>
               <a:defRPr/>
             </a:lvl8pPr>
-            <a:lvl9pPr indent="-342900" lvl="8" marL="4114800" algn="l">
+            <a:lvl9pPr marL="4114800" lvl="8" indent="-342900" algn="l">
               <a:spcBef>
                 <a:spcPts val="360"/>
               </a:spcBef>
@@ -2866,15 +2864,19 @@
               <a:defRPr/>
             </a:lvl9pPr>
           </a:lstStyle>
-          <a:p/>
+          <a:p>
+            <a:endParaRPr/>
+          </a:p>
         </p:txBody>
       </p:sp>
       <p:sp>
         <p:nvSpPr>
           <p:cNvPr id="77" name="Google Shape;77;p12"/>
-          <p:cNvSpPr txBox="1"/>
+          <p:cNvSpPr txBox="1">
+            <a:spLocks noGrp="1"/>
+          </p:cNvSpPr>
           <p:nvPr>
-            <p:ph idx="10" type="dt"/>
+            <p:ph type="dt" idx="10"/>
           </p:nvPr>
         </p:nvSpPr>
         <p:spPr>
@@ -2891,7 +2893,7 @@
           </a:ln>
         </p:spPr>
         <p:txBody>
-          <a:bodyPr anchorCtr="0" anchor="ctr" bIns="45700" lIns="91425" spcFirstLastPara="1" rIns="91425" wrap="square" tIns="45700">
+          <a:bodyPr spcFirstLastPara="1" wrap="square" lIns="91425" tIns="45700" rIns="91425" bIns="45700" anchor="ctr" anchorCtr="0">
             <a:noAutofit/>
           </a:bodyPr>
           <a:lstStyle>
@@ -2995,15 +2997,19 @@
               <a:defRPr/>
             </a:lvl9pPr>
           </a:lstStyle>
-          <a:p/>
+          <a:p>
+            <a:endParaRPr/>
+          </a:p>
         </p:txBody>
       </p:sp>
       <p:sp>
         <p:nvSpPr>
           <p:cNvPr id="78" name="Google Shape;78;p12"/>
-          <p:cNvSpPr txBox="1"/>
+          <p:cNvSpPr txBox="1">
+            <a:spLocks noGrp="1"/>
+          </p:cNvSpPr>
           <p:nvPr>
-            <p:ph idx="11" type="ftr"/>
+            <p:ph type="ftr" idx="11"/>
           </p:nvPr>
         </p:nvSpPr>
         <p:spPr>
@@ -3020,7 +3026,7 @@
           </a:ln>
         </p:spPr>
         <p:txBody>
-          <a:bodyPr anchorCtr="0" anchor="ctr" bIns="45700" lIns="91425" spcFirstLastPara="1" rIns="91425" wrap="square" tIns="45700">
+          <a:bodyPr spcFirstLastPara="1" wrap="square" lIns="91425" tIns="45700" rIns="91425" bIns="45700" anchor="ctr" anchorCtr="0">
             <a:noAutofit/>
           </a:bodyPr>
           <a:lstStyle>
@@ -3124,15 +3130,19 @@
               <a:defRPr/>
             </a:lvl9pPr>
           </a:lstStyle>
-          <a:p/>
+          <a:p>
+            <a:endParaRPr/>
+          </a:p>
         </p:txBody>
       </p:sp>
       <p:sp>
         <p:nvSpPr>
           <p:cNvPr id="79" name="Google Shape;79;p12"/>
-          <p:cNvSpPr txBox="1"/>
+          <p:cNvSpPr txBox="1">
+            <a:spLocks noGrp="1"/>
+          </p:cNvSpPr>
           <p:nvPr>
-            <p:ph idx="12" type="sldNum"/>
+            <p:ph type="sldNum" idx="12"/>
           </p:nvPr>
         </p:nvSpPr>
         <p:spPr>
@@ -3149,67 +3159,67 @@
           </a:ln>
         </p:spPr>
         <p:txBody>
-          <a:bodyPr anchorCtr="0" anchor="ctr" bIns="45700" lIns="91425" spcFirstLastPara="1" rIns="91425" wrap="square" tIns="45700">
+          <a:bodyPr spcFirstLastPara="1" wrap="square" lIns="91425" tIns="45700" rIns="91425" bIns="45700" anchor="ctr" anchorCtr="0">
             <a:noAutofit/>
           </a:bodyPr>
           <a:lstStyle>
-            <a:lvl1pPr indent="0" lvl="0" marL="0" algn="r">
+            <a:lvl1pPr marL="0" lvl="0" indent="0" algn="r">
               <a:spcBef>
                 <a:spcPts val="0"/>
               </a:spcBef>
               <a:buNone/>
               <a:defRPr/>
             </a:lvl1pPr>
-            <a:lvl2pPr indent="0" lvl="1" marL="0" algn="r">
+            <a:lvl2pPr marL="0" lvl="1" indent="0" algn="r">
               <a:spcBef>
                 <a:spcPts val="0"/>
               </a:spcBef>
               <a:buNone/>
               <a:defRPr/>
             </a:lvl2pPr>
-            <a:lvl3pPr indent="0" lvl="2" marL="0" algn="r">
+            <a:lvl3pPr marL="0" lvl="2" indent="0" algn="r">
               <a:spcBef>
                 <a:spcPts val="0"/>
               </a:spcBef>
               <a:buNone/>
               <a:defRPr/>
             </a:lvl3pPr>
-            <a:lvl4pPr indent="0" lvl="3" marL="0" algn="r">
+            <a:lvl4pPr marL="0" lvl="3" indent="0" algn="r">
               <a:spcBef>
                 <a:spcPts val="0"/>
               </a:spcBef>
               <a:buNone/>
               <a:defRPr/>
             </a:lvl4pPr>
-            <a:lvl5pPr indent="0" lvl="4" marL="0" algn="r">
+            <a:lvl5pPr marL="0" lvl="4" indent="0" algn="r">
               <a:spcBef>
                 <a:spcPts val="0"/>
               </a:spcBef>
               <a:buNone/>
               <a:defRPr/>
             </a:lvl5pPr>
-            <a:lvl6pPr indent="0" lvl="5" marL="0" algn="r">
+            <a:lvl6pPr marL="0" lvl="5" indent="0" algn="r">
               <a:spcBef>
                 <a:spcPts val="0"/>
               </a:spcBef>
               <a:buNone/>
               <a:defRPr/>
             </a:lvl6pPr>
-            <a:lvl7pPr indent="0" lvl="6" marL="0" algn="r">
+            <a:lvl7pPr marL="0" lvl="6" indent="0" algn="r">
               <a:spcBef>
                 <a:spcPts val="0"/>
               </a:spcBef>
               <a:buNone/>
               <a:defRPr/>
             </a:lvl7pPr>
-            <a:lvl8pPr indent="0" lvl="7" marL="0" algn="r">
+            <a:lvl8pPr marL="0" lvl="7" indent="0" algn="r">
               <a:spcBef>
                 <a:spcPts val="0"/>
               </a:spcBef>
               <a:buNone/>
               <a:defRPr/>
             </a:lvl8pPr>
-            <a:lvl9pPr indent="0" lvl="8" marL="0" algn="r">
+            <a:lvl9pPr marL="0" lvl="8" indent="0" algn="r">
               <a:spcBef>
                 <a:spcPts val="0"/>
               </a:spcBef>
@@ -3218,7 +3228,7 @@
             </a:lvl9pPr>
           </a:lstStyle>
           <a:p>
-            <a:pPr indent="0" lvl="0" marL="0" rtl="0" algn="r">
+            <a:pPr marL="0" lvl="0" indent="0" algn="r" rtl="0">
               <a:spcBef>
                 <a:spcPts val="0"/>
               </a:spcBef>
@@ -3244,11 +3254,11 @@
 </file>
 
 <file path=ppt/slideLayouts/slideLayout2.xml><?xml version="1.0" encoding="utf-8"?>
-<p:sldLayout xmlns:a="http://schemas.openxmlformats.org/drawingml/2006/main" xmlns:r="http://schemas.openxmlformats.org/officeDocument/2006/relationships" xmlns:mc="http://schemas.openxmlformats.org/markup-compatibility/2006" xmlns:mv="urn:schemas-microsoft-com:mac:vml" xmlns:p="http://schemas.openxmlformats.org/presentationml/2006/main" xmlns:c="http://schemas.openxmlformats.org/drawingml/2006/chart" xmlns:dgm="http://schemas.openxmlformats.org/drawingml/2006/diagram" xmlns:o="urn:schemas-microsoft-com:office:office" xmlns:v="urn:schemas-microsoft-com:vml" xmlns:pvml="urn:schemas-microsoft-com:office:powerpoint" xmlns:com="http://schemas.openxmlformats.org/drawingml/2006/compatibility" xmlns:p14="http://schemas.microsoft.com/office/powerpoint/2010/main" xmlns:p15="http://schemas.microsoft.com/office/powerpoint/2012/main" xmlns:ahyp="http://schemas.microsoft.com/office/drawing/2018/hyperlinkcolor" matchingName="Title Slide" type="title">
+<p:sldLayout xmlns:a="http://schemas.openxmlformats.org/drawingml/2006/main" xmlns:r="http://schemas.openxmlformats.org/officeDocument/2006/relationships" xmlns:p="http://schemas.openxmlformats.org/presentationml/2006/main" matchingName="Title Slide" type="title">
   <p:cSld name="TITLE">
     <p:spTree>
       <p:nvGrpSpPr>
-        <p:cNvPr id="15" name="Shape 15"/>
+        <p:cNvPr id="1" name="Shape 15"/>
         <p:cNvGrpSpPr/>
         <p:nvPr/>
       </p:nvGrpSpPr>
@@ -3263,7 +3273,9 @@
       <p:sp>
         <p:nvSpPr>
           <p:cNvPr id="16" name="Google Shape;16;p3"/>
-          <p:cNvSpPr txBox="1"/>
+          <p:cNvSpPr txBox="1">
+            <a:spLocks noGrp="1"/>
+          </p:cNvSpPr>
           <p:nvPr>
             <p:ph type="ctrTitle"/>
           </p:nvPr>
@@ -3282,7 +3294,7 @@
           </a:ln>
         </p:spPr>
         <p:txBody>
-          <a:bodyPr anchorCtr="0" anchor="ctr" bIns="45700" lIns="91425" spcFirstLastPara="1" rIns="91425" wrap="square" tIns="45700">
+          <a:bodyPr spcFirstLastPara="1" wrap="square" lIns="91425" tIns="45700" rIns="91425" bIns="45700" anchor="ctr" anchorCtr="0">
             <a:normAutofit/>
           </a:bodyPr>
           <a:lstStyle>
@@ -3389,15 +3401,19 @@
               <a:defRPr/>
             </a:lvl9pPr>
           </a:lstStyle>
-          <a:p/>
+          <a:p>
+            <a:endParaRPr/>
+          </a:p>
         </p:txBody>
       </p:sp>
       <p:sp>
         <p:nvSpPr>
           <p:cNvPr id="17" name="Google Shape;17;p3"/>
-          <p:cNvSpPr txBox="1"/>
+          <p:cNvSpPr txBox="1">
+            <a:spLocks noGrp="1"/>
+          </p:cNvSpPr>
           <p:nvPr>
-            <p:ph idx="1" type="subTitle"/>
+            <p:ph type="subTitle" idx="1"/>
           </p:nvPr>
         </p:nvSpPr>
         <p:spPr>
@@ -3414,7 +3430,7 @@
           </a:ln>
         </p:spPr>
         <p:txBody>
-          <a:bodyPr anchorCtr="0" anchor="t" bIns="45700" lIns="91425" spcFirstLastPara="1" rIns="91425" wrap="square" tIns="45700">
+          <a:bodyPr spcFirstLastPara="1" wrap="square" lIns="91425" tIns="45700" rIns="91425" bIns="45700" anchor="t" anchorCtr="0">
             <a:normAutofit/>
           </a:bodyPr>
           <a:lstStyle>
@@ -3581,15 +3597,19 @@
               </a:defRPr>
             </a:lvl9pPr>
           </a:lstStyle>
-          <a:p/>
+          <a:p>
+            <a:endParaRPr/>
+          </a:p>
         </p:txBody>
       </p:sp>
       <p:sp>
         <p:nvSpPr>
           <p:cNvPr id="18" name="Google Shape;18;p3"/>
-          <p:cNvSpPr txBox="1"/>
+          <p:cNvSpPr txBox="1">
+            <a:spLocks noGrp="1"/>
+          </p:cNvSpPr>
           <p:nvPr>
-            <p:ph idx="10" type="dt"/>
+            <p:ph type="dt" idx="10"/>
           </p:nvPr>
         </p:nvSpPr>
         <p:spPr>
@@ -3606,7 +3626,7 @@
           </a:ln>
         </p:spPr>
         <p:txBody>
-          <a:bodyPr anchorCtr="0" anchor="ctr" bIns="45700" lIns="91425" spcFirstLastPara="1" rIns="91425" wrap="square" tIns="45700">
+          <a:bodyPr spcFirstLastPara="1" wrap="square" lIns="91425" tIns="45700" rIns="91425" bIns="45700" anchor="ctr" anchorCtr="0">
             <a:noAutofit/>
           </a:bodyPr>
           <a:lstStyle>
@@ -3710,15 +3730,19 @@
               <a:defRPr/>
             </a:lvl9pPr>
           </a:lstStyle>
-          <a:p/>
+          <a:p>
+            <a:endParaRPr/>
+          </a:p>
         </p:txBody>
       </p:sp>
       <p:sp>
         <p:nvSpPr>
           <p:cNvPr id="19" name="Google Shape;19;p3"/>
-          <p:cNvSpPr txBox="1"/>
+          <p:cNvSpPr txBox="1">
+            <a:spLocks noGrp="1"/>
+          </p:cNvSpPr>
           <p:nvPr>
-            <p:ph idx="11" type="ftr"/>
+            <p:ph type="ftr" idx="11"/>
           </p:nvPr>
         </p:nvSpPr>
         <p:spPr>
@@ -3735,7 +3759,7 @@
           </a:ln>
         </p:spPr>
         <p:txBody>
-          <a:bodyPr anchorCtr="0" anchor="ctr" bIns="45700" lIns="91425" spcFirstLastPara="1" rIns="91425" wrap="square" tIns="45700">
+          <a:bodyPr spcFirstLastPara="1" wrap="square" lIns="91425" tIns="45700" rIns="91425" bIns="45700" anchor="ctr" anchorCtr="0">
             <a:noAutofit/>
           </a:bodyPr>
           <a:lstStyle>
@@ -3839,15 +3863,19 @@
               <a:defRPr/>
             </a:lvl9pPr>
           </a:lstStyle>
-          <a:p/>
+          <a:p>
+            <a:endParaRPr/>
+          </a:p>
         </p:txBody>
       </p:sp>
       <p:sp>
         <p:nvSpPr>
           <p:cNvPr id="20" name="Google Shape;20;p3"/>
-          <p:cNvSpPr txBox="1"/>
+          <p:cNvSpPr txBox="1">
+            <a:spLocks noGrp="1"/>
+          </p:cNvSpPr>
           <p:nvPr>
-            <p:ph idx="12" type="sldNum"/>
+            <p:ph type="sldNum" idx="12"/>
           </p:nvPr>
         </p:nvSpPr>
         <p:spPr>
@@ -3864,67 +3892,67 @@
           </a:ln>
         </p:spPr>
         <p:txBody>
-          <a:bodyPr anchorCtr="0" anchor="ctr" bIns="45700" lIns="91425" spcFirstLastPara="1" rIns="91425" wrap="square" tIns="45700">
+          <a:bodyPr spcFirstLastPara="1" wrap="square" lIns="91425" tIns="45700" rIns="91425" bIns="45700" anchor="ctr" anchorCtr="0">
             <a:noAutofit/>
           </a:bodyPr>
           <a:lstStyle>
-            <a:lvl1pPr indent="0" lvl="0" marL="0" algn="r">
+            <a:lvl1pPr marL="0" lvl="0" indent="0" algn="r">
               <a:spcBef>
                 <a:spcPts val="0"/>
               </a:spcBef>
               <a:buNone/>
               <a:defRPr/>
             </a:lvl1pPr>
-            <a:lvl2pPr indent="0" lvl="1" marL="0" algn="r">
+            <a:lvl2pPr marL="0" lvl="1" indent="0" algn="r">
               <a:spcBef>
                 <a:spcPts val="0"/>
               </a:spcBef>
               <a:buNone/>
               <a:defRPr/>
             </a:lvl2pPr>
-            <a:lvl3pPr indent="0" lvl="2" marL="0" algn="r">
+            <a:lvl3pPr marL="0" lvl="2" indent="0" algn="r">
               <a:spcBef>
                 <a:spcPts val="0"/>
               </a:spcBef>
               <a:buNone/>
               <a:defRPr/>
             </a:lvl3pPr>
-            <a:lvl4pPr indent="0" lvl="3" marL="0" algn="r">
+            <a:lvl4pPr marL="0" lvl="3" indent="0" algn="r">
               <a:spcBef>
                 <a:spcPts val="0"/>
               </a:spcBef>
               <a:buNone/>
               <a:defRPr/>
             </a:lvl4pPr>
-            <a:lvl5pPr indent="0" lvl="4" marL="0" algn="r">
+            <a:lvl5pPr marL="0" lvl="4" indent="0" algn="r">
               <a:spcBef>
                 <a:spcPts val="0"/>
               </a:spcBef>
               <a:buNone/>
               <a:defRPr/>
             </a:lvl5pPr>
-            <a:lvl6pPr indent="0" lvl="5" marL="0" algn="r">
+            <a:lvl6pPr marL="0" lvl="5" indent="0" algn="r">
               <a:spcBef>
                 <a:spcPts val="0"/>
               </a:spcBef>
               <a:buNone/>
               <a:defRPr/>
             </a:lvl6pPr>
-            <a:lvl7pPr indent="0" lvl="6" marL="0" algn="r">
+            <a:lvl7pPr marL="0" lvl="6" indent="0" algn="r">
               <a:spcBef>
                 <a:spcPts val="0"/>
               </a:spcBef>
               <a:buNone/>
               <a:defRPr/>
             </a:lvl7pPr>
-            <a:lvl8pPr indent="0" lvl="7" marL="0" algn="r">
+            <a:lvl8pPr marL="0" lvl="7" indent="0" algn="r">
               <a:spcBef>
                 <a:spcPts val="0"/>
               </a:spcBef>
               <a:buNone/>
               <a:defRPr/>
             </a:lvl8pPr>
-            <a:lvl9pPr indent="0" lvl="8" marL="0" algn="r">
+            <a:lvl9pPr marL="0" lvl="8" indent="0" algn="r">
               <a:spcBef>
                 <a:spcPts val="0"/>
               </a:spcBef>
@@ -3933,7 +3961,7 @@
             </a:lvl9pPr>
           </a:lstStyle>
           <a:p>
-            <a:pPr indent="0" lvl="0" marL="0" rtl="0" algn="r">
+            <a:pPr marL="0" lvl="0" indent="0" algn="r" rtl="0">
               <a:spcBef>
                 <a:spcPts val="0"/>
               </a:spcBef>
@@ -3959,11 +3987,11 @@
 </file>
 
 <file path=ppt/slideLayouts/slideLayout3.xml><?xml version="1.0" encoding="utf-8"?>
-<p:sldLayout xmlns:a="http://schemas.openxmlformats.org/drawingml/2006/main" xmlns:r="http://schemas.openxmlformats.org/officeDocument/2006/relationships" xmlns:mc="http://schemas.openxmlformats.org/markup-compatibility/2006" xmlns:mv="urn:schemas-microsoft-com:mac:vml" xmlns:p="http://schemas.openxmlformats.org/presentationml/2006/main" xmlns:c="http://schemas.openxmlformats.org/drawingml/2006/chart" xmlns:dgm="http://schemas.openxmlformats.org/drawingml/2006/diagram" xmlns:o="urn:schemas-microsoft-com:office:office" xmlns:v="urn:schemas-microsoft-com:vml" xmlns:pvml="urn:schemas-microsoft-com:office:powerpoint" xmlns:com="http://schemas.openxmlformats.org/drawingml/2006/compatibility" xmlns:p14="http://schemas.microsoft.com/office/powerpoint/2010/main" xmlns:p15="http://schemas.microsoft.com/office/powerpoint/2012/main" xmlns:ahyp="http://schemas.microsoft.com/office/drawing/2018/hyperlinkcolor" matchingName="Title and Content" type="obj">
+<p:sldLayout xmlns:a="http://schemas.openxmlformats.org/drawingml/2006/main" xmlns:r="http://schemas.openxmlformats.org/officeDocument/2006/relationships" xmlns:p="http://schemas.openxmlformats.org/presentationml/2006/main" matchingName="Title and Content" type="obj">
   <p:cSld name="OBJECT">
     <p:spTree>
       <p:nvGrpSpPr>
-        <p:cNvPr id="21" name="Shape 21"/>
+        <p:cNvPr id="1" name="Shape 21"/>
         <p:cNvGrpSpPr/>
         <p:nvPr/>
       </p:nvGrpSpPr>
@@ -3978,7 +4006,9 @@
       <p:sp>
         <p:nvSpPr>
           <p:cNvPr id="22" name="Google Shape;22;p4"/>
-          <p:cNvSpPr txBox="1"/>
+          <p:cNvSpPr txBox="1">
+            <a:spLocks noGrp="1"/>
+          </p:cNvSpPr>
           <p:nvPr>
             <p:ph type="title"/>
           </p:nvPr>
@@ -3997,7 +4027,7 @@
           </a:ln>
         </p:spPr>
         <p:txBody>
-          <a:bodyPr anchorCtr="0" anchor="ctr" bIns="45700" lIns="91425" spcFirstLastPara="1" rIns="91425" wrap="square" tIns="45700">
+          <a:bodyPr spcFirstLastPara="1" wrap="square" lIns="91425" tIns="45700" rIns="91425" bIns="45700" anchor="ctr" anchorCtr="0">
             <a:normAutofit/>
           </a:bodyPr>
           <a:lstStyle>
@@ -4104,15 +4134,19 @@
               <a:defRPr/>
             </a:lvl9pPr>
           </a:lstStyle>
-          <a:p/>
+          <a:p>
+            <a:endParaRPr/>
+          </a:p>
         </p:txBody>
       </p:sp>
       <p:sp>
         <p:nvSpPr>
           <p:cNvPr id="23" name="Google Shape;23;p4"/>
-          <p:cNvSpPr txBox="1"/>
+          <p:cNvSpPr txBox="1">
+            <a:spLocks noGrp="1"/>
+          </p:cNvSpPr>
           <p:nvPr>
-            <p:ph idx="1" type="body"/>
+            <p:ph type="body" idx="1"/>
           </p:nvPr>
         </p:nvSpPr>
         <p:spPr>
@@ -4129,11 +4163,11 @@
           </a:ln>
         </p:spPr>
         <p:txBody>
-          <a:bodyPr anchorCtr="0" anchor="t" bIns="45700" lIns="91425" spcFirstLastPara="1" rIns="91425" wrap="square" tIns="45700">
+          <a:bodyPr spcFirstLastPara="1" wrap="square" lIns="91425" tIns="45700" rIns="91425" bIns="45700" anchor="t" anchorCtr="0">
             <a:normAutofit/>
           </a:bodyPr>
           <a:lstStyle>
-            <a:lvl1pPr indent="-342900" lvl="0" marL="457200" algn="l">
+            <a:lvl1pPr marL="457200" lvl="0" indent="-342900" algn="l">
               <a:spcBef>
                 <a:spcPts val="360"/>
               </a:spcBef>
@@ -4147,7 +4181,7 @@
               <a:buChar char="•"/>
               <a:defRPr/>
             </a:lvl1pPr>
-            <a:lvl2pPr indent="-342900" lvl="1" marL="914400" algn="l">
+            <a:lvl2pPr marL="914400" lvl="1" indent="-342900" algn="l">
               <a:spcBef>
                 <a:spcPts val="360"/>
               </a:spcBef>
@@ -4161,7 +4195,7 @@
               <a:buChar char="–"/>
               <a:defRPr/>
             </a:lvl2pPr>
-            <a:lvl3pPr indent="-342900" lvl="2" marL="1371600" algn="l">
+            <a:lvl3pPr marL="1371600" lvl="2" indent="-342900" algn="l">
               <a:spcBef>
                 <a:spcPts val="360"/>
               </a:spcBef>
@@ -4175,7 +4209,7 @@
               <a:buChar char="•"/>
               <a:defRPr/>
             </a:lvl3pPr>
-            <a:lvl4pPr indent="-342900" lvl="3" marL="1828800" algn="l">
+            <a:lvl4pPr marL="1828800" lvl="3" indent="-342900" algn="l">
               <a:spcBef>
                 <a:spcPts val="360"/>
               </a:spcBef>
@@ -4189,7 +4223,7 @@
               <a:buChar char="–"/>
               <a:defRPr/>
             </a:lvl4pPr>
-            <a:lvl5pPr indent="-342900" lvl="4" marL="2286000" algn="l">
+            <a:lvl5pPr marL="2286000" lvl="4" indent="-342900" algn="l">
               <a:spcBef>
                 <a:spcPts val="360"/>
               </a:spcBef>
@@ -4203,7 +4237,7 @@
               <a:buChar char="»"/>
               <a:defRPr/>
             </a:lvl5pPr>
-            <a:lvl6pPr indent="-342900" lvl="5" marL="2743200" algn="l">
+            <a:lvl6pPr marL="2743200" lvl="5" indent="-342900" algn="l">
               <a:spcBef>
                 <a:spcPts val="360"/>
               </a:spcBef>
@@ -4217,7 +4251,7 @@
               <a:buChar char="•"/>
               <a:defRPr/>
             </a:lvl6pPr>
-            <a:lvl7pPr indent="-342900" lvl="6" marL="3200400" algn="l">
+            <a:lvl7pPr marL="3200400" lvl="6" indent="-342900" algn="l">
               <a:spcBef>
                 <a:spcPts val="360"/>
               </a:spcBef>
@@ -4231,7 +4265,7 @@
               <a:buChar char="•"/>
               <a:defRPr/>
             </a:lvl7pPr>
-            <a:lvl8pPr indent="-342900" lvl="7" marL="3657600" algn="l">
+            <a:lvl8pPr marL="3657600" lvl="7" indent="-342900" algn="l">
               <a:spcBef>
                 <a:spcPts val="360"/>
               </a:spcBef>
@@ -4245,7 +4279,7 @@
               <a:buChar char="•"/>
               <a:defRPr/>
             </a:lvl8pPr>
-            <a:lvl9pPr indent="-342900" lvl="8" marL="4114800" algn="l">
+            <a:lvl9pPr marL="4114800" lvl="8" indent="-342900" algn="l">
               <a:spcBef>
                 <a:spcPts val="360"/>
               </a:spcBef>
@@ -4260,15 +4294,19 @@
               <a:defRPr/>
             </a:lvl9pPr>
           </a:lstStyle>
-          <a:p/>
+          <a:p>
+            <a:endParaRPr/>
+          </a:p>
         </p:txBody>
       </p:sp>
       <p:sp>
         <p:nvSpPr>
           <p:cNvPr id="24" name="Google Shape;24;p4"/>
-          <p:cNvSpPr txBox="1"/>
+          <p:cNvSpPr txBox="1">
+            <a:spLocks noGrp="1"/>
+          </p:cNvSpPr>
           <p:nvPr>
-            <p:ph idx="10" type="dt"/>
+            <p:ph type="dt" idx="10"/>
           </p:nvPr>
         </p:nvSpPr>
         <p:spPr>
@@ -4285,7 +4323,7 @@
           </a:ln>
         </p:spPr>
         <p:txBody>
-          <a:bodyPr anchorCtr="0" anchor="ctr" bIns="45700" lIns="91425" spcFirstLastPara="1" rIns="91425" wrap="square" tIns="45700">
+          <a:bodyPr spcFirstLastPara="1" wrap="square" lIns="91425" tIns="45700" rIns="91425" bIns="45700" anchor="ctr" anchorCtr="0">
             <a:noAutofit/>
           </a:bodyPr>
           <a:lstStyle>
@@ -4389,15 +4427,19 @@
               <a:defRPr/>
             </a:lvl9pPr>
           </a:lstStyle>
-          <a:p/>
+          <a:p>
+            <a:endParaRPr/>
+          </a:p>
         </p:txBody>
       </p:sp>
       <p:sp>
         <p:nvSpPr>
           <p:cNvPr id="25" name="Google Shape;25;p4"/>
-          <p:cNvSpPr txBox="1"/>
+          <p:cNvSpPr txBox="1">
+            <a:spLocks noGrp="1"/>
+          </p:cNvSpPr>
           <p:nvPr>
-            <p:ph idx="11" type="ftr"/>
+            <p:ph type="ftr" idx="11"/>
           </p:nvPr>
         </p:nvSpPr>
         <p:spPr>
@@ -4414,7 +4456,7 @@
           </a:ln>
         </p:spPr>
         <p:txBody>
-          <a:bodyPr anchorCtr="0" anchor="ctr" bIns="45700" lIns="91425" spcFirstLastPara="1" rIns="91425" wrap="square" tIns="45700">
+          <a:bodyPr spcFirstLastPara="1" wrap="square" lIns="91425" tIns="45700" rIns="91425" bIns="45700" anchor="ctr" anchorCtr="0">
             <a:noAutofit/>
           </a:bodyPr>
           <a:lstStyle>
@@ -4518,15 +4560,19 @@
               <a:defRPr/>
             </a:lvl9pPr>
           </a:lstStyle>
-          <a:p/>
+          <a:p>
+            <a:endParaRPr/>
+          </a:p>
         </p:txBody>
       </p:sp>
       <p:sp>
         <p:nvSpPr>
           <p:cNvPr id="26" name="Google Shape;26;p4"/>
-          <p:cNvSpPr txBox="1"/>
+          <p:cNvSpPr txBox="1">
+            <a:spLocks noGrp="1"/>
+          </p:cNvSpPr>
           <p:nvPr>
-            <p:ph idx="12" type="sldNum"/>
+            <p:ph type="sldNum" idx="12"/>
           </p:nvPr>
         </p:nvSpPr>
         <p:spPr>
@@ -4543,67 +4589,67 @@
           </a:ln>
         </p:spPr>
         <p:txBody>
-          <a:bodyPr anchorCtr="0" anchor="ctr" bIns="45700" lIns="91425" spcFirstLastPara="1" rIns="91425" wrap="square" tIns="45700">
+          <a:bodyPr spcFirstLastPara="1" wrap="square" lIns="91425" tIns="45700" rIns="91425" bIns="45700" anchor="ctr" anchorCtr="0">
             <a:noAutofit/>
           </a:bodyPr>
           <a:lstStyle>
-            <a:lvl1pPr indent="0" lvl="0" marL="0" algn="r">
+            <a:lvl1pPr marL="0" lvl="0" indent="0" algn="r">
               <a:spcBef>
                 <a:spcPts val="0"/>
               </a:spcBef>
               <a:buNone/>
               <a:defRPr/>
             </a:lvl1pPr>
-            <a:lvl2pPr indent="0" lvl="1" marL="0" algn="r">
+            <a:lvl2pPr marL="0" lvl="1" indent="0" algn="r">
               <a:spcBef>
                 <a:spcPts val="0"/>
               </a:spcBef>
               <a:buNone/>
               <a:defRPr/>
             </a:lvl2pPr>
-            <a:lvl3pPr indent="0" lvl="2" marL="0" algn="r">
+            <a:lvl3pPr marL="0" lvl="2" indent="0" algn="r">
               <a:spcBef>
                 <a:spcPts val="0"/>
               </a:spcBef>
               <a:buNone/>
               <a:defRPr/>
             </a:lvl3pPr>
-            <a:lvl4pPr indent="0" lvl="3" marL="0" algn="r">
+            <a:lvl4pPr marL="0" lvl="3" indent="0" algn="r">
               <a:spcBef>
                 <a:spcPts val="0"/>
               </a:spcBef>
               <a:buNone/>
               <a:defRPr/>
             </a:lvl4pPr>
-            <a:lvl5pPr indent="0" lvl="4" marL="0" algn="r">
+            <a:lvl5pPr marL="0" lvl="4" indent="0" algn="r">
               <a:spcBef>
                 <a:spcPts val="0"/>
               </a:spcBef>
               <a:buNone/>
               <a:defRPr/>
             </a:lvl5pPr>
-            <a:lvl6pPr indent="0" lvl="5" marL="0" algn="r">
+            <a:lvl6pPr marL="0" lvl="5" indent="0" algn="r">
               <a:spcBef>
                 <a:spcPts val="0"/>
               </a:spcBef>
               <a:buNone/>
               <a:defRPr/>
             </a:lvl6pPr>
-            <a:lvl7pPr indent="0" lvl="6" marL="0" algn="r">
+            <a:lvl7pPr marL="0" lvl="6" indent="0" algn="r">
               <a:spcBef>
                 <a:spcPts val="0"/>
               </a:spcBef>
               <a:buNone/>
               <a:defRPr/>
             </a:lvl7pPr>
-            <a:lvl8pPr indent="0" lvl="7" marL="0" algn="r">
+            <a:lvl8pPr marL="0" lvl="7" indent="0" algn="r">
               <a:spcBef>
                 <a:spcPts val="0"/>
               </a:spcBef>
               <a:buNone/>
               <a:defRPr/>
             </a:lvl8pPr>
-            <a:lvl9pPr indent="0" lvl="8" marL="0" algn="r">
+            <a:lvl9pPr marL="0" lvl="8" indent="0" algn="r">
               <a:spcBef>
                 <a:spcPts val="0"/>
               </a:spcBef>
@@ -4612,7 +4658,7 @@
             </a:lvl9pPr>
           </a:lstStyle>
           <a:p>
-            <a:pPr indent="0" lvl="0" marL="0" rtl="0" algn="r">
+            <a:pPr marL="0" lvl="0" indent="0" algn="r" rtl="0">
               <a:spcBef>
                 <a:spcPts val="0"/>
               </a:spcBef>
@@ -4638,11 +4684,11 @@
 </file>
 
 <file path=ppt/slideLayouts/slideLayout4.xml><?xml version="1.0" encoding="utf-8"?>
-<p:sldLayout xmlns:a="http://schemas.openxmlformats.org/drawingml/2006/main" xmlns:r="http://schemas.openxmlformats.org/officeDocument/2006/relationships" xmlns:mc="http://schemas.openxmlformats.org/markup-compatibility/2006" xmlns:mv="urn:schemas-microsoft-com:mac:vml" xmlns:p="http://schemas.openxmlformats.org/presentationml/2006/main" xmlns:c="http://schemas.openxmlformats.org/drawingml/2006/chart" xmlns:dgm="http://schemas.openxmlformats.org/drawingml/2006/diagram" xmlns:o="urn:schemas-microsoft-com:office:office" xmlns:v="urn:schemas-microsoft-com:vml" xmlns:pvml="urn:schemas-microsoft-com:office:powerpoint" xmlns:com="http://schemas.openxmlformats.org/drawingml/2006/compatibility" xmlns:p14="http://schemas.microsoft.com/office/powerpoint/2010/main" xmlns:p15="http://schemas.microsoft.com/office/powerpoint/2012/main" xmlns:ahyp="http://schemas.microsoft.com/office/drawing/2018/hyperlinkcolor" matchingName="Section Header" type="secHead">
+<p:sldLayout xmlns:a="http://schemas.openxmlformats.org/drawingml/2006/main" xmlns:r="http://schemas.openxmlformats.org/officeDocument/2006/relationships" xmlns:p="http://schemas.openxmlformats.org/presentationml/2006/main" matchingName="Section Header" type="secHead">
   <p:cSld name="SECTION_HEADER">
     <p:spTree>
       <p:nvGrpSpPr>
-        <p:cNvPr id="27" name="Shape 27"/>
+        <p:cNvPr id="1" name="Shape 27"/>
         <p:cNvGrpSpPr/>
         <p:nvPr/>
       </p:nvGrpSpPr>
@@ -4657,7 +4703,9 @@
       <p:sp>
         <p:nvSpPr>
           <p:cNvPr id="28" name="Google Shape;28;p5"/>
-          <p:cNvSpPr txBox="1"/>
+          <p:cNvSpPr txBox="1">
+            <a:spLocks noGrp="1"/>
+          </p:cNvSpPr>
           <p:nvPr>
             <p:ph type="title"/>
           </p:nvPr>
@@ -4676,7 +4724,7 @@
           </a:ln>
         </p:spPr>
         <p:txBody>
-          <a:bodyPr anchorCtr="0" anchor="t" bIns="45700" lIns="91425" spcFirstLastPara="1" rIns="91425" wrap="square" tIns="45700">
+          <a:bodyPr spcFirstLastPara="1" wrap="square" lIns="91425" tIns="45700" rIns="91425" bIns="45700" anchor="t" anchorCtr="0">
             <a:normAutofit/>
           </a:bodyPr>
           <a:lstStyle>
@@ -4693,7 +4741,7 @@
               <a:buSzPts val="4000"/>
               <a:buFont typeface="Calibri"/>
               <a:buNone/>
-              <a:defRPr b="1" sz="4000" cap="none"/>
+              <a:defRPr sz="4000" b="1" cap="none"/>
             </a:lvl1pPr>
             <a:lvl2pPr lvl="1">
               <a:spcBef>
@@ -4784,15 +4832,19 @@
               <a:defRPr/>
             </a:lvl9pPr>
           </a:lstStyle>
-          <a:p/>
+          <a:p>
+            <a:endParaRPr/>
+          </a:p>
         </p:txBody>
       </p:sp>
       <p:sp>
         <p:nvSpPr>
           <p:cNvPr id="29" name="Google Shape;29;p5"/>
-          <p:cNvSpPr txBox="1"/>
+          <p:cNvSpPr txBox="1">
+            <a:spLocks noGrp="1"/>
+          </p:cNvSpPr>
           <p:nvPr>
-            <p:ph idx="1" type="body"/>
+            <p:ph type="body" idx="1"/>
           </p:nvPr>
         </p:nvSpPr>
         <p:spPr>
@@ -4809,11 +4861,11 @@
           </a:ln>
         </p:spPr>
         <p:txBody>
-          <a:bodyPr anchorCtr="0" anchor="b" bIns="45700" lIns="91425" spcFirstLastPara="1" rIns="91425" wrap="square" tIns="45700">
+          <a:bodyPr spcFirstLastPara="1" wrap="square" lIns="91425" tIns="45700" rIns="91425" bIns="45700" anchor="b" anchorCtr="0">
             <a:normAutofit/>
           </a:bodyPr>
           <a:lstStyle>
-            <a:lvl1pPr indent="-228600" lvl="0" marL="457200" algn="l">
+            <a:lvl1pPr marL="457200" lvl="0" indent="-228600" algn="l">
               <a:spcBef>
                 <a:spcPts val="400"/>
               </a:spcBef>
@@ -4831,7 +4883,7 @@
                 </a:solidFill>
               </a:defRPr>
             </a:lvl1pPr>
-            <a:lvl2pPr indent="-228600" lvl="1" marL="914400" algn="l">
+            <a:lvl2pPr marL="914400" lvl="1" indent="-228600" algn="l">
               <a:spcBef>
                 <a:spcPts val="360"/>
               </a:spcBef>
@@ -4849,7 +4901,7 @@
                 </a:solidFill>
               </a:defRPr>
             </a:lvl2pPr>
-            <a:lvl3pPr indent="-228600" lvl="2" marL="1371600" algn="l">
+            <a:lvl3pPr marL="1371600" lvl="2" indent="-228600" algn="l">
               <a:spcBef>
                 <a:spcPts val="320"/>
               </a:spcBef>
@@ -4867,7 +4919,7 @@
                 </a:solidFill>
               </a:defRPr>
             </a:lvl3pPr>
-            <a:lvl4pPr indent="-228600" lvl="3" marL="1828800" algn="l">
+            <a:lvl4pPr marL="1828800" lvl="3" indent="-228600" algn="l">
               <a:spcBef>
                 <a:spcPts val="280"/>
               </a:spcBef>
@@ -4885,7 +4937,7 @@
                 </a:solidFill>
               </a:defRPr>
             </a:lvl4pPr>
-            <a:lvl5pPr indent="-228600" lvl="4" marL="2286000" algn="l">
+            <a:lvl5pPr marL="2286000" lvl="4" indent="-228600" algn="l">
               <a:spcBef>
                 <a:spcPts val="280"/>
               </a:spcBef>
@@ -4903,7 +4955,7 @@
                 </a:solidFill>
               </a:defRPr>
             </a:lvl5pPr>
-            <a:lvl6pPr indent="-228600" lvl="5" marL="2743200" algn="l">
+            <a:lvl6pPr marL="2743200" lvl="5" indent="-228600" algn="l">
               <a:spcBef>
                 <a:spcPts val="280"/>
               </a:spcBef>
@@ -4921,7 +4973,7 @@
                 </a:solidFill>
               </a:defRPr>
             </a:lvl6pPr>
-            <a:lvl7pPr indent="-228600" lvl="6" marL="3200400" algn="l">
+            <a:lvl7pPr marL="3200400" lvl="6" indent="-228600" algn="l">
               <a:spcBef>
                 <a:spcPts val="280"/>
               </a:spcBef>
@@ -4939,7 +4991,7 @@
                 </a:solidFill>
               </a:defRPr>
             </a:lvl7pPr>
-            <a:lvl8pPr indent="-228600" lvl="7" marL="3657600" algn="l">
+            <a:lvl8pPr marL="3657600" lvl="7" indent="-228600" algn="l">
               <a:spcBef>
                 <a:spcPts val="280"/>
               </a:spcBef>
@@ -4957,7 +5009,7 @@
                 </a:solidFill>
               </a:defRPr>
             </a:lvl8pPr>
-            <a:lvl9pPr indent="-228600" lvl="8" marL="4114800" algn="l">
+            <a:lvl9pPr marL="4114800" lvl="8" indent="-228600" algn="l">
               <a:spcBef>
                 <a:spcPts val="280"/>
               </a:spcBef>
@@ -4976,15 +5028,19 @@
               </a:defRPr>
             </a:lvl9pPr>
           </a:lstStyle>
-          <a:p/>
+          <a:p>
+            <a:endParaRPr/>
+          </a:p>
         </p:txBody>
       </p:sp>
       <p:sp>
         <p:nvSpPr>
           <p:cNvPr id="30" name="Google Shape;30;p5"/>
-          <p:cNvSpPr txBox="1"/>
+          <p:cNvSpPr txBox="1">
+            <a:spLocks noGrp="1"/>
+          </p:cNvSpPr>
           <p:nvPr>
-            <p:ph idx="10" type="dt"/>
+            <p:ph type="dt" idx="10"/>
           </p:nvPr>
         </p:nvSpPr>
         <p:spPr>
@@ -5001,7 +5057,7 @@
           </a:ln>
         </p:spPr>
         <p:txBody>
-          <a:bodyPr anchorCtr="0" anchor="ctr" bIns="45700" lIns="91425" spcFirstLastPara="1" rIns="91425" wrap="square" tIns="45700">
+          <a:bodyPr spcFirstLastPara="1" wrap="square" lIns="91425" tIns="45700" rIns="91425" bIns="45700" anchor="ctr" anchorCtr="0">
             <a:noAutofit/>
           </a:bodyPr>
           <a:lstStyle>
@@ -5105,15 +5161,19 @@
               <a:defRPr/>
             </a:lvl9pPr>
           </a:lstStyle>
-          <a:p/>
+          <a:p>
+            <a:endParaRPr/>
+          </a:p>
         </p:txBody>
       </p:sp>
       <p:sp>
         <p:nvSpPr>
           <p:cNvPr id="31" name="Google Shape;31;p5"/>
-          <p:cNvSpPr txBox="1"/>
+          <p:cNvSpPr txBox="1">
+            <a:spLocks noGrp="1"/>
+          </p:cNvSpPr>
           <p:nvPr>
-            <p:ph idx="11" type="ftr"/>
+            <p:ph type="ftr" idx="11"/>
           </p:nvPr>
         </p:nvSpPr>
         <p:spPr>
@@ -5130,7 +5190,7 @@
           </a:ln>
         </p:spPr>
         <p:txBody>
-          <a:bodyPr anchorCtr="0" anchor="ctr" bIns="45700" lIns="91425" spcFirstLastPara="1" rIns="91425" wrap="square" tIns="45700">
+          <a:bodyPr spcFirstLastPara="1" wrap="square" lIns="91425" tIns="45700" rIns="91425" bIns="45700" anchor="ctr" anchorCtr="0">
             <a:noAutofit/>
           </a:bodyPr>
           <a:lstStyle>
@@ -5234,15 +5294,19 @@
               <a:defRPr/>
             </a:lvl9pPr>
           </a:lstStyle>
-          <a:p/>
+          <a:p>
+            <a:endParaRPr/>
+          </a:p>
         </p:txBody>
       </p:sp>
       <p:sp>
         <p:nvSpPr>
           <p:cNvPr id="32" name="Google Shape;32;p5"/>
-          <p:cNvSpPr txBox="1"/>
+          <p:cNvSpPr txBox="1">
+            <a:spLocks noGrp="1"/>
+          </p:cNvSpPr>
           <p:nvPr>
-            <p:ph idx="12" type="sldNum"/>
+            <p:ph type="sldNum" idx="12"/>
           </p:nvPr>
         </p:nvSpPr>
         <p:spPr>
@@ -5259,67 +5323,67 @@
           </a:ln>
         </p:spPr>
         <p:txBody>
-          <a:bodyPr anchorCtr="0" anchor="ctr" bIns="45700" lIns="91425" spcFirstLastPara="1" rIns="91425" wrap="square" tIns="45700">
+          <a:bodyPr spcFirstLastPara="1" wrap="square" lIns="91425" tIns="45700" rIns="91425" bIns="45700" anchor="ctr" anchorCtr="0">
             <a:noAutofit/>
           </a:bodyPr>
           <a:lstStyle>
-            <a:lvl1pPr indent="0" lvl="0" marL="0" algn="r">
+            <a:lvl1pPr marL="0" lvl="0" indent="0" algn="r">
               <a:spcBef>
                 <a:spcPts val="0"/>
               </a:spcBef>
               <a:buNone/>
               <a:defRPr/>
             </a:lvl1pPr>
-            <a:lvl2pPr indent="0" lvl="1" marL="0" algn="r">
+            <a:lvl2pPr marL="0" lvl="1" indent="0" algn="r">
               <a:spcBef>
                 <a:spcPts val="0"/>
               </a:spcBef>
               <a:buNone/>
               <a:defRPr/>
             </a:lvl2pPr>
-            <a:lvl3pPr indent="0" lvl="2" marL="0" algn="r">
+            <a:lvl3pPr marL="0" lvl="2" indent="0" algn="r">
               <a:spcBef>
                 <a:spcPts val="0"/>
               </a:spcBef>
               <a:buNone/>
               <a:defRPr/>
             </a:lvl3pPr>
-            <a:lvl4pPr indent="0" lvl="3" marL="0" algn="r">
+            <a:lvl4pPr marL="0" lvl="3" indent="0" algn="r">
               <a:spcBef>
                 <a:spcPts val="0"/>
               </a:spcBef>
               <a:buNone/>
               <a:defRPr/>
             </a:lvl4pPr>
-            <a:lvl5pPr indent="0" lvl="4" marL="0" algn="r">
+            <a:lvl5pPr marL="0" lvl="4" indent="0" algn="r">
               <a:spcBef>
                 <a:spcPts val="0"/>
               </a:spcBef>
               <a:buNone/>
               <a:defRPr/>
             </a:lvl5pPr>
-            <a:lvl6pPr indent="0" lvl="5" marL="0" algn="r">
+            <a:lvl6pPr marL="0" lvl="5" indent="0" algn="r">
               <a:spcBef>
                 <a:spcPts val="0"/>
               </a:spcBef>
               <a:buNone/>
               <a:defRPr/>
             </a:lvl6pPr>
-            <a:lvl7pPr indent="0" lvl="6" marL="0" algn="r">
+            <a:lvl7pPr marL="0" lvl="6" indent="0" algn="r">
               <a:spcBef>
                 <a:spcPts val="0"/>
               </a:spcBef>
               <a:buNone/>
               <a:defRPr/>
             </a:lvl7pPr>
-            <a:lvl8pPr indent="0" lvl="7" marL="0" algn="r">
+            <a:lvl8pPr marL="0" lvl="7" indent="0" algn="r">
               <a:spcBef>
                 <a:spcPts val="0"/>
               </a:spcBef>
               <a:buNone/>
               <a:defRPr/>
             </a:lvl8pPr>
-            <a:lvl9pPr indent="0" lvl="8" marL="0" algn="r">
+            <a:lvl9pPr marL="0" lvl="8" indent="0" algn="r">
               <a:spcBef>
                 <a:spcPts val="0"/>
               </a:spcBef>
@@ -5328,7 +5392,7 @@
             </a:lvl9pPr>
           </a:lstStyle>
           <a:p>
-            <a:pPr indent="0" lvl="0" marL="0" rtl="0" algn="r">
+            <a:pPr marL="0" lvl="0" indent="0" algn="r" rtl="0">
               <a:spcBef>
                 <a:spcPts val="0"/>
               </a:spcBef>
@@ -5354,11 +5418,11 @@
 </file>
 
 <file path=ppt/slideLayouts/slideLayout5.xml><?xml version="1.0" encoding="utf-8"?>
-<p:sldLayout xmlns:a="http://schemas.openxmlformats.org/drawingml/2006/main" xmlns:r="http://schemas.openxmlformats.org/officeDocument/2006/relationships" xmlns:mc="http://schemas.openxmlformats.org/markup-compatibility/2006" xmlns:mv="urn:schemas-microsoft-com:mac:vml" xmlns:p="http://schemas.openxmlformats.org/presentationml/2006/main" xmlns:c="http://schemas.openxmlformats.org/drawingml/2006/chart" xmlns:dgm="http://schemas.openxmlformats.org/drawingml/2006/diagram" xmlns:o="urn:schemas-microsoft-com:office:office" xmlns:v="urn:schemas-microsoft-com:vml" xmlns:pvml="urn:schemas-microsoft-com:office:powerpoint" xmlns:com="http://schemas.openxmlformats.org/drawingml/2006/compatibility" xmlns:p14="http://schemas.microsoft.com/office/powerpoint/2010/main" xmlns:p15="http://schemas.microsoft.com/office/powerpoint/2012/main" xmlns:ahyp="http://schemas.microsoft.com/office/drawing/2018/hyperlinkcolor" matchingName="Two Content" type="twoObj">
+<p:sldLayout xmlns:a="http://schemas.openxmlformats.org/drawingml/2006/main" xmlns:r="http://schemas.openxmlformats.org/officeDocument/2006/relationships" xmlns:p="http://schemas.openxmlformats.org/presentationml/2006/main" matchingName="Two Content" type="twoObj">
   <p:cSld name="TWO_OBJECTS">
     <p:spTree>
       <p:nvGrpSpPr>
-        <p:cNvPr id="33" name="Shape 33"/>
+        <p:cNvPr id="1" name="Shape 33"/>
         <p:cNvGrpSpPr/>
         <p:nvPr/>
       </p:nvGrpSpPr>
@@ -5373,7 +5437,9 @@
       <p:sp>
         <p:nvSpPr>
           <p:cNvPr id="34" name="Google Shape;34;p6"/>
-          <p:cNvSpPr txBox="1"/>
+          <p:cNvSpPr txBox="1">
+            <a:spLocks noGrp="1"/>
+          </p:cNvSpPr>
           <p:nvPr>
             <p:ph type="title"/>
           </p:nvPr>
@@ -5392,7 +5458,7 @@
           </a:ln>
         </p:spPr>
         <p:txBody>
-          <a:bodyPr anchorCtr="0" anchor="ctr" bIns="45700" lIns="91425" spcFirstLastPara="1" rIns="91425" wrap="square" tIns="45700">
+          <a:bodyPr spcFirstLastPara="1" wrap="square" lIns="91425" tIns="45700" rIns="91425" bIns="45700" anchor="ctr" anchorCtr="0">
             <a:normAutofit/>
           </a:bodyPr>
           <a:lstStyle>
@@ -5499,15 +5565,19 @@
               <a:defRPr/>
             </a:lvl9pPr>
           </a:lstStyle>
-          <a:p/>
+          <a:p>
+            <a:endParaRPr/>
+          </a:p>
         </p:txBody>
       </p:sp>
       <p:sp>
         <p:nvSpPr>
           <p:cNvPr id="35" name="Google Shape;35;p6"/>
-          <p:cNvSpPr txBox="1"/>
+          <p:cNvSpPr txBox="1">
+            <a:spLocks noGrp="1"/>
+          </p:cNvSpPr>
           <p:nvPr>
-            <p:ph idx="1" type="body"/>
+            <p:ph type="body" idx="1"/>
           </p:nvPr>
         </p:nvSpPr>
         <p:spPr>
@@ -5524,11 +5594,11 @@
           </a:ln>
         </p:spPr>
         <p:txBody>
-          <a:bodyPr anchorCtr="0" anchor="t" bIns="45700" lIns="91425" spcFirstLastPara="1" rIns="91425" wrap="square" tIns="45700">
+          <a:bodyPr spcFirstLastPara="1" wrap="square" lIns="91425" tIns="45700" rIns="91425" bIns="45700" anchor="t" anchorCtr="0">
             <a:normAutofit/>
           </a:bodyPr>
           <a:lstStyle>
-            <a:lvl1pPr indent="-406400" lvl="0" marL="457200" algn="l">
+            <a:lvl1pPr marL="457200" lvl="0" indent="-406400" algn="l">
               <a:spcBef>
                 <a:spcPts val="560"/>
               </a:spcBef>
@@ -5542,7 +5612,7 @@
               <a:buChar char="•"/>
               <a:defRPr sz="2800"/>
             </a:lvl1pPr>
-            <a:lvl2pPr indent="-381000" lvl="1" marL="914400" algn="l">
+            <a:lvl2pPr marL="914400" lvl="1" indent="-381000" algn="l">
               <a:spcBef>
                 <a:spcPts val="480"/>
               </a:spcBef>
@@ -5556,7 +5626,7 @@
               <a:buChar char="–"/>
               <a:defRPr sz="2400"/>
             </a:lvl2pPr>
-            <a:lvl3pPr indent="-355600" lvl="2" marL="1371600" algn="l">
+            <a:lvl3pPr marL="1371600" lvl="2" indent="-355600" algn="l">
               <a:spcBef>
                 <a:spcPts val="400"/>
               </a:spcBef>
@@ -5570,7 +5640,7 @@
               <a:buChar char="•"/>
               <a:defRPr sz="2000"/>
             </a:lvl3pPr>
-            <a:lvl4pPr indent="-342900" lvl="3" marL="1828800" algn="l">
+            <a:lvl4pPr marL="1828800" lvl="3" indent="-342900" algn="l">
               <a:spcBef>
                 <a:spcPts val="360"/>
               </a:spcBef>
@@ -5584,7 +5654,7 @@
               <a:buChar char="–"/>
               <a:defRPr sz="1800"/>
             </a:lvl4pPr>
-            <a:lvl5pPr indent="-342900" lvl="4" marL="2286000" algn="l">
+            <a:lvl5pPr marL="2286000" lvl="4" indent="-342900" algn="l">
               <a:spcBef>
                 <a:spcPts val="360"/>
               </a:spcBef>
@@ -5598,7 +5668,7 @@
               <a:buChar char="»"/>
               <a:defRPr sz="1800"/>
             </a:lvl5pPr>
-            <a:lvl6pPr indent="-342900" lvl="5" marL="2743200" algn="l">
+            <a:lvl6pPr marL="2743200" lvl="5" indent="-342900" algn="l">
               <a:spcBef>
                 <a:spcPts val="360"/>
               </a:spcBef>
@@ -5612,7 +5682,7 @@
               <a:buChar char="•"/>
               <a:defRPr sz="1800"/>
             </a:lvl6pPr>
-            <a:lvl7pPr indent="-342900" lvl="6" marL="3200400" algn="l">
+            <a:lvl7pPr marL="3200400" lvl="6" indent="-342900" algn="l">
               <a:spcBef>
                 <a:spcPts val="360"/>
               </a:spcBef>
@@ -5626,7 +5696,7 @@
               <a:buChar char="•"/>
               <a:defRPr sz="1800"/>
             </a:lvl7pPr>
-            <a:lvl8pPr indent="-342900" lvl="7" marL="3657600" algn="l">
+            <a:lvl8pPr marL="3657600" lvl="7" indent="-342900" algn="l">
               <a:spcBef>
                 <a:spcPts val="360"/>
               </a:spcBef>
@@ -5640,7 +5710,7 @@
               <a:buChar char="•"/>
               <a:defRPr sz="1800"/>
             </a:lvl8pPr>
-            <a:lvl9pPr indent="-342900" lvl="8" marL="4114800" algn="l">
+            <a:lvl9pPr marL="4114800" lvl="8" indent="-342900" algn="l">
               <a:spcBef>
                 <a:spcPts val="360"/>
               </a:spcBef>
@@ -5655,15 +5725,19 @@
               <a:defRPr sz="1800"/>
             </a:lvl9pPr>
           </a:lstStyle>
-          <a:p/>
+          <a:p>
+            <a:endParaRPr/>
+          </a:p>
         </p:txBody>
       </p:sp>
       <p:sp>
         <p:nvSpPr>
           <p:cNvPr id="36" name="Google Shape;36;p6"/>
-          <p:cNvSpPr txBox="1"/>
+          <p:cNvSpPr txBox="1">
+            <a:spLocks noGrp="1"/>
+          </p:cNvSpPr>
           <p:nvPr>
-            <p:ph idx="2" type="body"/>
+            <p:ph type="body" idx="2"/>
           </p:nvPr>
         </p:nvSpPr>
         <p:spPr>
@@ -5680,11 +5754,11 @@
           </a:ln>
         </p:spPr>
         <p:txBody>
-          <a:bodyPr anchorCtr="0" anchor="t" bIns="45700" lIns="91425" spcFirstLastPara="1" rIns="91425" wrap="square" tIns="45700">
+          <a:bodyPr spcFirstLastPara="1" wrap="square" lIns="91425" tIns="45700" rIns="91425" bIns="45700" anchor="t" anchorCtr="0">
             <a:normAutofit/>
           </a:bodyPr>
           <a:lstStyle>
-            <a:lvl1pPr indent="-406400" lvl="0" marL="457200" algn="l">
+            <a:lvl1pPr marL="457200" lvl="0" indent="-406400" algn="l">
               <a:spcBef>
                 <a:spcPts val="560"/>
               </a:spcBef>
@@ -5698,7 +5772,7 @@
               <a:buChar char="•"/>
               <a:defRPr sz="2800"/>
             </a:lvl1pPr>
-            <a:lvl2pPr indent="-381000" lvl="1" marL="914400" algn="l">
+            <a:lvl2pPr marL="914400" lvl="1" indent="-381000" algn="l">
               <a:spcBef>
                 <a:spcPts val="480"/>
               </a:spcBef>
@@ -5712,7 +5786,7 @@
               <a:buChar char="–"/>
               <a:defRPr sz="2400"/>
             </a:lvl2pPr>
-            <a:lvl3pPr indent="-355600" lvl="2" marL="1371600" algn="l">
+            <a:lvl3pPr marL="1371600" lvl="2" indent="-355600" algn="l">
               <a:spcBef>
                 <a:spcPts val="400"/>
               </a:spcBef>
@@ -5726,7 +5800,7 @@
               <a:buChar char="•"/>
               <a:defRPr sz="2000"/>
             </a:lvl3pPr>
-            <a:lvl4pPr indent="-342900" lvl="3" marL="1828800" algn="l">
+            <a:lvl4pPr marL="1828800" lvl="3" indent="-342900" algn="l">
               <a:spcBef>
                 <a:spcPts val="360"/>
               </a:spcBef>
@@ -5740,7 +5814,7 @@
               <a:buChar char="–"/>
               <a:defRPr sz="1800"/>
             </a:lvl4pPr>
-            <a:lvl5pPr indent="-342900" lvl="4" marL="2286000" algn="l">
+            <a:lvl5pPr marL="2286000" lvl="4" indent="-342900" algn="l">
               <a:spcBef>
                 <a:spcPts val="360"/>
               </a:spcBef>
@@ -5754,7 +5828,7 @@
               <a:buChar char="»"/>
               <a:defRPr sz="1800"/>
             </a:lvl5pPr>
-            <a:lvl6pPr indent="-342900" lvl="5" marL="2743200" algn="l">
+            <a:lvl6pPr marL="2743200" lvl="5" indent="-342900" algn="l">
               <a:spcBef>
                 <a:spcPts val="360"/>
               </a:spcBef>
@@ -5768,7 +5842,7 @@
               <a:buChar char="•"/>
               <a:defRPr sz="1800"/>
             </a:lvl6pPr>
-            <a:lvl7pPr indent="-342900" lvl="6" marL="3200400" algn="l">
+            <a:lvl7pPr marL="3200400" lvl="6" indent="-342900" algn="l">
               <a:spcBef>
                 <a:spcPts val="360"/>
               </a:spcBef>
@@ -5782,7 +5856,7 @@
               <a:buChar char="•"/>
               <a:defRPr sz="1800"/>
             </a:lvl7pPr>
-            <a:lvl8pPr indent="-342900" lvl="7" marL="3657600" algn="l">
+            <a:lvl8pPr marL="3657600" lvl="7" indent="-342900" algn="l">
               <a:spcBef>
                 <a:spcPts val="360"/>
               </a:spcBef>
@@ -5796,7 +5870,7 @@
               <a:buChar char="•"/>
               <a:defRPr sz="1800"/>
             </a:lvl8pPr>
-            <a:lvl9pPr indent="-342900" lvl="8" marL="4114800" algn="l">
+            <a:lvl9pPr marL="4114800" lvl="8" indent="-342900" algn="l">
               <a:spcBef>
                 <a:spcPts val="360"/>
               </a:spcBef>
@@ -5811,15 +5885,19 @@
               <a:defRPr sz="1800"/>
             </a:lvl9pPr>
           </a:lstStyle>
-          <a:p/>
+          <a:p>
+            <a:endParaRPr/>
+          </a:p>
         </p:txBody>
       </p:sp>
       <p:sp>
         <p:nvSpPr>
           <p:cNvPr id="37" name="Google Shape;37;p6"/>
-          <p:cNvSpPr txBox="1"/>
+          <p:cNvSpPr txBox="1">
+            <a:spLocks noGrp="1"/>
+          </p:cNvSpPr>
           <p:nvPr>
-            <p:ph idx="10" type="dt"/>
+            <p:ph type="dt" idx="10"/>
           </p:nvPr>
         </p:nvSpPr>
         <p:spPr>
@@ -5836,7 +5914,7 @@
           </a:ln>
         </p:spPr>
         <p:txBody>
-          <a:bodyPr anchorCtr="0" anchor="ctr" bIns="45700" lIns="91425" spcFirstLastPara="1" rIns="91425" wrap="square" tIns="45700">
+          <a:bodyPr spcFirstLastPara="1" wrap="square" lIns="91425" tIns="45700" rIns="91425" bIns="45700" anchor="ctr" anchorCtr="0">
             <a:noAutofit/>
           </a:bodyPr>
           <a:lstStyle>
@@ -5940,15 +6018,19 @@
               <a:defRPr/>
             </a:lvl9pPr>
           </a:lstStyle>
-          <a:p/>
+          <a:p>
+            <a:endParaRPr/>
+          </a:p>
         </p:txBody>
       </p:sp>
       <p:sp>
         <p:nvSpPr>
           <p:cNvPr id="38" name="Google Shape;38;p6"/>
-          <p:cNvSpPr txBox="1"/>
+          <p:cNvSpPr txBox="1">
+            <a:spLocks noGrp="1"/>
+          </p:cNvSpPr>
           <p:nvPr>
-            <p:ph idx="11" type="ftr"/>
+            <p:ph type="ftr" idx="11"/>
           </p:nvPr>
         </p:nvSpPr>
         <p:spPr>
@@ -5965,7 +6047,7 @@
           </a:ln>
         </p:spPr>
         <p:txBody>
-          <a:bodyPr anchorCtr="0" anchor="ctr" bIns="45700" lIns="91425" spcFirstLastPara="1" rIns="91425" wrap="square" tIns="45700">
+          <a:bodyPr spcFirstLastPara="1" wrap="square" lIns="91425" tIns="45700" rIns="91425" bIns="45700" anchor="ctr" anchorCtr="0">
             <a:noAutofit/>
           </a:bodyPr>
           <a:lstStyle>
@@ -6069,15 +6151,19 @@
               <a:defRPr/>
             </a:lvl9pPr>
           </a:lstStyle>
-          <a:p/>
+          <a:p>
+            <a:endParaRPr/>
+          </a:p>
         </p:txBody>
       </p:sp>
       <p:sp>
         <p:nvSpPr>
           <p:cNvPr id="39" name="Google Shape;39;p6"/>
-          <p:cNvSpPr txBox="1"/>
+          <p:cNvSpPr txBox="1">
+            <a:spLocks noGrp="1"/>
+          </p:cNvSpPr>
           <p:nvPr>
-            <p:ph idx="12" type="sldNum"/>
+            <p:ph type="sldNum" idx="12"/>
           </p:nvPr>
         </p:nvSpPr>
         <p:spPr>
@@ -6094,67 +6180,67 @@
           </a:ln>
         </p:spPr>
         <p:txBody>
-          <a:bodyPr anchorCtr="0" anchor="ctr" bIns="45700" lIns="91425" spcFirstLastPara="1" rIns="91425" wrap="square" tIns="45700">
+          <a:bodyPr spcFirstLastPara="1" wrap="square" lIns="91425" tIns="45700" rIns="91425" bIns="45700" anchor="ctr" anchorCtr="0">
             <a:noAutofit/>
           </a:bodyPr>
           <a:lstStyle>
-            <a:lvl1pPr indent="0" lvl="0" marL="0" algn="r">
+            <a:lvl1pPr marL="0" lvl="0" indent="0" algn="r">
               <a:spcBef>
                 <a:spcPts val="0"/>
               </a:spcBef>
               <a:buNone/>
               <a:defRPr/>
             </a:lvl1pPr>
-            <a:lvl2pPr indent="0" lvl="1" marL="0" algn="r">
+            <a:lvl2pPr marL="0" lvl="1" indent="0" algn="r">
               <a:spcBef>
                 <a:spcPts val="0"/>
               </a:spcBef>
               <a:buNone/>
               <a:defRPr/>
             </a:lvl2pPr>
-            <a:lvl3pPr indent="0" lvl="2" marL="0" algn="r">
+            <a:lvl3pPr marL="0" lvl="2" indent="0" algn="r">
               <a:spcBef>
                 <a:spcPts val="0"/>
               </a:spcBef>
               <a:buNone/>
               <a:defRPr/>
             </a:lvl3pPr>
-            <a:lvl4pPr indent="0" lvl="3" marL="0" algn="r">
+            <a:lvl4pPr marL="0" lvl="3" indent="0" algn="r">
               <a:spcBef>
                 <a:spcPts val="0"/>
               </a:spcBef>
               <a:buNone/>
               <a:defRPr/>
             </a:lvl4pPr>
-            <a:lvl5pPr indent="0" lvl="4" marL="0" algn="r">
+            <a:lvl5pPr marL="0" lvl="4" indent="0" algn="r">
               <a:spcBef>
                 <a:spcPts val="0"/>
               </a:spcBef>
               <a:buNone/>
               <a:defRPr/>
             </a:lvl5pPr>
-            <a:lvl6pPr indent="0" lvl="5" marL="0" algn="r">
+            <a:lvl6pPr marL="0" lvl="5" indent="0" algn="r">
               <a:spcBef>
                 <a:spcPts val="0"/>
               </a:spcBef>
               <a:buNone/>
               <a:defRPr/>
             </a:lvl6pPr>
-            <a:lvl7pPr indent="0" lvl="6" marL="0" algn="r">
+            <a:lvl7pPr marL="0" lvl="6" indent="0" algn="r">
               <a:spcBef>
                 <a:spcPts val="0"/>
               </a:spcBef>
               <a:buNone/>
               <a:defRPr/>
             </a:lvl7pPr>
-            <a:lvl8pPr indent="0" lvl="7" marL="0" algn="r">
+            <a:lvl8pPr marL="0" lvl="7" indent="0" algn="r">
               <a:spcBef>
                 <a:spcPts val="0"/>
               </a:spcBef>
               <a:buNone/>
               <a:defRPr/>
             </a:lvl8pPr>
-            <a:lvl9pPr indent="0" lvl="8" marL="0" algn="r">
+            <a:lvl9pPr marL="0" lvl="8" indent="0" algn="r">
               <a:spcBef>
                 <a:spcPts val="0"/>
               </a:spcBef>
@@ -6163,7 +6249,7 @@
             </a:lvl9pPr>
           </a:lstStyle>
           <a:p>
-            <a:pPr indent="0" lvl="0" marL="0" rtl="0" algn="r">
+            <a:pPr marL="0" lvl="0" indent="0" algn="r" rtl="0">
               <a:spcBef>
                 <a:spcPts val="0"/>
               </a:spcBef>
@@ -6189,11 +6275,11 @@
 </file>
 
 <file path=ppt/slideLayouts/slideLayout6.xml><?xml version="1.0" encoding="utf-8"?>
-<p:sldLayout xmlns:a="http://schemas.openxmlformats.org/drawingml/2006/main" xmlns:r="http://schemas.openxmlformats.org/officeDocument/2006/relationships" xmlns:mc="http://schemas.openxmlformats.org/markup-compatibility/2006" xmlns:mv="urn:schemas-microsoft-com:mac:vml" xmlns:p="http://schemas.openxmlformats.org/presentationml/2006/main" xmlns:c="http://schemas.openxmlformats.org/drawingml/2006/chart" xmlns:dgm="http://schemas.openxmlformats.org/drawingml/2006/diagram" xmlns:o="urn:schemas-microsoft-com:office:office" xmlns:v="urn:schemas-microsoft-com:vml" xmlns:pvml="urn:schemas-microsoft-com:office:powerpoint" xmlns:com="http://schemas.openxmlformats.org/drawingml/2006/compatibility" xmlns:p14="http://schemas.microsoft.com/office/powerpoint/2010/main" xmlns:p15="http://schemas.microsoft.com/office/powerpoint/2012/main" xmlns:ahyp="http://schemas.microsoft.com/office/drawing/2018/hyperlinkcolor" matchingName="Comparison" type="twoTxTwoObj">
+<p:sldLayout xmlns:a="http://schemas.openxmlformats.org/drawingml/2006/main" xmlns:r="http://schemas.openxmlformats.org/officeDocument/2006/relationships" xmlns:p="http://schemas.openxmlformats.org/presentationml/2006/main" matchingName="Comparison" type="twoTxTwoObj">
   <p:cSld name="TWO_OBJECTS_WITH_TEXT">
     <p:spTree>
       <p:nvGrpSpPr>
-        <p:cNvPr id="40" name="Shape 40"/>
+        <p:cNvPr id="1" name="Shape 40"/>
         <p:cNvGrpSpPr/>
         <p:nvPr/>
       </p:nvGrpSpPr>
@@ -6208,7 +6294,9 @@
       <p:sp>
         <p:nvSpPr>
           <p:cNvPr id="41" name="Google Shape;41;p7"/>
-          <p:cNvSpPr txBox="1"/>
+          <p:cNvSpPr txBox="1">
+            <a:spLocks noGrp="1"/>
+          </p:cNvSpPr>
           <p:nvPr>
             <p:ph type="title"/>
           </p:nvPr>
@@ -6227,7 +6315,7 @@
           </a:ln>
         </p:spPr>
         <p:txBody>
-          <a:bodyPr anchorCtr="0" anchor="ctr" bIns="45700" lIns="91425" spcFirstLastPara="1" rIns="91425" wrap="square" tIns="45700">
+          <a:bodyPr spcFirstLastPara="1" wrap="square" lIns="91425" tIns="45700" rIns="91425" bIns="45700" anchor="ctr" anchorCtr="0">
             <a:normAutofit/>
           </a:bodyPr>
           <a:lstStyle>
@@ -6335,15 +6423,19 @@
               <a:defRPr/>
             </a:lvl9pPr>
           </a:lstStyle>
-          <a:p/>
+          <a:p>
+            <a:endParaRPr/>
+          </a:p>
         </p:txBody>
       </p:sp>
       <p:sp>
         <p:nvSpPr>
           <p:cNvPr id="42" name="Google Shape;42;p7"/>
-          <p:cNvSpPr txBox="1"/>
+          <p:cNvSpPr txBox="1">
+            <a:spLocks noGrp="1"/>
+          </p:cNvSpPr>
           <p:nvPr>
-            <p:ph idx="1" type="body"/>
+            <p:ph type="body" idx="1"/>
           </p:nvPr>
         </p:nvSpPr>
         <p:spPr>
@@ -6360,11 +6452,11 @@
           </a:ln>
         </p:spPr>
         <p:txBody>
-          <a:bodyPr anchorCtr="0" anchor="b" bIns="45700" lIns="91425" spcFirstLastPara="1" rIns="91425" wrap="square" tIns="45700">
+          <a:bodyPr spcFirstLastPara="1" wrap="square" lIns="91425" tIns="45700" rIns="91425" bIns="45700" anchor="b" anchorCtr="0">
             <a:normAutofit/>
           </a:bodyPr>
           <a:lstStyle>
-            <a:lvl1pPr indent="-228600" lvl="0" marL="457200" algn="l">
+            <a:lvl1pPr marL="457200" lvl="0" indent="-228600" algn="l">
               <a:spcBef>
                 <a:spcPts val="480"/>
               </a:spcBef>
@@ -6376,9 +6468,9 @@
               </a:buClr>
               <a:buSzPts val="2400"/>
               <a:buNone/>
-              <a:defRPr b="1" sz="2400"/>
+              <a:defRPr sz="2400" b="1"/>
             </a:lvl1pPr>
-            <a:lvl2pPr indent="-228600" lvl="1" marL="914400" algn="l">
+            <a:lvl2pPr marL="914400" lvl="1" indent="-228600" algn="l">
               <a:spcBef>
                 <a:spcPts val="400"/>
               </a:spcBef>
@@ -6390,9 +6482,9 @@
               </a:buClr>
               <a:buSzPts val="2000"/>
               <a:buNone/>
-              <a:defRPr b="1" sz="2000"/>
+              <a:defRPr sz="2000" b="1"/>
             </a:lvl2pPr>
-            <a:lvl3pPr indent="-228600" lvl="2" marL="1371600" algn="l">
+            <a:lvl3pPr marL="1371600" lvl="2" indent="-228600" algn="l">
               <a:spcBef>
                 <a:spcPts val="360"/>
               </a:spcBef>
@@ -6404,9 +6496,9 @@
               </a:buClr>
               <a:buSzPts val="1800"/>
               <a:buNone/>
-              <a:defRPr b="1" sz="1800"/>
+              <a:defRPr sz="1800" b="1"/>
             </a:lvl3pPr>
-            <a:lvl4pPr indent="-228600" lvl="3" marL="1828800" algn="l">
+            <a:lvl4pPr marL="1828800" lvl="3" indent="-228600" algn="l">
               <a:spcBef>
                 <a:spcPts val="320"/>
               </a:spcBef>
@@ -6418,9 +6510,9 @@
               </a:buClr>
               <a:buSzPts val="1600"/>
               <a:buNone/>
-              <a:defRPr b="1" sz="1600"/>
+              <a:defRPr sz="1600" b="1"/>
             </a:lvl4pPr>
-            <a:lvl5pPr indent="-228600" lvl="4" marL="2286000" algn="l">
+            <a:lvl5pPr marL="2286000" lvl="4" indent="-228600" algn="l">
               <a:spcBef>
                 <a:spcPts val="320"/>
               </a:spcBef>
@@ -6432,9 +6524,9 @@
               </a:buClr>
               <a:buSzPts val="1600"/>
               <a:buNone/>
-              <a:defRPr b="1" sz="1600"/>
+              <a:defRPr sz="1600" b="1"/>
             </a:lvl5pPr>
-            <a:lvl6pPr indent="-228600" lvl="5" marL="2743200" algn="l">
+            <a:lvl6pPr marL="2743200" lvl="5" indent="-228600" algn="l">
               <a:spcBef>
                 <a:spcPts val="320"/>
               </a:spcBef>
@@ -6446,9 +6538,9 @@
               </a:buClr>
               <a:buSzPts val="1600"/>
               <a:buNone/>
-              <a:defRPr b="1" sz="1600"/>
+              <a:defRPr sz="1600" b="1"/>
             </a:lvl6pPr>
-            <a:lvl7pPr indent="-228600" lvl="6" marL="3200400" algn="l">
+            <a:lvl7pPr marL="3200400" lvl="6" indent="-228600" algn="l">
               <a:spcBef>
                 <a:spcPts val="320"/>
               </a:spcBef>
@@ -6460,9 +6552,9 @@
               </a:buClr>
               <a:buSzPts val="1600"/>
               <a:buNone/>
-              <a:defRPr b="1" sz="1600"/>
+              <a:defRPr sz="1600" b="1"/>
             </a:lvl7pPr>
-            <a:lvl8pPr indent="-228600" lvl="7" marL="3657600" algn="l">
+            <a:lvl8pPr marL="3657600" lvl="7" indent="-228600" algn="l">
               <a:spcBef>
                 <a:spcPts val="320"/>
               </a:spcBef>
@@ -6474,9 +6566,9 @@
               </a:buClr>
               <a:buSzPts val="1600"/>
               <a:buNone/>
-              <a:defRPr b="1" sz="1600"/>
+              <a:defRPr sz="1600" b="1"/>
             </a:lvl8pPr>
-            <a:lvl9pPr indent="-228600" lvl="8" marL="4114800" algn="l">
+            <a:lvl9pPr marL="4114800" lvl="8" indent="-228600" algn="l">
               <a:spcBef>
                 <a:spcPts val="320"/>
               </a:spcBef>
@@ -6488,18 +6580,22 @@
               </a:buClr>
               <a:buSzPts val="1600"/>
               <a:buNone/>
-              <a:defRPr b="1" sz="1600"/>
+              <a:defRPr sz="1600" b="1"/>
             </a:lvl9pPr>
           </a:lstStyle>
-          <a:p/>
+          <a:p>
+            <a:endParaRPr/>
+          </a:p>
         </p:txBody>
       </p:sp>
       <p:sp>
         <p:nvSpPr>
           <p:cNvPr id="43" name="Google Shape;43;p7"/>
-          <p:cNvSpPr txBox="1"/>
+          <p:cNvSpPr txBox="1">
+            <a:spLocks noGrp="1"/>
+          </p:cNvSpPr>
           <p:nvPr>
-            <p:ph idx="2" type="body"/>
+            <p:ph type="body" idx="2"/>
           </p:nvPr>
         </p:nvSpPr>
         <p:spPr>
@@ -6516,11 +6612,11 @@
           </a:ln>
         </p:spPr>
         <p:txBody>
-          <a:bodyPr anchorCtr="0" anchor="t" bIns="45700" lIns="91425" spcFirstLastPara="1" rIns="91425" wrap="square" tIns="45700">
+          <a:bodyPr spcFirstLastPara="1" wrap="square" lIns="91425" tIns="45700" rIns="91425" bIns="45700" anchor="t" anchorCtr="0">
             <a:normAutofit/>
           </a:bodyPr>
           <a:lstStyle>
-            <a:lvl1pPr indent="-381000" lvl="0" marL="457200" algn="l">
+            <a:lvl1pPr marL="457200" lvl="0" indent="-381000" algn="l">
               <a:spcBef>
                 <a:spcPts val="480"/>
               </a:spcBef>
@@ -6534,7 +6630,7 @@
               <a:buChar char="•"/>
               <a:defRPr sz="2400"/>
             </a:lvl1pPr>
-            <a:lvl2pPr indent="-355600" lvl="1" marL="914400" algn="l">
+            <a:lvl2pPr marL="914400" lvl="1" indent="-355600" algn="l">
               <a:spcBef>
                 <a:spcPts val="400"/>
               </a:spcBef>
@@ -6548,7 +6644,7 @@
               <a:buChar char="–"/>
               <a:defRPr sz="2000"/>
             </a:lvl2pPr>
-            <a:lvl3pPr indent="-342900" lvl="2" marL="1371600" algn="l">
+            <a:lvl3pPr marL="1371600" lvl="2" indent="-342900" algn="l">
               <a:spcBef>
                 <a:spcPts val="360"/>
               </a:spcBef>
@@ -6562,7 +6658,7 @@
               <a:buChar char="•"/>
               <a:defRPr sz="1800"/>
             </a:lvl3pPr>
-            <a:lvl4pPr indent="-330200" lvl="3" marL="1828800" algn="l">
+            <a:lvl4pPr marL="1828800" lvl="3" indent="-330200" algn="l">
               <a:spcBef>
                 <a:spcPts val="320"/>
               </a:spcBef>
@@ -6576,7 +6672,7 @@
               <a:buChar char="–"/>
               <a:defRPr sz="1600"/>
             </a:lvl4pPr>
-            <a:lvl5pPr indent="-330200" lvl="4" marL="2286000" algn="l">
+            <a:lvl5pPr marL="2286000" lvl="4" indent="-330200" algn="l">
               <a:spcBef>
                 <a:spcPts val="320"/>
               </a:spcBef>
@@ -6590,7 +6686,7 @@
               <a:buChar char="»"/>
               <a:defRPr sz="1600"/>
             </a:lvl5pPr>
-            <a:lvl6pPr indent="-330200" lvl="5" marL="2743200" algn="l">
+            <a:lvl6pPr marL="2743200" lvl="5" indent="-330200" algn="l">
               <a:spcBef>
                 <a:spcPts val="320"/>
               </a:spcBef>
@@ -6604,7 +6700,7 @@
               <a:buChar char="•"/>
               <a:defRPr sz="1600"/>
             </a:lvl6pPr>
-            <a:lvl7pPr indent="-330200" lvl="6" marL="3200400" algn="l">
+            <a:lvl7pPr marL="3200400" lvl="6" indent="-330200" algn="l">
               <a:spcBef>
                 <a:spcPts val="320"/>
               </a:spcBef>
@@ -6618,7 +6714,7 @@
               <a:buChar char="•"/>
               <a:defRPr sz="1600"/>
             </a:lvl7pPr>
-            <a:lvl8pPr indent="-330200" lvl="7" marL="3657600" algn="l">
+            <a:lvl8pPr marL="3657600" lvl="7" indent="-330200" algn="l">
               <a:spcBef>
                 <a:spcPts val="320"/>
               </a:spcBef>
@@ -6632,7 +6728,7 @@
               <a:buChar char="•"/>
               <a:defRPr sz="1600"/>
             </a:lvl8pPr>
-            <a:lvl9pPr indent="-330200" lvl="8" marL="4114800" algn="l">
+            <a:lvl9pPr marL="4114800" lvl="8" indent="-330200" algn="l">
               <a:spcBef>
                 <a:spcPts val="320"/>
               </a:spcBef>
@@ -6647,15 +6743,19 @@
               <a:defRPr sz="1600"/>
             </a:lvl9pPr>
           </a:lstStyle>
-          <a:p/>
+          <a:p>
+            <a:endParaRPr/>
+          </a:p>
         </p:txBody>
       </p:sp>
       <p:sp>
         <p:nvSpPr>
           <p:cNvPr id="44" name="Google Shape;44;p7"/>
-          <p:cNvSpPr txBox="1"/>
+          <p:cNvSpPr txBox="1">
+            <a:spLocks noGrp="1"/>
+          </p:cNvSpPr>
           <p:nvPr>
-            <p:ph idx="3" type="body"/>
+            <p:ph type="body" idx="3"/>
           </p:nvPr>
         </p:nvSpPr>
         <p:spPr>
@@ -6672,11 +6772,11 @@
           </a:ln>
         </p:spPr>
         <p:txBody>
-          <a:bodyPr anchorCtr="0" anchor="b" bIns="45700" lIns="91425" spcFirstLastPara="1" rIns="91425" wrap="square" tIns="45700">
+          <a:bodyPr spcFirstLastPara="1" wrap="square" lIns="91425" tIns="45700" rIns="91425" bIns="45700" anchor="b" anchorCtr="0">
             <a:normAutofit/>
           </a:bodyPr>
           <a:lstStyle>
-            <a:lvl1pPr indent="-228600" lvl="0" marL="457200" algn="l">
+            <a:lvl1pPr marL="457200" lvl="0" indent="-228600" algn="l">
               <a:spcBef>
                 <a:spcPts val="480"/>
               </a:spcBef>
@@ -6688,9 +6788,9 @@
               </a:buClr>
               <a:buSzPts val="2400"/>
               <a:buNone/>
-              <a:defRPr b="1" sz="2400"/>
+              <a:defRPr sz="2400" b="1"/>
             </a:lvl1pPr>
-            <a:lvl2pPr indent="-228600" lvl="1" marL="914400" algn="l">
+            <a:lvl2pPr marL="914400" lvl="1" indent="-228600" algn="l">
               <a:spcBef>
                 <a:spcPts val="400"/>
               </a:spcBef>
@@ -6702,9 +6802,9 @@
               </a:buClr>
               <a:buSzPts val="2000"/>
               <a:buNone/>
-              <a:defRPr b="1" sz="2000"/>
+              <a:defRPr sz="2000" b="1"/>
             </a:lvl2pPr>
-            <a:lvl3pPr indent="-228600" lvl="2" marL="1371600" algn="l">
+            <a:lvl3pPr marL="1371600" lvl="2" indent="-228600" algn="l">
               <a:spcBef>
                 <a:spcPts val="360"/>
               </a:spcBef>
@@ -6716,9 +6816,9 @@
               </a:buClr>
               <a:buSzPts val="1800"/>
               <a:buNone/>
-              <a:defRPr b="1" sz="1800"/>
+              <a:defRPr sz="1800" b="1"/>
             </a:lvl3pPr>
-            <a:lvl4pPr indent="-228600" lvl="3" marL="1828800" algn="l">
+            <a:lvl4pPr marL="1828800" lvl="3" indent="-228600" algn="l">
               <a:spcBef>
                 <a:spcPts val="320"/>
               </a:spcBef>
@@ -6730,9 +6830,9 @@
               </a:buClr>
               <a:buSzPts val="1600"/>
               <a:buNone/>
-              <a:defRPr b="1" sz="1600"/>
+              <a:defRPr sz="1600" b="1"/>
             </a:lvl4pPr>
-            <a:lvl5pPr indent="-228600" lvl="4" marL="2286000" algn="l">
+            <a:lvl5pPr marL="2286000" lvl="4" indent="-228600" algn="l">
               <a:spcBef>
                 <a:spcPts val="320"/>
               </a:spcBef>
@@ -6744,9 +6844,9 @@
               </a:buClr>
               <a:buSzPts val="1600"/>
               <a:buNone/>
-              <a:defRPr b="1" sz="1600"/>
+              <a:defRPr sz="1600" b="1"/>
             </a:lvl5pPr>
-            <a:lvl6pPr indent="-228600" lvl="5" marL="2743200" algn="l">
+            <a:lvl6pPr marL="2743200" lvl="5" indent="-228600" algn="l">
               <a:spcBef>
                 <a:spcPts val="320"/>
               </a:spcBef>
@@ -6758,9 +6858,9 @@
               </a:buClr>
               <a:buSzPts val="1600"/>
               <a:buNone/>
-              <a:defRPr b="1" sz="1600"/>
+              <a:defRPr sz="1600" b="1"/>
             </a:lvl6pPr>
-            <a:lvl7pPr indent="-228600" lvl="6" marL="3200400" algn="l">
+            <a:lvl7pPr marL="3200400" lvl="6" indent="-228600" algn="l">
               <a:spcBef>
                 <a:spcPts val="320"/>
               </a:spcBef>
@@ -6772,9 +6872,9 @@
               </a:buClr>
               <a:buSzPts val="1600"/>
               <a:buNone/>
-              <a:defRPr b="1" sz="1600"/>
+              <a:defRPr sz="1600" b="1"/>
             </a:lvl7pPr>
-            <a:lvl8pPr indent="-228600" lvl="7" marL="3657600" algn="l">
+            <a:lvl8pPr marL="3657600" lvl="7" indent="-228600" algn="l">
               <a:spcBef>
                 <a:spcPts val="320"/>
               </a:spcBef>
@@ -6786,9 +6886,9 @@
               </a:buClr>
               <a:buSzPts val="1600"/>
               <a:buNone/>
-              <a:defRPr b="1" sz="1600"/>
+              <a:defRPr sz="1600" b="1"/>
             </a:lvl8pPr>
-            <a:lvl9pPr indent="-228600" lvl="8" marL="4114800" algn="l">
+            <a:lvl9pPr marL="4114800" lvl="8" indent="-228600" algn="l">
               <a:spcBef>
                 <a:spcPts val="320"/>
               </a:spcBef>
@@ -6800,18 +6900,22 @@
               </a:buClr>
               <a:buSzPts val="1600"/>
               <a:buNone/>
-              <a:defRPr b="1" sz="1600"/>
+              <a:defRPr sz="1600" b="1"/>
             </a:lvl9pPr>
           </a:lstStyle>
-          <a:p/>
+          <a:p>
+            <a:endParaRPr/>
+          </a:p>
         </p:txBody>
       </p:sp>
       <p:sp>
         <p:nvSpPr>
           <p:cNvPr id="45" name="Google Shape;45;p7"/>
-          <p:cNvSpPr txBox="1"/>
+          <p:cNvSpPr txBox="1">
+            <a:spLocks noGrp="1"/>
+          </p:cNvSpPr>
           <p:nvPr>
-            <p:ph idx="4" type="body"/>
+            <p:ph type="body" idx="4"/>
           </p:nvPr>
         </p:nvSpPr>
         <p:spPr>
@@ -6828,11 +6932,11 @@
           </a:ln>
         </p:spPr>
         <p:txBody>
-          <a:bodyPr anchorCtr="0" anchor="t" bIns="45700" lIns="91425" spcFirstLastPara="1" rIns="91425" wrap="square" tIns="45700">
+          <a:bodyPr spcFirstLastPara="1" wrap="square" lIns="91425" tIns="45700" rIns="91425" bIns="45700" anchor="t" anchorCtr="0">
             <a:normAutofit/>
           </a:bodyPr>
           <a:lstStyle>
-            <a:lvl1pPr indent="-381000" lvl="0" marL="457200" algn="l">
+            <a:lvl1pPr marL="457200" lvl="0" indent="-381000" algn="l">
               <a:spcBef>
                 <a:spcPts val="480"/>
               </a:spcBef>
@@ -6846,7 +6950,7 @@
               <a:buChar char="•"/>
               <a:defRPr sz="2400"/>
             </a:lvl1pPr>
-            <a:lvl2pPr indent="-355600" lvl="1" marL="914400" algn="l">
+            <a:lvl2pPr marL="914400" lvl="1" indent="-355600" algn="l">
               <a:spcBef>
                 <a:spcPts val="400"/>
               </a:spcBef>
@@ -6860,7 +6964,7 @@
               <a:buChar char="–"/>
               <a:defRPr sz="2000"/>
             </a:lvl2pPr>
-            <a:lvl3pPr indent="-342900" lvl="2" marL="1371600" algn="l">
+            <a:lvl3pPr marL="1371600" lvl="2" indent="-342900" algn="l">
               <a:spcBef>
                 <a:spcPts val="360"/>
               </a:spcBef>
@@ -6874,7 +6978,7 @@
               <a:buChar char="•"/>
               <a:defRPr sz="1800"/>
             </a:lvl3pPr>
-            <a:lvl4pPr indent="-330200" lvl="3" marL="1828800" algn="l">
+            <a:lvl4pPr marL="1828800" lvl="3" indent="-330200" algn="l">
               <a:spcBef>
                 <a:spcPts val="320"/>
               </a:spcBef>
@@ -6888,7 +6992,7 @@
               <a:buChar char="–"/>
               <a:defRPr sz="1600"/>
             </a:lvl4pPr>
-            <a:lvl5pPr indent="-330200" lvl="4" marL="2286000" algn="l">
+            <a:lvl5pPr marL="2286000" lvl="4" indent="-330200" algn="l">
               <a:spcBef>
                 <a:spcPts val="320"/>
               </a:spcBef>
@@ -6902,7 +7006,7 @@
               <a:buChar char="»"/>
               <a:defRPr sz="1600"/>
             </a:lvl5pPr>
-            <a:lvl6pPr indent="-330200" lvl="5" marL="2743200" algn="l">
+            <a:lvl6pPr marL="2743200" lvl="5" indent="-330200" algn="l">
               <a:spcBef>
                 <a:spcPts val="320"/>
               </a:spcBef>
@@ -6916,7 +7020,7 @@
               <a:buChar char="•"/>
               <a:defRPr sz="1600"/>
             </a:lvl6pPr>
-            <a:lvl7pPr indent="-330200" lvl="6" marL="3200400" algn="l">
+            <a:lvl7pPr marL="3200400" lvl="6" indent="-330200" algn="l">
               <a:spcBef>
                 <a:spcPts val="320"/>
               </a:spcBef>
@@ -6930,7 +7034,7 @@
               <a:buChar char="•"/>
               <a:defRPr sz="1600"/>
             </a:lvl7pPr>
-            <a:lvl8pPr indent="-330200" lvl="7" marL="3657600" algn="l">
+            <a:lvl8pPr marL="3657600" lvl="7" indent="-330200" algn="l">
               <a:spcBef>
                 <a:spcPts val="320"/>
               </a:spcBef>
@@ -6944,7 +7048,7 @@
               <a:buChar char="•"/>
               <a:defRPr sz="1600"/>
             </a:lvl8pPr>
-            <a:lvl9pPr indent="-330200" lvl="8" marL="4114800" algn="l">
+            <a:lvl9pPr marL="4114800" lvl="8" indent="-330200" algn="l">
               <a:spcBef>
                 <a:spcPts val="320"/>
               </a:spcBef>
@@ -6959,15 +7063,19 @@
               <a:defRPr sz="1600"/>
             </a:lvl9pPr>
           </a:lstStyle>
-          <a:p/>
+          <a:p>
+            <a:endParaRPr/>
+          </a:p>
         </p:txBody>
       </p:sp>
       <p:sp>
         <p:nvSpPr>
           <p:cNvPr id="46" name="Google Shape;46;p7"/>
-          <p:cNvSpPr txBox="1"/>
+          <p:cNvSpPr txBox="1">
+            <a:spLocks noGrp="1"/>
+          </p:cNvSpPr>
           <p:nvPr>
-            <p:ph idx="10" type="dt"/>
+            <p:ph type="dt" idx="10"/>
           </p:nvPr>
         </p:nvSpPr>
         <p:spPr>
@@ -6984,7 +7092,7 @@
           </a:ln>
         </p:spPr>
         <p:txBody>
-          <a:bodyPr anchorCtr="0" anchor="ctr" bIns="45700" lIns="91425" spcFirstLastPara="1" rIns="91425" wrap="square" tIns="45700">
+          <a:bodyPr spcFirstLastPara="1" wrap="square" lIns="91425" tIns="45700" rIns="91425" bIns="45700" anchor="ctr" anchorCtr="0">
             <a:noAutofit/>
           </a:bodyPr>
           <a:lstStyle>
@@ -7088,15 +7196,19 @@
               <a:defRPr/>
             </a:lvl9pPr>
           </a:lstStyle>
-          <a:p/>
+          <a:p>
+            <a:endParaRPr/>
+          </a:p>
         </p:txBody>
       </p:sp>
       <p:sp>
         <p:nvSpPr>
           <p:cNvPr id="47" name="Google Shape;47;p7"/>
-          <p:cNvSpPr txBox="1"/>
+          <p:cNvSpPr txBox="1">
+            <a:spLocks noGrp="1"/>
+          </p:cNvSpPr>
           <p:nvPr>
-            <p:ph idx="11" type="ftr"/>
+            <p:ph type="ftr" idx="11"/>
           </p:nvPr>
         </p:nvSpPr>
         <p:spPr>
@@ -7113,7 +7225,7 @@
           </a:ln>
         </p:spPr>
         <p:txBody>
-          <a:bodyPr anchorCtr="0" anchor="ctr" bIns="45700" lIns="91425" spcFirstLastPara="1" rIns="91425" wrap="square" tIns="45700">
+          <a:bodyPr spcFirstLastPara="1" wrap="square" lIns="91425" tIns="45700" rIns="91425" bIns="45700" anchor="ctr" anchorCtr="0">
             <a:noAutofit/>
           </a:bodyPr>
           <a:lstStyle>
@@ -7217,15 +7329,19 @@
               <a:defRPr/>
             </a:lvl9pPr>
           </a:lstStyle>
-          <a:p/>
+          <a:p>
+            <a:endParaRPr/>
+          </a:p>
         </p:txBody>
       </p:sp>
       <p:sp>
         <p:nvSpPr>
           <p:cNvPr id="48" name="Google Shape;48;p7"/>
-          <p:cNvSpPr txBox="1"/>
+          <p:cNvSpPr txBox="1">
+            <a:spLocks noGrp="1"/>
+          </p:cNvSpPr>
           <p:nvPr>
-            <p:ph idx="12" type="sldNum"/>
+            <p:ph type="sldNum" idx="12"/>
           </p:nvPr>
         </p:nvSpPr>
         <p:spPr>
@@ -7242,67 +7358,67 @@
           </a:ln>
         </p:spPr>
         <p:txBody>
-          <a:bodyPr anchorCtr="0" anchor="ctr" bIns="45700" lIns="91425" spcFirstLastPara="1" rIns="91425" wrap="square" tIns="45700">
+          <a:bodyPr spcFirstLastPara="1" wrap="square" lIns="91425" tIns="45700" rIns="91425" bIns="45700" anchor="ctr" anchorCtr="0">
             <a:noAutofit/>
           </a:bodyPr>
           <a:lstStyle>
-            <a:lvl1pPr indent="0" lvl="0" marL="0" algn="r">
+            <a:lvl1pPr marL="0" lvl="0" indent="0" algn="r">
               <a:spcBef>
                 <a:spcPts val="0"/>
               </a:spcBef>
               <a:buNone/>
               <a:defRPr/>
             </a:lvl1pPr>
-            <a:lvl2pPr indent="0" lvl="1" marL="0" algn="r">
+            <a:lvl2pPr marL="0" lvl="1" indent="0" algn="r">
               <a:spcBef>
                 <a:spcPts val="0"/>
               </a:spcBef>
               <a:buNone/>
               <a:defRPr/>
             </a:lvl2pPr>
-            <a:lvl3pPr indent="0" lvl="2" marL="0" algn="r">
+            <a:lvl3pPr marL="0" lvl="2" indent="0" algn="r">
               <a:spcBef>
                 <a:spcPts val="0"/>
               </a:spcBef>
               <a:buNone/>
               <a:defRPr/>
             </a:lvl3pPr>
-            <a:lvl4pPr indent="0" lvl="3" marL="0" algn="r">
+            <a:lvl4pPr marL="0" lvl="3" indent="0" algn="r">
               <a:spcBef>
                 <a:spcPts val="0"/>
               </a:spcBef>
               <a:buNone/>
               <a:defRPr/>
             </a:lvl4pPr>
-            <a:lvl5pPr indent="0" lvl="4" marL="0" algn="r">
+            <a:lvl5pPr marL="0" lvl="4" indent="0" algn="r">
               <a:spcBef>
                 <a:spcPts val="0"/>
               </a:spcBef>
               <a:buNone/>
               <a:defRPr/>
             </a:lvl5pPr>
-            <a:lvl6pPr indent="0" lvl="5" marL="0" algn="r">
+            <a:lvl6pPr marL="0" lvl="5" indent="0" algn="r">
               <a:spcBef>
                 <a:spcPts val="0"/>
               </a:spcBef>
               <a:buNone/>
               <a:defRPr/>
             </a:lvl6pPr>
-            <a:lvl7pPr indent="0" lvl="6" marL="0" algn="r">
+            <a:lvl7pPr marL="0" lvl="6" indent="0" algn="r">
               <a:spcBef>
                 <a:spcPts val="0"/>
               </a:spcBef>
               <a:buNone/>
               <a:defRPr/>
             </a:lvl7pPr>
-            <a:lvl8pPr indent="0" lvl="7" marL="0" algn="r">
+            <a:lvl8pPr marL="0" lvl="7" indent="0" algn="r">
               <a:spcBef>
                 <a:spcPts val="0"/>
               </a:spcBef>
               <a:buNone/>
               <a:defRPr/>
             </a:lvl8pPr>
-            <a:lvl9pPr indent="0" lvl="8" marL="0" algn="r">
+            <a:lvl9pPr marL="0" lvl="8" indent="0" algn="r">
               <a:spcBef>
                 <a:spcPts val="0"/>
               </a:spcBef>
@@ -7311,7 +7427,7 @@
             </a:lvl9pPr>
           </a:lstStyle>
           <a:p>
-            <a:pPr indent="0" lvl="0" marL="0" rtl="0" algn="r">
+            <a:pPr marL="0" lvl="0" indent="0" algn="r" rtl="0">
               <a:spcBef>
                 <a:spcPts val="0"/>
               </a:spcBef>
@@ -7337,11 +7453,11 @@
 </file>
 
 <file path=ppt/slideLayouts/slideLayout7.xml><?xml version="1.0" encoding="utf-8"?>
-<p:sldLayout xmlns:a="http://schemas.openxmlformats.org/drawingml/2006/main" xmlns:r="http://schemas.openxmlformats.org/officeDocument/2006/relationships" xmlns:mc="http://schemas.openxmlformats.org/markup-compatibility/2006" xmlns:mv="urn:schemas-microsoft-com:mac:vml" xmlns:p="http://schemas.openxmlformats.org/presentationml/2006/main" xmlns:c="http://schemas.openxmlformats.org/drawingml/2006/chart" xmlns:dgm="http://schemas.openxmlformats.org/drawingml/2006/diagram" xmlns:o="urn:schemas-microsoft-com:office:office" xmlns:v="urn:schemas-microsoft-com:vml" xmlns:pvml="urn:schemas-microsoft-com:office:powerpoint" xmlns:com="http://schemas.openxmlformats.org/drawingml/2006/compatibility" xmlns:p14="http://schemas.microsoft.com/office/powerpoint/2010/main" xmlns:p15="http://schemas.microsoft.com/office/powerpoint/2012/main" xmlns:ahyp="http://schemas.microsoft.com/office/drawing/2018/hyperlinkcolor" matchingName="Title Only" type="titleOnly">
+<p:sldLayout xmlns:a="http://schemas.openxmlformats.org/drawingml/2006/main" xmlns:r="http://schemas.openxmlformats.org/officeDocument/2006/relationships" xmlns:p="http://schemas.openxmlformats.org/presentationml/2006/main" matchingName="Title Only" type="titleOnly">
   <p:cSld name="TITLE_ONLY">
     <p:spTree>
       <p:nvGrpSpPr>
-        <p:cNvPr id="49" name="Shape 49"/>
+        <p:cNvPr id="1" name="Shape 49"/>
         <p:cNvGrpSpPr/>
         <p:nvPr/>
       </p:nvGrpSpPr>
@@ -7356,7 +7472,9 @@
       <p:sp>
         <p:nvSpPr>
           <p:cNvPr id="50" name="Google Shape;50;p8"/>
-          <p:cNvSpPr txBox="1"/>
+          <p:cNvSpPr txBox="1">
+            <a:spLocks noGrp="1"/>
+          </p:cNvSpPr>
           <p:nvPr>
             <p:ph type="title"/>
           </p:nvPr>
@@ -7375,7 +7493,7 @@
           </a:ln>
         </p:spPr>
         <p:txBody>
-          <a:bodyPr anchorCtr="0" anchor="ctr" bIns="45700" lIns="91425" spcFirstLastPara="1" rIns="91425" wrap="square" tIns="45700">
+          <a:bodyPr spcFirstLastPara="1" wrap="square" lIns="91425" tIns="45700" rIns="91425" bIns="45700" anchor="ctr" anchorCtr="0">
             <a:normAutofit/>
           </a:bodyPr>
           <a:lstStyle>
@@ -7482,15 +7600,19 @@
               <a:defRPr/>
             </a:lvl9pPr>
           </a:lstStyle>
-          <a:p/>
+          <a:p>
+            <a:endParaRPr/>
+          </a:p>
         </p:txBody>
       </p:sp>
       <p:sp>
         <p:nvSpPr>
           <p:cNvPr id="51" name="Google Shape;51;p8"/>
-          <p:cNvSpPr txBox="1"/>
+          <p:cNvSpPr txBox="1">
+            <a:spLocks noGrp="1"/>
+          </p:cNvSpPr>
           <p:nvPr>
-            <p:ph idx="10" type="dt"/>
+            <p:ph type="dt" idx="10"/>
           </p:nvPr>
         </p:nvSpPr>
         <p:spPr>
@@ -7507,7 +7629,7 @@
           </a:ln>
         </p:spPr>
         <p:txBody>
-          <a:bodyPr anchorCtr="0" anchor="ctr" bIns="45700" lIns="91425" spcFirstLastPara="1" rIns="91425" wrap="square" tIns="45700">
+          <a:bodyPr spcFirstLastPara="1" wrap="square" lIns="91425" tIns="45700" rIns="91425" bIns="45700" anchor="ctr" anchorCtr="0">
             <a:noAutofit/>
           </a:bodyPr>
           <a:lstStyle>
@@ -7611,15 +7733,19 @@
               <a:defRPr/>
             </a:lvl9pPr>
           </a:lstStyle>
-          <a:p/>
+          <a:p>
+            <a:endParaRPr/>
+          </a:p>
         </p:txBody>
       </p:sp>
       <p:sp>
         <p:nvSpPr>
           <p:cNvPr id="52" name="Google Shape;52;p8"/>
-          <p:cNvSpPr txBox="1"/>
+          <p:cNvSpPr txBox="1">
+            <a:spLocks noGrp="1"/>
+          </p:cNvSpPr>
           <p:nvPr>
-            <p:ph idx="11" type="ftr"/>
+            <p:ph type="ftr" idx="11"/>
           </p:nvPr>
         </p:nvSpPr>
         <p:spPr>
@@ -7636,7 +7762,7 @@
           </a:ln>
         </p:spPr>
         <p:txBody>
-          <a:bodyPr anchorCtr="0" anchor="ctr" bIns="45700" lIns="91425" spcFirstLastPara="1" rIns="91425" wrap="square" tIns="45700">
+          <a:bodyPr spcFirstLastPara="1" wrap="square" lIns="91425" tIns="45700" rIns="91425" bIns="45700" anchor="ctr" anchorCtr="0">
             <a:noAutofit/>
           </a:bodyPr>
           <a:lstStyle>
@@ -7740,15 +7866,19 @@
               <a:defRPr/>
             </a:lvl9pPr>
           </a:lstStyle>
-          <a:p/>
+          <a:p>
+            <a:endParaRPr/>
+          </a:p>
         </p:txBody>
       </p:sp>
       <p:sp>
         <p:nvSpPr>
           <p:cNvPr id="53" name="Google Shape;53;p8"/>
-          <p:cNvSpPr txBox="1"/>
+          <p:cNvSpPr txBox="1">
+            <a:spLocks noGrp="1"/>
+          </p:cNvSpPr>
           <p:nvPr>
-            <p:ph idx="12" type="sldNum"/>
+            <p:ph type="sldNum" idx="12"/>
           </p:nvPr>
         </p:nvSpPr>
         <p:spPr>
@@ -7765,67 +7895,67 @@
           </a:ln>
         </p:spPr>
         <p:txBody>
-          <a:bodyPr anchorCtr="0" anchor="ctr" bIns="45700" lIns="91425" spcFirstLastPara="1" rIns="91425" wrap="square" tIns="45700">
+          <a:bodyPr spcFirstLastPara="1" wrap="square" lIns="91425" tIns="45700" rIns="91425" bIns="45700" anchor="ctr" anchorCtr="0">
             <a:noAutofit/>
           </a:bodyPr>
           <a:lstStyle>
-            <a:lvl1pPr indent="0" lvl="0" marL="0" algn="r">
+            <a:lvl1pPr marL="0" lvl="0" indent="0" algn="r">
               <a:spcBef>
                 <a:spcPts val="0"/>
               </a:spcBef>
               <a:buNone/>
               <a:defRPr/>
             </a:lvl1pPr>
-            <a:lvl2pPr indent="0" lvl="1" marL="0" algn="r">
+            <a:lvl2pPr marL="0" lvl="1" indent="0" algn="r">
               <a:spcBef>
                 <a:spcPts val="0"/>
               </a:spcBef>
               <a:buNone/>
               <a:defRPr/>
             </a:lvl2pPr>
-            <a:lvl3pPr indent="0" lvl="2" marL="0" algn="r">
+            <a:lvl3pPr marL="0" lvl="2" indent="0" algn="r">
               <a:spcBef>
                 <a:spcPts val="0"/>
               </a:spcBef>
               <a:buNone/>
               <a:defRPr/>
             </a:lvl3pPr>
-            <a:lvl4pPr indent="0" lvl="3" marL="0" algn="r">
+            <a:lvl4pPr marL="0" lvl="3" indent="0" algn="r">
               <a:spcBef>
                 <a:spcPts val="0"/>
               </a:spcBef>
               <a:buNone/>
               <a:defRPr/>
             </a:lvl4pPr>
-            <a:lvl5pPr indent="0" lvl="4" marL="0" algn="r">
+            <a:lvl5pPr marL="0" lvl="4" indent="0" algn="r">
               <a:spcBef>
                 <a:spcPts val="0"/>
               </a:spcBef>
               <a:buNone/>
               <a:defRPr/>
             </a:lvl5pPr>
-            <a:lvl6pPr indent="0" lvl="5" marL="0" algn="r">
+            <a:lvl6pPr marL="0" lvl="5" indent="0" algn="r">
               <a:spcBef>
                 <a:spcPts val="0"/>
               </a:spcBef>
               <a:buNone/>
               <a:defRPr/>
             </a:lvl6pPr>
-            <a:lvl7pPr indent="0" lvl="6" marL="0" algn="r">
+            <a:lvl7pPr marL="0" lvl="6" indent="0" algn="r">
               <a:spcBef>
                 <a:spcPts val="0"/>
               </a:spcBef>
               <a:buNone/>
               <a:defRPr/>
             </a:lvl7pPr>
-            <a:lvl8pPr indent="0" lvl="7" marL="0" algn="r">
+            <a:lvl8pPr marL="0" lvl="7" indent="0" algn="r">
               <a:spcBef>
                 <a:spcPts val="0"/>
               </a:spcBef>
               <a:buNone/>
               <a:defRPr/>
             </a:lvl8pPr>
-            <a:lvl9pPr indent="0" lvl="8" marL="0" algn="r">
+            <a:lvl9pPr marL="0" lvl="8" indent="0" algn="r">
               <a:spcBef>
                 <a:spcPts val="0"/>
               </a:spcBef>
@@ -7834,7 +7964,7 @@
             </a:lvl9pPr>
           </a:lstStyle>
           <a:p>
-            <a:pPr indent="0" lvl="0" marL="0" rtl="0" algn="r">
+            <a:pPr marL="0" lvl="0" indent="0" algn="r" rtl="0">
               <a:spcBef>
                 <a:spcPts val="0"/>
               </a:spcBef>
@@ -7860,11 +7990,11 @@
 </file>
 
 <file path=ppt/slideLayouts/slideLayout8.xml><?xml version="1.0" encoding="utf-8"?>
-<p:sldLayout xmlns:a="http://schemas.openxmlformats.org/drawingml/2006/main" xmlns:r="http://schemas.openxmlformats.org/officeDocument/2006/relationships" xmlns:mc="http://schemas.openxmlformats.org/markup-compatibility/2006" xmlns:mv="urn:schemas-microsoft-com:mac:vml" xmlns:p="http://schemas.openxmlformats.org/presentationml/2006/main" xmlns:c="http://schemas.openxmlformats.org/drawingml/2006/chart" xmlns:dgm="http://schemas.openxmlformats.org/drawingml/2006/diagram" xmlns:o="urn:schemas-microsoft-com:office:office" xmlns:v="urn:schemas-microsoft-com:vml" xmlns:pvml="urn:schemas-microsoft-com:office:powerpoint" xmlns:com="http://schemas.openxmlformats.org/drawingml/2006/compatibility" xmlns:p14="http://schemas.microsoft.com/office/powerpoint/2010/main" xmlns:p15="http://schemas.microsoft.com/office/powerpoint/2012/main" xmlns:ahyp="http://schemas.microsoft.com/office/drawing/2018/hyperlinkcolor" matchingName="Content with Caption" type="objTx">
+<p:sldLayout xmlns:a="http://schemas.openxmlformats.org/drawingml/2006/main" xmlns:r="http://schemas.openxmlformats.org/officeDocument/2006/relationships" xmlns:p="http://schemas.openxmlformats.org/presentationml/2006/main" matchingName="Content with Caption" type="objTx">
   <p:cSld name="OBJECT_WITH_CAPTION_TEXT">
     <p:spTree>
       <p:nvGrpSpPr>
-        <p:cNvPr id="54" name="Shape 54"/>
+        <p:cNvPr id="1" name="Shape 54"/>
         <p:cNvGrpSpPr/>
         <p:nvPr/>
       </p:nvGrpSpPr>
@@ -7879,7 +8009,9 @@
       <p:sp>
         <p:nvSpPr>
           <p:cNvPr id="55" name="Google Shape;55;p9"/>
-          <p:cNvSpPr txBox="1"/>
+          <p:cNvSpPr txBox="1">
+            <a:spLocks noGrp="1"/>
+          </p:cNvSpPr>
           <p:nvPr>
             <p:ph type="title"/>
           </p:nvPr>
@@ -7898,7 +8030,7 @@
           </a:ln>
         </p:spPr>
         <p:txBody>
-          <a:bodyPr anchorCtr="0" anchor="b" bIns="45700" lIns="91425" spcFirstLastPara="1" rIns="91425" wrap="square" tIns="45700">
+          <a:bodyPr spcFirstLastPara="1" wrap="square" lIns="91425" tIns="45700" rIns="91425" bIns="45700" anchor="b" anchorCtr="0">
             <a:normAutofit/>
           </a:bodyPr>
           <a:lstStyle>
@@ -7915,7 +8047,7 @@
               <a:buSzPts val="2000"/>
               <a:buFont typeface="Calibri"/>
               <a:buNone/>
-              <a:defRPr b="1" sz="2000"/>
+              <a:defRPr sz="2000" b="1"/>
             </a:lvl1pPr>
             <a:lvl2pPr lvl="1">
               <a:spcBef>
@@ -8006,15 +8138,19 @@
               <a:defRPr/>
             </a:lvl9pPr>
           </a:lstStyle>
-          <a:p/>
+          <a:p>
+            <a:endParaRPr/>
+          </a:p>
         </p:txBody>
       </p:sp>
       <p:sp>
         <p:nvSpPr>
           <p:cNvPr id="56" name="Google Shape;56;p9"/>
-          <p:cNvSpPr txBox="1"/>
+          <p:cNvSpPr txBox="1">
+            <a:spLocks noGrp="1"/>
+          </p:cNvSpPr>
           <p:nvPr>
-            <p:ph idx="1" type="body"/>
+            <p:ph type="body" idx="1"/>
           </p:nvPr>
         </p:nvSpPr>
         <p:spPr>
@@ -8031,11 +8167,11 @@
           </a:ln>
         </p:spPr>
         <p:txBody>
-          <a:bodyPr anchorCtr="0" anchor="t" bIns="45700" lIns="91425" spcFirstLastPara="1" rIns="91425" wrap="square" tIns="45700">
+          <a:bodyPr spcFirstLastPara="1" wrap="square" lIns="91425" tIns="45700" rIns="91425" bIns="45700" anchor="t" anchorCtr="0">
             <a:normAutofit/>
           </a:bodyPr>
           <a:lstStyle>
-            <a:lvl1pPr indent="-431800" lvl="0" marL="457200" algn="l">
+            <a:lvl1pPr marL="457200" lvl="0" indent="-431800" algn="l">
               <a:spcBef>
                 <a:spcPts val="640"/>
               </a:spcBef>
@@ -8049,7 +8185,7 @@
               <a:buChar char="•"/>
               <a:defRPr sz="3200"/>
             </a:lvl1pPr>
-            <a:lvl2pPr indent="-406400" lvl="1" marL="914400" algn="l">
+            <a:lvl2pPr marL="914400" lvl="1" indent="-406400" algn="l">
               <a:spcBef>
                 <a:spcPts val="560"/>
               </a:spcBef>
@@ -8063,7 +8199,7 @@
               <a:buChar char="–"/>
               <a:defRPr sz="2800"/>
             </a:lvl2pPr>
-            <a:lvl3pPr indent="-381000" lvl="2" marL="1371600" algn="l">
+            <a:lvl3pPr marL="1371600" lvl="2" indent="-381000" algn="l">
               <a:spcBef>
                 <a:spcPts val="480"/>
               </a:spcBef>
@@ -8077,7 +8213,7 @@
               <a:buChar char="•"/>
               <a:defRPr sz="2400"/>
             </a:lvl3pPr>
-            <a:lvl4pPr indent="-355600" lvl="3" marL="1828800" algn="l">
+            <a:lvl4pPr marL="1828800" lvl="3" indent="-355600" algn="l">
               <a:spcBef>
                 <a:spcPts val="400"/>
               </a:spcBef>
@@ -8091,7 +8227,7 @@
               <a:buChar char="–"/>
               <a:defRPr sz="2000"/>
             </a:lvl4pPr>
-            <a:lvl5pPr indent="-355600" lvl="4" marL="2286000" algn="l">
+            <a:lvl5pPr marL="2286000" lvl="4" indent="-355600" algn="l">
               <a:spcBef>
                 <a:spcPts val="400"/>
               </a:spcBef>
@@ -8105,7 +8241,7 @@
               <a:buChar char="»"/>
               <a:defRPr sz="2000"/>
             </a:lvl5pPr>
-            <a:lvl6pPr indent="-355600" lvl="5" marL="2743200" algn="l">
+            <a:lvl6pPr marL="2743200" lvl="5" indent="-355600" algn="l">
               <a:spcBef>
                 <a:spcPts val="400"/>
               </a:spcBef>
@@ -8119,7 +8255,7 @@
               <a:buChar char="•"/>
               <a:defRPr sz="2000"/>
             </a:lvl6pPr>
-            <a:lvl7pPr indent="-355600" lvl="6" marL="3200400" algn="l">
+            <a:lvl7pPr marL="3200400" lvl="6" indent="-355600" algn="l">
               <a:spcBef>
                 <a:spcPts val="400"/>
               </a:spcBef>
@@ -8133,7 +8269,7 @@
               <a:buChar char="•"/>
               <a:defRPr sz="2000"/>
             </a:lvl7pPr>
-            <a:lvl8pPr indent="-355600" lvl="7" marL="3657600" algn="l">
+            <a:lvl8pPr marL="3657600" lvl="7" indent="-355600" algn="l">
               <a:spcBef>
                 <a:spcPts val="400"/>
               </a:spcBef>
@@ -8147,7 +8283,7 @@
               <a:buChar char="•"/>
               <a:defRPr sz="2000"/>
             </a:lvl8pPr>
-            <a:lvl9pPr indent="-355600" lvl="8" marL="4114800" algn="l">
+            <a:lvl9pPr marL="4114800" lvl="8" indent="-355600" algn="l">
               <a:spcBef>
                 <a:spcPts val="400"/>
               </a:spcBef>
@@ -8162,15 +8298,19 @@
               <a:defRPr sz="2000"/>
             </a:lvl9pPr>
           </a:lstStyle>
-          <a:p/>
+          <a:p>
+            <a:endParaRPr/>
+          </a:p>
         </p:txBody>
       </p:sp>
       <p:sp>
         <p:nvSpPr>
           <p:cNvPr id="57" name="Google Shape;57;p9"/>
-          <p:cNvSpPr txBox="1"/>
+          <p:cNvSpPr txBox="1">
+            <a:spLocks noGrp="1"/>
+          </p:cNvSpPr>
           <p:nvPr>
-            <p:ph idx="2" type="body"/>
+            <p:ph type="body" idx="2"/>
           </p:nvPr>
         </p:nvSpPr>
         <p:spPr>
@@ -8187,11 +8327,11 @@
           </a:ln>
         </p:spPr>
         <p:txBody>
-          <a:bodyPr anchorCtr="0" anchor="t" bIns="45700" lIns="91425" spcFirstLastPara="1" rIns="91425" wrap="square" tIns="45700">
+          <a:bodyPr spcFirstLastPara="1" wrap="square" lIns="91425" tIns="45700" rIns="91425" bIns="45700" anchor="t" anchorCtr="0">
             <a:normAutofit/>
           </a:bodyPr>
           <a:lstStyle>
-            <a:lvl1pPr indent="-228600" lvl="0" marL="457200" algn="l">
+            <a:lvl1pPr marL="457200" lvl="0" indent="-228600" algn="l">
               <a:spcBef>
                 <a:spcPts val="280"/>
               </a:spcBef>
@@ -8205,7 +8345,7 @@
               <a:buNone/>
               <a:defRPr sz="1400"/>
             </a:lvl1pPr>
-            <a:lvl2pPr indent="-228600" lvl="1" marL="914400" algn="l">
+            <a:lvl2pPr marL="914400" lvl="1" indent="-228600" algn="l">
               <a:spcBef>
                 <a:spcPts val="240"/>
               </a:spcBef>
@@ -8219,7 +8359,7 @@
               <a:buNone/>
               <a:defRPr sz="1200"/>
             </a:lvl2pPr>
-            <a:lvl3pPr indent="-228600" lvl="2" marL="1371600" algn="l">
+            <a:lvl3pPr marL="1371600" lvl="2" indent="-228600" algn="l">
               <a:spcBef>
                 <a:spcPts val="200"/>
               </a:spcBef>
@@ -8233,7 +8373,7 @@
               <a:buNone/>
               <a:defRPr sz="1000"/>
             </a:lvl3pPr>
-            <a:lvl4pPr indent="-228600" lvl="3" marL="1828800" algn="l">
+            <a:lvl4pPr marL="1828800" lvl="3" indent="-228600" algn="l">
               <a:spcBef>
                 <a:spcPts val="180"/>
               </a:spcBef>
@@ -8247,7 +8387,7 @@
               <a:buNone/>
               <a:defRPr sz="900"/>
             </a:lvl4pPr>
-            <a:lvl5pPr indent="-228600" lvl="4" marL="2286000" algn="l">
+            <a:lvl5pPr marL="2286000" lvl="4" indent="-228600" algn="l">
               <a:spcBef>
                 <a:spcPts val="180"/>
               </a:spcBef>
@@ -8261,7 +8401,7 @@
               <a:buNone/>
               <a:defRPr sz="900"/>
             </a:lvl5pPr>
-            <a:lvl6pPr indent="-228600" lvl="5" marL="2743200" algn="l">
+            <a:lvl6pPr marL="2743200" lvl="5" indent="-228600" algn="l">
               <a:spcBef>
                 <a:spcPts val="180"/>
               </a:spcBef>
@@ -8275,7 +8415,7 @@
               <a:buNone/>
               <a:defRPr sz="900"/>
             </a:lvl6pPr>
-            <a:lvl7pPr indent="-228600" lvl="6" marL="3200400" algn="l">
+            <a:lvl7pPr marL="3200400" lvl="6" indent="-228600" algn="l">
               <a:spcBef>
                 <a:spcPts val="180"/>
               </a:spcBef>
@@ -8289,7 +8429,7 @@
               <a:buNone/>
               <a:defRPr sz="900"/>
             </a:lvl7pPr>
-            <a:lvl8pPr indent="-228600" lvl="7" marL="3657600" algn="l">
+            <a:lvl8pPr marL="3657600" lvl="7" indent="-228600" algn="l">
               <a:spcBef>
                 <a:spcPts val="180"/>
               </a:spcBef>
@@ -8303,7 +8443,7 @@
               <a:buNone/>
               <a:defRPr sz="900"/>
             </a:lvl8pPr>
-            <a:lvl9pPr indent="-228600" lvl="8" marL="4114800" algn="l">
+            <a:lvl9pPr marL="4114800" lvl="8" indent="-228600" algn="l">
               <a:spcBef>
                 <a:spcPts val="180"/>
               </a:spcBef>
@@ -8318,15 +8458,19 @@
               <a:defRPr sz="900"/>
             </a:lvl9pPr>
           </a:lstStyle>
-          <a:p/>
+          <a:p>
+            <a:endParaRPr/>
+          </a:p>
         </p:txBody>
       </p:sp>
       <p:sp>
         <p:nvSpPr>
           <p:cNvPr id="58" name="Google Shape;58;p9"/>
-          <p:cNvSpPr txBox="1"/>
+          <p:cNvSpPr txBox="1">
+            <a:spLocks noGrp="1"/>
+          </p:cNvSpPr>
           <p:nvPr>
-            <p:ph idx="10" type="dt"/>
+            <p:ph type="dt" idx="10"/>
           </p:nvPr>
         </p:nvSpPr>
         <p:spPr>
@@ -8343,7 +8487,7 @@
           </a:ln>
         </p:spPr>
         <p:txBody>
-          <a:bodyPr anchorCtr="0" anchor="ctr" bIns="45700" lIns="91425" spcFirstLastPara="1" rIns="91425" wrap="square" tIns="45700">
+          <a:bodyPr spcFirstLastPara="1" wrap="square" lIns="91425" tIns="45700" rIns="91425" bIns="45700" anchor="ctr" anchorCtr="0">
             <a:noAutofit/>
           </a:bodyPr>
           <a:lstStyle>
@@ -8447,15 +8591,19 @@
               <a:defRPr/>
             </a:lvl9pPr>
           </a:lstStyle>
-          <a:p/>
+          <a:p>
+            <a:endParaRPr/>
+          </a:p>
         </p:txBody>
       </p:sp>
       <p:sp>
         <p:nvSpPr>
           <p:cNvPr id="59" name="Google Shape;59;p9"/>
-          <p:cNvSpPr txBox="1"/>
+          <p:cNvSpPr txBox="1">
+            <a:spLocks noGrp="1"/>
+          </p:cNvSpPr>
           <p:nvPr>
-            <p:ph idx="11" type="ftr"/>
+            <p:ph type="ftr" idx="11"/>
           </p:nvPr>
         </p:nvSpPr>
         <p:spPr>
@@ -8472,7 +8620,7 @@
           </a:ln>
         </p:spPr>
         <p:txBody>
-          <a:bodyPr anchorCtr="0" anchor="ctr" bIns="45700" lIns="91425" spcFirstLastPara="1" rIns="91425" wrap="square" tIns="45700">
+          <a:bodyPr spcFirstLastPara="1" wrap="square" lIns="91425" tIns="45700" rIns="91425" bIns="45700" anchor="ctr" anchorCtr="0">
             <a:noAutofit/>
           </a:bodyPr>
           <a:lstStyle>
@@ -8576,15 +8724,19 @@
               <a:defRPr/>
             </a:lvl9pPr>
           </a:lstStyle>
-          <a:p/>
+          <a:p>
+            <a:endParaRPr/>
+          </a:p>
         </p:txBody>
       </p:sp>
       <p:sp>
         <p:nvSpPr>
           <p:cNvPr id="60" name="Google Shape;60;p9"/>
-          <p:cNvSpPr txBox="1"/>
+          <p:cNvSpPr txBox="1">
+            <a:spLocks noGrp="1"/>
+          </p:cNvSpPr>
           <p:nvPr>
-            <p:ph idx="12" type="sldNum"/>
+            <p:ph type="sldNum" idx="12"/>
           </p:nvPr>
         </p:nvSpPr>
         <p:spPr>
@@ -8601,67 +8753,67 @@
           </a:ln>
         </p:spPr>
         <p:txBody>
-          <a:bodyPr anchorCtr="0" anchor="ctr" bIns="45700" lIns="91425" spcFirstLastPara="1" rIns="91425" wrap="square" tIns="45700">
+          <a:bodyPr spcFirstLastPara="1" wrap="square" lIns="91425" tIns="45700" rIns="91425" bIns="45700" anchor="ctr" anchorCtr="0">
             <a:noAutofit/>
           </a:bodyPr>
           <a:lstStyle>
-            <a:lvl1pPr indent="0" lvl="0" marL="0" algn="r">
+            <a:lvl1pPr marL="0" lvl="0" indent="0" algn="r">
               <a:spcBef>
                 <a:spcPts val="0"/>
               </a:spcBef>
               <a:buNone/>
               <a:defRPr/>
             </a:lvl1pPr>
-            <a:lvl2pPr indent="0" lvl="1" marL="0" algn="r">
+            <a:lvl2pPr marL="0" lvl="1" indent="0" algn="r">
               <a:spcBef>
                 <a:spcPts val="0"/>
               </a:spcBef>
               <a:buNone/>
               <a:defRPr/>
             </a:lvl2pPr>
-            <a:lvl3pPr indent="0" lvl="2" marL="0" algn="r">
+            <a:lvl3pPr marL="0" lvl="2" indent="0" algn="r">
               <a:spcBef>
                 <a:spcPts val="0"/>
               </a:spcBef>
               <a:buNone/>
               <a:defRPr/>
             </a:lvl3pPr>
-            <a:lvl4pPr indent="0" lvl="3" marL="0" algn="r">
+            <a:lvl4pPr marL="0" lvl="3" indent="0" algn="r">
               <a:spcBef>
                 <a:spcPts val="0"/>
               </a:spcBef>
               <a:buNone/>
               <a:defRPr/>
             </a:lvl4pPr>
-            <a:lvl5pPr indent="0" lvl="4" marL="0" algn="r">
+            <a:lvl5pPr marL="0" lvl="4" indent="0" algn="r">
               <a:spcBef>
                 <a:spcPts val="0"/>
               </a:spcBef>
               <a:buNone/>
               <a:defRPr/>
             </a:lvl5pPr>
-            <a:lvl6pPr indent="0" lvl="5" marL="0" algn="r">
+            <a:lvl6pPr marL="0" lvl="5" indent="0" algn="r">
               <a:spcBef>
                 <a:spcPts val="0"/>
               </a:spcBef>
               <a:buNone/>
               <a:defRPr/>
             </a:lvl6pPr>
-            <a:lvl7pPr indent="0" lvl="6" marL="0" algn="r">
+            <a:lvl7pPr marL="0" lvl="6" indent="0" algn="r">
               <a:spcBef>
                 <a:spcPts val="0"/>
               </a:spcBef>
               <a:buNone/>
               <a:defRPr/>
             </a:lvl7pPr>
-            <a:lvl8pPr indent="0" lvl="7" marL="0" algn="r">
+            <a:lvl8pPr marL="0" lvl="7" indent="0" algn="r">
               <a:spcBef>
                 <a:spcPts val="0"/>
               </a:spcBef>
               <a:buNone/>
               <a:defRPr/>
             </a:lvl8pPr>
-            <a:lvl9pPr indent="0" lvl="8" marL="0" algn="r">
+            <a:lvl9pPr marL="0" lvl="8" indent="0" algn="r">
               <a:spcBef>
                 <a:spcPts val="0"/>
               </a:spcBef>
@@ -8670,7 +8822,7 @@
             </a:lvl9pPr>
           </a:lstStyle>
           <a:p>
-            <a:pPr indent="0" lvl="0" marL="0" rtl="0" algn="r">
+            <a:pPr marL="0" lvl="0" indent="0" algn="r" rtl="0">
               <a:spcBef>
                 <a:spcPts val="0"/>
               </a:spcBef>
@@ -8696,11 +8848,11 @@
 </file>
 
 <file path=ppt/slideLayouts/slideLayout9.xml><?xml version="1.0" encoding="utf-8"?>
-<p:sldLayout xmlns:a="http://schemas.openxmlformats.org/drawingml/2006/main" xmlns:r="http://schemas.openxmlformats.org/officeDocument/2006/relationships" xmlns:mc="http://schemas.openxmlformats.org/markup-compatibility/2006" xmlns:mv="urn:schemas-microsoft-com:mac:vml" xmlns:p="http://schemas.openxmlformats.org/presentationml/2006/main" xmlns:c="http://schemas.openxmlformats.org/drawingml/2006/chart" xmlns:dgm="http://schemas.openxmlformats.org/drawingml/2006/diagram" xmlns:o="urn:schemas-microsoft-com:office:office" xmlns:v="urn:schemas-microsoft-com:vml" xmlns:pvml="urn:schemas-microsoft-com:office:powerpoint" xmlns:com="http://schemas.openxmlformats.org/drawingml/2006/compatibility" xmlns:p14="http://schemas.microsoft.com/office/powerpoint/2010/main" xmlns:p15="http://schemas.microsoft.com/office/powerpoint/2012/main" xmlns:ahyp="http://schemas.microsoft.com/office/drawing/2018/hyperlinkcolor" matchingName="Picture with Caption" type="picTx">
+<p:sldLayout xmlns:a="http://schemas.openxmlformats.org/drawingml/2006/main" xmlns:r="http://schemas.openxmlformats.org/officeDocument/2006/relationships" xmlns:p="http://schemas.openxmlformats.org/presentationml/2006/main" matchingName="Picture with Caption" type="picTx">
   <p:cSld name="PICTURE_WITH_CAPTION_TEXT">
     <p:spTree>
       <p:nvGrpSpPr>
-        <p:cNvPr id="61" name="Shape 61"/>
+        <p:cNvPr id="1" name="Shape 61"/>
         <p:cNvGrpSpPr/>
         <p:nvPr/>
       </p:nvGrpSpPr>
@@ -8715,7 +8867,9 @@
       <p:sp>
         <p:nvSpPr>
           <p:cNvPr id="62" name="Google Shape;62;p10"/>
-          <p:cNvSpPr txBox="1"/>
+          <p:cNvSpPr txBox="1">
+            <a:spLocks noGrp="1"/>
+          </p:cNvSpPr>
           <p:nvPr>
             <p:ph type="title"/>
           </p:nvPr>
@@ -8734,7 +8888,7 @@
           </a:ln>
         </p:spPr>
         <p:txBody>
-          <a:bodyPr anchorCtr="0" anchor="b" bIns="45700" lIns="91425" spcFirstLastPara="1" rIns="91425" wrap="square" tIns="45700">
+          <a:bodyPr spcFirstLastPara="1" wrap="square" lIns="91425" tIns="45700" rIns="91425" bIns="45700" anchor="b" anchorCtr="0">
             <a:normAutofit/>
           </a:bodyPr>
           <a:lstStyle>
@@ -8751,7 +8905,7 @@
               <a:buSzPts val="2000"/>
               <a:buFont typeface="Calibri"/>
               <a:buNone/>
-              <a:defRPr b="1" sz="2000"/>
+              <a:defRPr sz="2000" b="1"/>
             </a:lvl1pPr>
             <a:lvl2pPr lvl="1">
               <a:spcBef>
@@ -8842,15 +8996,19 @@
               <a:defRPr/>
             </a:lvl9pPr>
           </a:lstStyle>
-          <a:p/>
+          <a:p>
+            <a:endParaRPr/>
+          </a:p>
         </p:txBody>
       </p:sp>
       <p:sp>
         <p:nvSpPr>
           <p:cNvPr id="63" name="Google Shape;63;p10"/>
-          <p:cNvSpPr/>
+          <p:cNvSpPr>
+            <a:spLocks noGrp="1"/>
+          </p:cNvSpPr>
           <p:nvPr>
-            <p:ph idx="2" type="pic"/>
+            <p:ph type="pic" idx="2"/>
           </p:nvPr>
         </p:nvSpPr>
         <p:spPr>
@@ -8870,9 +9028,11 @@
       <p:sp>
         <p:nvSpPr>
           <p:cNvPr id="64" name="Google Shape;64;p10"/>
-          <p:cNvSpPr txBox="1"/>
+          <p:cNvSpPr txBox="1">
+            <a:spLocks noGrp="1"/>
+          </p:cNvSpPr>
           <p:nvPr>
-            <p:ph idx="1" type="body"/>
+            <p:ph type="body" idx="1"/>
           </p:nvPr>
         </p:nvSpPr>
         <p:spPr>
@@ -8889,11 +9049,11 @@
           </a:ln>
         </p:spPr>
         <p:txBody>
-          <a:bodyPr anchorCtr="0" anchor="t" bIns="45700" lIns="91425" spcFirstLastPara="1" rIns="91425" wrap="square" tIns="45700">
+          <a:bodyPr spcFirstLastPara="1" wrap="square" lIns="91425" tIns="45700" rIns="91425" bIns="45700" anchor="t" anchorCtr="0">
             <a:normAutofit/>
           </a:bodyPr>
           <a:lstStyle>
-            <a:lvl1pPr indent="-228600" lvl="0" marL="457200" algn="l">
+            <a:lvl1pPr marL="457200" lvl="0" indent="-228600" algn="l">
               <a:spcBef>
                 <a:spcPts val="280"/>
               </a:spcBef>
@@ -8907,7 +9067,7 @@
               <a:buNone/>
               <a:defRPr sz="1400"/>
             </a:lvl1pPr>
-            <a:lvl2pPr indent="-228600" lvl="1" marL="914400" algn="l">
+            <a:lvl2pPr marL="914400" lvl="1" indent="-228600" algn="l">
               <a:spcBef>
                 <a:spcPts val="240"/>
               </a:spcBef>
@@ -8921,7 +9081,7 @@
               <a:buNone/>
               <a:defRPr sz="1200"/>
             </a:lvl2pPr>
-            <a:lvl3pPr indent="-228600" lvl="2" marL="1371600" algn="l">
+            <a:lvl3pPr marL="1371600" lvl="2" indent="-228600" algn="l">
               <a:spcBef>
                 <a:spcPts val="200"/>
               </a:spcBef>
@@ -8935,7 +9095,7 @@
               <a:buNone/>
               <a:defRPr sz="1000"/>
             </a:lvl3pPr>
-            <a:lvl4pPr indent="-228600" lvl="3" marL="1828800" algn="l">
+            <a:lvl4pPr marL="1828800" lvl="3" indent="-228600" algn="l">
               <a:spcBef>
                 <a:spcPts val="180"/>
               </a:spcBef>
@@ -8949,7 +9109,7 @@
               <a:buNone/>
               <a:defRPr sz="900"/>
             </a:lvl4pPr>
-            <a:lvl5pPr indent="-228600" lvl="4" marL="2286000" algn="l">
+            <a:lvl5pPr marL="2286000" lvl="4" indent="-228600" algn="l">
               <a:spcBef>
                 <a:spcPts val="180"/>
               </a:spcBef>
@@ -8963,7 +9123,7 @@
               <a:buNone/>
               <a:defRPr sz="900"/>
             </a:lvl5pPr>
-            <a:lvl6pPr indent="-228600" lvl="5" marL="2743200" algn="l">
+            <a:lvl6pPr marL="2743200" lvl="5" indent="-228600" algn="l">
               <a:spcBef>
                 <a:spcPts val="180"/>
               </a:spcBef>
@@ -8977,7 +9137,7 @@
               <a:buNone/>
               <a:defRPr sz="900"/>
             </a:lvl6pPr>
-            <a:lvl7pPr indent="-228600" lvl="6" marL="3200400" algn="l">
+            <a:lvl7pPr marL="3200400" lvl="6" indent="-228600" algn="l">
               <a:spcBef>
                 <a:spcPts val="180"/>
               </a:spcBef>
@@ -8991,7 +9151,7 @@
               <a:buNone/>
               <a:defRPr sz="900"/>
             </a:lvl7pPr>
-            <a:lvl8pPr indent="-228600" lvl="7" marL="3657600" algn="l">
+            <a:lvl8pPr marL="3657600" lvl="7" indent="-228600" algn="l">
               <a:spcBef>
                 <a:spcPts val="180"/>
               </a:spcBef>
@@ -9005,7 +9165,7 @@
               <a:buNone/>
               <a:defRPr sz="900"/>
             </a:lvl8pPr>
-            <a:lvl9pPr indent="-228600" lvl="8" marL="4114800" algn="l">
+            <a:lvl9pPr marL="4114800" lvl="8" indent="-228600" algn="l">
               <a:spcBef>
                 <a:spcPts val="180"/>
               </a:spcBef>
@@ -9020,15 +9180,19 @@
               <a:defRPr sz="900"/>
             </a:lvl9pPr>
           </a:lstStyle>
-          <a:p/>
+          <a:p>
+            <a:endParaRPr/>
+          </a:p>
         </p:txBody>
       </p:sp>
       <p:sp>
         <p:nvSpPr>
           <p:cNvPr id="65" name="Google Shape;65;p10"/>
-          <p:cNvSpPr txBox="1"/>
+          <p:cNvSpPr txBox="1">
+            <a:spLocks noGrp="1"/>
+          </p:cNvSpPr>
           <p:nvPr>
-            <p:ph idx="10" type="dt"/>
+            <p:ph type="dt" idx="10"/>
           </p:nvPr>
         </p:nvSpPr>
         <p:spPr>
@@ -9045,7 +9209,7 @@
           </a:ln>
         </p:spPr>
         <p:txBody>
-          <a:bodyPr anchorCtr="0" anchor="ctr" bIns="45700" lIns="91425" spcFirstLastPara="1" rIns="91425" wrap="square" tIns="45700">
+          <a:bodyPr spcFirstLastPara="1" wrap="square" lIns="91425" tIns="45700" rIns="91425" bIns="45700" anchor="ctr" anchorCtr="0">
             <a:noAutofit/>
           </a:bodyPr>
           <a:lstStyle>
@@ -9149,15 +9313,19 @@
               <a:defRPr/>
             </a:lvl9pPr>
           </a:lstStyle>
-          <a:p/>
+          <a:p>
+            <a:endParaRPr/>
+          </a:p>
         </p:txBody>
       </p:sp>
       <p:sp>
         <p:nvSpPr>
           <p:cNvPr id="66" name="Google Shape;66;p10"/>
-          <p:cNvSpPr txBox="1"/>
+          <p:cNvSpPr txBox="1">
+            <a:spLocks noGrp="1"/>
+          </p:cNvSpPr>
           <p:nvPr>
-            <p:ph idx="11" type="ftr"/>
+            <p:ph type="ftr" idx="11"/>
           </p:nvPr>
         </p:nvSpPr>
         <p:spPr>
@@ -9174,7 +9342,7 @@
           </a:ln>
         </p:spPr>
         <p:txBody>
-          <a:bodyPr anchorCtr="0" anchor="ctr" bIns="45700" lIns="91425" spcFirstLastPara="1" rIns="91425" wrap="square" tIns="45700">
+          <a:bodyPr spcFirstLastPara="1" wrap="square" lIns="91425" tIns="45700" rIns="91425" bIns="45700" anchor="ctr" anchorCtr="0">
             <a:noAutofit/>
           </a:bodyPr>
           <a:lstStyle>
@@ -9278,15 +9446,19 @@
               <a:defRPr/>
             </a:lvl9pPr>
           </a:lstStyle>
-          <a:p/>
+          <a:p>
+            <a:endParaRPr/>
+          </a:p>
         </p:txBody>
       </p:sp>
       <p:sp>
         <p:nvSpPr>
           <p:cNvPr id="67" name="Google Shape;67;p10"/>
-          <p:cNvSpPr txBox="1"/>
+          <p:cNvSpPr txBox="1">
+            <a:spLocks noGrp="1"/>
+          </p:cNvSpPr>
           <p:nvPr>
-            <p:ph idx="12" type="sldNum"/>
+            <p:ph type="sldNum" idx="12"/>
           </p:nvPr>
         </p:nvSpPr>
         <p:spPr>
@@ -9303,67 +9475,67 @@
           </a:ln>
         </p:spPr>
         <p:txBody>
-          <a:bodyPr anchorCtr="0" anchor="ctr" bIns="45700" lIns="91425" spcFirstLastPara="1" rIns="91425" wrap="square" tIns="45700">
+          <a:bodyPr spcFirstLastPara="1" wrap="square" lIns="91425" tIns="45700" rIns="91425" bIns="45700" anchor="ctr" anchorCtr="0">
             <a:noAutofit/>
           </a:bodyPr>
           <a:lstStyle>
-            <a:lvl1pPr indent="0" lvl="0" marL="0" algn="r">
+            <a:lvl1pPr marL="0" lvl="0" indent="0" algn="r">
               <a:spcBef>
                 <a:spcPts val="0"/>
               </a:spcBef>
               <a:buNone/>
               <a:defRPr/>
             </a:lvl1pPr>
-            <a:lvl2pPr indent="0" lvl="1" marL="0" algn="r">
+            <a:lvl2pPr marL="0" lvl="1" indent="0" algn="r">
               <a:spcBef>
                 <a:spcPts val="0"/>
               </a:spcBef>
               <a:buNone/>
               <a:defRPr/>
             </a:lvl2pPr>
-            <a:lvl3pPr indent="0" lvl="2" marL="0" algn="r">
+            <a:lvl3pPr marL="0" lvl="2" indent="0" algn="r">
               <a:spcBef>
                 <a:spcPts val="0"/>
               </a:spcBef>
               <a:buNone/>
               <a:defRPr/>
             </a:lvl3pPr>
-            <a:lvl4pPr indent="0" lvl="3" marL="0" algn="r">
+            <a:lvl4pPr marL="0" lvl="3" indent="0" algn="r">
               <a:spcBef>
                 <a:spcPts val="0"/>
               </a:spcBef>
               <a:buNone/>
               <a:defRPr/>
             </a:lvl4pPr>
-            <a:lvl5pPr indent="0" lvl="4" marL="0" algn="r">
+            <a:lvl5pPr marL="0" lvl="4" indent="0" algn="r">
               <a:spcBef>
                 <a:spcPts val="0"/>
               </a:spcBef>
               <a:buNone/>
               <a:defRPr/>
             </a:lvl5pPr>
-            <a:lvl6pPr indent="0" lvl="5" marL="0" algn="r">
+            <a:lvl6pPr marL="0" lvl="5" indent="0" algn="r">
               <a:spcBef>
                 <a:spcPts val="0"/>
               </a:spcBef>
               <a:buNone/>
               <a:defRPr/>
             </a:lvl6pPr>
-            <a:lvl7pPr indent="0" lvl="6" marL="0" algn="r">
+            <a:lvl7pPr marL="0" lvl="6" indent="0" algn="r">
               <a:spcBef>
                 <a:spcPts val="0"/>
               </a:spcBef>
               <a:buNone/>
               <a:defRPr/>
             </a:lvl7pPr>
-            <a:lvl8pPr indent="0" lvl="7" marL="0" algn="r">
+            <a:lvl8pPr marL="0" lvl="7" indent="0" algn="r">
               <a:spcBef>
                 <a:spcPts val="0"/>
               </a:spcBef>
               <a:buNone/>
               <a:defRPr/>
             </a:lvl8pPr>
-            <a:lvl9pPr indent="0" lvl="8" marL="0" algn="r">
+            <a:lvl9pPr marL="0" lvl="8" indent="0" algn="r">
               <a:spcBef>
                 <a:spcPts val="0"/>
               </a:spcBef>
@@ -9372,7 +9544,7 @@
             </a:lvl9pPr>
           </a:lstStyle>
           <a:p>
-            <a:pPr indent="0" lvl="0" marL="0" rtl="0" algn="r">
+            <a:pPr marL="0" lvl="0" indent="0" algn="r" rtl="0">
               <a:spcBef>
                 <a:spcPts val="0"/>
               </a:spcBef>
@@ -9398,18 +9570,19 @@
 </file>
 
 <file path=ppt/slideMasters/slideMaster1.xml><?xml version="1.0" encoding="utf-8"?>
-<p:sldMaster xmlns:a="http://schemas.openxmlformats.org/drawingml/2006/main" xmlns:r="http://schemas.openxmlformats.org/officeDocument/2006/relationships" xmlns:mc="http://schemas.openxmlformats.org/markup-compatibility/2006" xmlns:mv="urn:schemas-microsoft-com:mac:vml" xmlns:p="http://schemas.openxmlformats.org/presentationml/2006/main" xmlns:c="http://schemas.openxmlformats.org/drawingml/2006/chart" xmlns:dgm="http://schemas.openxmlformats.org/drawingml/2006/diagram" xmlns:o="urn:schemas-microsoft-com:office:office" xmlns:v="urn:schemas-microsoft-com:vml" xmlns:pvml="urn:schemas-microsoft-com:office:powerpoint" xmlns:com="http://schemas.openxmlformats.org/drawingml/2006/compatibility" xmlns:p14="http://schemas.microsoft.com/office/powerpoint/2010/main" xmlns:p15="http://schemas.microsoft.com/office/powerpoint/2012/main" xmlns:ahyp="http://schemas.microsoft.com/office/drawing/2018/hyperlinkcolor">
+<p:sldMaster xmlns:a="http://schemas.openxmlformats.org/drawingml/2006/main" xmlns:r="http://schemas.openxmlformats.org/officeDocument/2006/relationships" xmlns:p="http://schemas.openxmlformats.org/presentationml/2006/main">
   <p:cSld>
     <p:bg>
       <p:bgPr>
         <a:solidFill>
           <a:schemeClr val="lt1"/>
         </a:solidFill>
+        <a:effectLst/>
       </p:bgPr>
     </p:bg>
     <p:spTree>
       <p:nvGrpSpPr>
-        <p:cNvPr id="5" name="Shape 5"/>
+        <p:cNvPr id="1" name="Shape 5"/>
         <p:cNvGrpSpPr/>
         <p:nvPr/>
       </p:nvGrpSpPr>
@@ -9424,7 +9597,9 @@
       <p:sp>
         <p:nvSpPr>
           <p:cNvPr id="6" name="Google Shape;6;p1"/>
-          <p:cNvSpPr txBox="1"/>
+          <p:cNvSpPr txBox="1">
+            <a:spLocks noGrp="1"/>
+          </p:cNvSpPr>
           <p:nvPr>
             <p:ph type="title"/>
           </p:nvPr>
@@ -9443,11 +9618,11 @@
           </a:ln>
         </p:spPr>
         <p:txBody>
-          <a:bodyPr anchorCtr="0" anchor="ctr" bIns="45700" lIns="91425" spcFirstLastPara="1" rIns="91425" wrap="square" tIns="45700">
+          <a:bodyPr spcFirstLastPara="1" wrap="square" lIns="91425" tIns="45700" rIns="91425" bIns="45700" anchor="ctr" anchorCtr="0">
             <a:normAutofit/>
           </a:bodyPr>
           <a:lstStyle>
-            <a:lvl1pPr lvl="0" marR="0" rtl="0" algn="ctr">
+            <a:lvl1pPr marR="0" lvl="0" algn="ctr" rtl="0">
               <a:spcBef>
                 <a:spcPts val="0"/>
               </a:spcBef>
@@ -9460,7 +9635,7 @@
               <a:buSzPts val="4400"/>
               <a:buFont typeface="Calibri"/>
               <a:buNone/>
-              <a:defRPr b="0" i="0" sz="4400" u="none" cap="none" strike="noStrike">
+              <a:defRPr sz="4400" b="0" i="0" u="none" strike="noStrike" cap="none">
                 <a:solidFill>
                   <a:schemeClr val="dk1"/>
                 </a:solidFill>
@@ -9559,15 +9734,19 @@
               <a:defRPr sz="1800"/>
             </a:lvl9pPr>
           </a:lstStyle>
-          <a:p/>
+          <a:p>
+            <a:endParaRPr/>
+          </a:p>
         </p:txBody>
       </p:sp>
       <p:sp>
         <p:nvSpPr>
           <p:cNvPr id="7" name="Google Shape;7;p1"/>
-          <p:cNvSpPr txBox="1"/>
+          <p:cNvSpPr txBox="1">
+            <a:spLocks noGrp="1"/>
+          </p:cNvSpPr>
           <p:nvPr>
-            <p:ph idx="1" type="body"/>
+            <p:ph type="body" idx="1"/>
           </p:nvPr>
         </p:nvSpPr>
         <p:spPr>
@@ -9584,11 +9763,11 @@
           </a:ln>
         </p:spPr>
         <p:txBody>
-          <a:bodyPr anchorCtr="0" anchor="t" bIns="45700" lIns="91425" spcFirstLastPara="1" rIns="91425" wrap="square" tIns="45700">
+          <a:bodyPr spcFirstLastPara="1" wrap="square" lIns="91425" tIns="45700" rIns="91425" bIns="45700" anchor="t" anchorCtr="0">
             <a:normAutofit/>
           </a:bodyPr>
           <a:lstStyle>
-            <a:lvl1pPr indent="-431800" lvl="0" marL="457200" marR="0" rtl="0" algn="l">
+            <a:lvl1pPr marL="457200" marR="0" lvl="0" indent="-431800" algn="l" rtl="0">
               <a:spcBef>
                 <a:spcPts val="640"/>
               </a:spcBef>
@@ -9601,7 +9780,7 @@
               <a:buSzPts val="3200"/>
               <a:buFont typeface="Arial"/>
               <a:buChar char="•"/>
-              <a:defRPr b="0" i="0" sz="3200" u="none" cap="none" strike="noStrike">
+              <a:defRPr sz="3200" b="0" i="0" u="none" strike="noStrike" cap="none">
                 <a:solidFill>
                   <a:schemeClr val="dk1"/>
                 </a:solidFill>
@@ -9611,7 +9790,7 @@
                 <a:sym typeface="Calibri"/>
               </a:defRPr>
             </a:lvl1pPr>
-            <a:lvl2pPr indent="-406400" lvl="1" marL="914400" marR="0" rtl="0" algn="l">
+            <a:lvl2pPr marL="914400" marR="0" lvl="1" indent="-406400" algn="l" rtl="0">
               <a:spcBef>
                 <a:spcPts val="560"/>
               </a:spcBef>
@@ -9624,7 +9803,7 @@
               <a:buSzPts val="2800"/>
               <a:buFont typeface="Arial"/>
               <a:buChar char="–"/>
-              <a:defRPr b="0" i="0" sz="2800" u="none" cap="none" strike="noStrike">
+              <a:defRPr sz="2800" b="0" i="0" u="none" strike="noStrike" cap="none">
                 <a:solidFill>
                   <a:schemeClr val="dk1"/>
                 </a:solidFill>
@@ -9634,7 +9813,7 @@
                 <a:sym typeface="Calibri"/>
               </a:defRPr>
             </a:lvl2pPr>
-            <a:lvl3pPr indent="-381000" lvl="2" marL="1371600" marR="0" rtl="0" algn="l">
+            <a:lvl3pPr marL="1371600" marR="0" lvl="2" indent="-381000" algn="l" rtl="0">
               <a:spcBef>
                 <a:spcPts val="480"/>
               </a:spcBef>
@@ -9647,7 +9826,7 @@
               <a:buSzPts val="2400"/>
               <a:buFont typeface="Arial"/>
               <a:buChar char="•"/>
-              <a:defRPr b="0" i="0" sz="2400" u="none" cap="none" strike="noStrike">
+              <a:defRPr sz="2400" b="0" i="0" u="none" strike="noStrike" cap="none">
                 <a:solidFill>
                   <a:schemeClr val="dk1"/>
                 </a:solidFill>
@@ -9657,7 +9836,7 @@
                 <a:sym typeface="Calibri"/>
               </a:defRPr>
             </a:lvl3pPr>
-            <a:lvl4pPr indent="-355600" lvl="3" marL="1828800" marR="0" rtl="0" algn="l">
+            <a:lvl4pPr marL="1828800" marR="0" lvl="3" indent="-355600" algn="l" rtl="0">
               <a:spcBef>
                 <a:spcPts val="400"/>
               </a:spcBef>
@@ -9670,7 +9849,7 @@
               <a:buSzPts val="2000"/>
               <a:buFont typeface="Arial"/>
               <a:buChar char="–"/>
-              <a:defRPr b="0" i="0" sz="2000" u="none" cap="none" strike="noStrike">
+              <a:defRPr sz="2000" b="0" i="0" u="none" strike="noStrike" cap="none">
                 <a:solidFill>
                   <a:schemeClr val="dk1"/>
                 </a:solidFill>
@@ -9680,7 +9859,7 @@
                 <a:sym typeface="Calibri"/>
               </a:defRPr>
             </a:lvl4pPr>
-            <a:lvl5pPr indent="-355600" lvl="4" marL="2286000" marR="0" rtl="0" algn="l">
+            <a:lvl5pPr marL="2286000" marR="0" lvl="4" indent="-355600" algn="l" rtl="0">
               <a:spcBef>
                 <a:spcPts val="400"/>
               </a:spcBef>
@@ -9693,7 +9872,7 @@
               <a:buSzPts val="2000"/>
               <a:buFont typeface="Arial"/>
               <a:buChar char="»"/>
-              <a:defRPr b="0" i="0" sz="2000" u="none" cap="none" strike="noStrike">
+              <a:defRPr sz="2000" b="0" i="0" u="none" strike="noStrike" cap="none">
                 <a:solidFill>
                   <a:schemeClr val="dk1"/>
                 </a:solidFill>
@@ -9703,7 +9882,7 @@
                 <a:sym typeface="Calibri"/>
               </a:defRPr>
             </a:lvl5pPr>
-            <a:lvl6pPr indent="-355600" lvl="5" marL="2743200" marR="0" rtl="0" algn="l">
+            <a:lvl6pPr marL="2743200" marR="0" lvl="5" indent="-355600" algn="l" rtl="0">
               <a:spcBef>
                 <a:spcPts val="400"/>
               </a:spcBef>
@@ -9716,7 +9895,7 @@
               <a:buSzPts val="2000"/>
               <a:buFont typeface="Arial"/>
               <a:buChar char="•"/>
-              <a:defRPr b="0" i="0" sz="2000" u="none" cap="none" strike="noStrike">
+              <a:defRPr sz="2000" b="0" i="0" u="none" strike="noStrike" cap="none">
                 <a:solidFill>
                   <a:schemeClr val="dk1"/>
                 </a:solidFill>
@@ -9726,7 +9905,7 @@
                 <a:sym typeface="Calibri"/>
               </a:defRPr>
             </a:lvl6pPr>
-            <a:lvl7pPr indent="-355600" lvl="6" marL="3200400" marR="0" rtl="0" algn="l">
+            <a:lvl7pPr marL="3200400" marR="0" lvl="6" indent="-355600" algn="l" rtl="0">
               <a:spcBef>
                 <a:spcPts val="400"/>
               </a:spcBef>
@@ -9739,7 +9918,7 @@
               <a:buSzPts val="2000"/>
               <a:buFont typeface="Arial"/>
               <a:buChar char="•"/>
-              <a:defRPr b="0" i="0" sz="2000" u="none" cap="none" strike="noStrike">
+              <a:defRPr sz="2000" b="0" i="0" u="none" strike="noStrike" cap="none">
                 <a:solidFill>
                   <a:schemeClr val="dk1"/>
                 </a:solidFill>
@@ -9749,7 +9928,7 @@
                 <a:sym typeface="Calibri"/>
               </a:defRPr>
             </a:lvl7pPr>
-            <a:lvl8pPr indent="-355600" lvl="7" marL="3657600" marR="0" rtl="0" algn="l">
+            <a:lvl8pPr marL="3657600" marR="0" lvl="7" indent="-355600" algn="l" rtl="0">
               <a:spcBef>
                 <a:spcPts val="400"/>
               </a:spcBef>
@@ -9762,7 +9941,7 @@
               <a:buSzPts val="2000"/>
               <a:buFont typeface="Arial"/>
               <a:buChar char="•"/>
-              <a:defRPr b="0" i="0" sz="2000" u="none" cap="none" strike="noStrike">
+              <a:defRPr sz="2000" b="0" i="0" u="none" strike="noStrike" cap="none">
                 <a:solidFill>
                   <a:schemeClr val="dk1"/>
                 </a:solidFill>
@@ -9772,7 +9951,7 @@
                 <a:sym typeface="Calibri"/>
               </a:defRPr>
             </a:lvl8pPr>
-            <a:lvl9pPr indent="-355600" lvl="8" marL="4114800" marR="0" rtl="0" algn="l">
+            <a:lvl9pPr marL="4114800" marR="0" lvl="8" indent="-355600" algn="l" rtl="0">
               <a:spcBef>
                 <a:spcPts val="400"/>
               </a:spcBef>
@@ -9785,7 +9964,7 @@
               <a:buSzPts val="2000"/>
               <a:buFont typeface="Arial"/>
               <a:buChar char="•"/>
-              <a:defRPr b="0" i="0" sz="2000" u="none" cap="none" strike="noStrike">
+              <a:defRPr sz="2000" b="0" i="0" u="none" strike="noStrike" cap="none">
                 <a:solidFill>
                   <a:schemeClr val="dk1"/>
                 </a:solidFill>
@@ -9796,15 +9975,19 @@
               </a:defRPr>
             </a:lvl9pPr>
           </a:lstStyle>
-          <a:p/>
+          <a:p>
+            <a:endParaRPr/>
+          </a:p>
         </p:txBody>
       </p:sp>
       <p:sp>
         <p:nvSpPr>
           <p:cNvPr id="8" name="Google Shape;8;p1"/>
-          <p:cNvSpPr txBox="1"/>
+          <p:cNvSpPr txBox="1">
+            <a:spLocks noGrp="1"/>
+          </p:cNvSpPr>
           <p:nvPr>
-            <p:ph idx="10" type="dt"/>
+            <p:ph type="dt" idx="10"/>
           </p:nvPr>
         </p:nvSpPr>
         <p:spPr>
@@ -9821,20 +10004,20 @@
           </a:ln>
         </p:spPr>
         <p:txBody>
-          <a:bodyPr anchorCtr="0" anchor="ctr" bIns="45700" lIns="91425" spcFirstLastPara="1" rIns="91425" wrap="square" tIns="45700">
+          <a:bodyPr spcFirstLastPara="1" wrap="square" lIns="91425" tIns="45700" rIns="91425" bIns="45700" anchor="ctr" anchorCtr="0">
             <a:noAutofit/>
           </a:bodyPr>
           <a:lstStyle>
-            <a:lvl1pPr lvl="0" marR="0" rtl="0" algn="l">
-              <a:spcBef>
-                <a:spcPts val="0"/>
-              </a:spcBef>
-              <a:spcAft>
-                <a:spcPts val="0"/>
-              </a:spcAft>
-              <a:buSzPts val="1400"/>
-              <a:buNone/>
-              <a:defRPr b="0" i="0" sz="1200" u="none" cap="none" strike="noStrike">
+            <a:lvl1pPr marR="0" lvl="0" algn="l" rtl="0">
+              <a:spcBef>
+                <a:spcPts val="0"/>
+              </a:spcBef>
+              <a:spcAft>
+                <a:spcPts val="0"/>
+              </a:spcAft>
+              <a:buSzPts val="1400"/>
+              <a:buNone/>
+              <a:defRPr sz="1200" b="0" i="0" u="none" strike="noStrike" cap="none">
                 <a:solidFill>
                   <a:srgbClr val="888888"/>
                 </a:solidFill>
@@ -9844,16 +10027,16 @@
                 <a:sym typeface="Calibri"/>
               </a:defRPr>
             </a:lvl1pPr>
-            <a:lvl2pPr lvl="1" marR="0" rtl="0" algn="l">
-              <a:spcBef>
-                <a:spcPts val="0"/>
-              </a:spcBef>
-              <a:spcAft>
-                <a:spcPts val="0"/>
-              </a:spcAft>
-              <a:buSzPts val="1400"/>
-              <a:buNone/>
-              <a:defRPr b="0" i="0" sz="1800" u="none" cap="none" strike="noStrike">
+            <a:lvl2pPr marR="0" lvl="1" algn="l" rtl="0">
+              <a:spcBef>
+                <a:spcPts val="0"/>
+              </a:spcBef>
+              <a:spcAft>
+                <a:spcPts val="0"/>
+              </a:spcAft>
+              <a:buSzPts val="1400"/>
+              <a:buNone/>
+              <a:defRPr sz="1800" b="0" i="0" u="none" strike="noStrike" cap="none">
                 <a:solidFill>
                   <a:schemeClr val="dk1"/>
                 </a:solidFill>
@@ -9863,16 +10046,16 @@
                 <a:sym typeface="Calibri"/>
               </a:defRPr>
             </a:lvl2pPr>
-            <a:lvl3pPr lvl="2" marR="0" rtl="0" algn="l">
-              <a:spcBef>
-                <a:spcPts val="0"/>
-              </a:spcBef>
-              <a:spcAft>
-                <a:spcPts val="0"/>
-              </a:spcAft>
-              <a:buSzPts val="1400"/>
-              <a:buNone/>
-              <a:defRPr b="0" i="0" sz="1800" u="none" cap="none" strike="noStrike">
+            <a:lvl3pPr marR="0" lvl="2" algn="l" rtl="0">
+              <a:spcBef>
+                <a:spcPts val="0"/>
+              </a:spcBef>
+              <a:spcAft>
+                <a:spcPts val="0"/>
+              </a:spcAft>
+              <a:buSzPts val="1400"/>
+              <a:buNone/>
+              <a:defRPr sz="1800" b="0" i="0" u="none" strike="noStrike" cap="none">
                 <a:solidFill>
                   <a:schemeClr val="dk1"/>
                 </a:solidFill>
@@ -9882,16 +10065,16 @@
                 <a:sym typeface="Calibri"/>
               </a:defRPr>
             </a:lvl3pPr>
-            <a:lvl4pPr lvl="3" marR="0" rtl="0" algn="l">
-              <a:spcBef>
-                <a:spcPts val="0"/>
-              </a:spcBef>
-              <a:spcAft>
-                <a:spcPts val="0"/>
-              </a:spcAft>
-              <a:buSzPts val="1400"/>
-              <a:buNone/>
-              <a:defRPr b="0" i="0" sz="1800" u="none" cap="none" strike="noStrike">
+            <a:lvl4pPr marR="0" lvl="3" algn="l" rtl="0">
+              <a:spcBef>
+                <a:spcPts val="0"/>
+              </a:spcBef>
+              <a:spcAft>
+                <a:spcPts val="0"/>
+              </a:spcAft>
+              <a:buSzPts val="1400"/>
+              <a:buNone/>
+              <a:defRPr sz="1800" b="0" i="0" u="none" strike="noStrike" cap="none">
                 <a:solidFill>
                   <a:schemeClr val="dk1"/>
                 </a:solidFill>
@@ -9901,16 +10084,16 @@
                 <a:sym typeface="Calibri"/>
               </a:defRPr>
             </a:lvl4pPr>
-            <a:lvl5pPr lvl="4" marR="0" rtl="0" algn="l">
-              <a:spcBef>
-                <a:spcPts val="0"/>
-              </a:spcBef>
-              <a:spcAft>
-                <a:spcPts val="0"/>
-              </a:spcAft>
-              <a:buSzPts val="1400"/>
-              <a:buNone/>
-              <a:defRPr b="0" i="0" sz="1800" u="none" cap="none" strike="noStrike">
+            <a:lvl5pPr marR="0" lvl="4" algn="l" rtl="0">
+              <a:spcBef>
+                <a:spcPts val="0"/>
+              </a:spcBef>
+              <a:spcAft>
+                <a:spcPts val="0"/>
+              </a:spcAft>
+              <a:buSzPts val="1400"/>
+              <a:buNone/>
+              <a:defRPr sz="1800" b="0" i="0" u="none" strike="noStrike" cap="none">
                 <a:solidFill>
                   <a:schemeClr val="dk1"/>
                 </a:solidFill>
@@ -9920,16 +10103,16 @@
                 <a:sym typeface="Calibri"/>
               </a:defRPr>
             </a:lvl5pPr>
-            <a:lvl6pPr lvl="5" marR="0" rtl="0" algn="l">
-              <a:spcBef>
-                <a:spcPts val="0"/>
-              </a:spcBef>
-              <a:spcAft>
-                <a:spcPts val="0"/>
-              </a:spcAft>
-              <a:buSzPts val="1400"/>
-              <a:buNone/>
-              <a:defRPr b="0" i="0" sz="1800" u="none" cap="none" strike="noStrike">
+            <a:lvl6pPr marR="0" lvl="5" algn="l" rtl="0">
+              <a:spcBef>
+                <a:spcPts val="0"/>
+              </a:spcBef>
+              <a:spcAft>
+                <a:spcPts val="0"/>
+              </a:spcAft>
+              <a:buSzPts val="1400"/>
+              <a:buNone/>
+              <a:defRPr sz="1800" b="0" i="0" u="none" strike="noStrike" cap="none">
                 <a:solidFill>
                   <a:schemeClr val="dk1"/>
                 </a:solidFill>
@@ -9939,16 +10122,16 @@
                 <a:sym typeface="Calibri"/>
               </a:defRPr>
             </a:lvl6pPr>
-            <a:lvl7pPr lvl="6" marR="0" rtl="0" algn="l">
-              <a:spcBef>
-                <a:spcPts val="0"/>
-              </a:spcBef>
-              <a:spcAft>
-                <a:spcPts val="0"/>
-              </a:spcAft>
-              <a:buSzPts val="1400"/>
-              <a:buNone/>
-              <a:defRPr b="0" i="0" sz="1800" u="none" cap="none" strike="noStrike">
+            <a:lvl7pPr marR="0" lvl="6" algn="l" rtl="0">
+              <a:spcBef>
+                <a:spcPts val="0"/>
+              </a:spcBef>
+              <a:spcAft>
+                <a:spcPts val="0"/>
+              </a:spcAft>
+              <a:buSzPts val="1400"/>
+              <a:buNone/>
+              <a:defRPr sz="1800" b="0" i="0" u="none" strike="noStrike" cap="none">
                 <a:solidFill>
                   <a:schemeClr val="dk1"/>
                 </a:solidFill>
@@ -9958,16 +10141,16 @@
                 <a:sym typeface="Calibri"/>
               </a:defRPr>
             </a:lvl7pPr>
-            <a:lvl8pPr lvl="7" marR="0" rtl="0" algn="l">
-              <a:spcBef>
-                <a:spcPts val="0"/>
-              </a:spcBef>
-              <a:spcAft>
-                <a:spcPts val="0"/>
-              </a:spcAft>
-              <a:buSzPts val="1400"/>
-              <a:buNone/>
-              <a:defRPr b="0" i="0" sz="1800" u="none" cap="none" strike="noStrike">
+            <a:lvl8pPr marR="0" lvl="7" algn="l" rtl="0">
+              <a:spcBef>
+                <a:spcPts val="0"/>
+              </a:spcBef>
+              <a:spcAft>
+                <a:spcPts val="0"/>
+              </a:spcAft>
+              <a:buSzPts val="1400"/>
+              <a:buNone/>
+              <a:defRPr sz="1800" b="0" i="0" u="none" strike="noStrike" cap="none">
                 <a:solidFill>
                   <a:schemeClr val="dk1"/>
                 </a:solidFill>
@@ -9977,16 +10160,16 @@
                 <a:sym typeface="Calibri"/>
               </a:defRPr>
             </a:lvl8pPr>
-            <a:lvl9pPr lvl="8" marR="0" rtl="0" algn="l">
-              <a:spcBef>
-                <a:spcPts val="0"/>
-              </a:spcBef>
-              <a:spcAft>
-                <a:spcPts val="0"/>
-              </a:spcAft>
-              <a:buSzPts val="1400"/>
-              <a:buNone/>
-              <a:defRPr b="0" i="0" sz="1800" u="none" cap="none" strike="noStrike">
+            <a:lvl9pPr marR="0" lvl="8" algn="l" rtl="0">
+              <a:spcBef>
+                <a:spcPts val="0"/>
+              </a:spcBef>
+              <a:spcAft>
+                <a:spcPts val="0"/>
+              </a:spcAft>
+              <a:buSzPts val="1400"/>
+              <a:buNone/>
+              <a:defRPr sz="1800" b="0" i="0" u="none" strike="noStrike" cap="none">
                 <a:solidFill>
                   <a:schemeClr val="dk1"/>
                 </a:solidFill>
@@ -9997,15 +10180,19 @@
               </a:defRPr>
             </a:lvl9pPr>
           </a:lstStyle>
-          <a:p/>
+          <a:p>
+            <a:endParaRPr/>
+          </a:p>
         </p:txBody>
       </p:sp>
       <p:sp>
         <p:nvSpPr>
           <p:cNvPr id="9" name="Google Shape;9;p1"/>
-          <p:cNvSpPr txBox="1"/>
+          <p:cNvSpPr txBox="1">
+            <a:spLocks noGrp="1"/>
+          </p:cNvSpPr>
           <p:nvPr>
-            <p:ph idx="11" type="ftr"/>
+            <p:ph type="ftr" idx="11"/>
           </p:nvPr>
         </p:nvSpPr>
         <p:spPr>
@@ -10022,20 +10209,20 @@
           </a:ln>
         </p:spPr>
         <p:txBody>
-          <a:bodyPr anchorCtr="0" anchor="ctr" bIns="45700" lIns="91425" spcFirstLastPara="1" rIns="91425" wrap="square" tIns="45700">
+          <a:bodyPr spcFirstLastPara="1" wrap="square" lIns="91425" tIns="45700" rIns="91425" bIns="45700" anchor="ctr" anchorCtr="0">
             <a:noAutofit/>
           </a:bodyPr>
           <a:lstStyle>
-            <a:lvl1pPr lvl="0" marR="0" rtl="0" algn="ctr">
-              <a:spcBef>
-                <a:spcPts val="0"/>
-              </a:spcBef>
-              <a:spcAft>
-                <a:spcPts val="0"/>
-              </a:spcAft>
-              <a:buSzPts val="1400"/>
-              <a:buNone/>
-              <a:defRPr b="0" i="0" sz="1200" u="none" cap="none" strike="noStrike">
+            <a:lvl1pPr marR="0" lvl="0" algn="ctr" rtl="0">
+              <a:spcBef>
+                <a:spcPts val="0"/>
+              </a:spcBef>
+              <a:spcAft>
+                <a:spcPts val="0"/>
+              </a:spcAft>
+              <a:buSzPts val="1400"/>
+              <a:buNone/>
+              <a:defRPr sz="1200" b="0" i="0" u="none" strike="noStrike" cap="none">
                 <a:solidFill>
                   <a:srgbClr val="888888"/>
                 </a:solidFill>
@@ -10045,16 +10232,16 @@
                 <a:sym typeface="Calibri"/>
               </a:defRPr>
             </a:lvl1pPr>
-            <a:lvl2pPr lvl="1" marR="0" rtl="0" algn="l">
-              <a:spcBef>
-                <a:spcPts val="0"/>
-              </a:spcBef>
-              <a:spcAft>
-                <a:spcPts val="0"/>
-              </a:spcAft>
-              <a:buSzPts val="1400"/>
-              <a:buNone/>
-              <a:defRPr b="0" i="0" sz="1800" u="none" cap="none" strike="noStrike">
+            <a:lvl2pPr marR="0" lvl="1" algn="l" rtl="0">
+              <a:spcBef>
+                <a:spcPts val="0"/>
+              </a:spcBef>
+              <a:spcAft>
+                <a:spcPts val="0"/>
+              </a:spcAft>
+              <a:buSzPts val="1400"/>
+              <a:buNone/>
+              <a:defRPr sz="1800" b="0" i="0" u="none" strike="noStrike" cap="none">
                 <a:solidFill>
                   <a:schemeClr val="dk1"/>
                 </a:solidFill>
@@ -10064,16 +10251,16 @@
                 <a:sym typeface="Calibri"/>
               </a:defRPr>
             </a:lvl2pPr>
-            <a:lvl3pPr lvl="2" marR="0" rtl="0" algn="l">
-              <a:spcBef>
-                <a:spcPts val="0"/>
-              </a:spcBef>
-              <a:spcAft>
-                <a:spcPts val="0"/>
-              </a:spcAft>
-              <a:buSzPts val="1400"/>
-              <a:buNone/>
-              <a:defRPr b="0" i="0" sz="1800" u="none" cap="none" strike="noStrike">
+            <a:lvl3pPr marR="0" lvl="2" algn="l" rtl="0">
+              <a:spcBef>
+                <a:spcPts val="0"/>
+              </a:spcBef>
+              <a:spcAft>
+                <a:spcPts val="0"/>
+              </a:spcAft>
+              <a:buSzPts val="1400"/>
+              <a:buNone/>
+              <a:defRPr sz="1800" b="0" i="0" u="none" strike="noStrike" cap="none">
                 <a:solidFill>
                   <a:schemeClr val="dk1"/>
                 </a:solidFill>
@@ -10083,16 +10270,16 @@
                 <a:sym typeface="Calibri"/>
               </a:defRPr>
             </a:lvl3pPr>
-            <a:lvl4pPr lvl="3" marR="0" rtl="0" algn="l">
-              <a:spcBef>
-                <a:spcPts val="0"/>
-              </a:spcBef>
-              <a:spcAft>
-                <a:spcPts val="0"/>
-              </a:spcAft>
-              <a:buSzPts val="1400"/>
-              <a:buNone/>
-              <a:defRPr b="0" i="0" sz="1800" u="none" cap="none" strike="noStrike">
+            <a:lvl4pPr marR="0" lvl="3" algn="l" rtl="0">
+              <a:spcBef>
+                <a:spcPts val="0"/>
+              </a:spcBef>
+              <a:spcAft>
+                <a:spcPts val="0"/>
+              </a:spcAft>
+              <a:buSzPts val="1400"/>
+              <a:buNone/>
+              <a:defRPr sz="1800" b="0" i="0" u="none" strike="noStrike" cap="none">
                 <a:solidFill>
                   <a:schemeClr val="dk1"/>
                 </a:solidFill>
@@ -10102,16 +10289,16 @@
                 <a:sym typeface="Calibri"/>
               </a:defRPr>
             </a:lvl4pPr>
-            <a:lvl5pPr lvl="4" marR="0" rtl="0" algn="l">
-              <a:spcBef>
-                <a:spcPts val="0"/>
-              </a:spcBef>
-              <a:spcAft>
-                <a:spcPts val="0"/>
-              </a:spcAft>
-              <a:buSzPts val="1400"/>
-              <a:buNone/>
-              <a:defRPr b="0" i="0" sz="1800" u="none" cap="none" strike="noStrike">
+            <a:lvl5pPr marR="0" lvl="4" algn="l" rtl="0">
+              <a:spcBef>
+                <a:spcPts val="0"/>
+              </a:spcBef>
+              <a:spcAft>
+                <a:spcPts val="0"/>
+              </a:spcAft>
+              <a:buSzPts val="1400"/>
+              <a:buNone/>
+              <a:defRPr sz="1800" b="0" i="0" u="none" strike="noStrike" cap="none">
                 <a:solidFill>
                   <a:schemeClr val="dk1"/>
                 </a:solidFill>
@@ -10121,16 +10308,16 @@
                 <a:sym typeface="Calibri"/>
               </a:defRPr>
             </a:lvl5pPr>
-            <a:lvl6pPr lvl="5" marR="0" rtl="0" algn="l">
-              <a:spcBef>
-                <a:spcPts val="0"/>
-              </a:spcBef>
-              <a:spcAft>
-                <a:spcPts val="0"/>
-              </a:spcAft>
-              <a:buSzPts val="1400"/>
-              <a:buNone/>
-              <a:defRPr b="0" i="0" sz="1800" u="none" cap="none" strike="noStrike">
+            <a:lvl6pPr marR="0" lvl="5" algn="l" rtl="0">
+              <a:spcBef>
+                <a:spcPts val="0"/>
+              </a:spcBef>
+              <a:spcAft>
+                <a:spcPts val="0"/>
+              </a:spcAft>
+              <a:buSzPts val="1400"/>
+              <a:buNone/>
+              <a:defRPr sz="1800" b="0" i="0" u="none" strike="noStrike" cap="none">
                 <a:solidFill>
                   <a:schemeClr val="dk1"/>
                 </a:solidFill>
@@ -10140,16 +10327,16 @@
                 <a:sym typeface="Calibri"/>
               </a:defRPr>
             </a:lvl6pPr>
-            <a:lvl7pPr lvl="6" marR="0" rtl="0" algn="l">
-              <a:spcBef>
-                <a:spcPts val="0"/>
-              </a:spcBef>
-              <a:spcAft>
-                <a:spcPts val="0"/>
-              </a:spcAft>
-              <a:buSzPts val="1400"/>
-              <a:buNone/>
-              <a:defRPr b="0" i="0" sz="1800" u="none" cap="none" strike="noStrike">
+            <a:lvl7pPr marR="0" lvl="6" algn="l" rtl="0">
+              <a:spcBef>
+                <a:spcPts val="0"/>
+              </a:spcBef>
+              <a:spcAft>
+                <a:spcPts val="0"/>
+              </a:spcAft>
+              <a:buSzPts val="1400"/>
+              <a:buNone/>
+              <a:defRPr sz="1800" b="0" i="0" u="none" strike="noStrike" cap="none">
                 <a:solidFill>
                   <a:schemeClr val="dk1"/>
                 </a:solidFill>
@@ -10159,16 +10346,16 @@
                 <a:sym typeface="Calibri"/>
               </a:defRPr>
             </a:lvl7pPr>
-            <a:lvl8pPr lvl="7" marR="0" rtl="0" algn="l">
-              <a:spcBef>
-                <a:spcPts val="0"/>
-              </a:spcBef>
-              <a:spcAft>
-                <a:spcPts val="0"/>
-              </a:spcAft>
-              <a:buSzPts val="1400"/>
-              <a:buNone/>
-              <a:defRPr b="0" i="0" sz="1800" u="none" cap="none" strike="noStrike">
+            <a:lvl8pPr marR="0" lvl="7" algn="l" rtl="0">
+              <a:spcBef>
+                <a:spcPts val="0"/>
+              </a:spcBef>
+              <a:spcAft>
+                <a:spcPts val="0"/>
+              </a:spcAft>
+              <a:buSzPts val="1400"/>
+              <a:buNone/>
+              <a:defRPr sz="1800" b="0" i="0" u="none" strike="noStrike" cap="none">
                 <a:solidFill>
                   <a:schemeClr val="dk1"/>
                 </a:solidFill>
@@ -10178,16 +10365,16 @@
                 <a:sym typeface="Calibri"/>
               </a:defRPr>
             </a:lvl8pPr>
-            <a:lvl9pPr lvl="8" marR="0" rtl="0" algn="l">
-              <a:spcBef>
-                <a:spcPts val="0"/>
-              </a:spcBef>
-              <a:spcAft>
-                <a:spcPts val="0"/>
-              </a:spcAft>
-              <a:buSzPts val="1400"/>
-              <a:buNone/>
-              <a:defRPr b="0" i="0" sz="1800" u="none" cap="none" strike="noStrike">
+            <a:lvl9pPr marR="0" lvl="8" algn="l" rtl="0">
+              <a:spcBef>
+                <a:spcPts val="0"/>
+              </a:spcBef>
+              <a:spcAft>
+                <a:spcPts val="0"/>
+              </a:spcAft>
+              <a:buSzPts val="1400"/>
+              <a:buNone/>
+              <a:defRPr sz="1800" b="0" i="0" u="none" strike="noStrike" cap="none">
                 <a:solidFill>
                   <a:schemeClr val="dk1"/>
                 </a:solidFill>
@@ -10198,15 +10385,19 @@
               </a:defRPr>
             </a:lvl9pPr>
           </a:lstStyle>
-          <a:p/>
+          <a:p>
+            <a:endParaRPr/>
+          </a:p>
         </p:txBody>
       </p:sp>
       <p:sp>
         <p:nvSpPr>
           <p:cNvPr id="10" name="Google Shape;10;p1"/>
-          <p:cNvSpPr txBox="1"/>
+          <p:cNvSpPr txBox="1">
+            <a:spLocks noGrp="1"/>
+          </p:cNvSpPr>
           <p:nvPr>
-            <p:ph idx="12" type="sldNum"/>
+            <p:ph type="sldNum" idx="12"/>
           </p:nvPr>
         </p:nvSpPr>
         <p:spPr>
@@ -10223,16 +10414,16 @@
           </a:ln>
         </p:spPr>
         <p:txBody>
-          <a:bodyPr anchorCtr="0" anchor="ctr" bIns="45700" lIns="91425" spcFirstLastPara="1" rIns="91425" wrap="square" tIns="45700">
+          <a:bodyPr spcFirstLastPara="1" wrap="square" lIns="91425" tIns="45700" rIns="91425" bIns="45700" anchor="ctr" anchorCtr="0">
             <a:noAutofit/>
           </a:bodyPr>
           <a:lstStyle>
-            <a:lvl1pPr indent="0" lvl="0" marL="0" marR="0" rtl="0" algn="r">
-              <a:spcBef>
-                <a:spcPts val="0"/>
-              </a:spcBef>
-              <a:buNone/>
-              <a:defRPr b="0" i="0" sz="1200" u="none" cap="none" strike="noStrike">
+            <a:lvl1pPr marL="0" marR="0" lvl="0" indent="0" algn="r" rtl="0">
+              <a:spcBef>
+                <a:spcPts val="0"/>
+              </a:spcBef>
+              <a:buNone/>
+              <a:defRPr sz="1200" b="0" i="0" u="none" strike="noStrike" cap="none">
                 <a:solidFill>
                   <a:srgbClr val="888888"/>
                 </a:solidFill>
@@ -10242,12 +10433,12 @@
                 <a:sym typeface="Calibri"/>
               </a:defRPr>
             </a:lvl1pPr>
-            <a:lvl2pPr indent="0" lvl="1" marL="0" marR="0" rtl="0" algn="r">
-              <a:spcBef>
-                <a:spcPts val="0"/>
-              </a:spcBef>
-              <a:buNone/>
-              <a:defRPr b="0" i="0" sz="1200" u="none" cap="none" strike="noStrike">
+            <a:lvl2pPr marL="0" marR="0" lvl="1" indent="0" algn="r" rtl="0">
+              <a:spcBef>
+                <a:spcPts val="0"/>
+              </a:spcBef>
+              <a:buNone/>
+              <a:defRPr sz="1200" b="0" i="0" u="none" strike="noStrike" cap="none">
                 <a:solidFill>
                   <a:srgbClr val="888888"/>
                 </a:solidFill>
@@ -10257,12 +10448,12 @@
                 <a:sym typeface="Calibri"/>
               </a:defRPr>
             </a:lvl2pPr>
-            <a:lvl3pPr indent="0" lvl="2" marL="0" marR="0" rtl="0" algn="r">
-              <a:spcBef>
-                <a:spcPts val="0"/>
-              </a:spcBef>
-              <a:buNone/>
-              <a:defRPr b="0" i="0" sz="1200" u="none" cap="none" strike="noStrike">
+            <a:lvl3pPr marL="0" marR="0" lvl="2" indent="0" algn="r" rtl="0">
+              <a:spcBef>
+                <a:spcPts val="0"/>
+              </a:spcBef>
+              <a:buNone/>
+              <a:defRPr sz="1200" b="0" i="0" u="none" strike="noStrike" cap="none">
                 <a:solidFill>
                   <a:srgbClr val="888888"/>
                 </a:solidFill>
@@ -10272,12 +10463,12 @@
                 <a:sym typeface="Calibri"/>
               </a:defRPr>
             </a:lvl3pPr>
-            <a:lvl4pPr indent="0" lvl="3" marL="0" marR="0" rtl="0" algn="r">
-              <a:spcBef>
-                <a:spcPts val="0"/>
-              </a:spcBef>
-              <a:buNone/>
-              <a:defRPr b="0" i="0" sz="1200" u="none" cap="none" strike="noStrike">
+            <a:lvl4pPr marL="0" marR="0" lvl="3" indent="0" algn="r" rtl="0">
+              <a:spcBef>
+                <a:spcPts val="0"/>
+              </a:spcBef>
+              <a:buNone/>
+              <a:defRPr sz="1200" b="0" i="0" u="none" strike="noStrike" cap="none">
                 <a:solidFill>
                   <a:srgbClr val="888888"/>
                 </a:solidFill>
@@ -10287,12 +10478,12 @@
                 <a:sym typeface="Calibri"/>
               </a:defRPr>
             </a:lvl4pPr>
-            <a:lvl5pPr indent="0" lvl="4" marL="0" marR="0" rtl="0" algn="r">
-              <a:spcBef>
-                <a:spcPts val="0"/>
-              </a:spcBef>
-              <a:buNone/>
-              <a:defRPr b="0" i="0" sz="1200" u="none" cap="none" strike="noStrike">
+            <a:lvl5pPr marL="0" marR="0" lvl="4" indent="0" algn="r" rtl="0">
+              <a:spcBef>
+                <a:spcPts val="0"/>
+              </a:spcBef>
+              <a:buNone/>
+              <a:defRPr sz="1200" b="0" i="0" u="none" strike="noStrike" cap="none">
                 <a:solidFill>
                   <a:srgbClr val="888888"/>
                 </a:solidFill>
@@ -10302,12 +10493,12 @@
                 <a:sym typeface="Calibri"/>
               </a:defRPr>
             </a:lvl5pPr>
-            <a:lvl6pPr indent="0" lvl="5" marL="0" marR="0" rtl="0" algn="r">
-              <a:spcBef>
-                <a:spcPts val="0"/>
-              </a:spcBef>
-              <a:buNone/>
-              <a:defRPr b="0" i="0" sz="1200" u="none" cap="none" strike="noStrike">
+            <a:lvl6pPr marL="0" marR="0" lvl="5" indent="0" algn="r" rtl="0">
+              <a:spcBef>
+                <a:spcPts val="0"/>
+              </a:spcBef>
+              <a:buNone/>
+              <a:defRPr sz="1200" b="0" i="0" u="none" strike="noStrike" cap="none">
                 <a:solidFill>
                   <a:srgbClr val="888888"/>
                 </a:solidFill>
@@ -10317,12 +10508,12 @@
                 <a:sym typeface="Calibri"/>
               </a:defRPr>
             </a:lvl6pPr>
-            <a:lvl7pPr indent="0" lvl="6" marL="0" marR="0" rtl="0" algn="r">
-              <a:spcBef>
-                <a:spcPts val="0"/>
-              </a:spcBef>
-              <a:buNone/>
-              <a:defRPr b="0" i="0" sz="1200" u="none" cap="none" strike="noStrike">
+            <a:lvl7pPr marL="0" marR="0" lvl="6" indent="0" algn="r" rtl="0">
+              <a:spcBef>
+                <a:spcPts val="0"/>
+              </a:spcBef>
+              <a:buNone/>
+              <a:defRPr sz="1200" b="0" i="0" u="none" strike="noStrike" cap="none">
                 <a:solidFill>
                   <a:srgbClr val="888888"/>
                 </a:solidFill>
@@ -10332,12 +10523,12 @@
                 <a:sym typeface="Calibri"/>
               </a:defRPr>
             </a:lvl7pPr>
-            <a:lvl8pPr indent="0" lvl="7" marL="0" marR="0" rtl="0" algn="r">
-              <a:spcBef>
-                <a:spcPts val="0"/>
-              </a:spcBef>
-              <a:buNone/>
-              <a:defRPr b="0" i="0" sz="1200" u="none" cap="none" strike="noStrike">
+            <a:lvl8pPr marL="0" marR="0" lvl="7" indent="0" algn="r" rtl="0">
+              <a:spcBef>
+                <a:spcPts val="0"/>
+              </a:spcBef>
+              <a:buNone/>
+              <a:defRPr sz="1200" b="0" i="0" u="none" strike="noStrike" cap="none">
                 <a:solidFill>
                   <a:srgbClr val="888888"/>
                 </a:solidFill>
@@ -10347,12 +10538,12 @@
                 <a:sym typeface="Calibri"/>
               </a:defRPr>
             </a:lvl8pPr>
-            <a:lvl9pPr indent="0" lvl="8" marL="0" marR="0" rtl="0" algn="r">
-              <a:spcBef>
-                <a:spcPts val="0"/>
-              </a:spcBef>
-              <a:buNone/>
-              <a:defRPr b="0" i="0" sz="1200" u="none" cap="none" strike="noStrike">
+            <a:lvl9pPr marL="0" marR="0" lvl="8" indent="0" algn="r" rtl="0">
+              <a:spcBef>
+                <a:spcPts val="0"/>
+              </a:spcBef>
+              <a:buNone/>
+              <a:defRPr sz="1200" b="0" i="0" u="none" strike="noStrike" cap="none">
                 <a:solidFill>
                   <a:srgbClr val="888888"/>
                 </a:solidFill>
@@ -10364,7 +10555,7 @@
             </a:lvl9pPr>
           </a:lstStyle>
           <a:p>
-            <a:pPr indent="0" lvl="0" marL="0" rtl="0" algn="r">
+            <a:pPr marL="0" lvl="0" indent="0" algn="r" rtl="0">
               <a:spcBef>
                 <a:spcPts val="0"/>
               </a:spcBef>
@@ -10383,7 +10574,7 @@
       </p:sp>
     </p:spTree>
   </p:cSld>
-  <p:clrMap accent1="accent1" accent2="accent2" accent3="accent3" accent4="accent4" accent5="accent5" accent6="accent6" bg1="lt1" bg2="dk2" tx1="dk1" tx2="lt2" folHlink="folHlink" hlink="hlink"/>
+  <p:clrMap bg1="lt1" tx1="dk1" bg2="dk2" tx2="lt2" accent1="accent1" accent2="accent2" accent3="accent3" accent4="accent4" accent5="accent5" accent6="accent6" hlink="hlink" folHlink="folHlink"/>
   <p:sldLayoutIdLst>
     <p:sldLayoutId id="2147483648" r:id="rId1"/>
     <p:sldLayoutId id="2147483649" r:id="rId2"/>
@@ -10397,10 +10588,10 @@
     <p:sldLayoutId id="2147483657" r:id="rId10"/>
     <p:sldLayoutId id="2147483658" r:id="rId11"/>
   </p:sldLayoutIdLst>
-  <p:hf dt="0" ftr="0" hdr="0" sldNum="0"/>
+  <p:hf sldNum="0" hdr="0" ftr="0" dt="0"/>
   <p:txStyles>
     <p:titleStyle>
-      <a:defPPr lvl="0" marR="0" rtl="0" algn="l">
+      <a:defPPr marR="0" lvl="0" algn="l" rtl="0">
         <a:lnSpc>
           <a:spcPct val="100000"/>
         </a:lnSpc>
@@ -10411,7 +10602,7 @@
           <a:spcPts val="0"/>
         </a:spcAft>
       </a:defPPr>
-      <a:lvl1pPr lvl="0" marR="0" rtl="0" algn="l">
+      <a:lvl1pPr marR="0" lvl="0" algn="l" rtl="0">
         <a:lnSpc>
           <a:spcPct val="100000"/>
         </a:lnSpc>
@@ -10425,7 +10616,7 @@
           <a:srgbClr val="000000"/>
         </a:buClr>
         <a:buFont typeface="Arial"/>
-        <a:defRPr b="0" i="0" sz="1400" u="none" cap="none" strike="noStrike">
+        <a:defRPr sz="1400" b="0" i="0" u="none" strike="noStrike" cap="none">
           <a:solidFill>
             <a:srgbClr val="000000"/>
           </a:solidFill>
@@ -10435,7 +10626,7 @@
           <a:sym typeface="Arial"/>
         </a:defRPr>
       </a:lvl1pPr>
-      <a:lvl2pPr lvl="1" marR="0" rtl="0" algn="l">
+      <a:lvl2pPr marR="0" lvl="1" algn="l" rtl="0">
         <a:lnSpc>
           <a:spcPct val="100000"/>
         </a:lnSpc>
@@ -10449,7 +10640,7 @@
           <a:srgbClr val="000000"/>
         </a:buClr>
         <a:buFont typeface="Arial"/>
-        <a:defRPr b="0" i="0" sz="1400" u="none" cap="none" strike="noStrike">
+        <a:defRPr sz="1400" b="0" i="0" u="none" strike="noStrike" cap="none">
           <a:solidFill>
             <a:srgbClr val="000000"/>
           </a:solidFill>
@@ -10459,7 +10650,7 @@
           <a:sym typeface="Arial"/>
         </a:defRPr>
       </a:lvl2pPr>
-      <a:lvl3pPr lvl="2" marR="0" rtl="0" algn="l">
+      <a:lvl3pPr marR="0" lvl="2" algn="l" rtl="0">
         <a:lnSpc>
           <a:spcPct val="100000"/>
         </a:lnSpc>
@@ -10473,7 +10664,7 @@
           <a:srgbClr val="000000"/>
         </a:buClr>
         <a:buFont typeface="Arial"/>
-        <a:defRPr b="0" i="0" sz="1400" u="none" cap="none" strike="noStrike">
+        <a:defRPr sz="1400" b="0" i="0" u="none" strike="noStrike" cap="none">
           <a:solidFill>
             <a:srgbClr val="000000"/>
           </a:solidFill>
@@ -10483,7 +10674,7 @@
           <a:sym typeface="Arial"/>
         </a:defRPr>
       </a:lvl3pPr>
-      <a:lvl4pPr lvl="3" marR="0" rtl="0" algn="l">
+      <a:lvl4pPr marR="0" lvl="3" algn="l" rtl="0">
         <a:lnSpc>
           <a:spcPct val="100000"/>
         </a:lnSpc>
@@ -10497,7 +10688,7 @@
           <a:srgbClr val="000000"/>
         </a:buClr>
         <a:buFont typeface="Arial"/>
-        <a:defRPr b="0" i="0" sz="1400" u="none" cap="none" strike="noStrike">
+        <a:defRPr sz="1400" b="0" i="0" u="none" strike="noStrike" cap="none">
           <a:solidFill>
             <a:srgbClr val="000000"/>
           </a:solidFill>
@@ -10507,7 +10698,7 @@
           <a:sym typeface="Arial"/>
         </a:defRPr>
       </a:lvl4pPr>
-      <a:lvl5pPr lvl="4" marR="0" rtl="0" algn="l">
+      <a:lvl5pPr marR="0" lvl="4" algn="l" rtl="0">
         <a:lnSpc>
           <a:spcPct val="100000"/>
         </a:lnSpc>
@@ -10521,7 +10712,7 @@
           <a:srgbClr val="000000"/>
         </a:buClr>
         <a:buFont typeface="Arial"/>
-        <a:defRPr b="0" i="0" sz="1400" u="none" cap="none" strike="noStrike">
+        <a:defRPr sz="1400" b="0" i="0" u="none" strike="noStrike" cap="none">
           <a:solidFill>
             <a:srgbClr val="000000"/>
           </a:solidFill>
@@ -10531,7 +10722,7 @@
           <a:sym typeface="Arial"/>
         </a:defRPr>
       </a:lvl5pPr>
-      <a:lvl6pPr lvl="5" marR="0" rtl="0" algn="l">
+      <a:lvl6pPr marR="0" lvl="5" algn="l" rtl="0">
         <a:lnSpc>
           <a:spcPct val="100000"/>
         </a:lnSpc>
@@ -10545,7 +10736,7 @@
           <a:srgbClr val="000000"/>
         </a:buClr>
         <a:buFont typeface="Arial"/>
-        <a:defRPr b="0" i="0" sz="1400" u="none" cap="none" strike="noStrike">
+        <a:defRPr sz="1400" b="0" i="0" u="none" strike="noStrike" cap="none">
           <a:solidFill>
             <a:srgbClr val="000000"/>
           </a:solidFill>
@@ -10555,7 +10746,7 @@
           <a:sym typeface="Arial"/>
         </a:defRPr>
       </a:lvl6pPr>
-      <a:lvl7pPr lvl="6" marR="0" rtl="0" algn="l">
+      <a:lvl7pPr marR="0" lvl="6" algn="l" rtl="0">
         <a:lnSpc>
           <a:spcPct val="100000"/>
         </a:lnSpc>
@@ -10569,7 +10760,7 @@
           <a:srgbClr val="000000"/>
         </a:buClr>
         <a:buFont typeface="Arial"/>
-        <a:defRPr b="0" i="0" sz="1400" u="none" cap="none" strike="noStrike">
+        <a:defRPr sz="1400" b="0" i="0" u="none" strike="noStrike" cap="none">
           <a:solidFill>
             <a:srgbClr val="000000"/>
           </a:solidFill>
@@ -10579,7 +10770,7 @@
           <a:sym typeface="Arial"/>
         </a:defRPr>
       </a:lvl7pPr>
-      <a:lvl8pPr lvl="7" marR="0" rtl="0" algn="l">
+      <a:lvl8pPr marR="0" lvl="7" algn="l" rtl="0">
         <a:lnSpc>
           <a:spcPct val="100000"/>
         </a:lnSpc>
@@ -10593,7 +10784,7 @@
           <a:srgbClr val="000000"/>
         </a:buClr>
         <a:buFont typeface="Arial"/>
-        <a:defRPr b="0" i="0" sz="1400" u="none" cap="none" strike="noStrike">
+        <a:defRPr sz="1400" b="0" i="0" u="none" strike="noStrike" cap="none">
           <a:solidFill>
             <a:srgbClr val="000000"/>
           </a:solidFill>
@@ -10603,7 +10794,7 @@
           <a:sym typeface="Arial"/>
         </a:defRPr>
       </a:lvl8pPr>
-      <a:lvl9pPr lvl="8" marR="0" rtl="0" algn="l">
+      <a:lvl9pPr marR="0" lvl="8" algn="l" rtl="0">
         <a:lnSpc>
           <a:spcPct val="100000"/>
         </a:lnSpc>
@@ -10617,7 +10808,7 @@
           <a:srgbClr val="000000"/>
         </a:buClr>
         <a:buFont typeface="Arial"/>
-        <a:defRPr b="0" i="0" sz="1400" u="none" cap="none" strike="noStrike">
+        <a:defRPr sz="1400" b="0" i="0" u="none" strike="noStrike" cap="none">
           <a:solidFill>
             <a:srgbClr val="000000"/>
           </a:solidFill>
@@ -10629,7 +10820,7 @@
       </a:lvl9pPr>
     </p:titleStyle>
     <p:bodyStyle>
-      <a:defPPr lvl="0" marR="0" rtl="0" algn="l">
+      <a:defPPr marR="0" lvl="0" algn="l" rtl="0">
         <a:lnSpc>
           <a:spcPct val="100000"/>
         </a:lnSpc>
@@ -10640,7 +10831,7 @@
           <a:spcPts val="0"/>
         </a:spcAft>
       </a:defPPr>
-      <a:lvl1pPr lvl="0" marR="0" rtl="0" algn="l">
+      <a:lvl1pPr marR="0" lvl="0" algn="l" rtl="0">
         <a:lnSpc>
           <a:spcPct val="100000"/>
         </a:lnSpc>
@@ -10654,7 +10845,7 @@
           <a:srgbClr val="000000"/>
         </a:buClr>
         <a:buFont typeface="Arial"/>
-        <a:defRPr b="0" i="0" sz="1400" u="none" cap="none" strike="noStrike">
+        <a:defRPr sz="1400" b="0" i="0" u="none" strike="noStrike" cap="none">
           <a:solidFill>
             <a:srgbClr val="000000"/>
           </a:solidFill>
@@ -10664,7 +10855,7 @@
           <a:sym typeface="Arial"/>
         </a:defRPr>
       </a:lvl1pPr>
-      <a:lvl2pPr lvl="1" marR="0" rtl="0" algn="l">
+      <a:lvl2pPr marR="0" lvl="1" algn="l" rtl="0">
         <a:lnSpc>
           <a:spcPct val="100000"/>
         </a:lnSpc>
@@ -10678,7 +10869,7 @@
           <a:srgbClr val="000000"/>
         </a:buClr>
         <a:buFont typeface="Arial"/>
-        <a:defRPr b="0" i="0" sz="1400" u="none" cap="none" strike="noStrike">
+        <a:defRPr sz="1400" b="0" i="0" u="none" strike="noStrike" cap="none">
           <a:solidFill>
             <a:srgbClr val="000000"/>
           </a:solidFill>
@@ -10688,7 +10879,7 @@
           <a:sym typeface="Arial"/>
         </a:defRPr>
       </a:lvl2pPr>
-      <a:lvl3pPr lvl="2" marR="0" rtl="0" algn="l">
+      <a:lvl3pPr marR="0" lvl="2" algn="l" rtl="0">
         <a:lnSpc>
           <a:spcPct val="100000"/>
         </a:lnSpc>
@@ -10702,7 +10893,7 @@
           <a:srgbClr val="000000"/>
         </a:buClr>
         <a:buFont typeface="Arial"/>
-        <a:defRPr b="0" i="0" sz="1400" u="none" cap="none" strike="noStrike">
+        <a:defRPr sz="1400" b="0" i="0" u="none" strike="noStrike" cap="none">
           <a:solidFill>
             <a:srgbClr val="000000"/>
           </a:solidFill>
@@ -10712,7 +10903,7 @@
           <a:sym typeface="Arial"/>
         </a:defRPr>
       </a:lvl3pPr>
-      <a:lvl4pPr lvl="3" marR="0" rtl="0" algn="l">
+      <a:lvl4pPr marR="0" lvl="3" algn="l" rtl="0">
         <a:lnSpc>
           <a:spcPct val="100000"/>
         </a:lnSpc>
@@ -10726,7 +10917,7 @@
           <a:srgbClr val="000000"/>
         </a:buClr>
         <a:buFont typeface="Arial"/>
-        <a:defRPr b="0" i="0" sz="1400" u="none" cap="none" strike="noStrike">
+        <a:defRPr sz="1400" b="0" i="0" u="none" strike="noStrike" cap="none">
           <a:solidFill>
             <a:srgbClr val="000000"/>
           </a:solidFill>
@@ -10736,7 +10927,7 @@
           <a:sym typeface="Arial"/>
         </a:defRPr>
       </a:lvl4pPr>
-      <a:lvl5pPr lvl="4" marR="0" rtl="0" algn="l">
+      <a:lvl5pPr marR="0" lvl="4" algn="l" rtl="0">
         <a:lnSpc>
           <a:spcPct val="100000"/>
         </a:lnSpc>
@@ -10750,7 +10941,7 @@
           <a:srgbClr val="000000"/>
         </a:buClr>
         <a:buFont typeface="Arial"/>
-        <a:defRPr b="0" i="0" sz="1400" u="none" cap="none" strike="noStrike">
+        <a:defRPr sz="1400" b="0" i="0" u="none" strike="noStrike" cap="none">
           <a:solidFill>
             <a:srgbClr val="000000"/>
           </a:solidFill>
@@ -10760,7 +10951,7 @@
           <a:sym typeface="Arial"/>
         </a:defRPr>
       </a:lvl5pPr>
-      <a:lvl6pPr lvl="5" marR="0" rtl="0" algn="l">
+      <a:lvl6pPr marR="0" lvl="5" algn="l" rtl="0">
         <a:lnSpc>
           <a:spcPct val="100000"/>
         </a:lnSpc>
@@ -10774,7 +10965,7 @@
           <a:srgbClr val="000000"/>
         </a:buClr>
         <a:buFont typeface="Arial"/>
-        <a:defRPr b="0" i="0" sz="1400" u="none" cap="none" strike="noStrike">
+        <a:defRPr sz="1400" b="0" i="0" u="none" strike="noStrike" cap="none">
           <a:solidFill>
             <a:srgbClr val="000000"/>
           </a:solidFill>
@@ -10784,7 +10975,7 @@
           <a:sym typeface="Arial"/>
         </a:defRPr>
       </a:lvl6pPr>
-      <a:lvl7pPr lvl="6" marR="0" rtl="0" algn="l">
+      <a:lvl7pPr marR="0" lvl="6" algn="l" rtl="0">
         <a:lnSpc>
           <a:spcPct val="100000"/>
         </a:lnSpc>
@@ -10798,7 +10989,7 @@
           <a:srgbClr val="000000"/>
         </a:buClr>
         <a:buFont typeface="Arial"/>
-        <a:defRPr b="0" i="0" sz="1400" u="none" cap="none" strike="noStrike">
+        <a:defRPr sz="1400" b="0" i="0" u="none" strike="noStrike" cap="none">
           <a:solidFill>
             <a:srgbClr val="000000"/>
           </a:solidFill>
@@ -10808,7 +10999,7 @@
           <a:sym typeface="Arial"/>
         </a:defRPr>
       </a:lvl7pPr>
-      <a:lvl8pPr lvl="7" marR="0" rtl="0" algn="l">
+      <a:lvl8pPr marR="0" lvl="7" algn="l" rtl="0">
         <a:lnSpc>
           <a:spcPct val="100000"/>
         </a:lnSpc>
@@ -10822,7 +11013,7 @@
           <a:srgbClr val="000000"/>
         </a:buClr>
         <a:buFont typeface="Arial"/>
-        <a:defRPr b="0" i="0" sz="1400" u="none" cap="none" strike="noStrike">
+        <a:defRPr sz="1400" b="0" i="0" u="none" strike="noStrike" cap="none">
           <a:solidFill>
             <a:srgbClr val="000000"/>
           </a:solidFill>
@@ -10832,7 +11023,7 @@
           <a:sym typeface="Arial"/>
         </a:defRPr>
       </a:lvl8pPr>
-      <a:lvl9pPr lvl="8" marR="0" rtl="0" algn="l">
+      <a:lvl9pPr marR="0" lvl="8" algn="l" rtl="0">
         <a:lnSpc>
           <a:spcPct val="100000"/>
         </a:lnSpc>
@@ -10846,7 +11037,7 @@
           <a:srgbClr val="000000"/>
         </a:buClr>
         <a:buFont typeface="Arial"/>
-        <a:defRPr b="0" i="0" sz="1400" u="none" cap="none" strike="noStrike">
+        <a:defRPr sz="1400" b="0" i="0" u="none" strike="noStrike" cap="none">
           <a:solidFill>
             <a:srgbClr val="000000"/>
           </a:solidFill>
@@ -10858,7 +11049,7 @@
       </a:lvl9pPr>
     </p:bodyStyle>
     <p:otherStyle>
-      <a:defPPr lvl="0" marR="0" rtl="0" algn="l">
+      <a:defPPr marR="0" lvl="0" algn="l" rtl="0">
         <a:lnSpc>
           <a:spcPct val="100000"/>
         </a:lnSpc>
@@ -10869,7 +11060,7 @@
           <a:spcPts val="0"/>
         </a:spcAft>
       </a:defPPr>
-      <a:lvl1pPr lvl="0" marR="0" rtl="0" algn="l">
+      <a:lvl1pPr marR="0" lvl="0" algn="l" rtl="0">
         <a:lnSpc>
           <a:spcPct val="100000"/>
         </a:lnSpc>
@@ -10883,7 +11074,7 @@
           <a:srgbClr val="000000"/>
         </a:buClr>
         <a:buFont typeface="Arial"/>
-        <a:defRPr b="0" i="0" sz="1400" u="none" cap="none" strike="noStrike">
+        <a:defRPr sz="1400" b="0" i="0" u="none" strike="noStrike" cap="none">
           <a:solidFill>
             <a:srgbClr val="000000"/>
           </a:solidFill>
@@ -10893,7 +11084,7 @@
           <a:sym typeface="Arial"/>
         </a:defRPr>
       </a:lvl1pPr>
-      <a:lvl2pPr lvl="1" marR="0" rtl="0" algn="l">
+      <a:lvl2pPr marR="0" lvl="1" algn="l" rtl="0">
         <a:lnSpc>
           <a:spcPct val="100000"/>
         </a:lnSpc>
@@ -10907,7 +11098,7 @@
           <a:srgbClr val="000000"/>
         </a:buClr>
         <a:buFont typeface="Arial"/>
-        <a:defRPr b="0" i="0" sz="1400" u="none" cap="none" strike="noStrike">
+        <a:defRPr sz="1400" b="0" i="0" u="none" strike="noStrike" cap="none">
           <a:solidFill>
             <a:srgbClr val="000000"/>
           </a:solidFill>
@@ -10917,7 +11108,7 @@
           <a:sym typeface="Arial"/>
         </a:defRPr>
       </a:lvl2pPr>
-      <a:lvl3pPr lvl="2" marR="0" rtl="0" algn="l">
+      <a:lvl3pPr marR="0" lvl="2" algn="l" rtl="0">
         <a:lnSpc>
           <a:spcPct val="100000"/>
         </a:lnSpc>
@@ -10931,7 +11122,7 @@
           <a:srgbClr val="000000"/>
         </a:buClr>
         <a:buFont typeface="Arial"/>
-        <a:defRPr b="0" i="0" sz="1400" u="none" cap="none" strike="noStrike">
+        <a:defRPr sz="1400" b="0" i="0" u="none" strike="noStrike" cap="none">
           <a:solidFill>
             <a:srgbClr val="000000"/>
           </a:solidFill>
@@ -10941,7 +11132,7 @@
           <a:sym typeface="Arial"/>
         </a:defRPr>
       </a:lvl3pPr>
-      <a:lvl4pPr lvl="3" marR="0" rtl="0" algn="l">
+      <a:lvl4pPr marR="0" lvl="3" algn="l" rtl="0">
         <a:lnSpc>
           <a:spcPct val="100000"/>
         </a:lnSpc>
@@ -10955,7 +11146,7 @@
           <a:srgbClr val="000000"/>
         </a:buClr>
         <a:buFont typeface="Arial"/>
-        <a:defRPr b="0" i="0" sz="1400" u="none" cap="none" strike="noStrike">
+        <a:defRPr sz="1400" b="0" i="0" u="none" strike="noStrike" cap="none">
           <a:solidFill>
             <a:srgbClr val="000000"/>
           </a:solidFill>
@@ -10965,7 +11156,7 @@
           <a:sym typeface="Arial"/>
         </a:defRPr>
       </a:lvl4pPr>
-      <a:lvl5pPr lvl="4" marR="0" rtl="0" algn="l">
+      <a:lvl5pPr marR="0" lvl="4" algn="l" rtl="0">
         <a:lnSpc>
           <a:spcPct val="100000"/>
         </a:lnSpc>
@@ -10979,7 +11170,7 @@
           <a:srgbClr val="000000"/>
         </a:buClr>
         <a:buFont typeface="Arial"/>
-        <a:defRPr b="0" i="0" sz="1400" u="none" cap="none" strike="noStrike">
+        <a:defRPr sz="1400" b="0" i="0" u="none" strike="noStrike" cap="none">
           <a:solidFill>
             <a:srgbClr val="000000"/>
           </a:solidFill>
@@ -10989,7 +11180,7 @@
           <a:sym typeface="Arial"/>
         </a:defRPr>
       </a:lvl5pPr>
-      <a:lvl6pPr lvl="5" marR="0" rtl="0" algn="l">
+      <a:lvl6pPr marR="0" lvl="5" algn="l" rtl="0">
         <a:lnSpc>
           <a:spcPct val="100000"/>
         </a:lnSpc>
@@ -11003,7 +11194,7 @@
           <a:srgbClr val="000000"/>
         </a:buClr>
         <a:buFont typeface="Arial"/>
-        <a:defRPr b="0" i="0" sz="1400" u="none" cap="none" strike="noStrike">
+        <a:defRPr sz="1400" b="0" i="0" u="none" strike="noStrike" cap="none">
           <a:solidFill>
             <a:srgbClr val="000000"/>
           </a:solidFill>
@@ -11013,7 +11204,7 @@
           <a:sym typeface="Arial"/>
         </a:defRPr>
       </a:lvl6pPr>
-      <a:lvl7pPr lvl="6" marR="0" rtl="0" algn="l">
+      <a:lvl7pPr marR="0" lvl="6" algn="l" rtl="0">
         <a:lnSpc>
           <a:spcPct val="100000"/>
         </a:lnSpc>
@@ -11027,7 +11218,7 @@
           <a:srgbClr val="000000"/>
         </a:buClr>
         <a:buFont typeface="Arial"/>
-        <a:defRPr b="0" i="0" sz="1400" u="none" cap="none" strike="noStrike">
+        <a:defRPr sz="1400" b="0" i="0" u="none" strike="noStrike" cap="none">
           <a:solidFill>
             <a:srgbClr val="000000"/>
           </a:solidFill>
@@ -11037,7 +11228,7 @@
           <a:sym typeface="Arial"/>
         </a:defRPr>
       </a:lvl7pPr>
-      <a:lvl8pPr lvl="7" marR="0" rtl="0" algn="l">
+      <a:lvl8pPr marR="0" lvl="7" algn="l" rtl="0">
         <a:lnSpc>
           <a:spcPct val="100000"/>
         </a:lnSpc>
@@ -11051,7 +11242,7 @@
           <a:srgbClr val="000000"/>
         </a:buClr>
         <a:buFont typeface="Arial"/>
-        <a:defRPr b="0" i="0" sz="1400" u="none" cap="none" strike="noStrike">
+        <a:defRPr sz="1400" b="0" i="0" u="none" strike="noStrike" cap="none">
           <a:solidFill>
             <a:srgbClr val="000000"/>
           </a:solidFill>
@@ -11061,7 +11252,7 @@
           <a:sym typeface="Arial"/>
         </a:defRPr>
       </a:lvl8pPr>
-      <a:lvl9pPr lvl="8" marR="0" rtl="0" algn="l">
+      <a:lvl9pPr marR="0" lvl="8" algn="l" rtl="0">
         <a:lnSpc>
           <a:spcPct val="100000"/>
         </a:lnSpc>
@@ -11075,7 +11266,7 @@
           <a:srgbClr val="000000"/>
         </a:buClr>
         <a:buFont typeface="Arial"/>
-        <a:defRPr b="0" i="0" sz="1400" u="none" cap="none" strike="noStrike">
+        <a:defRPr sz="1400" b="0" i="0" u="none" strike="noStrike" cap="none">
           <a:solidFill>
             <a:srgbClr val="000000"/>
           </a:solidFill>
@@ -11091,7 +11282,7 @@
 </file>
 
 <file path=ppt/slides/slide1.xml><?xml version="1.0" encoding="utf-8"?>
-<p:sld xmlns:a="http://schemas.openxmlformats.org/drawingml/2006/main" xmlns:r="http://schemas.openxmlformats.org/officeDocument/2006/relationships" xmlns:mc="http://schemas.openxmlformats.org/markup-compatibility/2006" xmlns:mv="urn:schemas-microsoft-com:mac:vml" xmlns:p="http://schemas.openxmlformats.org/presentationml/2006/main" xmlns:c="http://schemas.openxmlformats.org/drawingml/2006/chart" xmlns:dgm="http://schemas.openxmlformats.org/drawingml/2006/diagram" xmlns:o="urn:schemas-microsoft-com:office:office" xmlns:v="urn:schemas-microsoft-com:vml" xmlns:pvml="urn:schemas-microsoft-com:office:powerpoint" xmlns:com="http://schemas.openxmlformats.org/drawingml/2006/compatibility" xmlns:p14="http://schemas.microsoft.com/office/powerpoint/2010/main" xmlns:p15="http://schemas.microsoft.com/office/powerpoint/2012/main" xmlns:ahyp="http://schemas.microsoft.com/office/drawing/2018/hyperlinkcolor">
+<p:sld xmlns:a="http://schemas.openxmlformats.org/drawingml/2006/main" xmlns:r="http://schemas.openxmlformats.org/officeDocument/2006/relationships" xmlns:p="http://schemas.openxmlformats.org/presentationml/2006/main">
   <p:cSld>
     <p:bg>
       <p:bgPr>
@@ -11103,11 +11294,12 @@
             <a:fillRect/>
           </a:stretch>
         </a:blipFill>
+        <a:effectLst/>
       </p:bgPr>
     </p:bg>
     <p:spTree>
       <p:nvGrpSpPr>
-        <p:cNvPr id="83" name="Shape 83"/>
+        <p:cNvPr id="1" name="Shape 83"/>
         <p:cNvGrpSpPr/>
         <p:nvPr/>
       </p:nvGrpSpPr>
@@ -11153,12 +11345,12 @@
             </a:ln>
           </p:spPr>
           <p:txBody>
-            <a:bodyPr anchorCtr="0" anchor="t" bIns="0" lIns="0" spcFirstLastPara="1" rIns="0" wrap="square" tIns="0">
+            <a:bodyPr spcFirstLastPara="1" wrap="square" lIns="0" tIns="0" rIns="0" bIns="0" anchor="t" anchorCtr="0">
               <a:spAutoFit/>
             </a:bodyPr>
             <a:lstStyle/>
             <a:p>
-              <a:pPr indent="0" lvl="0" marL="0" marR="0" rtl="0" algn="ctr">
+              <a:pPr marL="0" marR="0" lvl="0" indent="0" algn="ctr" rtl="0">
                 <a:lnSpc>
                   <a:spcPct val="110000"/>
                 </a:lnSpc>
@@ -11219,12 +11411,12 @@
             </a:ln>
           </p:spPr>
           <p:txBody>
-            <a:bodyPr anchorCtr="0" anchor="t" bIns="0" lIns="0" spcFirstLastPara="1" rIns="0" wrap="square" tIns="0">
+            <a:bodyPr spcFirstLastPara="1" wrap="square" lIns="0" tIns="0" rIns="0" bIns="0" anchor="t" anchorCtr="0">
               <a:spAutoFit/>
             </a:bodyPr>
             <a:lstStyle/>
             <a:p>
-              <a:pPr indent="0" lvl="0" marL="0" marR="0" rtl="0" algn="ctr">
+              <a:pPr marL="0" marR="0" lvl="0" indent="0" algn="ctr" rtl="0">
                 <a:lnSpc>
                   <a:spcPct val="140013"/>
                 </a:lnSpc>
@@ -11236,9 +11428,6 @@
                 </a:spcAft>
                 <a:buNone/>
               </a:pPr>
-              <a:r>
-                <a:t/>
-              </a:r>
               <a:endParaRPr/>
             </a:p>
           </p:txBody>
@@ -11253,7 +11442,7 @@
 </file>
 
 <file path=ppt/slides/slide2.xml><?xml version="1.0" encoding="utf-8"?>
-<p:sld xmlns:a="http://schemas.openxmlformats.org/drawingml/2006/main" xmlns:r="http://schemas.openxmlformats.org/officeDocument/2006/relationships" xmlns:mc="http://schemas.openxmlformats.org/markup-compatibility/2006" xmlns:mv="urn:schemas-microsoft-com:mac:vml" xmlns:p="http://schemas.openxmlformats.org/presentationml/2006/main" xmlns:c="http://schemas.openxmlformats.org/drawingml/2006/chart" xmlns:dgm="http://schemas.openxmlformats.org/drawingml/2006/diagram" xmlns:o="urn:schemas-microsoft-com:office:office" xmlns:v="urn:schemas-microsoft-com:vml" xmlns:pvml="urn:schemas-microsoft-com:office:powerpoint" xmlns:com="http://schemas.openxmlformats.org/drawingml/2006/compatibility" xmlns:p14="http://schemas.microsoft.com/office/powerpoint/2010/main" xmlns:p15="http://schemas.microsoft.com/office/powerpoint/2012/main" xmlns:ahyp="http://schemas.microsoft.com/office/drawing/2018/hyperlinkcolor">
+<p:sld xmlns:a="http://schemas.openxmlformats.org/drawingml/2006/main" xmlns:r="http://schemas.openxmlformats.org/officeDocument/2006/relationships" xmlns:p="http://schemas.openxmlformats.org/presentationml/2006/main">
   <p:cSld>
     <p:bg>
       <p:bgPr>
@@ -11265,11 +11454,12 @@
             <a:fillRect/>
           </a:stretch>
         </a:blipFill>
+        <a:effectLst/>
       </p:bgPr>
     </p:bg>
     <p:spTree>
       <p:nvGrpSpPr>
-        <p:cNvPr id="90" name="Shape 90"/>
+        <p:cNvPr id="1" name="Shape 90"/>
         <p:cNvGrpSpPr/>
         <p:nvPr/>
       </p:nvGrpSpPr>
@@ -11315,12 +11505,12 @@
             </a:ln>
           </p:spPr>
           <p:txBody>
-            <a:bodyPr anchorCtr="0" anchor="t" bIns="0" lIns="0" spcFirstLastPara="1" rIns="0" wrap="square" tIns="0">
+            <a:bodyPr spcFirstLastPara="1" wrap="square" lIns="0" tIns="0" rIns="0" bIns="0" anchor="t" anchorCtr="0">
               <a:spAutoFit/>
             </a:bodyPr>
             <a:lstStyle/>
             <a:p>
-              <a:pPr indent="0" lvl="0" marL="0" marR="0" rtl="0" algn="l">
+              <a:pPr marL="0" marR="0" lvl="0" indent="0" algn="l" rtl="0">
                 <a:lnSpc>
                   <a:spcPct val="140000"/>
                 </a:lnSpc>
@@ -11368,12 +11558,12 @@
             </a:ln>
           </p:spPr>
           <p:txBody>
-            <a:bodyPr anchorCtr="0" anchor="t" bIns="0" lIns="0" spcFirstLastPara="1" rIns="0" wrap="square" tIns="0">
+            <a:bodyPr spcFirstLastPara="1" wrap="square" lIns="0" tIns="0" rIns="0" bIns="0" anchor="t" anchorCtr="0">
               <a:spAutoFit/>
             </a:bodyPr>
             <a:lstStyle/>
             <a:p>
-              <a:pPr indent="0" lvl="0" marL="0" marR="0" rtl="0" algn="ctr">
+              <a:pPr marL="0" marR="0" lvl="0" indent="0" algn="ctr" rtl="0">
                 <a:lnSpc>
                   <a:spcPct val="120003"/>
                 </a:lnSpc>
@@ -11391,7 +11581,7 @@
                 <a:buNone/>
               </a:pPr>
               <a:r>
-                <a:rPr lang="en-US" sz="4749">
+                <a:rPr lang="en-US" sz="4749" dirty="0">
                   <a:solidFill>
                     <a:srgbClr val="2B2B2B"/>
                   </a:solidFill>
@@ -11402,7 +11592,7 @@
                 </a:rPr>
                 <a:t>HTML – Hyper</a:t>
               </a:r>
-              <a:endParaRPr sz="4749">
+              <a:endParaRPr sz="4749" dirty="0">
                 <a:solidFill>
                   <a:srgbClr val="2B2B2B"/>
                 </a:solidFill>
@@ -11413,7 +11603,7 @@
               </a:endParaRPr>
             </a:p>
             <a:p>
-              <a:pPr indent="0" lvl="0" marL="0" marR="0" rtl="0" algn="ctr">
+              <a:pPr marL="0" marR="0" lvl="0" indent="0" algn="ctr" rtl="0">
                 <a:lnSpc>
                   <a:spcPct val="120003"/>
                 </a:lnSpc>
@@ -11431,7 +11621,7 @@
                 <a:buNone/>
               </a:pPr>
               <a:r>
-                <a:rPr lang="en-US" sz="4749">
+                <a:rPr lang="en-US" sz="4749" dirty="0">
                   <a:solidFill>
                     <a:srgbClr val="2B2B2B"/>
                   </a:solidFill>
@@ -11442,7 +11632,7 @@
                 </a:rPr>
                 <a:t>Text Markup Language</a:t>
               </a:r>
-              <a:endParaRPr sz="4749">
+              <a:endParaRPr sz="4749" dirty="0">
                 <a:solidFill>
                   <a:srgbClr val="2B2B2B"/>
                 </a:solidFill>
@@ -11453,7 +11643,7 @@
               </a:endParaRPr>
             </a:p>
             <a:p>
-              <a:pPr indent="0" lvl="0" marL="0" marR="0" rtl="0" algn="ctr">
+              <a:pPr marL="0" marR="0" lvl="0" indent="0" algn="ctr" rtl="0">
                 <a:lnSpc>
                   <a:spcPct val="120003"/>
                 </a:lnSpc>
@@ -11465,10 +11655,7 @@
                 </a:spcAft>
                 <a:buNone/>
               </a:pPr>
-              <a:r>
-                <a:t/>
-              </a:r>
-              <a:endParaRPr sz="4749">
+              <a:endParaRPr sz="4749" dirty="0">
                 <a:solidFill>
                   <a:srgbClr val="2B2B2B"/>
                 </a:solidFill>
@@ -11490,7 +11677,7 @@
 </file>
 
 <file path=ppt/slides/slide3.xml><?xml version="1.0" encoding="utf-8"?>
-<p:sld xmlns:a="http://schemas.openxmlformats.org/drawingml/2006/main" xmlns:r="http://schemas.openxmlformats.org/officeDocument/2006/relationships" xmlns:mc="http://schemas.openxmlformats.org/markup-compatibility/2006" xmlns:mv="urn:schemas-microsoft-com:mac:vml" xmlns:p="http://schemas.openxmlformats.org/presentationml/2006/main" xmlns:c="http://schemas.openxmlformats.org/drawingml/2006/chart" xmlns:dgm="http://schemas.openxmlformats.org/drawingml/2006/diagram" xmlns:o="urn:schemas-microsoft-com:office:office" xmlns:v="urn:schemas-microsoft-com:vml" xmlns:pvml="urn:schemas-microsoft-com:office:powerpoint" xmlns:com="http://schemas.openxmlformats.org/drawingml/2006/compatibility" xmlns:p14="http://schemas.microsoft.com/office/powerpoint/2010/main" xmlns:p15="http://schemas.microsoft.com/office/powerpoint/2012/main" xmlns:ahyp="http://schemas.microsoft.com/office/drawing/2018/hyperlinkcolor">
+<p:sld xmlns:a="http://schemas.openxmlformats.org/drawingml/2006/main" xmlns:r="http://schemas.openxmlformats.org/officeDocument/2006/relationships" xmlns:p="http://schemas.openxmlformats.org/presentationml/2006/main">
   <p:cSld>
     <p:bg>
       <p:bgPr>
@@ -11502,11 +11689,12 @@
             <a:fillRect/>
           </a:stretch>
         </a:blipFill>
+        <a:effectLst/>
       </p:bgPr>
     </p:bg>
     <p:spTree>
       <p:nvGrpSpPr>
-        <p:cNvPr id="97" name="Shape 97"/>
+        <p:cNvPr id="1" name="Shape 97"/>
         <p:cNvGrpSpPr/>
         <p:nvPr/>
       </p:nvGrpSpPr>
@@ -11538,12 +11726,12 @@
           </a:ln>
         </p:spPr>
         <p:txBody>
-          <a:bodyPr anchorCtr="0" anchor="t" bIns="0" lIns="0" spcFirstLastPara="1" rIns="0" wrap="square" tIns="0">
+          <a:bodyPr spcFirstLastPara="1" wrap="square" lIns="0" tIns="0" rIns="0" bIns="0" anchor="t" anchorCtr="0">
             <a:spAutoFit/>
           </a:bodyPr>
           <a:lstStyle/>
           <a:p>
-            <a:pPr indent="0" lvl="0" marL="0" marR="0" rtl="0" algn="ctr">
+            <a:pPr marL="0" marR="0" lvl="0" indent="0" algn="ctr" rtl="0">
               <a:lnSpc>
                 <a:spcPct val="120002"/>
               </a:lnSpc>
@@ -11556,7 +11744,7 @@
               <a:buNone/>
             </a:pPr>
             <a:r>
-              <a:rPr b="0" i="0" lang="en-US" sz="6924" u="none" cap="none" strike="noStrike">
+              <a:rPr lang="en-US" sz="6924" b="0" i="0" u="none" strike="noStrike" cap="none">
                 <a:solidFill>
                   <a:schemeClr val="lt1"/>
                 </a:solidFill>
@@ -11595,12 +11783,12 @@
           </a:ln>
         </p:spPr>
         <p:txBody>
-          <a:bodyPr anchorCtr="0" anchor="t" bIns="91425" lIns="91425" spcFirstLastPara="1" rIns="91425" wrap="square" tIns="91425">
+          <a:bodyPr spcFirstLastPara="1" wrap="square" lIns="91425" tIns="91425" rIns="91425" bIns="91425" anchor="t" anchorCtr="0">
             <a:spAutoFit/>
           </a:bodyPr>
           <a:lstStyle/>
           <a:p>
-            <a:pPr indent="0" lvl="0" marL="0" rtl="0" algn="l">
+            <a:pPr marL="0" lvl="0" indent="0" algn="l" rtl="0">
               <a:spcBef>
                 <a:spcPts val="0"/>
               </a:spcBef>
@@ -11631,7 +11819,7 @@
             </a:endParaRPr>
           </a:p>
           <a:p>
-            <a:pPr indent="0" lvl="0" marL="0" rtl="0" algn="l">
+            <a:pPr marL="0" lvl="0" indent="0" algn="l" rtl="0">
               <a:spcBef>
                 <a:spcPts val="0"/>
               </a:spcBef>
@@ -11657,7 +11845,7 @@
             </a:endParaRPr>
           </a:p>
           <a:p>
-            <a:pPr indent="0" lvl="0" marL="0" rtl="0" algn="l">
+            <a:pPr marL="0" lvl="0" indent="0" algn="l" rtl="0">
               <a:spcBef>
                 <a:spcPts val="0"/>
               </a:spcBef>
@@ -11666,9 +11854,6 @@
               </a:spcAft>
               <a:buNone/>
             </a:pPr>
-            <a:r>
-              <a:t/>
-            </a:r>
             <a:endParaRPr sz="2900">
               <a:latin typeface="Montserrat"/>
               <a:ea typeface="Montserrat"/>
@@ -11677,7 +11862,7 @@
             </a:endParaRPr>
           </a:p>
           <a:p>
-            <a:pPr indent="0" lvl="0" marL="0" rtl="0" algn="l">
+            <a:pPr marL="0" lvl="0" indent="0" algn="l" rtl="0">
               <a:spcBef>
                 <a:spcPts val="0"/>
               </a:spcBef>
@@ -11691,9 +11876,6 @@
               <a:buFont typeface="Arial"/>
               <a:buNone/>
             </a:pPr>
-            <a:r>
-              <a:t/>
-            </a:r>
             <a:endParaRPr sz="2900">
               <a:latin typeface="Montserrat"/>
               <a:ea typeface="Montserrat"/>
@@ -11702,7 +11884,7 @@
             </a:endParaRPr>
           </a:p>
           <a:p>
-            <a:pPr indent="0" lvl="0" marL="0" rtl="0" algn="l">
+            <a:pPr marL="0" lvl="0" indent="0" algn="l" rtl="0">
               <a:spcBef>
                 <a:spcPts val="0"/>
               </a:spcBef>
@@ -11733,7 +11915,7 @@
             </a:endParaRPr>
           </a:p>
           <a:p>
-            <a:pPr indent="0" lvl="0" marL="0" rtl="0" algn="l">
+            <a:pPr marL="0" lvl="0" indent="0" algn="l" rtl="0">
               <a:spcBef>
                 <a:spcPts val="0"/>
               </a:spcBef>
@@ -11764,7 +11946,7 @@
             </a:endParaRPr>
           </a:p>
           <a:p>
-            <a:pPr indent="0" lvl="0" marL="0" rtl="0" algn="l">
+            <a:pPr marL="0" lvl="0" indent="0" algn="l" rtl="0">
               <a:spcBef>
                 <a:spcPts val="0"/>
               </a:spcBef>
@@ -11795,7 +11977,7 @@
             </a:endParaRPr>
           </a:p>
           <a:p>
-            <a:pPr indent="0" lvl="0" marL="0" rtl="0" algn="l">
+            <a:pPr marL="0" lvl="0" indent="0" algn="l" rtl="0">
               <a:spcBef>
                 <a:spcPts val="0"/>
               </a:spcBef>
@@ -11826,7 +12008,7 @@
             </a:endParaRPr>
           </a:p>
           <a:p>
-            <a:pPr indent="0" lvl="0" marL="0" rtl="0" algn="l">
+            <a:pPr marL="0" lvl="0" indent="0" algn="l" rtl="0">
               <a:spcBef>
                 <a:spcPts val="0"/>
               </a:spcBef>
@@ -11840,9 +12022,6 @@
               <a:buFont typeface="Arial"/>
               <a:buNone/>
             </a:pPr>
-            <a:r>
-              <a:t/>
-            </a:r>
             <a:endParaRPr sz="2900">
               <a:latin typeface="Montserrat"/>
               <a:ea typeface="Montserrat"/>
@@ -11851,7 +12030,7 @@
             </a:endParaRPr>
           </a:p>
           <a:p>
-            <a:pPr indent="0" lvl="0" marL="0" rtl="0" algn="ctr">
+            <a:pPr marL="0" lvl="0" indent="0" algn="ctr" rtl="0">
               <a:spcBef>
                 <a:spcPts val="0"/>
               </a:spcBef>
@@ -11866,7 +12045,7 @@
               <a:buNone/>
             </a:pPr>
             <a:r>
-              <a:rPr b="1" lang="en-US" sz="2900">
+              <a:rPr lang="en-US" sz="2900" b="1">
                 <a:solidFill>
                   <a:schemeClr val="dk2"/>
                 </a:solidFill>
@@ -11877,7 +12056,7 @@
               </a:rPr>
               <a:t>Codepen</a:t>
             </a:r>
-            <a:endParaRPr b="1" sz="2900">
+            <a:endParaRPr sz="2900" b="1">
               <a:solidFill>
                 <a:schemeClr val="dk2"/>
               </a:solidFill>
@@ -11888,7 +12067,7 @@
             </a:endParaRPr>
           </a:p>
           <a:p>
-            <a:pPr indent="0" lvl="0" marL="0" rtl="0" algn="l">
+            <a:pPr marL="0" lvl="0" indent="0" algn="l" rtl="0">
               <a:spcBef>
                 <a:spcPts val="0"/>
               </a:spcBef>
@@ -11897,9 +12076,6 @@
               </a:spcAft>
               <a:buNone/>
             </a:pPr>
-            <a:r>
-              <a:t/>
-            </a:r>
             <a:endParaRPr>
               <a:latin typeface="Calibri"/>
               <a:ea typeface="Calibri"/>
@@ -11929,12 +12105,12 @@
           </a:ln>
         </p:spPr>
         <p:txBody>
-          <a:bodyPr anchorCtr="0" anchor="t" bIns="91425" lIns="91425" spcFirstLastPara="1" rIns="91425" wrap="square" tIns="91425">
+          <a:bodyPr spcFirstLastPara="1" wrap="square" lIns="91425" tIns="91425" rIns="91425" bIns="91425" anchor="t" anchorCtr="0">
             <a:spAutoFit/>
           </a:bodyPr>
           <a:lstStyle/>
           <a:p>
-            <a:pPr indent="0" lvl="0" marL="0" rtl="0" algn="l">
+            <a:pPr marL="0" lvl="0" indent="0" algn="l" rtl="0">
               <a:spcBef>
                 <a:spcPts val="0"/>
               </a:spcBef>
@@ -11943,9 +12119,6 @@
               </a:spcAft>
               <a:buNone/>
             </a:pPr>
-            <a:r>
-              <a:t/>
-            </a:r>
             <a:endParaRPr>
               <a:latin typeface="Calibri"/>
               <a:ea typeface="Calibri"/>
@@ -11992,7 +12165,7 @@
 </file>
 
 <file path=ppt/slides/slide4.xml><?xml version="1.0" encoding="utf-8"?>
-<p:sld xmlns:a="http://schemas.openxmlformats.org/drawingml/2006/main" xmlns:r="http://schemas.openxmlformats.org/officeDocument/2006/relationships" xmlns:mc="http://schemas.openxmlformats.org/markup-compatibility/2006" xmlns:mv="urn:schemas-microsoft-com:mac:vml" xmlns:p="http://schemas.openxmlformats.org/presentationml/2006/main" xmlns:c="http://schemas.openxmlformats.org/drawingml/2006/chart" xmlns:dgm="http://schemas.openxmlformats.org/drawingml/2006/diagram" xmlns:o="urn:schemas-microsoft-com:office:office" xmlns:v="urn:schemas-microsoft-com:vml" xmlns:pvml="urn:schemas-microsoft-com:office:powerpoint" xmlns:com="http://schemas.openxmlformats.org/drawingml/2006/compatibility" xmlns:p14="http://schemas.microsoft.com/office/powerpoint/2010/main" xmlns:p15="http://schemas.microsoft.com/office/powerpoint/2012/main" xmlns:ahyp="http://schemas.microsoft.com/office/drawing/2018/hyperlinkcolor">
+<p:sld xmlns:a="http://schemas.openxmlformats.org/drawingml/2006/main" xmlns:r="http://schemas.openxmlformats.org/officeDocument/2006/relationships" xmlns:p="http://schemas.openxmlformats.org/presentationml/2006/main">
   <p:cSld>
     <p:bg>
       <p:bgPr>
@@ -12004,11 +12177,12 @@
             <a:fillRect/>
           </a:stretch>
         </a:blipFill>
+        <a:effectLst/>
       </p:bgPr>
     </p:bg>
     <p:spTree>
       <p:nvGrpSpPr>
-        <p:cNvPr id="105" name="Shape 105"/>
+        <p:cNvPr id="1" name="Shape 105"/>
         <p:cNvGrpSpPr/>
         <p:nvPr/>
       </p:nvGrpSpPr>
@@ -12040,12 +12214,12 @@
           </a:ln>
         </p:spPr>
         <p:txBody>
-          <a:bodyPr anchorCtr="0" anchor="t" bIns="0" lIns="0" spcFirstLastPara="1" rIns="0" wrap="square" tIns="0">
+          <a:bodyPr spcFirstLastPara="1" wrap="square" lIns="0" tIns="0" rIns="0" bIns="0" anchor="t" anchorCtr="0">
             <a:spAutoFit/>
           </a:bodyPr>
           <a:lstStyle/>
           <a:p>
-            <a:pPr indent="0" lvl="0" marL="0" marR="0" rtl="0" algn="l">
+            <a:pPr marL="0" marR="0" lvl="0" indent="0" algn="l" rtl="0">
               <a:lnSpc>
                 <a:spcPct val="120003"/>
               </a:lnSpc>
@@ -12114,7 +12288,7 @@
 </file>
 
 <file path=ppt/slides/slide5.xml><?xml version="1.0" encoding="utf-8"?>
-<p:sld xmlns:a="http://schemas.openxmlformats.org/drawingml/2006/main" xmlns:r="http://schemas.openxmlformats.org/officeDocument/2006/relationships" xmlns:mc="http://schemas.openxmlformats.org/markup-compatibility/2006" xmlns:mv="urn:schemas-microsoft-com:mac:vml" xmlns:p="http://schemas.openxmlformats.org/presentationml/2006/main" xmlns:c="http://schemas.openxmlformats.org/drawingml/2006/chart" xmlns:dgm="http://schemas.openxmlformats.org/drawingml/2006/diagram" xmlns:o="urn:schemas-microsoft-com:office:office" xmlns:v="urn:schemas-microsoft-com:vml" xmlns:pvml="urn:schemas-microsoft-com:office:powerpoint" xmlns:com="http://schemas.openxmlformats.org/drawingml/2006/compatibility" xmlns:p14="http://schemas.microsoft.com/office/powerpoint/2010/main" xmlns:p15="http://schemas.microsoft.com/office/powerpoint/2012/main" xmlns:ahyp="http://schemas.microsoft.com/office/drawing/2018/hyperlinkcolor">
+<p:sld xmlns:a="http://schemas.openxmlformats.org/drawingml/2006/main" xmlns:r="http://schemas.openxmlformats.org/officeDocument/2006/relationships" xmlns:p="http://schemas.openxmlformats.org/presentationml/2006/main">
   <p:cSld>
     <p:bg>
       <p:bgPr>
@@ -12126,11 +12300,12 @@
             <a:fillRect/>
           </a:stretch>
         </a:blipFill>
+        <a:effectLst/>
       </p:bgPr>
     </p:bg>
     <p:spTree>
       <p:nvGrpSpPr>
-        <p:cNvPr id="111" name="Shape 111"/>
+        <p:cNvPr id="1" name="Shape 111"/>
         <p:cNvGrpSpPr/>
         <p:nvPr/>
       </p:nvGrpSpPr>
@@ -12152,7 +12327,7 @@
           <a:blip r:embed="rId4">
             <a:alphaModFix/>
           </a:blip>
-          <a:srcRect b="53053" l="7312" r="32150" t="0"/>
+          <a:srcRect l="7312" r="32150" b="53053"/>
           <a:stretch/>
         </p:blipFill>
         <p:spPr>
@@ -12173,11 +12348,17 @@
         <p:nvGraphicFramePr>
           <p:cNvPr id="113" name="Google Shape;113;p17"/>
           <p:cNvGraphicFramePr/>
-          <p:nvPr/>
+          <p:nvPr>
+            <p:extLst>
+              <p:ext uri="{D42A27DB-BD31-4B8C-83A1-F6EECF244321}">
+                <p14:modId xmlns:p14="http://schemas.microsoft.com/office/powerpoint/2010/main" val="476805062"/>
+              </p:ext>
+            </p:extLst>
+          </p:nvPr>
         </p:nvGraphicFramePr>
         <p:xfrm>
-          <a:off x="190125" y="2389800"/>
-          <a:ext cx="3000000" cy="3000000"/>
+          <a:off x="259398" y="2207248"/>
+          <a:ext cx="7565775" cy="6954978"/>
         </p:xfrm>
         <a:graphic>
           <a:graphicData uri="http://schemas.openxmlformats.org/drawingml/2006/table">
@@ -12187,8 +12368,20 @@
                 <a:tableStyleId>{B8D7657A-F7EE-4CFB-A9D0-9DAC32581843}</a:tableStyleId>
               </a:tblPr>
               <a:tblGrid>
-                <a:gridCol w="6042775"/>
-                <a:gridCol w="1523000"/>
+                <a:gridCol w="6042775">
+                  <a:extLst>
+                    <a:ext uri="{9D8B030D-6E8A-4147-A177-3AD203B41FA5}">
+                      <a16:colId xmlns:a16="http://schemas.microsoft.com/office/drawing/2014/main" val="20000"/>
+                    </a:ext>
+                  </a:extLst>
+                </a:gridCol>
+                <a:gridCol w="1523000">
+                  <a:extLst>
+                    <a:ext uri="{9D8B030D-6E8A-4147-A177-3AD203B41FA5}">
+                      <a16:colId xmlns:a16="http://schemas.microsoft.com/office/drawing/2014/main" val="20001"/>
+                    </a:ext>
+                  </a:extLst>
+                </a:gridCol>
               </a:tblGrid>
               <a:tr h="304800">
                 <a:tc>
@@ -12196,7 +12389,7 @@
                     <a:bodyPr/>
                     <a:lstStyle/>
                     <a:p>
-                      <a:pPr indent="0" lvl="0" marL="0" rtl="0" algn="l">
+                      <a:pPr marL="0" lvl="0" indent="0" algn="l" rtl="0">
                         <a:lnSpc>
                           <a:spcPct val="115000"/>
                         </a:lnSpc>
@@ -12209,15 +12402,42 @@
                         <a:buNone/>
                       </a:pPr>
                       <a:r>
-                        <a:rPr lang="en-US" sz="1900">
+                        <a:rPr lang="en-US" sz="1900" dirty="0" err="1">
                           <a:latin typeface="Comic Sans MS"/>
                           <a:ea typeface="Comic Sans MS"/>
                           <a:cs typeface="Comic Sans MS"/>
                           <a:sym typeface="Comic Sans MS"/>
                         </a:rPr>
-                        <a:t>Указывает версию HTML</a:t>
+                        <a:t>Указывает</a:t>
                       </a:r>
-                      <a:endParaRPr sz="1900">
+                      <a:r>
+                        <a:rPr lang="en-US" sz="1900" dirty="0">
+                          <a:latin typeface="Comic Sans MS"/>
+                          <a:ea typeface="Comic Sans MS"/>
+                          <a:cs typeface="Comic Sans MS"/>
+                          <a:sym typeface="Comic Sans MS"/>
+                        </a:rPr>
+                        <a:t> </a:t>
+                      </a:r>
+                      <a:r>
+                        <a:rPr lang="en-US" sz="1900" dirty="0" err="1">
+                          <a:latin typeface="Comic Sans MS"/>
+                          <a:ea typeface="Comic Sans MS"/>
+                          <a:cs typeface="Comic Sans MS"/>
+                          <a:sym typeface="Comic Sans MS"/>
+                        </a:rPr>
+                        <a:t>версию</a:t>
+                      </a:r>
+                      <a:r>
+                        <a:rPr lang="en-US" sz="1900" dirty="0">
+                          <a:latin typeface="Comic Sans MS"/>
+                          <a:ea typeface="Comic Sans MS"/>
+                          <a:cs typeface="Comic Sans MS"/>
+                          <a:sym typeface="Comic Sans MS"/>
+                        </a:rPr>
+                        <a:t> HTML</a:t>
+                      </a:r>
+                      <a:endParaRPr sz="1900" dirty="0">
                         <a:latin typeface="Comic Sans MS"/>
                         <a:ea typeface="Comic Sans MS"/>
                         <a:cs typeface="Comic Sans MS"/>
@@ -12225,42 +12445,42 @@
                       </a:endParaRPr>
                     </a:p>
                   </a:txBody>
-                  <a:tcPr marT="91425" marB="91425" marR="91425" marL="91425">
-                    <a:lnL cap="flat" cmpd="sng" w="9525">
+                  <a:tcPr marL="91425" marR="91425" marT="91425" marB="91425">
+                    <a:lnL w="9525" cap="flat" cmpd="sng">
                       <a:solidFill>
                         <a:schemeClr val="dk1"/>
                       </a:solidFill>
                       <a:prstDash val="solid"/>
                       <a:round/>
-                      <a:headEnd len="sm" w="sm" type="none"/>
-                      <a:tailEnd len="sm" w="sm" type="none"/>
+                      <a:headEnd type="none" w="sm" len="sm"/>
+                      <a:tailEnd type="none" w="sm" len="sm"/>
                     </a:lnL>
-                    <a:lnR cap="flat" cmpd="sng" w="9525">
+                    <a:lnR w="9525" cap="flat" cmpd="sng">
                       <a:solidFill>
                         <a:schemeClr val="dk1"/>
                       </a:solidFill>
                       <a:prstDash val="solid"/>
                       <a:round/>
-                      <a:headEnd len="sm" w="sm" type="none"/>
-                      <a:tailEnd len="sm" w="sm" type="none"/>
+                      <a:headEnd type="none" w="sm" len="sm"/>
+                      <a:tailEnd type="none" w="sm" len="sm"/>
                     </a:lnR>
-                    <a:lnT cap="flat" cmpd="sng" w="9525">
+                    <a:lnT w="9525" cap="flat" cmpd="sng">
                       <a:solidFill>
                         <a:schemeClr val="dk1"/>
                       </a:solidFill>
                       <a:prstDash val="solid"/>
                       <a:round/>
-                      <a:headEnd len="sm" w="sm" type="none"/>
-                      <a:tailEnd len="sm" w="sm" type="none"/>
+                      <a:headEnd type="none" w="sm" len="sm"/>
+                      <a:tailEnd type="none" w="sm" len="sm"/>
                     </a:lnT>
-                    <a:lnB cap="flat" cmpd="sng" w="9525">
+                    <a:lnB w="9525" cap="flat" cmpd="sng">
                       <a:solidFill>
                         <a:schemeClr val="dk1"/>
                       </a:solidFill>
                       <a:prstDash val="solid"/>
                       <a:round/>
-                      <a:headEnd len="sm" w="sm" type="none"/>
-                      <a:tailEnd len="sm" w="sm" type="none"/>
+                      <a:headEnd type="none" w="sm" len="sm"/>
+                      <a:tailEnd type="none" w="sm" len="sm"/>
                     </a:lnB>
                     <a:solidFill>
                       <a:schemeClr val="lt1"/>
@@ -12272,7 +12492,7 @@
                     <a:bodyPr/>
                     <a:lstStyle/>
                     <a:p>
-                      <a:pPr indent="0" lvl="0" marL="0" rtl="0" algn="l">
+                      <a:pPr marL="0" lvl="0" indent="0" algn="l" rtl="0">
                         <a:lnSpc>
                           <a:spcPct val="115000"/>
                         </a:lnSpc>
@@ -12285,7 +12505,7 @@
                         <a:buNone/>
                       </a:pPr>
                       <a:r>
-                        <a:rPr b="1" lang="en-US" sz="1900">
+                        <a:rPr lang="en-US" sz="1900" b="1">
                           <a:latin typeface="Comic Sans MS"/>
                           <a:ea typeface="Comic Sans MS"/>
                           <a:cs typeface="Comic Sans MS"/>
@@ -12293,7 +12513,7 @@
                         </a:rPr>
                         <a:t>DOCTYPE</a:t>
                       </a:r>
-                      <a:endParaRPr b="1" sz="1900">
+                      <a:endParaRPr sz="1900" b="1">
                         <a:latin typeface="Comic Sans MS"/>
                         <a:ea typeface="Comic Sans MS"/>
                         <a:cs typeface="Comic Sans MS"/>
@@ -12301,48 +12521,53 @@
                       </a:endParaRPr>
                     </a:p>
                   </a:txBody>
-                  <a:tcPr marT="91425" marB="91425" marR="91425" marL="91425">
-                    <a:lnL cap="flat" cmpd="sng" w="9525">
+                  <a:tcPr marL="91425" marR="91425" marT="91425" marB="91425">
+                    <a:lnL w="9525" cap="flat" cmpd="sng">
                       <a:solidFill>
                         <a:schemeClr val="dk1"/>
                       </a:solidFill>
                       <a:prstDash val="solid"/>
                       <a:round/>
-                      <a:headEnd len="sm" w="sm" type="none"/>
-                      <a:tailEnd len="sm" w="sm" type="none"/>
+                      <a:headEnd type="none" w="sm" len="sm"/>
+                      <a:tailEnd type="none" w="sm" len="sm"/>
                     </a:lnL>
-                    <a:lnR cap="flat" cmpd="sng" w="9525">
+                    <a:lnR w="9525" cap="flat" cmpd="sng">
                       <a:solidFill>
                         <a:schemeClr val="dk1"/>
                       </a:solidFill>
                       <a:prstDash val="solid"/>
                       <a:round/>
-                      <a:headEnd len="sm" w="sm" type="none"/>
-                      <a:tailEnd len="sm" w="sm" type="none"/>
+                      <a:headEnd type="none" w="sm" len="sm"/>
+                      <a:tailEnd type="none" w="sm" len="sm"/>
                     </a:lnR>
-                    <a:lnT cap="flat" cmpd="sng" w="9525">
+                    <a:lnT w="9525" cap="flat" cmpd="sng">
                       <a:solidFill>
                         <a:schemeClr val="dk1"/>
                       </a:solidFill>
                       <a:prstDash val="solid"/>
                       <a:round/>
-                      <a:headEnd len="sm" w="sm" type="none"/>
-                      <a:tailEnd len="sm" w="sm" type="none"/>
+                      <a:headEnd type="none" w="sm" len="sm"/>
+                      <a:tailEnd type="none" w="sm" len="sm"/>
                     </a:lnT>
-                    <a:lnB cap="flat" cmpd="sng" w="9525">
+                    <a:lnB w="9525" cap="flat" cmpd="sng">
                       <a:solidFill>
                         <a:schemeClr val="dk1"/>
                       </a:solidFill>
                       <a:prstDash val="solid"/>
                       <a:round/>
-                      <a:headEnd len="sm" w="sm" type="none"/>
-                      <a:tailEnd len="sm" w="sm" type="none"/>
+                      <a:headEnd type="none" w="sm" len="sm"/>
+                      <a:tailEnd type="none" w="sm" len="sm"/>
                     </a:lnB>
                     <a:solidFill>
                       <a:schemeClr val="accent5"/>
                     </a:solidFill>
                   </a:tcPr>
                 </a:tc>
+                <a:extLst>
+                  <a:ext uri="{0D108BD9-81ED-4DB2-BD59-A6C34878D82A}">
+                    <a16:rowId xmlns:a16="http://schemas.microsoft.com/office/drawing/2014/main" val="10000"/>
+                  </a:ext>
+                </a:extLst>
               </a:tr>
               <a:tr h="838200">
                 <a:tc>
@@ -12350,7 +12575,7 @@
                     <a:bodyPr/>
                     <a:lstStyle/>
                     <a:p>
-                      <a:pPr indent="0" lvl="0" marL="0" rtl="0" algn="l">
+                      <a:pPr marL="0" lvl="0" indent="0" algn="l" rtl="0">
                         <a:lnSpc>
                           <a:spcPct val="115000"/>
                         </a:lnSpc>
@@ -12379,7 +12604,7 @@
                       </a:endParaRPr>
                     </a:p>
                     <a:p>
-                      <a:pPr indent="0" lvl="0" marL="0" rtl="0" algn="l">
+                      <a:pPr marL="0" lvl="0" indent="0" algn="l" rtl="0">
                         <a:lnSpc>
                           <a:spcPct val="115000"/>
                         </a:lnSpc>
@@ -12408,42 +12633,42 @@
                       </a:endParaRPr>
                     </a:p>
                   </a:txBody>
-                  <a:tcPr marT="91425" marB="91425" marR="91425" marL="91425">
-                    <a:lnL cap="flat" cmpd="sng" w="9525">
+                  <a:tcPr marL="91425" marR="91425" marT="91425" marB="91425">
+                    <a:lnL w="9525" cap="flat" cmpd="sng">
                       <a:solidFill>
                         <a:schemeClr val="dk1"/>
                       </a:solidFill>
                       <a:prstDash val="solid"/>
                       <a:round/>
-                      <a:headEnd len="sm" w="sm" type="none"/>
-                      <a:tailEnd len="sm" w="sm" type="none"/>
+                      <a:headEnd type="none" w="sm" len="sm"/>
+                      <a:tailEnd type="none" w="sm" len="sm"/>
                     </a:lnL>
-                    <a:lnR cap="flat" cmpd="sng" w="9525">
+                    <a:lnR w="9525" cap="flat" cmpd="sng">
                       <a:solidFill>
                         <a:schemeClr val="dk1"/>
                       </a:solidFill>
                       <a:prstDash val="solid"/>
                       <a:round/>
-                      <a:headEnd len="sm" w="sm" type="none"/>
-                      <a:tailEnd len="sm" w="sm" type="none"/>
+                      <a:headEnd type="none" w="sm" len="sm"/>
+                      <a:tailEnd type="none" w="sm" len="sm"/>
                     </a:lnR>
-                    <a:lnT cap="flat" cmpd="sng" w="9525">
+                    <a:lnT w="9525" cap="flat" cmpd="sng">
                       <a:solidFill>
                         <a:schemeClr val="dk1"/>
                       </a:solidFill>
                       <a:prstDash val="solid"/>
                       <a:round/>
-                      <a:headEnd len="sm" w="sm" type="none"/>
-                      <a:tailEnd len="sm" w="sm" type="none"/>
+                      <a:headEnd type="none" w="sm" len="sm"/>
+                      <a:tailEnd type="none" w="sm" len="sm"/>
                     </a:lnT>
-                    <a:lnB cap="flat" cmpd="sng" w="9525">
+                    <a:lnB w="9525" cap="flat" cmpd="sng">
                       <a:solidFill>
                         <a:schemeClr val="dk1"/>
                       </a:solidFill>
                       <a:prstDash val="solid"/>
                       <a:round/>
-                      <a:headEnd len="sm" w="sm" type="none"/>
-                      <a:tailEnd len="sm" w="sm" type="none"/>
+                      <a:headEnd type="none" w="sm" len="sm"/>
+                      <a:tailEnd type="none" w="sm" len="sm"/>
                     </a:lnB>
                     <a:solidFill>
                       <a:schemeClr val="lt1"/>
@@ -12455,7 +12680,7 @@
                     <a:bodyPr/>
                     <a:lstStyle/>
                     <a:p>
-                      <a:pPr indent="0" lvl="0" marL="0" rtl="0" algn="l">
+                      <a:pPr marL="0" lvl="0" indent="0" algn="l" rtl="0">
                         <a:lnSpc>
                           <a:spcPct val="115000"/>
                         </a:lnSpc>
@@ -12468,7 +12693,7 @@
                         <a:buNone/>
                       </a:pPr>
                       <a:r>
-                        <a:rPr b="1" lang="en-US" sz="1900">
+                        <a:rPr lang="en-US" sz="1900" b="1">
                           <a:latin typeface="Comic Sans MS"/>
                           <a:ea typeface="Comic Sans MS"/>
                           <a:cs typeface="Comic Sans MS"/>
@@ -12476,7 +12701,7 @@
                         </a:rPr>
                         <a:t>&lt;html&gt;</a:t>
                       </a:r>
-                      <a:endParaRPr b="1" sz="1900">
+                      <a:endParaRPr sz="1900" b="1">
                         <a:latin typeface="Comic Sans MS"/>
                         <a:ea typeface="Comic Sans MS"/>
                         <a:cs typeface="Comic Sans MS"/>
@@ -12484,7 +12709,7 @@
                       </a:endParaRPr>
                     </a:p>
                     <a:p>
-                      <a:pPr indent="0" lvl="0" marL="0" rtl="0" algn="l">
+                      <a:pPr marL="0" lvl="0" indent="0" algn="l" rtl="0">
                         <a:lnSpc>
                           <a:spcPct val="115000"/>
                         </a:lnSpc>
@@ -12497,7 +12722,7 @@
                         <a:buNone/>
                       </a:pPr>
                       <a:r>
-                        <a:rPr b="1" lang="en-US" sz="1900">
+                        <a:rPr lang="en-US" sz="1900" b="1">
                           <a:latin typeface="Comic Sans MS"/>
                           <a:ea typeface="Comic Sans MS"/>
                           <a:cs typeface="Comic Sans MS"/>
@@ -12505,7 +12730,7 @@
                         </a:rPr>
                         <a:t>&lt;/html&gt;</a:t>
                       </a:r>
-                      <a:endParaRPr b="1" sz="1900">
+                      <a:endParaRPr sz="1900" b="1">
                         <a:latin typeface="Comic Sans MS"/>
                         <a:ea typeface="Comic Sans MS"/>
                         <a:cs typeface="Comic Sans MS"/>
@@ -12513,48 +12738,53 @@
                       </a:endParaRPr>
                     </a:p>
                   </a:txBody>
-                  <a:tcPr marT="91425" marB="91425" marR="91425" marL="91425">
-                    <a:lnL cap="flat" cmpd="sng" w="9525">
+                  <a:tcPr marL="91425" marR="91425" marT="91425" marB="91425">
+                    <a:lnL w="9525" cap="flat" cmpd="sng">
                       <a:solidFill>
                         <a:schemeClr val="dk1"/>
                       </a:solidFill>
                       <a:prstDash val="solid"/>
                       <a:round/>
-                      <a:headEnd len="sm" w="sm" type="none"/>
-                      <a:tailEnd len="sm" w="sm" type="none"/>
+                      <a:headEnd type="none" w="sm" len="sm"/>
+                      <a:tailEnd type="none" w="sm" len="sm"/>
                     </a:lnL>
-                    <a:lnR cap="flat" cmpd="sng" w="9525">
+                    <a:lnR w="9525" cap="flat" cmpd="sng">
                       <a:solidFill>
                         <a:schemeClr val="dk1"/>
                       </a:solidFill>
                       <a:prstDash val="solid"/>
                       <a:round/>
-                      <a:headEnd len="sm" w="sm" type="none"/>
-                      <a:tailEnd len="sm" w="sm" type="none"/>
+                      <a:headEnd type="none" w="sm" len="sm"/>
+                      <a:tailEnd type="none" w="sm" len="sm"/>
                     </a:lnR>
-                    <a:lnT cap="flat" cmpd="sng" w="9525">
+                    <a:lnT w="9525" cap="flat" cmpd="sng">
                       <a:solidFill>
                         <a:schemeClr val="dk1"/>
                       </a:solidFill>
                       <a:prstDash val="solid"/>
                       <a:round/>
-                      <a:headEnd len="sm" w="sm" type="none"/>
-                      <a:tailEnd len="sm" w="sm" type="none"/>
+                      <a:headEnd type="none" w="sm" len="sm"/>
+                      <a:tailEnd type="none" w="sm" len="sm"/>
                     </a:lnT>
-                    <a:lnB cap="flat" cmpd="sng" w="9525">
+                    <a:lnB w="9525" cap="flat" cmpd="sng">
                       <a:solidFill>
                         <a:schemeClr val="dk1"/>
                       </a:solidFill>
                       <a:prstDash val="solid"/>
                       <a:round/>
-                      <a:headEnd len="sm" w="sm" type="none"/>
-                      <a:tailEnd len="sm" w="sm" type="none"/>
+                      <a:headEnd type="none" w="sm" len="sm"/>
+                      <a:tailEnd type="none" w="sm" len="sm"/>
                     </a:lnB>
                     <a:solidFill>
                       <a:srgbClr val="EA9999"/>
                     </a:solidFill>
                   </a:tcPr>
                 </a:tc>
+                <a:extLst>
+                  <a:ext uri="{0D108BD9-81ED-4DB2-BD59-A6C34878D82A}">
+                    <a16:rowId xmlns:a16="http://schemas.microsoft.com/office/drawing/2014/main" val="10001"/>
+                  </a:ext>
+                </a:extLst>
               </a:tr>
               <a:tr h="647700">
                 <a:tc>
@@ -12562,7 +12792,7 @@
                     <a:bodyPr/>
                     <a:lstStyle/>
                     <a:p>
-                      <a:pPr indent="0" lvl="0" marL="0" rtl="0" algn="l">
+                      <a:pPr marL="0" lvl="0" indent="0" algn="l" rtl="0">
                         <a:lnSpc>
                           <a:spcPct val="115000"/>
                         </a:lnSpc>
@@ -12591,7 +12821,7 @@
                       </a:endParaRPr>
                     </a:p>
                     <a:p>
-                      <a:pPr indent="0" lvl="0" marL="0" rtl="0" algn="l">
+                      <a:pPr marL="0" lvl="0" indent="0" algn="l" rtl="0">
                         <a:lnSpc>
                           <a:spcPct val="115000"/>
                         </a:lnSpc>
@@ -12620,42 +12850,42 @@
                       </a:endParaRPr>
                     </a:p>
                   </a:txBody>
-                  <a:tcPr marT="91425" marB="91425" marR="91425" marL="91425">
-                    <a:lnL cap="flat" cmpd="sng" w="9525">
+                  <a:tcPr marL="91425" marR="91425" marT="91425" marB="91425">
+                    <a:lnL w="9525" cap="flat" cmpd="sng">
                       <a:solidFill>
                         <a:schemeClr val="dk1"/>
                       </a:solidFill>
                       <a:prstDash val="solid"/>
                       <a:round/>
-                      <a:headEnd len="sm" w="sm" type="none"/>
-                      <a:tailEnd len="sm" w="sm" type="none"/>
+                      <a:headEnd type="none" w="sm" len="sm"/>
+                      <a:tailEnd type="none" w="sm" len="sm"/>
                     </a:lnL>
-                    <a:lnR cap="flat" cmpd="sng" w="9525">
+                    <a:lnR w="9525" cap="flat" cmpd="sng">
                       <a:solidFill>
                         <a:schemeClr val="dk1"/>
                       </a:solidFill>
                       <a:prstDash val="solid"/>
                       <a:round/>
-                      <a:headEnd len="sm" w="sm" type="none"/>
-                      <a:tailEnd len="sm" w="sm" type="none"/>
+                      <a:headEnd type="none" w="sm" len="sm"/>
+                      <a:tailEnd type="none" w="sm" len="sm"/>
                     </a:lnR>
-                    <a:lnT cap="flat" cmpd="sng" w="9525">
+                    <a:lnT w="9525" cap="flat" cmpd="sng">
                       <a:solidFill>
                         <a:schemeClr val="dk1"/>
                       </a:solidFill>
                       <a:prstDash val="solid"/>
                       <a:round/>
-                      <a:headEnd len="sm" w="sm" type="none"/>
-                      <a:tailEnd len="sm" w="sm" type="none"/>
+                      <a:headEnd type="none" w="sm" len="sm"/>
+                      <a:tailEnd type="none" w="sm" len="sm"/>
                     </a:lnT>
-                    <a:lnB cap="flat" cmpd="sng" w="9525">
+                    <a:lnB w="9525" cap="flat" cmpd="sng">
                       <a:solidFill>
                         <a:schemeClr val="dk1"/>
                       </a:solidFill>
                       <a:prstDash val="solid"/>
                       <a:round/>
-                      <a:headEnd len="sm" w="sm" type="none"/>
-                      <a:tailEnd len="sm" w="sm" type="none"/>
+                      <a:headEnd type="none" w="sm" len="sm"/>
+                      <a:tailEnd type="none" w="sm" len="sm"/>
                     </a:lnB>
                     <a:solidFill>
                       <a:schemeClr val="lt1"/>
@@ -12667,7 +12897,7 @@
                     <a:bodyPr/>
                     <a:lstStyle/>
                     <a:p>
-                      <a:pPr indent="0" lvl="0" marL="0" rtl="0" algn="l">
+                      <a:pPr marL="0" lvl="0" indent="0" algn="l" rtl="0">
                         <a:lnSpc>
                           <a:spcPct val="115000"/>
                         </a:lnSpc>
@@ -12680,7 +12910,7 @@
                         <a:buNone/>
                       </a:pPr>
                       <a:r>
-                        <a:rPr b="1" lang="en-US" sz="1900">
+                        <a:rPr lang="en-US" sz="1900" b="1">
                           <a:latin typeface="Comic Sans MS"/>
                           <a:ea typeface="Comic Sans MS"/>
                           <a:cs typeface="Comic Sans MS"/>
@@ -12688,7 +12918,7 @@
                         </a:rPr>
                         <a:t>&lt;head&gt;</a:t>
                       </a:r>
-                      <a:endParaRPr b="1" sz="1900">
+                      <a:endParaRPr sz="1900" b="1">
                         <a:latin typeface="Comic Sans MS"/>
                         <a:ea typeface="Comic Sans MS"/>
                         <a:cs typeface="Comic Sans MS"/>
@@ -12696,7 +12926,7 @@
                       </a:endParaRPr>
                     </a:p>
                     <a:p>
-                      <a:pPr indent="0" lvl="0" marL="0" rtl="0" algn="l">
+                      <a:pPr marL="0" lvl="0" indent="0" algn="l" rtl="0">
                         <a:lnSpc>
                           <a:spcPct val="115000"/>
                         </a:lnSpc>
@@ -12709,7 +12939,7 @@
                         <a:buNone/>
                       </a:pPr>
                       <a:r>
-                        <a:rPr b="1" lang="en-US" sz="1900">
+                        <a:rPr lang="en-US" sz="1900" b="1">
                           <a:latin typeface="Comic Sans MS"/>
                           <a:ea typeface="Comic Sans MS"/>
                           <a:cs typeface="Comic Sans MS"/>
@@ -12717,7 +12947,7 @@
                         </a:rPr>
                         <a:t>&lt;/head&gt;</a:t>
                       </a:r>
-                      <a:endParaRPr b="1" sz="1900">
+                      <a:endParaRPr sz="1900" b="1">
                         <a:latin typeface="Comic Sans MS"/>
                         <a:ea typeface="Comic Sans MS"/>
                         <a:cs typeface="Comic Sans MS"/>
@@ -12725,48 +12955,53 @@
                       </a:endParaRPr>
                     </a:p>
                   </a:txBody>
-                  <a:tcPr marT="91425" marB="91425" marR="91425" marL="91425">
-                    <a:lnL cap="flat" cmpd="sng" w="9525">
+                  <a:tcPr marL="91425" marR="91425" marT="91425" marB="91425">
+                    <a:lnL w="9525" cap="flat" cmpd="sng">
                       <a:solidFill>
                         <a:schemeClr val="dk1"/>
                       </a:solidFill>
                       <a:prstDash val="solid"/>
                       <a:round/>
-                      <a:headEnd len="sm" w="sm" type="none"/>
-                      <a:tailEnd len="sm" w="sm" type="none"/>
+                      <a:headEnd type="none" w="sm" len="sm"/>
+                      <a:tailEnd type="none" w="sm" len="sm"/>
                     </a:lnL>
-                    <a:lnR cap="flat" cmpd="sng" w="9525">
+                    <a:lnR w="9525" cap="flat" cmpd="sng">
                       <a:solidFill>
                         <a:schemeClr val="dk1"/>
                       </a:solidFill>
                       <a:prstDash val="solid"/>
                       <a:round/>
-                      <a:headEnd len="sm" w="sm" type="none"/>
-                      <a:tailEnd len="sm" w="sm" type="none"/>
+                      <a:headEnd type="none" w="sm" len="sm"/>
+                      <a:tailEnd type="none" w="sm" len="sm"/>
                     </a:lnR>
-                    <a:lnT cap="flat" cmpd="sng" w="9525">
+                    <a:lnT w="9525" cap="flat" cmpd="sng">
                       <a:solidFill>
                         <a:schemeClr val="dk1"/>
                       </a:solidFill>
                       <a:prstDash val="solid"/>
                       <a:round/>
-                      <a:headEnd len="sm" w="sm" type="none"/>
-                      <a:tailEnd len="sm" w="sm" type="none"/>
+                      <a:headEnd type="none" w="sm" len="sm"/>
+                      <a:tailEnd type="none" w="sm" len="sm"/>
                     </a:lnT>
-                    <a:lnB cap="flat" cmpd="sng" w="9525">
+                    <a:lnB w="9525" cap="flat" cmpd="sng">
                       <a:solidFill>
                         <a:schemeClr val="dk1"/>
                       </a:solidFill>
                       <a:prstDash val="solid"/>
                       <a:round/>
-                      <a:headEnd len="sm" w="sm" type="none"/>
-                      <a:tailEnd len="sm" w="sm" type="none"/>
+                      <a:headEnd type="none" w="sm" len="sm"/>
+                      <a:tailEnd type="none" w="sm" len="sm"/>
                     </a:lnB>
                     <a:solidFill>
                       <a:srgbClr val="F9CB9C"/>
                     </a:solidFill>
                   </a:tcPr>
                 </a:tc>
+                <a:extLst>
+                  <a:ext uri="{0D108BD9-81ED-4DB2-BD59-A6C34878D82A}">
+                    <a16:rowId xmlns:a16="http://schemas.microsoft.com/office/drawing/2014/main" val="10002"/>
+                  </a:ext>
+                </a:extLst>
               </a:tr>
               <a:tr h="1019175">
                 <a:tc>
@@ -12774,7 +13009,7 @@
                     <a:bodyPr/>
                     <a:lstStyle/>
                     <a:p>
-                      <a:pPr indent="0" lvl="0" marL="0" rtl="0" algn="l">
+                      <a:pPr marL="0" lvl="0" indent="0" algn="l" rtl="0">
                         <a:lnSpc>
                           <a:spcPct val="115000"/>
                         </a:lnSpc>
@@ -12803,7 +13038,7 @@
                       </a:endParaRPr>
                     </a:p>
                     <a:p>
-                      <a:pPr indent="0" lvl="0" marL="0" rtl="0" algn="l">
+                      <a:pPr marL="0" lvl="0" indent="0" algn="l" rtl="0">
                         <a:lnSpc>
                           <a:spcPct val="115000"/>
                         </a:lnSpc>
@@ -12832,7 +13067,7 @@
                       </a:endParaRPr>
                     </a:p>
                     <a:p>
-                      <a:pPr indent="0" lvl="0" marL="0" rtl="0" algn="l">
+                      <a:pPr marL="0" lvl="0" indent="0" algn="l" rtl="0">
                         <a:lnSpc>
                           <a:spcPct val="115000"/>
                         </a:lnSpc>
@@ -12861,42 +13096,42 @@
                       </a:endParaRPr>
                     </a:p>
                   </a:txBody>
-                  <a:tcPr marT="91425" marB="91425" marR="91425" marL="91425">
-                    <a:lnL cap="flat" cmpd="sng" w="9525">
+                  <a:tcPr marL="91425" marR="91425" marT="91425" marB="91425">
+                    <a:lnL w="9525" cap="flat" cmpd="sng">
                       <a:solidFill>
                         <a:schemeClr val="dk1"/>
                       </a:solidFill>
                       <a:prstDash val="solid"/>
                       <a:round/>
-                      <a:headEnd len="sm" w="sm" type="none"/>
-                      <a:tailEnd len="sm" w="sm" type="none"/>
+                      <a:headEnd type="none" w="sm" len="sm"/>
+                      <a:tailEnd type="none" w="sm" len="sm"/>
                     </a:lnL>
-                    <a:lnR cap="flat" cmpd="sng" w="9525">
+                    <a:lnR w="9525" cap="flat" cmpd="sng">
                       <a:solidFill>
                         <a:schemeClr val="dk1"/>
                       </a:solidFill>
                       <a:prstDash val="solid"/>
                       <a:round/>
-                      <a:headEnd len="sm" w="sm" type="none"/>
-                      <a:tailEnd len="sm" w="sm" type="none"/>
+                      <a:headEnd type="none" w="sm" len="sm"/>
+                      <a:tailEnd type="none" w="sm" len="sm"/>
                     </a:lnR>
-                    <a:lnT cap="flat" cmpd="sng" w="9525">
+                    <a:lnT w="9525" cap="flat" cmpd="sng">
                       <a:solidFill>
                         <a:schemeClr val="dk1"/>
                       </a:solidFill>
                       <a:prstDash val="solid"/>
                       <a:round/>
-                      <a:headEnd len="sm" w="sm" type="none"/>
-                      <a:tailEnd len="sm" w="sm" type="none"/>
+                      <a:headEnd type="none" w="sm" len="sm"/>
+                      <a:tailEnd type="none" w="sm" len="sm"/>
                     </a:lnT>
-                    <a:lnB cap="flat" cmpd="sng" w="9525">
+                    <a:lnB w="9525" cap="flat" cmpd="sng">
                       <a:solidFill>
                         <a:schemeClr val="dk1"/>
                       </a:solidFill>
                       <a:prstDash val="solid"/>
                       <a:round/>
-                      <a:headEnd len="sm" w="sm" type="none"/>
-                      <a:tailEnd len="sm" w="sm" type="none"/>
+                      <a:headEnd type="none" w="sm" len="sm"/>
+                      <a:tailEnd type="none" w="sm" len="sm"/>
                     </a:lnB>
                     <a:solidFill>
                       <a:schemeClr val="lt1"/>
@@ -12908,7 +13143,7 @@
                     <a:bodyPr/>
                     <a:lstStyle/>
                     <a:p>
-                      <a:pPr indent="0" lvl="0" marL="0" rtl="0" algn="l">
+                      <a:pPr marL="0" lvl="0" indent="0" algn="l" rtl="0">
                         <a:lnSpc>
                           <a:spcPct val="115000"/>
                         </a:lnSpc>
@@ -12921,7 +13156,7 @@
                         <a:buNone/>
                       </a:pPr>
                       <a:r>
-                        <a:rPr b="1" lang="en-US" sz="1900">
+                        <a:rPr lang="en-US" sz="1900" b="1">
                           <a:latin typeface="Comic Sans MS"/>
                           <a:ea typeface="Comic Sans MS"/>
                           <a:cs typeface="Comic Sans MS"/>
@@ -12929,7 +13164,7 @@
                         </a:rPr>
                         <a:t>&lt;meta&gt;</a:t>
                       </a:r>
-                      <a:endParaRPr b="1" sz="1900">
+                      <a:endParaRPr sz="1900" b="1">
                         <a:latin typeface="Comic Sans MS"/>
                         <a:ea typeface="Comic Sans MS"/>
                         <a:cs typeface="Comic Sans MS"/>
@@ -12937,48 +13172,53 @@
                       </a:endParaRPr>
                     </a:p>
                   </a:txBody>
-                  <a:tcPr marT="91425" marB="91425" marR="91425" marL="91425">
-                    <a:lnL cap="flat" cmpd="sng" w="9525">
+                  <a:tcPr marL="91425" marR="91425" marT="91425" marB="91425">
+                    <a:lnL w="9525" cap="flat" cmpd="sng">
                       <a:solidFill>
                         <a:schemeClr val="dk1"/>
                       </a:solidFill>
                       <a:prstDash val="solid"/>
                       <a:round/>
-                      <a:headEnd len="sm" w="sm" type="none"/>
-                      <a:tailEnd len="sm" w="sm" type="none"/>
+                      <a:headEnd type="none" w="sm" len="sm"/>
+                      <a:tailEnd type="none" w="sm" len="sm"/>
                     </a:lnL>
-                    <a:lnR cap="flat" cmpd="sng" w="9525">
+                    <a:lnR w="9525" cap="flat" cmpd="sng">
                       <a:solidFill>
                         <a:schemeClr val="dk1"/>
                       </a:solidFill>
                       <a:prstDash val="solid"/>
                       <a:round/>
-                      <a:headEnd len="sm" w="sm" type="none"/>
-                      <a:tailEnd len="sm" w="sm" type="none"/>
+                      <a:headEnd type="none" w="sm" len="sm"/>
+                      <a:tailEnd type="none" w="sm" len="sm"/>
                     </a:lnR>
-                    <a:lnT cap="flat" cmpd="sng" w="9525">
+                    <a:lnT w="9525" cap="flat" cmpd="sng">
                       <a:solidFill>
                         <a:schemeClr val="dk1"/>
                       </a:solidFill>
                       <a:prstDash val="solid"/>
                       <a:round/>
-                      <a:headEnd len="sm" w="sm" type="none"/>
-                      <a:tailEnd len="sm" w="sm" type="none"/>
+                      <a:headEnd type="none" w="sm" len="sm"/>
+                      <a:tailEnd type="none" w="sm" len="sm"/>
                     </a:lnT>
-                    <a:lnB cap="flat" cmpd="sng" w="9525">
+                    <a:lnB w="9525" cap="flat" cmpd="sng">
                       <a:solidFill>
                         <a:schemeClr val="dk1"/>
                       </a:solidFill>
                       <a:prstDash val="solid"/>
                       <a:round/>
-                      <a:headEnd len="sm" w="sm" type="none"/>
-                      <a:tailEnd len="sm" w="sm" type="none"/>
+                      <a:headEnd type="none" w="sm" len="sm"/>
+                      <a:tailEnd type="none" w="sm" len="sm"/>
                     </a:lnB>
                     <a:solidFill>
                       <a:srgbClr val="B6D7A8"/>
                     </a:solidFill>
                   </a:tcPr>
                 </a:tc>
+                <a:extLst>
+                  <a:ext uri="{0D108BD9-81ED-4DB2-BD59-A6C34878D82A}">
+                    <a16:rowId xmlns:a16="http://schemas.microsoft.com/office/drawing/2014/main" val="10003"/>
+                  </a:ext>
+                </a:extLst>
               </a:tr>
               <a:tr h="609600">
                 <a:tc>
@@ -12986,7 +13226,7 @@
                     <a:bodyPr/>
                     <a:lstStyle/>
                     <a:p>
-                      <a:pPr indent="0" lvl="0" marL="0" rtl="0" algn="l">
+                      <a:pPr marL="0" lvl="0" indent="0" algn="l" rtl="0">
                         <a:lnSpc>
                           <a:spcPct val="115000"/>
                         </a:lnSpc>
@@ -13015,42 +13255,42 @@
                       </a:endParaRPr>
                     </a:p>
                   </a:txBody>
-                  <a:tcPr marT="91425" marB="91425" marR="91425" marL="91425">
-                    <a:lnL cap="flat" cmpd="sng" w="9525">
+                  <a:tcPr marL="91425" marR="91425" marT="91425" marB="91425">
+                    <a:lnL w="9525" cap="flat" cmpd="sng">
                       <a:solidFill>
                         <a:schemeClr val="dk1"/>
                       </a:solidFill>
                       <a:prstDash val="solid"/>
                       <a:round/>
-                      <a:headEnd len="sm" w="sm" type="none"/>
-                      <a:tailEnd len="sm" w="sm" type="none"/>
+                      <a:headEnd type="none" w="sm" len="sm"/>
+                      <a:tailEnd type="none" w="sm" len="sm"/>
                     </a:lnL>
-                    <a:lnR cap="flat" cmpd="sng" w="9525">
+                    <a:lnR w="9525" cap="flat" cmpd="sng">
                       <a:solidFill>
                         <a:schemeClr val="dk1"/>
                       </a:solidFill>
                       <a:prstDash val="solid"/>
                       <a:round/>
-                      <a:headEnd len="sm" w="sm" type="none"/>
-                      <a:tailEnd len="sm" w="sm" type="none"/>
+                      <a:headEnd type="none" w="sm" len="sm"/>
+                      <a:tailEnd type="none" w="sm" len="sm"/>
                     </a:lnR>
-                    <a:lnT cap="flat" cmpd="sng" w="9525">
+                    <a:lnT w="9525" cap="flat" cmpd="sng">
                       <a:solidFill>
                         <a:schemeClr val="dk1"/>
                       </a:solidFill>
                       <a:prstDash val="solid"/>
                       <a:round/>
-                      <a:headEnd len="sm" w="sm" type="none"/>
-                      <a:tailEnd len="sm" w="sm" type="none"/>
+                      <a:headEnd type="none" w="sm" len="sm"/>
+                      <a:tailEnd type="none" w="sm" len="sm"/>
                     </a:lnT>
-                    <a:lnB cap="flat" cmpd="sng" w="9525">
+                    <a:lnB w="9525" cap="flat" cmpd="sng">
                       <a:solidFill>
                         <a:schemeClr val="dk1"/>
                       </a:solidFill>
                       <a:prstDash val="solid"/>
                       <a:round/>
-                      <a:headEnd len="sm" w="sm" type="none"/>
-                      <a:tailEnd len="sm" w="sm" type="none"/>
+                      <a:headEnd type="none" w="sm" len="sm"/>
+                      <a:tailEnd type="none" w="sm" len="sm"/>
                     </a:lnB>
                     <a:solidFill>
                       <a:schemeClr val="lt1"/>
@@ -13062,7 +13302,7 @@
                     <a:bodyPr/>
                     <a:lstStyle/>
                     <a:p>
-                      <a:pPr indent="0" lvl="0" marL="0" rtl="0" algn="l">
+                      <a:pPr marL="0" lvl="0" indent="0" algn="l" rtl="0">
                         <a:lnSpc>
                           <a:spcPct val="115000"/>
                         </a:lnSpc>
@@ -13075,7 +13315,7 @@
                         <a:buNone/>
                       </a:pPr>
                       <a:r>
-                        <a:rPr b="1" lang="en-US" sz="1900">
+                        <a:rPr lang="en-US" sz="1900" b="1">
                           <a:latin typeface="Comic Sans MS"/>
                           <a:ea typeface="Comic Sans MS"/>
                           <a:cs typeface="Comic Sans MS"/>
@@ -13083,7 +13323,7 @@
                         </a:rPr>
                         <a:t>&lt;title&gt;</a:t>
                       </a:r>
-                      <a:endParaRPr b="1" sz="1900">
+                      <a:endParaRPr sz="1900" b="1">
                         <a:latin typeface="Comic Sans MS"/>
                         <a:ea typeface="Comic Sans MS"/>
                         <a:cs typeface="Comic Sans MS"/>
@@ -13091,7 +13331,7 @@
                       </a:endParaRPr>
                     </a:p>
                     <a:p>
-                      <a:pPr indent="0" lvl="0" marL="0" rtl="0" algn="l">
+                      <a:pPr marL="0" lvl="0" indent="0" algn="l" rtl="0">
                         <a:lnSpc>
                           <a:spcPct val="115000"/>
                         </a:lnSpc>
@@ -13104,7 +13344,7 @@
                         <a:buNone/>
                       </a:pPr>
                       <a:r>
-                        <a:rPr b="1" lang="en-US" sz="1900">
+                        <a:rPr lang="en-US" sz="1900" b="1">
                           <a:latin typeface="Comic Sans MS"/>
                           <a:ea typeface="Comic Sans MS"/>
                           <a:cs typeface="Comic Sans MS"/>
@@ -13112,7 +13352,7 @@
                         </a:rPr>
                         <a:t>&lt;/title&gt;</a:t>
                       </a:r>
-                      <a:endParaRPr b="1" sz="1900">
+                      <a:endParaRPr sz="1900" b="1">
                         <a:latin typeface="Comic Sans MS"/>
                         <a:ea typeface="Comic Sans MS"/>
                         <a:cs typeface="Comic Sans MS"/>
@@ -13120,48 +13360,53 @@
                       </a:endParaRPr>
                     </a:p>
                   </a:txBody>
-                  <a:tcPr marT="91425" marB="91425" marR="91425" marL="91425">
-                    <a:lnL cap="flat" cmpd="sng" w="9525">
+                  <a:tcPr marL="91425" marR="91425" marT="91425" marB="91425">
+                    <a:lnL w="9525" cap="flat" cmpd="sng">
                       <a:solidFill>
                         <a:schemeClr val="dk1"/>
                       </a:solidFill>
                       <a:prstDash val="solid"/>
                       <a:round/>
-                      <a:headEnd len="sm" w="sm" type="none"/>
-                      <a:tailEnd len="sm" w="sm" type="none"/>
+                      <a:headEnd type="none" w="sm" len="sm"/>
+                      <a:tailEnd type="none" w="sm" len="sm"/>
                     </a:lnL>
-                    <a:lnR cap="flat" cmpd="sng" w="9525">
+                    <a:lnR w="9525" cap="flat" cmpd="sng">
                       <a:solidFill>
                         <a:schemeClr val="dk1"/>
                       </a:solidFill>
                       <a:prstDash val="solid"/>
                       <a:round/>
-                      <a:headEnd len="sm" w="sm" type="none"/>
-                      <a:tailEnd len="sm" w="sm" type="none"/>
+                      <a:headEnd type="none" w="sm" len="sm"/>
+                      <a:tailEnd type="none" w="sm" len="sm"/>
                     </a:lnR>
-                    <a:lnT cap="flat" cmpd="sng" w="9525">
+                    <a:lnT w="9525" cap="flat" cmpd="sng">
                       <a:solidFill>
                         <a:schemeClr val="dk1"/>
                       </a:solidFill>
                       <a:prstDash val="solid"/>
                       <a:round/>
-                      <a:headEnd len="sm" w="sm" type="none"/>
-                      <a:tailEnd len="sm" w="sm" type="none"/>
+                      <a:headEnd type="none" w="sm" len="sm"/>
+                      <a:tailEnd type="none" w="sm" len="sm"/>
                     </a:lnT>
-                    <a:lnB cap="flat" cmpd="sng" w="9525">
+                    <a:lnB w="9525" cap="flat" cmpd="sng">
                       <a:solidFill>
                         <a:schemeClr val="dk1"/>
                       </a:solidFill>
                       <a:prstDash val="solid"/>
                       <a:round/>
-                      <a:headEnd len="sm" w="sm" type="none"/>
-                      <a:tailEnd len="sm" w="sm" type="none"/>
+                      <a:headEnd type="none" w="sm" len="sm"/>
+                      <a:tailEnd type="none" w="sm" len="sm"/>
                     </a:lnB>
                     <a:solidFill>
                       <a:schemeClr val="accent4"/>
                     </a:solidFill>
                   </a:tcPr>
                 </a:tc>
+                <a:extLst>
+                  <a:ext uri="{0D108BD9-81ED-4DB2-BD59-A6C34878D82A}">
+                    <a16:rowId xmlns:a16="http://schemas.microsoft.com/office/drawing/2014/main" val="10004"/>
+                  </a:ext>
+                </a:extLst>
               </a:tr>
               <a:tr h="647700">
                 <a:tc>
@@ -13169,7 +13414,7 @@
                     <a:bodyPr/>
                     <a:lstStyle/>
                     <a:p>
-                      <a:pPr indent="0" lvl="0" marL="0" rtl="0" algn="l">
+                      <a:pPr marL="0" lvl="0" indent="0" algn="l" rtl="0">
                         <a:lnSpc>
                           <a:spcPct val="115000"/>
                         </a:lnSpc>
@@ -13198,7 +13443,7 @@
                       </a:endParaRPr>
                     </a:p>
                     <a:p>
-                      <a:pPr indent="0" lvl="0" marL="0" rtl="0" algn="l">
+                      <a:pPr marL="0" lvl="0" indent="0" algn="l" rtl="0">
                         <a:lnSpc>
                           <a:spcPct val="115000"/>
                         </a:lnSpc>
@@ -13227,42 +13472,42 @@
                       </a:endParaRPr>
                     </a:p>
                   </a:txBody>
-                  <a:tcPr marT="91425" marB="91425" marR="91425" marL="91425">
-                    <a:lnL cap="flat" cmpd="sng" w="9525">
+                  <a:tcPr marL="91425" marR="91425" marT="91425" marB="91425">
+                    <a:lnL w="9525" cap="flat" cmpd="sng">
                       <a:solidFill>
                         <a:schemeClr val="dk1"/>
                       </a:solidFill>
                       <a:prstDash val="solid"/>
                       <a:round/>
-                      <a:headEnd len="sm" w="sm" type="none"/>
-                      <a:tailEnd len="sm" w="sm" type="none"/>
+                      <a:headEnd type="none" w="sm" len="sm"/>
+                      <a:tailEnd type="none" w="sm" len="sm"/>
                     </a:lnL>
-                    <a:lnR cap="flat" cmpd="sng" w="9525">
+                    <a:lnR w="9525" cap="flat" cmpd="sng">
                       <a:solidFill>
                         <a:schemeClr val="dk1"/>
                       </a:solidFill>
                       <a:prstDash val="solid"/>
                       <a:round/>
-                      <a:headEnd len="sm" w="sm" type="none"/>
-                      <a:tailEnd len="sm" w="sm" type="none"/>
+                      <a:headEnd type="none" w="sm" len="sm"/>
+                      <a:tailEnd type="none" w="sm" len="sm"/>
                     </a:lnR>
-                    <a:lnT cap="flat" cmpd="sng" w="9525">
+                    <a:lnT w="9525" cap="flat" cmpd="sng">
                       <a:solidFill>
                         <a:schemeClr val="dk1"/>
                       </a:solidFill>
                       <a:prstDash val="solid"/>
                       <a:round/>
-                      <a:headEnd len="sm" w="sm" type="none"/>
-                      <a:tailEnd len="sm" w="sm" type="none"/>
+                      <a:headEnd type="none" w="sm" len="sm"/>
+                      <a:tailEnd type="none" w="sm" len="sm"/>
                     </a:lnT>
-                    <a:lnB cap="flat" cmpd="sng" w="9525">
+                    <a:lnB w="9525" cap="flat" cmpd="sng">
                       <a:solidFill>
                         <a:schemeClr val="dk1"/>
                       </a:solidFill>
                       <a:prstDash val="solid"/>
                       <a:round/>
-                      <a:headEnd len="sm" w="sm" type="none"/>
-                      <a:tailEnd len="sm" w="sm" type="none"/>
+                      <a:headEnd type="none" w="sm" len="sm"/>
+                      <a:tailEnd type="none" w="sm" len="sm"/>
                     </a:lnB>
                     <a:solidFill>
                       <a:schemeClr val="lt1"/>
@@ -13274,7 +13519,7 @@
                     <a:bodyPr/>
                     <a:lstStyle/>
                     <a:p>
-                      <a:pPr indent="0" lvl="0" marL="0" rtl="0" algn="l">
+                      <a:pPr marL="0" lvl="0" indent="0" algn="l" rtl="0">
                         <a:lnSpc>
                           <a:spcPct val="115000"/>
                         </a:lnSpc>
@@ -13287,7 +13532,7 @@
                         <a:buNone/>
                       </a:pPr>
                       <a:r>
-                        <a:rPr b="1" lang="en-US" sz="1900">
+                        <a:rPr lang="en-US" sz="1900" b="1" dirty="0">
                           <a:latin typeface="Comic Sans MS"/>
                           <a:ea typeface="Comic Sans MS"/>
                           <a:cs typeface="Comic Sans MS"/>
@@ -13295,7 +13540,7 @@
                         </a:rPr>
                         <a:t>&lt;body&gt;</a:t>
                       </a:r>
-                      <a:endParaRPr b="1" sz="1900">
+                      <a:endParaRPr sz="1900" b="1" dirty="0">
                         <a:latin typeface="Comic Sans MS"/>
                         <a:ea typeface="Comic Sans MS"/>
                         <a:cs typeface="Comic Sans MS"/>
@@ -13303,7 +13548,7 @@
                       </a:endParaRPr>
                     </a:p>
                     <a:p>
-                      <a:pPr indent="0" lvl="0" marL="0" rtl="0" algn="l">
+                      <a:pPr marL="0" lvl="0" indent="0" algn="l" rtl="0">
                         <a:lnSpc>
                           <a:spcPct val="115000"/>
                         </a:lnSpc>
@@ -13316,7 +13561,7 @@
                         <a:buNone/>
                       </a:pPr>
                       <a:r>
-                        <a:rPr b="1" lang="en-US" sz="1900">
+                        <a:rPr lang="en-US" sz="1900" b="1" dirty="0">
                           <a:latin typeface="Comic Sans MS"/>
                           <a:ea typeface="Comic Sans MS"/>
                           <a:cs typeface="Comic Sans MS"/>
@@ -13324,7 +13569,7 @@
                         </a:rPr>
                         <a:t>&lt;/body&gt;</a:t>
                       </a:r>
-                      <a:endParaRPr b="1" sz="1900">
+                      <a:endParaRPr sz="1900" b="1" dirty="0">
                         <a:latin typeface="Comic Sans MS"/>
                         <a:ea typeface="Comic Sans MS"/>
                         <a:cs typeface="Comic Sans MS"/>
@@ -13332,48 +13577,53 @@
                       </a:endParaRPr>
                     </a:p>
                   </a:txBody>
-                  <a:tcPr marT="91425" marB="91425" marR="91425" marL="91425">
-                    <a:lnL cap="flat" cmpd="sng" w="9525">
+                  <a:tcPr marL="91425" marR="91425" marT="91425" marB="91425">
+                    <a:lnL w="9525" cap="flat" cmpd="sng">
                       <a:solidFill>
                         <a:schemeClr val="dk1"/>
                       </a:solidFill>
                       <a:prstDash val="solid"/>
                       <a:round/>
-                      <a:headEnd len="sm" w="sm" type="none"/>
-                      <a:tailEnd len="sm" w="sm" type="none"/>
+                      <a:headEnd type="none" w="sm" len="sm"/>
+                      <a:tailEnd type="none" w="sm" len="sm"/>
                     </a:lnL>
-                    <a:lnR cap="flat" cmpd="sng" w="9525">
+                    <a:lnR w="9525" cap="flat" cmpd="sng">
                       <a:solidFill>
                         <a:schemeClr val="dk1"/>
                       </a:solidFill>
                       <a:prstDash val="solid"/>
                       <a:round/>
-                      <a:headEnd len="sm" w="sm" type="none"/>
-                      <a:tailEnd len="sm" w="sm" type="none"/>
+                      <a:headEnd type="none" w="sm" len="sm"/>
+                      <a:tailEnd type="none" w="sm" len="sm"/>
                     </a:lnR>
-                    <a:lnT cap="flat" cmpd="sng" w="9525">
+                    <a:lnT w="9525" cap="flat" cmpd="sng">
                       <a:solidFill>
                         <a:schemeClr val="dk1"/>
                       </a:solidFill>
                       <a:prstDash val="solid"/>
                       <a:round/>
-                      <a:headEnd len="sm" w="sm" type="none"/>
-                      <a:tailEnd len="sm" w="sm" type="none"/>
+                      <a:headEnd type="none" w="sm" len="sm"/>
+                      <a:tailEnd type="none" w="sm" len="sm"/>
                     </a:lnT>
-                    <a:lnB cap="flat" cmpd="sng" w="9525">
+                    <a:lnB w="9525" cap="flat" cmpd="sng">
                       <a:solidFill>
                         <a:schemeClr val="dk1"/>
                       </a:solidFill>
                       <a:prstDash val="solid"/>
                       <a:round/>
-                      <a:headEnd len="sm" w="sm" type="none"/>
-                      <a:tailEnd len="sm" w="sm" type="none"/>
+                      <a:headEnd type="none" w="sm" len="sm"/>
+                      <a:tailEnd type="none" w="sm" len="sm"/>
                     </a:lnB>
                     <a:solidFill>
                       <a:srgbClr val="00FFFF"/>
                     </a:solidFill>
                   </a:tcPr>
                 </a:tc>
+                <a:extLst>
+                  <a:ext uri="{0D108BD9-81ED-4DB2-BD59-A6C34878D82A}">
+                    <a16:rowId xmlns:a16="http://schemas.microsoft.com/office/drawing/2014/main" val="10005"/>
+                  </a:ext>
+                </a:extLst>
               </a:tr>
             </a:tbl>
           </a:graphicData>
@@ -13392,27 +13642,27 @@
           </a:xfrm>
           <a:prstGeom prst="roundRect">
             <a:avLst>
-              <a:gd fmla="val 16667" name="adj"/>
+              <a:gd name="adj" fmla="val 16667"/>
             </a:avLst>
           </a:prstGeom>
           <a:noFill/>
-          <a:ln cap="flat" cmpd="sng" w="38100">
+          <a:ln w="38100" cap="flat" cmpd="sng">
             <a:solidFill>
               <a:schemeClr val="accent5"/>
             </a:solidFill>
             <a:prstDash val="solid"/>
             <a:round/>
-            <a:headEnd len="sm" w="sm" type="none"/>
-            <a:tailEnd len="sm" w="sm" type="none"/>
+            <a:headEnd type="none" w="sm" len="sm"/>
+            <a:tailEnd type="none" w="sm" len="sm"/>
           </a:ln>
         </p:spPr>
         <p:txBody>
-          <a:bodyPr anchorCtr="0" anchor="ctr" bIns="91425" lIns="91425" spcFirstLastPara="1" rIns="91425" wrap="square" tIns="91425">
+          <a:bodyPr spcFirstLastPara="1" wrap="square" lIns="91425" tIns="91425" rIns="91425" bIns="91425" anchor="ctr" anchorCtr="0">
             <a:noAutofit/>
           </a:bodyPr>
           <a:lstStyle/>
           <a:p>
-            <a:pPr indent="0" lvl="0" marL="0" rtl="0" algn="l">
+            <a:pPr marL="0" lvl="0" indent="0" algn="l" rtl="0">
               <a:spcBef>
                 <a:spcPts val="0"/>
               </a:spcBef>
@@ -13421,9 +13671,6 @@
               </a:spcAft>
               <a:buNone/>
             </a:pPr>
-            <a:r>
-              <a:t/>
-            </a:r>
             <a:endParaRPr/>
           </a:p>
         </p:txBody>
@@ -13441,27 +13688,27 @@
           </a:xfrm>
           <a:prstGeom prst="roundRect">
             <a:avLst>
-              <a:gd fmla="val 16667" name="adj"/>
+              <a:gd name="adj" fmla="val 16667"/>
             </a:avLst>
           </a:prstGeom>
           <a:noFill/>
-          <a:ln cap="flat" cmpd="sng" w="38100">
+          <a:ln w="38100" cap="flat" cmpd="sng">
             <a:solidFill>
               <a:schemeClr val="accent2"/>
             </a:solidFill>
             <a:prstDash val="solid"/>
             <a:round/>
-            <a:headEnd len="sm" w="sm" type="none"/>
-            <a:tailEnd len="sm" w="sm" type="none"/>
+            <a:headEnd type="none" w="sm" len="sm"/>
+            <a:tailEnd type="none" w="sm" len="sm"/>
           </a:ln>
         </p:spPr>
         <p:txBody>
-          <a:bodyPr anchorCtr="0" anchor="ctr" bIns="91425" lIns="91425" spcFirstLastPara="1" rIns="91425" wrap="square" tIns="91425">
+          <a:bodyPr spcFirstLastPara="1" wrap="square" lIns="91425" tIns="91425" rIns="91425" bIns="91425" anchor="ctr" anchorCtr="0">
             <a:noAutofit/>
           </a:bodyPr>
           <a:lstStyle/>
           <a:p>
-            <a:pPr indent="0" lvl="0" marL="0" rtl="0" algn="l">
+            <a:pPr marL="0" lvl="0" indent="0" algn="l" rtl="0">
               <a:spcBef>
                 <a:spcPts val="0"/>
               </a:spcBef>
@@ -13470,9 +13717,6 @@
               </a:spcAft>
               <a:buNone/>
             </a:pPr>
-            <a:r>
-              <a:t/>
-            </a:r>
             <a:endParaRPr/>
           </a:p>
         </p:txBody>
@@ -13490,27 +13734,27 @@
           </a:xfrm>
           <a:prstGeom prst="roundRect">
             <a:avLst>
-              <a:gd fmla="val 16667" name="adj"/>
+              <a:gd name="adj" fmla="val 16667"/>
             </a:avLst>
           </a:prstGeom>
           <a:noFill/>
-          <a:ln cap="flat" cmpd="sng" w="38100">
+          <a:ln w="38100" cap="flat" cmpd="sng">
             <a:solidFill>
               <a:srgbClr val="FF9900"/>
             </a:solidFill>
             <a:prstDash val="solid"/>
             <a:round/>
-            <a:headEnd len="sm" w="sm" type="none"/>
-            <a:tailEnd len="sm" w="sm" type="none"/>
+            <a:headEnd type="none" w="sm" len="sm"/>
+            <a:tailEnd type="none" w="sm" len="sm"/>
           </a:ln>
         </p:spPr>
         <p:txBody>
-          <a:bodyPr anchorCtr="0" anchor="ctr" bIns="91425" lIns="91425" spcFirstLastPara="1" rIns="91425" wrap="square" tIns="91425">
+          <a:bodyPr spcFirstLastPara="1" wrap="square" lIns="91425" tIns="91425" rIns="91425" bIns="91425" anchor="ctr" anchorCtr="0">
             <a:noAutofit/>
           </a:bodyPr>
           <a:lstStyle/>
           <a:p>
-            <a:pPr indent="0" lvl="0" marL="0" rtl="0" algn="l">
+            <a:pPr marL="0" lvl="0" indent="0" algn="l" rtl="0">
               <a:spcBef>
                 <a:spcPts val="0"/>
               </a:spcBef>
@@ -13519,9 +13763,6 @@
               </a:spcAft>
               <a:buNone/>
             </a:pPr>
-            <a:r>
-              <a:t/>
-            </a:r>
             <a:endParaRPr/>
           </a:p>
         </p:txBody>
@@ -13539,27 +13780,27 @@
           </a:xfrm>
           <a:prstGeom prst="roundRect">
             <a:avLst>
-              <a:gd fmla="val 16667" name="adj"/>
+              <a:gd name="adj" fmla="val 16667"/>
             </a:avLst>
           </a:prstGeom>
           <a:noFill/>
-          <a:ln cap="flat" cmpd="sng" w="38100">
+          <a:ln w="38100" cap="flat" cmpd="sng">
             <a:solidFill>
               <a:schemeClr val="accent3"/>
             </a:solidFill>
             <a:prstDash val="solid"/>
             <a:round/>
-            <a:headEnd len="sm" w="sm" type="none"/>
-            <a:tailEnd len="sm" w="sm" type="none"/>
+            <a:headEnd type="none" w="sm" len="sm"/>
+            <a:tailEnd type="none" w="sm" len="sm"/>
           </a:ln>
         </p:spPr>
         <p:txBody>
-          <a:bodyPr anchorCtr="0" anchor="ctr" bIns="91425" lIns="91425" spcFirstLastPara="1" rIns="91425" wrap="square" tIns="91425">
+          <a:bodyPr spcFirstLastPara="1" wrap="square" lIns="91425" tIns="91425" rIns="91425" bIns="91425" anchor="ctr" anchorCtr="0">
             <a:noAutofit/>
           </a:bodyPr>
           <a:lstStyle/>
           <a:p>
-            <a:pPr indent="0" lvl="0" marL="0" rtl="0" algn="l">
+            <a:pPr marL="0" lvl="0" indent="0" algn="l" rtl="0">
               <a:spcBef>
                 <a:spcPts val="0"/>
               </a:spcBef>
@@ -13568,9 +13809,6 @@
               </a:spcAft>
               <a:buNone/>
             </a:pPr>
-            <a:r>
-              <a:t/>
-            </a:r>
             <a:endParaRPr/>
           </a:p>
         </p:txBody>
@@ -13588,27 +13826,27 @@
           </a:xfrm>
           <a:prstGeom prst="roundRect">
             <a:avLst>
-              <a:gd fmla="val 16667" name="adj"/>
+              <a:gd name="adj" fmla="val 16667"/>
             </a:avLst>
           </a:prstGeom>
           <a:noFill/>
-          <a:ln cap="flat" cmpd="sng" w="38100">
+          <a:ln w="38100" cap="flat" cmpd="sng">
             <a:solidFill>
               <a:srgbClr val="9900FF"/>
             </a:solidFill>
             <a:prstDash val="solid"/>
             <a:round/>
-            <a:headEnd len="sm" w="sm" type="none"/>
-            <a:tailEnd len="sm" w="sm" type="none"/>
+            <a:headEnd type="none" w="sm" len="sm"/>
+            <a:tailEnd type="none" w="sm" len="sm"/>
           </a:ln>
         </p:spPr>
         <p:txBody>
-          <a:bodyPr anchorCtr="0" anchor="ctr" bIns="91425" lIns="91425" spcFirstLastPara="1" rIns="91425" wrap="square" tIns="91425">
+          <a:bodyPr spcFirstLastPara="1" wrap="square" lIns="91425" tIns="91425" rIns="91425" bIns="91425" anchor="ctr" anchorCtr="0">
             <a:noAutofit/>
           </a:bodyPr>
           <a:lstStyle/>
           <a:p>
-            <a:pPr indent="0" lvl="0" marL="0" rtl="0" algn="l">
+            <a:pPr marL="0" lvl="0" indent="0" algn="l" rtl="0">
               <a:spcBef>
                 <a:spcPts val="0"/>
               </a:spcBef>
@@ -13617,9 +13855,6 @@
               </a:spcAft>
               <a:buNone/>
             </a:pPr>
-            <a:r>
-              <a:t/>
-            </a:r>
             <a:endParaRPr/>
           </a:p>
         </p:txBody>
@@ -13637,27 +13872,27 @@
           </a:xfrm>
           <a:prstGeom prst="roundRect">
             <a:avLst>
-              <a:gd fmla="val 16667" name="adj"/>
+              <a:gd name="adj" fmla="val 16667"/>
             </a:avLst>
           </a:prstGeom>
           <a:noFill/>
-          <a:ln cap="flat" cmpd="sng" w="38100">
+          <a:ln w="38100" cap="flat" cmpd="sng">
             <a:solidFill>
               <a:srgbClr val="00FFFF"/>
             </a:solidFill>
             <a:prstDash val="solid"/>
             <a:round/>
-            <a:headEnd len="sm" w="sm" type="none"/>
-            <a:tailEnd len="sm" w="sm" type="none"/>
+            <a:headEnd type="none" w="sm" len="sm"/>
+            <a:tailEnd type="none" w="sm" len="sm"/>
           </a:ln>
         </p:spPr>
         <p:txBody>
-          <a:bodyPr anchorCtr="0" anchor="ctr" bIns="91425" lIns="91425" spcFirstLastPara="1" rIns="91425" wrap="square" tIns="91425">
+          <a:bodyPr spcFirstLastPara="1" wrap="square" lIns="91425" tIns="91425" rIns="91425" bIns="91425" anchor="ctr" anchorCtr="0">
             <a:noAutofit/>
           </a:bodyPr>
           <a:lstStyle/>
           <a:p>
-            <a:pPr indent="0" lvl="0" marL="0" rtl="0" algn="l">
+            <a:pPr marL="0" lvl="0" indent="0" algn="l" rtl="0">
               <a:spcBef>
                 <a:spcPts val="0"/>
               </a:spcBef>
@@ -13666,9 +13901,6 @@
               </a:spcAft>
               <a:buNone/>
             </a:pPr>
-            <a:r>
-              <a:t/>
-            </a:r>
             <a:endParaRPr/>
           </a:p>
         </p:txBody>
@@ -13682,7 +13914,7 @@
 </file>
 
 <file path=ppt/slides/slide6.xml><?xml version="1.0" encoding="utf-8"?>
-<p:sld xmlns:a="http://schemas.openxmlformats.org/drawingml/2006/main" xmlns:r="http://schemas.openxmlformats.org/officeDocument/2006/relationships" xmlns:mc="http://schemas.openxmlformats.org/markup-compatibility/2006" xmlns:mv="urn:schemas-microsoft-com:mac:vml" xmlns:p="http://schemas.openxmlformats.org/presentationml/2006/main" xmlns:c="http://schemas.openxmlformats.org/drawingml/2006/chart" xmlns:dgm="http://schemas.openxmlformats.org/drawingml/2006/diagram" xmlns:o="urn:schemas-microsoft-com:office:office" xmlns:v="urn:schemas-microsoft-com:vml" xmlns:pvml="urn:schemas-microsoft-com:office:powerpoint" xmlns:com="http://schemas.openxmlformats.org/drawingml/2006/compatibility" xmlns:p14="http://schemas.microsoft.com/office/powerpoint/2010/main" xmlns:p15="http://schemas.microsoft.com/office/powerpoint/2012/main" xmlns:ahyp="http://schemas.microsoft.com/office/drawing/2018/hyperlinkcolor">
+<p:sld xmlns:a="http://schemas.openxmlformats.org/drawingml/2006/main" xmlns:r="http://schemas.openxmlformats.org/officeDocument/2006/relationships" xmlns:p="http://schemas.openxmlformats.org/presentationml/2006/main">
   <p:cSld>
     <p:bg>
       <p:bgPr>
@@ -13694,11 +13926,12 @@
             <a:fillRect/>
           </a:stretch>
         </a:blipFill>
+        <a:effectLst/>
       </p:bgPr>
     </p:bg>
     <p:spTree>
       <p:nvGrpSpPr>
-        <p:cNvPr id="123" name="Shape 123"/>
+        <p:cNvPr id="1" name="Shape 123"/>
         <p:cNvGrpSpPr/>
         <p:nvPr/>
       </p:nvGrpSpPr>
@@ -13726,7 +13959,7 @@
         </p:blipFill>
         <p:spPr>
           <a:xfrm>
-            <a:off x="988550" y="1069150"/>
+            <a:off x="988541" y="1110714"/>
             <a:ext cx="16310917" cy="8792601"/>
           </a:xfrm>
           <a:prstGeom prst="rect">
@@ -13747,7 +13980,7 @@
 </file>
 
 <file path=ppt/slides/slide7.xml><?xml version="1.0" encoding="utf-8"?>
-<p:sld xmlns:a="http://schemas.openxmlformats.org/drawingml/2006/main" xmlns:r="http://schemas.openxmlformats.org/officeDocument/2006/relationships" xmlns:mc="http://schemas.openxmlformats.org/markup-compatibility/2006" xmlns:mv="urn:schemas-microsoft-com:mac:vml" xmlns:p="http://schemas.openxmlformats.org/presentationml/2006/main" xmlns:c="http://schemas.openxmlformats.org/drawingml/2006/chart" xmlns:dgm="http://schemas.openxmlformats.org/drawingml/2006/diagram" xmlns:o="urn:schemas-microsoft-com:office:office" xmlns:v="urn:schemas-microsoft-com:vml" xmlns:pvml="urn:schemas-microsoft-com:office:powerpoint" xmlns:com="http://schemas.openxmlformats.org/drawingml/2006/compatibility" xmlns:p14="http://schemas.microsoft.com/office/powerpoint/2010/main" xmlns:p15="http://schemas.microsoft.com/office/powerpoint/2012/main" xmlns:ahyp="http://schemas.microsoft.com/office/drawing/2018/hyperlinkcolor">
+<p:sld xmlns:a="http://schemas.openxmlformats.org/drawingml/2006/main" xmlns:r="http://schemas.openxmlformats.org/officeDocument/2006/relationships" xmlns:p="http://schemas.openxmlformats.org/presentationml/2006/main">
   <p:cSld>
     <p:bg>
       <p:bgPr>
@@ -13759,76 +13992,12 @@
             <a:fillRect/>
           </a:stretch>
         </a:blipFill>
+        <a:effectLst/>
       </p:bgPr>
     </p:bg>
     <p:spTree>
       <p:nvGrpSpPr>
-        <p:cNvPr id="128" name="Shape 128"/>
-        <p:cNvGrpSpPr/>
-        <p:nvPr/>
-      </p:nvGrpSpPr>
-      <p:grpSpPr>
-        <a:xfrm>
-          <a:off x="0" y="0"/>
-          <a:ext cx="0" cy="0"/>
-          <a:chOff x="0" y="0"/>
-          <a:chExt cx="0" cy="0"/>
-        </a:xfrm>
-      </p:grpSpPr>
-      <p:pic>
-        <p:nvPicPr>
-          <p:cNvPr id="129" name="Google Shape;129;p19"/>
-          <p:cNvPicPr preferRelativeResize="0"/>
-          <p:nvPr/>
-        </p:nvPicPr>
-        <p:blipFill>
-          <a:blip r:embed="rId4">
-            <a:alphaModFix/>
-          </a:blip>
-          <a:stretch>
-            <a:fillRect/>
-          </a:stretch>
-        </p:blipFill>
-        <p:spPr>
-          <a:xfrm>
-            <a:off x="152399" y="152400"/>
-            <a:ext cx="17983201" cy="9939934"/>
-          </a:xfrm>
-          <a:prstGeom prst="rect">
-            <a:avLst/>
-          </a:prstGeom>
-          <a:noFill/>
-          <a:ln>
-            <a:noFill/>
-          </a:ln>
-        </p:spPr>
-      </p:pic>
-    </p:spTree>
-  </p:cSld>
-  <p:clrMapOvr>
-    <a:masterClrMapping/>
-  </p:clrMapOvr>
-</p:sld>
-</file>
-
-<file path=ppt/slides/slide8.xml><?xml version="1.0" encoding="utf-8"?>
-<p:sld xmlns:a="http://schemas.openxmlformats.org/drawingml/2006/main" xmlns:r="http://schemas.openxmlformats.org/officeDocument/2006/relationships" xmlns:mc="http://schemas.openxmlformats.org/markup-compatibility/2006" xmlns:mv="urn:schemas-microsoft-com:mac:vml" xmlns:p="http://schemas.openxmlformats.org/presentationml/2006/main" xmlns:c="http://schemas.openxmlformats.org/drawingml/2006/chart" xmlns:dgm="http://schemas.openxmlformats.org/drawingml/2006/diagram" xmlns:o="urn:schemas-microsoft-com:office:office" xmlns:v="urn:schemas-microsoft-com:vml" xmlns:pvml="urn:schemas-microsoft-com:office:powerpoint" xmlns:com="http://schemas.openxmlformats.org/drawingml/2006/compatibility" xmlns:p14="http://schemas.microsoft.com/office/powerpoint/2010/main" xmlns:p15="http://schemas.microsoft.com/office/powerpoint/2012/main" xmlns:ahyp="http://schemas.microsoft.com/office/drawing/2018/hyperlinkcolor">
-  <p:cSld>
-    <p:bg>
-      <p:bgPr>
-        <a:blipFill>
-          <a:blip r:embed="rId3">
-            <a:alphaModFix/>
-          </a:blip>
-          <a:stretch>
-            <a:fillRect/>
-          </a:stretch>
-        </a:blipFill>
-      </p:bgPr>
-    </p:bg>
-    <p:spTree>
-      <p:nvGrpSpPr>
-        <p:cNvPr id="133" name="Shape 133"/>
+        <p:cNvPr id="1" name="Shape 133"/>
         <p:cNvGrpSpPr/>
         <p:nvPr/>
       </p:nvGrpSpPr>
@@ -13860,12 +14029,12 @@
           </a:ln>
         </p:spPr>
         <p:txBody>
-          <a:bodyPr anchorCtr="0" anchor="t" bIns="0" lIns="0" spcFirstLastPara="1" rIns="0" wrap="square" tIns="0">
+          <a:bodyPr spcFirstLastPara="1" wrap="square" lIns="0" tIns="0" rIns="0" bIns="0" anchor="t" anchorCtr="0">
             <a:spAutoFit/>
           </a:bodyPr>
           <a:lstStyle/>
           <a:p>
-            <a:pPr indent="0" lvl="0" marL="0" marR="0" rtl="0" algn="l">
+            <a:pPr marL="0" marR="0" lvl="0" indent="0" algn="l" rtl="0">
               <a:lnSpc>
                 <a:spcPct val="120002"/>
               </a:lnSpc>
@@ -13878,7 +14047,7 @@
               <a:buNone/>
             </a:pPr>
             <a:r>
-              <a:rPr b="0" i="0" lang="en-US" sz="6999" u="none" cap="none" strike="noStrike">
+              <a:rPr lang="en-US" sz="6999" b="0" i="0" u="none" strike="noStrike" cap="none">
                 <a:solidFill>
                   <a:schemeClr val="lt1"/>
                 </a:solidFill>
@@ -13929,12 +14098,12 @@
           </a:ln>
         </p:spPr>
         <p:txBody>
-          <a:bodyPr anchorCtr="0" anchor="t" bIns="91425" lIns="91425" spcFirstLastPara="1" rIns="91425" wrap="square" tIns="91425">
+          <a:bodyPr spcFirstLastPara="1" wrap="square" lIns="91425" tIns="91425" rIns="91425" bIns="91425" anchor="t" anchorCtr="0">
             <a:spAutoFit/>
           </a:bodyPr>
           <a:lstStyle/>
           <a:p>
-            <a:pPr indent="0" lvl="0" marL="0" rtl="0" algn="l">
+            <a:pPr marL="0" lvl="0" indent="0" algn="l" rtl="0">
               <a:spcBef>
                 <a:spcPts val="0"/>
               </a:spcBef>
@@ -13950,25 +14119,7 @@
                 <a:cs typeface="Comic Sans MS"/>
                 <a:sym typeface="Comic Sans MS"/>
               </a:rPr>
-              <a:t>Создайте </a:t>
-            </a:r>
-            <a:r>
-              <a:rPr lang="en-US" sz="2500">
-                <a:latin typeface="Comic Sans MS"/>
-                <a:ea typeface="Comic Sans MS"/>
-                <a:cs typeface="Comic Sans MS"/>
-                <a:sym typeface="Comic Sans MS"/>
-              </a:rPr>
-              <a:t>страницу</a:t>
-            </a:r>
-            <a:r>
-              <a:rPr lang="en-US" sz="2500">
-                <a:latin typeface="Comic Sans MS"/>
-                <a:ea typeface="Comic Sans MS"/>
-                <a:cs typeface="Comic Sans MS"/>
-                <a:sym typeface="Comic Sans MS"/>
-              </a:rPr>
-              <a:t> сайта с описанием любимого мультфильма про животных.</a:t>
+              <a:t>Создайте страницу сайта с описанием любимого мультфильма про животных.</a:t>
             </a:r>
             <a:endParaRPr sz="2500">
               <a:latin typeface="Comic Sans MS"/>
@@ -13978,7 +14129,7 @@
             </a:endParaRPr>
           </a:p>
           <a:p>
-            <a:pPr indent="0" lvl="0" marL="0" rtl="0" algn="l">
+            <a:pPr marL="0" lvl="0" indent="0" algn="l" rtl="0">
               <a:spcBef>
                 <a:spcPts val="0"/>
               </a:spcBef>
@@ -13987,9 +14138,6 @@
               </a:spcAft>
               <a:buNone/>
             </a:pPr>
-            <a:r>
-              <a:t/>
-            </a:r>
             <a:endParaRPr sz="2500">
               <a:latin typeface="Comic Sans MS"/>
               <a:ea typeface="Comic Sans MS"/>
@@ -13998,7 +14146,7 @@
             </a:endParaRPr>
           </a:p>
           <a:p>
-            <a:pPr indent="0" lvl="0" marL="0" rtl="0" algn="l">
+            <a:pPr marL="0" lvl="0" indent="0" algn="l" rtl="0">
               <a:spcBef>
                 <a:spcPts val="0"/>
               </a:spcBef>
@@ -14007,9 +14155,6 @@
               </a:spcAft>
               <a:buNone/>
             </a:pPr>
-            <a:r>
-              <a:t/>
-            </a:r>
             <a:endParaRPr sz="2500">
               <a:latin typeface="Comic Sans MS"/>
               <a:ea typeface="Comic Sans MS"/>
@@ -14018,7 +14163,7 @@
             </a:endParaRPr>
           </a:p>
           <a:p>
-            <a:pPr indent="-387350" lvl="0" marL="457200" rtl="0" algn="l">
+            <a:pPr marL="457200" lvl="0" indent="-387350" algn="l" rtl="0">
               <a:spcBef>
                 <a:spcPts val="0"/>
               </a:spcBef>
@@ -14036,16 +14181,7 @@
                 <a:cs typeface="Comic Sans MS"/>
                 <a:sym typeface="Comic Sans MS"/>
               </a:rPr>
-              <a:t>Заголовок </a:t>
-            </a:r>
-            <a:r>
-              <a:rPr lang="en-US" sz="2500">
-                <a:latin typeface="Comic Sans MS"/>
-                <a:ea typeface="Comic Sans MS"/>
-                <a:cs typeface="Comic Sans MS"/>
-                <a:sym typeface="Comic Sans MS"/>
-              </a:rPr>
-              <a:t>страницы</a:t>
+              <a:t>Заголовок страницы</a:t>
             </a:r>
             <a:endParaRPr sz="2500">
               <a:latin typeface="Comic Sans MS"/>
@@ -14055,7 +14191,7 @@
             </a:endParaRPr>
           </a:p>
           <a:p>
-            <a:pPr indent="-387350" lvl="0" marL="457200" rtl="0" algn="l">
+            <a:pPr marL="457200" lvl="0" indent="-387350" algn="l" rtl="0">
               <a:spcBef>
                 <a:spcPts val="0"/>
               </a:spcBef>
@@ -14083,7 +14219,7 @@
             </a:endParaRPr>
           </a:p>
           <a:p>
-            <a:pPr indent="-387350" lvl="0" marL="457200" rtl="0" algn="l">
+            <a:pPr marL="457200" lvl="0" indent="-387350" algn="l" rtl="0">
               <a:spcBef>
                 <a:spcPts val="0"/>
               </a:spcBef>
@@ -14111,7 +14247,7 @@
             </a:endParaRPr>
           </a:p>
           <a:p>
-            <a:pPr indent="-387350" lvl="0" marL="457200" rtl="0" algn="l">
+            <a:pPr marL="457200" lvl="0" indent="-387350" algn="l" rtl="0">
               <a:spcBef>
                 <a:spcPts val="0"/>
               </a:spcBef>
@@ -14139,7 +14275,7 @@
             </a:endParaRPr>
           </a:p>
           <a:p>
-            <a:pPr indent="-387350" lvl="0" marL="457200" rtl="0" algn="l">
+            <a:pPr marL="457200" lvl="0" indent="-387350" algn="l" rtl="0">
               <a:spcBef>
                 <a:spcPts val="0"/>
               </a:spcBef>
@@ -14205,7 +14341,288 @@
 </file>
 
 <file path=ppt/theme/theme1.xml><?xml version="1.0" encoding="utf-8"?>
-<a:theme xmlns:a="http://schemas.openxmlformats.org/drawingml/2006/main" xmlns:r="http://schemas.openxmlformats.org/officeDocument/2006/relationships">
+<a:theme xmlns:a="http://schemas.openxmlformats.org/drawingml/2006/main" name="Office Theme">
+  <a:themeElements>
+    <a:clrScheme name="Office">
+      <a:dk1>
+        <a:srgbClr val="000000"/>
+      </a:dk1>
+      <a:lt1>
+        <a:srgbClr val="FFFFFF"/>
+      </a:lt1>
+      <a:dk2>
+        <a:srgbClr val="1F497D"/>
+      </a:dk2>
+      <a:lt2>
+        <a:srgbClr val="EEECE1"/>
+      </a:lt2>
+      <a:accent1>
+        <a:srgbClr val="4F81BD"/>
+      </a:accent1>
+      <a:accent2>
+        <a:srgbClr val="C0504D"/>
+      </a:accent2>
+      <a:accent3>
+        <a:srgbClr val="9BBB59"/>
+      </a:accent3>
+      <a:accent4>
+        <a:srgbClr val="8064A2"/>
+      </a:accent4>
+      <a:accent5>
+        <a:srgbClr val="4BACC6"/>
+      </a:accent5>
+      <a:accent6>
+        <a:srgbClr val="F79646"/>
+      </a:accent6>
+      <a:hlink>
+        <a:srgbClr val="0000FF"/>
+      </a:hlink>
+      <a:folHlink>
+        <a:srgbClr val="800080"/>
+      </a:folHlink>
+    </a:clrScheme>
+    <a:fontScheme name="Office">
+      <a:majorFont>
+        <a:latin typeface="Arial"/>
+        <a:ea typeface=""/>
+        <a:cs typeface=""/>
+        <a:font script="Jpan" typeface="ＭＳ Ｐゴシック"/>
+        <a:font script="Hang" typeface="맑은 고딕"/>
+        <a:font script="Hans" typeface="宋体"/>
+        <a:font script="Hant" typeface="新細明體"/>
+        <a:font script="Arab" typeface="Times New Roman"/>
+        <a:font script="Hebr" typeface="Times New Roman"/>
+        <a:font script="Thai" typeface="Angsana New"/>
+        <a:font script="Ethi" typeface="Nyala"/>
+        <a:font script="Beng" typeface="Vrinda"/>
+        <a:font script="Gujr" typeface="Shruti"/>
+        <a:font script="Khmr" typeface="MoolBoran"/>
+        <a:font script="Knda" typeface="Tunga"/>
+        <a:font script="Guru" typeface="Raavi"/>
+        <a:font script="Cans" typeface="Euphemia"/>
+        <a:font script="Cher" typeface="Plantagenet Cherokee"/>
+        <a:font script="Yiii" typeface="Microsoft Yi Baiti"/>
+        <a:font script="Tibt" typeface="Microsoft Himalaya"/>
+        <a:font script="Thaa" typeface="MV Boli"/>
+        <a:font script="Deva" typeface="Mangal"/>
+        <a:font script="Telu" typeface="Gautami"/>
+        <a:font script="Taml" typeface="Latha"/>
+        <a:font script="Syrc" typeface="Estrangelo Edessa"/>
+        <a:font script="Orya" typeface="Kalinga"/>
+        <a:font script="Mlym" typeface="Kartika"/>
+        <a:font script="Laoo" typeface="DokChampa"/>
+        <a:font script="Sinh" typeface="Iskoola Pota"/>
+        <a:font script="Mong" typeface="Mongolian Baiti"/>
+        <a:font script="Viet" typeface="Times New Roman"/>
+        <a:font script="Uigh" typeface="Microsoft Uighur"/>
+        <a:font script="Geor" typeface="Sylfaen"/>
+      </a:majorFont>
+      <a:minorFont>
+        <a:latin typeface="Arial"/>
+        <a:ea typeface=""/>
+        <a:cs typeface=""/>
+        <a:font script="Jpan" typeface="ＭＳ Ｐゴシック"/>
+        <a:font script="Hang" typeface="맑은 고딕"/>
+        <a:font script="Hans" typeface="宋体"/>
+        <a:font script="Hant" typeface="新細明體"/>
+        <a:font script="Arab" typeface="Arial"/>
+        <a:font script="Hebr" typeface="Arial"/>
+        <a:font script="Thai" typeface="Cordia New"/>
+        <a:font script="Ethi" typeface="Nyala"/>
+        <a:font script="Beng" typeface="Vrinda"/>
+        <a:font script="Gujr" typeface="Shruti"/>
+        <a:font script="Khmr" typeface="DaunPenh"/>
+        <a:font script="Knda" typeface="Tunga"/>
+        <a:font script="Guru" typeface="Raavi"/>
+        <a:font script="Cans" typeface="Euphemia"/>
+        <a:font script="Cher" typeface="Plantagenet Cherokee"/>
+        <a:font script="Yiii" typeface="Microsoft Yi Baiti"/>
+        <a:font script="Tibt" typeface="Microsoft Himalaya"/>
+        <a:font script="Thaa" typeface="MV Boli"/>
+        <a:font script="Deva" typeface="Mangal"/>
+        <a:font script="Telu" typeface="Gautami"/>
+        <a:font script="Taml" typeface="Latha"/>
+        <a:font script="Syrc" typeface="Estrangelo Edessa"/>
+        <a:font script="Orya" typeface="Kalinga"/>
+        <a:font script="Mlym" typeface="Kartika"/>
+        <a:font script="Laoo" typeface="DokChampa"/>
+        <a:font script="Sinh" typeface="Iskoola Pota"/>
+        <a:font script="Mong" typeface="Mongolian Baiti"/>
+        <a:font script="Viet" typeface="Arial"/>
+        <a:font script="Uigh" typeface="Microsoft Uighur"/>
+        <a:font script="Geor" typeface="Sylfaen"/>
+      </a:minorFont>
+    </a:fontScheme>
+    <a:fmtScheme name="Office">
+      <a:fillStyleLst>
+        <a:solidFill>
+          <a:schemeClr val="phClr"/>
+        </a:solidFill>
+        <a:gradFill rotWithShape="1">
+          <a:gsLst>
+            <a:gs pos="0">
+              <a:schemeClr val="phClr">
+                <a:tint val="50000"/>
+                <a:satMod val="300000"/>
+              </a:schemeClr>
+            </a:gs>
+            <a:gs pos="35000">
+              <a:schemeClr val="phClr">
+                <a:tint val="37000"/>
+                <a:satMod val="300000"/>
+              </a:schemeClr>
+            </a:gs>
+            <a:gs pos="100000">
+              <a:schemeClr val="phClr">
+                <a:tint val="15000"/>
+                <a:satMod val="350000"/>
+              </a:schemeClr>
+            </a:gs>
+          </a:gsLst>
+          <a:lin ang="16200000" scaled="1"/>
+        </a:gradFill>
+        <a:gradFill rotWithShape="1">
+          <a:gsLst>
+            <a:gs pos="0">
+              <a:schemeClr val="phClr">
+                <a:tint val="100000"/>
+                <a:shade val="100000"/>
+                <a:satMod val="130000"/>
+              </a:schemeClr>
+            </a:gs>
+            <a:gs pos="100000">
+              <a:schemeClr val="phClr">
+                <a:tint val="50000"/>
+                <a:shade val="100000"/>
+                <a:satMod val="350000"/>
+              </a:schemeClr>
+            </a:gs>
+          </a:gsLst>
+          <a:lin ang="16200000" scaled="0"/>
+        </a:gradFill>
+      </a:fillStyleLst>
+      <a:lnStyleLst>
+        <a:ln w="9525" cap="flat" cmpd="sng" algn="ctr">
+          <a:solidFill>
+            <a:schemeClr val="phClr">
+              <a:shade val="95000"/>
+              <a:satMod val="105000"/>
+            </a:schemeClr>
+          </a:solidFill>
+          <a:prstDash val="solid"/>
+        </a:ln>
+        <a:ln w="25400" cap="flat" cmpd="sng" algn="ctr">
+          <a:solidFill>
+            <a:schemeClr val="phClr"/>
+          </a:solidFill>
+          <a:prstDash val="solid"/>
+        </a:ln>
+        <a:ln w="38100" cap="flat" cmpd="sng" algn="ctr">
+          <a:solidFill>
+            <a:schemeClr val="phClr"/>
+          </a:solidFill>
+          <a:prstDash val="solid"/>
+        </a:ln>
+      </a:lnStyleLst>
+      <a:effectStyleLst>
+        <a:effectStyle>
+          <a:effectLst>
+            <a:outerShdw blurRad="40000" dist="20000" dir="5400000" rotWithShape="0">
+              <a:srgbClr val="000000">
+                <a:alpha val="38000"/>
+              </a:srgbClr>
+            </a:outerShdw>
+          </a:effectLst>
+        </a:effectStyle>
+        <a:effectStyle>
+          <a:effectLst>
+            <a:outerShdw blurRad="40000" dist="23000" dir="5400000" rotWithShape="0">
+              <a:srgbClr val="000000">
+                <a:alpha val="35000"/>
+              </a:srgbClr>
+            </a:outerShdw>
+          </a:effectLst>
+        </a:effectStyle>
+        <a:effectStyle>
+          <a:effectLst>
+            <a:outerShdw blurRad="40000" dist="23000" dir="5400000" rotWithShape="0">
+              <a:srgbClr val="000000">
+                <a:alpha val="35000"/>
+              </a:srgbClr>
+            </a:outerShdw>
+          </a:effectLst>
+          <a:scene3d>
+            <a:camera prst="orthographicFront">
+              <a:rot lat="0" lon="0" rev="0"/>
+            </a:camera>
+            <a:lightRig rig="threePt" dir="t">
+              <a:rot lat="0" lon="0" rev="1200000"/>
+            </a:lightRig>
+          </a:scene3d>
+          <a:sp3d>
+            <a:bevelT w="63500" h="25400"/>
+          </a:sp3d>
+        </a:effectStyle>
+      </a:effectStyleLst>
+      <a:bgFillStyleLst>
+        <a:solidFill>
+          <a:schemeClr val="phClr"/>
+        </a:solidFill>
+        <a:gradFill rotWithShape="1">
+          <a:gsLst>
+            <a:gs pos="0">
+              <a:schemeClr val="phClr">
+                <a:tint val="40000"/>
+                <a:satMod val="350000"/>
+              </a:schemeClr>
+            </a:gs>
+            <a:gs pos="40000">
+              <a:schemeClr val="phClr">
+                <a:tint val="45000"/>
+                <a:shade val="99000"/>
+                <a:satMod val="350000"/>
+              </a:schemeClr>
+            </a:gs>
+            <a:gs pos="100000">
+              <a:schemeClr val="phClr">
+                <a:shade val="20000"/>
+                <a:satMod val="255000"/>
+              </a:schemeClr>
+            </a:gs>
+          </a:gsLst>
+          <a:path path="circle">
+            <a:fillToRect l="50000" t="-80000" r="50000" b="180000"/>
+          </a:path>
+        </a:gradFill>
+        <a:gradFill rotWithShape="1">
+          <a:gsLst>
+            <a:gs pos="0">
+              <a:schemeClr val="phClr">
+                <a:tint val="80000"/>
+                <a:satMod val="300000"/>
+              </a:schemeClr>
+            </a:gs>
+            <a:gs pos="100000">
+              <a:schemeClr val="phClr">
+                <a:shade val="30000"/>
+                <a:satMod val="200000"/>
+              </a:schemeClr>
+            </a:gs>
+          </a:gsLst>
+          <a:path path="circle">
+            <a:fillToRect l="50000" t="50000" r="50000" b="50000"/>
+          </a:path>
+        </a:gradFill>
+      </a:bgFillStyleLst>
+    </a:fmtScheme>
+  </a:themeElements>
+  <a:objectDefaults/>
+  <a:extraClrSchemeLst/>
+</a:theme>
+</file>
+
+<file path=ppt/theme/theme2.xml><?xml version="1.0" encoding="utf-8"?>
+<a:theme xmlns:a="http://schemas.openxmlformats.org/drawingml/2006/main">
   <a:themeElements>
     <a:clrScheme name="Default">
       <a:dk1>
@@ -14480,284 +14897,7 @@
       </a:bgFillStyleLst>
     </a:fmtScheme>
   </a:themeElements>
-</a:theme>
-</file>
-
-<file path=ppt/theme/theme2.xml><?xml version="1.0" encoding="utf-8"?>
-<a:theme xmlns:a="http://schemas.openxmlformats.org/drawingml/2006/main" xmlns:r="http://schemas.openxmlformats.org/officeDocument/2006/relationships" name="Office Theme">
-  <a:themeElements>
-    <a:clrScheme name="Office">
-      <a:dk1>
-        <a:srgbClr val="000000"/>
-      </a:dk1>
-      <a:lt1>
-        <a:srgbClr val="FFFFFF"/>
-      </a:lt1>
-      <a:dk2>
-        <a:srgbClr val="1F497D"/>
-      </a:dk2>
-      <a:lt2>
-        <a:srgbClr val="EEECE1"/>
-      </a:lt2>
-      <a:accent1>
-        <a:srgbClr val="4F81BD"/>
-      </a:accent1>
-      <a:accent2>
-        <a:srgbClr val="C0504D"/>
-      </a:accent2>
-      <a:accent3>
-        <a:srgbClr val="9BBB59"/>
-      </a:accent3>
-      <a:accent4>
-        <a:srgbClr val="8064A2"/>
-      </a:accent4>
-      <a:accent5>
-        <a:srgbClr val="4BACC6"/>
-      </a:accent5>
-      <a:accent6>
-        <a:srgbClr val="F79646"/>
-      </a:accent6>
-      <a:hlink>
-        <a:srgbClr val="0000FF"/>
-      </a:hlink>
-      <a:folHlink>
-        <a:srgbClr val="800080"/>
-      </a:folHlink>
-    </a:clrScheme>
-    <a:fontScheme name="Office">
-      <a:majorFont>
-        <a:latin typeface="Arial"/>
-        <a:ea typeface=""/>
-        <a:cs typeface=""/>
-        <a:font script="Jpan" typeface="ＭＳ Ｐゴシック"/>
-        <a:font script="Hang" typeface="맑은 고딕"/>
-        <a:font script="Hans" typeface="宋体"/>
-        <a:font script="Hant" typeface="新細明體"/>
-        <a:font script="Arab" typeface="Times New Roman"/>
-        <a:font script="Hebr" typeface="Times New Roman"/>
-        <a:font script="Thai" typeface="Angsana New"/>
-        <a:font script="Ethi" typeface="Nyala"/>
-        <a:font script="Beng" typeface="Vrinda"/>
-        <a:font script="Gujr" typeface="Shruti"/>
-        <a:font script="Khmr" typeface="MoolBoran"/>
-        <a:font script="Knda" typeface="Tunga"/>
-        <a:font script="Guru" typeface="Raavi"/>
-        <a:font script="Cans" typeface="Euphemia"/>
-        <a:font script="Cher" typeface="Plantagenet Cherokee"/>
-        <a:font script="Yiii" typeface="Microsoft Yi Baiti"/>
-        <a:font script="Tibt" typeface="Microsoft Himalaya"/>
-        <a:font script="Thaa" typeface="MV Boli"/>
-        <a:font script="Deva" typeface="Mangal"/>
-        <a:font script="Telu" typeface="Gautami"/>
-        <a:font script="Taml" typeface="Latha"/>
-        <a:font script="Syrc" typeface="Estrangelo Edessa"/>
-        <a:font script="Orya" typeface="Kalinga"/>
-        <a:font script="Mlym" typeface="Kartika"/>
-        <a:font script="Laoo" typeface="DokChampa"/>
-        <a:font script="Sinh" typeface="Iskoola Pota"/>
-        <a:font script="Mong" typeface="Mongolian Baiti"/>
-        <a:font script="Viet" typeface="Times New Roman"/>
-        <a:font script="Uigh" typeface="Microsoft Uighur"/>
-        <a:font script="Geor" typeface="Sylfaen"/>
-      </a:majorFont>
-      <a:minorFont>
-        <a:latin typeface="Arial"/>
-        <a:ea typeface=""/>
-        <a:cs typeface=""/>
-        <a:font script="Jpan" typeface="ＭＳ Ｐゴシック"/>
-        <a:font script="Hang" typeface="맑은 고딕"/>
-        <a:font script="Hans" typeface="宋体"/>
-        <a:font script="Hant" typeface="新細明體"/>
-        <a:font script="Arab" typeface="Arial"/>
-        <a:font script="Hebr" typeface="Arial"/>
-        <a:font script="Thai" typeface="Cordia New"/>
-        <a:font script="Ethi" typeface="Nyala"/>
-        <a:font script="Beng" typeface="Vrinda"/>
-        <a:font script="Gujr" typeface="Shruti"/>
-        <a:font script="Khmr" typeface="DaunPenh"/>
-        <a:font script="Knda" typeface="Tunga"/>
-        <a:font script="Guru" typeface="Raavi"/>
-        <a:font script="Cans" typeface="Euphemia"/>
-        <a:font script="Cher" typeface="Plantagenet Cherokee"/>
-        <a:font script="Yiii" typeface="Microsoft Yi Baiti"/>
-        <a:font script="Tibt" typeface="Microsoft Himalaya"/>
-        <a:font script="Thaa" typeface="MV Boli"/>
-        <a:font script="Deva" typeface="Mangal"/>
-        <a:font script="Telu" typeface="Gautami"/>
-        <a:font script="Taml" typeface="Latha"/>
-        <a:font script="Syrc" typeface="Estrangelo Edessa"/>
-        <a:font script="Orya" typeface="Kalinga"/>
-        <a:font script="Mlym" typeface="Kartika"/>
-        <a:font script="Laoo" typeface="DokChampa"/>
-        <a:font script="Sinh" typeface="Iskoola Pota"/>
-        <a:font script="Mong" typeface="Mongolian Baiti"/>
-        <a:font script="Viet" typeface="Arial"/>
-        <a:font script="Uigh" typeface="Microsoft Uighur"/>
-        <a:font script="Geor" typeface="Sylfaen"/>
-      </a:minorFont>
-    </a:fontScheme>
-    <a:fmtScheme name="Office">
-      <a:fillStyleLst>
-        <a:solidFill>
-          <a:schemeClr val="phClr"/>
-        </a:solidFill>
-        <a:gradFill rotWithShape="1">
-          <a:gsLst>
-            <a:gs pos="0">
-              <a:schemeClr val="phClr">
-                <a:tint val="50000"/>
-                <a:satMod val="300000"/>
-              </a:schemeClr>
-            </a:gs>
-            <a:gs pos="35000">
-              <a:schemeClr val="phClr">
-                <a:tint val="37000"/>
-                <a:satMod val="300000"/>
-              </a:schemeClr>
-            </a:gs>
-            <a:gs pos="100000">
-              <a:schemeClr val="phClr">
-                <a:tint val="15000"/>
-                <a:satMod val="350000"/>
-              </a:schemeClr>
-            </a:gs>
-          </a:gsLst>
-          <a:lin ang="16200000" scaled="1"/>
-        </a:gradFill>
-        <a:gradFill rotWithShape="1">
-          <a:gsLst>
-            <a:gs pos="0">
-              <a:schemeClr val="phClr">
-                <a:tint val="100000"/>
-                <a:shade val="100000"/>
-                <a:satMod val="130000"/>
-              </a:schemeClr>
-            </a:gs>
-            <a:gs pos="100000">
-              <a:schemeClr val="phClr">
-                <a:tint val="50000"/>
-                <a:shade val="100000"/>
-                <a:satMod val="350000"/>
-              </a:schemeClr>
-            </a:gs>
-          </a:gsLst>
-          <a:lin ang="16200000" scaled="0"/>
-        </a:gradFill>
-      </a:fillStyleLst>
-      <a:lnStyleLst>
-        <a:ln w="9525" cap="flat" cmpd="sng" algn="ctr">
-          <a:solidFill>
-            <a:schemeClr val="phClr">
-              <a:shade val="95000"/>
-              <a:satMod val="105000"/>
-            </a:schemeClr>
-          </a:solidFill>
-          <a:prstDash val="solid"/>
-        </a:ln>
-        <a:ln w="25400" cap="flat" cmpd="sng" algn="ctr">
-          <a:solidFill>
-            <a:schemeClr val="phClr"/>
-          </a:solidFill>
-          <a:prstDash val="solid"/>
-        </a:ln>
-        <a:ln w="38100" cap="flat" cmpd="sng" algn="ctr">
-          <a:solidFill>
-            <a:schemeClr val="phClr"/>
-          </a:solidFill>
-          <a:prstDash val="solid"/>
-        </a:ln>
-      </a:lnStyleLst>
-      <a:effectStyleLst>
-        <a:effectStyle>
-          <a:effectLst>
-            <a:outerShdw blurRad="40000" dist="20000" dir="5400000" rotWithShape="0">
-              <a:srgbClr val="000000">
-                <a:alpha val="38000"/>
-              </a:srgbClr>
-            </a:outerShdw>
-          </a:effectLst>
-        </a:effectStyle>
-        <a:effectStyle>
-          <a:effectLst>
-            <a:outerShdw blurRad="40000" dist="23000" dir="5400000" rotWithShape="0">
-              <a:srgbClr val="000000">
-                <a:alpha val="35000"/>
-              </a:srgbClr>
-            </a:outerShdw>
-          </a:effectLst>
-        </a:effectStyle>
-        <a:effectStyle>
-          <a:effectLst>
-            <a:outerShdw blurRad="40000" dist="23000" dir="5400000" rotWithShape="0">
-              <a:srgbClr val="000000">
-                <a:alpha val="35000"/>
-              </a:srgbClr>
-            </a:outerShdw>
-          </a:effectLst>
-          <a:scene3d>
-            <a:camera prst="orthographicFront">
-              <a:rot lat="0" lon="0" rev="0"/>
-            </a:camera>
-            <a:lightRig rig="threePt" dir="t">
-              <a:rot lat="0" lon="0" rev="1200000"/>
-            </a:lightRig>
-          </a:scene3d>
-          <a:sp3d>
-            <a:bevelT w="63500" h="25400"/>
-          </a:sp3d>
-        </a:effectStyle>
-      </a:effectStyleLst>
-      <a:bgFillStyleLst>
-        <a:solidFill>
-          <a:schemeClr val="phClr"/>
-        </a:solidFill>
-        <a:gradFill rotWithShape="1">
-          <a:gsLst>
-            <a:gs pos="0">
-              <a:schemeClr val="phClr">
-                <a:tint val="40000"/>
-                <a:satMod val="350000"/>
-              </a:schemeClr>
-            </a:gs>
-            <a:gs pos="40000">
-              <a:schemeClr val="phClr">
-                <a:tint val="45000"/>
-                <a:shade val="99000"/>
-                <a:satMod val="350000"/>
-              </a:schemeClr>
-            </a:gs>
-            <a:gs pos="100000">
-              <a:schemeClr val="phClr">
-                <a:shade val="20000"/>
-                <a:satMod val="255000"/>
-              </a:schemeClr>
-            </a:gs>
-          </a:gsLst>
-          <a:path path="circle">
-            <a:fillToRect l="50000" t="-80000" r="50000" b="180000"/>
-          </a:path>
-        </a:gradFill>
-        <a:gradFill rotWithShape="1">
-          <a:gsLst>
-            <a:gs pos="0">
-              <a:schemeClr val="phClr">
-                <a:tint val="80000"/>
-                <a:satMod val="300000"/>
-              </a:schemeClr>
-            </a:gs>
-            <a:gs pos="100000">
-              <a:schemeClr val="phClr">
-                <a:shade val="30000"/>
-                <a:satMod val="200000"/>
-              </a:schemeClr>
-            </a:gs>
-          </a:gsLst>
-          <a:path path="circle">
-            <a:fillToRect l="50000" t="50000" r="50000" b="50000"/>
-          </a:path>
-        </a:gradFill>
-      </a:bgFillStyleLst>
-    </a:fmtScheme>
-  </a:themeElements>
+  <a:objectDefaults/>
+  <a:extraClrSchemeLst/>
 </a:theme>
 </file>
--- a/Презентации/1 Урок. HTML.pptx
+++ b/Презентации/1 Урок. HTML.pptx
@@ -5,40 +5,44 @@
     <p:sldMasterId id="2147483659" r:id="rId1"/>
   </p:sldMasterIdLst>
   <p:notesMasterIdLst>
-    <p:notesMasterId r:id="rId9"/>
+    <p:notesMasterId r:id="rId13"/>
   </p:notesMasterIdLst>
   <p:sldIdLst>
     <p:sldId id="256" r:id="rId2"/>
     <p:sldId id="257" r:id="rId3"/>
     <p:sldId id="258" r:id="rId4"/>
     <p:sldId id="259" r:id="rId5"/>
-    <p:sldId id="260" r:id="rId6"/>
-    <p:sldId id="261" r:id="rId7"/>
-    <p:sldId id="263" r:id="rId8"/>
+    <p:sldId id="264" r:id="rId6"/>
+    <p:sldId id="266" r:id="rId7"/>
+    <p:sldId id="265" r:id="rId8"/>
+    <p:sldId id="260" r:id="rId9"/>
+    <p:sldId id="261" r:id="rId10"/>
+    <p:sldId id="263" r:id="rId11"/>
+    <p:sldId id="267" r:id="rId12"/>
   </p:sldIdLst>
   <p:sldSz cx="18288000" cy="10287000"/>
   <p:notesSz cx="6858000" cy="9144000"/>
   <p:embeddedFontLst>
     <p:embeddedFont>
       <p:font typeface="Calibri" panose="020F0502020204030204" pitchFamily="34" charset="0"/>
-      <p:regular r:id="rId10"/>
-      <p:bold r:id="rId11"/>
-      <p:italic r:id="rId12"/>
-      <p:boldItalic r:id="rId13"/>
-    </p:embeddedFont>
-    <p:embeddedFont>
-      <p:font typeface="Comic Sans MS" panose="030F0702030302020204" pitchFamily="66" charset="0"/>
       <p:regular r:id="rId14"/>
       <p:bold r:id="rId15"/>
       <p:italic r:id="rId16"/>
       <p:boldItalic r:id="rId17"/>
     </p:embeddedFont>
     <p:embeddedFont>
-      <p:font typeface="Montserrat" panose="020B0604020202020204" charset="-52"/>
+      <p:font typeface="Comic Sans MS" panose="030F0702030302020204" pitchFamily="66" charset="0"/>
       <p:regular r:id="rId18"/>
       <p:bold r:id="rId19"/>
       <p:italic r:id="rId20"/>
       <p:boldItalic r:id="rId21"/>
+    </p:embeddedFont>
+    <p:embeddedFont>
+      <p:font typeface="Montserrat" panose="020B0604020202020204" charset="-52"/>
+      <p:regular r:id="rId22"/>
+      <p:bold r:id="rId23"/>
+      <p:italic r:id="rId24"/>
+      <p:boldItalic r:id="rId25"/>
     </p:embeddedFont>
   </p:embeddedFontLst>
   <p:defaultTextStyle>
@@ -834,6 +838,219 @@
 </p:notes>
 </file>
 
+<file path=ppt/notesSlides/notesSlide10.xml><?xml version="1.0" encoding="utf-8"?>
+<p:notes xmlns:a="http://schemas.openxmlformats.org/drawingml/2006/main" xmlns:r="http://schemas.openxmlformats.org/officeDocument/2006/relationships" xmlns:p="http://schemas.openxmlformats.org/presentationml/2006/main" showMasterSp="0" showMasterPhAnim="0">
+  <p:cSld>
+    <p:spTree>
+      <p:nvGrpSpPr>
+        <p:cNvPr id="1" name="Shape 130"/>
+        <p:cNvGrpSpPr/>
+        <p:nvPr/>
+      </p:nvGrpSpPr>
+      <p:grpSpPr>
+        <a:xfrm>
+          <a:off x="0" y="0"/>
+          <a:ext cx="0" cy="0"/>
+          <a:chOff x="0" y="0"/>
+          <a:chExt cx="0" cy="0"/>
+        </a:xfrm>
+      </p:grpSpPr>
+      <p:sp>
+        <p:nvSpPr>
+          <p:cNvPr id="131" name="Google Shape;131;p13:notes"/>
+          <p:cNvSpPr txBox="1">
+            <a:spLocks noGrp="1"/>
+          </p:cNvSpPr>
+          <p:nvPr>
+            <p:ph type="body" idx="1"/>
+          </p:nvPr>
+        </p:nvSpPr>
+        <p:spPr>
+          <a:xfrm>
+            <a:off x="685800" y="4343400"/>
+            <a:ext cx="5486400" cy="4114800"/>
+          </a:xfrm>
+          <a:prstGeom prst="rect">
+            <a:avLst/>
+          </a:prstGeom>
+        </p:spPr>
+        <p:txBody>
+          <a:bodyPr spcFirstLastPara="1" wrap="square" lIns="91425" tIns="91425" rIns="91425" bIns="91425" anchor="t" anchorCtr="0">
+            <a:noAutofit/>
+          </a:bodyPr>
+          <a:lstStyle/>
+          <a:p>
+            <a:pPr marL="0" lvl="0" indent="0" algn="l" rtl="0">
+              <a:spcBef>
+                <a:spcPts val="0"/>
+              </a:spcBef>
+              <a:spcAft>
+                <a:spcPts val="0"/>
+              </a:spcAft>
+              <a:buNone/>
+            </a:pPr>
+            <a:endParaRPr/>
+          </a:p>
+        </p:txBody>
+      </p:sp>
+      <p:sp>
+        <p:nvSpPr>
+          <p:cNvPr id="132" name="Google Shape;132;p13:notes"/>
+          <p:cNvSpPr>
+            <a:spLocks noGrp="1" noRot="1" noChangeAspect="1"/>
+          </p:cNvSpPr>
+          <p:nvPr>
+            <p:ph type="sldImg" idx="2"/>
+          </p:nvPr>
+        </p:nvSpPr>
+        <p:spPr>
+          <a:xfrm>
+            <a:off x="381000" y="685800"/>
+            <a:ext cx="6096000" cy="3429000"/>
+          </a:xfrm>
+          <a:custGeom>
+            <a:avLst/>
+            <a:gdLst/>
+            <a:ahLst/>
+            <a:cxnLst/>
+            <a:rect l="l" t="t" r="r" b="b"/>
+            <a:pathLst>
+              <a:path w="120000" h="120000" extrusionOk="0">
+                <a:moveTo>
+                  <a:pt x="0" y="0"/>
+                </a:moveTo>
+                <a:lnTo>
+                  <a:pt x="120000" y="0"/>
+                </a:lnTo>
+                <a:lnTo>
+                  <a:pt x="120000" y="120000"/>
+                </a:lnTo>
+                <a:lnTo>
+                  <a:pt x="0" y="120000"/>
+                </a:lnTo>
+                <a:close/>
+              </a:path>
+            </a:pathLst>
+          </a:custGeom>
+        </p:spPr>
+      </p:sp>
+    </p:spTree>
+  </p:cSld>
+  <p:clrMapOvr>
+    <a:masterClrMapping/>
+  </p:clrMapOvr>
+</p:notes>
+</file>
+
+<file path=ppt/notesSlides/notesSlide11.xml><?xml version="1.0" encoding="utf-8"?>
+<p:notes xmlns:a="http://schemas.openxmlformats.org/drawingml/2006/main" xmlns:r="http://schemas.openxmlformats.org/officeDocument/2006/relationships" xmlns:p="http://schemas.openxmlformats.org/presentationml/2006/main" showMasterSp="0" showMasterPhAnim="0">
+  <p:cSld>
+    <p:spTree>
+      <p:nvGrpSpPr>
+        <p:cNvPr id="1" name="Shape 130"/>
+        <p:cNvGrpSpPr/>
+        <p:nvPr/>
+      </p:nvGrpSpPr>
+      <p:grpSpPr>
+        <a:xfrm>
+          <a:off x="0" y="0"/>
+          <a:ext cx="0" cy="0"/>
+          <a:chOff x="0" y="0"/>
+          <a:chExt cx="0" cy="0"/>
+        </a:xfrm>
+      </p:grpSpPr>
+      <p:sp>
+        <p:nvSpPr>
+          <p:cNvPr id="131" name="Google Shape;131;p13:notes"/>
+          <p:cNvSpPr txBox="1">
+            <a:spLocks noGrp="1"/>
+          </p:cNvSpPr>
+          <p:nvPr>
+            <p:ph type="body" idx="1"/>
+          </p:nvPr>
+        </p:nvSpPr>
+        <p:spPr>
+          <a:xfrm>
+            <a:off x="685800" y="4343400"/>
+            <a:ext cx="5486400" cy="4114800"/>
+          </a:xfrm>
+          <a:prstGeom prst="rect">
+            <a:avLst/>
+          </a:prstGeom>
+        </p:spPr>
+        <p:txBody>
+          <a:bodyPr spcFirstLastPara="1" wrap="square" lIns="91425" tIns="91425" rIns="91425" bIns="91425" anchor="t" anchorCtr="0">
+            <a:noAutofit/>
+          </a:bodyPr>
+          <a:lstStyle/>
+          <a:p>
+            <a:pPr marL="0" lvl="0" indent="0" algn="l" rtl="0">
+              <a:spcBef>
+                <a:spcPts val="0"/>
+              </a:spcBef>
+              <a:spcAft>
+                <a:spcPts val="0"/>
+              </a:spcAft>
+              <a:buNone/>
+            </a:pPr>
+            <a:endParaRPr/>
+          </a:p>
+        </p:txBody>
+      </p:sp>
+      <p:sp>
+        <p:nvSpPr>
+          <p:cNvPr id="132" name="Google Shape;132;p13:notes"/>
+          <p:cNvSpPr>
+            <a:spLocks noGrp="1" noRot="1" noChangeAspect="1"/>
+          </p:cNvSpPr>
+          <p:nvPr>
+            <p:ph type="sldImg" idx="2"/>
+          </p:nvPr>
+        </p:nvSpPr>
+        <p:spPr>
+          <a:xfrm>
+            <a:off x="381000" y="685800"/>
+            <a:ext cx="6096000" cy="3429000"/>
+          </a:xfrm>
+          <a:custGeom>
+            <a:avLst/>
+            <a:gdLst/>
+            <a:ahLst/>
+            <a:cxnLst/>
+            <a:rect l="l" t="t" r="r" b="b"/>
+            <a:pathLst>
+              <a:path w="120000" h="120000" extrusionOk="0">
+                <a:moveTo>
+                  <a:pt x="0" y="0"/>
+                </a:moveTo>
+                <a:lnTo>
+                  <a:pt x="120000" y="0"/>
+                </a:lnTo>
+                <a:lnTo>
+                  <a:pt x="120000" y="120000"/>
+                </a:lnTo>
+                <a:lnTo>
+                  <a:pt x="0" y="120000"/>
+                </a:lnTo>
+                <a:close/>
+              </a:path>
+            </a:pathLst>
+          </a:custGeom>
+        </p:spPr>
+      </p:sp>
+    </p:spTree>
+    <p:extLst>
+      <p:ext uri="{BB962C8B-B14F-4D97-AF65-F5344CB8AC3E}">
+        <p14:creationId xmlns:p14="http://schemas.microsoft.com/office/powerpoint/2010/main" val="2953721094"/>
+      </p:ext>
+    </p:extLst>
+  </p:cSld>
+  <p:clrMapOvr>
+    <a:masterClrMapping/>
+  </p:clrMapOvr>
+</p:notes>
+</file>
+
 <file path=ppt/notesSlides/notesSlide2.xml><?xml version="1.0" encoding="utf-8"?>
 <p:notes xmlns:a="http://schemas.openxmlformats.org/drawingml/2006/main" xmlns:r="http://schemas.openxmlformats.org/officeDocument/2006/relationships" xmlns:p="http://schemas.openxmlformats.org/presentationml/2006/main" showMasterSp="0" showMasterPhAnim="0">
   <p:cSld>
@@ -1005,8 +1222,8 @@
         </p:nvSpPr>
         <p:spPr>
           <a:xfrm>
-            <a:off x="1143225" y="685800"/>
-            <a:ext cx="4572225" cy="3429000"/>
+            <a:off x="381000" y="685800"/>
+            <a:ext cx="6096000" cy="3429000"/>
           </a:xfrm>
           <a:custGeom>
             <a:avLst/>
@@ -1151,6 +1368,333 @@
   <p:cSld>
     <p:spTree>
       <p:nvGrpSpPr>
+        <p:cNvPr id="1" name="Shape 120"/>
+        <p:cNvGrpSpPr/>
+        <p:nvPr/>
+      </p:nvGrpSpPr>
+      <p:grpSpPr>
+        <a:xfrm>
+          <a:off x="0" y="0"/>
+          <a:ext cx="0" cy="0"/>
+          <a:chOff x="0" y="0"/>
+          <a:chExt cx="0" cy="0"/>
+        </a:xfrm>
+      </p:grpSpPr>
+      <p:sp>
+        <p:nvSpPr>
+          <p:cNvPr id="121" name="Google Shape;121;p12:notes"/>
+          <p:cNvSpPr txBox="1">
+            <a:spLocks noGrp="1"/>
+          </p:cNvSpPr>
+          <p:nvPr>
+            <p:ph type="body" idx="1"/>
+          </p:nvPr>
+        </p:nvSpPr>
+        <p:spPr>
+          <a:xfrm>
+            <a:off x="685800" y="4343400"/>
+            <a:ext cx="5486400" cy="4114800"/>
+          </a:xfrm>
+          <a:prstGeom prst="rect">
+            <a:avLst/>
+          </a:prstGeom>
+        </p:spPr>
+        <p:txBody>
+          <a:bodyPr spcFirstLastPara="1" wrap="square" lIns="91425" tIns="91425" rIns="91425" bIns="91425" anchor="t" anchorCtr="0">
+            <a:noAutofit/>
+          </a:bodyPr>
+          <a:lstStyle/>
+          <a:p>
+            <a:pPr marL="0" lvl="0" indent="0" algn="l" rtl="0">
+              <a:spcBef>
+                <a:spcPts val="0"/>
+              </a:spcBef>
+              <a:spcAft>
+                <a:spcPts val="0"/>
+              </a:spcAft>
+              <a:buNone/>
+            </a:pPr>
+            <a:endParaRPr/>
+          </a:p>
+        </p:txBody>
+      </p:sp>
+      <p:sp>
+        <p:nvSpPr>
+          <p:cNvPr id="122" name="Google Shape;122;p12:notes"/>
+          <p:cNvSpPr>
+            <a:spLocks noGrp="1" noRot="1" noChangeAspect="1"/>
+          </p:cNvSpPr>
+          <p:nvPr>
+            <p:ph type="sldImg" idx="2"/>
+          </p:nvPr>
+        </p:nvSpPr>
+        <p:spPr>
+          <a:xfrm>
+            <a:off x="381000" y="685800"/>
+            <a:ext cx="6096000" cy="3429000"/>
+          </a:xfrm>
+          <a:custGeom>
+            <a:avLst/>
+            <a:gdLst/>
+            <a:ahLst/>
+            <a:cxnLst/>
+            <a:rect l="l" t="t" r="r" b="b"/>
+            <a:pathLst>
+              <a:path w="120000" h="120000" extrusionOk="0">
+                <a:moveTo>
+                  <a:pt x="0" y="0"/>
+                </a:moveTo>
+                <a:lnTo>
+                  <a:pt x="120000" y="0"/>
+                </a:lnTo>
+                <a:lnTo>
+                  <a:pt x="120000" y="120000"/>
+                </a:lnTo>
+                <a:lnTo>
+                  <a:pt x="0" y="120000"/>
+                </a:lnTo>
+                <a:close/>
+              </a:path>
+            </a:pathLst>
+          </a:custGeom>
+        </p:spPr>
+      </p:sp>
+    </p:spTree>
+    <p:extLst>
+      <p:ext uri="{BB962C8B-B14F-4D97-AF65-F5344CB8AC3E}">
+        <p14:creationId xmlns:p14="http://schemas.microsoft.com/office/powerpoint/2010/main" val="3056085395"/>
+      </p:ext>
+    </p:extLst>
+  </p:cSld>
+  <p:clrMapOvr>
+    <a:masterClrMapping/>
+  </p:clrMapOvr>
+</p:notes>
+</file>
+
+<file path=ppt/notesSlides/notesSlide6.xml><?xml version="1.0" encoding="utf-8"?>
+<p:notes xmlns:a="http://schemas.openxmlformats.org/drawingml/2006/main" xmlns:r="http://schemas.openxmlformats.org/officeDocument/2006/relationships" xmlns:p="http://schemas.openxmlformats.org/presentationml/2006/main" showMasterSp="0" showMasterPhAnim="0">
+  <p:cSld>
+    <p:spTree>
+      <p:nvGrpSpPr>
+        <p:cNvPr id="1" name="Shape 120"/>
+        <p:cNvGrpSpPr/>
+        <p:nvPr/>
+      </p:nvGrpSpPr>
+      <p:grpSpPr>
+        <a:xfrm>
+          <a:off x="0" y="0"/>
+          <a:ext cx="0" cy="0"/>
+          <a:chOff x="0" y="0"/>
+          <a:chExt cx="0" cy="0"/>
+        </a:xfrm>
+      </p:grpSpPr>
+      <p:sp>
+        <p:nvSpPr>
+          <p:cNvPr id="121" name="Google Shape;121;p12:notes"/>
+          <p:cNvSpPr txBox="1">
+            <a:spLocks noGrp="1"/>
+          </p:cNvSpPr>
+          <p:nvPr>
+            <p:ph type="body" idx="1"/>
+          </p:nvPr>
+        </p:nvSpPr>
+        <p:spPr>
+          <a:xfrm>
+            <a:off x="685800" y="4343400"/>
+            <a:ext cx="5486400" cy="4114800"/>
+          </a:xfrm>
+          <a:prstGeom prst="rect">
+            <a:avLst/>
+          </a:prstGeom>
+        </p:spPr>
+        <p:txBody>
+          <a:bodyPr spcFirstLastPara="1" wrap="square" lIns="91425" tIns="91425" rIns="91425" bIns="91425" anchor="t" anchorCtr="0">
+            <a:noAutofit/>
+          </a:bodyPr>
+          <a:lstStyle/>
+          <a:p>
+            <a:pPr marL="0" lvl="0" indent="0" algn="l" rtl="0">
+              <a:spcBef>
+                <a:spcPts val="0"/>
+              </a:spcBef>
+              <a:spcAft>
+                <a:spcPts val="0"/>
+              </a:spcAft>
+              <a:buNone/>
+            </a:pPr>
+            <a:endParaRPr/>
+          </a:p>
+        </p:txBody>
+      </p:sp>
+      <p:sp>
+        <p:nvSpPr>
+          <p:cNvPr id="122" name="Google Shape;122;p12:notes"/>
+          <p:cNvSpPr>
+            <a:spLocks noGrp="1" noRot="1" noChangeAspect="1"/>
+          </p:cNvSpPr>
+          <p:nvPr>
+            <p:ph type="sldImg" idx="2"/>
+          </p:nvPr>
+        </p:nvSpPr>
+        <p:spPr>
+          <a:xfrm>
+            <a:off x="381000" y="685800"/>
+            <a:ext cx="6096000" cy="3429000"/>
+          </a:xfrm>
+          <a:custGeom>
+            <a:avLst/>
+            <a:gdLst/>
+            <a:ahLst/>
+            <a:cxnLst/>
+            <a:rect l="l" t="t" r="r" b="b"/>
+            <a:pathLst>
+              <a:path w="120000" h="120000" extrusionOk="0">
+                <a:moveTo>
+                  <a:pt x="0" y="0"/>
+                </a:moveTo>
+                <a:lnTo>
+                  <a:pt x="120000" y="0"/>
+                </a:lnTo>
+                <a:lnTo>
+                  <a:pt x="120000" y="120000"/>
+                </a:lnTo>
+                <a:lnTo>
+                  <a:pt x="0" y="120000"/>
+                </a:lnTo>
+                <a:close/>
+              </a:path>
+            </a:pathLst>
+          </a:custGeom>
+        </p:spPr>
+      </p:sp>
+    </p:spTree>
+    <p:extLst>
+      <p:ext uri="{BB962C8B-B14F-4D97-AF65-F5344CB8AC3E}">
+        <p14:creationId xmlns:p14="http://schemas.microsoft.com/office/powerpoint/2010/main" val="4100673004"/>
+      </p:ext>
+    </p:extLst>
+  </p:cSld>
+  <p:clrMapOvr>
+    <a:masterClrMapping/>
+  </p:clrMapOvr>
+</p:notes>
+</file>
+
+<file path=ppt/notesSlides/notesSlide7.xml><?xml version="1.0" encoding="utf-8"?>
+<p:notes xmlns:a="http://schemas.openxmlformats.org/drawingml/2006/main" xmlns:r="http://schemas.openxmlformats.org/officeDocument/2006/relationships" xmlns:p="http://schemas.openxmlformats.org/presentationml/2006/main" showMasterSp="0" showMasterPhAnim="0">
+  <p:cSld>
+    <p:spTree>
+      <p:nvGrpSpPr>
+        <p:cNvPr id="1" name="Shape 120"/>
+        <p:cNvGrpSpPr/>
+        <p:nvPr/>
+      </p:nvGrpSpPr>
+      <p:grpSpPr>
+        <a:xfrm>
+          <a:off x="0" y="0"/>
+          <a:ext cx="0" cy="0"/>
+          <a:chOff x="0" y="0"/>
+          <a:chExt cx="0" cy="0"/>
+        </a:xfrm>
+      </p:grpSpPr>
+      <p:sp>
+        <p:nvSpPr>
+          <p:cNvPr id="121" name="Google Shape;121;p12:notes"/>
+          <p:cNvSpPr txBox="1">
+            <a:spLocks noGrp="1"/>
+          </p:cNvSpPr>
+          <p:nvPr>
+            <p:ph type="body" idx="1"/>
+          </p:nvPr>
+        </p:nvSpPr>
+        <p:spPr>
+          <a:xfrm>
+            <a:off x="685800" y="4343400"/>
+            <a:ext cx="5486400" cy="4114800"/>
+          </a:xfrm>
+          <a:prstGeom prst="rect">
+            <a:avLst/>
+          </a:prstGeom>
+        </p:spPr>
+        <p:txBody>
+          <a:bodyPr spcFirstLastPara="1" wrap="square" lIns="91425" tIns="91425" rIns="91425" bIns="91425" anchor="t" anchorCtr="0">
+            <a:noAutofit/>
+          </a:bodyPr>
+          <a:lstStyle/>
+          <a:p>
+            <a:pPr marL="0" lvl="0" indent="0" algn="l" rtl="0">
+              <a:spcBef>
+                <a:spcPts val="0"/>
+              </a:spcBef>
+              <a:spcAft>
+                <a:spcPts val="0"/>
+              </a:spcAft>
+              <a:buNone/>
+            </a:pPr>
+            <a:endParaRPr/>
+          </a:p>
+        </p:txBody>
+      </p:sp>
+      <p:sp>
+        <p:nvSpPr>
+          <p:cNvPr id="122" name="Google Shape;122;p12:notes"/>
+          <p:cNvSpPr>
+            <a:spLocks noGrp="1" noRot="1" noChangeAspect="1"/>
+          </p:cNvSpPr>
+          <p:nvPr>
+            <p:ph type="sldImg" idx="2"/>
+          </p:nvPr>
+        </p:nvSpPr>
+        <p:spPr>
+          <a:xfrm>
+            <a:off x="381000" y="685800"/>
+            <a:ext cx="6096000" cy="3429000"/>
+          </a:xfrm>
+          <a:custGeom>
+            <a:avLst/>
+            <a:gdLst/>
+            <a:ahLst/>
+            <a:cxnLst/>
+            <a:rect l="l" t="t" r="r" b="b"/>
+            <a:pathLst>
+              <a:path w="120000" h="120000" extrusionOk="0">
+                <a:moveTo>
+                  <a:pt x="0" y="0"/>
+                </a:moveTo>
+                <a:lnTo>
+                  <a:pt x="120000" y="0"/>
+                </a:lnTo>
+                <a:lnTo>
+                  <a:pt x="120000" y="120000"/>
+                </a:lnTo>
+                <a:lnTo>
+                  <a:pt x="0" y="120000"/>
+                </a:lnTo>
+                <a:close/>
+              </a:path>
+            </a:pathLst>
+          </a:custGeom>
+        </p:spPr>
+      </p:sp>
+    </p:spTree>
+    <p:extLst>
+      <p:ext uri="{BB962C8B-B14F-4D97-AF65-F5344CB8AC3E}">
+        <p14:creationId xmlns:p14="http://schemas.microsoft.com/office/powerpoint/2010/main" val="2800674321"/>
+      </p:ext>
+    </p:extLst>
+  </p:cSld>
+  <p:clrMapOvr>
+    <a:masterClrMapping/>
+  </p:clrMapOvr>
+</p:notes>
+</file>
+
+<file path=ppt/notesSlides/notesSlide8.xml><?xml version="1.0" encoding="utf-8"?>
+<p:notes xmlns:a="http://schemas.openxmlformats.org/drawingml/2006/main" xmlns:r="http://schemas.openxmlformats.org/officeDocument/2006/relationships" xmlns:p="http://schemas.openxmlformats.org/presentationml/2006/main" showMasterSp="0" showMasterPhAnim="0">
+  <p:cSld>
+    <p:spTree>
+      <p:nvGrpSpPr>
         <p:cNvPr id="1" name="Shape 108"/>
         <p:cNvGrpSpPr/>
         <p:nvPr/>
@@ -1250,7 +1794,7 @@
 </p:notes>
 </file>
 
-<file path=ppt/notesSlides/notesSlide6.xml><?xml version="1.0" encoding="utf-8"?>
+<file path=ppt/notesSlides/notesSlide9.xml><?xml version="1.0" encoding="utf-8"?>
 <p:notes xmlns:a="http://schemas.openxmlformats.org/drawingml/2006/main" xmlns:r="http://schemas.openxmlformats.org/officeDocument/2006/relationships" xmlns:p="http://schemas.openxmlformats.org/presentationml/2006/main" showMasterSp="0" showMasterPhAnim="0">
   <p:cSld>
     <p:spTree>
@@ -1319,110 +1863,6 @@
           <a:xfrm>
             <a:off x="381000" y="685800"/>
             <a:ext cx="6096000" cy="3429000"/>
-          </a:xfrm>
-          <a:custGeom>
-            <a:avLst/>
-            <a:gdLst/>
-            <a:ahLst/>
-            <a:cxnLst/>
-            <a:rect l="l" t="t" r="r" b="b"/>
-            <a:pathLst>
-              <a:path w="120000" h="120000" extrusionOk="0">
-                <a:moveTo>
-                  <a:pt x="0" y="0"/>
-                </a:moveTo>
-                <a:lnTo>
-                  <a:pt x="120000" y="0"/>
-                </a:lnTo>
-                <a:lnTo>
-                  <a:pt x="120000" y="120000"/>
-                </a:lnTo>
-                <a:lnTo>
-                  <a:pt x="0" y="120000"/>
-                </a:lnTo>
-                <a:close/>
-              </a:path>
-            </a:pathLst>
-          </a:custGeom>
-        </p:spPr>
-      </p:sp>
-    </p:spTree>
-  </p:cSld>
-  <p:clrMapOvr>
-    <a:masterClrMapping/>
-  </p:clrMapOvr>
-</p:notes>
-</file>
-
-<file path=ppt/notesSlides/notesSlide7.xml><?xml version="1.0" encoding="utf-8"?>
-<p:notes xmlns:a="http://schemas.openxmlformats.org/drawingml/2006/main" xmlns:r="http://schemas.openxmlformats.org/officeDocument/2006/relationships" xmlns:p="http://schemas.openxmlformats.org/presentationml/2006/main" showMasterSp="0" showMasterPhAnim="0">
-  <p:cSld>
-    <p:spTree>
-      <p:nvGrpSpPr>
-        <p:cNvPr id="1" name="Shape 130"/>
-        <p:cNvGrpSpPr/>
-        <p:nvPr/>
-      </p:nvGrpSpPr>
-      <p:grpSpPr>
-        <a:xfrm>
-          <a:off x="0" y="0"/>
-          <a:ext cx="0" cy="0"/>
-          <a:chOff x="0" y="0"/>
-          <a:chExt cx="0" cy="0"/>
-        </a:xfrm>
-      </p:grpSpPr>
-      <p:sp>
-        <p:nvSpPr>
-          <p:cNvPr id="131" name="Google Shape;131;p13:notes"/>
-          <p:cNvSpPr txBox="1">
-            <a:spLocks noGrp="1"/>
-          </p:cNvSpPr>
-          <p:nvPr>
-            <p:ph type="body" idx="1"/>
-          </p:nvPr>
-        </p:nvSpPr>
-        <p:spPr>
-          <a:xfrm>
-            <a:off x="685800" y="4343400"/>
-            <a:ext cx="5486400" cy="4114800"/>
-          </a:xfrm>
-          <a:prstGeom prst="rect">
-            <a:avLst/>
-          </a:prstGeom>
-        </p:spPr>
-        <p:txBody>
-          <a:bodyPr spcFirstLastPara="1" wrap="square" lIns="91425" tIns="91425" rIns="91425" bIns="91425" anchor="t" anchorCtr="0">
-            <a:noAutofit/>
-          </a:bodyPr>
-          <a:lstStyle/>
-          <a:p>
-            <a:pPr marL="0" lvl="0" indent="0" algn="l" rtl="0">
-              <a:spcBef>
-                <a:spcPts val="0"/>
-              </a:spcBef>
-              <a:spcAft>
-                <a:spcPts val="0"/>
-              </a:spcAft>
-              <a:buNone/>
-            </a:pPr>
-            <a:endParaRPr/>
-          </a:p>
-        </p:txBody>
-      </p:sp>
-      <p:sp>
-        <p:nvSpPr>
-          <p:cNvPr id="132" name="Google Shape;132;p13:notes"/>
-          <p:cNvSpPr>
-            <a:spLocks noGrp="1" noRot="1" noChangeAspect="1"/>
-          </p:cNvSpPr>
-          <p:nvPr>
-            <p:ph type="sldImg" idx="2"/>
-          </p:nvPr>
-        </p:nvSpPr>
-        <p:spPr>
-          <a:xfrm>
-            <a:off x="1143225" y="685800"/>
-            <a:ext cx="4572225" cy="3429000"/>
           </a:xfrm>
           <a:custGeom>
             <a:avLst/>
@@ -11441,6 +11881,604 @@
 </p:sld>
 </file>
 
+<file path=ppt/slides/slide10.xml><?xml version="1.0" encoding="utf-8"?>
+<p:sld xmlns:a="http://schemas.openxmlformats.org/drawingml/2006/main" xmlns:r="http://schemas.openxmlformats.org/officeDocument/2006/relationships" xmlns:p="http://schemas.openxmlformats.org/presentationml/2006/main">
+  <p:cSld>
+    <p:bg>
+      <p:bgPr>
+        <a:blipFill>
+          <a:blip r:embed="rId3">
+            <a:alphaModFix/>
+          </a:blip>
+          <a:stretch>
+            <a:fillRect/>
+          </a:stretch>
+        </a:blipFill>
+        <a:effectLst/>
+      </p:bgPr>
+    </p:bg>
+    <p:spTree>
+      <p:nvGrpSpPr>
+        <p:cNvPr id="1" name="Shape 133"/>
+        <p:cNvGrpSpPr/>
+        <p:nvPr/>
+      </p:nvGrpSpPr>
+      <p:grpSpPr>
+        <a:xfrm>
+          <a:off x="0" y="0"/>
+          <a:ext cx="0" cy="0"/>
+          <a:chOff x="0" y="0"/>
+          <a:chExt cx="0" cy="0"/>
+        </a:xfrm>
+      </p:grpSpPr>
+      <p:sp>
+        <p:nvSpPr>
+          <p:cNvPr id="134" name="Google Shape;134;p20"/>
+          <p:cNvSpPr txBox="1"/>
+          <p:nvPr/>
+        </p:nvSpPr>
+        <p:spPr>
+          <a:xfrm>
+            <a:off x="447175" y="486928"/>
+            <a:ext cx="16230600" cy="1077300"/>
+          </a:xfrm>
+          <a:prstGeom prst="rect">
+            <a:avLst/>
+          </a:prstGeom>
+          <a:noFill/>
+          <a:ln>
+            <a:noFill/>
+          </a:ln>
+        </p:spPr>
+        <p:txBody>
+          <a:bodyPr spcFirstLastPara="1" wrap="square" lIns="0" tIns="0" rIns="0" bIns="0" anchor="t" anchorCtr="0">
+            <a:spAutoFit/>
+          </a:bodyPr>
+          <a:lstStyle/>
+          <a:p>
+            <a:pPr marL="0" marR="0" lvl="0" indent="0" algn="l" rtl="0">
+              <a:lnSpc>
+                <a:spcPct val="120002"/>
+              </a:lnSpc>
+              <a:spcBef>
+                <a:spcPts val="0"/>
+              </a:spcBef>
+              <a:spcAft>
+                <a:spcPts val="0"/>
+              </a:spcAft>
+              <a:buNone/>
+            </a:pPr>
+            <a:r>
+              <a:rPr lang="en-US" sz="6999" b="0" i="0" u="none" strike="noStrike" cap="none">
+                <a:solidFill>
+                  <a:schemeClr val="lt1"/>
+                </a:solidFill>
+                <a:latin typeface="Montserrat"/>
+                <a:ea typeface="Montserrat"/>
+                <a:cs typeface="Montserrat"/>
+                <a:sym typeface="Montserrat"/>
+              </a:rPr>
+              <a:t>З</a:t>
+            </a:r>
+            <a:r>
+              <a:rPr lang="en-US" sz="6999">
+                <a:solidFill>
+                  <a:schemeClr val="lt1"/>
+                </a:solidFill>
+                <a:latin typeface="Montserrat"/>
+                <a:ea typeface="Montserrat"/>
+                <a:cs typeface="Montserrat"/>
+                <a:sym typeface="Montserrat"/>
+              </a:rPr>
+              <a:t>адание </a:t>
+            </a:r>
+            <a:endParaRPr>
+              <a:solidFill>
+                <a:schemeClr val="lt1"/>
+              </a:solidFill>
+            </a:endParaRPr>
+          </a:p>
+        </p:txBody>
+      </p:sp>
+      <p:sp>
+        <p:nvSpPr>
+          <p:cNvPr id="2" name="TextBox 1">
+            <a:extLst>
+              <a:ext uri="{FF2B5EF4-FFF2-40B4-BE49-F238E27FC236}">
+                <a16:creationId xmlns:a16="http://schemas.microsoft.com/office/drawing/2014/main" id="{7159B5A4-7A0C-4BC3-AE55-46967AA73D6A}"/>
+              </a:ext>
+            </a:extLst>
+          </p:cNvPr>
+          <p:cNvSpPr txBox="1"/>
+          <p:nvPr/>
+        </p:nvSpPr>
+        <p:spPr>
+          <a:xfrm>
+            <a:off x="2382981" y="7910946"/>
+            <a:ext cx="14519564" cy="830997"/>
+          </a:xfrm>
+          <a:prstGeom prst="rect">
+            <a:avLst/>
+          </a:prstGeom>
+          <a:noFill/>
+        </p:spPr>
+        <p:txBody>
+          <a:bodyPr wrap="square" rtlCol="0">
+            <a:spAutoFit/>
+          </a:bodyPr>
+          <a:lstStyle/>
+          <a:p>
+            <a:endParaRPr lang="ru-RU" sz="4800" dirty="0">
+              <a:solidFill>
+                <a:schemeClr val="bg2"/>
+              </a:solidFill>
+              <a:latin typeface="+mj-lt"/>
+            </a:endParaRPr>
+          </a:p>
+        </p:txBody>
+      </p:sp>
+      <p:pic>
+        <p:nvPicPr>
+          <p:cNvPr id="5" name="Рисунок 4">
+            <a:extLst>
+              <a:ext uri="{FF2B5EF4-FFF2-40B4-BE49-F238E27FC236}">
+                <a16:creationId xmlns:a16="http://schemas.microsoft.com/office/drawing/2014/main" id="{39C16661-B60D-4CAA-8CAC-08C9ADF521B7}"/>
+              </a:ext>
+            </a:extLst>
+          </p:cNvPr>
+          <p:cNvPicPr>
+            <a:picLocks noChangeAspect="1"/>
+          </p:cNvPicPr>
+          <p:nvPr/>
+        </p:nvPicPr>
+        <p:blipFill rotWithShape="1">
+          <a:blip r:embed="rId4"/>
+          <a:srcRect l="10606" t="12259" r="11666" b="18967"/>
+          <a:stretch/>
+        </p:blipFill>
+        <p:spPr>
+          <a:xfrm>
+            <a:off x="4073236" y="3228110"/>
+            <a:ext cx="14214764" cy="6747163"/>
+          </a:xfrm>
+          <a:prstGeom prst="rect">
+            <a:avLst/>
+          </a:prstGeom>
+        </p:spPr>
+      </p:pic>
+      <p:sp>
+        <p:nvSpPr>
+          <p:cNvPr id="6" name="Прямоугольник 5">
+            <a:extLst>
+              <a:ext uri="{FF2B5EF4-FFF2-40B4-BE49-F238E27FC236}">
+                <a16:creationId xmlns:a16="http://schemas.microsoft.com/office/drawing/2014/main" id="{35D44F19-0676-4177-ADB1-EFA2CA99F2D0}"/>
+              </a:ext>
+            </a:extLst>
+          </p:cNvPr>
+          <p:cNvSpPr/>
+          <p:nvPr/>
+        </p:nvSpPr>
+        <p:spPr>
+          <a:xfrm>
+            <a:off x="7841673" y="5143500"/>
+            <a:ext cx="1413163" cy="661555"/>
+          </a:xfrm>
+          <a:prstGeom prst="rect">
+            <a:avLst/>
+          </a:prstGeom>
+          <a:noFill/>
+          <a:ln>
+            <a:solidFill>
+              <a:schemeClr val="accent2"/>
+            </a:solidFill>
+          </a:ln>
+        </p:spPr>
+        <p:style>
+          <a:lnRef idx="2">
+            <a:schemeClr val="accent1">
+              <a:shade val="50000"/>
+            </a:schemeClr>
+          </a:lnRef>
+          <a:fillRef idx="1">
+            <a:schemeClr val="accent1"/>
+          </a:fillRef>
+          <a:effectRef idx="0">
+            <a:schemeClr val="accent1"/>
+          </a:effectRef>
+          <a:fontRef idx="minor">
+            <a:schemeClr val="lt1"/>
+          </a:fontRef>
+        </p:style>
+        <p:txBody>
+          <a:bodyPr rtlCol="0" anchor="ctr"/>
+          <a:lstStyle/>
+          <a:p>
+            <a:pPr algn="ctr"/>
+            <a:endParaRPr lang="ru-RU"/>
+          </a:p>
+        </p:txBody>
+      </p:sp>
+      <p:sp>
+        <p:nvSpPr>
+          <p:cNvPr id="3" name="Rectangle 1">
+            <a:extLst>
+              <a:ext uri="{FF2B5EF4-FFF2-40B4-BE49-F238E27FC236}">
+                <a16:creationId xmlns:a16="http://schemas.microsoft.com/office/drawing/2014/main" id="{9DF880E0-EA4E-4C01-99EC-6BBE41869D96}"/>
+              </a:ext>
+            </a:extLst>
+          </p:cNvPr>
+          <p:cNvSpPr>
+            <a:spLocks noChangeArrowheads="1"/>
+          </p:cNvSpPr>
+          <p:nvPr/>
+        </p:nvSpPr>
+        <p:spPr bwMode="auto">
+          <a:xfrm>
+            <a:off x="265151" y="4014841"/>
+            <a:ext cx="5569528" cy="2042776"/>
+          </a:xfrm>
+          <a:prstGeom prst="rect">
+            <a:avLst/>
+          </a:prstGeom>
+          <a:solidFill>
+            <a:srgbClr val="FFFFFF"/>
+          </a:solidFill>
+          <a:ln>
+            <a:noFill/>
+          </a:ln>
+          <a:effectLst/>
+          <a:extLst>
+            <a:ext uri="{91240B29-F687-4F45-9708-019B960494DF}">
+              <a14:hiddenLine xmlns:a14="http://schemas.microsoft.com/office/drawing/2010/main" w="9525">
+                <a:solidFill>
+                  <a:schemeClr val="tx1"/>
+                </a:solidFill>
+                <a:miter lim="800000"/>
+                <a:headEnd/>
+                <a:tailEnd/>
+              </a14:hiddenLine>
+            </a:ext>
+            <a:ext uri="{AF507438-7753-43E0-B8FC-AC1667EBCBE1}">
+              <a14:hiddenEffects xmlns:a14="http://schemas.microsoft.com/office/drawing/2010/main">
+                <a:effectLst>
+                  <a:outerShdw dist="35921" dir="2700000" algn="ctr" rotWithShape="0">
+                    <a:schemeClr val="bg2"/>
+                  </a:outerShdw>
+                </a:effectLst>
+              </a14:hiddenEffects>
+            </a:ext>
+          </a:extLst>
+        </p:spPr>
+        <p:txBody>
+          <a:bodyPr vert="horz" wrap="square" lIns="0" tIns="190440" rIns="0" bIns="95220" numCol="1" anchor="ctr" anchorCtr="0" compatLnSpc="1">
+            <a:prstTxWarp prst="textNoShape">
+              <a:avLst/>
+            </a:prstTxWarp>
+            <a:spAutoFit/>
+          </a:bodyPr>
+          <a:lstStyle/>
+          <a:p>
+            <a:pPr marL="0" marR="0" lvl="0" indent="0" algn="l" defTabSz="914400" rtl="0" eaLnBrk="0" fontAlgn="base" latinLnBrk="0" hangingPunct="0">
+              <a:lnSpc>
+                <a:spcPct val="100000"/>
+              </a:lnSpc>
+              <a:spcBef>
+                <a:spcPct val="0"/>
+              </a:spcBef>
+              <a:spcAft>
+                <a:spcPct val="0"/>
+              </a:spcAft>
+              <a:buClrTx/>
+              <a:buSzTx/>
+              <a:buFontTx/>
+              <a:buNone/>
+              <a:tabLst/>
+            </a:pPr>
+            <a:r>
+              <a:rPr kumimoji="0" lang="ru-RU" altLang="ru-RU" sz="5400" b="0" i="0" u="none" strike="noStrike" cap="none" normalizeH="0" baseline="0" dirty="0">
+                <a:ln>
+                  <a:noFill/>
+                </a:ln>
+                <a:solidFill>
+                  <a:schemeClr val="bg2"/>
+                </a:solidFill>
+                <a:effectLst/>
+                <a:latin typeface="+mj-lt"/>
+              </a:rPr>
+              <a:t>Anastariya-qa-37</a:t>
+            </a:r>
+            <a:endParaRPr kumimoji="0" lang="ru-RU" altLang="ru-RU" sz="7200" b="0" i="0" u="none" strike="noStrike" cap="none" normalizeH="0" baseline="0" dirty="0">
+              <a:ln>
+                <a:noFill/>
+              </a:ln>
+              <a:solidFill>
+                <a:schemeClr val="bg2"/>
+              </a:solidFill>
+              <a:effectLst/>
+              <a:latin typeface="+mj-lt"/>
+            </a:endParaRPr>
+          </a:p>
+          <a:p>
+            <a:pPr marL="0" marR="0" lvl="0" indent="0" algn="l" defTabSz="914400" rtl="0" eaLnBrk="0" fontAlgn="base" latinLnBrk="0" hangingPunct="0">
+              <a:lnSpc>
+                <a:spcPct val="100000"/>
+              </a:lnSpc>
+              <a:spcBef>
+                <a:spcPct val="0"/>
+              </a:spcBef>
+              <a:spcAft>
+                <a:spcPct val="0"/>
+              </a:spcAft>
+              <a:buClrTx/>
+              <a:buSzTx/>
+              <a:buFontTx/>
+              <a:buNone/>
+              <a:tabLst/>
+            </a:pPr>
+            <a:endParaRPr kumimoji="0" lang="ru-RU" altLang="ru-RU" sz="6000" b="0" i="0" u="none" strike="noStrike" cap="none" normalizeH="0" baseline="0" dirty="0">
+              <a:ln>
+                <a:noFill/>
+              </a:ln>
+              <a:solidFill>
+                <a:schemeClr val="bg2"/>
+              </a:solidFill>
+              <a:effectLst/>
+              <a:latin typeface="+mj-lt"/>
+            </a:endParaRPr>
+          </a:p>
+        </p:txBody>
+      </p:sp>
+    </p:spTree>
+  </p:cSld>
+  <p:clrMapOvr>
+    <a:masterClrMapping/>
+  </p:clrMapOvr>
+</p:sld>
+</file>
+
+<file path=ppt/slides/slide11.xml><?xml version="1.0" encoding="utf-8"?>
+<p:sld xmlns:a="http://schemas.openxmlformats.org/drawingml/2006/main" xmlns:r="http://schemas.openxmlformats.org/officeDocument/2006/relationships" xmlns:p="http://schemas.openxmlformats.org/presentationml/2006/main">
+  <p:cSld>
+    <p:bg>
+      <p:bgPr>
+        <a:blipFill>
+          <a:blip r:embed="rId3">
+            <a:alphaModFix/>
+          </a:blip>
+          <a:stretch>
+            <a:fillRect/>
+          </a:stretch>
+        </a:blipFill>
+        <a:effectLst/>
+      </p:bgPr>
+    </p:bg>
+    <p:spTree>
+      <p:nvGrpSpPr>
+        <p:cNvPr id="1" name="Shape 133"/>
+        <p:cNvGrpSpPr/>
+        <p:nvPr/>
+      </p:nvGrpSpPr>
+      <p:grpSpPr>
+        <a:xfrm>
+          <a:off x="0" y="0"/>
+          <a:ext cx="0" cy="0"/>
+          <a:chOff x="0" y="0"/>
+          <a:chExt cx="0" cy="0"/>
+        </a:xfrm>
+      </p:grpSpPr>
+      <p:pic>
+        <p:nvPicPr>
+          <p:cNvPr id="7" name="Рисунок 6">
+            <a:extLst>
+              <a:ext uri="{FF2B5EF4-FFF2-40B4-BE49-F238E27FC236}">
+                <a16:creationId xmlns:a16="http://schemas.microsoft.com/office/drawing/2014/main" id="{D6A2D8E1-6A8B-481B-B9F4-AC2CBAE4B83A}"/>
+              </a:ext>
+            </a:extLst>
+          </p:cNvPr>
+          <p:cNvPicPr>
+            <a:picLocks noChangeAspect="1"/>
+          </p:cNvPicPr>
+          <p:nvPr/>
+        </p:nvPicPr>
+        <p:blipFill rotWithShape="1">
+          <a:blip r:embed="rId4"/>
+          <a:srcRect l="13586"/>
+          <a:stretch/>
+        </p:blipFill>
+        <p:spPr>
+          <a:xfrm>
+            <a:off x="488739" y="520943"/>
+            <a:ext cx="10751129" cy="8602275"/>
+          </a:xfrm>
+          <a:prstGeom prst="rect">
+            <a:avLst/>
+          </a:prstGeom>
+        </p:spPr>
+      </p:pic>
+      <p:sp>
+        <p:nvSpPr>
+          <p:cNvPr id="2" name="TextBox 1">
+            <a:extLst>
+              <a:ext uri="{FF2B5EF4-FFF2-40B4-BE49-F238E27FC236}">
+                <a16:creationId xmlns:a16="http://schemas.microsoft.com/office/drawing/2014/main" id="{7159B5A4-7A0C-4BC3-AE55-46967AA73D6A}"/>
+              </a:ext>
+            </a:extLst>
+          </p:cNvPr>
+          <p:cNvSpPr txBox="1"/>
+          <p:nvPr/>
+        </p:nvSpPr>
+        <p:spPr>
+          <a:xfrm>
+            <a:off x="2382981" y="7910946"/>
+            <a:ext cx="14519564" cy="830997"/>
+          </a:xfrm>
+          <a:prstGeom prst="rect">
+            <a:avLst/>
+          </a:prstGeom>
+          <a:noFill/>
+        </p:spPr>
+        <p:txBody>
+          <a:bodyPr wrap="square" rtlCol="0">
+            <a:spAutoFit/>
+          </a:bodyPr>
+          <a:lstStyle/>
+          <a:p>
+            <a:endParaRPr lang="ru-RU" sz="4800" dirty="0">
+              <a:solidFill>
+                <a:schemeClr val="bg2"/>
+              </a:solidFill>
+              <a:latin typeface="+mj-lt"/>
+            </a:endParaRPr>
+          </a:p>
+        </p:txBody>
+      </p:sp>
+      <p:sp>
+        <p:nvSpPr>
+          <p:cNvPr id="6" name="Прямоугольник 5">
+            <a:extLst>
+              <a:ext uri="{FF2B5EF4-FFF2-40B4-BE49-F238E27FC236}">
+                <a16:creationId xmlns:a16="http://schemas.microsoft.com/office/drawing/2014/main" id="{35D44F19-0676-4177-ADB1-EFA2CA99F2D0}"/>
+              </a:ext>
+            </a:extLst>
+          </p:cNvPr>
+          <p:cNvSpPr/>
+          <p:nvPr/>
+        </p:nvSpPr>
+        <p:spPr>
+          <a:xfrm>
+            <a:off x="4347230" y="4021282"/>
+            <a:ext cx="3034146" cy="661555"/>
+          </a:xfrm>
+          <a:prstGeom prst="rect">
+            <a:avLst/>
+          </a:prstGeom>
+          <a:noFill/>
+          <a:ln w="57150">
+            <a:solidFill>
+              <a:schemeClr val="accent2"/>
+            </a:solidFill>
+          </a:ln>
+        </p:spPr>
+        <p:style>
+          <a:lnRef idx="2">
+            <a:schemeClr val="accent1">
+              <a:shade val="50000"/>
+            </a:schemeClr>
+          </a:lnRef>
+          <a:fillRef idx="1">
+            <a:schemeClr val="accent1"/>
+          </a:fillRef>
+          <a:effectRef idx="0">
+            <a:schemeClr val="accent1"/>
+          </a:effectRef>
+          <a:fontRef idx="minor">
+            <a:schemeClr val="lt1"/>
+          </a:fontRef>
+        </p:style>
+        <p:txBody>
+          <a:bodyPr rtlCol="0" anchor="ctr"/>
+          <a:lstStyle/>
+          <a:p>
+            <a:pPr algn="ctr"/>
+            <a:endParaRPr lang="ru-RU"/>
+          </a:p>
+        </p:txBody>
+      </p:sp>
+      <p:pic>
+        <p:nvPicPr>
+          <p:cNvPr id="9" name="Рисунок 8">
+            <a:extLst>
+              <a:ext uri="{FF2B5EF4-FFF2-40B4-BE49-F238E27FC236}">
+                <a16:creationId xmlns:a16="http://schemas.microsoft.com/office/drawing/2014/main" id="{FCA38DFB-4390-4FEF-AC14-E4D06DCA950D}"/>
+              </a:ext>
+            </a:extLst>
+          </p:cNvPr>
+          <p:cNvPicPr>
+            <a:picLocks noChangeAspect="1"/>
+          </p:cNvPicPr>
+          <p:nvPr/>
+        </p:nvPicPr>
+        <p:blipFill>
+          <a:blip r:embed="rId5"/>
+          <a:stretch>
+            <a:fillRect/>
+          </a:stretch>
+        </p:blipFill>
+        <p:spPr>
+          <a:xfrm>
+            <a:off x="7130866" y="6203977"/>
+            <a:ext cx="10898121" cy="3753374"/>
+          </a:xfrm>
+          <a:prstGeom prst="rect">
+            <a:avLst/>
+          </a:prstGeom>
+        </p:spPr>
+      </p:pic>
+      <p:sp>
+        <p:nvSpPr>
+          <p:cNvPr id="11" name="Прямоугольник 10">
+            <a:extLst>
+              <a:ext uri="{FF2B5EF4-FFF2-40B4-BE49-F238E27FC236}">
+                <a16:creationId xmlns:a16="http://schemas.microsoft.com/office/drawing/2014/main" id="{C412157E-F4B9-4053-A16F-86B8545914A7}"/>
+              </a:ext>
+            </a:extLst>
+          </p:cNvPr>
+          <p:cNvSpPr/>
+          <p:nvPr/>
+        </p:nvSpPr>
+        <p:spPr>
+          <a:xfrm>
+            <a:off x="7251870" y="7529671"/>
+            <a:ext cx="2113804" cy="463798"/>
+          </a:xfrm>
+          <a:prstGeom prst="rect">
+            <a:avLst/>
+          </a:prstGeom>
+          <a:noFill/>
+          <a:ln w="57150">
+            <a:solidFill>
+              <a:schemeClr val="accent2"/>
+            </a:solidFill>
+          </a:ln>
+        </p:spPr>
+        <p:style>
+          <a:lnRef idx="2">
+            <a:schemeClr val="accent1">
+              <a:shade val="50000"/>
+            </a:schemeClr>
+          </a:lnRef>
+          <a:fillRef idx="1">
+            <a:schemeClr val="accent1"/>
+          </a:fillRef>
+          <a:effectRef idx="0">
+            <a:schemeClr val="accent1"/>
+          </a:effectRef>
+          <a:fontRef idx="minor">
+            <a:schemeClr val="lt1"/>
+          </a:fontRef>
+        </p:style>
+        <p:txBody>
+          <a:bodyPr rtlCol="0" anchor="ctr"/>
+          <a:lstStyle/>
+          <a:p>
+            <a:pPr algn="ctr"/>
+            <a:endParaRPr lang="ru-RU"/>
+          </a:p>
+        </p:txBody>
+      </p:sp>
+    </p:spTree>
+    <p:extLst>
+      <p:ext uri="{BB962C8B-B14F-4D97-AF65-F5344CB8AC3E}">
+        <p14:creationId xmlns:p14="http://schemas.microsoft.com/office/powerpoint/2010/main" val="2480005953"/>
+      </p:ext>
+    </p:extLst>
+  </p:cSld>
+  <p:clrMapOvr>
+    <a:masterClrMapping/>
+  </p:clrMapOvr>
+</p:sld>
+</file>
+
 <file path=ppt/slides/slide2.xml><?xml version="1.0" encoding="utf-8"?>
 <p:sld xmlns:a="http://schemas.openxmlformats.org/drawingml/2006/main" xmlns:r="http://schemas.openxmlformats.org/officeDocument/2006/relationships" xmlns:p="http://schemas.openxmlformats.org/presentationml/2006/main">
   <p:cSld>
@@ -11708,63 +12746,6 @@
       </p:grpSpPr>
       <p:sp>
         <p:nvSpPr>
-          <p:cNvPr id="98" name="Google Shape;98;p15"/>
-          <p:cNvSpPr txBox="1"/>
-          <p:nvPr/>
-        </p:nvSpPr>
-        <p:spPr>
-          <a:xfrm>
-            <a:off x="1930182" y="1349721"/>
-            <a:ext cx="14427600" cy="1065900"/>
-          </a:xfrm>
-          <a:prstGeom prst="rect">
-            <a:avLst/>
-          </a:prstGeom>
-          <a:noFill/>
-          <a:ln>
-            <a:noFill/>
-          </a:ln>
-        </p:spPr>
-        <p:txBody>
-          <a:bodyPr spcFirstLastPara="1" wrap="square" lIns="0" tIns="0" rIns="0" bIns="0" anchor="t" anchorCtr="0">
-            <a:spAutoFit/>
-          </a:bodyPr>
-          <a:lstStyle/>
-          <a:p>
-            <a:pPr marL="0" marR="0" lvl="0" indent="0" algn="ctr" rtl="0">
-              <a:lnSpc>
-                <a:spcPct val="120002"/>
-              </a:lnSpc>
-              <a:spcBef>
-                <a:spcPts val="0"/>
-              </a:spcBef>
-              <a:spcAft>
-                <a:spcPts val="0"/>
-              </a:spcAft>
-              <a:buNone/>
-            </a:pPr>
-            <a:r>
-              <a:rPr lang="en-US" sz="6924" b="0" i="0" u="none" strike="noStrike" cap="none">
-                <a:solidFill>
-                  <a:schemeClr val="lt1"/>
-                </a:solidFill>
-                <a:latin typeface="Montserrat"/>
-                <a:ea typeface="Montserrat"/>
-                <a:cs typeface="Montserrat"/>
-                <a:sym typeface="Montserrat"/>
-              </a:rPr>
-              <a:t>Запишите свою тему или идею</a:t>
-            </a:r>
-            <a:endParaRPr>
-              <a:solidFill>
-                <a:schemeClr val="lt1"/>
-              </a:solidFill>
-            </a:endParaRPr>
-          </a:p>
-        </p:txBody>
-      </p:sp>
-      <p:sp>
-        <p:nvSpPr>
           <p:cNvPr id="99" name="Google Shape;99;p15"/>
           <p:cNvSpPr txBox="1"/>
           <p:nvPr/>
@@ -12232,7 +13213,7 @@
               <a:buNone/>
             </a:pPr>
             <a:r>
-              <a:rPr lang="en-US" sz="5799">
+              <a:rPr lang="en-US" sz="5799" dirty="0" err="1">
                 <a:solidFill>
                   <a:schemeClr val="lt1"/>
                 </a:solidFill>
@@ -12241,9 +13222,81 @@
                 <a:cs typeface="Montserrat"/>
                 <a:sym typeface="Montserrat"/>
               </a:rPr>
-              <a:t>Как выглядит структура сайта</a:t>
+              <a:t>Как</a:t>
             </a:r>
-            <a:endParaRPr>
+            <a:r>
+              <a:rPr lang="en-US" sz="5799" dirty="0">
+                <a:solidFill>
+                  <a:schemeClr val="lt1"/>
+                </a:solidFill>
+                <a:latin typeface="Montserrat"/>
+                <a:ea typeface="Montserrat"/>
+                <a:cs typeface="Montserrat"/>
+                <a:sym typeface="Montserrat"/>
+              </a:rPr>
+              <a:t> </a:t>
+            </a:r>
+            <a:r>
+              <a:rPr lang="en-US" sz="5799" dirty="0" err="1">
+                <a:solidFill>
+                  <a:schemeClr val="lt1"/>
+                </a:solidFill>
+                <a:latin typeface="Montserrat"/>
+                <a:ea typeface="Montserrat"/>
+                <a:cs typeface="Montserrat"/>
+                <a:sym typeface="Montserrat"/>
+              </a:rPr>
+              <a:t>выглядит</a:t>
+            </a:r>
+            <a:r>
+              <a:rPr lang="en-US" sz="5799" dirty="0">
+                <a:solidFill>
+                  <a:schemeClr val="lt1"/>
+                </a:solidFill>
+                <a:latin typeface="Montserrat"/>
+                <a:ea typeface="Montserrat"/>
+                <a:cs typeface="Montserrat"/>
+                <a:sym typeface="Montserrat"/>
+              </a:rPr>
+              <a:t> </a:t>
+            </a:r>
+            <a:r>
+              <a:rPr lang="en-US" sz="5799" dirty="0" err="1">
+                <a:solidFill>
+                  <a:schemeClr val="lt1"/>
+                </a:solidFill>
+                <a:latin typeface="Montserrat"/>
+                <a:ea typeface="Montserrat"/>
+                <a:cs typeface="Montserrat"/>
+                <a:sym typeface="Montserrat"/>
+              </a:rPr>
+              <a:t>структура</a:t>
+            </a:r>
+            <a:r>
+              <a:rPr lang="en-US" sz="5799" dirty="0">
+                <a:solidFill>
+                  <a:schemeClr val="lt1"/>
+                </a:solidFill>
+                <a:latin typeface="Montserrat"/>
+                <a:ea typeface="Montserrat"/>
+                <a:cs typeface="Montserrat"/>
+                <a:sym typeface="Montserrat"/>
+              </a:rPr>
+              <a:t> </a:t>
+            </a:r>
+            <a:r>
+              <a:rPr lang="en-US" sz="5799" dirty="0" err="1">
+                <a:solidFill>
+                  <a:schemeClr val="lt1"/>
+                </a:solidFill>
+                <a:latin typeface="Montserrat"/>
+                <a:ea typeface="Montserrat"/>
+                <a:cs typeface="Montserrat"/>
+                <a:sym typeface="Montserrat"/>
+              </a:rPr>
+              <a:t>сайта</a:t>
+            </a:r>
+            <a:endParaRPr dirty="0">
               <a:solidFill>
                 <a:schemeClr val="lt1"/>
               </a:solidFill>
@@ -12288,6 +13341,535 @@
 </file>
 
 <file path=ppt/slides/slide5.xml><?xml version="1.0" encoding="utf-8"?>
+<p:sld xmlns:a="http://schemas.openxmlformats.org/drawingml/2006/main" xmlns:r="http://schemas.openxmlformats.org/officeDocument/2006/relationships" xmlns:p="http://schemas.openxmlformats.org/presentationml/2006/main">
+  <p:cSld>
+    <p:bg>
+      <p:bgPr>
+        <a:blipFill>
+          <a:blip r:embed="rId3">
+            <a:alphaModFix/>
+          </a:blip>
+          <a:stretch>
+            <a:fillRect/>
+          </a:stretch>
+        </a:blipFill>
+        <a:effectLst/>
+      </p:bgPr>
+    </p:bg>
+    <p:spTree>
+      <p:nvGrpSpPr>
+        <p:cNvPr id="1" name="Shape 123"/>
+        <p:cNvGrpSpPr/>
+        <p:nvPr/>
+      </p:nvGrpSpPr>
+      <p:grpSpPr>
+        <a:xfrm>
+          <a:off x="0" y="0"/>
+          <a:ext cx="0" cy="0"/>
+          <a:chOff x="0" y="0"/>
+          <a:chExt cx="0" cy="0"/>
+        </a:xfrm>
+      </p:grpSpPr>
+      <p:sp>
+        <p:nvSpPr>
+          <p:cNvPr id="3" name="Google Shape;106;p16">
+            <a:extLst>
+              <a:ext uri="{FF2B5EF4-FFF2-40B4-BE49-F238E27FC236}">
+                <a16:creationId xmlns:a16="http://schemas.microsoft.com/office/drawing/2014/main" id="{8093BA91-CEBB-44D1-88B5-ED83A5DDD258}"/>
+              </a:ext>
+            </a:extLst>
+          </p:cNvPr>
+          <p:cNvSpPr txBox="1"/>
+          <p:nvPr/>
+        </p:nvSpPr>
+        <p:spPr>
+          <a:xfrm>
+            <a:off x="648056" y="1006227"/>
+            <a:ext cx="12430636" cy="1107996"/>
+          </a:xfrm>
+          <a:prstGeom prst="rect">
+            <a:avLst/>
+          </a:prstGeom>
+          <a:noFill/>
+          <a:ln>
+            <a:noFill/>
+          </a:ln>
+        </p:spPr>
+        <p:txBody>
+          <a:bodyPr spcFirstLastPara="1" wrap="square" lIns="0" tIns="0" rIns="0" bIns="0" anchor="t" anchorCtr="0">
+            <a:spAutoFit/>
+          </a:bodyPr>
+          <a:lstStyle/>
+          <a:p>
+            <a:pPr marL="0" marR="0" lvl="0" indent="0" algn="l" rtl="0">
+              <a:lnSpc>
+                <a:spcPct val="120003"/>
+              </a:lnSpc>
+              <a:spcBef>
+                <a:spcPts val="0"/>
+              </a:spcBef>
+              <a:spcAft>
+                <a:spcPts val="0"/>
+              </a:spcAft>
+              <a:buNone/>
+            </a:pPr>
+            <a:r>
+              <a:rPr lang="ru-RU" sz="6000" b="0" i="0" dirty="0">
+                <a:solidFill>
+                  <a:schemeClr val="bg1"/>
+                </a:solidFill>
+                <a:effectLst/>
+                <a:latin typeface="+mn-lt"/>
+              </a:rPr>
+              <a:t>HTML</a:t>
+            </a:r>
+            <a:endParaRPr dirty="0">
+              <a:solidFill>
+                <a:schemeClr val="bg1"/>
+              </a:solidFill>
+            </a:endParaRPr>
+          </a:p>
+        </p:txBody>
+      </p:sp>
+      <p:sp>
+        <p:nvSpPr>
+          <p:cNvPr id="6" name="TextBox 5">
+            <a:extLst>
+              <a:ext uri="{FF2B5EF4-FFF2-40B4-BE49-F238E27FC236}">
+                <a16:creationId xmlns:a16="http://schemas.microsoft.com/office/drawing/2014/main" id="{1F9AB468-64F3-498A-B87B-118F69E807CB}"/>
+              </a:ext>
+            </a:extLst>
+          </p:cNvPr>
+          <p:cNvSpPr txBox="1"/>
+          <p:nvPr/>
+        </p:nvSpPr>
+        <p:spPr>
+          <a:xfrm>
+            <a:off x="5846618" y="3621797"/>
+            <a:ext cx="12441382" cy="5447645"/>
+          </a:xfrm>
+          <a:prstGeom prst="rect">
+            <a:avLst/>
+          </a:prstGeom>
+          <a:noFill/>
+        </p:spPr>
+        <p:txBody>
+          <a:bodyPr wrap="square">
+            <a:spAutoFit/>
+          </a:bodyPr>
+          <a:lstStyle/>
+          <a:p>
+            <a:br>
+              <a:rPr lang="ru-RU" sz="6000" b="0" i="0" dirty="0">
+                <a:solidFill>
+                  <a:srgbClr val="000000"/>
+                </a:solidFill>
+                <a:effectLst/>
+                <a:latin typeface="+mn-lt"/>
+              </a:rPr>
+            </a:br>
+            <a:r>
+              <a:rPr lang="ru-RU" sz="3600" b="0" i="0" dirty="0">
+                <a:solidFill>
+                  <a:srgbClr val="000000"/>
+                </a:solidFill>
+                <a:effectLst/>
+                <a:latin typeface="+mn-lt"/>
+              </a:rPr>
+              <a:t>HTML — это язык описания структуры </a:t>
+            </a:r>
+            <a:r>
+              <a:rPr lang="ru-RU" sz="3600" b="0" i="0" dirty="0" err="1">
+                <a:solidFill>
+                  <a:srgbClr val="000000"/>
+                </a:solidFill>
+                <a:effectLst/>
+                <a:latin typeface="+mn-lt"/>
+              </a:rPr>
+              <a:t>вебстраницы</a:t>
+            </a:r>
+            <a:r>
+              <a:rPr lang="ru-RU" sz="3600" b="0" i="0" dirty="0">
+                <a:solidFill>
+                  <a:srgbClr val="000000"/>
+                </a:solidFill>
+                <a:effectLst/>
+                <a:latin typeface="+mn-lt"/>
+              </a:rPr>
+              <a:t>.</a:t>
+            </a:r>
+            <a:br>
+              <a:rPr lang="ru-RU" sz="3600" b="0" i="0" dirty="0">
+                <a:solidFill>
+                  <a:srgbClr val="000000"/>
+                </a:solidFill>
+                <a:effectLst/>
+                <a:latin typeface="+mn-lt"/>
+              </a:rPr>
+            </a:br>
+            <a:endParaRPr lang="ru-RU" sz="3600" b="0" i="0" dirty="0">
+              <a:solidFill>
+                <a:srgbClr val="000000"/>
+              </a:solidFill>
+              <a:effectLst/>
+              <a:latin typeface="+mn-lt"/>
+            </a:endParaRPr>
+          </a:p>
+          <a:p>
+            <a:r>
+              <a:rPr lang="ru-RU" sz="3600" b="0" i="0" dirty="0">
+                <a:solidFill>
+                  <a:srgbClr val="000000"/>
+                </a:solidFill>
+                <a:effectLst/>
+                <a:latin typeface="+mn-lt"/>
+              </a:rPr>
+              <a:t>Структура страницы формируется с помощью </a:t>
+            </a:r>
+            <a:r>
+              <a:rPr lang="ru-RU" sz="3600" b="1" i="0" dirty="0">
+                <a:solidFill>
+                  <a:srgbClr val="000000"/>
+                </a:solidFill>
+                <a:effectLst/>
+                <a:latin typeface="+mn-lt"/>
+              </a:rPr>
+              <a:t>тегов</a:t>
+            </a:r>
+            <a:r>
+              <a:rPr lang="ru-RU" sz="3600" b="0" i="0" dirty="0">
+                <a:solidFill>
+                  <a:srgbClr val="000000"/>
+                </a:solidFill>
+                <a:effectLst/>
+                <a:latin typeface="+mn-lt"/>
+              </a:rPr>
+              <a:t>.</a:t>
+            </a:r>
+          </a:p>
+          <a:p>
+            <a:br>
+              <a:rPr lang="ru-RU" sz="3600" b="0" i="0" dirty="0">
+                <a:solidFill>
+                  <a:srgbClr val="000000"/>
+                </a:solidFill>
+                <a:effectLst/>
+                <a:latin typeface="+mn-lt"/>
+              </a:rPr>
+            </a:br>
+            <a:r>
+              <a:rPr lang="ru-RU" sz="3600" b="0" i="0" dirty="0">
+                <a:solidFill>
+                  <a:srgbClr val="000000"/>
+                </a:solidFill>
+                <a:effectLst/>
+                <a:latin typeface="+mn-lt"/>
+              </a:rPr>
+              <a:t>HTML-теги — это специальные слова, которые «разбивают» страницу на определенные элементы: заголовки, абзацы, ссылки, картинки и т.д.</a:t>
+            </a:r>
+            <a:r>
+              <a:rPr lang="ru-RU" sz="3600" dirty="0">
+                <a:latin typeface="+mn-lt"/>
+              </a:rPr>
+              <a:t> </a:t>
+            </a:r>
+            <a:br>
+              <a:rPr lang="ru-RU" sz="3600" dirty="0">
+                <a:latin typeface="+mn-lt"/>
+              </a:rPr>
+            </a:br>
+            <a:endParaRPr lang="ru-RU" sz="3600" dirty="0">
+              <a:latin typeface="+mn-lt"/>
+            </a:endParaRPr>
+          </a:p>
+        </p:txBody>
+      </p:sp>
+    </p:spTree>
+    <p:extLst>
+      <p:ext uri="{BB962C8B-B14F-4D97-AF65-F5344CB8AC3E}">
+        <p14:creationId xmlns:p14="http://schemas.microsoft.com/office/powerpoint/2010/main" val="1895215716"/>
+      </p:ext>
+    </p:extLst>
+  </p:cSld>
+  <p:clrMapOvr>
+    <a:masterClrMapping/>
+  </p:clrMapOvr>
+</p:sld>
+</file>
+
+<file path=ppt/slides/slide6.xml><?xml version="1.0" encoding="utf-8"?>
+<p:sld xmlns:a="http://schemas.openxmlformats.org/drawingml/2006/main" xmlns:r="http://schemas.openxmlformats.org/officeDocument/2006/relationships" xmlns:p="http://schemas.openxmlformats.org/presentationml/2006/main">
+  <p:cSld>
+    <p:bg>
+      <p:bgPr>
+        <a:blipFill>
+          <a:blip r:embed="rId3">
+            <a:alphaModFix/>
+          </a:blip>
+          <a:stretch>
+            <a:fillRect/>
+          </a:stretch>
+        </a:blipFill>
+        <a:effectLst/>
+      </p:bgPr>
+    </p:bg>
+    <p:spTree>
+      <p:nvGrpSpPr>
+        <p:cNvPr id="1" name="Shape 123"/>
+        <p:cNvGrpSpPr/>
+        <p:nvPr/>
+      </p:nvGrpSpPr>
+      <p:grpSpPr>
+        <a:xfrm>
+          <a:off x="0" y="0"/>
+          <a:ext cx="0" cy="0"/>
+          <a:chOff x="0" y="0"/>
+          <a:chExt cx="0" cy="0"/>
+        </a:xfrm>
+      </p:grpSpPr>
+      <p:sp>
+        <p:nvSpPr>
+          <p:cNvPr id="3" name="Google Shape;106;p16">
+            <a:extLst>
+              <a:ext uri="{FF2B5EF4-FFF2-40B4-BE49-F238E27FC236}">
+                <a16:creationId xmlns:a16="http://schemas.microsoft.com/office/drawing/2014/main" id="{8093BA91-CEBB-44D1-88B5-ED83A5DDD258}"/>
+              </a:ext>
+            </a:extLst>
+          </p:cNvPr>
+          <p:cNvSpPr txBox="1"/>
+          <p:nvPr/>
+        </p:nvSpPr>
+        <p:spPr>
+          <a:xfrm>
+            <a:off x="648056" y="1006227"/>
+            <a:ext cx="12430636" cy="1107996"/>
+          </a:xfrm>
+          <a:prstGeom prst="rect">
+            <a:avLst/>
+          </a:prstGeom>
+          <a:noFill/>
+          <a:ln>
+            <a:noFill/>
+          </a:ln>
+        </p:spPr>
+        <p:txBody>
+          <a:bodyPr spcFirstLastPara="1" wrap="square" lIns="0" tIns="0" rIns="0" bIns="0" anchor="t" anchorCtr="0">
+            <a:spAutoFit/>
+          </a:bodyPr>
+          <a:lstStyle/>
+          <a:p>
+            <a:pPr marL="0" marR="0" lvl="0" indent="0" algn="l" rtl="0">
+              <a:lnSpc>
+                <a:spcPct val="120003"/>
+              </a:lnSpc>
+              <a:spcBef>
+                <a:spcPts val="0"/>
+              </a:spcBef>
+              <a:spcAft>
+                <a:spcPts val="0"/>
+              </a:spcAft>
+              <a:buNone/>
+            </a:pPr>
+            <a:r>
+              <a:rPr lang="ru-RU" sz="6000" b="0" i="0" dirty="0">
+                <a:solidFill>
+                  <a:schemeClr val="bg1"/>
+                </a:solidFill>
+                <a:effectLst/>
+                <a:latin typeface="+mn-lt"/>
+              </a:rPr>
+              <a:t>Теги</a:t>
+            </a:r>
+            <a:endParaRPr dirty="0">
+              <a:solidFill>
+                <a:schemeClr val="bg1"/>
+              </a:solidFill>
+            </a:endParaRPr>
+          </a:p>
+        </p:txBody>
+      </p:sp>
+      <p:pic>
+        <p:nvPicPr>
+          <p:cNvPr id="7" name="Рисунок 6">
+            <a:extLst>
+              <a:ext uri="{FF2B5EF4-FFF2-40B4-BE49-F238E27FC236}">
+                <a16:creationId xmlns:a16="http://schemas.microsoft.com/office/drawing/2014/main" id="{C96C6F8D-774A-44DB-8C82-FF46B6C4D45A}"/>
+              </a:ext>
+            </a:extLst>
+          </p:cNvPr>
+          <p:cNvPicPr>
+            <a:picLocks noChangeAspect="1"/>
+          </p:cNvPicPr>
+          <p:nvPr/>
+        </p:nvPicPr>
+        <p:blipFill>
+          <a:blip r:embed="rId4"/>
+          <a:stretch>
+            <a:fillRect/>
+          </a:stretch>
+        </p:blipFill>
+        <p:spPr>
+          <a:xfrm>
+            <a:off x="5909786" y="3281072"/>
+            <a:ext cx="11843994" cy="6367089"/>
+          </a:xfrm>
+          <a:prstGeom prst="rect">
+            <a:avLst/>
+          </a:prstGeom>
+        </p:spPr>
+      </p:pic>
+      <p:sp>
+        <p:nvSpPr>
+          <p:cNvPr id="9" name="TextBox 8">
+            <a:extLst>
+              <a:ext uri="{FF2B5EF4-FFF2-40B4-BE49-F238E27FC236}">
+                <a16:creationId xmlns:a16="http://schemas.microsoft.com/office/drawing/2014/main" id="{F3C86D22-43FB-4038-ACC0-2EA4C02674AD}"/>
+              </a:ext>
+            </a:extLst>
+          </p:cNvPr>
+          <p:cNvSpPr txBox="1"/>
+          <p:nvPr/>
+        </p:nvSpPr>
+        <p:spPr>
+          <a:xfrm>
+            <a:off x="374072" y="3648462"/>
+            <a:ext cx="5001492" cy="5632311"/>
+          </a:xfrm>
+          <a:prstGeom prst="rect">
+            <a:avLst/>
+          </a:prstGeom>
+          <a:noFill/>
+        </p:spPr>
+        <p:txBody>
+          <a:bodyPr wrap="square">
+            <a:spAutoFit/>
+          </a:bodyPr>
+          <a:lstStyle/>
+          <a:p>
+            <a:pPr algn="ctr"/>
+            <a:r>
+              <a:rPr lang="ru-RU" sz="4000" b="1" i="0" dirty="0">
+                <a:solidFill>
+                  <a:srgbClr val="000000"/>
+                </a:solidFill>
+                <a:effectLst/>
+                <a:latin typeface="+mn-lt"/>
+              </a:rPr>
+              <a:t>Парные теги</a:t>
+            </a:r>
+          </a:p>
+          <a:p>
+            <a:endParaRPr lang="ru-RU" sz="4000" dirty="0">
+              <a:latin typeface="+mn-lt"/>
+            </a:endParaRPr>
+          </a:p>
+          <a:p>
+            <a:r>
+              <a:rPr lang="ru-RU" sz="4000" b="0" i="0" dirty="0">
+                <a:solidFill>
+                  <a:srgbClr val="000000"/>
+                </a:solidFill>
+                <a:effectLst/>
+                <a:latin typeface="+mn-lt"/>
+              </a:rPr>
+              <a:t>Для создания закрывающего тега нужно написать открывающий тег, но после символа &lt; добавить обратный слеш /.</a:t>
+            </a:r>
+            <a:r>
+              <a:rPr lang="ru-RU" sz="4000" dirty="0">
+                <a:latin typeface="+mn-lt"/>
+              </a:rPr>
+              <a:t>  </a:t>
+            </a:r>
+          </a:p>
+        </p:txBody>
+      </p:sp>
+    </p:spTree>
+    <p:extLst>
+      <p:ext uri="{BB962C8B-B14F-4D97-AF65-F5344CB8AC3E}">
+        <p14:creationId xmlns:p14="http://schemas.microsoft.com/office/powerpoint/2010/main" val="2093209441"/>
+      </p:ext>
+    </p:extLst>
+  </p:cSld>
+  <p:clrMapOvr>
+    <a:masterClrMapping/>
+  </p:clrMapOvr>
+</p:sld>
+</file>
+
+<file path=ppt/slides/slide7.xml><?xml version="1.0" encoding="utf-8"?>
+<p:sld xmlns:a="http://schemas.openxmlformats.org/drawingml/2006/main" xmlns:r="http://schemas.openxmlformats.org/officeDocument/2006/relationships" xmlns:p="http://schemas.openxmlformats.org/presentationml/2006/main">
+  <p:cSld>
+    <p:bg>
+      <p:bgPr>
+        <a:blipFill>
+          <a:blip r:embed="rId3">
+            <a:alphaModFix/>
+          </a:blip>
+          <a:stretch>
+            <a:fillRect/>
+          </a:stretch>
+        </a:blipFill>
+        <a:effectLst/>
+      </p:bgPr>
+    </p:bg>
+    <p:spTree>
+      <p:nvGrpSpPr>
+        <p:cNvPr id="1" name="Shape 123"/>
+        <p:cNvGrpSpPr/>
+        <p:nvPr/>
+      </p:nvGrpSpPr>
+      <p:grpSpPr>
+        <a:xfrm>
+          <a:off x="0" y="0"/>
+          <a:ext cx="0" cy="0"/>
+          <a:chOff x="0" y="0"/>
+          <a:chExt cx="0" cy="0"/>
+        </a:xfrm>
+      </p:grpSpPr>
+      <p:pic>
+        <p:nvPicPr>
+          <p:cNvPr id="5" name="Рисунок 4">
+            <a:extLst>
+              <a:ext uri="{FF2B5EF4-FFF2-40B4-BE49-F238E27FC236}">
+                <a16:creationId xmlns:a16="http://schemas.microsoft.com/office/drawing/2014/main" id="{A7EC4321-FB1E-47AE-BB37-ECAB18E1CEA2}"/>
+              </a:ext>
+            </a:extLst>
+          </p:cNvPr>
+          <p:cNvPicPr>
+            <a:picLocks noChangeAspect="1"/>
+          </p:cNvPicPr>
+          <p:nvPr/>
+        </p:nvPicPr>
+        <p:blipFill>
+          <a:blip r:embed="rId4"/>
+          <a:stretch>
+            <a:fillRect/>
+          </a:stretch>
+        </p:blipFill>
+        <p:spPr>
+          <a:xfrm>
+            <a:off x="0" y="0"/>
+            <a:ext cx="18288000" cy="10287000"/>
+          </a:xfrm>
+          <a:prstGeom prst="rect">
+            <a:avLst/>
+          </a:prstGeom>
+        </p:spPr>
+      </p:pic>
+    </p:spTree>
+    <p:extLst>
+      <p:ext uri="{BB962C8B-B14F-4D97-AF65-F5344CB8AC3E}">
+        <p14:creationId xmlns:p14="http://schemas.microsoft.com/office/powerpoint/2010/main" val="3912403991"/>
+      </p:ext>
+    </p:extLst>
+  </p:cSld>
+  <p:clrMapOvr>
+    <a:masterClrMapping/>
+  </p:clrMapOvr>
+</p:sld>
+</file>
+
+<file path=ppt/slides/slide8.xml><?xml version="1.0" encoding="utf-8"?>
 <p:sld xmlns:a="http://schemas.openxmlformats.org/drawingml/2006/main" xmlns:r="http://schemas.openxmlformats.org/officeDocument/2006/relationships" xmlns:p="http://schemas.openxmlformats.org/presentationml/2006/main">
   <p:cSld>
     <p:bg>
@@ -13913,7 +15495,7 @@
 </p:sld>
 </file>
 
-<file path=ppt/slides/slide6.xml><?xml version="1.0" encoding="utf-8"?>
+<file path=ppt/slides/slide9.xml><?xml version="1.0" encoding="utf-8"?>
 <p:sld xmlns:a="http://schemas.openxmlformats.org/drawingml/2006/main" xmlns:r="http://schemas.openxmlformats.org/officeDocument/2006/relationships" xmlns:p="http://schemas.openxmlformats.org/presentationml/2006/main">
   <p:cSld>
     <p:bg>
@@ -13961,367 +15543,6 @@
           <a:xfrm>
             <a:off x="988541" y="1110714"/>
             <a:ext cx="16310917" cy="8792601"/>
-          </a:xfrm>
-          <a:prstGeom prst="rect">
-            <a:avLst/>
-          </a:prstGeom>
-          <a:noFill/>
-          <a:ln>
-            <a:noFill/>
-          </a:ln>
-        </p:spPr>
-      </p:pic>
-    </p:spTree>
-  </p:cSld>
-  <p:clrMapOvr>
-    <a:masterClrMapping/>
-  </p:clrMapOvr>
-</p:sld>
-</file>
-
-<file path=ppt/slides/slide7.xml><?xml version="1.0" encoding="utf-8"?>
-<p:sld xmlns:a="http://schemas.openxmlformats.org/drawingml/2006/main" xmlns:r="http://schemas.openxmlformats.org/officeDocument/2006/relationships" xmlns:p="http://schemas.openxmlformats.org/presentationml/2006/main">
-  <p:cSld>
-    <p:bg>
-      <p:bgPr>
-        <a:blipFill>
-          <a:blip r:embed="rId3">
-            <a:alphaModFix/>
-          </a:blip>
-          <a:stretch>
-            <a:fillRect/>
-          </a:stretch>
-        </a:blipFill>
-        <a:effectLst/>
-      </p:bgPr>
-    </p:bg>
-    <p:spTree>
-      <p:nvGrpSpPr>
-        <p:cNvPr id="1" name="Shape 133"/>
-        <p:cNvGrpSpPr/>
-        <p:nvPr/>
-      </p:nvGrpSpPr>
-      <p:grpSpPr>
-        <a:xfrm>
-          <a:off x="0" y="0"/>
-          <a:ext cx="0" cy="0"/>
-          <a:chOff x="0" y="0"/>
-          <a:chExt cx="0" cy="0"/>
-        </a:xfrm>
-      </p:grpSpPr>
-      <p:sp>
-        <p:nvSpPr>
-          <p:cNvPr id="134" name="Google Shape;134;p20"/>
-          <p:cNvSpPr txBox="1"/>
-          <p:nvPr/>
-        </p:nvSpPr>
-        <p:spPr>
-          <a:xfrm>
-            <a:off x="447175" y="486928"/>
-            <a:ext cx="16230600" cy="1077300"/>
-          </a:xfrm>
-          <a:prstGeom prst="rect">
-            <a:avLst/>
-          </a:prstGeom>
-          <a:noFill/>
-          <a:ln>
-            <a:noFill/>
-          </a:ln>
-        </p:spPr>
-        <p:txBody>
-          <a:bodyPr spcFirstLastPara="1" wrap="square" lIns="0" tIns="0" rIns="0" bIns="0" anchor="t" anchorCtr="0">
-            <a:spAutoFit/>
-          </a:bodyPr>
-          <a:lstStyle/>
-          <a:p>
-            <a:pPr marL="0" marR="0" lvl="0" indent="0" algn="l" rtl="0">
-              <a:lnSpc>
-                <a:spcPct val="120002"/>
-              </a:lnSpc>
-              <a:spcBef>
-                <a:spcPts val="0"/>
-              </a:spcBef>
-              <a:spcAft>
-                <a:spcPts val="0"/>
-              </a:spcAft>
-              <a:buNone/>
-            </a:pPr>
-            <a:r>
-              <a:rPr lang="en-US" sz="6999" b="0" i="0" u="none" strike="noStrike" cap="none">
-                <a:solidFill>
-                  <a:schemeClr val="lt1"/>
-                </a:solidFill>
-                <a:latin typeface="Montserrat"/>
-                <a:ea typeface="Montserrat"/>
-                <a:cs typeface="Montserrat"/>
-                <a:sym typeface="Montserrat"/>
-              </a:rPr>
-              <a:t>З</a:t>
-            </a:r>
-            <a:r>
-              <a:rPr lang="en-US" sz="6999">
-                <a:solidFill>
-                  <a:schemeClr val="lt1"/>
-                </a:solidFill>
-                <a:latin typeface="Montserrat"/>
-                <a:ea typeface="Montserrat"/>
-                <a:cs typeface="Montserrat"/>
-                <a:sym typeface="Montserrat"/>
-              </a:rPr>
-              <a:t>адание </a:t>
-            </a:r>
-            <a:endParaRPr>
-              <a:solidFill>
-                <a:schemeClr val="lt1"/>
-              </a:solidFill>
-            </a:endParaRPr>
-          </a:p>
-        </p:txBody>
-      </p:sp>
-      <p:sp>
-        <p:nvSpPr>
-          <p:cNvPr id="135" name="Google Shape;135;p20"/>
-          <p:cNvSpPr txBox="1"/>
-          <p:nvPr/>
-        </p:nvSpPr>
-        <p:spPr>
-          <a:xfrm>
-            <a:off x="5897325" y="3309450"/>
-            <a:ext cx="11550300" cy="3648000"/>
-          </a:xfrm>
-          <a:prstGeom prst="rect">
-            <a:avLst/>
-          </a:prstGeom>
-          <a:noFill/>
-          <a:ln>
-            <a:noFill/>
-          </a:ln>
-        </p:spPr>
-        <p:txBody>
-          <a:bodyPr spcFirstLastPara="1" wrap="square" lIns="91425" tIns="91425" rIns="91425" bIns="91425" anchor="t" anchorCtr="0">
-            <a:spAutoFit/>
-          </a:bodyPr>
-          <a:lstStyle/>
-          <a:p>
-            <a:pPr marL="0" lvl="0" indent="0" algn="l" rtl="0">
-              <a:spcBef>
-                <a:spcPts val="0"/>
-              </a:spcBef>
-              <a:spcAft>
-                <a:spcPts val="0"/>
-              </a:spcAft>
-              <a:buNone/>
-            </a:pPr>
-            <a:r>
-              <a:rPr lang="en-US" sz="2500">
-                <a:latin typeface="Comic Sans MS"/>
-                <a:ea typeface="Comic Sans MS"/>
-                <a:cs typeface="Comic Sans MS"/>
-                <a:sym typeface="Comic Sans MS"/>
-              </a:rPr>
-              <a:t>Создайте страницу сайта с описанием любимого мультфильма про животных.</a:t>
-            </a:r>
-            <a:endParaRPr sz="2500">
-              <a:latin typeface="Comic Sans MS"/>
-              <a:ea typeface="Comic Sans MS"/>
-              <a:cs typeface="Comic Sans MS"/>
-              <a:sym typeface="Comic Sans MS"/>
-            </a:endParaRPr>
-          </a:p>
-          <a:p>
-            <a:pPr marL="0" lvl="0" indent="0" algn="l" rtl="0">
-              <a:spcBef>
-                <a:spcPts val="0"/>
-              </a:spcBef>
-              <a:spcAft>
-                <a:spcPts val="0"/>
-              </a:spcAft>
-              <a:buNone/>
-            </a:pPr>
-            <a:endParaRPr sz="2500">
-              <a:latin typeface="Comic Sans MS"/>
-              <a:ea typeface="Comic Sans MS"/>
-              <a:cs typeface="Comic Sans MS"/>
-              <a:sym typeface="Comic Sans MS"/>
-            </a:endParaRPr>
-          </a:p>
-          <a:p>
-            <a:pPr marL="0" lvl="0" indent="0" algn="l" rtl="0">
-              <a:spcBef>
-                <a:spcPts val="0"/>
-              </a:spcBef>
-              <a:spcAft>
-                <a:spcPts val="0"/>
-              </a:spcAft>
-              <a:buNone/>
-            </a:pPr>
-            <a:endParaRPr sz="2500">
-              <a:latin typeface="Comic Sans MS"/>
-              <a:ea typeface="Comic Sans MS"/>
-              <a:cs typeface="Comic Sans MS"/>
-              <a:sym typeface="Comic Sans MS"/>
-            </a:endParaRPr>
-          </a:p>
-          <a:p>
-            <a:pPr marL="457200" lvl="0" indent="-387350" algn="l" rtl="0">
-              <a:spcBef>
-                <a:spcPts val="0"/>
-              </a:spcBef>
-              <a:spcAft>
-                <a:spcPts val="0"/>
-              </a:spcAft>
-              <a:buSzPts val="2500"/>
-              <a:buFont typeface="Comic Sans MS"/>
-              <a:buChar char="●"/>
-            </a:pPr>
-            <a:r>
-              <a:rPr lang="en-US" sz="2500">
-                <a:latin typeface="Comic Sans MS"/>
-                <a:ea typeface="Comic Sans MS"/>
-                <a:cs typeface="Comic Sans MS"/>
-                <a:sym typeface="Comic Sans MS"/>
-              </a:rPr>
-              <a:t>Заголовок страницы</a:t>
-            </a:r>
-            <a:endParaRPr sz="2500">
-              <a:latin typeface="Comic Sans MS"/>
-              <a:ea typeface="Comic Sans MS"/>
-              <a:cs typeface="Comic Sans MS"/>
-              <a:sym typeface="Comic Sans MS"/>
-            </a:endParaRPr>
-          </a:p>
-          <a:p>
-            <a:pPr marL="457200" lvl="0" indent="-387350" algn="l" rtl="0">
-              <a:spcBef>
-                <a:spcPts val="0"/>
-              </a:spcBef>
-              <a:spcAft>
-                <a:spcPts val="0"/>
-              </a:spcAft>
-              <a:buSzPts val="2500"/>
-              <a:buFont typeface="Comic Sans MS"/>
-              <a:buChar char="●"/>
-            </a:pPr>
-            <a:r>
-              <a:rPr lang="en-US" sz="2500">
-                <a:latin typeface="Comic Sans MS"/>
-                <a:ea typeface="Comic Sans MS"/>
-                <a:cs typeface="Comic Sans MS"/>
-                <a:sym typeface="Comic Sans MS"/>
-              </a:rPr>
-              <a:t>Название животного которому посвящён м/ф</a:t>
-            </a:r>
-            <a:endParaRPr sz="2500">
-              <a:latin typeface="Comic Sans MS"/>
-              <a:ea typeface="Comic Sans MS"/>
-              <a:cs typeface="Comic Sans MS"/>
-              <a:sym typeface="Comic Sans MS"/>
-            </a:endParaRPr>
-          </a:p>
-          <a:p>
-            <a:pPr marL="457200" lvl="0" indent="-387350" algn="l" rtl="0">
-              <a:spcBef>
-                <a:spcPts val="0"/>
-              </a:spcBef>
-              <a:spcAft>
-                <a:spcPts val="0"/>
-              </a:spcAft>
-              <a:buSzPts val="2500"/>
-              <a:buFont typeface="Comic Sans MS"/>
-              <a:buChar char="●"/>
-            </a:pPr>
-            <a:r>
-              <a:rPr lang="en-US" sz="2500">
-                <a:latin typeface="Comic Sans MS"/>
-                <a:ea typeface="Comic Sans MS"/>
-                <a:cs typeface="Comic Sans MS"/>
-                <a:sym typeface="Comic Sans MS"/>
-              </a:rPr>
-              <a:t>Название на русском, на английском в скобках</a:t>
-            </a:r>
-            <a:endParaRPr sz="2500">
-              <a:latin typeface="Comic Sans MS"/>
-              <a:ea typeface="Comic Sans MS"/>
-              <a:cs typeface="Comic Sans MS"/>
-              <a:sym typeface="Comic Sans MS"/>
-            </a:endParaRPr>
-          </a:p>
-          <a:p>
-            <a:pPr marL="457200" lvl="0" indent="-387350" algn="l" rtl="0">
-              <a:spcBef>
-                <a:spcPts val="0"/>
-              </a:spcBef>
-              <a:spcAft>
-                <a:spcPts val="0"/>
-              </a:spcAft>
-              <a:buSzPts val="2500"/>
-              <a:buFont typeface="Comic Sans MS"/>
-              <a:buChar char="●"/>
-            </a:pPr>
-            <a:r>
-              <a:rPr lang="en-US" sz="2500">
-                <a:latin typeface="Comic Sans MS"/>
-                <a:ea typeface="Comic Sans MS"/>
-                <a:cs typeface="Comic Sans MS"/>
-                <a:sym typeface="Comic Sans MS"/>
-              </a:rPr>
-              <a:t>Краткое описание</a:t>
-            </a:r>
-            <a:endParaRPr sz="2500">
-              <a:latin typeface="Comic Sans MS"/>
-              <a:ea typeface="Comic Sans MS"/>
-              <a:cs typeface="Comic Sans MS"/>
-              <a:sym typeface="Comic Sans MS"/>
-            </a:endParaRPr>
-          </a:p>
-          <a:p>
-            <a:pPr marL="457200" lvl="0" indent="-387350" algn="l" rtl="0">
-              <a:spcBef>
-                <a:spcPts val="0"/>
-              </a:spcBef>
-              <a:spcAft>
-                <a:spcPts val="0"/>
-              </a:spcAft>
-              <a:buSzPts val="2500"/>
-              <a:buFont typeface="Comic Sans MS"/>
-              <a:buChar char="●"/>
-            </a:pPr>
-            <a:r>
-              <a:rPr lang="en-US" sz="2500">
-                <a:latin typeface="Comic Sans MS"/>
-                <a:ea typeface="Comic Sans MS"/>
-                <a:cs typeface="Comic Sans MS"/>
-                <a:sym typeface="Comic Sans MS"/>
-              </a:rPr>
-              <a:t>Информация о создателях</a:t>
-            </a:r>
-            <a:endParaRPr sz="2500">
-              <a:latin typeface="Comic Sans MS"/>
-              <a:ea typeface="Comic Sans MS"/>
-              <a:cs typeface="Comic Sans MS"/>
-              <a:sym typeface="Comic Sans MS"/>
-            </a:endParaRPr>
-          </a:p>
-        </p:txBody>
-      </p:sp>
-      <p:pic>
-        <p:nvPicPr>
-          <p:cNvPr id="136" name="Google Shape;136;p20"/>
-          <p:cNvPicPr preferRelativeResize="0"/>
-          <p:nvPr/>
-        </p:nvPicPr>
-        <p:blipFill>
-          <a:blip r:embed="rId4">
-            <a:alphaModFix/>
-          </a:blip>
-          <a:stretch>
-            <a:fillRect/>
-          </a:stretch>
-        </p:blipFill>
-        <p:spPr>
-          <a:xfrm>
-            <a:off x="658725" y="6957450"/>
-            <a:ext cx="16970549" cy="4949725"/>
           </a:xfrm>
           <a:prstGeom prst="rect">
             <a:avLst/>

--- a/Презентации/1 Урок. HTML.pptx
+++ b/Презентации/1 Урок. HTML.pptx
@@ -5,44 +5,51 @@
     <p:sldMasterId id="2147483659" r:id="rId1"/>
   </p:sldMasterIdLst>
   <p:notesMasterIdLst>
-    <p:notesMasterId r:id="rId13"/>
+    <p:notesMasterId r:id="rId20"/>
   </p:notesMasterIdLst>
   <p:sldIdLst>
     <p:sldId id="256" r:id="rId2"/>
-    <p:sldId id="257" r:id="rId3"/>
-    <p:sldId id="258" r:id="rId4"/>
-    <p:sldId id="259" r:id="rId5"/>
-    <p:sldId id="264" r:id="rId6"/>
-    <p:sldId id="266" r:id="rId7"/>
-    <p:sldId id="265" r:id="rId8"/>
-    <p:sldId id="260" r:id="rId9"/>
-    <p:sldId id="261" r:id="rId10"/>
-    <p:sldId id="263" r:id="rId11"/>
-    <p:sldId id="267" r:id="rId12"/>
+    <p:sldId id="263" r:id="rId3"/>
+    <p:sldId id="267" r:id="rId4"/>
+    <p:sldId id="257" r:id="rId5"/>
+    <p:sldId id="258" r:id="rId6"/>
+    <p:sldId id="259" r:id="rId7"/>
+    <p:sldId id="264" r:id="rId8"/>
+    <p:sldId id="266" r:id="rId9"/>
+    <p:sldId id="265" r:id="rId10"/>
+    <p:sldId id="268" r:id="rId11"/>
+    <p:sldId id="269" r:id="rId12"/>
+    <p:sldId id="270" r:id="rId13"/>
+    <p:sldId id="271" r:id="rId14"/>
+    <p:sldId id="272" r:id="rId15"/>
+    <p:sldId id="273" r:id="rId16"/>
+    <p:sldId id="260" r:id="rId17"/>
+    <p:sldId id="274" r:id="rId18"/>
+    <p:sldId id="261" r:id="rId19"/>
   </p:sldIdLst>
   <p:sldSz cx="18288000" cy="10287000"/>
   <p:notesSz cx="6858000" cy="9144000"/>
   <p:embeddedFontLst>
     <p:embeddedFont>
       <p:font typeface="Calibri" panose="020F0502020204030204" pitchFamily="34" charset="0"/>
-      <p:regular r:id="rId14"/>
-      <p:bold r:id="rId15"/>
-      <p:italic r:id="rId16"/>
-      <p:boldItalic r:id="rId17"/>
+      <p:regular r:id="rId21"/>
+      <p:bold r:id="rId22"/>
+      <p:italic r:id="rId23"/>
+      <p:boldItalic r:id="rId24"/>
     </p:embeddedFont>
     <p:embeddedFont>
       <p:font typeface="Comic Sans MS" panose="030F0702030302020204" pitchFamily="66" charset="0"/>
-      <p:regular r:id="rId18"/>
-      <p:bold r:id="rId19"/>
-      <p:italic r:id="rId20"/>
-      <p:boldItalic r:id="rId21"/>
+      <p:regular r:id="rId25"/>
+      <p:bold r:id="rId26"/>
+      <p:italic r:id="rId27"/>
+      <p:boldItalic r:id="rId28"/>
     </p:embeddedFont>
     <p:embeddedFont>
       <p:font typeface="Montserrat" panose="020B0604020202020204" charset="-52"/>
-      <p:regular r:id="rId22"/>
-      <p:bold r:id="rId23"/>
-      <p:italic r:id="rId24"/>
-      <p:boldItalic r:id="rId25"/>
+      <p:regular r:id="rId29"/>
+      <p:bold r:id="rId30"/>
+      <p:italic r:id="rId31"/>
+      <p:boldItalic r:id="rId32"/>
     </p:embeddedFont>
   </p:embeddedFontLst>
   <p:defaultTextStyle>
@@ -843,6 +850,977 @@
   <p:cSld>
     <p:spTree>
       <p:nvGrpSpPr>
+        <p:cNvPr id="1" name="Shape 94"/>
+        <p:cNvGrpSpPr/>
+        <p:nvPr/>
+      </p:nvGrpSpPr>
+      <p:grpSpPr>
+        <a:xfrm>
+          <a:off x="0" y="0"/>
+          <a:ext cx="0" cy="0"/>
+          <a:chOff x="0" y="0"/>
+          <a:chExt cx="0" cy="0"/>
+        </a:xfrm>
+      </p:grpSpPr>
+      <p:sp>
+        <p:nvSpPr>
+          <p:cNvPr id="95" name="Google Shape;95;p8:notes"/>
+          <p:cNvSpPr txBox="1">
+            <a:spLocks noGrp="1"/>
+          </p:cNvSpPr>
+          <p:nvPr>
+            <p:ph type="body" idx="1"/>
+          </p:nvPr>
+        </p:nvSpPr>
+        <p:spPr>
+          <a:xfrm>
+            <a:off x="685800" y="4343400"/>
+            <a:ext cx="5486400" cy="4114800"/>
+          </a:xfrm>
+          <a:prstGeom prst="rect">
+            <a:avLst/>
+          </a:prstGeom>
+        </p:spPr>
+        <p:txBody>
+          <a:bodyPr spcFirstLastPara="1" wrap="square" lIns="91425" tIns="91425" rIns="91425" bIns="91425" anchor="t" anchorCtr="0">
+            <a:noAutofit/>
+          </a:bodyPr>
+          <a:lstStyle/>
+          <a:p>
+            <a:pPr marL="0" lvl="0" indent="0" algn="l" rtl="0">
+              <a:spcBef>
+                <a:spcPts val="0"/>
+              </a:spcBef>
+              <a:spcAft>
+                <a:spcPts val="0"/>
+              </a:spcAft>
+              <a:buNone/>
+            </a:pPr>
+            <a:endParaRPr/>
+          </a:p>
+        </p:txBody>
+      </p:sp>
+      <p:sp>
+        <p:nvSpPr>
+          <p:cNvPr id="96" name="Google Shape;96;p8:notes"/>
+          <p:cNvSpPr>
+            <a:spLocks noGrp="1" noRot="1" noChangeAspect="1"/>
+          </p:cNvSpPr>
+          <p:nvPr>
+            <p:ph type="sldImg" idx="2"/>
+          </p:nvPr>
+        </p:nvSpPr>
+        <p:spPr>
+          <a:xfrm>
+            <a:off x="381000" y="685800"/>
+            <a:ext cx="6096000" cy="3429000"/>
+          </a:xfrm>
+          <a:custGeom>
+            <a:avLst/>
+            <a:gdLst/>
+            <a:ahLst/>
+            <a:cxnLst/>
+            <a:rect l="l" t="t" r="r" b="b"/>
+            <a:pathLst>
+              <a:path w="120000" h="120000" extrusionOk="0">
+                <a:moveTo>
+                  <a:pt x="0" y="0"/>
+                </a:moveTo>
+                <a:lnTo>
+                  <a:pt x="120000" y="0"/>
+                </a:lnTo>
+                <a:lnTo>
+                  <a:pt x="120000" y="120000"/>
+                </a:lnTo>
+                <a:lnTo>
+                  <a:pt x="0" y="120000"/>
+                </a:lnTo>
+                <a:close/>
+              </a:path>
+            </a:pathLst>
+          </a:custGeom>
+        </p:spPr>
+      </p:sp>
+    </p:spTree>
+    <p:extLst>
+      <p:ext uri="{BB962C8B-B14F-4D97-AF65-F5344CB8AC3E}">
+        <p14:creationId xmlns:p14="http://schemas.microsoft.com/office/powerpoint/2010/main" val="2365521424"/>
+      </p:ext>
+    </p:extLst>
+  </p:cSld>
+  <p:clrMapOvr>
+    <a:masterClrMapping/>
+  </p:clrMapOvr>
+</p:notes>
+</file>
+
+<file path=ppt/notesSlides/notesSlide11.xml><?xml version="1.0" encoding="utf-8"?>
+<p:notes xmlns:a="http://schemas.openxmlformats.org/drawingml/2006/main" xmlns:r="http://schemas.openxmlformats.org/officeDocument/2006/relationships" xmlns:p="http://schemas.openxmlformats.org/presentationml/2006/main" showMasterSp="0" showMasterPhAnim="0">
+  <p:cSld>
+    <p:spTree>
+      <p:nvGrpSpPr>
+        <p:cNvPr id="1" name="Shape 94"/>
+        <p:cNvGrpSpPr/>
+        <p:nvPr/>
+      </p:nvGrpSpPr>
+      <p:grpSpPr>
+        <a:xfrm>
+          <a:off x="0" y="0"/>
+          <a:ext cx="0" cy="0"/>
+          <a:chOff x="0" y="0"/>
+          <a:chExt cx="0" cy="0"/>
+        </a:xfrm>
+      </p:grpSpPr>
+      <p:sp>
+        <p:nvSpPr>
+          <p:cNvPr id="95" name="Google Shape;95;p8:notes"/>
+          <p:cNvSpPr txBox="1">
+            <a:spLocks noGrp="1"/>
+          </p:cNvSpPr>
+          <p:nvPr>
+            <p:ph type="body" idx="1"/>
+          </p:nvPr>
+        </p:nvSpPr>
+        <p:spPr>
+          <a:xfrm>
+            <a:off x="685800" y="4343400"/>
+            <a:ext cx="5486400" cy="4114800"/>
+          </a:xfrm>
+          <a:prstGeom prst="rect">
+            <a:avLst/>
+          </a:prstGeom>
+        </p:spPr>
+        <p:txBody>
+          <a:bodyPr spcFirstLastPara="1" wrap="square" lIns="91425" tIns="91425" rIns="91425" bIns="91425" anchor="t" anchorCtr="0">
+            <a:noAutofit/>
+          </a:bodyPr>
+          <a:lstStyle/>
+          <a:p>
+            <a:pPr marL="0" lvl="0" indent="0" algn="l" rtl="0">
+              <a:spcBef>
+                <a:spcPts val="0"/>
+              </a:spcBef>
+              <a:spcAft>
+                <a:spcPts val="0"/>
+              </a:spcAft>
+              <a:buNone/>
+            </a:pPr>
+            <a:endParaRPr/>
+          </a:p>
+        </p:txBody>
+      </p:sp>
+      <p:sp>
+        <p:nvSpPr>
+          <p:cNvPr id="96" name="Google Shape;96;p8:notes"/>
+          <p:cNvSpPr>
+            <a:spLocks noGrp="1" noRot="1" noChangeAspect="1"/>
+          </p:cNvSpPr>
+          <p:nvPr>
+            <p:ph type="sldImg" idx="2"/>
+          </p:nvPr>
+        </p:nvSpPr>
+        <p:spPr>
+          <a:xfrm>
+            <a:off x="381000" y="685800"/>
+            <a:ext cx="6096000" cy="3429000"/>
+          </a:xfrm>
+          <a:custGeom>
+            <a:avLst/>
+            <a:gdLst/>
+            <a:ahLst/>
+            <a:cxnLst/>
+            <a:rect l="l" t="t" r="r" b="b"/>
+            <a:pathLst>
+              <a:path w="120000" h="120000" extrusionOk="0">
+                <a:moveTo>
+                  <a:pt x="0" y="0"/>
+                </a:moveTo>
+                <a:lnTo>
+                  <a:pt x="120000" y="0"/>
+                </a:lnTo>
+                <a:lnTo>
+                  <a:pt x="120000" y="120000"/>
+                </a:lnTo>
+                <a:lnTo>
+                  <a:pt x="0" y="120000"/>
+                </a:lnTo>
+                <a:close/>
+              </a:path>
+            </a:pathLst>
+          </a:custGeom>
+        </p:spPr>
+      </p:sp>
+    </p:spTree>
+    <p:extLst>
+      <p:ext uri="{BB962C8B-B14F-4D97-AF65-F5344CB8AC3E}">
+        <p14:creationId xmlns:p14="http://schemas.microsoft.com/office/powerpoint/2010/main" val="805704055"/>
+      </p:ext>
+    </p:extLst>
+  </p:cSld>
+  <p:clrMapOvr>
+    <a:masterClrMapping/>
+  </p:clrMapOvr>
+</p:notes>
+</file>
+
+<file path=ppt/notesSlides/notesSlide12.xml><?xml version="1.0" encoding="utf-8"?>
+<p:notes xmlns:a="http://schemas.openxmlformats.org/drawingml/2006/main" xmlns:r="http://schemas.openxmlformats.org/officeDocument/2006/relationships" xmlns:p="http://schemas.openxmlformats.org/presentationml/2006/main" showMasterSp="0" showMasterPhAnim="0">
+  <p:cSld>
+    <p:spTree>
+      <p:nvGrpSpPr>
+        <p:cNvPr id="1" name="Shape 94"/>
+        <p:cNvGrpSpPr/>
+        <p:nvPr/>
+      </p:nvGrpSpPr>
+      <p:grpSpPr>
+        <a:xfrm>
+          <a:off x="0" y="0"/>
+          <a:ext cx="0" cy="0"/>
+          <a:chOff x="0" y="0"/>
+          <a:chExt cx="0" cy="0"/>
+        </a:xfrm>
+      </p:grpSpPr>
+      <p:sp>
+        <p:nvSpPr>
+          <p:cNvPr id="95" name="Google Shape;95;p8:notes"/>
+          <p:cNvSpPr txBox="1">
+            <a:spLocks noGrp="1"/>
+          </p:cNvSpPr>
+          <p:nvPr>
+            <p:ph type="body" idx="1"/>
+          </p:nvPr>
+        </p:nvSpPr>
+        <p:spPr>
+          <a:xfrm>
+            <a:off x="685800" y="4343400"/>
+            <a:ext cx="5486400" cy="4114800"/>
+          </a:xfrm>
+          <a:prstGeom prst="rect">
+            <a:avLst/>
+          </a:prstGeom>
+        </p:spPr>
+        <p:txBody>
+          <a:bodyPr spcFirstLastPara="1" wrap="square" lIns="91425" tIns="91425" rIns="91425" bIns="91425" anchor="t" anchorCtr="0">
+            <a:noAutofit/>
+          </a:bodyPr>
+          <a:lstStyle/>
+          <a:p>
+            <a:pPr marL="0" lvl="0" indent="0" algn="l" rtl="0">
+              <a:spcBef>
+                <a:spcPts val="0"/>
+              </a:spcBef>
+              <a:spcAft>
+                <a:spcPts val="0"/>
+              </a:spcAft>
+              <a:buNone/>
+            </a:pPr>
+            <a:endParaRPr/>
+          </a:p>
+        </p:txBody>
+      </p:sp>
+      <p:sp>
+        <p:nvSpPr>
+          <p:cNvPr id="96" name="Google Shape;96;p8:notes"/>
+          <p:cNvSpPr>
+            <a:spLocks noGrp="1" noRot="1" noChangeAspect="1"/>
+          </p:cNvSpPr>
+          <p:nvPr>
+            <p:ph type="sldImg" idx="2"/>
+          </p:nvPr>
+        </p:nvSpPr>
+        <p:spPr>
+          <a:xfrm>
+            <a:off x="381000" y="685800"/>
+            <a:ext cx="6096000" cy="3429000"/>
+          </a:xfrm>
+          <a:custGeom>
+            <a:avLst/>
+            <a:gdLst/>
+            <a:ahLst/>
+            <a:cxnLst/>
+            <a:rect l="l" t="t" r="r" b="b"/>
+            <a:pathLst>
+              <a:path w="120000" h="120000" extrusionOk="0">
+                <a:moveTo>
+                  <a:pt x="0" y="0"/>
+                </a:moveTo>
+                <a:lnTo>
+                  <a:pt x="120000" y="0"/>
+                </a:lnTo>
+                <a:lnTo>
+                  <a:pt x="120000" y="120000"/>
+                </a:lnTo>
+                <a:lnTo>
+                  <a:pt x="0" y="120000"/>
+                </a:lnTo>
+                <a:close/>
+              </a:path>
+            </a:pathLst>
+          </a:custGeom>
+        </p:spPr>
+      </p:sp>
+    </p:spTree>
+    <p:extLst>
+      <p:ext uri="{BB962C8B-B14F-4D97-AF65-F5344CB8AC3E}">
+        <p14:creationId xmlns:p14="http://schemas.microsoft.com/office/powerpoint/2010/main" val="2426895054"/>
+      </p:ext>
+    </p:extLst>
+  </p:cSld>
+  <p:clrMapOvr>
+    <a:masterClrMapping/>
+  </p:clrMapOvr>
+</p:notes>
+</file>
+
+<file path=ppt/notesSlides/notesSlide13.xml><?xml version="1.0" encoding="utf-8"?>
+<p:notes xmlns:a="http://schemas.openxmlformats.org/drawingml/2006/main" xmlns:r="http://schemas.openxmlformats.org/officeDocument/2006/relationships" xmlns:p="http://schemas.openxmlformats.org/presentationml/2006/main" showMasterSp="0" showMasterPhAnim="0">
+  <p:cSld>
+    <p:spTree>
+      <p:nvGrpSpPr>
+        <p:cNvPr id="1" name="Shape 94"/>
+        <p:cNvGrpSpPr/>
+        <p:nvPr/>
+      </p:nvGrpSpPr>
+      <p:grpSpPr>
+        <a:xfrm>
+          <a:off x="0" y="0"/>
+          <a:ext cx="0" cy="0"/>
+          <a:chOff x="0" y="0"/>
+          <a:chExt cx="0" cy="0"/>
+        </a:xfrm>
+      </p:grpSpPr>
+      <p:sp>
+        <p:nvSpPr>
+          <p:cNvPr id="95" name="Google Shape;95;p8:notes"/>
+          <p:cNvSpPr txBox="1">
+            <a:spLocks noGrp="1"/>
+          </p:cNvSpPr>
+          <p:nvPr>
+            <p:ph type="body" idx="1"/>
+          </p:nvPr>
+        </p:nvSpPr>
+        <p:spPr>
+          <a:xfrm>
+            <a:off x="685800" y="4343400"/>
+            <a:ext cx="5486400" cy="4114800"/>
+          </a:xfrm>
+          <a:prstGeom prst="rect">
+            <a:avLst/>
+          </a:prstGeom>
+        </p:spPr>
+        <p:txBody>
+          <a:bodyPr spcFirstLastPara="1" wrap="square" lIns="91425" tIns="91425" rIns="91425" bIns="91425" anchor="t" anchorCtr="0">
+            <a:noAutofit/>
+          </a:bodyPr>
+          <a:lstStyle/>
+          <a:p>
+            <a:pPr marL="0" lvl="0" indent="0" algn="l" rtl="0">
+              <a:spcBef>
+                <a:spcPts val="0"/>
+              </a:spcBef>
+              <a:spcAft>
+                <a:spcPts val="0"/>
+              </a:spcAft>
+              <a:buNone/>
+            </a:pPr>
+            <a:endParaRPr/>
+          </a:p>
+        </p:txBody>
+      </p:sp>
+      <p:sp>
+        <p:nvSpPr>
+          <p:cNvPr id="96" name="Google Shape;96;p8:notes"/>
+          <p:cNvSpPr>
+            <a:spLocks noGrp="1" noRot="1" noChangeAspect="1"/>
+          </p:cNvSpPr>
+          <p:nvPr>
+            <p:ph type="sldImg" idx="2"/>
+          </p:nvPr>
+        </p:nvSpPr>
+        <p:spPr>
+          <a:xfrm>
+            <a:off x="381000" y="685800"/>
+            <a:ext cx="6096000" cy="3429000"/>
+          </a:xfrm>
+          <a:custGeom>
+            <a:avLst/>
+            <a:gdLst/>
+            <a:ahLst/>
+            <a:cxnLst/>
+            <a:rect l="l" t="t" r="r" b="b"/>
+            <a:pathLst>
+              <a:path w="120000" h="120000" extrusionOk="0">
+                <a:moveTo>
+                  <a:pt x="0" y="0"/>
+                </a:moveTo>
+                <a:lnTo>
+                  <a:pt x="120000" y="0"/>
+                </a:lnTo>
+                <a:lnTo>
+                  <a:pt x="120000" y="120000"/>
+                </a:lnTo>
+                <a:lnTo>
+                  <a:pt x="0" y="120000"/>
+                </a:lnTo>
+                <a:close/>
+              </a:path>
+            </a:pathLst>
+          </a:custGeom>
+        </p:spPr>
+      </p:sp>
+    </p:spTree>
+    <p:extLst>
+      <p:ext uri="{BB962C8B-B14F-4D97-AF65-F5344CB8AC3E}">
+        <p14:creationId xmlns:p14="http://schemas.microsoft.com/office/powerpoint/2010/main" val="1838258774"/>
+      </p:ext>
+    </p:extLst>
+  </p:cSld>
+  <p:clrMapOvr>
+    <a:masterClrMapping/>
+  </p:clrMapOvr>
+</p:notes>
+</file>
+
+<file path=ppt/notesSlides/notesSlide14.xml><?xml version="1.0" encoding="utf-8"?>
+<p:notes xmlns:a="http://schemas.openxmlformats.org/drawingml/2006/main" xmlns:r="http://schemas.openxmlformats.org/officeDocument/2006/relationships" xmlns:p="http://schemas.openxmlformats.org/presentationml/2006/main" showMasterSp="0" showMasterPhAnim="0">
+  <p:cSld>
+    <p:spTree>
+      <p:nvGrpSpPr>
+        <p:cNvPr id="1" name="Shape 94"/>
+        <p:cNvGrpSpPr/>
+        <p:nvPr/>
+      </p:nvGrpSpPr>
+      <p:grpSpPr>
+        <a:xfrm>
+          <a:off x="0" y="0"/>
+          <a:ext cx="0" cy="0"/>
+          <a:chOff x="0" y="0"/>
+          <a:chExt cx="0" cy="0"/>
+        </a:xfrm>
+      </p:grpSpPr>
+      <p:sp>
+        <p:nvSpPr>
+          <p:cNvPr id="95" name="Google Shape;95;p8:notes"/>
+          <p:cNvSpPr txBox="1">
+            <a:spLocks noGrp="1"/>
+          </p:cNvSpPr>
+          <p:nvPr>
+            <p:ph type="body" idx="1"/>
+          </p:nvPr>
+        </p:nvSpPr>
+        <p:spPr>
+          <a:xfrm>
+            <a:off x="685800" y="4343400"/>
+            <a:ext cx="5486400" cy="4114800"/>
+          </a:xfrm>
+          <a:prstGeom prst="rect">
+            <a:avLst/>
+          </a:prstGeom>
+        </p:spPr>
+        <p:txBody>
+          <a:bodyPr spcFirstLastPara="1" wrap="square" lIns="91425" tIns="91425" rIns="91425" bIns="91425" anchor="t" anchorCtr="0">
+            <a:noAutofit/>
+          </a:bodyPr>
+          <a:lstStyle/>
+          <a:p>
+            <a:pPr marL="0" lvl="0" indent="0" algn="l" rtl="0">
+              <a:spcBef>
+                <a:spcPts val="0"/>
+              </a:spcBef>
+              <a:spcAft>
+                <a:spcPts val="0"/>
+              </a:spcAft>
+              <a:buNone/>
+            </a:pPr>
+            <a:endParaRPr/>
+          </a:p>
+        </p:txBody>
+      </p:sp>
+      <p:sp>
+        <p:nvSpPr>
+          <p:cNvPr id="96" name="Google Shape;96;p8:notes"/>
+          <p:cNvSpPr>
+            <a:spLocks noGrp="1" noRot="1" noChangeAspect="1"/>
+          </p:cNvSpPr>
+          <p:nvPr>
+            <p:ph type="sldImg" idx="2"/>
+          </p:nvPr>
+        </p:nvSpPr>
+        <p:spPr>
+          <a:xfrm>
+            <a:off x="381000" y="685800"/>
+            <a:ext cx="6096000" cy="3429000"/>
+          </a:xfrm>
+          <a:custGeom>
+            <a:avLst/>
+            <a:gdLst/>
+            <a:ahLst/>
+            <a:cxnLst/>
+            <a:rect l="l" t="t" r="r" b="b"/>
+            <a:pathLst>
+              <a:path w="120000" h="120000" extrusionOk="0">
+                <a:moveTo>
+                  <a:pt x="0" y="0"/>
+                </a:moveTo>
+                <a:lnTo>
+                  <a:pt x="120000" y="0"/>
+                </a:lnTo>
+                <a:lnTo>
+                  <a:pt x="120000" y="120000"/>
+                </a:lnTo>
+                <a:lnTo>
+                  <a:pt x="0" y="120000"/>
+                </a:lnTo>
+                <a:close/>
+              </a:path>
+            </a:pathLst>
+          </a:custGeom>
+        </p:spPr>
+      </p:sp>
+    </p:spTree>
+    <p:extLst>
+      <p:ext uri="{BB962C8B-B14F-4D97-AF65-F5344CB8AC3E}">
+        <p14:creationId xmlns:p14="http://schemas.microsoft.com/office/powerpoint/2010/main" val="3031336404"/>
+      </p:ext>
+    </p:extLst>
+  </p:cSld>
+  <p:clrMapOvr>
+    <a:masterClrMapping/>
+  </p:clrMapOvr>
+</p:notes>
+</file>
+
+<file path=ppt/notesSlides/notesSlide15.xml><?xml version="1.0" encoding="utf-8"?>
+<p:notes xmlns:a="http://schemas.openxmlformats.org/drawingml/2006/main" xmlns:r="http://schemas.openxmlformats.org/officeDocument/2006/relationships" xmlns:p="http://schemas.openxmlformats.org/presentationml/2006/main" showMasterSp="0" showMasterPhAnim="0">
+  <p:cSld>
+    <p:spTree>
+      <p:nvGrpSpPr>
+        <p:cNvPr id="1" name="Shape 94"/>
+        <p:cNvGrpSpPr/>
+        <p:nvPr/>
+      </p:nvGrpSpPr>
+      <p:grpSpPr>
+        <a:xfrm>
+          <a:off x="0" y="0"/>
+          <a:ext cx="0" cy="0"/>
+          <a:chOff x="0" y="0"/>
+          <a:chExt cx="0" cy="0"/>
+        </a:xfrm>
+      </p:grpSpPr>
+      <p:sp>
+        <p:nvSpPr>
+          <p:cNvPr id="95" name="Google Shape;95;p8:notes"/>
+          <p:cNvSpPr txBox="1">
+            <a:spLocks noGrp="1"/>
+          </p:cNvSpPr>
+          <p:nvPr>
+            <p:ph type="body" idx="1"/>
+          </p:nvPr>
+        </p:nvSpPr>
+        <p:spPr>
+          <a:xfrm>
+            <a:off x="685800" y="4343400"/>
+            <a:ext cx="5486400" cy="4114800"/>
+          </a:xfrm>
+          <a:prstGeom prst="rect">
+            <a:avLst/>
+          </a:prstGeom>
+        </p:spPr>
+        <p:txBody>
+          <a:bodyPr spcFirstLastPara="1" wrap="square" lIns="91425" tIns="91425" rIns="91425" bIns="91425" anchor="t" anchorCtr="0">
+            <a:noAutofit/>
+          </a:bodyPr>
+          <a:lstStyle/>
+          <a:p>
+            <a:pPr marL="0" lvl="0" indent="0" algn="l" rtl="0">
+              <a:spcBef>
+                <a:spcPts val="0"/>
+              </a:spcBef>
+              <a:spcAft>
+                <a:spcPts val="0"/>
+              </a:spcAft>
+              <a:buNone/>
+            </a:pPr>
+            <a:endParaRPr/>
+          </a:p>
+        </p:txBody>
+      </p:sp>
+      <p:sp>
+        <p:nvSpPr>
+          <p:cNvPr id="96" name="Google Shape;96;p8:notes"/>
+          <p:cNvSpPr>
+            <a:spLocks noGrp="1" noRot="1" noChangeAspect="1"/>
+          </p:cNvSpPr>
+          <p:nvPr>
+            <p:ph type="sldImg" idx="2"/>
+          </p:nvPr>
+        </p:nvSpPr>
+        <p:spPr>
+          <a:xfrm>
+            <a:off x="381000" y="685800"/>
+            <a:ext cx="6096000" cy="3429000"/>
+          </a:xfrm>
+          <a:custGeom>
+            <a:avLst/>
+            <a:gdLst/>
+            <a:ahLst/>
+            <a:cxnLst/>
+            <a:rect l="l" t="t" r="r" b="b"/>
+            <a:pathLst>
+              <a:path w="120000" h="120000" extrusionOk="0">
+                <a:moveTo>
+                  <a:pt x="0" y="0"/>
+                </a:moveTo>
+                <a:lnTo>
+                  <a:pt x="120000" y="0"/>
+                </a:lnTo>
+                <a:lnTo>
+                  <a:pt x="120000" y="120000"/>
+                </a:lnTo>
+                <a:lnTo>
+                  <a:pt x="0" y="120000"/>
+                </a:lnTo>
+                <a:close/>
+              </a:path>
+            </a:pathLst>
+          </a:custGeom>
+        </p:spPr>
+      </p:sp>
+    </p:spTree>
+    <p:extLst>
+      <p:ext uri="{BB962C8B-B14F-4D97-AF65-F5344CB8AC3E}">
+        <p14:creationId xmlns:p14="http://schemas.microsoft.com/office/powerpoint/2010/main" val="3166441818"/>
+      </p:ext>
+    </p:extLst>
+  </p:cSld>
+  <p:clrMapOvr>
+    <a:masterClrMapping/>
+  </p:clrMapOvr>
+</p:notes>
+</file>
+
+<file path=ppt/notesSlides/notesSlide16.xml><?xml version="1.0" encoding="utf-8"?>
+<p:notes xmlns:a="http://schemas.openxmlformats.org/drawingml/2006/main" xmlns:r="http://schemas.openxmlformats.org/officeDocument/2006/relationships" xmlns:p="http://schemas.openxmlformats.org/presentationml/2006/main" showMasterSp="0" showMasterPhAnim="0">
+  <p:cSld>
+    <p:spTree>
+      <p:nvGrpSpPr>
+        <p:cNvPr id="1" name="Shape 108"/>
+        <p:cNvGrpSpPr/>
+        <p:nvPr/>
+      </p:nvGrpSpPr>
+      <p:grpSpPr>
+        <a:xfrm>
+          <a:off x="0" y="0"/>
+          <a:ext cx="0" cy="0"/>
+          <a:chOff x="0" y="0"/>
+          <a:chExt cx="0" cy="0"/>
+        </a:xfrm>
+      </p:grpSpPr>
+      <p:sp>
+        <p:nvSpPr>
+          <p:cNvPr id="109" name="Google Shape;109;p11:notes"/>
+          <p:cNvSpPr txBox="1">
+            <a:spLocks noGrp="1"/>
+          </p:cNvSpPr>
+          <p:nvPr>
+            <p:ph type="body" idx="1"/>
+          </p:nvPr>
+        </p:nvSpPr>
+        <p:spPr>
+          <a:xfrm>
+            <a:off x="685800" y="4343400"/>
+            <a:ext cx="5486400" cy="4114800"/>
+          </a:xfrm>
+          <a:prstGeom prst="rect">
+            <a:avLst/>
+          </a:prstGeom>
+        </p:spPr>
+        <p:txBody>
+          <a:bodyPr spcFirstLastPara="1" wrap="square" lIns="91425" tIns="91425" rIns="91425" bIns="91425" anchor="t" anchorCtr="0">
+            <a:noAutofit/>
+          </a:bodyPr>
+          <a:lstStyle/>
+          <a:p>
+            <a:pPr marL="0" lvl="0" indent="0" algn="l" rtl="0">
+              <a:spcBef>
+                <a:spcPts val="0"/>
+              </a:spcBef>
+              <a:spcAft>
+                <a:spcPts val="0"/>
+              </a:spcAft>
+              <a:buNone/>
+            </a:pPr>
+            <a:endParaRPr/>
+          </a:p>
+        </p:txBody>
+      </p:sp>
+      <p:sp>
+        <p:nvSpPr>
+          <p:cNvPr id="110" name="Google Shape;110;p11:notes"/>
+          <p:cNvSpPr>
+            <a:spLocks noGrp="1" noRot="1" noChangeAspect="1"/>
+          </p:cNvSpPr>
+          <p:nvPr>
+            <p:ph type="sldImg" idx="2"/>
+          </p:nvPr>
+        </p:nvSpPr>
+        <p:spPr>
+          <a:xfrm>
+            <a:off x="381000" y="685800"/>
+            <a:ext cx="6096000" cy="3429000"/>
+          </a:xfrm>
+          <a:custGeom>
+            <a:avLst/>
+            <a:gdLst/>
+            <a:ahLst/>
+            <a:cxnLst/>
+            <a:rect l="l" t="t" r="r" b="b"/>
+            <a:pathLst>
+              <a:path w="120000" h="120000" extrusionOk="0">
+                <a:moveTo>
+                  <a:pt x="0" y="0"/>
+                </a:moveTo>
+                <a:lnTo>
+                  <a:pt x="120000" y="0"/>
+                </a:lnTo>
+                <a:lnTo>
+                  <a:pt x="120000" y="120000"/>
+                </a:lnTo>
+                <a:lnTo>
+                  <a:pt x="0" y="120000"/>
+                </a:lnTo>
+                <a:close/>
+              </a:path>
+            </a:pathLst>
+          </a:custGeom>
+        </p:spPr>
+      </p:sp>
+    </p:spTree>
+  </p:cSld>
+  <p:clrMapOvr>
+    <a:masterClrMapping/>
+  </p:clrMapOvr>
+</p:notes>
+</file>
+
+<file path=ppt/notesSlides/notesSlide17.xml><?xml version="1.0" encoding="utf-8"?>
+<p:notes xmlns:a="http://schemas.openxmlformats.org/drawingml/2006/main" xmlns:r="http://schemas.openxmlformats.org/officeDocument/2006/relationships" xmlns:p="http://schemas.openxmlformats.org/presentationml/2006/main" showMasterSp="0" showMasterPhAnim="0">
+  <p:cSld>
+    <p:spTree>
+      <p:nvGrpSpPr>
+        <p:cNvPr id="1" name="Shape 94"/>
+        <p:cNvGrpSpPr/>
+        <p:nvPr/>
+      </p:nvGrpSpPr>
+      <p:grpSpPr>
+        <a:xfrm>
+          <a:off x="0" y="0"/>
+          <a:ext cx="0" cy="0"/>
+          <a:chOff x="0" y="0"/>
+          <a:chExt cx="0" cy="0"/>
+        </a:xfrm>
+      </p:grpSpPr>
+      <p:sp>
+        <p:nvSpPr>
+          <p:cNvPr id="95" name="Google Shape;95;p8:notes"/>
+          <p:cNvSpPr txBox="1">
+            <a:spLocks noGrp="1"/>
+          </p:cNvSpPr>
+          <p:nvPr>
+            <p:ph type="body" idx="1"/>
+          </p:nvPr>
+        </p:nvSpPr>
+        <p:spPr>
+          <a:xfrm>
+            <a:off x="685800" y="4343400"/>
+            <a:ext cx="5486400" cy="4114800"/>
+          </a:xfrm>
+          <a:prstGeom prst="rect">
+            <a:avLst/>
+          </a:prstGeom>
+        </p:spPr>
+        <p:txBody>
+          <a:bodyPr spcFirstLastPara="1" wrap="square" lIns="91425" tIns="91425" rIns="91425" bIns="91425" anchor="t" anchorCtr="0">
+            <a:noAutofit/>
+          </a:bodyPr>
+          <a:lstStyle/>
+          <a:p>
+            <a:pPr marL="0" lvl="0" indent="0" algn="l" rtl="0">
+              <a:spcBef>
+                <a:spcPts val="0"/>
+              </a:spcBef>
+              <a:spcAft>
+                <a:spcPts val="0"/>
+              </a:spcAft>
+              <a:buNone/>
+            </a:pPr>
+            <a:endParaRPr/>
+          </a:p>
+        </p:txBody>
+      </p:sp>
+      <p:sp>
+        <p:nvSpPr>
+          <p:cNvPr id="96" name="Google Shape;96;p8:notes"/>
+          <p:cNvSpPr>
+            <a:spLocks noGrp="1" noRot="1" noChangeAspect="1"/>
+          </p:cNvSpPr>
+          <p:nvPr>
+            <p:ph type="sldImg" idx="2"/>
+          </p:nvPr>
+        </p:nvSpPr>
+        <p:spPr>
+          <a:xfrm>
+            <a:off x="381000" y="685800"/>
+            <a:ext cx="6096000" cy="3429000"/>
+          </a:xfrm>
+          <a:custGeom>
+            <a:avLst/>
+            <a:gdLst/>
+            <a:ahLst/>
+            <a:cxnLst/>
+            <a:rect l="l" t="t" r="r" b="b"/>
+            <a:pathLst>
+              <a:path w="120000" h="120000" extrusionOk="0">
+                <a:moveTo>
+                  <a:pt x="0" y="0"/>
+                </a:moveTo>
+                <a:lnTo>
+                  <a:pt x="120000" y="0"/>
+                </a:lnTo>
+                <a:lnTo>
+                  <a:pt x="120000" y="120000"/>
+                </a:lnTo>
+                <a:lnTo>
+                  <a:pt x="0" y="120000"/>
+                </a:lnTo>
+                <a:close/>
+              </a:path>
+            </a:pathLst>
+          </a:custGeom>
+        </p:spPr>
+      </p:sp>
+    </p:spTree>
+    <p:extLst>
+      <p:ext uri="{BB962C8B-B14F-4D97-AF65-F5344CB8AC3E}">
+        <p14:creationId xmlns:p14="http://schemas.microsoft.com/office/powerpoint/2010/main" val="2493124457"/>
+      </p:ext>
+    </p:extLst>
+  </p:cSld>
+  <p:clrMapOvr>
+    <a:masterClrMapping/>
+  </p:clrMapOvr>
+</p:notes>
+</file>
+
+<file path=ppt/notesSlides/notesSlide18.xml><?xml version="1.0" encoding="utf-8"?>
+<p:notes xmlns:a="http://schemas.openxmlformats.org/drawingml/2006/main" xmlns:r="http://schemas.openxmlformats.org/officeDocument/2006/relationships" xmlns:p="http://schemas.openxmlformats.org/presentationml/2006/main" showMasterSp="0" showMasterPhAnim="0">
+  <p:cSld>
+    <p:spTree>
+      <p:nvGrpSpPr>
+        <p:cNvPr id="1" name="Shape 120"/>
+        <p:cNvGrpSpPr/>
+        <p:nvPr/>
+      </p:nvGrpSpPr>
+      <p:grpSpPr>
+        <a:xfrm>
+          <a:off x="0" y="0"/>
+          <a:ext cx="0" cy="0"/>
+          <a:chOff x="0" y="0"/>
+          <a:chExt cx="0" cy="0"/>
+        </a:xfrm>
+      </p:grpSpPr>
+      <p:sp>
+        <p:nvSpPr>
+          <p:cNvPr id="121" name="Google Shape;121;p12:notes"/>
+          <p:cNvSpPr txBox="1">
+            <a:spLocks noGrp="1"/>
+          </p:cNvSpPr>
+          <p:nvPr>
+            <p:ph type="body" idx="1"/>
+          </p:nvPr>
+        </p:nvSpPr>
+        <p:spPr>
+          <a:xfrm>
+            <a:off x="685800" y="4343400"/>
+            <a:ext cx="5486400" cy="4114800"/>
+          </a:xfrm>
+          <a:prstGeom prst="rect">
+            <a:avLst/>
+          </a:prstGeom>
+        </p:spPr>
+        <p:txBody>
+          <a:bodyPr spcFirstLastPara="1" wrap="square" lIns="91425" tIns="91425" rIns="91425" bIns="91425" anchor="t" anchorCtr="0">
+            <a:noAutofit/>
+          </a:bodyPr>
+          <a:lstStyle/>
+          <a:p>
+            <a:pPr marL="0" lvl="0" indent="0" algn="l" rtl="0">
+              <a:spcBef>
+                <a:spcPts val="0"/>
+              </a:spcBef>
+              <a:spcAft>
+                <a:spcPts val="0"/>
+              </a:spcAft>
+              <a:buNone/>
+            </a:pPr>
+            <a:endParaRPr/>
+          </a:p>
+        </p:txBody>
+      </p:sp>
+      <p:sp>
+        <p:nvSpPr>
+          <p:cNvPr id="122" name="Google Shape;122;p12:notes"/>
+          <p:cNvSpPr>
+            <a:spLocks noGrp="1" noRot="1" noChangeAspect="1"/>
+          </p:cNvSpPr>
+          <p:nvPr>
+            <p:ph type="sldImg" idx="2"/>
+          </p:nvPr>
+        </p:nvSpPr>
+        <p:spPr>
+          <a:xfrm>
+            <a:off x="381000" y="685800"/>
+            <a:ext cx="6096000" cy="3429000"/>
+          </a:xfrm>
+          <a:custGeom>
+            <a:avLst/>
+            <a:gdLst/>
+            <a:ahLst/>
+            <a:cxnLst/>
+            <a:rect l="l" t="t" r="r" b="b"/>
+            <a:pathLst>
+              <a:path w="120000" h="120000" extrusionOk="0">
+                <a:moveTo>
+                  <a:pt x="0" y="0"/>
+                </a:moveTo>
+                <a:lnTo>
+                  <a:pt x="120000" y="0"/>
+                </a:lnTo>
+                <a:lnTo>
+                  <a:pt x="120000" y="120000"/>
+                </a:lnTo>
+                <a:lnTo>
+                  <a:pt x="0" y="120000"/>
+                </a:lnTo>
+                <a:close/>
+              </a:path>
+            </a:pathLst>
+          </a:custGeom>
+        </p:spPr>
+      </p:sp>
+    </p:spTree>
+  </p:cSld>
+  <p:clrMapOvr>
+    <a:masterClrMapping/>
+  </p:clrMapOvr>
+</p:notes>
+</file>
+
+<file path=ppt/notesSlides/notesSlide2.xml><?xml version="1.0" encoding="utf-8"?>
+<p:notes xmlns:a="http://schemas.openxmlformats.org/drawingml/2006/main" xmlns:r="http://schemas.openxmlformats.org/officeDocument/2006/relationships" xmlns:p="http://schemas.openxmlformats.org/presentationml/2006/main" showMasterSp="0" showMasterPhAnim="0">
+  <p:cSld>
+    <p:spTree>
+      <p:nvGrpSpPr>
         <p:cNvPr id="1" name="Shape 130"/>
         <p:cNvGrpSpPr/>
         <p:nvPr/>
@@ -942,7 +1920,7 @@
 </p:notes>
 </file>
 
-<file path=ppt/notesSlides/notesSlide11.xml><?xml version="1.0" encoding="utf-8"?>
+<file path=ppt/notesSlides/notesSlide3.xml><?xml version="1.0" encoding="utf-8"?>
 <p:notes xmlns:a="http://schemas.openxmlformats.org/drawingml/2006/main" xmlns:r="http://schemas.openxmlformats.org/officeDocument/2006/relationships" xmlns:p="http://schemas.openxmlformats.org/presentationml/2006/main" showMasterSp="0" showMasterPhAnim="0">
   <p:cSld>
     <p:spTree>
@@ -1051,7 +2029,7 @@
 </p:notes>
 </file>
 
-<file path=ppt/notesSlides/notesSlide2.xml><?xml version="1.0" encoding="utf-8"?>
+<file path=ppt/notesSlides/notesSlide4.xml><?xml version="1.0" encoding="utf-8"?>
 <p:notes xmlns:a="http://schemas.openxmlformats.org/drawingml/2006/main" xmlns:r="http://schemas.openxmlformats.org/officeDocument/2006/relationships" xmlns:p="http://schemas.openxmlformats.org/presentationml/2006/main" showMasterSp="0" showMasterPhAnim="0">
   <p:cSld>
     <p:spTree>
@@ -1155,7 +2133,7 @@
 </p:notes>
 </file>
 
-<file path=ppt/notesSlides/notesSlide3.xml><?xml version="1.0" encoding="utf-8"?>
+<file path=ppt/notesSlides/notesSlide5.xml><?xml version="1.0" encoding="utf-8"?>
 <p:notes xmlns:a="http://schemas.openxmlformats.org/drawingml/2006/main" xmlns:r="http://schemas.openxmlformats.org/officeDocument/2006/relationships" xmlns:p="http://schemas.openxmlformats.org/presentationml/2006/main" showMasterSp="0" showMasterPhAnim="0">
   <p:cSld>
     <p:spTree>
@@ -1259,7 +2237,7 @@
 </p:notes>
 </file>
 
-<file path=ppt/notesSlides/notesSlide4.xml><?xml version="1.0" encoding="utf-8"?>
+<file path=ppt/notesSlides/notesSlide6.xml><?xml version="1.0" encoding="utf-8"?>
 <p:notes xmlns:a="http://schemas.openxmlformats.org/drawingml/2006/main" xmlns:r="http://schemas.openxmlformats.org/officeDocument/2006/relationships" xmlns:p="http://schemas.openxmlformats.org/presentationml/2006/main" showMasterSp="0" showMasterPhAnim="0">
   <p:cSld>
     <p:spTree>
@@ -1363,7 +2341,7 @@
 </p:notes>
 </file>
 
-<file path=ppt/notesSlides/notesSlide5.xml><?xml version="1.0" encoding="utf-8"?>
+<file path=ppt/notesSlides/notesSlide7.xml><?xml version="1.0" encoding="utf-8"?>
 <p:notes xmlns:a="http://schemas.openxmlformats.org/drawingml/2006/main" xmlns:r="http://schemas.openxmlformats.org/officeDocument/2006/relationships" xmlns:p="http://schemas.openxmlformats.org/presentationml/2006/main" showMasterSp="0" showMasterPhAnim="0">
   <p:cSld>
     <p:spTree>
@@ -1472,7 +2450,7 @@
 </p:notes>
 </file>
 
-<file path=ppt/notesSlides/notesSlide6.xml><?xml version="1.0" encoding="utf-8"?>
+<file path=ppt/notesSlides/notesSlide8.xml><?xml version="1.0" encoding="utf-8"?>
 <p:notes xmlns:a="http://schemas.openxmlformats.org/drawingml/2006/main" xmlns:r="http://schemas.openxmlformats.org/officeDocument/2006/relationships" xmlns:p="http://schemas.openxmlformats.org/presentationml/2006/main" showMasterSp="0" showMasterPhAnim="0">
   <p:cSld>
     <p:spTree>
@@ -1581,7 +2559,7 @@
 </p:notes>
 </file>
 
-<file path=ppt/notesSlides/notesSlide7.xml><?xml version="1.0" encoding="utf-8"?>
+<file path=ppt/notesSlides/notesSlide9.xml><?xml version="1.0" encoding="utf-8"?>
 <p:notes xmlns:a="http://schemas.openxmlformats.org/drawingml/2006/main" xmlns:r="http://schemas.openxmlformats.org/officeDocument/2006/relationships" xmlns:p="http://schemas.openxmlformats.org/presentationml/2006/main" showMasterSp="0" showMasterPhAnim="0">
   <p:cSld>
     <p:spTree>
@@ -1683,214 +2661,6 @@
         <p14:creationId xmlns:p14="http://schemas.microsoft.com/office/powerpoint/2010/main" val="2800674321"/>
       </p:ext>
     </p:extLst>
-  </p:cSld>
-  <p:clrMapOvr>
-    <a:masterClrMapping/>
-  </p:clrMapOvr>
-</p:notes>
-</file>
-
-<file path=ppt/notesSlides/notesSlide8.xml><?xml version="1.0" encoding="utf-8"?>
-<p:notes xmlns:a="http://schemas.openxmlformats.org/drawingml/2006/main" xmlns:r="http://schemas.openxmlformats.org/officeDocument/2006/relationships" xmlns:p="http://schemas.openxmlformats.org/presentationml/2006/main" showMasterSp="0" showMasterPhAnim="0">
-  <p:cSld>
-    <p:spTree>
-      <p:nvGrpSpPr>
-        <p:cNvPr id="1" name="Shape 108"/>
-        <p:cNvGrpSpPr/>
-        <p:nvPr/>
-      </p:nvGrpSpPr>
-      <p:grpSpPr>
-        <a:xfrm>
-          <a:off x="0" y="0"/>
-          <a:ext cx="0" cy="0"/>
-          <a:chOff x="0" y="0"/>
-          <a:chExt cx="0" cy="0"/>
-        </a:xfrm>
-      </p:grpSpPr>
-      <p:sp>
-        <p:nvSpPr>
-          <p:cNvPr id="109" name="Google Shape;109;p11:notes"/>
-          <p:cNvSpPr txBox="1">
-            <a:spLocks noGrp="1"/>
-          </p:cNvSpPr>
-          <p:nvPr>
-            <p:ph type="body" idx="1"/>
-          </p:nvPr>
-        </p:nvSpPr>
-        <p:spPr>
-          <a:xfrm>
-            <a:off x="685800" y="4343400"/>
-            <a:ext cx="5486400" cy="4114800"/>
-          </a:xfrm>
-          <a:prstGeom prst="rect">
-            <a:avLst/>
-          </a:prstGeom>
-        </p:spPr>
-        <p:txBody>
-          <a:bodyPr spcFirstLastPara="1" wrap="square" lIns="91425" tIns="91425" rIns="91425" bIns="91425" anchor="t" anchorCtr="0">
-            <a:noAutofit/>
-          </a:bodyPr>
-          <a:lstStyle/>
-          <a:p>
-            <a:pPr marL="0" lvl="0" indent="0" algn="l" rtl="0">
-              <a:spcBef>
-                <a:spcPts val="0"/>
-              </a:spcBef>
-              <a:spcAft>
-                <a:spcPts val="0"/>
-              </a:spcAft>
-              <a:buNone/>
-            </a:pPr>
-            <a:endParaRPr/>
-          </a:p>
-        </p:txBody>
-      </p:sp>
-      <p:sp>
-        <p:nvSpPr>
-          <p:cNvPr id="110" name="Google Shape;110;p11:notes"/>
-          <p:cNvSpPr>
-            <a:spLocks noGrp="1" noRot="1" noChangeAspect="1"/>
-          </p:cNvSpPr>
-          <p:nvPr>
-            <p:ph type="sldImg" idx="2"/>
-          </p:nvPr>
-        </p:nvSpPr>
-        <p:spPr>
-          <a:xfrm>
-            <a:off x="381000" y="685800"/>
-            <a:ext cx="6096000" cy="3429000"/>
-          </a:xfrm>
-          <a:custGeom>
-            <a:avLst/>
-            <a:gdLst/>
-            <a:ahLst/>
-            <a:cxnLst/>
-            <a:rect l="l" t="t" r="r" b="b"/>
-            <a:pathLst>
-              <a:path w="120000" h="120000" extrusionOk="0">
-                <a:moveTo>
-                  <a:pt x="0" y="0"/>
-                </a:moveTo>
-                <a:lnTo>
-                  <a:pt x="120000" y="0"/>
-                </a:lnTo>
-                <a:lnTo>
-                  <a:pt x="120000" y="120000"/>
-                </a:lnTo>
-                <a:lnTo>
-                  <a:pt x="0" y="120000"/>
-                </a:lnTo>
-                <a:close/>
-              </a:path>
-            </a:pathLst>
-          </a:custGeom>
-        </p:spPr>
-      </p:sp>
-    </p:spTree>
-  </p:cSld>
-  <p:clrMapOvr>
-    <a:masterClrMapping/>
-  </p:clrMapOvr>
-</p:notes>
-</file>
-
-<file path=ppt/notesSlides/notesSlide9.xml><?xml version="1.0" encoding="utf-8"?>
-<p:notes xmlns:a="http://schemas.openxmlformats.org/drawingml/2006/main" xmlns:r="http://schemas.openxmlformats.org/officeDocument/2006/relationships" xmlns:p="http://schemas.openxmlformats.org/presentationml/2006/main" showMasterSp="0" showMasterPhAnim="0">
-  <p:cSld>
-    <p:spTree>
-      <p:nvGrpSpPr>
-        <p:cNvPr id="1" name="Shape 120"/>
-        <p:cNvGrpSpPr/>
-        <p:nvPr/>
-      </p:nvGrpSpPr>
-      <p:grpSpPr>
-        <a:xfrm>
-          <a:off x="0" y="0"/>
-          <a:ext cx="0" cy="0"/>
-          <a:chOff x="0" y="0"/>
-          <a:chExt cx="0" cy="0"/>
-        </a:xfrm>
-      </p:grpSpPr>
-      <p:sp>
-        <p:nvSpPr>
-          <p:cNvPr id="121" name="Google Shape;121;p12:notes"/>
-          <p:cNvSpPr txBox="1">
-            <a:spLocks noGrp="1"/>
-          </p:cNvSpPr>
-          <p:nvPr>
-            <p:ph type="body" idx="1"/>
-          </p:nvPr>
-        </p:nvSpPr>
-        <p:spPr>
-          <a:xfrm>
-            <a:off x="685800" y="4343400"/>
-            <a:ext cx="5486400" cy="4114800"/>
-          </a:xfrm>
-          <a:prstGeom prst="rect">
-            <a:avLst/>
-          </a:prstGeom>
-        </p:spPr>
-        <p:txBody>
-          <a:bodyPr spcFirstLastPara="1" wrap="square" lIns="91425" tIns="91425" rIns="91425" bIns="91425" anchor="t" anchorCtr="0">
-            <a:noAutofit/>
-          </a:bodyPr>
-          <a:lstStyle/>
-          <a:p>
-            <a:pPr marL="0" lvl="0" indent="0" algn="l" rtl="0">
-              <a:spcBef>
-                <a:spcPts val="0"/>
-              </a:spcBef>
-              <a:spcAft>
-                <a:spcPts val="0"/>
-              </a:spcAft>
-              <a:buNone/>
-            </a:pPr>
-            <a:endParaRPr/>
-          </a:p>
-        </p:txBody>
-      </p:sp>
-      <p:sp>
-        <p:nvSpPr>
-          <p:cNvPr id="122" name="Google Shape;122;p12:notes"/>
-          <p:cNvSpPr>
-            <a:spLocks noGrp="1" noRot="1" noChangeAspect="1"/>
-          </p:cNvSpPr>
-          <p:nvPr>
-            <p:ph type="sldImg" idx="2"/>
-          </p:nvPr>
-        </p:nvSpPr>
-        <p:spPr>
-          <a:xfrm>
-            <a:off x="381000" y="685800"/>
-            <a:ext cx="6096000" cy="3429000"/>
-          </a:xfrm>
-          <a:custGeom>
-            <a:avLst/>
-            <a:gdLst/>
-            <a:ahLst/>
-            <a:cxnLst/>
-            <a:rect l="l" t="t" r="r" b="b"/>
-            <a:pathLst>
-              <a:path w="120000" h="120000" extrusionOk="0">
-                <a:moveTo>
-                  <a:pt x="0" y="0"/>
-                </a:moveTo>
-                <a:lnTo>
-                  <a:pt x="120000" y="0"/>
-                </a:lnTo>
-                <a:lnTo>
-                  <a:pt x="120000" y="120000"/>
-                </a:lnTo>
-                <a:lnTo>
-                  <a:pt x="0" y="120000"/>
-                </a:lnTo>
-                <a:close/>
-              </a:path>
-            </a:pathLst>
-          </a:custGeom>
-        </p:spPr>
-      </p:sp>
-    </p:spTree>
   </p:cSld>
   <p:clrMapOvr>
     <a:masterClrMapping/>
@@ -11899,7 +12669,7 @@
     </p:bg>
     <p:spTree>
       <p:nvGrpSpPr>
-        <p:cNvPr id="1" name="Shape 133"/>
+        <p:cNvPr id="1" name="Shape 97"/>
         <p:cNvGrpSpPr/>
         <p:nvPr/>
       </p:nvGrpSpPr>
@@ -11913,14 +12683,14 @@
       </p:grpSpPr>
       <p:sp>
         <p:nvSpPr>
-          <p:cNvPr id="134" name="Google Shape;134;p20"/>
+          <p:cNvPr id="100" name="Google Shape;100;p15"/>
           <p:cNvSpPr txBox="1"/>
           <p:nvPr/>
         </p:nvSpPr>
         <p:spPr>
           <a:xfrm>
-            <a:off x="447175" y="486928"/>
-            <a:ext cx="16230600" cy="1077300"/>
+            <a:off x="10007900" y="3747975"/>
+            <a:ext cx="6678600" cy="400200"/>
           </a:xfrm>
           <a:prstGeom prst="rect">
             <a:avLst/>
@@ -11931,15 +12701,12 @@
           </a:ln>
         </p:spPr>
         <p:txBody>
-          <a:bodyPr spcFirstLastPara="1" wrap="square" lIns="0" tIns="0" rIns="0" bIns="0" anchor="t" anchorCtr="0">
+          <a:bodyPr spcFirstLastPara="1" wrap="square" lIns="91425" tIns="91425" rIns="91425" bIns="91425" anchor="t" anchorCtr="0">
             <a:spAutoFit/>
           </a:bodyPr>
           <a:lstStyle/>
           <a:p>
-            <a:pPr marL="0" marR="0" lvl="0" indent="0" algn="l" rtl="0">
-              <a:lnSpc>
-                <a:spcPct val="120002"/>
-              </a:lnSpc>
+            <a:pPr marL="0" lvl="0" indent="0" algn="l" rtl="0">
               <a:spcBef>
                 <a:spcPts val="0"/>
               </a:spcBef>
@@ -11948,71 +12715,11 @@
               </a:spcAft>
               <a:buNone/>
             </a:pPr>
-            <a:r>
-              <a:rPr lang="en-US" sz="6999" b="0" i="0" u="none" strike="noStrike" cap="none">
-                <a:solidFill>
-                  <a:schemeClr val="lt1"/>
-                </a:solidFill>
-                <a:latin typeface="Montserrat"/>
-                <a:ea typeface="Montserrat"/>
-                <a:cs typeface="Montserrat"/>
-                <a:sym typeface="Montserrat"/>
-              </a:rPr>
-              <a:t>З</a:t>
-            </a:r>
-            <a:r>
-              <a:rPr lang="en-US" sz="6999">
-                <a:solidFill>
-                  <a:schemeClr val="lt1"/>
-                </a:solidFill>
-                <a:latin typeface="Montserrat"/>
-                <a:ea typeface="Montserrat"/>
-                <a:cs typeface="Montserrat"/>
-                <a:sym typeface="Montserrat"/>
-              </a:rPr>
-              <a:t>адание </a:t>
-            </a:r>
             <a:endParaRPr>
-              <a:solidFill>
-                <a:schemeClr val="lt1"/>
-              </a:solidFill>
-            </a:endParaRPr>
-          </a:p>
-        </p:txBody>
-      </p:sp>
-      <p:sp>
-        <p:nvSpPr>
-          <p:cNvPr id="2" name="TextBox 1">
-            <a:extLst>
-              <a:ext uri="{FF2B5EF4-FFF2-40B4-BE49-F238E27FC236}">
-                <a16:creationId xmlns:a16="http://schemas.microsoft.com/office/drawing/2014/main" id="{7159B5A4-7A0C-4BC3-AE55-46967AA73D6A}"/>
-              </a:ext>
-            </a:extLst>
-          </p:cNvPr>
-          <p:cNvSpPr txBox="1"/>
-          <p:nvPr/>
-        </p:nvSpPr>
-        <p:spPr>
-          <a:xfrm>
-            <a:off x="2382981" y="7910946"/>
-            <a:ext cx="14519564" cy="830997"/>
-          </a:xfrm>
-          <a:prstGeom prst="rect">
-            <a:avLst/>
-          </a:prstGeom>
-          <a:noFill/>
-        </p:spPr>
-        <p:txBody>
-          <a:bodyPr wrap="square" rtlCol="0">
-            <a:spAutoFit/>
-          </a:bodyPr>
-          <a:lstStyle/>
-          <a:p>
-            <a:endParaRPr lang="ru-RU" sz="4800" dirty="0">
-              <a:solidFill>
-                <a:schemeClr val="bg2"/>
-              </a:solidFill>
-              <a:latin typeface="+mj-lt"/>
+              <a:latin typeface="Calibri"/>
+              <a:ea typeface="Calibri"/>
+              <a:cs typeface="Calibri"/>
+              <a:sym typeface="Calibri"/>
             </a:endParaRPr>
           </a:p>
         </p:txBody>
@@ -12022,374 +12729,7 @@
           <p:cNvPr id="5" name="Рисунок 4">
             <a:extLst>
               <a:ext uri="{FF2B5EF4-FFF2-40B4-BE49-F238E27FC236}">
-                <a16:creationId xmlns:a16="http://schemas.microsoft.com/office/drawing/2014/main" id="{39C16661-B60D-4CAA-8CAC-08C9ADF521B7}"/>
-              </a:ext>
-            </a:extLst>
-          </p:cNvPr>
-          <p:cNvPicPr>
-            <a:picLocks noChangeAspect="1"/>
-          </p:cNvPicPr>
-          <p:nvPr/>
-        </p:nvPicPr>
-        <p:blipFill rotWithShape="1">
-          <a:blip r:embed="rId4"/>
-          <a:srcRect l="10606" t="12259" r="11666" b="18967"/>
-          <a:stretch/>
-        </p:blipFill>
-        <p:spPr>
-          <a:xfrm>
-            <a:off x="4073236" y="3228110"/>
-            <a:ext cx="14214764" cy="6747163"/>
-          </a:xfrm>
-          <a:prstGeom prst="rect">
-            <a:avLst/>
-          </a:prstGeom>
-        </p:spPr>
-      </p:pic>
-      <p:sp>
-        <p:nvSpPr>
-          <p:cNvPr id="6" name="Прямоугольник 5">
-            <a:extLst>
-              <a:ext uri="{FF2B5EF4-FFF2-40B4-BE49-F238E27FC236}">
-                <a16:creationId xmlns:a16="http://schemas.microsoft.com/office/drawing/2014/main" id="{35D44F19-0676-4177-ADB1-EFA2CA99F2D0}"/>
-              </a:ext>
-            </a:extLst>
-          </p:cNvPr>
-          <p:cNvSpPr/>
-          <p:nvPr/>
-        </p:nvSpPr>
-        <p:spPr>
-          <a:xfrm>
-            <a:off x="7841673" y="5143500"/>
-            <a:ext cx="1413163" cy="661555"/>
-          </a:xfrm>
-          <a:prstGeom prst="rect">
-            <a:avLst/>
-          </a:prstGeom>
-          <a:noFill/>
-          <a:ln>
-            <a:solidFill>
-              <a:schemeClr val="accent2"/>
-            </a:solidFill>
-          </a:ln>
-        </p:spPr>
-        <p:style>
-          <a:lnRef idx="2">
-            <a:schemeClr val="accent1">
-              <a:shade val="50000"/>
-            </a:schemeClr>
-          </a:lnRef>
-          <a:fillRef idx="1">
-            <a:schemeClr val="accent1"/>
-          </a:fillRef>
-          <a:effectRef idx="0">
-            <a:schemeClr val="accent1"/>
-          </a:effectRef>
-          <a:fontRef idx="minor">
-            <a:schemeClr val="lt1"/>
-          </a:fontRef>
-        </p:style>
-        <p:txBody>
-          <a:bodyPr rtlCol="0" anchor="ctr"/>
-          <a:lstStyle/>
-          <a:p>
-            <a:pPr algn="ctr"/>
-            <a:endParaRPr lang="ru-RU"/>
-          </a:p>
-        </p:txBody>
-      </p:sp>
-      <p:sp>
-        <p:nvSpPr>
-          <p:cNvPr id="3" name="Rectangle 1">
-            <a:extLst>
-              <a:ext uri="{FF2B5EF4-FFF2-40B4-BE49-F238E27FC236}">
-                <a16:creationId xmlns:a16="http://schemas.microsoft.com/office/drawing/2014/main" id="{9DF880E0-EA4E-4C01-99EC-6BBE41869D96}"/>
-              </a:ext>
-            </a:extLst>
-          </p:cNvPr>
-          <p:cNvSpPr>
-            <a:spLocks noChangeArrowheads="1"/>
-          </p:cNvSpPr>
-          <p:nvPr/>
-        </p:nvSpPr>
-        <p:spPr bwMode="auto">
-          <a:xfrm>
-            <a:off x="265151" y="4014841"/>
-            <a:ext cx="5569528" cy="2042776"/>
-          </a:xfrm>
-          <a:prstGeom prst="rect">
-            <a:avLst/>
-          </a:prstGeom>
-          <a:solidFill>
-            <a:srgbClr val="FFFFFF"/>
-          </a:solidFill>
-          <a:ln>
-            <a:noFill/>
-          </a:ln>
-          <a:effectLst/>
-          <a:extLst>
-            <a:ext uri="{91240B29-F687-4F45-9708-019B960494DF}">
-              <a14:hiddenLine xmlns:a14="http://schemas.microsoft.com/office/drawing/2010/main" w="9525">
-                <a:solidFill>
-                  <a:schemeClr val="tx1"/>
-                </a:solidFill>
-                <a:miter lim="800000"/>
-                <a:headEnd/>
-                <a:tailEnd/>
-              </a14:hiddenLine>
-            </a:ext>
-            <a:ext uri="{AF507438-7753-43E0-B8FC-AC1667EBCBE1}">
-              <a14:hiddenEffects xmlns:a14="http://schemas.microsoft.com/office/drawing/2010/main">
-                <a:effectLst>
-                  <a:outerShdw dist="35921" dir="2700000" algn="ctr" rotWithShape="0">
-                    <a:schemeClr val="bg2"/>
-                  </a:outerShdw>
-                </a:effectLst>
-              </a14:hiddenEffects>
-            </a:ext>
-          </a:extLst>
-        </p:spPr>
-        <p:txBody>
-          <a:bodyPr vert="horz" wrap="square" lIns="0" tIns="190440" rIns="0" bIns="95220" numCol="1" anchor="ctr" anchorCtr="0" compatLnSpc="1">
-            <a:prstTxWarp prst="textNoShape">
-              <a:avLst/>
-            </a:prstTxWarp>
-            <a:spAutoFit/>
-          </a:bodyPr>
-          <a:lstStyle/>
-          <a:p>
-            <a:pPr marL="0" marR="0" lvl="0" indent="0" algn="l" defTabSz="914400" rtl="0" eaLnBrk="0" fontAlgn="base" latinLnBrk="0" hangingPunct="0">
-              <a:lnSpc>
-                <a:spcPct val="100000"/>
-              </a:lnSpc>
-              <a:spcBef>
-                <a:spcPct val="0"/>
-              </a:spcBef>
-              <a:spcAft>
-                <a:spcPct val="0"/>
-              </a:spcAft>
-              <a:buClrTx/>
-              <a:buSzTx/>
-              <a:buFontTx/>
-              <a:buNone/>
-              <a:tabLst/>
-            </a:pPr>
-            <a:r>
-              <a:rPr kumimoji="0" lang="ru-RU" altLang="ru-RU" sz="5400" b="0" i="0" u="none" strike="noStrike" cap="none" normalizeH="0" baseline="0" dirty="0">
-                <a:ln>
-                  <a:noFill/>
-                </a:ln>
-                <a:solidFill>
-                  <a:schemeClr val="bg2"/>
-                </a:solidFill>
-                <a:effectLst/>
-                <a:latin typeface="+mj-lt"/>
-              </a:rPr>
-              <a:t>Anastariya-qa-37</a:t>
-            </a:r>
-            <a:endParaRPr kumimoji="0" lang="ru-RU" altLang="ru-RU" sz="7200" b="0" i="0" u="none" strike="noStrike" cap="none" normalizeH="0" baseline="0" dirty="0">
-              <a:ln>
-                <a:noFill/>
-              </a:ln>
-              <a:solidFill>
-                <a:schemeClr val="bg2"/>
-              </a:solidFill>
-              <a:effectLst/>
-              <a:latin typeface="+mj-lt"/>
-            </a:endParaRPr>
-          </a:p>
-          <a:p>
-            <a:pPr marL="0" marR="0" lvl="0" indent="0" algn="l" defTabSz="914400" rtl="0" eaLnBrk="0" fontAlgn="base" latinLnBrk="0" hangingPunct="0">
-              <a:lnSpc>
-                <a:spcPct val="100000"/>
-              </a:lnSpc>
-              <a:spcBef>
-                <a:spcPct val="0"/>
-              </a:spcBef>
-              <a:spcAft>
-                <a:spcPct val="0"/>
-              </a:spcAft>
-              <a:buClrTx/>
-              <a:buSzTx/>
-              <a:buFontTx/>
-              <a:buNone/>
-              <a:tabLst/>
-            </a:pPr>
-            <a:endParaRPr kumimoji="0" lang="ru-RU" altLang="ru-RU" sz="6000" b="0" i="0" u="none" strike="noStrike" cap="none" normalizeH="0" baseline="0" dirty="0">
-              <a:ln>
-                <a:noFill/>
-              </a:ln>
-              <a:solidFill>
-                <a:schemeClr val="bg2"/>
-              </a:solidFill>
-              <a:effectLst/>
-              <a:latin typeface="+mj-lt"/>
-            </a:endParaRPr>
-          </a:p>
-        </p:txBody>
-      </p:sp>
-    </p:spTree>
-  </p:cSld>
-  <p:clrMapOvr>
-    <a:masterClrMapping/>
-  </p:clrMapOvr>
-</p:sld>
-</file>
-
-<file path=ppt/slides/slide11.xml><?xml version="1.0" encoding="utf-8"?>
-<p:sld xmlns:a="http://schemas.openxmlformats.org/drawingml/2006/main" xmlns:r="http://schemas.openxmlformats.org/officeDocument/2006/relationships" xmlns:p="http://schemas.openxmlformats.org/presentationml/2006/main">
-  <p:cSld>
-    <p:bg>
-      <p:bgPr>
-        <a:blipFill>
-          <a:blip r:embed="rId3">
-            <a:alphaModFix/>
-          </a:blip>
-          <a:stretch>
-            <a:fillRect/>
-          </a:stretch>
-        </a:blipFill>
-        <a:effectLst/>
-      </p:bgPr>
-    </p:bg>
-    <p:spTree>
-      <p:nvGrpSpPr>
-        <p:cNvPr id="1" name="Shape 133"/>
-        <p:cNvGrpSpPr/>
-        <p:nvPr/>
-      </p:nvGrpSpPr>
-      <p:grpSpPr>
-        <a:xfrm>
-          <a:off x="0" y="0"/>
-          <a:ext cx="0" cy="0"/>
-          <a:chOff x="0" y="0"/>
-          <a:chExt cx="0" cy="0"/>
-        </a:xfrm>
-      </p:grpSpPr>
-      <p:pic>
-        <p:nvPicPr>
-          <p:cNvPr id="7" name="Рисунок 6">
-            <a:extLst>
-              <a:ext uri="{FF2B5EF4-FFF2-40B4-BE49-F238E27FC236}">
-                <a16:creationId xmlns:a16="http://schemas.microsoft.com/office/drawing/2014/main" id="{D6A2D8E1-6A8B-481B-B9F4-AC2CBAE4B83A}"/>
-              </a:ext>
-            </a:extLst>
-          </p:cNvPr>
-          <p:cNvPicPr>
-            <a:picLocks noChangeAspect="1"/>
-          </p:cNvPicPr>
-          <p:nvPr/>
-        </p:nvPicPr>
-        <p:blipFill rotWithShape="1">
-          <a:blip r:embed="rId4"/>
-          <a:srcRect l="13586"/>
-          <a:stretch/>
-        </p:blipFill>
-        <p:spPr>
-          <a:xfrm>
-            <a:off x="488739" y="520943"/>
-            <a:ext cx="10751129" cy="8602275"/>
-          </a:xfrm>
-          <a:prstGeom prst="rect">
-            <a:avLst/>
-          </a:prstGeom>
-        </p:spPr>
-      </p:pic>
-      <p:sp>
-        <p:nvSpPr>
-          <p:cNvPr id="2" name="TextBox 1">
-            <a:extLst>
-              <a:ext uri="{FF2B5EF4-FFF2-40B4-BE49-F238E27FC236}">
-                <a16:creationId xmlns:a16="http://schemas.microsoft.com/office/drawing/2014/main" id="{7159B5A4-7A0C-4BC3-AE55-46967AA73D6A}"/>
-              </a:ext>
-            </a:extLst>
-          </p:cNvPr>
-          <p:cNvSpPr txBox="1"/>
-          <p:nvPr/>
-        </p:nvSpPr>
-        <p:spPr>
-          <a:xfrm>
-            <a:off x="2382981" y="7910946"/>
-            <a:ext cx="14519564" cy="830997"/>
-          </a:xfrm>
-          <a:prstGeom prst="rect">
-            <a:avLst/>
-          </a:prstGeom>
-          <a:noFill/>
-        </p:spPr>
-        <p:txBody>
-          <a:bodyPr wrap="square" rtlCol="0">
-            <a:spAutoFit/>
-          </a:bodyPr>
-          <a:lstStyle/>
-          <a:p>
-            <a:endParaRPr lang="ru-RU" sz="4800" dirty="0">
-              <a:solidFill>
-                <a:schemeClr val="bg2"/>
-              </a:solidFill>
-              <a:latin typeface="+mj-lt"/>
-            </a:endParaRPr>
-          </a:p>
-        </p:txBody>
-      </p:sp>
-      <p:sp>
-        <p:nvSpPr>
-          <p:cNvPr id="6" name="Прямоугольник 5">
-            <a:extLst>
-              <a:ext uri="{FF2B5EF4-FFF2-40B4-BE49-F238E27FC236}">
-                <a16:creationId xmlns:a16="http://schemas.microsoft.com/office/drawing/2014/main" id="{35D44F19-0676-4177-ADB1-EFA2CA99F2D0}"/>
-              </a:ext>
-            </a:extLst>
-          </p:cNvPr>
-          <p:cNvSpPr/>
-          <p:nvPr/>
-        </p:nvSpPr>
-        <p:spPr>
-          <a:xfrm>
-            <a:off x="4347230" y="4021282"/>
-            <a:ext cx="3034146" cy="661555"/>
-          </a:xfrm>
-          <a:prstGeom prst="rect">
-            <a:avLst/>
-          </a:prstGeom>
-          <a:noFill/>
-          <a:ln w="57150">
-            <a:solidFill>
-              <a:schemeClr val="accent2"/>
-            </a:solidFill>
-          </a:ln>
-        </p:spPr>
-        <p:style>
-          <a:lnRef idx="2">
-            <a:schemeClr val="accent1">
-              <a:shade val="50000"/>
-            </a:schemeClr>
-          </a:lnRef>
-          <a:fillRef idx="1">
-            <a:schemeClr val="accent1"/>
-          </a:fillRef>
-          <a:effectRef idx="0">
-            <a:schemeClr val="accent1"/>
-          </a:effectRef>
-          <a:fontRef idx="minor">
-            <a:schemeClr val="lt1"/>
-          </a:fontRef>
-        </p:style>
-        <p:txBody>
-          <a:bodyPr rtlCol="0" anchor="ctr"/>
-          <a:lstStyle/>
-          <a:p>
-            <a:pPr algn="ctr"/>
-            <a:endParaRPr lang="ru-RU"/>
-          </a:p>
-        </p:txBody>
-      </p:sp>
-      <p:pic>
-        <p:nvPicPr>
-          <p:cNvPr id="9" name="Рисунок 8">
-            <a:extLst>
-              <a:ext uri="{FF2B5EF4-FFF2-40B4-BE49-F238E27FC236}">
-                <a16:creationId xmlns:a16="http://schemas.microsoft.com/office/drawing/2014/main" id="{FCA38DFB-4390-4FEF-AC14-E4D06DCA950D}"/>
+                <a16:creationId xmlns:a16="http://schemas.microsoft.com/office/drawing/2014/main" id="{C1721C2F-1D7E-413D-9109-EF3A6444B50B}"/>
               </a:ext>
             </a:extLst>
           </p:cNvPr>
@@ -12399,77 +12739,25 @@
           <p:nvPr/>
         </p:nvPicPr>
         <p:blipFill>
-          <a:blip r:embed="rId5"/>
+          <a:blip r:embed="rId4"/>
           <a:stretch>
             <a:fillRect/>
           </a:stretch>
         </p:blipFill>
         <p:spPr>
           <a:xfrm>
-            <a:off x="7130866" y="6203977"/>
-            <a:ext cx="10898121" cy="3753374"/>
+            <a:off x="533347" y="608286"/>
+            <a:ext cx="17221306" cy="9678714"/>
           </a:xfrm>
           <a:prstGeom prst="rect">
             <a:avLst/>
           </a:prstGeom>
         </p:spPr>
       </p:pic>
-      <p:sp>
-        <p:nvSpPr>
-          <p:cNvPr id="11" name="Прямоугольник 10">
-            <a:extLst>
-              <a:ext uri="{FF2B5EF4-FFF2-40B4-BE49-F238E27FC236}">
-                <a16:creationId xmlns:a16="http://schemas.microsoft.com/office/drawing/2014/main" id="{C412157E-F4B9-4053-A16F-86B8545914A7}"/>
-              </a:ext>
-            </a:extLst>
-          </p:cNvPr>
-          <p:cNvSpPr/>
-          <p:nvPr/>
-        </p:nvSpPr>
-        <p:spPr>
-          <a:xfrm>
-            <a:off x="7251870" y="7529671"/>
-            <a:ext cx="2113804" cy="463798"/>
-          </a:xfrm>
-          <a:prstGeom prst="rect">
-            <a:avLst/>
-          </a:prstGeom>
-          <a:noFill/>
-          <a:ln w="57150">
-            <a:solidFill>
-              <a:schemeClr val="accent2"/>
-            </a:solidFill>
-          </a:ln>
-        </p:spPr>
-        <p:style>
-          <a:lnRef idx="2">
-            <a:schemeClr val="accent1">
-              <a:shade val="50000"/>
-            </a:schemeClr>
-          </a:lnRef>
-          <a:fillRef idx="1">
-            <a:schemeClr val="accent1"/>
-          </a:fillRef>
-          <a:effectRef idx="0">
-            <a:schemeClr val="accent1"/>
-          </a:effectRef>
-          <a:fontRef idx="minor">
-            <a:schemeClr val="lt1"/>
-          </a:fontRef>
-        </p:style>
-        <p:txBody>
-          <a:bodyPr rtlCol="0" anchor="ctr"/>
-          <a:lstStyle/>
-          <a:p>
-            <a:pPr algn="ctr"/>
-            <a:endParaRPr lang="ru-RU"/>
-          </a:p>
-        </p:txBody>
-      </p:sp>
     </p:spTree>
     <p:extLst>
       <p:ext uri="{BB962C8B-B14F-4D97-AF65-F5344CB8AC3E}">
-        <p14:creationId xmlns:p14="http://schemas.microsoft.com/office/powerpoint/2010/main" val="2480005953"/>
+        <p14:creationId xmlns:p14="http://schemas.microsoft.com/office/powerpoint/2010/main" val="3538104701"/>
       </p:ext>
     </p:extLst>
   </p:cSld>
@@ -12479,242 +12767,7 @@
 </p:sld>
 </file>
 
-<file path=ppt/slides/slide2.xml><?xml version="1.0" encoding="utf-8"?>
-<p:sld xmlns:a="http://schemas.openxmlformats.org/drawingml/2006/main" xmlns:r="http://schemas.openxmlformats.org/officeDocument/2006/relationships" xmlns:p="http://schemas.openxmlformats.org/presentationml/2006/main">
-  <p:cSld>
-    <p:bg>
-      <p:bgPr>
-        <a:blipFill>
-          <a:blip r:embed="rId3">
-            <a:alphaModFix/>
-          </a:blip>
-          <a:stretch>
-            <a:fillRect/>
-          </a:stretch>
-        </a:blipFill>
-        <a:effectLst/>
-      </p:bgPr>
-    </p:bg>
-    <p:spTree>
-      <p:nvGrpSpPr>
-        <p:cNvPr id="1" name="Shape 90"/>
-        <p:cNvGrpSpPr/>
-        <p:nvPr/>
-      </p:nvGrpSpPr>
-      <p:grpSpPr>
-        <a:xfrm>
-          <a:off x="0" y="0"/>
-          <a:ext cx="0" cy="0"/>
-          <a:chOff x="0" y="0"/>
-          <a:chExt cx="0" cy="0"/>
-        </a:xfrm>
-      </p:grpSpPr>
-      <p:grpSp>
-        <p:nvGrpSpPr>
-          <p:cNvPr id="91" name="Google Shape;91;p14"/>
-          <p:cNvGrpSpPr/>
-          <p:nvPr/>
-        </p:nvGrpSpPr>
-        <p:grpSpPr>
-          <a:xfrm>
-            <a:off x="8115950" y="3900825"/>
-            <a:ext cx="9906525" cy="2498888"/>
-            <a:chOff x="-3595584" y="663123"/>
-            <a:chExt cx="13208700" cy="3331850"/>
-          </a:xfrm>
-        </p:grpSpPr>
-        <p:sp>
-          <p:nvSpPr>
-            <p:cNvPr id="92" name="Google Shape;92;p14"/>
-            <p:cNvSpPr txBox="1"/>
-            <p:nvPr/>
-          </p:nvSpPr>
-          <p:spPr>
-            <a:xfrm>
-              <a:off x="0" y="3461273"/>
-              <a:ext cx="8292300" cy="533700"/>
-            </a:xfrm>
-            <a:prstGeom prst="rect">
-              <a:avLst/>
-            </a:prstGeom>
-            <a:noFill/>
-            <a:ln>
-              <a:noFill/>
-            </a:ln>
-          </p:spPr>
-          <p:txBody>
-            <a:bodyPr spcFirstLastPara="1" wrap="square" lIns="0" tIns="0" rIns="0" bIns="0" anchor="t" anchorCtr="0">
-              <a:spAutoFit/>
-            </a:bodyPr>
-            <a:lstStyle/>
-            <a:p>
-              <a:pPr marL="0" marR="0" lvl="0" indent="0" algn="l" rtl="0">
-                <a:lnSpc>
-                  <a:spcPct val="140000"/>
-                </a:lnSpc>
-                <a:spcBef>
-                  <a:spcPts val="0"/>
-                </a:spcBef>
-                <a:spcAft>
-                  <a:spcPts val="0"/>
-                </a:spcAft>
-                <a:buNone/>
-              </a:pPr>
-              <a:r>
-                <a:rPr lang="en-US" sz="2600">
-                  <a:solidFill>
-                    <a:srgbClr val="2B2B2B"/>
-                  </a:solidFill>
-                  <a:latin typeface="Montserrat"/>
-                  <a:ea typeface="Montserrat"/>
-                  <a:cs typeface="Montserrat"/>
-                  <a:sym typeface="Montserrat"/>
-                </a:rPr>
-                <a:t>Какой он?</a:t>
-              </a:r>
-              <a:endParaRPr/>
-            </a:p>
-          </p:txBody>
-        </p:sp>
-        <p:sp>
-          <p:nvSpPr>
-            <p:cNvPr id="93" name="Google Shape;93;p14"/>
-            <p:cNvSpPr txBox="1"/>
-            <p:nvPr/>
-          </p:nvSpPr>
-          <p:spPr>
-            <a:xfrm>
-              <a:off x="-3595584" y="663123"/>
-              <a:ext cx="13208700" cy="3313800"/>
-            </a:xfrm>
-            <a:prstGeom prst="rect">
-              <a:avLst/>
-            </a:prstGeom>
-            <a:noFill/>
-            <a:ln>
-              <a:noFill/>
-            </a:ln>
-          </p:spPr>
-          <p:txBody>
-            <a:bodyPr spcFirstLastPara="1" wrap="square" lIns="0" tIns="0" rIns="0" bIns="0" anchor="t" anchorCtr="0">
-              <a:spAutoFit/>
-            </a:bodyPr>
-            <a:lstStyle/>
-            <a:p>
-              <a:pPr marL="0" marR="0" lvl="0" indent="0" algn="ctr" rtl="0">
-                <a:lnSpc>
-                  <a:spcPct val="120003"/>
-                </a:lnSpc>
-                <a:spcBef>
-                  <a:spcPts val="0"/>
-                </a:spcBef>
-                <a:spcAft>
-                  <a:spcPts val="0"/>
-                </a:spcAft>
-                <a:buClr>
-                  <a:schemeClr val="dk1"/>
-                </a:buClr>
-                <a:buSzPts val="1100"/>
-                <a:buFont typeface="Arial"/>
-                <a:buNone/>
-              </a:pPr>
-              <a:r>
-                <a:rPr lang="en-US" sz="4749" dirty="0">
-                  <a:solidFill>
-                    <a:srgbClr val="2B2B2B"/>
-                  </a:solidFill>
-                  <a:latin typeface="Montserrat"/>
-                  <a:ea typeface="Montserrat"/>
-                  <a:cs typeface="Montserrat"/>
-                  <a:sym typeface="Montserrat"/>
-                </a:rPr>
-                <a:t>HTML – Hyper</a:t>
-              </a:r>
-              <a:endParaRPr sz="4749" dirty="0">
-                <a:solidFill>
-                  <a:srgbClr val="2B2B2B"/>
-                </a:solidFill>
-                <a:latin typeface="Montserrat"/>
-                <a:ea typeface="Montserrat"/>
-                <a:cs typeface="Montserrat"/>
-                <a:sym typeface="Montserrat"/>
-              </a:endParaRPr>
-            </a:p>
-            <a:p>
-              <a:pPr marL="0" marR="0" lvl="0" indent="0" algn="ctr" rtl="0">
-                <a:lnSpc>
-                  <a:spcPct val="120003"/>
-                </a:lnSpc>
-                <a:spcBef>
-                  <a:spcPts val="0"/>
-                </a:spcBef>
-                <a:spcAft>
-                  <a:spcPts val="0"/>
-                </a:spcAft>
-                <a:buClr>
-                  <a:schemeClr val="dk1"/>
-                </a:buClr>
-                <a:buSzPts val="1100"/>
-                <a:buFont typeface="Arial"/>
-                <a:buNone/>
-              </a:pPr>
-              <a:r>
-                <a:rPr lang="en-US" sz="4749" dirty="0">
-                  <a:solidFill>
-                    <a:srgbClr val="2B2B2B"/>
-                  </a:solidFill>
-                  <a:latin typeface="Montserrat"/>
-                  <a:ea typeface="Montserrat"/>
-                  <a:cs typeface="Montserrat"/>
-                  <a:sym typeface="Montserrat"/>
-                </a:rPr>
-                <a:t>Text Markup Language</a:t>
-              </a:r>
-              <a:endParaRPr sz="4749" dirty="0">
-                <a:solidFill>
-                  <a:srgbClr val="2B2B2B"/>
-                </a:solidFill>
-                <a:latin typeface="Montserrat"/>
-                <a:ea typeface="Montserrat"/>
-                <a:cs typeface="Montserrat"/>
-                <a:sym typeface="Montserrat"/>
-              </a:endParaRPr>
-            </a:p>
-            <a:p>
-              <a:pPr marL="0" marR="0" lvl="0" indent="0" algn="ctr" rtl="0">
-                <a:lnSpc>
-                  <a:spcPct val="120003"/>
-                </a:lnSpc>
-                <a:spcBef>
-                  <a:spcPts val="0"/>
-                </a:spcBef>
-                <a:spcAft>
-                  <a:spcPts val="0"/>
-                </a:spcAft>
-                <a:buNone/>
-              </a:pPr>
-              <a:endParaRPr sz="4749" dirty="0">
-                <a:solidFill>
-                  <a:srgbClr val="2B2B2B"/>
-                </a:solidFill>
-                <a:latin typeface="Montserrat"/>
-                <a:ea typeface="Montserrat"/>
-                <a:cs typeface="Montserrat"/>
-                <a:sym typeface="Montserrat"/>
-              </a:endParaRPr>
-            </a:p>
-          </p:txBody>
-        </p:sp>
-      </p:grpSp>
-    </p:spTree>
-  </p:cSld>
-  <p:clrMapOvr>
-    <a:masterClrMapping/>
-  </p:clrMapOvr>
-</p:sld>
-</file>
-
-<file path=ppt/slides/slide3.xml><?xml version="1.0" encoding="utf-8"?>
+<file path=ppt/slides/slide11.xml><?xml version="1.0" encoding="utf-8"?>
 <p:sld xmlns:a="http://schemas.openxmlformats.org/drawingml/2006/main" xmlns:r="http://schemas.openxmlformats.org/officeDocument/2006/relationships" xmlns:p="http://schemas.openxmlformats.org/presentationml/2006/main">
   <p:cSld>
     <p:bg>
@@ -12746,14 +12799,14 @@
       </p:grpSpPr>
       <p:sp>
         <p:nvSpPr>
-          <p:cNvPr id="99" name="Google Shape;99;p15"/>
+          <p:cNvPr id="100" name="Google Shape;100;p15"/>
           <p:cNvSpPr txBox="1"/>
           <p:nvPr/>
         </p:nvSpPr>
         <p:spPr>
           <a:xfrm>
-            <a:off x="180825" y="3747975"/>
-            <a:ext cx="5104500" cy="5756700"/>
+            <a:off x="10007900" y="3747975"/>
+            <a:ext cx="6678600" cy="400200"/>
           </a:xfrm>
           <a:prstGeom prst="rect">
             <a:avLst/>
@@ -12776,285 +12829,6 @@
               <a:spcAft>
                 <a:spcPts val="0"/>
               </a:spcAft>
-              <a:buClr>
-                <a:schemeClr val="dk1"/>
-              </a:buClr>
-              <a:buSzPts val="1100"/>
-              <a:buFont typeface="Arial"/>
-              <a:buNone/>
-            </a:pPr>
-            <a:r>
-              <a:rPr lang="en-US" sz="2900">
-                <a:latin typeface="Montserrat"/>
-                <a:ea typeface="Montserrat"/>
-                <a:cs typeface="Montserrat"/>
-                <a:sym typeface="Montserrat"/>
-              </a:rPr>
-              <a:t>Для создания сайта нам могут быть полезны такие программы:</a:t>
-            </a:r>
-            <a:endParaRPr sz="2900">
-              <a:latin typeface="Montserrat"/>
-              <a:ea typeface="Montserrat"/>
-              <a:cs typeface="Montserrat"/>
-              <a:sym typeface="Montserrat"/>
-            </a:endParaRPr>
-          </a:p>
-          <a:p>
-            <a:pPr marL="0" lvl="0" indent="0" algn="l" rtl="0">
-              <a:spcBef>
-                <a:spcPts val="0"/>
-              </a:spcBef>
-              <a:spcAft>
-                <a:spcPts val="0"/>
-              </a:spcAft>
-              <a:buNone/>
-            </a:pPr>
-            <a:r>
-              <a:rPr lang="en-US" sz="2900">
-                <a:latin typeface="Montserrat"/>
-                <a:ea typeface="Montserrat"/>
-                <a:cs typeface="Montserrat"/>
-                <a:sym typeface="Montserrat"/>
-              </a:rPr>
-              <a:t>блокнот;</a:t>
-            </a:r>
-            <a:endParaRPr sz="2900">
-              <a:latin typeface="Montserrat"/>
-              <a:ea typeface="Montserrat"/>
-              <a:cs typeface="Montserrat"/>
-              <a:sym typeface="Montserrat"/>
-            </a:endParaRPr>
-          </a:p>
-          <a:p>
-            <a:pPr marL="0" lvl="0" indent="0" algn="l" rtl="0">
-              <a:spcBef>
-                <a:spcPts val="0"/>
-              </a:spcBef>
-              <a:spcAft>
-                <a:spcPts val="0"/>
-              </a:spcAft>
-              <a:buNone/>
-            </a:pPr>
-            <a:endParaRPr sz="2900">
-              <a:latin typeface="Montserrat"/>
-              <a:ea typeface="Montserrat"/>
-              <a:cs typeface="Montserrat"/>
-              <a:sym typeface="Montserrat"/>
-            </a:endParaRPr>
-          </a:p>
-          <a:p>
-            <a:pPr marL="0" lvl="0" indent="0" algn="l" rtl="0">
-              <a:spcBef>
-                <a:spcPts val="0"/>
-              </a:spcBef>
-              <a:spcAft>
-                <a:spcPts val="0"/>
-              </a:spcAft>
-              <a:buClr>
-                <a:schemeClr val="dk1"/>
-              </a:buClr>
-              <a:buSzPts val="1100"/>
-              <a:buFont typeface="Arial"/>
-              <a:buNone/>
-            </a:pPr>
-            <a:endParaRPr sz="2900">
-              <a:latin typeface="Montserrat"/>
-              <a:ea typeface="Montserrat"/>
-              <a:cs typeface="Montserrat"/>
-              <a:sym typeface="Montserrat"/>
-            </a:endParaRPr>
-          </a:p>
-          <a:p>
-            <a:pPr marL="0" lvl="0" indent="0" algn="l" rtl="0">
-              <a:spcBef>
-                <a:spcPts val="0"/>
-              </a:spcBef>
-              <a:spcAft>
-                <a:spcPts val="0"/>
-              </a:spcAft>
-              <a:buClr>
-                <a:schemeClr val="dk1"/>
-              </a:buClr>
-              <a:buSzPts val="1100"/>
-              <a:buFont typeface="Arial"/>
-              <a:buNone/>
-            </a:pPr>
-            <a:r>
-              <a:rPr lang="en-US" sz="2900">
-                <a:latin typeface="Montserrat"/>
-                <a:ea typeface="Montserrat"/>
-                <a:cs typeface="Montserrat"/>
-                <a:sym typeface="Montserrat"/>
-              </a:rPr>
-              <a:t>Notepad;</a:t>
-            </a:r>
-            <a:endParaRPr sz="2900">
-              <a:latin typeface="Montserrat"/>
-              <a:ea typeface="Montserrat"/>
-              <a:cs typeface="Montserrat"/>
-              <a:sym typeface="Montserrat"/>
-            </a:endParaRPr>
-          </a:p>
-          <a:p>
-            <a:pPr marL="0" lvl="0" indent="0" algn="l" rtl="0">
-              <a:spcBef>
-                <a:spcPts val="0"/>
-              </a:spcBef>
-              <a:spcAft>
-                <a:spcPts val="0"/>
-              </a:spcAft>
-              <a:buClr>
-                <a:schemeClr val="dk1"/>
-              </a:buClr>
-              <a:buSzPts val="1100"/>
-              <a:buFont typeface="Arial"/>
-              <a:buNone/>
-            </a:pPr>
-            <a:r>
-              <a:rPr lang="en-US" sz="2900">
-                <a:latin typeface="Montserrat"/>
-                <a:ea typeface="Montserrat"/>
-                <a:cs typeface="Montserrat"/>
-                <a:sym typeface="Montserrat"/>
-              </a:rPr>
-              <a:t>Notepad++;</a:t>
-            </a:r>
-            <a:endParaRPr sz="2900">
-              <a:latin typeface="Montserrat"/>
-              <a:ea typeface="Montserrat"/>
-              <a:cs typeface="Montserrat"/>
-              <a:sym typeface="Montserrat"/>
-            </a:endParaRPr>
-          </a:p>
-          <a:p>
-            <a:pPr marL="0" lvl="0" indent="0" algn="l" rtl="0">
-              <a:spcBef>
-                <a:spcPts val="0"/>
-              </a:spcBef>
-              <a:spcAft>
-                <a:spcPts val="0"/>
-              </a:spcAft>
-              <a:buClr>
-                <a:schemeClr val="dk1"/>
-              </a:buClr>
-              <a:buSzPts val="1100"/>
-              <a:buFont typeface="Arial"/>
-              <a:buNone/>
-            </a:pPr>
-            <a:r>
-              <a:rPr lang="en-US" sz="2900">
-                <a:latin typeface="Montserrat"/>
-                <a:ea typeface="Montserrat"/>
-                <a:cs typeface="Montserrat"/>
-                <a:sym typeface="Montserrat"/>
-              </a:rPr>
-              <a:t>MS Visual Studio;</a:t>
-            </a:r>
-            <a:endParaRPr sz="2900">
-              <a:latin typeface="Montserrat"/>
-              <a:ea typeface="Montserrat"/>
-              <a:cs typeface="Montserrat"/>
-              <a:sym typeface="Montserrat"/>
-            </a:endParaRPr>
-          </a:p>
-          <a:p>
-            <a:pPr marL="0" lvl="0" indent="0" algn="l" rtl="0">
-              <a:spcBef>
-                <a:spcPts val="0"/>
-              </a:spcBef>
-              <a:spcAft>
-                <a:spcPts val="0"/>
-              </a:spcAft>
-              <a:buClr>
-                <a:schemeClr val="dk1"/>
-              </a:buClr>
-              <a:buSzPts val="1100"/>
-              <a:buFont typeface="Arial"/>
-              <a:buNone/>
-            </a:pPr>
-            <a:r>
-              <a:rPr lang="en-US" sz="2900">
-                <a:latin typeface="Montserrat"/>
-                <a:ea typeface="Montserrat"/>
-                <a:cs typeface="Montserrat"/>
-                <a:sym typeface="Montserrat"/>
-              </a:rPr>
-              <a:t>Adobe Dreamweaver.</a:t>
-            </a:r>
-            <a:endParaRPr sz="2900">
-              <a:latin typeface="Montserrat"/>
-              <a:ea typeface="Montserrat"/>
-              <a:cs typeface="Montserrat"/>
-              <a:sym typeface="Montserrat"/>
-            </a:endParaRPr>
-          </a:p>
-          <a:p>
-            <a:pPr marL="0" lvl="0" indent="0" algn="l" rtl="0">
-              <a:spcBef>
-                <a:spcPts val="0"/>
-              </a:spcBef>
-              <a:spcAft>
-                <a:spcPts val="0"/>
-              </a:spcAft>
-              <a:buClr>
-                <a:schemeClr val="dk1"/>
-              </a:buClr>
-              <a:buSzPts val="1100"/>
-              <a:buFont typeface="Arial"/>
-              <a:buNone/>
-            </a:pPr>
-            <a:endParaRPr sz="2900">
-              <a:latin typeface="Montserrat"/>
-              <a:ea typeface="Montserrat"/>
-              <a:cs typeface="Montserrat"/>
-              <a:sym typeface="Montserrat"/>
-            </a:endParaRPr>
-          </a:p>
-          <a:p>
-            <a:pPr marL="0" lvl="0" indent="0" algn="ctr" rtl="0">
-              <a:spcBef>
-                <a:spcPts val="0"/>
-              </a:spcBef>
-              <a:spcAft>
-                <a:spcPts val="0"/>
-              </a:spcAft>
-              <a:buClr>
-                <a:schemeClr val="dk1"/>
-              </a:buClr>
-              <a:buSzPts val="1100"/>
-              <a:buFont typeface="Arial"/>
-              <a:buNone/>
-            </a:pPr>
-            <a:r>
-              <a:rPr lang="en-US" sz="2900" b="1">
-                <a:solidFill>
-                  <a:schemeClr val="dk2"/>
-                </a:solidFill>
-                <a:latin typeface="Montserrat"/>
-                <a:ea typeface="Montserrat"/>
-                <a:cs typeface="Montserrat"/>
-                <a:sym typeface="Montserrat"/>
-              </a:rPr>
-              <a:t>Codepen</a:t>
-            </a:r>
-            <a:endParaRPr sz="2900" b="1">
-              <a:solidFill>
-                <a:schemeClr val="dk2"/>
-              </a:solidFill>
-              <a:latin typeface="Montserrat"/>
-              <a:ea typeface="Montserrat"/>
-              <a:cs typeface="Montserrat"/>
-              <a:sym typeface="Montserrat"/>
-            </a:endParaRPr>
-          </a:p>
-          <a:p>
-            <a:pPr marL="0" lvl="0" indent="0" algn="l" rtl="0">
-              <a:spcBef>
-                <a:spcPts val="0"/>
-              </a:spcBef>
-              <a:spcAft>
-                <a:spcPts val="0"/>
-              </a:spcAft>
               <a:buNone/>
             </a:pPr>
             <a:endParaRPr>
@@ -13066,6 +12840,79 @@
           </a:p>
         </p:txBody>
       </p:sp>
+      <p:pic>
+        <p:nvPicPr>
+          <p:cNvPr id="3" name="Рисунок 2">
+            <a:extLst>
+              <a:ext uri="{FF2B5EF4-FFF2-40B4-BE49-F238E27FC236}">
+                <a16:creationId xmlns:a16="http://schemas.microsoft.com/office/drawing/2014/main" id="{0C2E5CEC-7195-4B9D-95F6-1AEFF3AA21B5}"/>
+              </a:ext>
+            </a:extLst>
+          </p:cNvPr>
+          <p:cNvPicPr>
+            <a:picLocks noChangeAspect="1"/>
+          </p:cNvPicPr>
+          <p:nvPr/>
+        </p:nvPicPr>
+        <p:blipFill>
+          <a:blip r:embed="rId4"/>
+          <a:stretch>
+            <a:fillRect/>
+          </a:stretch>
+        </p:blipFill>
+        <p:spPr>
+          <a:xfrm>
+            <a:off x="773690" y="747286"/>
+            <a:ext cx="16973983" cy="9539714"/>
+          </a:xfrm>
+          <a:prstGeom prst="rect">
+            <a:avLst/>
+          </a:prstGeom>
+        </p:spPr>
+      </p:pic>
+    </p:spTree>
+    <p:extLst>
+      <p:ext uri="{BB962C8B-B14F-4D97-AF65-F5344CB8AC3E}">
+        <p14:creationId xmlns:p14="http://schemas.microsoft.com/office/powerpoint/2010/main" val="3096852311"/>
+      </p:ext>
+    </p:extLst>
+  </p:cSld>
+  <p:clrMapOvr>
+    <a:masterClrMapping/>
+  </p:clrMapOvr>
+</p:sld>
+</file>
+
+<file path=ppt/slides/slide12.xml><?xml version="1.0" encoding="utf-8"?>
+<p:sld xmlns:a="http://schemas.openxmlformats.org/drawingml/2006/main" xmlns:r="http://schemas.openxmlformats.org/officeDocument/2006/relationships" xmlns:p="http://schemas.openxmlformats.org/presentationml/2006/main">
+  <p:cSld>
+    <p:bg>
+      <p:bgPr>
+        <a:blipFill>
+          <a:blip r:embed="rId3">
+            <a:alphaModFix/>
+          </a:blip>
+          <a:stretch>
+            <a:fillRect/>
+          </a:stretch>
+        </a:blipFill>
+        <a:effectLst/>
+      </p:bgPr>
+    </p:bg>
+    <p:spTree>
+      <p:nvGrpSpPr>
+        <p:cNvPr id="1" name="Shape 97"/>
+        <p:cNvGrpSpPr/>
+        <p:nvPr/>
+      </p:nvGrpSpPr>
+      <p:grpSpPr>
+        <a:xfrm>
+          <a:off x="0" y="0"/>
+          <a:ext cx="0" cy="0"/>
+          <a:chOff x="0" y="0"/>
+          <a:chExt cx="0" cy="0"/>
+        </a:xfrm>
+      </p:grpSpPr>
       <p:sp>
         <p:nvSpPr>
           <p:cNvPr id="100" name="Google Shape;100;p15"/>
@@ -13111,33 +12958,40 @@
       </p:sp>
       <p:pic>
         <p:nvPicPr>
-          <p:cNvPr id="101" name="Google Shape;101;p15"/>
-          <p:cNvPicPr preferRelativeResize="0"/>
+          <p:cNvPr id="6" name="Рисунок 5">
+            <a:extLst>
+              <a:ext uri="{FF2B5EF4-FFF2-40B4-BE49-F238E27FC236}">
+                <a16:creationId xmlns:a16="http://schemas.microsoft.com/office/drawing/2014/main" id="{9CEBE998-6927-472F-BC36-EFD2059E5AB1}"/>
+              </a:ext>
+            </a:extLst>
+          </p:cNvPr>
+          <p:cNvPicPr>
+            <a:picLocks noChangeAspect="1"/>
+          </p:cNvPicPr>
           <p:nvPr/>
         </p:nvPicPr>
         <p:blipFill>
-          <a:blip r:embed="rId4">
-            <a:alphaModFix/>
-          </a:blip>
+          <a:blip r:embed="rId4"/>
           <a:stretch>
             <a:fillRect/>
           </a:stretch>
         </p:blipFill>
         <p:spPr>
           <a:xfrm>
-            <a:off x="6099650" y="3530250"/>
-            <a:ext cx="8187728" cy="5834025"/>
+            <a:off x="648529" y="737755"/>
+            <a:ext cx="16990942" cy="9549245"/>
           </a:xfrm>
           <a:prstGeom prst="rect">
             <a:avLst/>
           </a:prstGeom>
-          <a:noFill/>
-          <a:ln>
-            <a:noFill/>
-          </a:ln>
         </p:spPr>
       </p:pic>
     </p:spTree>
+    <p:extLst>
+      <p:ext uri="{BB962C8B-B14F-4D97-AF65-F5344CB8AC3E}">
+        <p14:creationId xmlns:p14="http://schemas.microsoft.com/office/powerpoint/2010/main" val="2536625401"/>
+      </p:ext>
+    </p:extLst>
   </p:cSld>
   <p:clrMapOvr>
     <a:masterClrMapping/>
@@ -13145,7 +12999,7 @@
 </p:sld>
 </file>
 
-<file path=ppt/slides/slide4.xml><?xml version="1.0" encoding="utf-8"?>
+<file path=ppt/slides/slide13.xml><?xml version="1.0" encoding="utf-8"?>
 <p:sld xmlns:a="http://schemas.openxmlformats.org/drawingml/2006/main" xmlns:r="http://schemas.openxmlformats.org/officeDocument/2006/relationships" xmlns:p="http://schemas.openxmlformats.org/presentationml/2006/main">
   <p:cSld>
     <p:bg>
@@ -13163,7 +13017,7 @@
     </p:bg>
     <p:spTree>
       <p:nvGrpSpPr>
-        <p:cNvPr id="1" name="Shape 105"/>
+        <p:cNvPr id="1" name="Shape 97"/>
         <p:cNvGrpSpPr/>
         <p:nvPr/>
       </p:nvGrpSpPr>
@@ -13177,14 +13031,14 @@
       </p:grpSpPr>
       <p:sp>
         <p:nvSpPr>
-          <p:cNvPr id="106" name="Google Shape;106;p16"/>
+          <p:cNvPr id="100" name="Google Shape;100;p15"/>
           <p:cNvSpPr txBox="1"/>
           <p:nvPr/>
         </p:nvSpPr>
         <p:spPr>
           <a:xfrm>
-            <a:off x="1701000" y="2447100"/>
-            <a:ext cx="5742000" cy="3034800"/>
+            <a:off x="10007900" y="3747975"/>
+            <a:ext cx="6678600" cy="400200"/>
           </a:xfrm>
           <a:prstGeom prst="rect">
             <a:avLst/>
@@ -13195,15 +13049,12 @@
           </a:ln>
         </p:spPr>
         <p:txBody>
-          <a:bodyPr spcFirstLastPara="1" wrap="square" lIns="0" tIns="0" rIns="0" bIns="0" anchor="t" anchorCtr="0">
+          <a:bodyPr spcFirstLastPara="1" wrap="square" lIns="91425" tIns="91425" rIns="91425" bIns="91425" anchor="t" anchorCtr="0">
             <a:spAutoFit/>
           </a:bodyPr>
           <a:lstStyle/>
           <a:p>
-            <a:pPr marL="0" marR="0" lvl="0" indent="0" algn="l" rtl="0">
-              <a:lnSpc>
-                <a:spcPct val="120003"/>
-              </a:lnSpc>
+            <a:pPr marL="0" lvl="0" indent="0" algn="l" rtl="0">
               <a:spcBef>
                 <a:spcPts val="0"/>
               </a:spcBef>
@@ -13212,127 +13063,51 @@
               </a:spcAft>
               <a:buNone/>
             </a:pPr>
-            <a:r>
-              <a:rPr lang="en-US" sz="5799" dirty="0" err="1">
-                <a:solidFill>
-                  <a:schemeClr val="lt1"/>
-                </a:solidFill>
-                <a:latin typeface="Montserrat"/>
-                <a:ea typeface="Montserrat"/>
-                <a:cs typeface="Montserrat"/>
-                <a:sym typeface="Montserrat"/>
-              </a:rPr>
-              <a:t>Как</a:t>
-            </a:r>
-            <a:r>
-              <a:rPr lang="en-US" sz="5799" dirty="0">
-                <a:solidFill>
-                  <a:schemeClr val="lt1"/>
-                </a:solidFill>
-                <a:latin typeface="Montserrat"/>
-                <a:ea typeface="Montserrat"/>
-                <a:cs typeface="Montserrat"/>
-                <a:sym typeface="Montserrat"/>
-              </a:rPr>
-              <a:t> </a:t>
-            </a:r>
-            <a:r>
-              <a:rPr lang="en-US" sz="5799" dirty="0" err="1">
-                <a:solidFill>
-                  <a:schemeClr val="lt1"/>
-                </a:solidFill>
-                <a:latin typeface="Montserrat"/>
-                <a:ea typeface="Montserrat"/>
-                <a:cs typeface="Montserrat"/>
-                <a:sym typeface="Montserrat"/>
-              </a:rPr>
-              <a:t>выглядит</a:t>
-            </a:r>
-            <a:r>
-              <a:rPr lang="en-US" sz="5799" dirty="0">
-                <a:solidFill>
-                  <a:schemeClr val="lt1"/>
-                </a:solidFill>
-                <a:latin typeface="Montserrat"/>
-                <a:ea typeface="Montserrat"/>
-                <a:cs typeface="Montserrat"/>
-                <a:sym typeface="Montserrat"/>
-              </a:rPr>
-              <a:t> </a:t>
-            </a:r>
-            <a:r>
-              <a:rPr lang="en-US" sz="5799" dirty="0" err="1">
-                <a:solidFill>
-                  <a:schemeClr val="lt1"/>
-                </a:solidFill>
-                <a:latin typeface="Montserrat"/>
-                <a:ea typeface="Montserrat"/>
-                <a:cs typeface="Montserrat"/>
-                <a:sym typeface="Montserrat"/>
-              </a:rPr>
-              <a:t>структура</a:t>
-            </a:r>
-            <a:r>
-              <a:rPr lang="en-US" sz="5799" dirty="0">
-                <a:solidFill>
-                  <a:schemeClr val="lt1"/>
-                </a:solidFill>
-                <a:latin typeface="Montserrat"/>
-                <a:ea typeface="Montserrat"/>
-                <a:cs typeface="Montserrat"/>
-                <a:sym typeface="Montserrat"/>
-              </a:rPr>
-              <a:t> </a:t>
-            </a:r>
-            <a:r>
-              <a:rPr lang="en-US" sz="5799" dirty="0" err="1">
-                <a:solidFill>
-                  <a:schemeClr val="lt1"/>
-                </a:solidFill>
-                <a:latin typeface="Montserrat"/>
-                <a:ea typeface="Montserrat"/>
-                <a:cs typeface="Montserrat"/>
-                <a:sym typeface="Montserrat"/>
-              </a:rPr>
-              <a:t>сайта</a:t>
-            </a:r>
-            <a:endParaRPr dirty="0">
-              <a:solidFill>
-                <a:schemeClr val="lt1"/>
-              </a:solidFill>
+            <a:endParaRPr>
+              <a:latin typeface="Calibri"/>
+              <a:ea typeface="Calibri"/>
+              <a:cs typeface="Calibri"/>
+              <a:sym typeface="Calibri"/>
             </a:endParaRPr>
           </a:p>
         </p:txBody>
       </p:sp>
       <p:pic>
         <p:nvPicPr>
-          <p:cNvPr id="107" name="Google Shape;107;p16"/>
-          <p:cNvPicPr preferRelativeResize="0"/>
+          <p:cNvPr id="3" name="Рисунок 2">
+            <a:extLst>
+              <a:ext uri="{FF2B5EF4-FFF2-40B4-BE49-F238E27FC236}">
+                <a16:creationId xmlns:a16="http://schemas.microsoft.com/office/drawing/2014/main" id="{3143BF01-520B-4EBD-80D6-FFCFF0D81100}"/>
+              </a:ext>
+            </a:extLst>
+          </p:cNvPr>
+          <p:cNvPicPr>
+            <a:picLocks noChangeAspect="1"/>
+          </p:cNvPicPr>
           <p:nvPr/>
         </p:nvPicPr>
         <p:blipFill>
-          <a:blip r:embed="rId4">
-            <a:alphaModFix/>
-          </a:blip>
+          <a:blip r:embed="rId4"/>
           <a:stretch>
             <a:fillRect/>
           </a:stretch>
         </p:blipFill>
         <p:spPr>
           <a:xfrm>
-            <a:off x="9984900" y="192900"/>
-            <a:ext cx="6377100" cy="9427525"/>
+            <a:off x="734809" y="834737"/>
+            <a:ext cx="16818382" cy="9452263"/>
           </a:xfrm>
           <a:prstGeom prst="rect">
             <a:avLst/>
           </a:prstGeom>
-          <a:noFill/>
-          <a:ln>
-            <a:noFill/>
-          </a:ln>
         </p:spPr>
       </p:pic>
     </p:spTree>
+    <p:extLst>
+      <p:ext uri="{BB962C8B-B14F-4D97-AF65-F5344CB8AC3E}">
+        <p14:creationId xmlns:p14="http://schemas.microsoft.com/office/powerpoint/2010/main" val="2698984409"/>
+      </p:ext>
+    </p:extLst>
   </p:cSld>
   <p:clrMapOvr>
     <a:masterClrMapping/>
@@ -13340,7 +13115,7 @@
 </p:sld>
 </file>
 
-<file path=ppt/slides/slide5.xml><?xml version="1.0" encoding="utf-8"?>
+<file path=ppt/slides/slide14.xml><?xml version="1.0" encoding="utf-8"?>
 <p:sld xmlns:a="http://schemas.openxmlformats.org/drawingml/2006/main" xmlns:r="http://schemas.openxmlformats.org/officeDocument/2006/relationships" xmlns:p="http://schemas.openxmlformats.org/presentationml/2006/main">
   <p:cSld>
     <p:bg>
@@ -13358,7 +13133,7 @@
     </p:bg>
     <p:spTree>
       <p:nvGrpSpPr>
-        <p:cNvPr id="1" name="Shape 123"/>
+        <p:cNvPr id="1" name="Shape 97"/>
         <p:cNvGrpSpPr/>
         <p:nvPr/>
       </p:nvGrpSpPr>
@@ -13372,20 +13147,14 @@
       </p:grpSpPr>
       <p:sp>
         <p:nvSpPr>
-          <p:cNvPr id="3" name="Google Shape;106;p16">
-            <a:extLst>
-              <a:ext uri="{FF2B5EF4-FFF2-40B4-BE49-F238E27FC236}">
-                <a16:creationId xmlns:a16="http://schemas.microsoft.com/office/drawing/2014/main" id="{8093BA91-CEBB-44D1-88B5-ED83A5DDD258}"/>
-              </a:ext>
-            </a:extLst>
-          </p:cNvPr>
+          <p:cNvPr id="100" name="Google Shape;100;p15"/>
           <p:cNvSpPr txBox="1"/>
           <p:nvPr/>
         </p:nvSpPr>
         <p:spPr>
           <a:xfrm>
-            <a:off x="648056" y="1006227"/>
-            <a:ext cx="12430636" cy="1107996"/>
+            <a:off x="10007900" y="3747975"/>
+            <a:ext cx="6678600" cy="400200"/>
           </a:xfrm>
           <a:prstGeom prst="rect">
             <a:avLst/>
@@ -13396,15 +13165,12 @@
           </a:ln>
         </p:spPr>
         <p:txBody>
-          <a:bodyPr spcFirstLastPara="1" wrap="square" lIns="0" tIns="0" rIns="0" bIns="0" anchor="t" anchorCtr="0">
+          <a:bodyPr spcFirstLastPara="1" wrap="square" lIns="91425" tIns="91425" rIns="91425" bIns="91425" anchor="t" anchorCtr="0">
             <a:spAutoFit/>
           </a:bodyPr>
           <a:lstStyle/>
           <a:p>
-            <a:pPr marL="0" marR="0" lvl="0" indent="0" algn="l" rtl="0">
-              <a:lnSpc>
-                <a:spcPct val="120003"/>
-              </a:lnSpc>
+            <a:pPr marL="0" lvl="0" indent="0" algn="l" rtl="0">
               <a:spcBef>
                 <a:spcPts val="0"/>
               </a:spcBef>
@@ -13413,181 +13179,49 @@
               </a:spcAft>
               <a:buNone/>
             </a:pPr>
-            <a:r>
-              <a:rPr lang="ru-RU" sz="6000" b="0" i="0" dirty="0">
-                <a:solidFill>
-                  <a:schemeClr val="bg1"/>
-                </a:solidFill>
-                <a:effectLst/>
-                <a:latin typeface="+mn-lt"/>
-              </a:rPr>
-              <a:t>HTML</a:t>
-            </a:r>
-            <a:endParaRPr dirty="0">
-              <a:solidFill>
-                <a:schemeClr val="bg1"/>
-              </a:solidFill>
+            <a:endParaRPr>
+              <a:latin typeface="Calibri"/>
+              <a:ea typeface="Calibri"/>
+              <a:cs typeface="Calibri"/>
+              <a:sym typeface="Calibri"/>
             </a:endParaRPr>
           </a:p>
         </p:txBody>
       </p:sp>
-      <p:sp>
-        <p:nvSpPr>
-          <p:cNvPr id="6" name="TextBox 5">
+      <p:pic>
+        <p:nvPicPr>
+          <p:cNvPr id="3" name="Рисунок 2">
             <a:extLst>
               <a:ext uri="{FF2B5EF4-FFF2-40B4-BE49-F238E27FC236}">
-                <a16:creationId xmlns:a16="http://schemas.microsoft.com/office/drawing/2014/main" id="{1F9AB468-64F3-498A-B87B-118F69E807CB}"/>
+                <a16:creationId xmlns:a16="http://schemas.microsoft.com/office/drawing/2014/main" id="{943BECB1-3F15-4520-8686-36E4E8F7E0CC}"/>
               </a:ext>
             </a:extLst>
           </p:cNvPr>
-          <p:cNvSpPr txBox="1"/>
+          <p:cNvPicPr>
+            <a:picLocks noChangeAspect="1"/>
+          </p:cNvPicPr>
           <p:nvPr/>
-        </p:nvSpPr>
+        </p:nvPicPr>
+        <p:blipFill>
+          <a:blip r:embed="rId4"/>
+          <a:stretch>
+            <a:fillRect/>
+          </a:stretch>
+        </p:blipFill>
         <p:spPr>
           <a:xfrm>
-            <a:off x="5846618" y="3621797"/>
-            <a:ext cx="12441382" cy="5447645"/>
+            <a:off x="635144" y="700567"/>
+            <a:ext cx="17057111" cy="9586433"/>
           </a:xfrm>
           <a:prstGeom prst="rect">
             <a:avLst/>
           </a:prstGeom>
-          <a:noFill/>
         </p:spPr>
-        <p:txBody>
-          <a:bodyPr wrap="square">
-            <a:spAutoFit/>
-          </a:bodyPr>
-          <a:lstStyle/>
-          <a:p>
-            <a:br>
-              <a:rPr lang="ru-RU" sz="6000" b="0" i="0" dirty="0">
-                <a:solidFill>
-                  <a:srgbClr val="000000"/>
-                </a:solidFill>
-                <a:effectLst/>
-                <a:latin typeface="+mn-lt"/>
-              </a:rPr>
-            </a:br>
-            <a:r>
-              <a:rPr lang="ru-RU" sz="3600" b="0" i="0" dirty="0">
-                <a:solidFill>
-                  <a:srgbClr val="000000"/>
-                </a:solidFill>
-                <a:effectLst/>
-                <a:latin typeface="+mn-lt"/>
-              </a:rPr>
-              <a:t>HTML — это язык описания структуры </a:t>
-            </a:r>
-            <a:r>
-              <a:rPr lang="ru-RU" sz="3600" b="0" i="0" dirty="0" err="1">
-                <a:solidFill>
-                  <a:srgbClr val="000000"/>
-                </a:solidFill>
-                <a:effectLst/>
-                <a:latin typeface="+mn-lt"/>
-              </a:rPr>
-              <a:t>вебстраницы</a:t>
-            </a:r>
-            <a:r>
-              <a:rPr lang="ru-RU" sz="3600" b="0" i="0" dirty="0">
-                <a:solidFill>
-                  <a:srgbClr val="000000"/>
-                </a:solidFill>
-                <a:effectLst/>
-                <a:latin typeface="+mn-lt"/>
-              </a:rPr>
-              <a:t>.</a:t>
-            </a:r>
-            <a:br>
-              <a:rPr lang="ru-RU" sz="3600" b="0" i="0" dirty="0">
-                <a:solidFill>
-                  <a:srgbClr val="000000"/>
-                </a:solidFill>
-                <a:effectLst/>
-                <a:latin typeface="+mn-lt"/>
-              </a:rPr>
-            </a:br>
-            <a:endParaRPr lang="ru-RU" sz="3600" b="0" i="0" dirty="0">
-              <a:solidFill>
-                <a:srgbClr val="000000"/>
-              </a:solidFill>
-              <a:effectLst/>
-              <a:latin typeface="+mn-lt"/>
-            </a:endParaRPr>
-          </a:p>
-          <a:p>
-            <a:r>
-              <a:rPr lang="ru-RU" sz="3600" b="0" i="0" dirty="0">
-                <a:solidFill>
-                  <a:srgbClr val="000000"/>
-                </a:solidFill>
-                <a:effectLst/>
-                <a:latin typeface="+mn-lt"/>
-              </a:rPr>
-              <a:t>Структура страницы формируется с помощью </a:t>
-            </a:r>
-            <a:r>
-              <a:rPr lang="ru-RU" sz="3600" b="1" i="0" dirty="0">
-                <a:solidFill>
-                  <a:srgbClr val="000000"/>
-                </a:solidFill>
-                <a:effectLst/>
-                <a:latin typeface="+mn-lt"/>
-              </a:rPr>
-              <a:t>тегов</a:t>
-            </a:r>
-            <a:r>
-              <a:rPr lang="ru-RU" sz="3600" b="0" i="0" dirty="0">
-                <a:solidFill>
-                  <a:srgbClr val="000000"/>
-                </a:solidFill>
-                <a:effectLst/>
-                <a:latin typeface="+mn-lt"/>
-              </a:rPr>
-              <a:t>.</a:t>
-            </a:r>
-          </a:p>
-          <a:p>
-            <a:br>
-              <a:rPr lang="ru-RU" sz="3600" b="0" i="0" dirty="0">
-                <a:solidFill>
-                  <a:srgbClr val="000000"/>
-                </a:solidFill>
-                <a:effectLst/>
-                <a:latin typeface="+mn-lt"/>
-              </a:rPr>
-            </a:br>
-            <a:r>
-              <a:rPr lang="ru-RU" sz="3600" b="0" i="0" dirty="0">
-                <a:solidFill>
-                  <a:srgbClr val="000000"/>
-                </a:solidFill>
-                <a:effectLst/>
-                <a:latin typeface="+mn-lt"/>
-              </a:rPr>
-              <a:t>HTML-теги — это специальные слова, которые «разбивают» страницу на определенные элементы: заголовки, абзацы, ссылки, картинки и т.д.</a:t>
-            </a:r>
-            <a:r>
-              <a:rPr lang="ru-RU" sz="3600" dirty="0">
-                <a:latin typeface="+mn-lt"/>
-              </a:rPr>
-              <a:t> </a:t>
-            </a:r>
-            <a:br>
-              <a:rPr lang="ru-RU" sz="3600" dirty="0">
-                <a:latin typeface="+mn-lt"/>
-              </a:rPr>
-            </a:br>
-            <a:endParaRPr lang="ru-RU" sz="3600" dirty="0">
-              <a:latin typeface="+mn-lt"/>
-            </a:endParaRPr>
-          </a:p>
-        </p:txBody>
-      </p:sp>
+      </p:pic>
     </p:spTree>
     <p:extLst>
       <p:ext uri="{BB962C8B-B14F-4D97-AF65-F5344CB8AC3E}">
-        <p14:creationId xmlns:p14="http://schemas.microsoft.com/office/powerpoint/2010/main" val="1895215716"/>
+        <p14:creationId xmlns:p14="http://schemas.microsoft.com/office/powerpoint/2010/main" val="3329203811"/>
       </p:ext>
     </p:extLst>
   </p:cSld>
@@ -13597,7 +13231,7 @@
 </p:sld>
 </file>
 
-<file path=ppt/slides/slide6.xml><?xml version="1.0" encoding="utf-8"?>
+<file path=ppt/slides/slide15.xml><?xml version="1.0" encoding="utf-8"?>
 <p:sld xmlns:a="http://schemas.openxmlformats.org/drawingml/2006/main" xmlns:r="http://schemas.openxmlformats.org/officeDocument/2006/relationships" xmlns:p="http://schemas.openxmlformats.org/presentationml/2006/main">
   <p:cSld>
     <p:bg>
@@ -13615,7 +13249,7 @@
     </p:bg>
     <p:spTree>
       <p:nvGrpSpPr>
-        <p:cNvPr id="1" name="Shape 123"/>
+        <p:cNvPr id="1" name="Shape 97"/>
         <p:cNvGrpSpPr/>
         <p:nvPr/>
       </p:nvGrpSpPr>
@@ -13629,20 +13263,14 @@
       </p:grpSpPr>
       <p:sp>
         <p:nvSpPr>
-          <p:cNvPr id="3" name="Google Shape;106;p16">
-            <a:extLst>
-              <a:ext uri="{FF2B5EF4-FFF2-40B4-BE49-F238E27FC236}">
-                <a16:creationId xmlns:a16="http://schemas.microsoft.com/office/drawing/2014/main" id="{8093BA91-CEBB-44D1-88B5-ED83A5DDD258}"/>
-              </a:ext>
-            </a:extLst>
-          </p:cNvPr>
+          <p:cNvPr id="100" name="Google Shape;100;p15"/>
           <p:cNvSpPr txBox="1"/>
           <p:nvPr/>
         </p:nvSpPr>
         <p:spPr>
           <a:xfrm>
-            <a:off x="648056" y="1006227"/>
-            <a:ext cx="12430636" cy="1107996"/>
+            <a:off x="10007900" y="3747975"/>
+            <a:ext cx="6678600" cy="400200"/>
           </a:xfrm>
           <a:prstGeom prst="rect">
             <a:avLst/>
@@ -13653,15 +13281,12 @@
           </a:ln>
         </p:spPr>
         <p:txBody>
-          <a:bodyPr spcFirstLastPara="1" wrap="square" lIns="0" tIns="0" rIns="0" bIns="0" anchor="t" anchorCtr="0">
+          <a:bodyPr spcFirstLastPara="1" wrap="square" lIns="91425" tIns="91425" rIns="91425" bIns="91425" anchor="t" anchorCtr="0">
             <a:spAutoFit/>
           </a:bodyPr>
           <a:lstStyle/>
           <a:p>
-            <a:pPr marL="0" marR="0" lvl="0" indent="0" algn="l" rtl="0">
-              <a:lnSpc>
-                <a:spcPct val="120003"/>
-              </a:lnSpc>
+            <a:pPr marL="0" lvl="0" indent="0" algn="l" rtl="0">
               <a:spcBef>
                 <a:spcPts val="0"/>
               </a:spcBef>
@@ -13670,30 +13295,21 @@
               </a:spcAft>
               <a:buNone/>
             </a:pPr>
-            <a:r>
-              <a:rPr lang="ru-RU" sz="6000" b="0" i="0" dirty="0">
-                <a:solidFill>
-                  <a:schemeClr val="bg1"/>
-                </a:solidFill>
-                <a:effectLst/>
-                <a:latin typeface="+mn-lt"/>
-              </a:rPr>
-              <a:t>Теги</a:t>
-            </a:r>
-            <a:endParaRPr dirty="0">
-              <a:solidFill>
-                <a:schemeClr val="bg1"/>
-              </a:solidFill>
+            <a:endParaRPr>
+              <a:latin typeface="Calibri"/>
+              <a:ea typeface="Calibri"/>
+              <a:cs typeface="Calibri"/>
+              <a:sym typeface="Calibri"/>
             </a:endParaRPr>
           </a:p>
         </p:txBody>
       </p:sp>
       <p:pic>
         <p:nvPicPr>
-          <p:cNvPr id="7" name="Рисунок 6">
+          <p:cNvPr id="3" name="Рисунок 2">
             <a:extLst>
               <a:ext uri="{FF2B5EF4-FFF2-40B4-BE49-F238E27FC236}">
-                <a16:creationId xmlns:a16="http://schemas.microsoft.com/office/drawing/2014/main" id="{C96C6F8D-774A-44DB-8C82-FF46B6C4D45A}"/>
+                <a16:creationId xmlns:a16="http://schemas.microsoft.com/office/drawing/2014/main" id="{571BE32F-8FB6-4195-A16F-E6C55E693B6C}"/>
               </a:ext>
             </a:extLst>
           </p:cNvPr>
@@ -13710,83 +13326,18 @@
         </p:blipFill>
         <p:spPr>
           <a:xfrm>
-            <a:off x="5909786" y="3281072"/>
-            <a:ext cx="11843994" cy="6367089"/>
+            <a:off x="466725" y="598126"/>
+            <a:ext cx="17239384" cy="9688874"/>
           </a:xfrm>
           <a:prstGeom prst="rect">
             <a:avLst/>
           </a:prstGeom>
         </p:spPr>
       </p:pic>
-      <p:sp>
-        <p:nvSpPr>
-          <p:cNvPr id="9" name="TextBox 8">
-            <a:extLst>
-              <a:ext uri="{FF2B5EF4-FFF2-40B4-BE49-F238E27FC236}">
-                <a16:creationId xmlns:a16="http://schemas.microsoft.com/office/drawing/2014/main" id="{F3C86D22-43FB-4038-ACC0-2EA4C02674AD}"/>
-              </a:ext>
-            </a:extLst>
-          </p:cNvPr>
-          <p:cNvSpPr txBox="1"/>
-          <p:nvPr/>
-        </p:nvSpPr>
-        <p:spPr>
-          <a:xfrm>
-            <a:off x="374072" y="3648462"/>
-            <a:ext cx="5001492" cy="5632311"/>
-          </a:xfrm>
-          <a:prstGeom prst="rect">
-            <a:avLst/>
-          </a:prstGeom>
-          <a:noFill/>
-        </p:spPr>
-        <p:txBody>
-          <a:bodyPr wrap="square">
-            <a:spAutoFit/>
-          </a:bodyPr>
-          <a:lstStyle/>
-          <a:p>
-            <a:pPr algn="ctr"/>
-            <a:r>
-              <a:rPr lang="ru-RU" sz="4000" b="1" i="0" dirty="0">
-                <a:solidFill>
-                  <a:srgbClr val="000000"/>
-                </a:solidFill>
-                <a:effectLst/>
-                <a:latin typeface="+mn-lt"/>
-              </a:rPr>
-              <a:t>Парные теги</a:t>
-            </a:r>
-          </a:p>
-          <a:p>
-            <a:endParaRPr lang="ru-RU" sz="4000" dirty="0">
-              <a:latin typeface="+mn-lt"/>
-            </a:endParaRPr>
-          </a:p>
-          <a:p>
-            <a:r>
-              <a:rPr lang="ru-RU" sz="4000" b="0" i="0" dirty="0">
-                <a:solidFill>
-                  <a:srgbClr val="000000"/>
-                </a:solidFill>
-                <a:effectLst/>
-                <a:latin typeface="+mn-lt"/>
-              </a:rPr>
-              <a:t>Для создания закрывающего тега нужно написать открывающий тег, но после символа &lt; добавить обратный слеш /.</a:t>
-            </a:r>
-            <a:r>
-              <a:rPr lang="ru-RU" sz="4000" dirty="0">
-                <a:latin typeface="+mn-lt"/>
-              </a:rPr>
-              <a:t>  </a:t>
-            </a:r>
-          </a:p>
-        </p:txBody>
-      </p:sp>
     </p:spTree>
     <p:extLst>
       <p:ext uri="{BB962C8B-B14F-4D97-AF65-F5344CB8AC3E}">
-        <p14:creationId xmlns:p14="http://schemas.microsoft.com/office/powerpoint/2010/main" val="2093209441"/>
+        <p14:creationId xmlns:p14="http://schemas.microsoft.com/office/powerpoint/2010/main" val="2040260774"/>
       </p:ext>
     </p:extLst>
   </p:cSld>
@@ -13796,80 +13347,7 @@
 </p:sld>
 </file>
 
-<file path=ppt/slides/slide7.xml><?xml version="1.0" encoding="utf-8"?>
-<p:sld xmlns:a="http://schemas.openxmlformats.org/drawingml/2006/main" xmlns:r="http://schemas.openxmlformats.org/officeDocument/2006/relationships" xmlns:p="http://schemas.openxmlformats.org/presentationml/2006/main">
-  <p:cSld>
-    <p:bg>
-      <p:bgPr>
-        <a:blipFill>
-          <a:blip r:embed="rId3">
-            <a:alphaModFix/>
-          </a:blip>
-          <a:stretch>
-            <a:fillRect/>
-          </a:stretch>
-        </a:blipFill>
-        <a:effectLst/>
-      </p:bgPr>
-    </p:bg>
-    <p:spTree>
-      <p:nvGrpSpPr>
-        <p:cNvPr id="1" name="Shape 123"/>
-        <p:cNvGrpSpPr/>
-        <p:nvPr/>
-      </p:nvGrpSpPr>
-      <p:grpSpPr>
-        <a:xfrm>
-          <a:off x="0" y="0"/>
-          <a:ext cx="0" cy="0"/>
-          <a:chOff x="0" y="0"/>
-          <a:chExt cx="0" cy="0"/>
-        </a:xfrm>
-      </p:grpSpPr>
-      <p:pic>
-        <p:nvPicPr>
-          <p:cNvPr id="5" name="Рисунок 4">
-            <a:extLst>
-              <a:ext uri="{FF2B5EF4-FFF2-40B4-BE49-F238E27FC236}">
-                <a16:creationId xmlns:a16="http://schemas.microsoft.com/office/drawing/2014/main" id="{A7EC4321-FB1E-47AE-BB37-ECAB18E1CEA2}"/>
-              </a:ext>
-            </a:extLst>
-          </p:cNvPr>
-          <p:cNvPicPr>
-            <a:picLocks noChangeAspect="1"/>
-          </p:cNvPicPr>
-          <p:nvPr/>
-        </p:nvPicPr>
-        <p:blipFill>
-          <a:blip r:embed="rId4"/>
-          <a:stretch>
-            <a:fillRect/>
-          </a:stretch>
-        </p:blipFill>
-        <p:spPr>
-          <a:xfrm>
-            <a:off x="0" y="0"/>
-            <a:ext cx="18288000" cy="10287000"/>
-          </a:xfrm>
-          <a:prstGeom prst="rect">
-            <a:avLst/>
-          </a:prstGeom>
-        </p:spPr>
-      </p:pic>
-    </p:spTree>
-    <p:extLst>
-      <p:ext uri="{BB962C8B-B14F-4D97-AF65-F5344CB8AC3E}">
-        <p14:creationId xmlns:p14="http://schemas.microsoft.com/office/powerpoint/2010/main" val="3912403991"/>
-      </p:ext>
-    </p:extLst>
-  </p:cSld>
-  <p:clrMapOvr>
-    <a:masterClrMapping/>
-  </p:clrMapOvr>
-</p:sld>
-</file>
-
-<file path=ppt/slides/slide8.xml><?xml version="1.0" encoding="utf-8"?>
+<file path=ppt/slides/slide16.xml><?xml version="1.0" encoding="utf-8"?>
 <p:sld xmlns:a="http://schemas.openxmlformats.org/drawingml/2006/main" xmlns:r="http://schemas.openxmlformats.org/officeDocument/2006/relationships" xmlns:p="http://schemas.openxmlformats.org/presentationml/2006/main">
   <p:cSld>
     <p:bg>
@@ -15495,7 +14973,123 @@
 </p:sld>
 </file>
 
-<file path=ppt/slides/slide9.xml><?xml version="1.0" encoding="utf-8"?>
+<file path=ppt/slides/slide17.xml><?xml version="1.0" encoding="utf-8"?>
+<p:sld xmlns:a="http://schemas.openxmlformats.org/drawingml/2006/main" xmlns:r="http://schemas.openxmlformats.org/officeDocument/2006/relationships" xmlns:p="http://schemas.openxmlformats.org/presentationml/2006/main">
+  <p:cSld>
+    <p:bg>
+      <p:bgPr>
+        <a:blipFill>
+          <a:blip r:embed="rId3">
+            <a:alphaModFix/>
+          </a:blip>
+          <a:stretch>
+            <a:fillRect/>
+          </a:stretch>
+        </a:blipFill>
+        <a:effectLst/>
+      </p:bgPr>
+    </p:bg>
+    <p:spTree>
+      <p:nvGrpSpPr>
+        <p:cNvPr id="1" name="Shape 97"/>
+        <p:cNvGrpSpPr/>
+        <p:nvPr/>
+      </p:nvGrpSpPr>
+      <p:grpSpPr>
+        <a:xfrm>
+          <a:off x="0" y="0"/>
+          <a:ext cx="0" cy="0"/>
+          <a:chOff x="0" y="0"/>
+          <a:chExt cx="0" cy="0"/>
+        </a:xfrm>
+      </p:grpSpPr>
+      <p:sp>
+        <p:nvSpPr>
+          <p:cNvPr id="100" name="Google Shape;100;p15"/>
+          <p:cNvSpPr txBox="1"/>
+          <p:nvPr/>
+        </p:nvSpPr>
+        <p:spPr>
+          <a:xfrm>
+            <a:off x="10007900" y="3747975"/>
+            <a:ext cx="6678600" cy="400200"/>
+          </a:xfrm>
+          <a:prstGeom prst="rect">
+            <a:avLst/>
+          </a:prstGeom>
+          <a:noFill/>
+          <a:ln>
+            <a:noFill/>
+          </a:ln>
+        </p:spPr>
+        <p:txBody>
+          <a:bodyPr spcFirstLastPara="1" wrap="square" lIns="91425" tIns="91425" rIns="91425" bIns="91425" anchor="t" anchorCtr="0">
+            <a:spAutoFit/>
+          </a:bodyPr>
+          <a:lstStyle/>
+          <a:p>
+            <a:pPr marL="0" lvl="0" indent="0" algn="l" rtl="0">
+              <a:spcBef>
+                <a:spcPts val="0"/>
+              </a:spcBef>
+              <a:spcAft>
+                <a:spcPts val="0"/>
+              </a:spcAft>
+              <a:buNone/>
+            </a:pPr>
+            <a:endParaRPr>
+              <a:latin typeface="Calibri"/>
+              <a:ea typeface="Calibri"/>
+              <a:cs typeface="Calibri"/>
+              <a:sym typeface="Calibri"/>
+            </a:endParaRPr>
+          </a:p>
+        </p:txBody>
+      </p:sp>
+      <p:pic>
+        <p:nvPicPr>
+          <p:cNvPr id="3" name="Рисунок 2">
+            <a:extLst>
+              <a:ext uri="{FF2B5EF4-FFF2-40B4-BE49-F238E27FC236}">
+                <a16:creationId xmlns:a16="http://schemas.microsoft.com/office/drawing/2014/main" id="{84986491-8339-4B79-ADF8-E210F51EBDBB}"/>
+              </a:ext>
+            </a:extLst>
+          </p:cNvPr>
+          <p:cNvPicPr>
+            <a:picLocks noChangeAspect="1"/>
+          </p:cNvPicPr>
+          <p:nvPr/>
+        </p:nvPicPr>
+        <p:blipFill>
+          <a:blip r:embed="rId4"/>
+          <a:stretch>
+            <a:fillRect/>
+          </a:stretch>
+        </p:blipFill>
+        <p:spPr>
+          <a:xfrm>
+            <a:off x="1248207" y="730284"/>
+            <a:ext cx="16117166" cy="9556716"/>
+          </a:xfrm>
+          <a:prstGeom prst="rect">
+            <a:avLst/>
+          </a:prstGeom>
+        </p:spPr>
+      </p:pic>
+    </p:spTree>
+    <p:extLst>
+      <p:ext uri="{BB962C8B-B14F-4D97-AF65-F5344CB8AC3E}">
+        <p14:creationId xmlns:p14="http://schemas.microsoft.com/office/powerpoint/2010/main" val="1410410456"/>
+      </p:ext>
+    </p:extLst>
+  </p:cSld>
+  <p:clrMapOvr>
+    <a:masterClrMapping/>
+  </p:clrMapOvr>
+</p:sld>
+</file>
+
+<file path=ppt/slides/slide18.xml><?xml version="1.0" encoding="utf-8"?>
 <p:sld xmlns:a="http://schemas.openxmlformats.org/drawingml/2006/main" xmlns:r="http://schemas.openxmlformats.org/officeDocument/2006/relationships" xmlns:p="http://schemas.openxmlformats.org/presentationml/2006/main">
   <p:cSld>
     <p:bg>
@@ -15554,6 +15148,1919 @@
         </p:spPr>
       </p:pic>
     </p:spTree>
+  </p:cSld>
+  <p:clrMapOvr>
+    <a:masterClrMapping/>
+  </p:clrMapOvr>
+</p:sld>
+</file>
+
+<file path=ppt/slides/slide2.xml><?xml version="1.0" encoding="utf-8"?>
+<p:sld xmlns:a="http://schemas.openxmlformats.org/drawingml/2006/main" xmlns:r="http://schemas.openxmlformats.org/officeDocument/2006/relationships" xmlns:p="http://schemas.openxmlformats.org/presentationml/2006/main">
+  <p:cSld>
+    <p:bg>
+      <p:bgPr>
+        <a:blipFill>
+          <a:blip r:embed="rId3">
+            <a:alphaModFix/>
+          </a:blip>
+          <a:stretch>
+            <a:fillRect/>
+          </a:stretch>
+        </a:blipFill>
+        <a:effectLst/>
+      </p:bgPr>
+    </p:bg>
+    <p:spTree>
+      <p:nvGrpSpPr>
+        <p:cNvPr id="1" name="Shape 133"/>
+        <p:cNvGrpSpPr/>
+        <p:nvPr/>
+      </p:nvGrpSpPr>
+      <p:grpSpPr>
+        <a:xfrm>
+          <a:off x="0" y="0"/>
+          <a:ext cx="0" cy="0"/>
+          <a:chOff x="0" y="0"/>
+          <a:chExt cx="0" cy="0"/>
+        </a:xfrm>
+      </p:grpSpPr>
+      <p:sp>
+        <p:nvSpPr>
+          <p:cNvPr id="134" name="Google Shape;134;p20"/>
+          <p:cNvSpPr txBox="1"/>
+          <p:nvPr/>
+        </p:nvSpPr>
+        <p:spPr>
+          <a:xfrm>
+            <a:off x="447175" y="486928"/>
+            <a:ext cx="16230600" cy="1077300"/>
+          </a:xfrm>
+          <a:prstGeom prst="rect">
+            <a:avLst/>
+          </a:prstGeom>
+          <a:noFill/>
+          <a:ln>
+            <a:noFill/>
+          </a:ln>
+        </p:spPr>
+        <p:txBody>
+          <a:bodyPr spcFirstLastPara="1" wrap="square" lIns="0" tIns="0" rIns="0" bIns="0" anchor="t" anchorCtr="0">
+            <a:spAutoFit/>
+          </a:bodyPr>
+          <a:lstStyle/>
+          <a:p>
+            <a:pPr marL="0" marR="0" lvl="0" indent="0" algn="l" rtl="0">
+              <a:lnSpc>
+                <a:spcPct val="120002"/>
+              </a:lnSpc>
+              <a:spcBef>
+                <a:spcPts val="0"/>
+              </a:spcBef>
+              <a:spcAft>
+                <a:spcPts val="0"/>
+              </a:spcAft>
+              <a:buNone/>
+            </a:pPr>
+            <a:r>
+              <a:rPr lang="en-US" sz="6999" b="0" i="0" u="none" strike="noStrike" cap="none">
+                <a:solidFill>
+                  <a:schemeClr val="lt1"/>
+                </a:solidFill>
+                <a:latin typeface="Montserrat"/>
+                <a:ea typeface="Montserrat"/>
+                <a:cs typeface="Montserrat"/>
+                <a:sym typeface="Montserrat"/>
+              </a:rPr>
+              <a:t>З</a:t>
+            </a:r>
+            <a:r>
+              <a:rPr lang="en-US" sz="6999">
+                <a:solidFill>
+                  <a:schemeClr val="lt1"/>
+                </a:solidFill>
+                <a:latin typeface="Montserrat"/>
+                <a:ea typeface="Montserrat"/>
+                <a:cs typeface="Montserrat"/>
+                <a:sym typeface="Montserrat"/>
+              </a:rPr>
+              <a:t>адание </a:t>
+            </a:r>
+            <a:endParaRPr>
+              <a:solidFill>
+                <a:schemeClr val="lt1"/>
+              </a:solidFill>
+            </a:endParaRPr>
+          </a:p>
+        </p:txBody>
+      </p:sp>
+      <p:sp>
+        <p:nvSpPr>
+          <p:cNvPr id="2" name="TextBox 1">
+            <a:extLst>
+              <a:ext uri="{FF2B5EF4-FFF2-40B4-BE49-F238E27FC236}">
+                <a16:creationId xmlns:a16="http://schemas.microsoft.com/office/drawing/2014/main" id="{7159B5A4-7A0C-4BC3-AE55-46967AA73D6A}"/>
+              </a:ext>
+            </a:extLst>
+          </p:cNvPr>
+          <p:cNvSpPr txBox="1"/>
+          <p:nvPr/>
+        </p:nvSpPr>
+        <p:spPr>
+          <a:xfrm>
+            <a:off x="2382981" y="7910946"/>
+            <a:ext cx="14519564" cy="830997"/>
+          </a:xfrm>
+          <a:prstGeom prst="rect">
+            <a:avLst/>
+          </a:prstGeom>
+          <a:noFill/>
+        </p:spPr>
+        <p:txBody>
+          <a:bodyPr wrap="square" rtlCol="0">
+            <a:spAutoFit/>
+          </a:bodyPr>
+          <a:lstStyle/>
+          <a:p>
+            <a:endParaRPr lang="ru-RU" sz="4800" dirty="0">
+              <a:solidFill>
+                <a:schemeClr val="bg2"/>
+              </a:solidFill>
+              <a:latin typeface="+mj-lt"/>
+            </a:endParaRPr>
+          </a:p>
+        </p:txBody>
+      </p:sp>
+      <p:pic>
+        <p:nvPicPr>
+          <p:cNvPr id="5" name="Рисунок 4">
+            <a:extLst>
+              <a:ext uri="{FF2B5EF4-FFF2-40B4-BE49-F238E27FC236}">
+                <a16:creationId xmlns:a16="http://schemas.microsoft.com/office/drawing/2014/main" id="{39C16661-B60D-4CAA-8CAC-08C9ADF521B7}"/>
+              </a:ext>
+            </a:extLst>
+          </p:cNvPr>
+          <p:cNvPicPr>
+            <a:picLocks noChangeAspect="1"/>
+          </p:cNvPicPr>
+          <p:nvPr/>
+        </p:nvPicPr>
+        <p:blipFill rotWithShape="1">
+          <a:blip r:embed="rId4"/>
+          <a:srcRect l="10606" t="12259" r="11666" b="18967"/>
+          <a:stretch/>
+        </p:blipFill>
+        <p:spPr>
+          <a:xfrm>
+            <a:off x="4073236" y="3228110"/>
+            <a:ext cx="14214764" cy="6747163"/>
+          </a:xfrm>
+          <a:prstGeom prst="rect">
+            <a:avLst/>
+          </a:prstGeom>
+        </p:spPr>
+      </p:pic>
+      <p:sp>
+        <p:nvSpPr>
+          <p:cNvPr id="6" name="Прямоугольник 5">
+            <a:extLst>
+              <a:ext uri="{FF2B5EF4-FFF2-40B4-BE49-F238E27FC236}">
+                <a16:creationId xmlns:a16="http://schemas.microsoft.com/office/drawing/2014/main" id="{35D44F19-0676-4177-ADB1-EFA2CA99F2D0}"/>
+              </a:ext>
+            </a:extLst>
+          </p:cNvPr>
+          <p:cNvSpPr/>
+          <p:nvPr/>
+        </p:nvSpPr>
+        <p:spPr>
+          <a:xfrm>
+            <a:off x="7841673" y="5143500"/>
+            <a:ext cx="1413163" cy="661555"/>
+          </a:xfrm>
+          <a:prstGeom prst="rect">
+            <a:avLst/>
+          </a:prstGeom>
+          <a:noFill/>
+          <a:ln>
+            <a:solidFill>
+              <a:schemeClr val="accent2"/>
+            </a:solidFill>
+          </a:ln>
+        </p:spPr>
+        <p:style>
+          <a:lnRef idx="2">
+            <a:schemeClr val="accent1">
+              <a:shade val="50000"/>
+            </a:schemeClr>
+          </a:lnRef>
+          <a:fillRef idx="1">
+            <a:schemeClr val="accent1"/>
+          </a:fillRef>
+          <a:effectRef idx="0">
+            <a:schemeClr val="accent1"/>
+          </a:effectRef>
+          <a:fontRef idx="minor">
+            <a:schemeClr val="lt1"/>
+          </a:fontRef>
+        </p:style>
+        <p:txBody>
+          <a:bodyPr rtlCol="0" anchor="ctr"/>
+          <a:lstStyle/>
+          <a:p>
+            <a:pPr algn="ctr"/>
+            <a:endParaRPr lang="ru-RU"/>
+          </a:p>
+        </p:txBody>
+      </p:sp>
+      <p:sp>
+        <p:nvSpPr>
+          <p:cNvPr id="3" name="Rectangle 1">
+            <a:extLst>
+              <a:ext uri="{FF2B5EF4-FFF2-40B4-BE49-F238E27FC236}">
+                <a16:creationId xmlns:a16="http://schemas.microsoft.com/office/drawing/2014/main" id="{9DF880E0-EA4E-4C01-99EC-6BBE41869D96}"/>
+              </a:ext>
+            </a:extLst>
+          </p:cNvPr>
+          <p:cNvSpPr>
+            <a:spLocks noChangeArrowheads="1"/>
+          </p:cNvSpPr>
+          <p:nvPr/>
+        </p:nvSpPr>
+        <p:spPr bwMode="auto">
+          <a:xfrm>
+            <a:off x="265151" y="4014841"/>
+            <a:ext cx="5569528" cy="2042776"/>
+          </a:xfrm>
+          <a:prstGeom prst="rect">
+            <a:avLst/>
+          </a:prstGeom>
+          <a:solidFill>
+            <a:srgbClr val="FFFFFF"/>
+          </a:solidFill>
+          <a:ln>
+            <a:noFill/>
+          </a:ln>
+          <a:effectLst/>
+          <a:extLst>
+            <a:ext uri="{91240B29-F687-4F45-9708-019B960494DF}">
+              <a14:hiddenLine xmlns:a14="http://schemas.microsoft.com/office/drawing/2010/main" w="9525">
+                <a:solidFill>
+                  <a:schemeClr val="tx1"/>
+                </a:solidFill>
+                <a:miter lim="800000"/>
+                <a:headEnd/>
+                <a:tailEnd/>
+              </a14:hiddenLine>
+            </a:ext>
+            <a:ext uri="{AF507438-7753-43E0-B8FC-AC1667EBCBE1}">
+              <a14:hiddenEffects xmlns:a14="http://schemas.microsoft.com/office/drawing/2010/main">
+                <a:effectLst>
+                  <a:outerShdw dist="35921" dir="2700000" algn="ctr" rotWithShape="0">
+                    <a:schemeClr val="bg2"/>
+                  </a:outerShdw>
+                </a:effectLst>
+              </a14:hiddenEffects>
+            </a:ext>
+          </a:extLst>
+        </p:spPr>
+        <p:txBody>
+          <a:bodyPr vert="horz" wrap="square" lIns="0" tIns="190440" rIns="0" bIns="95220" numCol="1" anchor="ctr" anchorCtr="0" compatLnSpc="1">
+            <a:prstTxWarp prst="textNoShape">
+              <a:avLst/>
+            </a:prstTxWarp>
+            <a:spAutoFit/>
+          </a:bodyPr>
+          <a:lstStyle/>
+          <a:p>
+            <a:pPr marL="0" marR="0" lvl="0" indent="0" algn="l" defTabSz="914400" rtl="0" eaLnBrk="0" fontAlgn="base" latinLnBrk="0" hangingPunct="0">
+              <a:lnSpc>
+                <a:spcPct val="100000"/>
+              </a:lnSpc>
+              <a:spcBef>
+                <a:spcPct val="0"/>
+              </a:spcBef>
+              <a:spcAft>
+                <a:spcPct val="0"/>
+              </a:spcAft>
+              <a:buClrTx/>
+              <a:buSzTx/>
+              <a:buFontTx/>
+              <a:buNone/>
+              <a:tabLst/>
+            </a:pPr>
+            <a:r>
+              <a:rPr kumimoji="0" lang="ru-RU" altLang="ru-RU" sz="5400" b="0" i="0" u="none" strike="noStrike" cap="none" normalizeH="0" baseline="0" dirty="0">
+                <a:ln>
+                  <a:noFill/>
+                </a:ln>
+                <a:solidFill>
+                  <a:schemeClr val="bg2"/>
+                </a:solidFill>
+                <a:effectLst/>
+                <a:latin typeface="+mj-lt"/>
+              </a:rPr>
+              <a:t>Anastariya-qa-37</a:t>
+            </a:r>
+            <a:endParaRPr kumimoji="0" lang="ru-RU" altLang="ru-RU" sz="7200" b="0" i="0" u="none" strike="noStrike" cap="none" normalizeH="0" baseline="0" dirty="0">
+              <a:ln>
+                <a:noFill/>
+              </a:ln>
+              <a:solidFill>
+                <a:schemeClr val="bg2"/>
+              </a:solidFill>
+              <a:effectLst/>
+              <a:latin typeface="+mj-lt"/>
+            </a:endParaRPr>
+          </a:p>
+          <a:p>
+            <a:pPr marL="0" marR="0" lvl="0" indent="0" algn="l" defTabSz="914400" rtl="0" eaLnBrk="0" fontAlgn="base" latinLnBrk="0" hangingPunct="0">
+              <a:lnSpc>
+                <a:spcPct val="100000"/>
+              </a:lnSpc>
+              <a:spcBef>
+                <a:spcPct val="0"/>
+              </a:spcBef>
+              <a:spcAft>
+                <a:spcPct val="0"/>
+              </a:spcAft>
+              <a:buClrTx/>
+              <a:buSzTx/>
+              <a:buFontTx/>
+              <a:buNone/>
+              <a:tabLst/>
+            </a:pPr>
+            <a:endParaRPr kumimoji="0" lang="ru-RU" altLang="ru-RU" sz="6000" b="0" i="0" u="none" strike="noStrike" cap="none" normalizeH="0" baseline="0" dirty="0">
+              <a:ln>
+                <a:noFill/>
+              </a:ln>
+              <a:solidFill>
+                <a:schemeClr val="bg2"/>
+              </a:solidFill>
+              <a:effectLst/>
+              <a:latin typeface="+mj-lt"/>
+            </a:endParaRPr>
+          </a:p>
+        </p:txBody>
+      </p:sp>
+    </p:spTree>
+  </p:cSld>
+  <p:clrMapOvr>
+    <a:masterClrMapping/>
+  </p:clrMapOvr>
+</p:sld>
+</file>
+
+<file path=ppt/slides/slide3.xml><?xml version="1.0" encoding="utf-8"?>
+<p:sld xmlns:a="http://schemas.openxmlformats.org/drawingml/2006/main" xmlns:r="http://schemas.openxmlformats.org/officeDocument/2006/relationships" xmlns:p="http://schemas.openxmlformats.org/presentationml/2006/main">
+  <p:cSld>
+    <p:bg>
+      <p:bgPr>
+        <a:blipFill>
+          <a:blip r:embed="rId3">
+            <a:alphaModFix/>
+          </a:blip>
+          <a:stretch>
+            <a:fillRect/>
+          </a:stretch>
+        </a:blipFill>
+        <a:effectLst/>
+      </p:bgPr>
+    </p:bg>
+    <p:spTree>
+      <p:nvGrpSpPr>
+        <p:cNvPr id="1" name="Shape 133"/>
+        <p:cNvGrpSpPr/>
+        <p:nvPr/>
+      </p:nvGrpSpPr>
+      <p:grpSpPr>
+        <a:xfrm>
+          <a:off x="0" y="0"/>
+          <a:ext cx="0" cy="0"/>
+          <a:chOff x="0" y="0"/>
+          <a:chExt cx="0" cy="0"/>
+        </a:xfrm>
+      </p:grpSpPr>
+      <p:pic>
+        <p:nvPicPr>
+          <p:cNvPr id="7" name="Рисунок 6">
+            <a:extLst>
+              <a:ext uri="{FF2B5EF4-FFF2-40B4-BE49-F238E27FC236}">
+                <a16:creationId xmlns:a16="http://schemas.microsoft.com/office/drawing/2014/main" id="{D6A2D8E1-6A8B-481B-B9F4-AC2CBAE4B83A}"/>
+              </a:ext>
+            </a:extLst>
+          </p:cNvPr>
+          <p:cNvPicPr>
+            <a:picLocks noChangeAspect="1"/>
+          </p:cNvPicPr>
+          <p:nvPr/>
+        </p:nvPicPr>
+        <p:blipFill rotWithShape="1">
+          <a:blip r:embed="rId4"/>
+          <a:srcRect l="13586"/>
+          <a:stretch/>
+        </p:blipFill>
+        <p:spPr>
+          <a:xfrm>
+            <a:off x="488739" y="520943"/>
+            <a:ext cx="10751129" cy="8602275"/>
+          </a:xfrm>
+          <a:prstGeom prst="rect">
+            <a:avLst/>
+          </a:prstGeom>
+        </p:spPr>
+      </p:pic>
+      <p:sp>
+        <p:nvSpPr>
+          <p:cNvPr id="2" name="TextBox 1">
+            <a:extLst>
+              <a:ext uri="{FF2B5EF4-FFF2-40B4-BE49-F238E27FC236}">
+                <a16:creationId xmlns:a16="http://schemas.microsoft.com/office/drawing/2014/main" id="{7159B5A4-7A0C-4BC3-AE55-46967AA73D6A}"/>
+              </a:ext>
+            </a:extLst>
+          </p:cNvPr>
+          <p:cNvSpPr txBox="1"/>
+          <p:nvPr/>
+        </p:nvSpPr>
+        <p:spPr>
+          <a:xfrm>
+            <a:off x="2382981" y="7910946"/>
+            <a:ext cx="14519564" cy="830997"/>
+          </a:xfrm>
+          <a:prstGeom prst="rect">
+            <a:avLst/>
+          </a:prstGeom>
+          <a:noFill/>
+        </p:spPr>
+        <p:txBody>
+          <a:bodyPr wrap="square" rtlCol="0">
+            <a:spAutoFit/>
+          </a:bodyPr>
+          <a:lstStyle/>
+          <a:p>
+            <a:endParaRPr lang="ru-RU" sz="4800" dirty="0">
+              <a:solidFill>
+                <a:schemeClr val="bg2"/>
+              </a:solidFill>
+              <a:latin typeface="+mj-lt"/>
+            </a:endParaRPr>
+          </a:p>
+        </p:txBody>
+      </p:sp>
+      <p:sp>
+        <p:nvSpPr>
+          <p:cNvPr id="6" name="Прямоугольник 5">
+            <a:extLst>
+              <a:ext uri="{FF2B5EF4-FFF2-40B4-BE49-F238E27FC236}">
+                <a16:creationId xmlns:a16="http://schemas.microsoft.com/office/drawing/2014/main" id="{35D44F19-0676-4177-ADB1-EFA2CA99F2D0}"/>
+              </a:ext>
+            </a:extLst>
+          </p:cNvPr>
+          <p:cNvSpPr/>
+          <p:nvPr/>
+        </p:nvSpPr>
+        <p:spPr>
+          <a:xfrm>
+            <a:off x="4347230" y="4021282"/>
+            <a:ext cx="3034146" cy="661555"/>
+          </a:xfrm>
+          <a:prstGeom prst="rect">
+            <a:avLst/>
+          </a:prstGeom>
+          <a:noFill/>
+          <a:ln w="57150">
+            <a:solidFill>
+              <a:schemeClr val="accent2"/>
+            </a:solidFill>
+          </a:ln>
+        </p:spPr>
+        <p:style>
+          <a:lnRef idx="2">
+            <a:schemeClr val="accent1">
+              <a:shade val="50000"/>
+            </a:schemeClr>
+          </a:lnRef>
+          <a:fillRef idx="1">
+            <a:schemeClr val="accent1"/>
+          </a:fillRef>
+          <a:effectRef idx="0">
+            <a:schemeClr val="accent1"/>
+          </a:effectRef>
+          <a:fontRef idx="minor">
+            <a:schemeClr val="lt1"/>
+          </a:fontRef>
+        </p:style>
+        <p:txBody>
+          <a:bodyPr rtlCol="0" anchor="ctr"/>
+          <a:lstStyle/>
+          <a:p>
+            <a:pPr algn="ctr"/>
+            <a:endParaRPr lang="ru-RU"/>
+          </a:p>
+        </p:txBody>
+      </p:sp>
+      <p:pic>
+        <p:nvPicPr>
+          <p:cNvPr id="9" name="Рисунок 8">
+            <a:extLst>
+              <a:ext uri="{FF2B5EF4-FFF2-40B4-BE49-F238E27FC236}">
+                <a16:creationId xmlns:a16="http://schemas.microsoft.com/office/drawing/2014/main" id="{FCA38DFB-4390-4FEF-AC14-E4D06DCA950D}"/>
+              </a:ext>
+            </a:extLst>
+          </p:cNvPr>
+          <p:cNvPicPr>
+            <a:picLocks noChangeAspect="1"/>
+          </p:cNvPicPr>
+          <p:nvPr/>
+        </p:nvPicPr>
+        <p:blipFill>
+          <a:blip r:embed="rId5"/>
+          <a:stretch>
+            <a:fillRect/>
+          </a:stretch>
+        </p:blipFill>
+        <p:spPr>
+          <a:xfrm>
+            <a:off x="7130866" y="6203977"/>
+            <a:ext cx="10898121" cy="3753374"/>
+          </a:xfrm>
+          <a:prstGeom prst="rect">
+            <a:avLst/>
+          </a:prstGeom>
+        </p:spPr>
+      </p:pic>
+      <p:sp>
+        <p:nvSpPr>
+          <p:cNvPr id="11" name="Прямоугольник 10">
+            <a:extLst>
+              <a:ext uri="{FF2B5EF4-FFF2-40B4-BE49-F238E27FC236}">
+                <a16:creationId xmlns:a16="http://schemas.microsoft.com/office/drawing/2014/main" id="{C412157E-F4B9-4053-A16F-86B8545914A7}"/>
+              </a:ext>
+            </a:extLst>
+          </p:cNvPr>
+          <p:cNvSpPr/>
+          <p:nvPr/>
+        </p:nvSpPr>
+        <p:spPr>
+          <a:xfrm>
+            <a:off x="7251870" y="7529671"/>
+            <a:ext cx="2113804" cy="463798"/>
+          </a:xfrm>
+          <a:prstGeom prst="rect">
+            <a:avLst/>
+          </a:prstGeom>
+          <a:noFill/>
+          <a:ln w="57150">
+            <a:solidFill>
+              <a:schemeClr val="accent2"/>
+            </a:solidFill>
+          </a:ln>
+        </p:spPr>
+        <p:style>
+          <a:lnRef idx="2">
+            <a:schemeClr val="accent1">
+              <a:shade val="50000"/>
+            </a:schemeClr>
+          </a:lnRef>
+          <a:fillRef idx="1">
+            <a:schemeClr val="accent1"/>
+          </a:fillRef>
+          <a:effectRef idx="0">
+            <a:schemeClr val="accent1"/>
+          </a:effectRef>
+          <a:fontRef idx="minor">
+            <a:schemeClr val="lt1"/>
+          </a:fontRef>
+        </p:style>
+        <p:txBody>
+          <a:bodyPr rtlCol="0" anchor="ctr"/>
+          <a:lstStyle/>
+          <a:p>
+            <a:pPr algn="ctr"/>
+            <a:endParaRPr lang="ru-RU"/>
+          </a:p>
+        </p:txBody>
+      </p:sp>
+    </p:spTree>
+    <p:extLst>
+      <p:ext uri="{BB962C8B-B14F-4D97-AF65-F5344CB8AC3E}">
+        <p14:creationId xmlns:p14="http://schemas.microsoft.com/office/powerpoint/2010/main" val="2480005953"/>
+      </p:ext>
+    </p:extLst>
+  </p:cSld>
+  <p:clrMapOvr>
+    <a:masterClrMapping/>
+  </p:clrMapOvr>
+</p:sld>
+</file>
+
+<file path=ppt/slides/slide4.xml><?xml version="1.0" encoding="utf-8"?>
+<p:sld xmlns:a="http://schemas.openxmlformats.org/drawingml/2006/main" xmlns:r="http://schemas.openxmlformats.org/officeDocument/2006/relationships" xmlns:p="http://schemas.openxmlformats.org/presentationml/2006/main">
+  <p:cSld>
+    <p:bg>
+      <p:bgPr>
+        <a:blipFill>
+          <a:blip r:embed="rId3">
+            <a:alphaModFix/>
+          </a:blip>
+          <a:stretch>
+            <a:fillRect/>
+          </a:stretch>
+        </a:blipFill>
+        <a:effectLst/>
+      </p:bgPr>
+    </p:bg>
+    <p:spTree>
+      <p:nvGrpSpPr>
+        <p:cNvPr id="1" name="Shape 90"/>
+        <p:cNvGrpSpPr/>
+        <p:nvPr/>
+      </p:nvGrpSpPr>
+      <p:grpSpPr>
+        <a:xfrm>
+          <a:off x="0" y="0"/>
+          <a:ext cx="0" cy="0"/>
+          <a:chOff x="0" y="0"/>
+          <a:chExt cx="0" cy="0"/>
+        </a:xfrm>
+      </p:grpSpPr>
+      <p:grpSp>
+        <p:nvGrpSpPr>
+          <p:cNvPr id="91" name="Google Shape;91;p14"/>
+          <p:cNvGrpSpPr/>
+          <p:nvPr/>
+        </p:nvGrpSpPr>
+        <p:grpSpPr>
+          <a:xfrm>
+            <a:off x="8115950" y="3900825"/>
+            <a:ext cx="9906525" cy="2498888"/>
+            <a:chOff x="-3595584" y="663123"/>
+            <a:chExt cx="13208700" cy="3331850"/>
+          </a:xfrm>
+        </p:grpSpPr>
+        <p:sp>
+          <p:nvSpPr>
+            <p:cNvPr id="92" name="Google Shape;92;p14"/>
+            <p:cNvSpPr txBox="1"/>
+            <p:nvPr/>
+          </p:nvSpPr>
+          <p:spPr>
+            <a:xfrm>
+              <a:off x="0" y="3461273"/>
+              <a:ext cx="8292300" cy="533700"/>
+            </a:xfrm>
+            <a:prstGeom prst="rect">
+              <a:avLst/>
+            </a:prstGeom>
+            <a:noFill/>
+            <a:ln>
+              <a:noFill/>
+            </a:ln>
+          </p:spPr>
+          <p:txBody>
+            <a:bodyPr spcFirstLastPara="1" wrap="square" lIns="0" tIns="0" rIns="0" bIns="0" anchor="t" anchorCtr="0">
+              <a:spAutoFit/>
+            </a:bodyPr>
+            <a:lstStyle/>
+            <a:p>
+              <a:pPr marL="0" marR="0" lvl="0" indent="0" algn="l" rtl="0">
+                <a:lnSpc>
+                  <a:spcPct val="140000"/>
+                </a:lnSpc>
+                <a:spcBef>
+                  <a:spcPts val="0"/>
+                </a:spcBef>
+                <a:spcAft>
+                  <a:spcPts val="0"/>
+                </a:spcAft>
+                <a:buNone/>
+              </a:pPr>
+              <a:r>
+                <a:rPr lang="en-US" sz="2600">
+                  <a:solidFill>
+                    <a:srgbClr val="2B2B2B"/>
+                  </a:solidFill>
+                  <a:latin typeface="Montserrat"/>
+                  <a:ea typeface="Montserrat"/>
+                  <a:cs typeface="Montserrat"/>
+                  <a:sym typeface="Montserrat"/>
+                </a:rPr>
+                <a:t>Какой он?</a:t>
+              </a:r>
+              <a:endParaRPr/>
+            </a:p>
+          </p:txBody>
+        </p:sp>
+        <p:sp>
+          <p:nvSpPr>
+            <p:cNvPr id="93" name="Google Shape;93;p14"/>
+            <p:cNvSpPr txBox="1"/>
+            <p:nvPr/>
+          </p:nvSpPr>
+          <p:spPr>
+            <a:xfrm>
+              <a:off x="-3595584" y="663123"/>
+              <a:ext cx="13208700" cy="3313800"/>
+            </a:xfrm>
+            <a:prstGeom prst="rect">
+              <a:avLst/>
+            </a:prstGeom>
+            <a:noFill/>
+            <a:ln>
+              <a:noFill/>
+            </a:ln>
+          </p:spPr>
+          <p:txBody>
+            <a:bodyPr spcFirstLastPara="1" wrap="square" lIns="0" tIns="0" rIns="0" bIns="0" anchor="t" anchorCtr="0">
+              <a:spAutoFit/>
+            </a:bodyPr>
+            <a:lstStyle/>
+            <a:p>
+              <a:pPr marL="0" marR="0" lvl="0" indent="0" algn="ctr" rtl="0">
+                <a:lnSpc>
+                  <a:spcPct val="120003"/>
+                </a:lnSpc>
+                <a:spcBef>
+                  <a:spcPts val="0"/>
+                </a:spcBef>
+                <a:spcAft>
+                  <a:spcPts val="0"/>
+                </a:spcAft>
+                <a:buClr>
+                  <a:schemeClr val="dk1"/>
+                </a:buClr>
+                <a:buSzPts val="1100"/>
+                <a:buFont typeface="Arial"/>
+                <a:buNone/>
+              </a:pPr>
+              <a:r>
+                <a:rPr lang="en-US" sz="4749" dirty="0">
+                  <a:solidFill>
+                    <a:srgbClr val="2B2B2B"/>
+                  </a:solidFill>
+                  <a:latin typeface="Montserrat"/>
+                  <a:ea typeface="Montserrat"/>
+                  <a:cs typeface="Montserrat"/>
+                  <a:sym typeface="Montserrat"/>
+                </a:rPr>
+                <a:t>HTML – Hyper</a:t>
+              </a:r>
+              <a:endParaRPr sz="4749" dirty="0">
+                <a:solidFill>
+                  <a:srgbClr val="2B2B2B"/>
+                </a:solidFill>
+                <a:latin typeface="Montserrat"/>
+                <a:ea typeface="Montserrat"/>
+                <a:cs typeface="Montserrat"/>
+                <a:sym typeface="Montserrat"/>
+              </a:endParaRPr>
+            </a:p>
+            <a:p>
+              <a:pPr marL="0" marR="0" lvl="0" indent="0" algn="ctr" rtl="0">
+                <a:lnSpc>
+                  <a:spcPct val="120003"/>
+                </a:lnSpc>
+                <a:spcBef>
+                  <a:spcPts val="0"/>
+                </a:spcBef>
+                <a:spcAft>
+                  <a:spcPts val="0"/>
+                </a:spcAft>
+                <a:buClr>
+                  <a:schemeClr val="dk1"/>
+                </a:buClr>
+                <a:buSzPts val="1100"/>
+                <a:buFont typeface="Arial"/>
+                <a:buNone/>
+              </a:pPr>
+              <a:r>
+                <a:rPr lang="en-US" sz="4749" dirty="0">
+                  <a:solidFill>
+                    <a:srgbClr val="2B2B2B"/>
+                  </a:solidFill>
+                  <a:latin typeface="Montserrat"/>
+                  <a:ea typeface="Montserrat"/>
+                  <a:cs typeface="Montserrat"/>
+                  <a:sym typeface="Montserrat"/>
+                </a:rPr>
+                <a:t>Text Markup Language</a:t>
+              </a:r>
+              <a:endParaRPr sz="4749" dirty="0">
+                <a:solidFill>
+                  <a:srgbClr val="2B2B2B"/>
+                </a:solidFill>
+                <a:latin typeface="Montserrat"/>
+                <a:ea typeface="Montserrat"/>
+                <a:cs typeface="Montserrat"/>
+                <a:sym typeface="Montserrat"/>
+              </a:endParaRPr>
+            </a:p>
+            <a:p>
+              <a:pPr marL="0" marR="0" lvl="0" indent="0" algn="ctr" rtl="0">
+                <a:lnSpc>
+                  <a:spcPct val="120003"/>
+                </a:lnSpc>
+                <a:spcBef>
+                  <a:spcPts val="0"/>
+                </a:spcBef>
+                <a:spcAft>
+                  <a:spcPts val="0"/>
+                </a:spcAft>
+                <a:buNone/>
+              </a:pPr>
+              <a:endParaRPr sz="4749" dirty="0">
+                <a:solidFill>
+                  <a:srgbClr val="2B2B2B"/>
+                </a:solidFill>
+                <a:latin typeface="Montserrat"/>
+                <a:ea typeface="Montserrat"/>
+                <a:cs typeface="Montserrat"/>
+                <a:sym typeface="Montserrat"/>
+              </a:endParaRPr>
+            </a:p>
+          </p:txBody>
+        </p:sp>
+      </p:grpSp>
+    </p:spTree>
+  </p:cSld>
+  <p:clrMapOvr>
+    <a:masterClrMapping/>
+  </p:clrMapOvr>
+</p:sld>
+</file>
+
+<file path=ppt/slides/slide5.xml><?xml version="1.0" encoding="utf-8"?>
+<p:sld xmlns:a="http://schemas.openxmlformats.org/drawingml/2006/main" xmlns:r="http://schemas.openxmlformats.org/officeDocument/2006/relationships" xmlns:p="http://schemas.openxmlformats.org/presentationml/2006/main">
+  <p:cSld>
+    <p:bg>
+      <p:bgPr>
+        <a:blipFill>
+          <a:blip r:embed="rId3">
+            <a:alphaModFix/>
+          </a:blip>
+          <a:stretch>
+            <a:fillRect/>
+          </a:stretch>
+        </a:blipFill>
+        <a:effectLst/>
+      </p:bgPr>
+    </p:bg>
+    <p:spTree>
+      <p:nvGrpSpPr>
+        <p:cNvPr id="1" name="Shape 97"/>
+        <p:cNvGrpSpPr/>
+        <p:nvPr/>
+      </p:nvGrpSpPr>
+      <p:grpSpPr>
+        <a:xfrm>
+          <a:off x="0" y="0"/>
+          <a:ext cx="0" cy="0"/>
+          <a:chOff x="0" y="0"/>
+          <a:chExt cx="0" cy="0"/>
+        </a:xfrm>
+      </p:grpSpPr>
+      <p:sp>
+        <p:nvSpPr>
+          <p:cNvPr id="99" name="Google Shape;99;p15"/>
+          <p:cNvSpPr txBox="1"/>
+          <p:nvPr/>
+        </p:nvSpPr>
+        <p:spPr>
+          <a:xfrm>
+            <a:off x="180824" y="3747975"/>
+            <a:ext cx="17954775" cy="5293727"/>
+          </a:xfrm>
+          <a:prstGeom prst="rect">
+            <a:avLst/>
+          </a:prstGeom>
+          <a:solidFill>
+            <a:srgbClr val="E5E5E5"/>
+          </a:solidFill>
+          <a:ln>
+            <a:noFill/>
+          </a:ln>
+        </p:spPr>
+        <p:txBody>
+          <a:bodyPr spcFirstLastPara="1" wrap="square" lIns="91425" tIns="91425" rIns="91425" bIns="91425" anchor="t" anchorCtr="0">
+            <a:spAutoFit/>
+          </a:bodyPr>
+          <a:lstStyle/>
+          <a:p>
+            <a:pPr marL="0" lvl="0" indent="0" algn="l" rtl="0">
+              <a:spcBef>
+                <a:spcPts val="0"/>
+              </a:spcBef>
+              <a:spcAft>
+                <a:spcPts val="0"/>
+              </a:spcAft>
+              <a:buClr>
+                <a:schemeClr val="dk1"/>
+              </a:buClr>
+              <a:buSzPts val="1100"/>
+              <a:buFont typeface="Arial"/>
+              <a:buNone/>
+            </a:pPr>
+            <a:r>
+              <a:rPr lang="ru-RU" sz="3600" b="1" i="0" dirty="0">
+                <a:solidFill>
+                  <a:srgbClr val="000000"/>
+                </a:solidFill>
+                <a:effectLst/>
+                <a:latin typeface="+mj-lt"/>
+              </a:rPr>
+              <a:t>Верстка</a:t>
+            </a:r>
+            <a:r>
+              <a:rPr lang="ru-RU" sz="3600" b="0" i="0" dirty="0">
+                <a:solidFill>
+                  <a:srgbClr val="000000"/>
+                </a:solidFill>
+                <a:effectLst/>
+                <a:latin typeface="+mj-lt"/>
+              </a:rPr>
+              <a:t> – это процесс создания веб-страницы на</a:t>
+            </a:r>
+            <a:br>
+              <a:rPr lang="ru-RU" sz="3600" b="0" i="0" dirty="0">
+                <a:solidFill>
+                  <a:srgbClr val="000000"/>
+                </a:solidFill>
+                <a:effectLst/>
+                <a:latin typeface="+mj-lt"/>
+              </a:rPr>
+            </a:br>
+            <a:r>
+              <a:rPr lang="ru-RU" sz="3600" b="0" i="0" dirty="0">
+                <a:solidFill>
+                  <a:srgbClr val="000000"/>
+                </a:solidFill>
+                <a:effectLst/>
+                <a:latin typeface="+mj-lt"/>
+              </a:rPr>
+              <a:t>основе определенного макета.</a:t>
+            </a:r>
+            <a:endParaRPr lang="en-US" sz="3600" b="0" i="0" dirty="0">
+              <a:solidFill>
+                <a:srgbClr val="000000"/>
+              </a:solidFill>
+              <a:effectLst/>
+              <a:latin typeface="+mj-lt"/>
+            </a:endParaRPr>
+          </a:p>
+          <a:p>
+            <a:pPr marL="0" lvl="0" indent="0" algn="l" rtl="0">
+              <a:spcBef>
+                <a:spcPts val="0"/>
+              </a:spcBef>
+              <a:spcAft>
+                <a:spcPts val="0"/>
+              </a:spcAft>
+              <a:buClr>
+                <a:schemeClr val="dk1"/>
+              </a:buClr>
+              <a:buSzPts val="1100"/>
+              <a:buFont typeface="Arial"/>
+              <a:buNone/>
+            </a:pPr>
+            <a:br>
+              <a:rPr lang="ru-RU" sz="3600" b="0" i="0" dirty="0">
+                <a:solidFill>
+                  <a:srgbClr val="000000"/>
+                </a:solidFill>
+                <a:effectLst/>
+                <a:latin typeface="+mj-lt"/>
+              </a:rPr>
+            </a:br>
+            <a:r>
+              <a:rPr lang="ru-RU" sz="3600" b="0" i="0" dirty="0">
+                <a:solidFill>
+                  <a:srgbClr val="000000"/>
+                </a:solidFill>
+                <a:effectLst/>
+                <a:latin typeface="+mj-lt"/>
+              </a:rPr>
+              <a:t>Чтобы страница «ожила», верстальщик переводит</a:t>
+            </a:r>
+            <a:r>
+              <a:rPr lang="en-US" sz="3600" b="0" i="0" dirty="0">
+                <a:solidFill>
+                  <a:srgbClr val="000000"/>
+                </a:solidFill>
+                <a:effectLst/>
+                <a:latin typeface="+mj-lt"/>
+              </a:rPr>
+              <a:t> </a:t>
+            </a:r>
+            <a:r>
+              <a:rPr lang="ru-RU" sz="3600" b="0" i="0" dirty="0">
+                <a:solidFill>
+                  <a:srgbClr val="000000"/>
+                </a:solidFill>
+                <a:effectLst/>
+                <a:latin typeface="+mj-lt"/>
+              </a:rPr>
+              <a:t>макет в формат, понятный браузеру.</a:t>
+            </a:r>
+            <a:r>
+              <a:rPr lang="ru-RU" sz="3600" dirty="0">
+                <a:latin typeface="+mj-lt"/>
+              </a:rPr>
+              <a:t> </a:t>
+            </a:r>
+            <a:endParaRPr lang="en-US" sz="3600" dirty="0">
+              <a:latin typeface="+mj-lt"/>
+            </a:endParaRPr>
+          </a:p>
+          <a:p>
+            <a:pPr marL="0" lvl="0" indent="0" algn="l" rtl="0">
+              <a:spcBef>
+                <a:spcPts val="0"/>
+              </a:spcBef>
+              <a:spcAft>
+                <a:spcPts val="0"/>
+              </a:spcAft>
+              <a:buClr>
+                <a:schemeClr val="dk1"/>
+              </a:buClr>
+              <a:buSzPts val="1100"/>
+              <a:buFont typeface="Arial"/>
+              <a:buNone/>
+            </a:pPr>
+            <a:endParaRPr lang="en-US" sz="3600" dirty="0">
+              <a:latin typeface="+mj-lt"/>
+            </a:endParaRPr>
+          </a:p>
+          <a:p>
+            <a:pPr marL="0" lvl="0" indent="0" algn="l" rtl="0">
+              <a:spcBef>
+                <a:spcPts val="0"/>
+              </a:spcBef>
+              <a:spcAft>
+                <a:spcPts val="0"/>
+              </a:spcAft>
+              <a:buClr>
+                <a:schemeClr val="dk1"/>
+              </a:buClr>
+              <a:buSzPts val="1100"/>
+              <a:buFont typeface="Arial"/>
+              <a:buNone/>
+            </a:pPr>
+            <a:r>
+              <a:rPr lang="ru-RU" sz="3600" b="0" i="0" dirty="0">
+                <a:solidFill>
+                  <a:srgbClr val="000000"/>
+                </a:solidFill>
+                <a:effectLst/>
+                <a:latin typeface="+mj-lt"/>
+              </a:rPr>
+              <a:t>Верстка — это не просто создание веб-страницы</a:t>
+            </a:r>
+            <a:r>
+              <a:rPr lang="en-US" sz="3600" b="0" i="0" dirty="0">
+                <a:solidFill>
+                  <a:srgbClr val="000000"/>
+                </a:solidFill>
+                <a:effectLst/>
+                <a:latin typeface="+mj-lt"/>
+              </a:rPr>
+              <a:t> </a:t>
+            </a:r>
+            <a:r>
+              <a:rPr lang="ru-RU" sz="3600" b="0" i="0" dirty="0">
+                <a:solidFill>
+                  <a:srgbClr val="000000"/>
+                </a:solidFill>
+                <a:effectLst/>
+                <a:latin typeface="+mj-lt"/>
+              </a:rPr>
+              <a:t>из картинки.</a:t>
+            </a:r>
+            <a:br>
+              <a:rPr lang="ru-RU" sz="3600" b="0" i="0" dirty="0">
+                <a:solidFill>
+                  <a:srgbClr val="000000"/>
+                </a:solidFill>
+                <a:effectLst/>
+                <a:latin typeface="+mj-lt"/>
+              </a:rPr>
+            </a:br>
+            <a:r>
+              <a:rPr lang="ru-RU" sz="3600" b="0" i="0" dirty="0">
+                <a:solidFill>
+                  <a:srgbClr val="000000"/>
+                </a:solidFill>
+                <a:effectLst/>
+                <a:latin typeface="+mj-lt"/>
+              </a:rPr>
+              <a:t>Это создание страницы, которой будет удобно</a:t>
+            </a:r>
+            <a:r>
+              <a:rPr lang="en-US" sz="3600" b="0" i="0" dirty="0">
+                <a:solidFill>
+                  <a:srgbClr val="000000"/>
+                </a:solidFill>
+                <a:effectLst/>
+                <a:latin typeface="+mj-lt"/>
+              </a:rPr>
+              <a:t> </a:t>
+            </a:r>
+            <a:r>
+              <a:rPr lang="ru-RU" sz="3600" b="0" i="0" dirty="0">
+                <a:solidFill>
+                  <a:srgbClr val="000000"/>
+                </a:solidFill>
+                <a:effectLst/>
+                <a:latin typeface="+mj-lt"/>
+              </a:rPr>
+              <a:t>пользоваться.</a:t>
+            </a:r>
+            <a:r>
+              <a:rPr lang="ru-RU" sz="3600" dirty="0">
+                <a:latin typeface="+mj-lt"/>
+              </a:rPr>
+              <a:t> </a:t>
+            </a:r>
+            <a:br>
+              <a:rPr lang="ru-RU" sz="9600" dirty="0">
+                <a:latin typeface="+mj-lt"/>
+              </a:rPr>
+            </a:br>
+            <a:endParaRPr sz="4400" dirty="0">
+              <a:latin typeface="+mj-lt"/>
+              <a:ea typeface="Calibri"/>
+              <a:cs typeface="Calibri"/>
+              <a:sym typeface="Calibri"/>
+            </a:endParaRPr>
+          </a:p>
+        </p:txBody>
+      </p:sp>
+      <p:sp>
+        <p:nvSpPr>
+          <p:cNvPr id="100" name="Google Shape;100;p15"/>
+          <p:cNvSpPr txBox="1"/>
+          <p:nvPr/>
+        </p:nvSpPr>
+        <p:spPr>
+          <a:xfrm>
+            <a:off x="10007900" y="3747975"/>
+            <a:ext cx="6678600" cy="400200"/>
+          </a:xfrm>
+          <a:prstGeom prst="rect">
+            <a:avLst/>
+          </a:prstGeom>
+          <a:noFill/>
+          <a:ln>
+            <a:noFill/>
+          </a:ln>
+        </p:spPr>
+        <p:txBody>
+          <a:bodyPr spcFirstLastPara="1" wrap="square" lIns="91425" tIns="91425" rIns="91425" bIns="91425" anchor="t" anchorCtr="0">
+            <a:spAutoFit/>
+          </a:bodyPr>
+          <a:lstStyle/>
+          <a:p>
+            <a:pPr marL="0" lvl="0" indent="0" algn="l" rtl="0">
+              <a:spcBef>
+                <a:spcPts val="0"/>
+              </a:spcBef>
+              <a:spcAft>
+                <a:spcPts val="0"/>
+              </a:spcAft>
+              <a:buNone/>
+            </a:pPr>
+            <a:endParaRPr>
+              <a:latin typeface="Calibri"/>
+              <a:ea typeface="Calibri"/>
+              <a:cs typeface="Calibri"/>
+              <a:sym typeface="Calibri"/>
+            </a:endParaRPr>
+          </a:p>
+        </p:txBody>
+      </p:sp>
+    </p:spTree>
+  </p:cSld>
+  <p:clrMapOvr>
+    <a:masterClrMapping/>
+  </p:clrMapOvr>
+</p:sld>
+</file>
+
+<file path=ppt/slides/slide6.xml><?xml version="1.0" encoding="utf-8"?>
+<p:sld xmlns:a="http://schemas.openxmlformats.org/drawingml/2006/main" xmlns:r="http://schemas.openxmlformats.org/officeDocument/2006/relationships" xmlns:p="http://schemas.openxmlformats.org/presentationml/2006/main">
+  <p:cSld>
+    <p:bg>
+      <p:bgPr>
+        <a:blipFill>
+          <a:blip r:embed="rId3">
+            <a:alphaModFix/>
+          </a:blip>
+          <a:stretch>
+            <a:fillRect/>
+          </a:stretch>
+        </a:blipFill>
+        <a:effectLst/>
+      </p:bgPr>
+    </p:bg>
+    <p:spTree>
+      <p:nvGrpSpPr>
+        <p:cNvPr id="1" name="Shape 105"/>
+        <p:cNvGrpSpPr/>
+        <p:nvPr/>
+      </p:nvGrpSpPr>
+      <p:grpSpPr>
+        <a:xfrm>
+          <a:off x="0" y="0"/>
+          <a:ext cx="0" cy="0"/>
+          <a:chOff x="0" y="0"/>
+          <a:chExt cx="0" cy="0"/>
+        </a:xfrm>
+      </p:grpSpPr>
+      <p:sp>
+        <p:nvSpPr>
+          <p:cNvPr id="106" name="Google Shape;106;p16"/>
+          <p:cNvSpPr txBox="1"/>
+          <p:nvPr/>
+        </p:nvSpPr>
+        <p:spPr>
+          <a:xfrm>
+            <a:off x="1701000" y="2447100"/>
+            <a:ext cx="5742000" cy="3034800"/>
+          </a:xfrm>
+          <a:prstGeom prst="rect">
+            <a:avLst/>
+          </a:prstGeom>
+          <a:noFill/>
+          <a:ln>
+            <a:noFill/>
+          </a:ln>
+        </p:spPr>
+        <p:txBody>
+          <a:bodyPr spcFirstLastPara="1" wrap="square" lIns="0" tIns="0" rIns="0" bIns="0" anchor="t" anchorCtr="0">
+            <a:spAutoFit/>
+          </a:bodyPr>
+          <a:lstStyle/>
+          <a:p>
+            <a:pPr marL="0" marR="0" lvl="0" indent="0" algn="l" rtl="0">
+              <a:lnSpc>
+                <a:spcPct val="120003"/>
+              </a:lnSpc>
+              <a:spcBef>
+                <a:spcPts val="0"/>
+              </a:spcBef>
+              <a:spcAft>
+                <a:spcPts val="0"/>
+              </a:spcAft>
+              <a:buNone/>
+            </a:pPr>
+            <a:r>
+              <a:rPr lang="en-US" sz="5799" dirty="0" err="1">
+                <a:solidFill>
+                  <a:schemeClr val="lt1"/>
+                </a:solidFill>
+                <a:latin typeface="Montserrat"/>
+                <a:ea typeface="Montserrat"/>
+                <a:cs typeface="Montserrat"/>
+                <a:sym typeface="Montserrat"/>
+              </a:rPr>
+              <a:t>Как</a:t>
+            </a:r>
+            <a:r>
+              <a:rPr lang="en-US" sz="5799" dirty="0">
+                <a:solidFill>
+                  <a:schemeClr val="lt1"/>
+                </a:solidFill>
+                <a:latin typeface="Montserrat"/>
+                <a:ea typeface="Montserrat"/>
+                <a:cs typeface="Montserrat"/>
+                <a:sym typeface="Montserrat"/>
+              </a:rPr>
+              <a:t> </a:t>
+            </a:r>
+            <a:r>
+              <a:rPr lang="en-US" sz="5799" dirty="0" err="1">
+                <a:solidFill>
+                  <a:schemeClr val="lt1"/>
+                </a:solidFill>
+                <a:latin typeface="Montserrat"/>
+                <a:ea typeface="Montserrat"/>
+                <a:cs typeface="Montserrat"/>
+                <a:sym typeface="Montserrat"/>
+              </a:rPr>
+              <a:t>выглядит</a:t>
+            </a:r>
+            <a:r>
+              <a:rPr lang="en-US" sz="5799" dirty="0">
+                <a:solidFill>
+                  <a:schemeClr val="lt1"/>
+                </a:solidFill>
+                <a:latin typeface="Montserrat"/>
+                <a:ea typeface="Montserrat"/>
+                <a:cs typeface="Montserrat"/>
+                <a:sym typeface="Montserrat"/>
+              </a:rPr>
+              <a:t> </a:t>
+            </a:r>
+            <a:r>
+              <a:rPr lang="en-US" sz="5799" dirty="0" err="1">
+                <a:solidFill>
+                  <a:schemeClr val="lt1"/>
+                </a:solidFill>
+                <a:latin typeface="Montserrat"/>
+                <a:ea typeface="Montserrat"/>
+                <a:cs typeface="Montserrat"/>
+                <a:sym typeface="Montserrat"/>
+              </a:rPr>
+              <a:t>структура</a:t>
+            </a:r>
+            <a:r>
+              <a:rPr lang="en-US" sz="5799" dirty="0">
+                <a:solidFill>
+                  <a:schemeClr val="lt1"/>
+                </a:solidFill>
+                <a:latin typeface="Montserrat"/>
+                <a:ea typeface="Montserrat"/>
+                <a:cs typeface="Montserrat"/>
+                <a:sym typeface="Montserrat"/>
+              </a:rPr>
+              <a:t> </a:t>
+            </a:r>
+            <a:r>
+              <a:rPr lang="en-US" sz="5799" dirty="0" err="1">
+                <a:solidFill>
+                  <a:schemeClr val="lt1"/>
+                </a:solidFill>
+                <a:latin typeface="Montserrat"/>
+                <a:ea typeface="Montserrat"/>
+                <a:cs typeface="Montserrat"/>
+                <a:sym typeface="Montserrat"/>
+              </a:rPr>
+              <a:t>сайта</a:t>
+            </a:r>
+            <a:endParaRPr dirty="0">
+              <a:solidFill>
+                <a:schemeClr val="lt1"/>
+              </a:solidFill>
+            </a:endParaRPr>
+          </a:p>
+        </p:txBody>
+      </p:sp>
+      <p:pic>
+        <p:nvPicPr>
+          <p:cNvPr id="107" name="Google Shape;107;p16"/>
+          <p:cNvPicPr preferRelativeResize="0"/>
+          <p:nvPr/>
+        </p:nvPicPr>
+        <p:blipFill>
+          <a:blip r:embed="rId4">
+            <a:alphaModFix/>
+          </a:blip>
+          <a:stretch>
+            <a:fillRect/>
+          </a:stretch>
+        </p:blipFill>
+        <p:spPr>
+          <a:xfrm>
+            <a:off x="9984900" y="192900"/>
+            <a:ext cx="6377100" cy="9427525"/>
+          </a:xfrm>
+          <a:prstGeom prst="rect">
+            <a:avLst/>
+          </a:prstGeom>
+          <a:noFill/>
+          <a:ln>
+            <a:noFill/>
+          </a:ln>
+        </p:spPr>
+      </p:pic>
+    </p:spTree>
+  </p:cSld>
+  <p:clrMapOvr>
+    <a:masterClrMapping/>
+  </p:clrMapOvr>
+</p:sld>
+</file>
+
+<file path=ppt/slides/slide7.xml><?xml version="1.0" encoding="utf-8"?>
+<p:sld xmlns:a="http://schemas.openxmlformats.org/drawingml/2006/main" xmlns:r="http://schemas.openxmlformats.org/officeDocument/2006/relationships" xmlns:p="http://schemas.openxmlformats.org/presentationml/2006/main">
+  <p:cSld>
+    <p:bg>
+      <p:bgPr>
+        <a:blipFill>
+          <a:blip r:embed="rId3">
+            <a:alphaModFix/>
+          </a:blip>
+          <a:stretch>
+            <a:fillRect/>
+          </a:stretch>
+        </a:blipFill>
+        <a:effectLst/>
+      </p:bgPr>
+    </p:bg>
+    <p:spTree>
+      <p:nvGrpSpPr>
+        <p:cNvPr id="1" name="Shape 123"/>
+        <p:cNvGrpSpPr/>
+        <p:nvPr/>
+      </p:nvGrpSpPr>
+      <p:grpSpPr>
+        <a:xfrm>
+          <a:off x="0" y="0"/>
+          <a:ext cx="0" cy="0"/>
+          <a:chOff x="0" y="0"/>
+          <a:chExt cx="0" cy="0"/>
+        </a:xfrm>
+      </p:grpSpPr>
+      <p:sp>
+        <p:nvSpPr>
+          <p:cNvPr id="3" name="Google Shape;106;p16">
+            <a:extLst>
+              <a:ext uri="{FF2B5EF4-FFF2-40B4-BE49-F238E27FC236}">
+                <a16:creationId xmlns:a16="http://schemas.microsoft.com/office/drawing/2014/main" id="{8093BA91-CEBB-44D1-88B5-ED83A5DDD258}"/>
+              </a:ext>
+            </a:extLst>
+          </p:cNvPr>
+          <p:cNvSpPr txBox="1"/>
+          <p:nvPr/>
+        </p:nvSpPr>
+        <p:spPr>
+          <a:xfrm>
+            <a:off x="648056" y="1006227"/>
+            <a:ext cx="12430636" cy="1107996"/>
+          </a:xfrm>
+          <a:prstGeom prst="rect">
+            <a:avLst/>
+          </a:prstGeom>
+          <a:noFill/>
+          <a:ln>
+            <a:noFill/>
+          </a:ln>
+        </p:spPr>
+        <p:txBody>
+          <a:bodyPr spcFirstLastPara="1" wrap="square" lIns="0" tIns="0" rIns="0" bIns="0" anchor="t" anchorCtr="0">
+            <a:spAutoFit/>
+          </a:bodyPr>
+          <a:lstStyle/>
+          <a:p>
+            <a:pPr marL="0" marR="0" lvl="0" indent="0" algn="l" rtl="0">
+              <a:lnSpc>
+                <a:spcPct val="120003"/>
+              </a:lnSpc>
+              <a:spcBef>
+                <a:spcPts val="0"/>
+              </a:spcBef>
+              <a:spcAft>
+                <a:spcPts val="0"/>
+              </a:spcAft>
+              <a:buNone/>
+            </a:pPr>
+            <a:r>
+              <a:rPr lang="ru-RU" sz="6000" b="0" i="0" dirty="0">
+                <a:solidFill>
+                  <a:schemeClr val="bg1"/>
+                </a:solidFill>
+                <a:effectLst/>
+                <a:latin typeface="+mn-lt"/>
+              </a:rPr>
+              <a:t>HTML</a:t>
+            </a:r>
+            <a:endParaRPr dirty="0">
+              <a:solidFill>
+                <a:schemeClr val="bg1"/>
+              </a:solidFill>
+            </a:endParaRPr>
+          </a:p>
+        </p:txBody>
+      </p:sp>
+      <p:sp>
+        <p:nvSpPr>
+          <p:cNvPr id="6" name="TextBox 5">
+            <a:extLst>
+              <a:ext uri="{FF2B5EF4-FFF2-40B4-BE49-F238E27FC236}">
+                <a16:creationId xmlns:a16="http://schemas.microsoft.com/office/drawing/2014/main" id="{1F9AB468-64F3-498A-B87B-118F69E807CB}"/>
+              </a:ext>
+            </a:extLst>
+          </p:cNvPr>
+          <p:cNvSpPr txBox="1"/>
+          <p:nvPr/>
+        </p:nvSpPr>
+        <p:spPr>
+          <a:xfrm>
+            <a:off x="5846618" y="3621797"/>
+            <a:ext cx="12441382" cy="5447645"/>
+          </a:xfrm>
+          <a:prstGeom prst="rect">
+            <a:avLst/>
+          </a:prstGeom>
+          <a:noFill/>
+        </p:spPr>
+        <p:txBody>
+          <a:bodyPr wrap="square">
+            <a:spAutoFit/>
+          </a:bodyPr>
+          <a:lstStyle/>
+          <a:p>
+            <a:br>
+              <a:rPr lang="ru-RU" sz="6000" b="0" i="0" dirty="0">
+                <a:solidFill>
+                  <a:srgbClr val="000000"/>
+                </a:solidFill>
+                <a:effectLst/>
+                <a:latin typeface="+mn-lt"/>
+              </a:rPr>
+            </a:br>
+            <a:r>
+              <a:rPr lang="ru-RU" sz="3600" b="0" i="0" dirty="0">
+                <a:solidFill>
+                  <a:srgbClr val="000000"/>
+                </a:solidFill>
+                <a:effectLst/>
+                <a:latin typeface="+mn-lt"/>
+              </a:rPr>
+              <a:t>HTML — это язык описания структуры </a:t>
+            </a:r>
+            <a:r>
+              <a:rPr lang="ru-RU" sz="3600" b="0" i="0" dirty="0" err="1">
+                <a:solidFill>
+                  <a:srgbClr val="000000"/>
+                </a:solidFill>
+                <a:effectLst/>
+                <a:latin typeface="+mn-lt"/>
+              </a:rPr>
+              <a:t>вебстраницы</a:t>
+            </a:r>
+            <a:r>
+              <a:rPr lang="ru-RU" sz="3600" b="0" i="0" dirty="0">
+                <a:solidFill>
+                  <a:srgbClr val="000000"/>
+                </a:solidFill>
+                <a:effectLst/>
+                <a:latin typeface="+mn-lt"/>
+              </a:rPr>
+              <a:t>.</a:t>
+            </a:r>
+            <a:br>
+              <a:rPr lang="ru-RU" sz="3600" b="0" i="0" dirty="0">
+                <a:solidFill>
+                  <a:srgbClr val="000000"/>
+                </a:solidFill>
+                <a:effectLst/>
+                <a:latin typeface="+mn-lt"/>
+              </a:rPr>
+            </a:br>
+            <a:endParaRPr lang="ru-RU" sz="3600" b="0" i="0" dirty="0">
+              <a:solidFill>
+                <a:srgbClr val="000000"/>
+              </a:solidFill>
+              <a:effectLst/>
+              <a:latin typeface="+mn-lt"/>
+            </a:endParaRPr>
+          </a:p>
+          <a:p>
+            <a:r>
+              <a:rPr lang="ru-RU" sz="3600" b="0" i="0" dirty="0">
+                <a:solidFill>
+                  <a:srgbClr val="000000"/>
+                </a:solidFill>
+                <a:effectLst/>
+                <a:latin typeface="+mn-lt"/>
+              </a:rPr>
+              <a:t>Структура страницы формируется с помощью </a:t>
+            </a:r>
+            <a:r>
+              <a:rPr lang="ru-RU" sz="3600" b="1" i="0" dirty="0">
+                <a:solidFill>
+                  <a:srgbClr val="000000"/>
+                </a:solidFill>
+                <a:effectLst/>
+                <a:latin typeface="+mn-lt"/>
+              </a:rPr>
+              <a:t>тегов</a:t>
+            </a:r>
+            <a:r>
+              <a:rPr lang="ru-RU" sz="3600" b="0" i="0" dirty="0">
+                <a:solidFill>
+                  <a:srgbClr val="000000"/>
+                </a:solidFill>
+                <a:effectLst/>
+                <a:latin typeface="+mn-lt"/>
+              </a:rPr>
+              <a:t>.</a:t>
+            </a:r>
+          </a:p>
+          <a:p>
+            <a:br>
+              <a:rPr lang="ru-RU" sz="3600" b="0" i="0" dirty="0">
+                <a:solidFill>
+                  <a:srgbClr val="000000"/>
+                </a:solidFill>
+                <a:effectLst/>
+                <a:latin typeface="+mn-lt"/>
+              </a:rPr>
+            </a:br>
+            <a:r>
+              <a:rPr lang="ru-RU" sz="3600" b="0" i="0" dirty="0">
+                <a:solidFill>
+                  <a:srgbClr val="000000"/>
+                </a:solidFill>
+                <a:effectLst/>
+                <a:latin typeface="+mn-lt"/>
+              </a:rPr>
+              <a:t>HTML-теги — это специальные слова, которые «разбивают» страницу на определенные элементы: заголовки, абзацы, ссылки, картинки и т.д.</a:t>
+            </a:r>
+            <a:r>
+              <a:rPr lang="ru-RU" sz="3600" dirty="0">
+                <a:latin typeface="+mn-lt"/>
+              </a:rPr>
+              <a:t> </a:t>
+            </a:r>
+            <a:br>
+              <a:rPr lang="ru-RU" sz="3600" dirty="0">
+                <a:latin typeface="+mn-lt"/>
+              </a:rPr>
+            </a:br>
+            <a:endParaRPr lang="ru-RU" sz="3600" dirty="0">
+              <a:latin typeface="+mn-lt"/>
+            </a:endParaRPr>
+          </a:p>
+        </p:txBody>
+      </p:sp>
+    </p:spTree>
+    <p:extLst>
+      <p:ext uri="{BB962C8B-B14F-4D97-AF65-F5344CB8AC3E}">
+        <p14:creationId xmlns:p14="http://schemas.microsoft.com/office/powerpoint/2010/main" val="1895215716"/>
+      </p:ext>
+    </p:extLst>
+  </p:cSld>
+  <p:clrMapOvr>
+    <a:masterClrMapping/>
+  </p:clrMapOvr>
+</p:sld>
+</file>
+
+<file path=ppt/slides/slide8.xml><?xml version="1.0" encoding="utf-8"?>
+<p:sld xmlns:a="http://schemas.openxmlformats.org/drawingml/2006/main" xmlns:r="http://schemas.openxmlformats.org/officeDocument/2006/relationships" xmlns:p="http://schemas.openxmlformats.org/presentationml/2006/main">
+  <p:cSld>
+    <p:bg>
+      <p:bgPr>
+        <a:blipFill>
+          <a:blip r:embed="rId3">
+            <a:alphaModFix/>
+          </a:blip>
+          <a:stretch>
+            <a:fillRect/>
+          </a:stretch>
+        </a:blipFill>
+        <a:effectLst/>
+      </p:bgPr>
+    </p:bg>
+    <p:spTree>
+      <p:nvGrpSpPr>
+        <p:cNvPr id="1" name="Shape 123"/>
+        <p:cNvGrpSpPr/>
+        <p:nvPr/>
+      </p:nvGrpSpPr>
+      <p:grpSpPr>
+        <a:xfrm>
+          <a:off x="0" y="0"/>
+          <a:ext cx="0" cy="0"/>
+          <a:chOff x="0" y="0"/>
+          <a:chExt cx="0" cy="0"/>
+        </a:xfrm>
+      </p:grpSpPr>
+      <p:sp>
+        <p:nvSpPr>
+          <p:cNvPr id="3" name="Google Shape;106;p16">
+            <a:extLst>
+              <a:ext uri="{FF2B5EF4-FFF2-40B4-BE49-F238E27FC236}">
+                <a16:creationId xmlns:a16="http://schemas.microsoft.com/office/drawing/2014/main" id="{8093BA91-CEBB-44D1-88B5-ED83A5DDD258}"/>
+              </a:ext>
+            </a:extLst>
+          </p:cNvPr>
+          <p:cNvSpPr txBox="1"/>
+          <p:nvPr/>
+        </p:nvSpPr>
+        <p:spPr>
+          <a:xfrm>
+            <a:off x="648056" y="1006227"/>
+            <a:ext cx="12430636" cy="1107996"/>
+          </a:xfrm>
+          <a:prstGeom prst="rect">
+            <a:avLst/>
+          </a:prstGeom>
+          <a:noFill/>
+          <a:ln>
+            <a:noFill/>
+          </a:ln>
+        </p:spPr>
+        <p:txBody>
+          <a:bodyPr spcFirstLastPara="1" wrap="square" lIns="0" tIns="0" rIns="0" bIns="0" anchor="t" anchorCtr="0">
+            <a:spAutoFit/>
+          </a:bodyPr>
+          <a:lstStyle/>
+          <a:p>
+            <a:pPr marL="0" marR="0" lvl="0" indent="0" algn="l" rtl="0">
+              <a:lnSpc>
+                <a:spcPct val="120003"/>
+              </a:lnSpc>
+              <a:spcBef>
+                <a:spcPts val="0"/>
+              </a:spcBef>
+              <a:spcAft>
+                <a:spcPts val="0"/>
+              </a:spcAft>
+              <a:buNone/>
+            </a:pPr>
+            <a:r>
+              <a:rPr lang="ru-RU" sz="6000" b="0" i="0" dirty="0">
+                <a:solidFill>
+                  <a:schemeClr val="bg1"/>
+                </a:solidFill>
+                <a:effectLst/>
+                <a:latin typeface="+mn-lt"/>
+              </a:rPr>
+              <a:t>Теги</a:t>
+            </a:r>
+            <a:endParaRPr dirty="0">
+              <a:solidFill>
+                <a:schemeClr val="bg1"/>
+              </a:solidFill>
+            </a:endParaRPr>
+          </a:p>
+        </p:txBody>
+      </p:sp>
+      <p:pic>
+        <p:nvPicPr>
+          <p:cNvPr id="7" name="Рисунок 6">
+            <a:extLst>
+              <a:ext uri="{FF2B5EF4-FFF2-40B4-BE49-F238E27FC236}">
+                <a16:creationId xmlns:a16="http://schemas.microsoft.com/office/drawing/2014/main" id="{C96C6F8D-774A-44DB-8C82-FF46B6C4D45A}"/>
+              </a:ext>
+            </a:extLst>
+          </p:cNvPr>
+          <p:cNvPicPr>
+            <a:picLocks noChangeAspect="1"/>
+          </p:cNvPicPr>
+          <p:nvPr/>
+        </p:nvPicPr>
+        <p:blipFill>
+          <a:blip r:embed="rId4"/>
+          <a:stretch>
+            <a:fillRect/>
+          </a:stretch>
+        </p:blipFill>
+        <p:spPr>
+          <a:xfrm>
+            <a:off x="5909786" y="3281072"/>
+            <a:ext cx="11843994" cy="6367089"/>
+          </a:xfrm>
+          <a:prstGeom prst="rect">
+            <a:avLst/>
+          </a:prstGeom>
+        </p:spPr>
+      </p:pic>
+      <p:sp>
+        <p:nvSpPr>
+          <p:cNvPr id="9" name="TextBox 8">
+            <a:extLst>
+              <a:ext uri="{FF2B5EF4-FFF2-40B4-BE49-F238E27FC236}">
+                <a16:creationId xmlns:a16="http://schemas.microsoft.com/office/drawing/2014/main" id="{F3C86D22-43FB-4038-ACC0-2EA4C02674AD}"/>
+              </a:ext>
+            </a:extLst>
+          </p:cNvPr>
+          <p:cNvSpPr txBox="1"/>
+          <p:nvPr/>
+        </p:nvSpPr>
+        <p:spPr>
+          <a:xfrm>
+            <a:off x="374072" y="3648462"/>
+            <a:ext cx="5001492" cy="5632311"/>
+          </a:xfrm>
+          <a:prstGeom prst="rect">
+            <a:avLst/>
+          </a:prstGeom>
+          <a:noFill/>
+        </p:spPr>
+        <p:txBody>
+          <a:bodyPr wrap="square">
+            <a:spAutoFit/>
+          </a:bodyPr>
+          <a:lstStyle/>
+          <a:p>
+            <a:pPr algn="ctr"/>
+            <a:r>
+              <a:rPr lang="ru-RU" sz="4000" b="1" i="0" dirty="0">
+                <a:solidFill>
+                  <a:srgbClr val="000000"/>
+                </a:solidFill>
+                <a:effectLst/>
+                <a:latin typeface="+mn-lt"/>
+              </a:rPr>
+              <a:t>Парные теги</a:t>
+            </a:r>
+          </a:p>
+          <a:p>
+            <a:endParaRPr lang="ru-RU" sz="4000" dirty="0">
+              <a:latin typeface="+mn-lt"/>
+            </a:endParaRPr>
+          </a:p>
+          <a:p>
+            <a:r>
+              <a:rPr lang="ru-RU" sz="4000" b="0" i="0" dirty="0">
+                <a:solidFill>
+                  <a:srgbClr val="000000"/>
+                </a:solidFill>
+                <a:effectLst/>
+                <a:latin typeface="+mn-lt"/>
+              </a:rPr>
+              <a:t>Для создания закрывающего тега нужно написать открывающий тег, но после символа &lt; добавить обратный слеш /.</a:t>
+            </a:r>
+            <a:r>
+              <a:rPr lang="ru-RU" sz="4000" dirty="0">
+                <a:latin typeface="+mn-lt"/>
+              </a:rPr>
+              <a:t>  </a:t>
+            </a:r>
+          </a:p>
+        </p:txBody>
+      </p:sp>
+    </p:spTree>
+    <p:extLst>
+      <p:ext uri="{BB962C8B-B14F-4D97-AF65-F5344CB8AC3E}">
+        <p14:creationId xmlns:p14="http://schemas.microsoft.com/office/powerpoint/2010/main" val="2093209441"/>
+      </p:ext>
+    </p:extLst>
+  </p:cSld>
+  <p:clrMapOvr>
+    <a:masterClrMapping/>
+  </p:clrMapOvr>
+</p:sld>
+</file>
+
+<file path=ppt/slides/slide9.xml><?xml version="1.0" encoding="utf-8"?>
+<p:sld xmlns:a="http://schemas.openxmlformats.org/drawingml/2006/main" xmlns:r="http://schemas.openxmlformats.org/officeDocument/2006/relationships" xmlns:p="http://schemas.openxmlformats.org/presentationml/2006/main">
+  <p:cSld>
+    <p:bg>
+      <p:bgPr>
+        <a:blipFill>
+          <a:blip r:embed="rId3">
+            <a:alphaModFix/>
+          </a:blip>
+          <a:stretch>
+            <a:fillRect/>
+          </a:stretch>
+        </a:blipFill>
+        <a:effectLst/>
+      </p:bgPr>
+    </p:bg>
+    <p:spTree>
+      <p:nvGrpSpPr>
+        <p:cNvPr id="1" name="Shape 123"/>
+        <p:cNvGrpSpPr/>
+        <p:nvPr/>
+      </p:nvGrpSpPr>
+      <p:grpSpPr>
+        <a:xfrm>
+          <a:off x="0" y="0"/>
+          <a:ext cx="0" cy="0"/>
+          <a:chOff x="0" y="0"/>
+          <a:chExt cx="0" cy="0"/>
+        </a:xfrm>
+      </p:grpSpPr>
+      <p:pic>
+        <p:nvPicPr>
+          <p:cNvPr id="5" name="Рисунок 4">
+            <a:extLst>
+              <a:ext uri="{FF2B5EF4-FFF2-40B4-BE49-F238E27FC236}">
+                <a16:creationId xmlns:a16="http://schemas.microsoft.com/office/drawing/2014/main" id="{A7EC4321-FB1E-47AE-BB37-ECAB18E1CEA2}"/>
+              </a:ext>
+            </a:extLst>
+          </p:cNvPr>
+          <p:cNvPicPr>
+            <a:picLocks noChangeAspect="1"/>
+          </p:cNvPicPr>
+          <p:nvPr/>
+        </p:nvPicPr>
+        <p:blipFill>
+          <a:blip r:embed="rId4"/>
+          <a:stretch>
+            <a:fillRect/>
+          </a:stretch>
+        </p:blipFill>
+        <p:spPr>
+          <a:xfrm>
+            <a:off x="0" y="0"/>
+            <a:ext cx="18288000" cy="10287000"/>
+          </a:xfrm>
+          <a:prstGeom prst="rect">
+            <a:avLst/>
+          </a:prstGeom>
+        </p:spPr>
+      </p:pic>
+    </p:spTree>
+    <p:extLst>
+      <p:ext uri="{BB962C8B-B14F-4D97-AF65-F5344CB8AC3E}">
+        <p14:creationId xmlns:p14="http://schemas.microsoft.com/office/powerpoint/2010/main" val="3912403991"/>
+      </p:ext>
+    </p:extLst>
   </p:cSld>
   <p:clrMapOvr>
     <a:masterClrMapping/>

--- a/Презентации/1 Урок. HTML.pptx
+++ b/Презентации/1 Урок. HTML.pptx
@@ -15119,34 +15119,1267 @@
           <a:chExt cx="0" cy="0"/>
         </a:xfrm>
       </p:grpSpPr>
-      <p:pic>
-        <p:nvPicPr>
-          <p:cNvPr id="124" name="Google Shape;124;p18"/>
-          <p:cNvPicPr preferRelativeResize="0"/>
-          <p:nvPr/>
-        </p:nvPicPr>
-        <p:blipFill>
-          <a:blip r:embed="rId4">
-            <a:alphaModFix/>
-          </a:blip>
-          <a:stretch>
-            <a:fillRect/>
-          </a:stretch>
-        </p:blipFill>
-        <p:spPr>
-          <a:xfrm>
-            <a:off x="988541" y="1110714"/>
-            <a:ext cx="16310917" cy="8792601"/>
-          </a:xfrm>
-          <a:prstGeom prst="rect">
-            <a:avLst/>
-          </a:prstGeom>
-          <a:noFill/>
-          <a:ln>
-            <a:noFill/>
-          </a:ln>
-        </p:spPr>
-      </p:pic>
+      <p:graphicFrame>
+        <p:nvGraphicFramePr>
+          <p:cNvPr id="2" name="Таблица 2">
+            <a:extLst>
+              <a:ext uri="{FF2B5EF4-FFF2-40B4-BE49-F238E27FC236}">
+                <a16:creationId xmlns:a16="http://schemas.microsoft.com/office/drawing/2014/main" id="{24275BD7-03D9-4978-91B0-178413EAE926}"/>
+              </a:ext>
+            </a:extLst>
+          </p:cNvPr>
+          <p:cNvGraphicFramePr>
+            <a:graphicFrameLocks noGrp="1"/>
+          </p:cNvGraphicFramePr>
+          <p:nvPr>
+            <p:extLst>
+              <p:ext uri="{D42A27DB-BD31-4B8C-83A1-F6EECF244321}">
+                <p14:modId xmlns:p14="http://schemas.microsoft.com/office/powerpoint/2010/main" val="852853244"/>
+              </p:ext>
+            </p:extLst>
+          </p:nvPr>
+        </p:nvGraphicFramePr>
+        <p:xfrm>
+          <a:off x="3228110" y="3688542"/>
+          <a:ext cx="12192000" cy="4968240"/>
+        </p:xfrm>
+        <a:graphic>
+          <a:graphicData uri="http://schemas.openxmlformats.org/drawingml/2006/table">
+            <a:tbl>
+              <a:tblPr firstRow="1" bandRow="1">
+                <a:tableStyleId>{B8D7657A-F7EE-4CFB-A9D0-9DAC32581843}</a:tableStyleId>
+              </a:tblPr>
+              <a:tblGrid>
+                <a:gridCol w="4064000">
+                  <a:extLst>
+                    <a:ext uri="{9D8B030D-6E8A-4147-A177-3AD203B41FA5}">
+                      <a16:colId xmlns:a16="http://schemas.microsoft.com/office/drawing/2014/main" val="2163398290"/>
+                    </a:ext>
+                  </a:extLst>
+                </a:gridCol>
+                <a:gridCol w="4064000">
+                  <a:extLst>
+                    <a:ext uri="{9D8B030D-6E8A-4147-A177-3AD203B41FA5}">
+                      <a16:colId xmlns:a16="http://schemas.microsoft.com/office/drawing/2014/main" val="3689191085"/>
+                    </a:ext>
+                  </a:extLst>
+                </a:gridCol>
+                <a:gridCol w="4064000">
+                  <a:extLst>
+                    <a:ext uri="{9D8B030D-6E8A-4147-A177-3AD203B41FA5}">
+                      <a16:colId xmlns:a16="http://schemas.microsoft.com/office/drawing/2014/main" val="385973161"/>
+                    </a:ext>
+                  </a:extLst>
+                </a:gridCol>
+              </a:tblGrid>
+              <a:tr h="217285">
+                <a:tc>
+                  <a:txBody>
+                    <a:bodyPr/>
+                    <a:lstStyle/>
+                    <a:p>
+                      <a:pPr algn="ctr"/>
+                      <a:r>
+                        <a:rPr lang="ru-RU" sz="2400" b="1" i="1" dirty="0">
+                          <a:latin typeface="+mn-lt"/>
+                        </a:rPr>
+                        <a:t>Тег</a:t>
+                      </a:r>
+                    </a:p>
+                  </a:txBody>
+                  <a:tcPr>
+                    <a:solidFill>
+                      <a:srgbClr val="FBFBFB"/>
+                    </a:solidFill>
+                  </a:tcPr>
+                </a:tc>
+                <a:tc>
+                  <a:txBody>
+                    <a:bodyPr/>
+                    <a:lstStyle/>
+                    <a:p>
+                      <a:pPr algn="ctr"/>
+                      <a:r>
+                        <a:rPr lang="ru-RU" sz="2400" b="1" i="1" dirty="0">
+                          <a:latin typeface="+mn-lt"/>
+                        </a:rPr>
+                        <a:t>Написание в </a:t>
+                      </a:r>
+                      <a:r>
+                        <a:rPr lang="en-US" sz="2400" b="1" i="1" dirty="0">
+                          <a:latin typeface="+mn-lt"/>
+                        </a:rPr>
+                        <a:t>HTML</a:t>
+                      </a:r>
+                      <a:endParaRPr lang="ru-RU" sz="2400" b="1" i="1" dirty="0">
+                        <a:latin typeface="+mn-lt"/>
+                      </a:endParaRPr>
+                    </a:p>
+                  </a:txBody>
+                  <a:tcPr>
+                    <a:solidFill>
+                      <a:srgbClr val="FBFBFB"/>
+                    </a:solidFill>
+                  </a:tcPr>
+                </a:tc>
+                <a:tc>
+                  <a:txBody>
+                    <a:bodyPr/>
+                    <a:lstStyle/>
+                    <a:p>
+                      <a:pPr algn="ctr"/>
+                      <a:r>
+                        <a:rPr lang="ru-RU" sz="2400" b="1" i="1" dirty="0">
+                          <a:latin typeface="+mn-lt"/>
+                        </a:rPr>
+                        <a:t>Значение</a:t>
+                      </a:r>
+                    </a:p>
+                  </a:txBody>
+                  <a:tcPr>
+                    <a:solidFill>
+                      <a:srgbClr val="FBFBFB"/>
+                    </a:solidFill>
+                  </a:tcPr>
+                </a:tc>
+                <a:extLst>
+                  <a:ext uri="{0D108BD9-81ED-4DB2-BD59-A6C34878D82A}">
+                    <a16:rowId xmlns:a16="http://schemas.microsoft.com/office/drawing/2014/main" val="1880450681"/>
+                  </a:ext>
+                </a:extLst>
+              </a:tr>
+              <a:tr h="370840">
+                <a:tc>
+                  <a:txBody>
+                    <a:bodyPr/>
+                    <a:lstStyle/>
+                    <a:p>
+                      <a:pPr algn="ctr"/>
+                      <a:r>
+                        <a:rPr lang="en-US" sz="2000" b="1" dirty="0">
+                          <a:latin typeface="+mn-lt"/>
+                        </a:rPr>
+                        <a:t>&lt;h1&gt;&lt;/</a:t>
+                      </a:r>
+                      <a:r>
+                        <a:rPr lang="en-US" sz="2000" b="1" i="0" u="none" strike="noStrike" cap="none" dirty="0">
+                          <a:solidFill>
+                            <a:srgbClr val="000000"/>
+                          </a:solidFill>
+                          <a:latin typeface="Arial"/>
+                          <a:ea typeface="Arial"/>
+                          <a:cs typeface="Arial"/>
+                          <a:sym typeface="Arial"/>
+                        </a:rPr>
+                        <a:t>h1</a:t>
+                      </a:r>
+                      <a:r>
+                        <a:rPr lang="en-US" sz="2000" b="1" dirty="0">
+                          <a:latin typeface="+mn-lt"/>
+                        </a:rPr>
+                        <a:t>&gt;</a:t>
+                      </a:r>
+                      <a:endParaRPr lang="ru-RU" sz="2000" b="1" dirty="0">
+                        <a:latin typeface="+mn-lt"/>
+                      </a:endParaRPr>
+                    </a:p>
+                  </a:txBody>
+                  <a:tcPr>
+                    <a:solidFill>
+                      <a:schemeClr val="accent4"/>
+                    </a:solidFill>
+                  </a:tcPr>
+                </a:tc>
+                <a:tc>
+                  <a:txBody>
+                    <a:bodyPr/>
+                    <a:lstStyle/>
+                    <a:p>
+                      <a:pPr marL="0" marR="0" lvl="0" indent="0" algn="ctr" defTabSz="914400" rtl="0" eaLnBrk="1" fontAlgn="auto" latinLnBrk="0" hangingPunct="1">
+                        <a:lnSpc>
+                          <a:spcPct val="100000"/>
+                        </a:lnSpc>
+                        <a:spcBef>
+                          <a:spcPts val="0"/>
+                        </a:spcBef>
+                        <a:spcAft>
+                          <a:spcPts val="0"/>
+                        </a:spcAft>
+                        <a:buClr>
+                          <a:srgbClr val="000000"/>
+                        </a:buClr>
+                        <a:buSzTx/>
+                        <a:buFont typeface="Arial"/>
+                        <a:buNone/>
+                        <a:tabLst/>
+                        <a:defRPr/>
+                      </a:pPr>
+                      <a:r>
+                        <a:rPr lang="en-US" sz="2000" b="1" i="0" u="none" strike="noStrike" cap="none" dirty="0">
+                          <a:solidFill>
+                            <a:srgbClr val="000000"/>
+                          </a:solidFill>
+                          <a:latin typeface="Arial"/>
+                          <a:ea typeface="Arial"/>
+                          <a:cs typeface="Arial"/>
+                          <a:sym typeface="Arial"/>
+                        </a:rPr>
+                        <a:t>&lt;h1&gt;</a:t>
+                      </a:r>
+                      <a:r>
+                        <a:rPr lang="ru-RU" sz="2000" b="0" i="0" u="none" strike="noStrike" cap="none" dirty="0">
+                          <a:solidFill>
+                            <a:srgbClr val="000000"/>
+                          </a:solidFill>
+                          <a:latin typeface="Arial"/>
+                          <a:ea typeface="Arial"/>
+                          <a:cs typeface="Arial"/>
+                          <a:sym typeface="Arial"/>
+                        </a:rPr>
+                        <a:t>Еноты</a:t>
+                      </a:r>
+                      <a:r>
+                        <a:rPr lang="en-US" sz="2000" b="1" i="0" u="none" strike="noStrike" cap="none" dirty="0">
+                          <a:solidFill>
+                            <a:srgbClr val="000000"/>
+                          </a:solidFill>
+                          <a:latin typeface="Arial"/>
+                          <a:ea typeface="Arial"/>
+                          <a:cs typeface="Arial"/>
+                          <a:sym typeface="Arial"/>
+                        </a:rPr>
+                        <a:t>&lt;/h1&gt;</a:t>
+                      </a:r>
+                      <a:endParaRPr lang="ru-RU" sz="2000" b="1" i="0" u="none" strike="noStrike" cap="none" dirty="0">
+                        <a:solidFill>
+                          <a:srgbClr val="000000"/>
+                        </a:solidFill>
+                        <a:latin typeface="Arial"/>
+                        <a:ea typeface="Arial"/>
+                        <a:cs typeface="Arial"/>
+                        <a:sym typeface="Arial"/>
+                      </a:endParaRPr>
+                    </a:p>
+                    <a:p>
+                      <a:pPr algn="ctr"/>
+                      <a:endParaRPr lang="ru-RU" sz="2000" dirty="0">
+                        <a:latin typeface="+mn-lt"/>
+                      </a:endParaRPr>
+                    </a:p>
+                  </a:txBody>
+                  <a:tcPr>
+                    <a:solidFill>
+                      <a:srgbClr val="FBFBFB"/>
+                    </a:solidFill>
+                  </a:tcPr>
+                </a:tc>
+                <a:tc>
+                  <a:txBody>
+                    <a:bodyPr/>
+                    <a:lstStyle/>
+                    <a:p>
+                      <a:pPr algn="ctr"/>
+                      <a:r>
+                        <a:rPr lang="ru-RU" sz="2000" dirty="0">
+                          <a:latin typeface="+mn-lt"/>
+                        </a:rPr>
+                        <a:t>Создает заголовок; имеет значения от 1 до 6.</a:t>
+                      </a:r>
+                    </a:p>
+                  </a:txBody>
+                  <a:tcPr>
+                    <a:solidFill>
+                      <a:srgbClr val="FBFBFB"/>
+                    </a:solidFill>
+                  </a:tcPr>
+                </a:tc>
+                <a:extLst>
+                  <a:ext uri="{0D108BD9-81ED-4DB2-BD59-A6C34878D82A}">
+                    <a16:rowId xmlns:a16="http://schemas.microsoft.com/office/drawing/2014/main" val="2875856070"/>
+                  </a:ext>
+                </a:extLst>
+              </a:tr>
+              <a:tr h="370840">
+                <a:tc>
+                  <a:txBody>
+                    <a:bodyPr/>
+                    <a:lstStyle/>
+                    <a:p>
+                      <a:pPr marL="0" marR="0" lvl="0" indent="0" algn="ctr" defTabSz="914400" rtl="0" eaLnBrk="1" fontAlgn="auto" latinLnBrk="0" hangingPunct="1">
+                        <a:lnSpc>
+                          <a:spcPct val="100000"/>
+                        </a:lnSpc>
+                        <a:spcBef>
+                          <a:spcPts val="0"/>
+                        </a:spcBef>
+                        <a:spcAft>
+                          <a:spcPts val="0"/>
+                        </a:spcAft>
+                        <a:buClr>
+                          <a:srgbClr val="000000"/>
+                        </a:buClr>
+                        <a:buSzTx/>
+                        <a:buFont typeface="Arial"/>
+                        <a:buNone/>
+                        <a:tabLst/>
+                        <a:defRPr/>
+                      </a:pPr>
+                      <a:r>
+                        <a:rPr lang="en-US" sz="2000" b="1" i="0" u="none" strike="noStrike" cap="none" dirty="0">
+                          <a:solidFill>
+                            <a:srgbClr val="000000"/>
+                          </a:solidFill>
+                          <a:latin typeface="Arial"/>
+                          <a:ea typeface="Arial"/>
+                          <a:cs typeface="Arial"/>
+                          <a:sym typeface="Arial"/>
+                        </a:rPr>
+                        <a:t>&lt;p&gt;&lt;/p&gt;</a:t>
+                      </a:r>
+                      <a:endParaRPr lang="ru-RU" sz="2000" b="1" i="0" u="none" strike="noStrike" cap="none" dirty="0">
+                        <a:solidFill>
+                          <a:srgbClr val="000000"/>
+                        </a:solidFill>
+                        <a:latin typeface="Arial"/>
+                        <a:ea typeface="Arial"/>
+                        <a:cs typeface="Arial"/>
+                        <a:sym typeface="Arial"/>
+                      </a:endParaRPr>
+                    </a:p>
+                    <a:p>
+                      <a:pPr algn="ctr"/>
+                      <a:endParaRPr lang="ru-RU" sz="2000" b="1" dirty="0">
+                        <a:latin typeface="+mn-lt"/>
+                      </a:endParaRPr>
+                    </a:p>
+                  </a:txBody>
+                  <a:tcPr>
+                    <a:solidFill>
+                      <a:schemeClr val="accent5"/>
+                    </a:solidFill>
+                  </a:tcPr>
+                </a:tc>
+                <a:tc>
+                  <a:txBody>
+                    <a:bodyPr/>
+                    <a:lstStyle/>
+                    <a:p>
+                      <a:pPr marL="0" marR="0" lvl="0" indent="0" algn="ctr" defTabSz="914400" rtl="0" eaLnBrk="1" fontAlgn="auto" latinLnBrk="0" hangingPunct="1">
+                        <a:lnSpc>
+                          <a:spcPct val="100000"/>
+                        </a:lnSpc>
+                        <a:spcBef>
+                          <a:spcPts val="0"/>
+                        </a:spcBef>
+                        <a:spcAft>
+                          <a:spcPts val="0"/>
+                        </a:spcAft>
+                        <a:buClr>
+                          <a:srgbClr val="000000"/>
+                        </a:buClr>
+                        <a:buSzTx/>
+                        <a:buFont typeface="Arial"/>
+                        <a:buNone/>
+                        <a:tabLst/>
+                        <a:defRPr/>
+                      </a:pPr>
+                      <a:r>
+                        <a:rPr lang="en-US" sz="2000" b="1" i="0" u="none" strike="noStrike" cap="none" dirty="0">
+                          <a:solidFill>
+                            <a:srgbClr val="000000"/>
+                          </a:solidFill>
+                          <a:latin typeface="Arial"/>
+                          <a:ea typeface="Arial"/>
+                          <a:cs typeface="Arial"/>
+                          <a:sym typeface="Arial"/>
+                        </a:rPr>
+                        <a:t>&lt;p&gt;</a:t>
+                      </a:r>
+                      <a:r>
+                        <a:rPr lang="ru-RU" sz="2000" b="0" i="0" u="none" strike="noStrike" cap="none" dirty="0">
+                          <a:solidFill>
+                            <a:srgbClr val="000000"/>
+                          </a:solidFill>
+                          <a:latin typeface="Arial"/>
+                          <a:ea typeface="Arial"/>
+                          <a:cs typeface="Arial"/>
+                          <a:sym typeface="Arial"/>
+                        </a:rPr>
+                        <a:t>текст</a:t>
+                      </a:r>
+                      <a:r>
+                        <a:rPr lang="en-US" sz="2000" b="1" i="0" u="none" strike="noStrike" cap="none" dirty="0">
+                          <a:solidFill>
+                            <a:srgbClr val="000000"/>
+                          </a:solidFill>
+                          <a:latin typeface="Arial"/>
+                          <a:ea typeface="Arial"/>
+                          <a:cs typeface="Arial"/>
+                          <a:sym typeface="Arial"/>
+                        </a:rPr>
+                        <a:t>&lt;/p&gt;</a:t>
+                      </a:r>
+                      <a:endParaRPr lang="ru-RU" sz="2000" b="1" i="0" u="none" strike="noStrike" cap="none" dirty="0">
+                        <a:solidFill>
+                          <a:srgbClr val="000000"/>
+                        </a:solidFill>
+                        <a:latin typeface="Arial"/>
+                        <a:ea typeface="Arial"/>
+                        <a:cs typeface="Arial"/>
+                        <a:sym typeface="Arial"/>
+                      </a:endParaRPr>
+                    </a:p>
+                  </a:txBody>
+                  <a:tcPr>
+                    <a:solidFill>
+                      <a:srgbClr val="FBFBFB"/>
+                    </a:solidFill>
+                  </a:tcPr>
+                </a:tc>
+                <a:tc>
+                  <a:txBody>
+                    <a:bodyPr/>
+                    <a:lstStyle/>
+                    <a:p>
+                      <a:pPr algn="ctr"/>
+                      <a:r>
+                        <a:rPr lang="ru-RU" sz="2000" dirty="0">
+                          <a:latin typeface="+mn-lt"/>
+                        </a:rPr>
+                        <a:t>Создаёт параграф; внутри себя не может содержать другие параграфы. </a:t>
+                      </a:r>
+                    </a:p>
+                  </a:txBody>
+                  <a:tcPr>
+                    <a:solidFill>
+                      <a:srgbClr val="FBFBFB"/>
+                    </a:solidFill>
+                  </a:tcPr>
+                </a:tc>
+                <a:extLst>
+                  <a:ext uri="{0D108BD9-81ED-4DB2-BD59-A6C34878D82A}">
+                    <a16:rowId xmlns:a16="http://schemas.microsoft.com/office/drawing/2014/main" val="2529993872"/>
+                  </a:ext>
+                </a:extLst>
+              </a:tr>
+              <a:tr h="370840">
+                <a:tc>
+                  <a:txBody>
+                    <a:bodyPr/>
+                    <a:lstStyle/>
+                    <a:p>
+                      <a:pPr marL="0" marR="0" lvl="0" indent="0" algn="ctr" defTabSz="914400" rtl="0" eaLnBrk="1" fontAlgn="auto" latinLnBrk="0" hangingPunct="1">
+                        <a:lnSpc>
+                          <a:spcPct val="100000"/>
+                        </a:lnSpc>
+                        <a:spcBef>
+                          <a:spcPts val="0"/>
+                        </a:spcBef>
+                        <a:spcAft>
+                          <a:spcPts val="0"/>
+                        </a:spcAft>
+                        <a:buClr>
+                          <a:srgbClr val="000000"/>
+                        </a:buClr>
+                        <a:buSzTx/>
+                        <a:buFont typeface="Arial"/>
+                        <a:buNone/>
+                        <a:tabLst/>
+                        <a:defRPr/>
+                      </a:pPr>
+                      <a:r>
+                        <a:rPr lang="en-US" sz="2000" b="1" i="0" u="none" strike="noStrike" cap="none" dirty="0">
+                          <a:solidFill>
+                            <a:srgbClr val="000000"/>
+                          </a:solidFill>
+                          <a:latin typeface="Arial"/>
+                          <a:ea typeface="Arial"/>
+                          <a:cs typeface="Arial"/>
+                          <a:sym typeface="Arial"/>
+                        </a:rPr>
+                        <a:t>&lt;b&gt;&lt;/b&gt;</a:t>
+                      </a:r>
+                      <a:endParaRPr lang="ru-RU" sz="2000" b="1" i="0" u="none" strike="noStrike" cap="none" dirty="0">
+                        <a:solidFill>
+                          <a:srgbClr val="000000"/>
+                        </a:solidFill>
+                        <a:latin typeface="Arial"/>
+                        <a:ea typeface="Arial"/>
+                        <a:cs typeface="Arial"/>
+                        <a:sym typeface="Arial"/>
+                      </a:endParaRPr>
+                    </a:p>
+                    <a:p>
+                      <a:pPr algn="ctr"/>
+                      <a:endParaRPr lang="ru-RU" sz="2000" b="1" dirty="0">
+                        <a:latin typeface="+mn-lt"/>
+                      </a:endParaRPr>
+                    </a:p>
+                  </a:txBody>
+                  <a:tcPr>
+                    <a:solidFill>
+                      <a:schemeClr val="accent3"/>
+                    </a:solidFill>
+                  </a:tcPr>
+                </a:tc>
+                <a:tc>
+                  <a:txBody>
+                    <a:bodyPr/>
+                    <a:lstStyle/>
+                    <a:p>
+                      <a:pPr marL="0" marR="0" lvl="0" indent="0" algn="ctr" defTabSz="914400" rtl="0" eaLnBrk="1" fontAlgn="auto" latinLnBrk="0" hangingPunct="1">
+                        <a:lnSpc>
+                          <a:spcPct val="100000"/>
+                        </a:lnSpc>
+                        <a:spcBef>
+                          <a:spcPts val="0"/>
+                        </a:spcBef>
+                        <a:spcAft>
+                          <a:spcPts val="0"/>
+                        </a:spcAft>
+                        <a:buClr>
+                          <a:srgbClr val="000000"/>
+                        </a:buClr>
+                        <a:buSzTx/>
+                        <a:buFont typeface="Arial"/>
+                        <a:buNone/>
+                        <a:tabLst/>
+                        <a:defRPr/>
+                      </a:pPr>
+                      <a:r>
+                        <a:rPr lang="en-US" sz="2000" b="1" i="0" u="none" strike="noStrike" cap="none" dirty="0">
+                          <a:solidFill>
+                            <a:srgbClr val="000000"/>
+                          </a:solidFill>
+                          <a:latin typeface="Arial"/>
+                          <a:ea typeface="Arial"/>
+                          <a:cs typeface="Arial"/>
+                          <a:sym typeface="Arial"/>
+                        </a:rPr>
+                        <a:t>&lt;b&gt;</a:t>
+                      </a:r>
+                      <a:r>
+                        <a:rPr lang="ru-RU" sz="2000" b="0" i="0" u="none" strike="noStrike" cap="none" dirty="0">
+                          <a:solidFill>
+                            <a:srgbClr val="000000"/>
+                          </a:solidFill>
+                          <a:latin typeface="Arial"/>
+                          <a:ea typeface="Arial"/>
+                          <a:cs typeface="Arial"/>
+                          <a:sym typeface="Arial"/>
+                        </a:rPr>
+                        <a:t>слово или предложение</a:t>
+                      </a:r>
+                      <a:r>
+                        <a:rPr lang="en-US" sz="2000" b="1" i="0" u="none" strike="noStrike" cap="none" dirty="0">
+                          <a:solidFill>
+                            <a:srgbClr val="000000"/>
+                          </a:solidFill>
+                          <a:latin typeface="Arial"/>
+                          <a:ea typeface="Arial"/>
+                          <a:cs typeface="Arial"/>
+                          <a:sym typeface="Arial"/>
+                        </a:rPr>
+                        <a:t>&lt;/b&gt;</a:t>
+                      </a:r>
+                      <a:endParaRPr lang="ru-RU" sz="2000" b="1" i="0" u="none" strike="noStrike" cap="none" dirty="0">
+                        <a:solidFill>
+                          <a:srgbClr val="000000"/>
+                        </a:solidFill>
+                        <a:latin typeface="Arial"/>
+                        <a:ea typeface="Arial"/>
+                        <a:cs typeface="Arial"/>
+                        <a:sym typeface="Arial"/>
+                      </a:endParaRPr>
+                    </a:p>
+                  </a:txBody>
+                  <a:tcPr>
+                    <a:solidFill>
+                      <a:srgbClr val="FBFBFB"/>
+                    </a:solidFill>
+                  </a:tcPr>
+                </a:tc>
+                <a:tc>
+                  <a:txBody>
+                    <a:bodyPr/>
+                    <a:lstStyle/>
+                    <a:p>
+                      <a:pPr algn="ctr"/>
+                      <a:r>
+                        <a:rPr lang="ru-RU" sz="2000" dirty="0">
+                          <a:latin typeface="+mn-lt"/>
+                        </a:rPr>
+                        <a:t>Делает текст жирным (физическое форматирование).</a:t>
+                      </a:r>
+                    </a:p>
+                  </a:txBody>
+                  <a:tcPr>
+                    <a:solidFill>
+                      <a:srgbClr val="FBFBFB"/>
+                    </a:solidFill>
+                  </a:tcPr>
+                </a:tc>
+                <a:extLst>
+                  <a:ext uri="{0D108BD9-81ED-4DB2-BD59-A6C34878D82A}">
+                    <a16:rowId xmlns:a16="http://schemas.microsoft.com/office/drawing/2014/main" val="1314278165"/>
+                  </a:ext>
+                </a:extLst>
+              </a:tr>
+              <a:tr h="370840">
+                <a:tc>
+                  <a:txBody>
+                    <a:bodyPr/>
+                    <a:lstStyle/>
+                    <a:p>
+                      <a:pPr marL="0" marR="0" lvl="0" indent="0" algn="ctr" defTabSz="914400" rtl="0" eaLnBrk="1" fontAlgn="auto" latinLnBrk="0" hangingPunct="1">
+                        <a:lnSpc>
+                          <a:spcPct val="100000"/>
+                        </a:lnSpc>
+                        <a:spcBef>
+                          <a:spcPts val="0"/>
+                        </a:spcBef>
+                        <a:spcAft>
+                          <a:spcPts val="0"/>
+                        </a:spcAft>
+                        <a:buClr>
+                          <a:srgbClr val="000000"/>
+                        </a:buClr>
+                        <a:buSzTx/>
+                        <a:buFont typeface="Arial"/>
+                        <a:buNone/>
+                        <a:tabLst/>
+                        <a:defRPr/>
+                      </a:pPr>
+                      <a:r>
+                        <a:rPr lang="en-US" sz="2000" b="1" i="0" u="none" strike="noStrike" cap="none" dirty="0">
+                          <a:solidFill>
+                            <a:srgbClr val="000000"/>
+                          </a:solidFill>
+                          <a:latin typeface="Arial"/>
+                          <a:ea typeface="Arial"/>
+                          <a:cs typeface="Arial"/>
+                          <a:sym typeface="Arial"/>
+                        </a:rPr>
+                        <a:t>&lt;</a:t>
+                      </a:r>
+                      <a:r>
+                        <a:rPr lang="en-US" sz="2000" b="1" i="0" u="none" strike="noStrike" cap="none" dirty="0" err="1">
+                          <a:solidFill>
+                            <a:srgbClr val="000000"/>
+                          </a:solidFill>
+                          <a:latin typeface="Arial"/>
+                          <a:ea typeface="Arial"/>
+                          <a:cs typeface="Arial"/>
+                          <a:sym typeface="Arial"/>
+                        </a:rPr>
+                        <a:t>i</a:t>
+                      </a:r>
+                      <a:r>
+                        <a:rPr lang="en-US" sz="2000" b="1" i="0" u="none" strike="noStrike" cap="none" dirty="0">
+                          <a:solidFill>
+                            <a:srgbClr val="000000"/>
+                          </a:solidFill>
+                          <a:latin typeface="Arial"/>
+                          <a:ea typeface="Arial"/>
+                          <a:cs typeface="Arial"/>
+                          <a:sym typeface="Arial"/>
+                        </a:rPr>
+                        <a:t>&gt;&lt;/</a:t>
+                      </a:r>
+                      <a:r>
+                        <a:rPr lang="en-US" sz="2000" b="1" i="0" u="none" strike="noStrike" cap="none" dirty="0" err="1">
+                          <a:solidFill>
+                            <a:srgbClr val="000000"/>
+                          </a:solidFill>
+                          <a:latin typeface="Arial"/>
+                          <a:ea typeface="Arial"/>
+                          <a:cs typeface="Arial"/>
+                          <a:sym typeface="Arial"/>
+                        </a:rPr>
+                        <a:t>i</a:t>
+                      </a:r>
+                      <a:r>
+                        <a:rPr lang="en-US" sz="2000" b="1" i="0" u="none" strike="noStrike" cap="none" dirty="0">
+                          <a:solidFill>
+                            <a:srgbClr val="000000"/>
+                          </a:solidFill>
+                          <a:latin typeface="Arial"/>
+                          <a:ea typeface="Arial"/>
+                          <a:cs typeface="Arial"/>
+                          <a:sym typeface="Arial"/>
+                        </a:rPr>
+                        <a:t>&gt;</a:t>
+                      </a:r>
+                      <a:endParaRPr lang="ru-RU" sz="2000" b="1" i="0" u="none" strike="noStrike" cap="none" dirty="0">
+                        <a:solidFill>
+                          <a:srgbClr val="000000"/>
+                        </a:solidFill>
+                        <a:latin typeface="Arial"/>
+                        <a:ea typeface="Arial"/>
+                        <a:cs typeface="Arial"/>
+                        <a:sym typeface="Arial"/>
+                      </a:endParaRPr>
+                    </a:p>
+                    <a:p>
+                      <a:pPr algn="ctr"/>
+                      <a:endParaRPr lang="ru-RU" sz="2000" b="1" dirty="0">
+                        <a:latin typeface="+mn-lt"/>
+                      </a:endParaRPr>
+                    </a:p>
+                  </a:txBody>
+                  <a:tcPr>
+                    <a:solidFill>
+                      <a:schemeClr val="accent6"/>
+                    </a:solidFill>
+                  </a:tcPr>
+                </a:tc>
+                <a:tc>
+                  <a:txBody>
+                    <a:bodyPr/>
+                    <a:lstStyle/>
+                    <a:p>
+                      <a:pPr marL="0" marR="0" lvl="0" indent="0" algn="ctr" defTabSz="914400" rtl="0" eaLnBrk="1" fontAlgn="auto" latinLnBrk="0" hangingPunct="1">
+                        <a:lnSpc>
+                          <a:spcPct val="100000"/>
+                        </a:lnSpc>
+                        <a:spcBef>
+                          <a:spcPts val="0"/>
+                        </a:spcBef>
+                        <a:spcAft>
+                          <a:spcPts val="0"/>
+                        </a:spcAft>
+                        <a:buClr>
+                          <a:srgbClr val="000000"/>
+                        </a:buClr>
+                        <a:buSzTx/>
+                        <a:buFont typeface="Arial"/>
+                        <a:buNone/>
+                        <a:tabLst/>
+                        <a:defRPr/>
+                      </a:pPr>
+                      <a:r>
+                        <a:rPr lang="en-US" sz="2000" b="1" i="0" u="none" strike="noStrike" cap="none" dirty="0">
+                          <a:solidFill>
+                            <a:srgbClr val="000000"/>
+                          </a:solidFill>
+                          <a:latin typeface="Arial"/>
+                          <a:ea typeface="Arial"/>
+                          <a:cs typeface="Arial"/>
+                          <a:sym typeface="Arial"/>
+                        </a:rPr>
+                        <a:t>&lt;</a:t>
+                      </a:r>
+                      <a:r>
+                        <a:rPr lang="en-US" sz="2000" b="1" i="0" u="none" strike="noStrike" cap="none" dirty="0" err="1">
+                          <a:solidFill>
+                            <a:srgbClr val="000000"/>
+                          </a:solidFill>
+                          <a:latin typeface="Arial"/>
+                          <a:ea typeface="Arial"/>
+                          <a:cs typeface="Arial"/>
+                          <a:sym typeface="Arial"/>
+                        </a:rPr>
+                        <a:t>i</a:t>
+                      </a:r>
+                      <a:r>
+                        <a:rPr lang="en-US" sz="2000" b="1" i="0" u="none" strike="noStrike" cap="none" dirty="0">
+                          <a:solidFill>
+                            <a:srgbClr val="000000"/>
+                          </a:solidFill>
+                          <a:latin typeface="Arial"/>
+                          <a:ea typeface="Arial"/>
+                          <a:cs typeface="Arial"/>
+                          <a:sym typeface="Arial"/>
+                        </a:rPr>
+                        <a:t>&gt;</a:t>
+                      </a:r>
+                      <a:r>
+                        <a:rPr lang="ru-RU" sz="2000" b="0" i="0" u="none" strike="noStrike" cap="none" dirty="0">
+                          <a:solidFill>
+                            <a:srgbClr val="000000"/>
+                          </a:solidFill>
+                          <a:latin typeface="Arial"/>
+                          <a:ea typeface="Arial"/>
+                          <a:cs typeface="Arial"/>
+                          <a:sym typeface="Arial"/>
+                        </a:rPr>
+                        <a:t>слово или предложение</a:t>
+                      </a:r>
+                      <a:r>
+                        <a:rPr lang="en-US" sz="2000" b="1" i="0" u="none" strike="noStrike" cap="none" dirty="0">
+                          <a:solidFill>
+                            <a:srgbClr val="000000"/>
+                          </a:solidFill>
+                          <a:latin typeface="Arial"/>
+                          <a:ea typeface="Arial"/>
+                          <a:cs typeface="Arial"/>
+                          <a:sym typeface="Arial"/>
+                        </a:rPr>
+                        <a:t>&lt;/</a:t>
+                      </a:r>
+                      <a:r>
+                        <a:rPr lang="en-US" sz="2000" b="1" i="0" u="none" strike="noStrike" cap="none" dirty="0" err="1">
+                          <a:solidFill>
+                            <a:srgbClr val="000000"/>
+                          </a:solidFill>
+                          <a:latin typeface="Arial"/>
+                          <a:ea typeface="Arial"/>
+                          <a:cs typeface="Arial"/>
+                          <a:sym typeface="Arial"/>
+                        </a:rPr>
+                        <a:t>i</a:t>
+                      </a:r>
+                      <a:r>
+                        <a:rPr lang="en-US" sz="2000" b="1" i="0" u="none" strike="noStrike" cap="none" dirty="0">
+                          <a:solidFill>
+                            <a:srgbClr val="000000"/>
+                          </a:solidFill>
+                          <a:latin typeface="Arial"/>
+                          <a:ea typeface="Arial"/>
+                          <a:cs typeface="Arial"/>
+                          <a:sym typeface="Arial"/>
+                        </a:rPr>
+                        <a:t>&gt;</a:t>
+                      </a:r>
+                      <a:endParaRPr lang="ru-RU" sz="2000" b="1" i="0" u="none" strike="noStrike" cap="none" dirty="0">
+                        <a:solidFill>
+                          <a:srgbClr val="000000"/>
+                        </a:solidFill>
+                        <a:latin typeface="Arial"/>
+                        <a:ea typeface="Arial"/>
+                        <a:cs typeface="Arial"/>
+                        <a:sym typeface="Arial"/>
+                      </a:endParaRPr>
+                    </a:p>
+                  </a:txBody>
+                  <a:tcPr>
+                    <a:solidFill>
+                      <a:srgbClr val="FBFBFB"/>
+                    </a:solidFill>
+                  </a:tcPr>
+                </a:tc>
+                <a:tc>
+                  <a:txBody>
+                    <a:bodyPr/>
+                    <a:lstStyle/>
+                    <a:p>
+                      <a:pPr algn="ctr"/>
+                      <a:r>
+                        <a:rPr lang="ru-RU" sz="2000" dirty="0">
+                          <a:latin typeface="+mn-lt"/>
+                        </a:rPr>
+                        <a:t>Выделяет текст курсивом (физическое форматирование).</a:t>
+                      </a:r>
+                    </a:p>
+                  </a:txBody>
+                  <a:tcPr>
+                    <a:solidFill>
+                      <a:srgbClr val="FBFBFB"/>
+                    </a:solidFill>
+                  </a:tcPr>
+                </a:tc>
+                <a:extLst>
+                  <a:ext uri="{0D108BD9-81ED-4DB2-BD59-A6C34878D82A}">
+                    <a16:rowId xmlns:a16="http://schemas.microsoft.com/office/drawing/2014/main" val="765837410"/>
+                  </a:ext>
+                </a:extLst>
+              </a:tr>
+              <a:tr h="370840">
+                <a:tc>
+                  <a:txBody>
+                    <a:bodyPr/>
+                    <a:lstStyle/>
+                    <a:p>
+                      <a:pPr marL="0" marR="0" lvl="0" indent="0" algn="ctr" defTabSz="914400" rtl="0" eaLnBrk="1" fontAlgn="auto" latinLnBrk="0" hangingPunct="1">
+                        <a:lnSpc>
+                          <a:spcPct val="100000"/>
+                        </a:lnSpc>
+                        <a:spcBef>
+                          <a:spcPts val="0"/>
+                        </a:spcBef>
+                        <a:spcAft>
+                          <a:spcPts val="0"/>
+                        </a:spcAft>
+                        <a:buClr>
+                          <a:srgbClr val="000000"/>
+                        </a:buClr>
+                        <a:buSzTx/>
+                        <a:buFont typeface="Arial"/>
+                        <a:buNone/>
+                        <a:tabLst/>
+                        <a:defRPr/>
+                      </a:pPr>
+                      <a:r>
+                        <a:rPr lang="en-US" sz="2000" b="1" i="0" u="none" strike="noStrike" cap="none" dirty="0">
+                          <a:solidFill>
+                            <a:srgbClr val="000000"/>
+                          </a:solidFill>
+                          <a:latin typeface="Arial"/>
+                          <a:ea typeface="Arial"/>
+                          <a:cs typeface="Arial"/>
+                          <a:sym typeface="Arial"/>
+                        </a:rPr>
+                        <a:t>&lt;u&gt;&lt;/u&gt;</a:t>
+                      </a:r>
+                      <a:endParaRPr lang="ru-RU" sz="2000" b="1" i="0" u="none" strike="noStrike" cap="none" dirty="0">
+                        <a:solidFill>
+                          <a:srgbClr val="000000"/>
+                        </a:solidFill>
+                        <a:latin typeface="Arial"/>
+                        <a:ea typeface="Arial"/>
+                        <a:cs typeface="Arial"/>
+                        <a:sym typeface="Arial"/>
+                      </a:endParaRPr>
+                    </a:p>
+                    <a:p>
+                      <a:pPr algn="ctr"/>
+                      <a:endParaRPr lang="ru-RU" sz="2000" b="1" dirty="0">
+                        <a:latin typeface="+mn-lt"/>
+                      </a:endParaRPr>
+                    </a:p>
+                  </a:txBody>
+                  <a:tcPr>
+                    <a:solidFill>
+                      <a:srgbClr val="FFFF00"/>
+                    </a:solidFill>
+                  </a:tcPr>
+                </a:tc>
+                <a:tc>
+                  <a:txBody>
+                    <a:bodyPr/>
+                    <a:lstStyle/>
+                    <a:p>
+                      <a:pPr marL="0" marR="0" lvl="0" indent="0" algn="ctr" defTabSz="914400" rtl="0" eaLnBrk="1" fontAlgn="auto" latinLnBrk="0" hangingPunct="1">
+                        <a:lnSpc>
+                          <a:spcPct val="100000"/>
+                        </a:lnSpc>
+                        <a:spcBef>
+                          <a:spcPts val="0"/>
+                        </a:spcBef>
+                        <a:spcAft>
+                          <a:spcPts val="0"/>
+                        </a:spcAft>
+                        <a:buClr>
+                          <a:srgbClr val="000000"/>
+                        </a:buClr>
+                        <a:buSzTx/>
+                        <a:buFont typeface="Arial"/>
+                        <a:buNone/>
+                        <a:tabLst/>
+                        <a:defRPr/>
+                      </a:pPr>
+                      <a:r>
+                        <a:rPr lang="en-US" sz="2000" b="1" i="0" u="none" strike="noStrike" cap="none" dirty="0">
+                          <a:solidFill>
+                            <a:srgbClr val="000000"/>
+                          </a:solidFill>
+                          <a:latin typeface="Arial"/>
+                          <a:ea typeface="Arial"/>
+                          <a:cs typeface="Arial"/>
+                          <a:sym typeface="Arial"/>
+                        </a:rPr>
+                        <a:t>&lt;u&gt;</a:t>
+                      </a:r>
+                      <a:r>
+                        <a:rPr lang="ru-RU" sz="2000" b="0" i="0" u="none" strike="noStrike" cap="none" dirty="0">
+                          <a:solidFill>
+                            <a:srgbClr val="000000"/>
+                          </a:solidFill>
+                          <a:latin typeface="Arial"/>
+                          <a:ea typeface="Arial"/>
+                          <a:cs typeface="Arial"/>
+                          <a:sym typeface="Arial"/>
+                        </a:rPr>
+                        <a:t>слово или предложение</a:t>
+                      </a:r>
+                      <a:r>
+                        <a:rPr lang="en-US" sz="2000" b="1" i="0" u="none" strike="noStrike" cap="none" dirty="0">
+                          <a:solidFill>
+                            <a:srgbClr val="000000"/>
+                          </a:solidFill>
+                          <a:latin typeface="Arial"/>
+                          <a:ea typeface="Arial"/>
+                          <a:cs typeface="Arial"/>
+                          <a:sym typeface="Arial"/>
+                        </a:rPr>
+                        <a:t>&lt;/u&gt;</a:t>
+                      </a:r>
+                      <a:endParaRPr lang="ru-RU" sz="2000" b="1" i="0" u="none" strike="noStrike" cap="none" dirty="0">
+                        <a:solidFill>
+                          <a:srgbClr val="000000"/>
+                        </a:solidFill>
+                        <a:latin typeface="Arial"/>
+                        <a:ea typeface="Arial"/>
+                        <a:cs typeface="Arial"/>
+                        <a:sym typeface="Arial"/>
+                      </a:endParaRPr>
+                    </a:p>
+                  </a:txBody>
+                  <a:tcPr>
+                    <a:solidFill>
+                      <a:srgbClr val="FBFBFB"/>
+                    </a:solidFill>
+                  </a:tcPr>
+                </a:tc>
+                <a:tc>
+                  <a:txBody>
+                    <a:bodyPr/>
+                    <a:lstStyle/>
+                    <a:p>
+                      <a:pPr algn="ctr"/>
+                      <a:r>
+                        <a:rPr lang="ru-RU" sz="2000" dirty="0">
+                          <a:latin typeface="+mn-lt"/>
+                        </a:rPr>
+                        <a:t>Выводит подчеркнутый текст в документ.</a:t>
+                      </a:r>
+                    </a:p>
+                  </a:txBody>
+                  <a:tcPr>
+                    <a:solidFill>
+                      <a:srgbClr val="FBFBFB"/>
+                    </a:solidFill>
+                  </a:tcPr>
+                </a:tc>
+                <a:extLst>
+                  <a:ext uri="{0D108BD9-81ED-4DB2-BD59-A6C34878D82A}">
+                    <a16:rowId xmlns:a16="http://schemas.microsoft.com/office/drawing/2014/main" val="4271043772"/>
+                  </a:ext>
+                </a:extLst>
+              </a:tr>
+              <a:tr h="370840">
+                <a:tc>
+                  <a:txBody>
+                    <a:bodyPr/>
+                    <a:lstStyle/>
+                    <a:p>
+                      <a:pPr marL="0" marR="0" lvl="0" indent="0" algn="ctr" defTabSz="914400" rtl="0" eaLnBrk="1" fontAlgn="auto" latinLnBrk="0" hangingPunct="1">
+                        <a:lnSpc>
+                          <a:spcPct val="100000"/>
+                        </a:lnSpc>
+                        <a:spcBef>
+                          <a:spcPts val="0"/>
+                        </a:spcBef>
+                        <a:spcAft>
+                          <a:spcPts val="0"/>
+                        </a:spcAft>
+                        <a:buClr>
+                          <a:srgbClr val="000000"/>
+                        </a:buClr>
+                        <a:buSzTx/>
+                        <a:buFont typeface="Arial"/>
+                        <a:buNone/>
+                        <a:tabLst/>
+                        <a:defRPr/>
+                      </a:pPr>
+                      <a:r>
+                        <a:rPr lang="en-US" sz="2000" b="1" i="0" u="none" strike="noStrike" cap="none" dirty="0">
+                          <a:solidFill>
+                            <a:srgbClr val="000000"/>
+                          </a:solidFill>
+                          <a:latin typeface="Arial"/>
+                          <a:ea typeface="Arial"/>
+                          <a:cs typeface="Arial"/>
+                          <a:sym typeface="Arial"/>
+                        </a:rPr>
+                        <a:t>&lt;</a:t>
+                      </a:r>
+                      <a:r>
+                        <a:rPr lang="en-US" sz="2000" b="1" i="0" u="none" strike="noStrike" cap="none" dirty="0" err="1">
+                          <a:solidFill>
+                            <a:srgbClr val="000000"/>
+                          </a:solidFill>
+                          <a:latin typeface="Arial"/>
+                          <a:ea typeface="Arial"/>
+                          <a:cs typeface="Arial"/>
+                          <a:sym typeface="Arial"/>
+                        </a:rPr>
+                        <a:t>br</a:t>
+                      </a:r>
+                      <a:r>
+                        <a:rPr lang="en-US" sz="2000" b="1" i="0" u="none" strike="noStrike" cap="none" dirty="0">
+                          <a:solidFill>
+                            <a:srgbClr val="000000"/>
+                          </a:solidFill>
+                          <a:latin typeface="Arial"/>
+                          <a:ea typeface="Arial"/>
+                          <a:cs typeface="Arial"/>
+                          <a:sym typeface="Arial"/>
+                        </a:rPr>
+                        <a:t>/&gt;</a:t>
+                      </a:r>
+                      <a:endParaRPr lang="ru-RU" sz="2000" b="1" i="0" u="none" strike="noStrike" cap="none" dirty="0">
+                        <a:solidFill>
+                          <a:srgbClr val="000000"/>
+                        </a:solidFill>
+                        <a:latin typeface="Arial"/>
+                        <a:ea typeface="Arial"/>
+                        <a:cs typeface="Arial"/>
+                        <a:sym typeface="Arial"/>
+                      </a:endParaRPr>
+                    </a:p>
+                    <a:p>
+                      <a:pPr algn="ctr"/>
+                      <a:endParaRPr lang="ru-RU" sz="2000" b="1" dirty="0">
+                        <a:latin typeface="+mn-lt"/>
+                      </a:endParaRPr>
+                    </a:p>
+                  </a:txBody>
+                  <a:tcPr>
+                    <a:solidFill>
+                      <a:schemeClr val="accent1"/>
+                    </a:solidFill>
+                  </a:tcPr>
+                </a:tc>
+                <a:tc>
+                  <a:txBody>
+                    <a:bodyPr/>
+                    <a:lstStyle/>
+                    <a:p>
+                      <a:pPr marL="0" marR="0" lvl="0" indent="0" algn="ctr" defTabSz="914400" rtl="0" eaLnBrk="1" fontAlgn="auto" latinLnBrk="0" hangingPunct="1">
+                        <a:lnSpc>
+                          <a:spcPct val="100000"/>
+                        </a:lnSpc>
+                        <a:spcBef>
+                          <a:spcPts val="0"/>
+                        </a:spcBef>
+                        <a:spcAft>
+                          <a:spcPts val="0"/>
+                        </a:spcAft>
+                        <a:buClr>
+                          <a:srgbClr val="000000"/>
+                        </a:buClr>
+                        <a:buSzTx/>
+                        <a:buFont typeface="Arial"/>
+                        <a:buNone/>
+                        <a:tabLst/>
+                        <a:defRPr/>
+                      </a:pPr>
+                      <a:r>
+                        <a:rPr lang="ru-RU" sz="2000" b="0" i="0" u="none" strike="noStrike" cap="none" dirty="0">
+                          <a:solidFill>
+                            <a:srgbClr val="000000"/>
+                          </a:solidFill>
+                          <a:latin typeface="Arial"/>
+                          <a:ea typeface="Arial"/>
+                          <a:cs typeface="Arial"/>
+                          <a:sym typeface="Arial"/>
+                        </a:rPr>
+                        <a:t>слово или предложение</a:t>
+                      </a:r>
+                      <a:r>
+                        <a:rPr lang="en-US" sz="2000" b="1" i="0" u="none" strike="noStrike" cap="none" dirty="0">
+                          <a:solidFill>
+                            <a:srgbClr val="000000"/>
+                          </a:solidFill>
+                          <a:latin typeface="Arial"/>
+                          <a:ea typeface="Arial"/>
+                          <a:cs typeface="Arial"/>
+                          <a:sym typeface="Arial"/>
+                        </a:rPr>
+                        <a:t>&lt;</a:t>
+                      </a:r>
+                      <a:r>
+                        <a:rPr lang="en-US" sz="2000" b="1" i="0" u="none" strike="noStrike" cap="none" dirty="0" err="1">
+                          <a:solidFill>
+                            <a:srgbClr val="000000"/>
+                          </a:solidFill>
+                          <a:latin typeface="Arial"/>
+                          <a:ea typeface="Arial"/>
+                          <a:cs typeface="Arial"/>
+                          <a:sym typeface="Arial"/>
+                        </a:rPr>
+                        <a:t>br</a:t>
+                      </a:r>
+                      <a:r>
+                        <a:rPr lang="en-US" sz="2000" b="1" i="0" u="none" strike="noStrike" cap="none" dirty="0">
+                          <a:solidFill>
+                            <a:srgbClr val="000000"/>
+                          </a:solidFill>
+                          <a:latin typeface="Arial"/>
+                          <a:ea typeface="Arial"/>
+                          <a:cs typeface="Arial"/>
+                          <a:sym typeface="Arial"/>
+                        </a:rPr>
+                        <a:t>/&gt;</a:t>
+                      </a:r>
+                      <a:endParaRPr lang="ru-RU" sz="2000" b="1" i="0" u="none" strike="noStrike" cap="none" dirty="0">
+                        <a:solidFill>
+                          <a:srgbClr val="000000"/>
+                        </a:solidFill>
+                        <a:latin typeface="Arial"/>
+                        <a:ea typeface="Arial"/>
+                        <a:cs typeface="Arial"/>
+                        <a:sym typeface="Arial"/>
+                      </a:endParaRPr>
+                    </a:p>
+                    <a:p>
+                      <a:pPr marL="0" marR="0" lvl="0" indent="0" algn="ctr" defTabSz="914400" rtl="0" eaLnBrk="1" fontAlgn="auto" latinLnBrk="0" hangingPunct="1">
+                        <a:lnSpc>
+                          <a:spcPct val="100000"/>
+                        </a:lnSpc>
+                        <a:spcBef>
+                          <a:spcPts val="0"/>
+                        </a:spcBef>
+                        <a:spcAft>
+                          <a:spcPts val="0"/>
+                        </a:spcAft>
+                        <a:buClr>
+                          <a:srgbClr val="000000"/>
+                        </a:buClr>
+                        <a:buSzTx/>
+                        <a:buFont typeface="Arial"/>
+                        <a:buNone/>
+                        <a:tabLst/>
+                        <a:defRPr/>
+                      </a:pPr>
+                      <a:endParaRPr lang="ru-RU" sz="2000" b="1" i="0" u="none" strike="noStrike" cap="none" dirty="0">
+                        <a:solidFill>
+                          <a:srgbClr val="000000"/>
+                        </a:solidFill>
+                        <a:latin typeface="Arial"/>
+                        <a:ea typeface="Arial"/>
+                        <a:cs typeface="Arial"/>
+                        <a:sym typeface="Arial"/>
+                      </a:endParaRPr>
+                    </a:p>
+                  </a:txBody>
+                  <a:tcPr>
+                    <a:solidFill>
+                      <a:srgbClr val="FBFBFB"/>
+                    </a:solidFill>
+                  </a:tcPr>
+                </a:tc>
+                <a:tc>
+                  <a:txBody>
+                    <a:bodyPr/>
+                    <a:lstStyle/>
+                    <a:p>
+                      <a:pPr algn="ctr"/>
+                      <a:r>
+                        <a:rPr lang="ru-RU" sz="2000" dirty="0">
+                          <a:latin typeface="+mn-lt"/>
+                        </a:rPr>
+                        <a:t>Переходит на новую строку</a:t>
+                      </a:r>
+                    </a:p>
+                  </a:txBody>
+                  <a:tcPr>
+                    <a:solidFill>
+                      <a:srgbClr val="FBFBFB"/>
+                    </a:solidFill>
+                  </a:tcPr>
+                </a:tc>
+                <a:extLst>
+                  <a:ext uri="{0D108BD9-81ED-4DB2-BD59-A6C34878D82A}">
+                    <a16:rowId xmlns:a16="http://schemas.microsoft.com/office/drawing/2014/main" val="109528816"/>
+                  </a:ext>
+                </a:extLst>
+              </a:tr>
+            </a:tbl>
+          </a:graphicData>
+        </a:graphic>
+      </p:graphicFrame>
     </p:spTree>
   </p:cSld>
   <p:clrMapOvr>
@@ -16887,36 +18120,6 @@
           </a:p>
         </p:txBody>
       </p:sp>
-      <p:pic>
-        <p:nvPicPr>
-          <p:cNvPr id="7" name="Рисунок 6">
-            <a:extLst>
-              <a:ext uri="{FF2B5EF4-FFF2-40B4-BE49-F238E27FC236}">
-                <a16:creationId xmlns:a16="http://schemas.microsoft.com/office/drawing/2014/main" id="{C96C6F8D-774A-44DB-8C82-FF46B6C4D45A}"/>
-              </a:ext>
-            </a:extLst>
-          </p:cNvPr>
-          <p:cNvPicPr>
-            <a:picLocks noChangeAspect="1"/>
-          </p:cNvPicPr>
-          <p:nvPr/>
-        </p:nvPicPr>
-        <p:blipFill>
-          <a:blip r:embed="rId4"/>
-          <a:stretch>
-            <a:fillRect/>
-          </a:stretch>
-        </p:blipFill>
-        <p:spPr>
-          <a:xfrm>
-            <a:off x="5909786" y="3281072"/>
-            <a:ext cx="11843994" cy="6367089"/>
-          </a:xfrm>
-          <a:prstGeom prst="rect">
-            <a:avLst/>
-          </a:prstGeom>
-        </p:spPr>
-      </p:pic>
       <p:sp>
         <p:nvSpPr>
           <p:cNvPr id="9" name="TextBox 8">
@@ -16931,8 +18134,8 @@
         </p:nvSpPr>
         <p:spPr>
           <a:xfrm>
-            <a:off x="374072" y="3648462"/>
-            <a:ext cx="5001492" cy="5632311"/>
+            <a:off x="6653452" y="3047571"/>
+            <a:ext cx="10947590" cy="3170099"/>
           </a:xfrm>
           <a:prstGeom prst="rect">
             <a:avLst/>
@@ -16982,6 +18185,66 @@
           </a:p>
         </p:txBody>
       </p:sp>
+      <p:pic>
+        <p:nvPicPr>
+          <p:cNvPr id="4" name="Рисунок 3">
+            <a:extLst>
+              <a:ext uri="{FF2B5EF4-FFF2-40B4-BE49-F238E27FC236}">
+                <a16:creationId xmlns:a16="http://schemas.microsoft.com/office/drawing/2014/main" id="{4814A4A8-A16A-483F-815B-27E320C5EF8E}"/>
+              </a:ext>
+            </a:extLst>
+          </p:cNvPr>
+          <p:cNvPicPr>
+            <a:picLocks noChangeAspect="1"/>
+          </p:cNvPicPr>
+          <p:nvPr/>
+        </p:nvPicPr>
+        <p:blipFill>
+          <a:blip r:embed="rId4"/>
+          <a:stretch>
+            <a:fillRect/>
+          </a:stretch>
+        </p:blipFill>
+        <p:spPr>
+          <a:xfrm>
+            <a:off x="458379" y="3381890"/>
+            <a:ext cx="5557582" cy="6648798"/>
+          </a:xfrm>
+          <a:prstGeom prst="rect">
+            <a:avLst/>
+          </a:prstGeom>
+        </p:spPr>
+      </p:pic>
+      <p:pic>
+        <p:nvPicPr>
+          <p:cNvPr id="6" name="Рисунок 5">
+            <a:extLst>
+              <a:ext uri="{FF2B5EF4-FFF2-40B4-BE49-F238E27FC236}">
+                <a16:creationId xmlns:a16="http://schemas.microsoft.com/office/drawing/2014/main" id="{479E4B0E-CCC9-4EA4-958A-AF39902ED999}"/>
+              </a:ext>
+            </a:extLst>
+          </p:cNvPr>
+          <p:cNvPicPr>
+            <a:picLocks noChangeAspect="1"/>
+          </p:cNvPicPr>
+          <p:nvPr/>
+        </p:nvPicPr>
+        <p:blipFill>
+          <a:blip r:embed="rId5"/>
+          <a:stretch>
+            <a:fillRect/>
+          </a:stretch>
+        </p:blipFill>
+        <p:spPr>
+          <a:xfrm>
+            <a:off x="8312728" y="6217670"/>
+            <a:ext cx="8865730" cy="4023405"/>
+          </a:xfrm>
+          <a:prstGeom prst="rect">
+            <a:avLst/>
+          </a:prstGeom>
+        </p:spPr>
+      </p:pic>
     </p:spTree>
     <p:extLst>
       <p:ext uri="{BB962C8B-B14F-4D97-AF65-F5344CB8AC3E}">
